--- a/Documents/Ansible_BasicsAndHowToGetStarted.pptx
+++ b/Documents/Ansible_BasicsAndHowToGetStarted.pptx
@@ -5,7 +5,7 @@
     <p:sldMasterId id="2147483648" r:id="rId1"/>
   </p:sldMasterIdLst>
   <p:notesMasterIdLst>
-    <p:notesMasterId r:id="rId12"/>
+    <p:notesMasterId r:id="rId16"/>
   </p:notesMasterIdLst>
   <p:sldIdLst>
     <p:sldId id="261" r:id="rId2"/>
@@ -16,8 +16,12 @@
     <p:sldId id="277" r:id="rId7"/>
     <p:sldId id="280" r:id="rId8"/>
     <p:sldId id="281" r:id="rId9"/>
-    <p:sldId id="278" r:id="rId10"/>
-    <p:sldId id="279" r:id="rId11"/>
+    <p:sldId id="283" r:id="rId10"/>
+    <p:sldId id="282" r:id="rId11"/>
+    <p:sldId id="284" r:id="rId12"/>
+    <p:sldId id="285" r:id="rId13"/>
+    <p:sldId id="278" r:id="rId14"/>
+    <p:sldId id="279" r:id="rId15"/>
   </p:sldIdLst>
   <p:sldSz cx="12192000" cy="6858000"/>
   <p:notesSz cx="6858000" cy="9144000"/>
@@ -7553,6 +7557,957 @@
       </p:grpSpPr>
       <p:sp>
         <p:nvSpPr>
+          <p:cNvPr id="7" name="Title 6">
+            <a:extLst>
+              <a:ext uri="{FF2B5EF4-FFF2-40B4-BE49-F238E27FC236}">
+                <a16:creationId xmlns:a16="http://schemas.microsoft.com/office/drawing/2014/main" id="{A2094534-954B-4DF7-B34B-3A9A2517DF04}"/>
+              </a:ext>
+            </a:extLst>
+          </p:cNvPr>
+          <p:cNvSpPr>
+            <a:spLocks noGrp="1"/>
+          </p:cNvSpPr>
+          <p:nvPr>
+            <p:ph type="title"/>
+          </p:nvPr>
+        </p:nvSpPr>
+        <p:spPr/>
+        <p:txBody>
+          <a:bodyPr/>
+          <a:lstStyle/>
+          <a:p>
+            <a:r>
+              <a:rPr lang="nl-BE" dirty="0">
+                <a:solidFill>
+                  <a:srgbClr val="0085FE"/>
+                </a:solidFill>
+              </a:rPr>
+              <a:t>Inventory files</a:t>
+            </a:r>
+            <a:endParaRPr lang="en-US" dirty="0">
+              <a:solidFill>
+                <a:srgbClr val="0085FE"/>
+              </a:solidFill>
+            </a:endParaRPr>
+          </a:p>
+        </p:txBody>
+      </p:sp>
+      <p:sp>
+        <p:nvSpPr>
+          <p:cNvPr id="8" name="Content Placeholder 7">
+            <a:extLst>
+              <a:ext uri="{FF2B5EF4-FFF2-40B4-BE49-F238E27FC236}">
+                <a16:creationId xmlns:a16="http://schemas.microsoft.com/office/drawing/2014/main" id="{9B612C87-04F7-4D44-9EF7-C883CF9C393F}"/>
+              </a:ext>
+            </a:extLst>
+          </p:cNvPr>
+          <p:cNvSpPr>
+            <a:spLocks noGrp="1"/>
+          </p:cNvSpPr>
+          <p:nvPr>
+            <p:ph idx="1"/>
+          </p:nvPr>
+        </p:nvSpPr>
+        <p:spPr>
+          <a:xfrm>
+            <a:off x="396000" y="1194134"/>
+            <a:ext cx="9352800" cy="3132000"/>
+          </a:xfrm>
+        </p:spPr>
+        <p:txBody>
+          <a:bodyPr/>
+          <a:lstStyle/>
+          <a:p>
+            <a:pPr marL="457200" indent="-457200">
+              <a:buFont typeface="Arial" panose="020B0604020202020204" pitchFamily="34" charset="0"/>
+              <a:buChar char="•"/>
+            </a:pPr>
+            <a:r>
+              <a:rPr lang="nl-BE" sz="2400" dirty="0"/>
+              <a:t>Runs against one/more/group of hosts</a:t>
+            </a:r>
+          </a:p>
+          <a:p>
+            <a:pPr marL="457200" indent="-457200">
+              <a:buFont typeface="Arial" panose="020B0604020202020204" pitchFamily="34" charset="0"/>
+              <a:buChar char="•"/>
+            </a:pPr>
+            <a:r>
+              <a:rPr lang="nl-BE" sz="2400" dirty="0"/>
+              <a:t>Located under “\</a:t>
+            </a:r>
+            <a:r>
+              <a:rPr lang="nl-BE" sz="2400" dirty="0">
+                <a:latin typeface="Courier New" panose="02070309020205020404" pitchFamily="49" charset="0"/>
+                <a:cs typeface="Courier New" panose="02070309020205020404" pitchFamily="49" charset="0"/>
+              </a:rPr>
+              <a:t>etc\ansible\hosts</a:t>
+            </a:r>
+            <a:r>
+              <a:rPr lang="nl-BE" sz="2400" dirty="0"/>
+              <a:t>”</a:t>
+            </a:r>
+          </a:p>
+          <a:p>
+            <a:pPr marL="457200" indent="-457200">
+              <a:buFont typeface="Arial" panose="020B0604020202020204" pitchFamily="34" charset="0"/>
+              <a:buChar char="•"/>
+            </a:pPr>
+            <a:r>
+              <a:rPr lang="nl-BE" sz="2400" dirty="0"/>
+              <a:t>Can create multiple host files (needs to be specified in .cfg)</a:t>
+            </a:r>
+          </a:p>
+          <a:p>
+            <a:pPr marL="457200" indent="-457200">
+              <a:buFont typeface="Arial" panose="020B0604020202020204" pitchFamily="34" charset="0"/>
+              <a:buChar char="•"/>
+            </a:pPr>
+            <a:r>
+              <a:rPr lang="nl-BE" sz="2400" dirty="0"/>
+              <a:t>Dynamically switch between host files with “</a:t>
+            </a:r>
+            <a:r>
+              <a:rPr lang="nl-BE" sz="2400" dirty="0">
+                <a:latin typeface="Courier New" panose="02070309020205020404" pitchFamily="49" charset="0"/>
+                <a:cs typeface="Courier New" panose="02070309020205020404" pitchFamily="49" charset="0"/>
+              </a:rPr>
+              <a:t>-i &lt;file-path&gt;</a:t>
+            </a:r>
+            <a:r>
+              <a:rPr lang="nl-BE" sz="2400" dirty="0"/>
+              <a:t>”</a:t>
+            </a:r>
+          </a:p>
+          <a:p>
+            <a:pPr marL="457200" indent="-457200">
+              <a:buFont typeface="Arial" panose="020B0604020202020204" pitchFamily="34" charset="0"/>
+              <a:buChar char="•"/>
+            </a:pPr>
+            <a:r>
+              <a:rPr lang="nl-BE" sz="2400" dirty="0"/>
+              <a:t>Inventrory/host files can be in </a:t>
+            </a:r>
+            <a:r>
+              <a:rPr lang="nl-BE" sz="2400" dirty="0">
+                <a:latin typeface="Courier New" panose="02070309020205020404" pitchFamily="49" charset="0"/>
+                <a:cs typeface="Courier New" panose="02070309020205020404" pitchFamily="49" charset="0"/>
+              </a:rPr>
+              <a:t>INI</a:t>
+            </a:r>
+            <a:r>
+              <a:rPr lang="nl-BE" sz="2400" dirty="0"/>
+              <a:t> format or </a:t>
+            </a:r>
+            <a:r>
+              <a:rPr lang="nl-BE" sz="2400" dirty="0">
+                <a:latin typeface="Courier New" panose="02070309020205020404" pitchFamily="49" charset="0"/>
+                <a:cs typeface="Courier New" panose="02070309020205020404" pitchFamily="49" charset="0"/>
+              </a:rPr>
+              <a:t>YAML</a:t>
+            </a:r>
+          </a:p>
+          <a:p>
+            <a:pPr marL="457200" indent="-457200">
+              <a:buFont typeface="Arial" panose="020B0604020202020204" pitchFamily="34" charset="0"/>
+              <a:buChar char="•"/>
+            </a:pPr>
+            <a:r>
+              <a:rPr lang="nl-BE" sz="2400" dirty="0">
+                <a:latin typeface="Courier New" panose="02070309020205020404" pitchFamily="49" charset="0"/>
+                <a:cs typeface="Courier New" panose="02070309020205020404" pitchFamily="49" charset="0"/>
+              </a:rPr>
+              <a:t>Personal prefference</a:t>
+            </a:r>
+            <a:endParaRPr lang="en-US" sz="2400" dirty="0">
+              <a:latin typeface="Courier New" panose="02070309020205020404" pitchFamily="49" charset="0"/>
+              <a:cs typeface="Courier New" panose="02070309020205020404" pitchFamily="49" charset="0"/>
+            </a:endParaRPr>
+          </a:p>
+        </p:txBody>
+      </p:sp>
+      <p:sp>
+        <p:nvSpPr>
+          <p:cNvPr id="3" name="Footer Placeholder 2">
+            <a:extLst>
+              <a:ext uri="{FF2B5EF4-FFF2-40B4-BE49-F238E27FC236}">
+                <a16:creationId xmlns:a16="http://schemas.microsoft.com/office/drawing/2014/main" id="{FCE9B359-8248-4E23-98B2-6B8C5CBA2638}"/>
+              </a:ext>
+            </a:extLst>
+          </p:cNvPr>
+          <p:cNvSpPr>
+            <a:spLocks noGrp="1"/>
+          </p:cNvSpPr>
+          <p:nvPr>
+            <p:ph type="ftr" sz="quarter" idx="11"/>
+          </p:nvPr>
+        </p:nvSpPr>
+        <p:spPr/>
+        <p:txBody>
+          <a:bodyPr/>
+          <a:lstStyle/>
+          <a:p>
+            <a:r>
+              <a:rPr lang="nl-BE" dirty="0"/>
+              <a:t>Ansible</a:t>
+            </a:r>
+          </a:p>
+        </p:txBody>
+      </p:sp>
+      <p:sp>
+        <p:nvSpPr>
+          <p:cNvPr id="4" name="Slide Number Placeholder 3">
+            <a:extLst>
+              <a:ext uri="{FF2B5EF4-FFF2-40B4-BE49-F238E27FC236}">
+                <a16:creationId xmlns:a16="http://schemas.microsoft.com/office/drawing/2014/main" id="{01F6378C-4116-4B98-BA4A-E67FB09CB81E}"/>
+              </a:ext>
+            </a:extLst>
+          </p:cNvPr>
+          <p:cNvSpPr>
+            <a:spLocks noGrp="1"/>
+          </p:cNvSpPr>
+          <p:nvPr>
+            <p:ph type="sldNum" sz="quarter" idx="12"/>
+          </p:nvPr>
+        </p:nvSpPr>
+        <p:spPr/>
+        <p:txBody>
+          <a:bodyPr/>
+          <a:lstStyle/>
+          <a:p>
+            <a:fld id="{FF88DA20-ED00-471C-9170-60F590CB400A}" type="slidenum">
+              <a:rPr lang="nl-BE" smtClean="0"/>
+              <a:pPr/>
+              <a:t>10</a:t>
+            </a:fld>
+            <a:endParaRPr lang="nl-BE"/>
+          </a:p>
+        </p:txBody>
+      </p:sp>
+      <p:pic>
+        <p:nvPicPr>
+          <p:cNvPr id="11" name="Picture 10">
+            <a:extLst>
+              <a:ext uri="{FF2B5EF4-FFF2-40B4-BE49-F238E27FC236}">
+                <a16:creationId xmlns:a16="http://schemas.microsoft.com/office/drawing/2014/main" id="{0C3C7A0A-D0C4-4651-B89D-03999A813C6E}"/>
+              </a:ext>
+            </a:extLst>
+          </p:cNvPr>
+          <p:cNvPicPr>
+            <a:picLocks noChangeAspect="1"/>
+          </p:cNvPicPr>
+          <p:nvPr/>
+        </p:nvPicPr>
+        <p:blipFill>
+          <a:blip r:embed="rId2"/>
+          <a:stretch>
+            <a:fillRect/>
+          </a:stretch>
+        </p:blipFill>
+        <p:spPr>
+          <a:xfrm>
+            <a:off x="4806833" y="3787869"/>
+            <a:ext cx="4267796" cy="2753109"/>
+          </a:xfrm>
+          <a:prstGeom prst="rect">
+            <a:avLst/>
+          </a:prstGeom>
+        </p:spPr>
+      </p:pic>
+    </p:spTree>
+    <p:extLst>
+      <p:ext uri="{BB962C8B-B14F-4D97-AF65-F5344CB8AC3E}">
+        <p14:creationId xmlns:p14="http://schemas.microsoft.com/office/powerpoint/2010/main" val="484786597"/>
+      </p:ext>
+    </p:extLst>
+  </p:cSld>
+  <p:clrMapOvr>
+    <a:masterClrMapping/>
+  </p:clrMapOvr>
+</p:sld>
+</file>
+
+<file path=ppt/slides/slide11.xml><?xml version="1.0" encoding="utf-8"?>
+<p:sld xmlns:a="http://schemas.openxmlformats.org/drawingml/2006/main" xmlns:r="http://schemas.openxmlformats.org/officeDocument/2006/relationships" xmlns:p="http://schemas.openxmlformats.org/presentationml/2006/main">
+  <p:cSld>
+    <p:spTree>
+      <p:nvGrpSpPr>
+        <p:cNvPr id="1" name=""/>
+        <p:cNvGrpSpPr/>
+        <p:nvPr/>
+      </p:nvGrpSpPr>
+      <p:grpSpPr>
+        <a:xfrm>
+          <a:off x="0" y="0"/>
+          <a:ext cx="0" cy="0"/>
+          <a:chOff x="0" y="0"/>
+          <a:chExt cx="0" cy="0"/>
+        </a:xfrm>
+      </p:grpSpPr>
+      <p:sp>
+        <p:nvSpPr>
+          <p:cNvPr id="2" name="Title 1">
+            <a:extLst>
+              <a:ext uri="{FF2B5EF4-FFF2-40B4-BE49-F238E27FC236}">
+                <a16:creationId xmlns:a16="http://schemas.microsoft.com/office/drawing/2014/main" id="{40A6A89A-C4DE-46C6-AAF0-BFCDBF10CE26}"/>
+              </a:ext>
+            </a:extLst>
+          </p:cNvPr>
+          <p:cNvSpPr>
+            <a:spLocks noGrp="1"/>
+          </p:cNvSpPr>
+          <p:nvPr>
+            <p:ph type="title"/>
+          </p:nvPr>
+        </p:nvSpPr>
+        <p:spPr/>
+        <p:txBody>
+          <a:bodyPr/>
+          <a:lstStyle/>
+          <a:p>
+            <a:r>
+              <a:rPr lang="nl-BE">
+                <a:solidFill>
+                  <a:srgbClr val="0085FE"/>
+                </a:solidFill>
+              </a:rPr>
+              <a:t>Inventory file formats</a:t>
+            </a:r>
+            <a:endParaRPr lang="en-US" dirty="0">
+              <a:solidFill>
+                <a:srgbClr val="0085FE"/>
+              </a:solidFill>
+            </a:endParaRPr>
+          </a:p>
+        </p:txBody>
+      </p:sp>
+      <p:sp>
+        <p:nvSpPr>
+          <p:cNvPr id="4" name="Footer Placeholder 3">
+            <a:extLst>
+              <a:ext uri="{FF2B5EF4-FFF2-40B4-BE49-F238E27FC236}">
+                <a16:creationId xmlns:a16="http://schemas.microsoft.com/office/drawing/2014/main" id="{199175DE-F460-4C98-BB14-CEEBB0D17C5A}"/>
+              </a:ext>
+            </a:extLst>
+          </p:cNvPr>
+          <p:cNvSpPr>
+            <a:spLocks noGrp="1"/>
+          </p:cNvSpPr>
+          <p:nvPr>
+            <p:ph type="ftr" sz="quarter" idx="11"/>
+          </p:nvPr>
+        </p:nvSpPr>
+        <p:spPr/>
+        <p:txBody>
+          <a:bodyPr/>
+          <a:lstStyle/>
+          <a:p>
+            <a:r>
+              <a:rPr lang="nl-BE" dirty="0"/>
+              <a:t>Ansible</a:t>
+            </a:r>
+          </a:p>
+        </p:txBody>
+      </p:sp>
+      <p:sp>
+        <p:nvSpPr>
+          <p:cNvPr id="5" name="Slide Number Placeholder 4">
+            <a:extLst>
+              <a:ext uri="{FF2B5EF4-FFF2-40B4-BE49-F238E27FC236}">
+                <a16:creationId xmlns:a16="http://schemas.microsoft.com/office/drawing/2014/main" id="{4105B84B-2369-4B3B-AB22-BBF5E0D485E8}"/>
+              </a:ext>
+            </a:extLst>
+          </p:cNvPr>
+          <p:cNvSpPr>
+            <a:spLocks noGrp="1"/>
+          </p:cNvSpPr>
+          <p:nvPr>
+            <p:ph type="sldNum" sz="quarter" idx="12"/>
+          </p:nvPr>
+        </p:nvSpPr>
+        <p:spPr/>
+        <p:txBody>
+          <a:bodyPr/>
+          <a:lstStyle/>
+          <a:p>
+            <a:fld id="{FF88DA20-ED00-471C-9170-60F590CB400A}" type="slidenum">
+              <a:rPr lang="nl-BE" smtClean="0"/>
+              <a:t>11</a:t>
+            </a:fld>
+            <a:endParaRPr lang="nl-BE"/>
+          </a:p>
+        </p:txBody>
+      </p:sp>
+      <p:pic>
+        <p:nvPicPr>
+          <p:cNvPr id="7" name="Picture 6" descr="Text&#10;&#10;Description automatically generated with medium confidence">
+            <a:extLst>
+              <a:ext uri="{FF2B5EF4-FFF2-40B4-BE49-F238E27FC236}">
+                <a16:creationId xmlns:a16="http://schemas.microsoft.com/office/drawing/2014/main" id="{E7F82C24-23E0-4367-A2C1-98D826A07309}"/>
+              </a:ext>
+            </a:extLst>
+          </p:cNvPr>
+          <p:cNvPicPr>
+            <a:picLocks noChangeAspect="1"/>
+          </p:cNvPicPr>
+          <p:nvPr/>
+        </p:nvPicPr>
+        <p:blipFill>
+          <a:blip r:embed="rId2">
+            <a:extLst>
+              <a:ext uri="{28A0092B-C50C-407E-A947-70E740481C1C}">
+                <a14:useLocalDpi xmlns:a14="http://schemas.microsoft.com/office/drawing/2010/main" val="0"/>
+              </a:ext>
+            </a:extLst>
+          </a:blip>
+          <a:stretch>
+            <a:fillRect/>
+          </a:stretch>
+        </p:blipFill>
+        <p:spPr>
+          <a:xfrm>
+            <a:off x="1788301" y="1846206"/>
+            <a:ext cx="3187745" cy="3867797"/>
+          </a:xfrm>
+          <a:prstGeom prst="rect">
+            <a:avLst/>
+          </a:prstGeom>
+        </p:spPr>
+      </p:pic>
+      <p:pic>
+        <p:nvPicPr>
+          <p:cNvPr id="9" name="Picture 8" descr="A picture containing text, indoor, screenshot&#10;&#10;Description automatically generated">
+            <a:extLst>
+              <a:ext uri="{FF2B5EF4-FFF2-40B4-BE49-F238E27FC236}">
+                <a16:creationId xmlns:a16="http://schemas.microsoft.com/office/drawing/2014/main" id="{A8BCABD1-8E43-451A-9234-53E1F63A73CC}"/>
+              </a:ext>
+            </a:extLst>
+          </p:cNvPr>
+          <p:cNvPicPr>
+            <a:picLocks noChangeAspect="1"/>
+          </p:cNvPicPr>
+          <p:nvPr/>
+        </p:nvPicPr>
+        <p:blipFill>
+          <a:blip r:embed="rId3">
+            <a:extLst>
+              <a:ext uri="{28A0092B-C50C-407E-A947-70E740481C1C}">
+                <a14:useLocalDpi xmlns:a14="http://schemas.microsoft.com/office/drawing/2010/main" val="0"/>
+              </a:ext>
+            </a:extLst>
+          </a:blip>
+          <a:stretch>
+            <a:fillRect/>
+          </a:stretch>
+        </p:blipFill>
+        <p:spPr>
+          <a:xfrm>
+            <a:off x="7215956" y="1843413"/>
+            <a:ext cx="2764018" cy="3873385"/>
+          </a:xfrm>
+          <a:prstGeom prst="rect">
+            <a:avLst/>
+          </a:prstGeom>
+        </p:spPr>
+      </p:pic>
+      <p:sp>
+        <p:nvSpPr>
+          <p:cNvPr id="10" name="TextBox 9">
+            <a:extLst>
+              <a:ext uri="{FF2B5EF4-FFF2-40B4-BE49-F238E27FC236}">
+                <a16:creationId xmlns:a16="http://schemas.microsoft.com/office/drawing/2014/main" id="{2AA254A3-5F6A-47B5-90D1-0F08ADAAECD7}"/>
+              </a:ext>
+            </a:extLst>
+          </p:cNvPr>
+          <p:cNvSpPr txBox="1"/>
+          <p:nvPr/>
+        </p:nvSpPr>
+        <p:spPr>
+          <a:xfrm>
+            <a:off x="2890147" y="1320193"/>
+            <a:ext cx="984052" cy="523220"/>
+          </a:xfrm>
+          <a:prstGeom prst="rect">
+            <a:avLst/>
+          </a:prstGeom>
+          <a:noFill/>
+        </p:spPr>
+        <p:txBody>
+          <a:bodyPr wrap="none" rtlCol="0">
+            <a:spAutoFit/>
+          </a:bodyPr>
+          <a:lstStyle/>
+          <a:p>
+            <a:r>
+              <a:rPr lang="nl-BE" sz="2800" dirty="0"/>
+              <a:t>YAML</a:t>
+            </a:r>
+            <a:endParaRPr lang="en-US" dirty="0"/>
+          </a:p>
+        </p:txBody>
+      </p:sp>
+      <p:sp>
+        <p:nvSpPr>
+          <p:cNvPr id="11" name="TextBox 10">
+            <a:extLst>
+              <a:ext uri="{FF2B5EF4-FFF2-40B4-BE49-F238E27FC236}">
+                <a16:creationId xmlns:a16="http://schemas.microsoft.com/office/drawing/2014/main" id="{C0474779-5F45-4CCF-A1B6-B412744D8C63}"/>
+              </a:ext>
+            </a:extLst>
+          </p:cNvPr>
+          <p:cNvSpPr txBox="1"/>
+          <p:nvPr/>
+        </p:nvSpPr>
+        <p:spPr>
+          <a:xfrm>
+            <a:off x="8302852" y="1320193"/>
+            <a:ext cx="590226" cy="523220"/>
+          </a:xfrm>
+          <a:prstGeom prst="rect">
+            <a:avLst/>
+          </a:prstGeom>
+          <a:noFill/>
+        </p:spPr>
+        <p:txBody>
+          <a:bodyPr wrap="none" rtlCol="0">
+            <a:spAutoFit/>
+          </a:bodyPr>
+          <a:lstStyle/>
+          <a:p>
+            <a:r>
+              <a:rPr lang="nl-BE" sz="2800" dirty="0"/>
+              <a:t>INI</a:t>
+            </a:r>
+            <a:endParaRPr lang="en-US" sz="2800" dirty="0"/>
+          </a:p>
+        </p:txBody>
+      </p:sp>
+    </p:spTree>
+    <p:extLst>
+      <p:ext uri="{BB962C8B-B14F-4D97-AF65-F5344CB8AC3E}">
+        <p14:creationId xmlns:p14="http://schemas.microsoft.com/office/powerpoint/2010/main" val="812554469"/>
+      </p:ext>
+    </p:extLst>
+  </p:cSld>
+  <p:clrMapOvr>
+    <a:masterClrMapping/>
+  </p:clrMapOvr>
+</p:sld>
+</file>
+
+<file path=ppt/slides/slide12.xml><?xml version="1.0" encoding="utf-8"?>
+<p:sld xmlns:a="http://schemas.openxmlformats.org/drawingml/2006/main" xmlns:r="http://schemas.openxmlformats.org/officeDocument/2006/relationships" xmlns:p="http://schemas.openxmlformats.org/presentationml/2006/main">
+  <p:cSld>
+    <p:spTree>
+      <p:nvGrpSpPr>
+        <p:cNvPr id="1" name=""/>
+        <p:cNvGrpSpPr/>
+        <p:nvPr/>
+      </p:nvGrpSpPr>
+      <p:grpSpPr>
+        <a:xfrm>
+          <a:off x="0" y="0"/>
+          <a:ext cx="0" cy="0"/>
+          <a:chOff x="0" y="0"/>
+          <a:chExt cx="0" cy="0"/>
+        </a:xfrm>
+      </p:grpSpPr>
+      <p:sp>
+        <p:nvSpPr>
+          <p:cNvPr id="2" name="Title 1">
+            <a:extLst>
+              <a:ext uri="{FF2B5EF4-FFF2-40B4-BE49-F238E27FC236}">
+                <a16:creationId xmlns:a16="http://schemas.microsoft.com/office/drawing/2014/main" id="{DEEB506E-0937-4635-B40E-AA7482302E95}"/>
+              </a:ext>
+            </a:extLst>
+          </p:cNvPr>
+          <p:cNvSpPr>
+            <a:spLocks noGrp="1"/>
+          </p:cNvSpPr>
+          <p:nvPr>
+            <p:ph type="title"/>
+          </p:nvPr>
+        </p:nvSpPr>
+        <p:spPr/>
+        <p:txBody>
+          <a:bodyPr/>
+          <a:lstStyle/>
+          <a:p>
+            <a:r>
+              <a:rPr lang="nl-BE" dirty="0">
+                <a:solidFill>
+                  <a:srgbClr val="0085FE"/>
+                </a:solidFill>
+              </a:rPr>
+              <a:t>Inventory real world example</a:t>
+            </a:r>
+            <a:endParaRPr lang="en-US" dirty="0">
+              <a:solidFill>
+                <a:srgbClr val="0085FE"/>
+              </a:solidFill>
+            </a:endParaRPr>
+          </a:p>
+        </p:txBody>
+      </p:sp>
+      <p:sp>
+        <p:nvSpPr>
+          <p:cNvPr id="3" name="Content Placeholder 2">
+            <a:extLst>
+              <a:ext uri="{FF2B5EF4-FFF2-40B4-BE49-F238E27FC236}">
+                <a16:creationId xmlns:a16="http://schemas.microsoft.com/office/drawing/2014/main" id="{62083E4D-43DF-4E16-A43C-4F2D496276A7}"/>
+              </a:ext>
+            </a:extLst>
+          </p:cNvPr>
+          <p:cNvSpPr>
+            <a:spLocks noGrp="1"/>
+          </p:cNvSpPr>
+          <p:nvPr>
+            <p:ph idx="1"/>
+          </p:nvPr>
+        </p:nvSpPr>
+        <p:spPr/>
+        <p:txBody>
+          <a:bodyPr/>
+          <a:lstStyle/>
+          <a:p>
+            <a:endParaRPr lang="en-US"/>
+          </a:p>
+        </p:txBody>
+      </p:sp>
+      <p:sp>
+        <p:nvSpPr>
+          <p:cNvPr id="4" name="Footer Placeholder 3">
+            <a:extLst>
+              <a:ext uri="{FF2B5EF4-FFF2-40B4-BE49-F238E27FC236}">
+                <a16:creationId xmlns:a16="http://schemas.microsoft.com/office/drawing/2014/main" id="{30FED224-1222-43E5-9DC0-8E94755FAB18}"/>
+              </a:ext>
+            </a:extLst>
+          </p:cNvPr>
+          <p:cNvSpPr>
+            <a:spLocks noGrp="1"/>
+          </p:cNvSpPr>
+          <p:nvPr>
+            <p:ph type="ftr" sz="quarter" idx="11"/>
+          </p:nvPr>
+        </p:nvSpPr>
+        <p:spPr/>
+        <p:txBody>
+          <a:bodyPr/>
+          <a:lstStyle/>
+          <a:p>
+            <a:r>
+              <a:rPr lang="nl-BE" dirty="0"/>
+              <a:t>Ansible</a:t>
+            </a:r>
+          </a:p>
+        </p:txBody>
+      </p:sp>
+      <p:sp>
+        <p:nvSpPr>
+          <p:cNvPr id="5" name="Slide Number Placeholder 4">
+            <a:extLst>
+              <a:ext uri="{FF2B5EF4-FFF2-40B4-BE49-F238E27FC236}">
+                <a16:creationId xmlns:a16="http://schemas.microsoft.com/office/drawing/2014/main" id="{99D1E31C-8B99-4F04-8820-5510276DB67A}"/>
+              </a:ext>
+            </a:extLst>
+          </p:cNvPr>
+          <p:cNvSpPr>
+            <a:spLocks noGrp="1"/>
+          </p:cNvSpPr>
+          <p:nvPr>
+            <p:ph type="sldNum" sz="quarter" idx="12"/>
+          </p:nvPr>
+        </p:nvSpPr>
+        <p:spPr/>
+        <p:txBody>
+          <a:bodyPr/>
+          <a:lstStyle/>
+          <a:p>
+            <a:fld id="{FF88DA20-ED00-471C-9170-60F590CB400A}" type="slidenum">
+              <a:rPr lang="nl-BE" smtClean="0"/>
+              <a:t>12</a:t>
+            </a:fld>
+            <a:endParaRPr lang="nl-BE"/>
+          </a:p>
+        </p:txBody>
+      </p:sp>
+      <p:pic>
+        <p:nvPicPr>
+          <p:cNvPr id="7" name="Picture 6" descr="Text&#10;&#10;Description automatically generated">
+            <a:extLst>
+              <a:ext uri="{FF2B5EF4-FFF2-40B4-BE49-F238E27FC236}">
+                <a16:creationId xmlns:a16="http://schemas.microsoft.com/office/drawing/2014/main" id="{F8FF7953-1762-4573-8551-700C50449861}"/>
+              </a:ext>
+            </a:extLst>
+          </p:cNvPr>
+          <p:cNvPicPr>
+            <a:picLocks noChangeAspect="1"/>
+          </p:cNvPicPr>
+          <p:nvPr/>
+        </p:nvPicPr>
+        <p:blipFill>
+          <a:blip r:embed="rId2">
+            <a:extLst>
+              <a:ext uri="{28A0092B-C50C-407E-A947-70E740481C1C}">
+                <a14:useLocalDpi xmlns:a14="http://schemas.microsoft.com/office/drawing/2010/main" val="0"/>
+              </a:ext>
+            </a:extLst>
+          </a:blip>
+          <a:stretch>
+            <a:fillRect/>
+          </a:stretch>
+        </p:blipFill>
+        <p:spPr>
+          <a:xfrm>
+            <a:off x="7674370" y="1396365"/>
+            <a:ext cx="3237230" cy="4065270"/>
+          </a:xfrm>
+          <a:prstGeom prst="rect">
+            <a:avLst/>
+          </a:prstGeom>
+        </p:spPr>
+      </p:pic>
+    </p:spTree>
+    <p:extLst>
+      <p:ext uri="{BB962C8B-B14F-4D97-AF65-F5344CB8AC3E}">
+        <p14:creationId xmlns:p14="http://schemas.microsoft.com/office/powerpoint/2010/main" val="1561508457"/>
+      </p:ext>
+    </p:extLst>
+  </p:cSld>
+  <p:clrMapOvr>
+    <a:masterClrMapping/>
+  </p:clrMapOvr>
+</p:sld>
+</file>
+
+<file path=ppt/slides/slide13.xml><?xml version="1.0" encoding="utf-8"?>
+<p:sld xmlns:a="http://schemas.openxmlformats.org/drawingml/2006/main" xmlns:r="http://schemas.openxmlformats.org/officeDocument/2006/relationships" xmlns:p="http://schemas.openxmlformats.org/presentationml/2006/main">
+  <p:cSld>
+    <p:spTree>
+      <p:nvGrpSpPr>
+        <p:cNvPr id="1" name=""/>
+        <p:cNvGrpSpPr/>
+        <p:nvPr/>
+      </p:nvGrpSpPr>
+      <p:grpSpPr>
+        <a:xfrm>
+          <a:off x="0" y="0"/>
+          <a:ext cx="0" cy="0"/>
+          <a:chOff x="0" y="0"/>
+          <a:chExt cx="0" cy="0"/>
+        </a:xfrm>
+      </p:grpSpPr>
+      <p:sp>
+        <p:nvSpPr>
+          <p:cNvPr id="2" name="Title 1">
+            <a:extLst>
+              <a:ext uri="{FF2B5EF4-FFF2-40B4-BE49-F238E27FC236}">
+                <a16:creationId xmlns:a16="http://schemas.microsoft.com/office/drawing/2014/main" id="{C0CA5DA5-C036-4684-B395-A2B54100B73E}"/>
+              </a:ext>
+            </a:extLst>
+          </p:cNvPr>
+          <p:cNvSpPr>
+            <a:spLocks noGrp="1"/>
+          </p:cNvSpPr>
+          <p:nvPr>
+            <p:ph type="title"/>
+          </p:nvPr>
+        </p:nvSpPr>
+        <p:spPr/>
+        <p:txBody>
+          <a:bodyPr/>
+          <a:lstStyle/>
+          <a:p>
+            <a:endParaRPr lang="en-US"/>
+          </a:p>
+        </p:txBody>
+      </p:sp>
+      <p:sp>
+        <p:nvSpPr>
+          <p:cNvPr id="3" name="Content Placeholder 2">
+            <a:extLst>
+              <a:ext uri="{FF2B5EF4-FFF2-40B4-BE49-F238E27FC236}">
+                <a16:creationId xmlns:a16="http://schemas.microsoft.com/office/drawing/2014/main" id="{6BB7156A-B72D-4860-81A1-650099E4CA1D}"/>
+              </a:ext>
+            </a:extLst>
+          </p:cNvPr>
+          <p:cNvSpPr>
+            <a:spLocks noGrp="1"/>
+          </p:cNvSpPr>
+          <p:nvPr>
+            <p:ph idx="1"/>
+          </p:nvPr>
+        </p:nvSpPr>
+        <p:spPr/>
+        <p:txBody>
+          <a:bodyPr/>
+          <a:lstStyle/>
+          <a:p>
+            <a:endParaRPr lang="en-US"/>
+          </a:p>
+        </p:txBody>
+      </p:sp>
+      <p:sp>
+        <p:nvSpPr>
+          <p:cNvPr id="4" name="Footer Placeholder 3">
+            <a:extLst>
+              <a:ext uri="{FF2B5EF4-FFF2-40B4-BE49-F238E27FC236}">
+                <a16:creationId xmlns:a16="http://schemas.microsoft.com/office/drawing/2014/main" id="{80F1881B-72D4-442C-AFDA-B56DEF22CFC7}"/>
+              </a:ext>
+            </a:extLst>
+          </p:cNvPr>
+          <p:cNvSpPr>
+            <a:spLocks noGrp="1"/>
+          </p:cNvSpPr>
+          <p:nvPr>
+            <p:ph type="ftr" sz="quarter" idx="11"/>
+          </p:nvPr>
+        </p:nvSpPr>
+        <p:spPr/>
+        <p:txBody>
+          <a:bodyPr/>
+          <a:lstStyle/>
+          <a:p>
+            <a:r>
+              <a:rPr lang="nl-BE"/>
+              <a:t>Titel van de presentatie</a:t>
+            </a:r>
+          </a:p>
+        </p:txBody>
+      </p:sp>
+      <p:sp>
+        <p:nvSpPr>
+          <p:cNvPr id="5" name="Slide Number Placeholder 4">
+            <a:extLst>
+              <a:ext uri="{FF2B5EF4-FFF2-40B4-BE49-F238E27FC236}">
+                <a16:creationId xmlns:a16="http://schemas.microsoft.com/office/drawing/2014/main" id="{EA65554E-54D4-4B45-9ED8-B19774FC2A6D}"/>
+              </a:ext>
+            </a:extLst>
+          </p:cNvPr>
+          <p:cNvSpPr>
+            <a:spLocks noGrp="1"/>
+          </p:cNvSpPr>
+          <p:nvPr>
+            <p:ph type="sldNum" sz="quarter" idx="12"/>
+          </p:nvPr>
+        </p:nvSpPr>
+        <p:spPr/>
+        <p:txBody>
+          <a:bodyPr/>
+          <a:lstStyle/>
+          <a:p>
+            <a:fld id="{FF88DA20-ED00-471C-9170-60F590CB400A}" type="slidenum">
+              <a:rPr lang="nl-BE" smtClean="0"/>
+              <a:t>13</a:t>
+            </a:fld>
+            <a:endParaRPr lang="nl-BE"/>
+          </a:p>
+        </p:txBody>
+      </p:sp>
+      <p:sp>
+        <p:nvSpPr>
+          <p:cNvPr id="6" name="Text Placeholder 5">
+            <a:extLst>
+              <a:ext uri="{FF2B5EF4-FFF2-40B4-BE49-F238E27FC236}">
+                <a16:creationId xmlns:a16="http://schemas.microsoft.com/office/drawing/2014/main" id="{7178E282-D5ED-46AF-AC21-8E478FBDA844}"/>
+              </a:ext>
+            </a:extLst>
+          </p:cNvPr>
+          <p:cNvSpPr>
+            <a:spLocks noGrp="1"/>
+          </p:cNvSpPr>
+          <p:nvPr>
+            <p:ph type="body" sz="quarter" idx="13"/>
+          </p:nvPr>
+        </p:nvSpPr>
+        <p:spPr/>
+        <p:txBody>
+          <a:bodyPr/>
+          <a:lstStyle/>
+          <a:p>
+            <a:endParaRPr lang="en-US"/>
+          </a:p>
+        </p:txBody>
+      </p:sp>
+      <p:pic>
+        <p:nvPicPr>
+          <p:cNvPr id="28674" name="Picture 2" descr="End-to-End Application Provisioning with Ansible and Terraform | IBM">
+            <a:extLst>
+              <a:ext uri="{FF2B5EF4-FFF2-40B4-BE49-F238E27FC236}">
+                <a16:creationId xmlns:a16="http://schemas.microsoft.com/office/drawing/2014/main" id="{87FE8728-FA6F-4346-A9CE-9EF8D6972657}"/>
+              </a:ext>
+            </a:extLst>
+          </p:cNvPr>
+          <p:cNvPicPr>
+            <a:picLocks noChangeAspect="1" noChangeArrowheads="1"/>
+          </p:cNvPicPr>
+          <p:nvPr/>
+        </p:nvPicPr>
+        <p:blipFill>
+          <a:blip r:embed="rId2">
+            <a:extLst>
+              <a:ext uri="{28A0092B-C50C-407E-A947-70E740481C1C}">
+                <a14:useLocalDpi xmlns:a14="http://schemas.microsoft.com/office/drawing/2010/main" val="0"/>
+              </a:ext>
+            </a:extLst>
+          </a:blip>
+          <a:srcRect/>
+          <a:stretch>
+            <a:fillRect/>
+          </a:stretch>
+        </p:blipFill>
+        <p:spPr bwMode="auto">
+          <a:xfrm>
+            <a:off x="1790700" y="561975"/>
+            <a:ext cx="8610600" cy="5734050"/>
+          </a:xfrm>
+          <a:prstGeom prst="rect">
+            <a:avLst/>
+          </a:prstGeom>
+          <a:noFill/>
+          <a:extLst>
+            <a:ext uri="{909E8E84-426E-40DD-AFC4-6F175D3DCCD1}">
+              <a14:hiddenFill xmlns:a14="http://schemas.microsoft.com/office/drawing/2010/main">
+                <a:solidFill>
+                  <a:srgbClr val="FFFFFF"/>
+                </a:solidFill>
+              </a14:hiddenFill>
+            </a:ext>
+          </a:extLst>
+        </p:spPr>
+      </p:pic>
+    </p:spTree>
+    <p:extLst>
+      <p:ext uri="{BB962C8B-B14F-4D97-AF65-F5344CB8AC3E}">
+        <p14:creationId xmlns:p14="http://schemas.microsoft.com/office/powerpoint/2010/main" val="791299812"/>
+      </p:ext>
+    </p:extLst>
+  </p:cSld>
+  <p:clrMapOvr>
+    <a:masterClrMapping/>
+  </p:clrMapOvr>
+</p:sld>
+</file>
+
+<file path=ppt/slides/slide14.xml><?xml version="1.0" encoding="utf-8"?>
+<p:sld xmlns:a="http://schemas.openxmlformats.org/drawingml/2006/main" xmlns:r="http://schemas.openxmlformats.org/officeDocument/2006/relationships" xmlns:p="http://schemas.openxmlformats.org/presentationml/2006/main">
+  <p:cSld>
+    <p:spTree>
+      <p:nvGrpSpPr>
+        <p:cNvPr id="1" name=""/>
+        <p:cNvGrpSpPr/>
+        <p:nvPr/>
+      </p:nvGrpSpPr>
+      <p:grpSpPr>
+        <a:xfrm>
+          <a:off x="0" y="0"/>
+          <a:ext cx="0" cy="0"/>
+          <a:chOff x="0" y="0"/>
+          <a:chExt cx="0" cy="0"/>
+        </a:xfrm>
+      </p:grpSpPr>
+      <p:sp>
+        <p:nvSpPr>
           <p:cNvPr id="2" name="Title 1">
             <a:extLst>
               <a:ext uri="{FF2B5EF4-FFF2-40B4-BE49-F238E27FC236}">
@@ -7682,7 +8637,7 @@
           <a:p>
             <a:fld id="{FF88DA20-ED00-471C-9170-60F590CB400A}" type="slidenum">
               <a:rPr lang="nl-BE" smtClean="0"/>
-              <a:t>10</a:t>
+              <a:t>14</a:t>
             </a:fld>
             <a:endParaRPr lang="nl-BE"/>
           </a:p>
@@ -8577,7 +9532,7 @@
                   <a:srgbClr val="0085FE"/>
                 </a:solidFill>
               </a:rPr>
-              <a:t>What is Ansible</a:t>
+              <a:t>Use cases</a:t>
             </a:r>
             <a:br>
               <a:rPr lang="en-US" sz="2800" dirty="0">
@@ -8913,8 +9868,8 @@
           <a:lstStyle/>
           <a:p>
             <a:r>
-              <a:rPr lang="nl-BE"/>
-              <a:t>Titel van de presentatie</a:t>
+              <a:rPr lang="nl-BE" dirty="0"/>
+              <a:t>Ansible</a:t>
             </a:r>
           </a:p>
         </p:txBody>
@@ -9012,18 +9967,18 @@
       </p:grpSpPr>
       <p:sp>
         <p:nvSpPr>
-          <p:cNvPr id="7" name="Title 6">
-            <a:extLst>
-              <a:ext uri="{FF2B5EF4-FFF2-40B4-BE49-F238E27FC236}">
-                <a16:creationId xmlns:a16="http://schemas.microsoft.com/office/drawing/2014/main" id="{87882EC7-60D0-4F43-876C-0F3F3F58A77B}"/>
-              </a:ext>
-            </a:extLst>
-          </p:cNvPr>
-          <p:cNvSpPr>
-            <a:spLocks noGrp="1"/>
-          </p:cNvSpPr>
-          <p:nvPr>
-            <p:ph type="title"/>
+          <p:cNvPr id="4" name="Footer Placeholder 3">
+            <a:extLst>
+              <a:ext uri="{FF2B5EF4-FFF2-40B4-BE49-F238E27FC236}">
+                <a16:creationId xmlns:a16="http://schemas.microsoft.com/office/drawing/2014/main" id="{40D69995-68B5-465E-81B1-BB0C0A10D59A}"/>
+              </a:ext>
+            </a:extLst>
+          </p:cNvPr>
+          <p:cNvSpPr>
+            <a:spLocks noGrp="1"/>
+          </p:cNvSpPr>
+          <p:nvPr>
+            <p:ph type="ftr" sz="quarter" idx="11"/>
           </p:nvPr>
         </p:nvSpPr>
         <p:spPr/>
@@ -9031,34 +9986,9 @@
           <a:bodyPr/>
           <a:lstStyle/>
           <a:p>
-            <a:endParaRPr lang="en-US"/>
-          </a:p>
-        </p:txBody>
-      </p:sp>
-      <p:sp>
-        <p:nvSpPr>
-          <p:cNvPr id="4" name="Footer Placeholder 3">
-            <a:extLst>
-              <a:ext uri="{FF2B5EF4-FFF2-40B4-BE49-F238E27FC236}">
-                <a16:creationId xmlns:a16="http://schemas.microsoft.com/office/drawing/2014/main" id="{40D69995-68B5-465E-81B1-BB0C0A10D59A}"/>
-              </a:ext>
-            </a:extLst>
-          </p:cNvPr>
-          <p:cNvSpPr>
-            <a:spLocks noGrp="1"/>
-          </p:cNvSpPr>
-          <p:nvPr>
-            <p:ph type="ftr" sz="quarter" idx="11"/>
-          </p:nvPr>
-        </p:nvSpPr>
-        <p:spPr/>
-        <p:txBody>
-          <a:bodyPr/>
-          <a:lstStyle/>
-          <a:p>
-            <a:r>
-              <a:rPr lang="nl-BE"/>
-              <a:t>Titel van de presentatie</a:t>
+            <a:r>
+              <a:rPr lang="nl-BE" dirty="0"/>
+              <a:t>Ansible</a:t>
             </a:r>
           </a:p>
         </p:txBody>
@@ -9114,27 +10044,171 @@
           <a:bodyPr/>
           <a:lstStyle/>
           <a:p>
-            <a:endParaRPr lang="en-US"/>
-          </a:p>
-        </p:txBody>
-      </p:sp>
-      <p:sp>
-        <p:nvSpPr>
-          <p:cNvPr id="9" name="Picture Placeholder 8">
-            <a:extLst>
-              <a:ext uri="{FF2B5EF4-FFF2-40B4-BE49-F238E27FC236}">
-                <a16:creationId xmlns:a16="http://schemas.microsoft.com/office/drawing/2014/main" id="{67CBB530-4CBB-4910-80C7-D7D32035F17E}"/>
-              </a:ext>
-            </a:extLst>
-          </p:cNvPr>
-          <p:cNvSpPr>
-            <a:spLocks noGrp="1"/>
-          </p:cNvSpPr>
-          <p:nvPr>
-            <p:ph type="pic" sz="quarter" idx="14"/>
-          </p:nvPr>
-        </p:nvSpPr>
-        <p:spPr/>
+            <a:r>
+              <a:rPr lang="nl-BE" sz="2800" dirty="0"/>
+              <a:t>Ansible architecture</a:t>
+            </a:r>
+            <a:endParaRPr lang="en-US" sz="2800" dirty="0"/>
+          </a:p>
+        </p:txBody>
+      </p:sp>
+      <p:pic>
+        <p:nvPicPr>
+          <p:cNvPr id="10" name="Picture 9" descr="A screenshot of a computer&#10;&#10;Description automatically generated with low confidence">
+            <a:extLst>
+              <a:ext uri="{FF2B5EF4-FFF2-40B4-BE49-F238E27FC236}">
+                <a16:creationId xmlns:a16="http://schemas.microsoft.com/office/drawing/2014/main" id="{79C1FF88-7265-4B08-B688-5E03DBAE1C4B}"/>
+              </a:ext>
+            </a:extLst>
+          </p:cNvPr>
+          <p:cNvPicPr>
+            <a:picLocks noChangeAspect="1"/>
+          </p:cNvPicPr>
+          <p:nvPr/>
+        </p:nvPicPr>
+        <p:blipFill>
+          <a:blip r:embed="rId2">
+            <a:extLst>
+              <a:ext uri="{28A0092B-C50C-407E-A947-70E740481C1C}">
+                <a14:useLocalDpi xmlns:a14="http://schemas.microsoft.com/office/drawing/2010/main" val="0"/>
+              </a:ext>
+            </a:extLst>
+          </a:blip>
+          <a:stretch>
+            <a:fillRect/>
+          </a:stretch>
+        </p:blipFill>
+        <p:spPr>
+          <a:xfrm>
+            <a:off x="6313896" y="1126264"/>
+            <a:ext cx="4536984" cy="4906331"/>
+          </a:xfrm>
+          <a:prstGeom prst="rect">
+            <a:avLst/>
+          </a:prstGeom>
+        </p:spPr>
+      </p:pic>
+      <p:sp>
+        <p:nvSpPr>
+          <p:cNvPr id="2" name="TextBox 1">
+            <a:extLst>
+              <a:ext uri="{FF2B5EF4-FFF2-40B4-BE49-F238E27FC236}">
+                <a16:creationId xmlns:a16="http://schemas.microsoft.com/office/drawing/2014/main" id="{C7C5B250-4184-42DF-BE84-07E9B9E97572}"/>
+              </a:ext>
+            </a:extLst>
+          </p:cNvPr>
+          <p:cNvSpPr txBox="1"/>
+          <p:nvPr/>
+        </p:nvSpPr>
+        <p:spPr>
+          <a:xfrm>
+            <a:off x="122311" y="1126264"/>
+            <a:ext cx="6041421" cy="4832092"/>
+          </a:xfrm>
+          <a:prstGeom prst="rect">
+            <a:avLst/>
+          </a:prstGeom>
+          <a:noFill/>
+        </p:spPr>
+        <p:txBody>
+          <a:bodyPr wrap="square" rtlCol="0">
+            <a:spAutoFit/>
+          </a:bodyPr>
+          <a:lstStyle/>
+          <a:p>
+            <a:pPr marL="457200" indent="-457200">
+              <a:buFont typeface="Arial" panose="020B0604020202020204" pitchFamily="34" charset="0"/>
+              <a:buChar char="•"/>
+            </a:pPr>
+            <a:r>
+              <a:rPr lang="nl-BE" sz="2800" b="1" dirty="0"/>
+              <a:t>Most in portant files</a:t>
+            </a:r>
+          </a:p>
+          <a:p>
+            <a:pPr marL="914400" lvl="1" indent="-457200">
+              <a:buFont typeface="Arial" panose="020B0604020202020204" pitchFamily="34" charset="0"/>
+              <a:buChar char="•"/>
+            </a:pPr>
+            <a:r>
+              <a:rPr lang="nl-BE" sz="2800" dirty="0"/>
+              <a:t>Ansible.cfg</a:t>
+            </a:r>
+          </a:p>
+          <a:p>
+            <a:pPr marL="914400" lvl="1" indent="-457200">
+              <a:buFont typeface="Arial" panose="020B0604020202020204" pitchFamily="34" charset="0"/>
+              <a:buChar char="•"/>
+            </a:pPr>
+            <a:r>
+              <a:rPr lang="nl-BE" sz="2800" dirty="0"/>
+              <a:t>Hosts/inventory</a:t>
+            </a:r>
+          </a:p>
+          <a:p>
+            <a:pPr marL="914400" lvl="1" indent="-457200">
+              <a:buFont typeface="Arial" panose="020B0604020202020204" pitchFamily="34" charset="0"/>
+              <a:buChar char="•"/>
+            </a:pPr>
+            <a:r>
+              <a:rPr lang="nl-BE" sz="2800" dirty="0"/>
+              <a:t>Playbook.yml</a:t>
+            </a:r>
+          </a:p>
+          <a:p>
+            <a:pPr marL="457200" indent="-457200">
+              <a:buFont typeface="Arial" panose="020B0604020202020204" pitchFamily="34" charset="0"/>
+              <a:buChar char="•"/>
+            </a:pPr>
+            <a:r>
+              <a:rPr lang="nl-BE" sz="2800" b="1" dirty="0"/>
+              <a:t>What do they contain</a:t>
+            </a:r>
+          </a:p>
+          <a:p>
+            <a:pPr marL="914400" lvl="1" indent="-457200">
+              <a:buFont typeface="Arial" panose="020B0604020202020204" pitchFamily="34" charset="0"/>
+              <a:buChar char="•"/>
+            </a:pPr>
+            <a:r>
+              <a:rPr lang="nl-BE" sz="2800" dirty="0"/>
+              <a:t>Ansible.cfg = config</a:t>
+            </a:r>
+          </a:p>
+          <a:p>
+            <a:pPr marL="914400" lvl="1" indent="-457200">
+              <a:buFont typeface="Arial" panose="020B0604020202020204" pitchFamily="34" charset="0"/>
+              <a:buChar char="•"/>
+            </a:pPr>
+            <a:r>
+              <a:rPr lang="nl-BE" sz="2800" dirty="0"/>
+              <a:t>Hosts = List of nodes</a:t>
+            </a:r>
+          </a:p>
+          <a:p>
+            <a:pPr marL="914400" lvl="1" indent="-457200">
+              <a:buFont typeface="Arial" panose="020B0604020202020204" pitchFamily="34" charset="0"/>
+              <a:buChar char="•"/>
+            </a:pPr>
+            <a:r>
+              <a:rPr lang="nl-BE" sz="2800" dirty="0"/>
+              <a:t>Playbook = instructions to perform</a:t>
+            </a:r>
+          </a:p>
+          <a:p>
+            <a:endParaRPr lang="nl-BE" sz="2800" dirty="0"/>
+          </a:p>
+          <a:p>
+            <a:endParaRPr lang="nl-BE" sz="2800" dirty="0"/>
+          </a:p>
+          <a:p>
+            <a:pPr marL="457200" indent="-457200">
+              <a:buFont typeface="Arial" panose="020B0604020202020204" pitchFamily="34" charset="0"/>
+              <a:buChar char="•"/>
+            </a:pPr>
+            <a:endParaRPr lang="nl-BE" sz="2800" dirty="0"/>
+          </a:p>
+        </p:txBody>
       </p:sp>
     </p:spTree>
     <p:extLst>
@@ -9168,10 +10242,10 @@
       </p:grpSpPr>
       <p:sp>
         <p:nvSpPr>
-          <p:cNvPr id="2" name="Title 1">
-            <a:extLst>
-              <a:ext uri="{FF2B5EF4-FFF2-40B4-BE49-F238E27FC236}">
-                <a16:creationId xmlns:a16="http://schemas.microsoft.com/office/drawing/2014/main" id="{C0CA5DA5-C036-4684-B395-A2B54100B73E}"/>
+          <p:cNvPr id="7" name="Title 6">
+            <a:extLst>
+              <a:ext uri="{FF2B5EF4-FFF2-40B4-BE49-F238E27FC236}">
+                <a16:creationId xmlns:a16="http://schemas.microsoft.com/office/drawing/2014/main" id="{D51E843A-3190-4C6D-887B-75771F1B6618}"/>
               </a:ext>
             </a:extLst>
           </p:cNvPr>
@@ -9187,24 +10261,28 @@
           <a:bodyPr/>
           <a:lstStyle/>
           <a:p>
-            <a:endParaRPr lang="en-US"/>
-          </a:p>
-        </p:txBody>
-      </p:sp>
-      <p:sp>
-        <p:nvSpPr>
-          <p:cNvPr id="3" name="Content Placeholder 2">
-            <a:extLst>
-              <a:ext uri="{FF2B5EF4-FFF2-40B4-BE49-F238E27FC236}">
-                <a16:creationId xmlns:a16="http://schemas.microsoft.com/office/drawing/2014/main" id="{6BB7156A-B72D-4860-81A1-650099E4CA1D}"/>
-              </a:ext>
-            </a:extLst>
-          </p:cNvPr>
-          <p:cNvSpPr>
-            <a:spLocks noGrp="1"/>
-          </p:cNvSpPr>
-          <p:nvPr>
-            <p:ph idx="1"/>
+            <a:r>
+              <a:rPr lang="nl-BE" dirty="0"/>
+              <a:t>Inventory files</a:t>
+            </a:r>
+            <a:endParaRPr lang="en-US" dirty="0"/>
+          </a:p>
+        </p:txBody>
+      </p:sp>
+      <p:sp>
+        <p:nvSpPr>
+          <p:cNvPr id="8" name="Text Placeholder 7">
+            <a:extLst>
+              <a:ext uri="{FF2B5EF4-FFF2-40B4-BE49-F238E27FC236}">
+                <a16:creationId xmlns:a16="http://schemas.microsoft.com/office/drawing/2014/main" id="{F0719023-C025-44D6-800D-B16F988DE0E1}"/>
+              </a:ext>
+            </a:extLst>
+          </p:cNvPr>
+          <p:cNvSpPr>
+            <a:spLocks noGrp="1"/>
+          </p:cNvSpPr>
+          <p:nvPr>
+            <p:ph type="body" idx="1"/>
           </p:nvPr>
         </p:nvSpPr>
         <p:spPr/>
@@ -9212,16 +10290,16 @@
           <a:bodyPr/>
           <a:lstStyle/>
           <a:p>
-            <a:endParaRPr lang="en-US"/>
-          </a:p>
-        </p:txBody>
-      </p:sp>
-      <p:sp>
-        <p:nvSpPr>
-          <p:cNvPr id="4" name="Footer Placeholder 3">
-            <a:extLst>
-              <a:ext uri="{FF2B5EF4-FFF2-40B4-BE49-F238E27FC236}">
-                <a16:creationId xmlns:a16="http://schemas.microsoft.com/office/drawing/2014/main" id="{80F1881B-72D4-442C-AFDA-B56DEF22CFC7}"/>
+            <a:endParaRPr lang="en-US" dirty="0"/>
+          </a:p>
+        </p:txBody>
+      </p:sp>
+      <p:sp>
+        <p:nvSpPr>
+          <p:cNvPr id="3" name="Footer Placeholder 2">
+            <a:extLst>
+              <a:ext uri="{FF2B5EF4-FFF2-40B4-BE49-F238E27FC236}">
+                <a16:creationId xmlns:a16="http://schemas.microsoft.com/office/drawing/2014/main" id="{44AA939F-CDEC-4DED-BDF0-EAF533D47153}"/>
               </a:ext>
             </a:extLst>
           </p:cNvPr>
@@ -9238,18 +10316,18 @@
           <a:lstStyle/>
           <a:p>
             <a:r>
-              <a:rPr lang="nl-BE"/>
-              <a:t>Titel van de presentatie</a:t>
-            </a:r>
-          </a:p>
-        </p:txBody>
-      </p:sp>
-      <p:sp>
-        <p:nvSpPr>
-          <p:cNvPr id="5" name="Slide Number Placeholder 4">
-            <a:extLst>
-              <a:ext uri="{FF2B5EF4-FFF2-40B4-BE49-F238E27FC236}">
-                <a16:creationId xmlns:a16="http://schemas.microsoft.com/office/drawing/2014/main" id="{EA65554E-54D4-4B45-9ED8-B19774FC2A6D}"/>
+              <a:rPr lang="nl-BE" dirty="0"/>
+              <a:t>Ansible</a:t>
+            </a:r>
+          </a:p>
+        </p:txBody>
+      </p:sp>
+      <p:sp>
+        <p:nvSpPr>
+          <p:cNvPr id="4" name="Slide Number Placeholder 3">
+            <a:extLst>
+              <a:ext uri="{FF2B5EF4-FFF2-40B4-BE49-F238E27FC236}">
+                <a16:creationId xmlns:a16="http://schemas.microsoft.com/office/drawing/2014/main" id="{22BB5AF2-BCA5-4FF8-9C3F-FC3DF5AD2191}"/>
               </a:ext>
             </a:extLst>
           </p:cNvPr>
@@ -9267,6 +10345,7 @@
           <a:p>
             <a:fld id="{FF88DA20-ED00-471C-9170-60F590CB400A}" type="slidenum">
               <a:rPr lang="nl-BE" smtClean="0"/>
+              <a:pPr/>
               <a:t>9</a:t>
             </a:fld>
             <a:endParaRPr lang="nl-BE"/>
@@ -9275,10 +10354,10 @@
       </p:sp>
       <p:sp>
         <p:nvSpPr>
-          <p:cNvPr id="6" name="Text Placeholder 5">
-            <a:extLst>
-              <a:ext uri="{FF2B5EF4-FFF2-40B4-BE49-F238E27FC236}">
-                <a16:creationId xmlns:a16="http://schemas.microsoft.com/office/drawing/2014/main" id="{7178E282-D5ED-46AF-AC21-8E478FBDA844}"/>
+          <p:cNvPr id="9" name="Text Placeholder 8">
+            <a:extLst>
+              <a:ext uri="{FF2B5EF4-FFF2-40B4-BE49-F238E27FC236}">
+                <a16:creationId xmlns:a16="http://schemas.microsoft.com/office/drawing/2014/main" id="{0688A6FA-0F22-4D5F-971D-B6313D069F5E}"/>
               </a:ext>
             </a:extLst>
           </p:cNvPr>
@@ -9294,61 +10373,26 @@
           <a:bodyPr/>
           <a:lstStyle/>
           <a:p>
-            <a:endParaRPr lang="en-US"/>
-          </a:p>
-        </p:txBody>
-      </p:sp>
-      <p:pic>
-        <p:nvPicPr>
-          <p:cNvPr id="28674" name="Picture 2" descr="End-to-End Application Provisioning with Ansible and Terraform | IBM">
-            <a:extLst>
-              <a:ext uri="{FF2B5EF4-FFF2-40B4-BE49-F238E27FC236}">
-                <a16:creationId xmlns:a16="http://schemas.microsoft.com/office/drawing/2014/main" id="{87FE8728-FA6F-4346-A9CE-9EF8D6972657}"/>
-              </a:ext>
-            </a:extLst>
-          </p:cNvPr>
-          <p:cNvPicPr>
-            <a:picLocks noChangeAspect="1" noChangeArrowheads="1"/>
-          </p:cNvPicPr>
-          <p:nvPr/>
-        </p:nvPicPr>
-        <p:blipFill>
-          <a:blip r:embed="rId2">
-            <a:extLst>
-              <a:ext uri="{28A0092B-C50C-407E-A947-70E740481C1C}">
-                <a14:useLocalDpi xmlns:a14="http://schemas.microsoft.com/office/drawing/2010/main" val="0"/>
-              </a:ext>
-            </a:extLst>
-          </a:blip>
-          <a:srcRect/>
-          <a:stretch>
-            <a:fillRect/>
-          </a:stretch>
-        </p:blipFill>
-        <p:spPr bwMode="auto">
-          <a:xfrm>
-            <a:off x="1790700" y="561975"/>
-            <a:ext cx="8610600" cy="5734050"/>
-          </a:xfrm>
-          <a:prstGeom prst="rect">
-            <a:avLst/>
-          </a:prstGeom>
-          <a:noFill/>
-          <a:extLst>
-            <a:ext uri="{909E8E84-426E-40DD-AFC4-6F175D3DCCD1}">
-              <a14:hiddenFill xmlns:a14="http://schemas.microsoft.com/office/drawing/2010/main">
+            <a:r>
+              <a:rPr lang="nl-BE" dirty="0">
                 <a:solidFill>
-                  <a:srgbClr val="FFFFFF"/>
+                  <a:srgbClr val="0085FE"/>
                 </a:solidFill>
-              </a14:hiddenFill>
-            </a:ext>
-          </a:extLst>
-        </p:spPr>
-      </p:pic>
+              </a:rPr>
+              <a:t>3</a:t>
+            </a:r>
+            <a:endParaRPr lang="en-US" dirty="0">
+              <a:solidFill>
+                <a:srgbClr val="0085FE"/>
+              </a:solidFill>
+            </a:endParaRPr>
+          </a:p>
+        </p:txBody>
+      </p:sp>
     </p:spTree>
     <p:extLst>
       <p:ext uri="{BB962C8B-B14F-4D97-AF65-F5344CB8AC3E}">
-        <p14:creationId xmlns:p14="http://schemas.microsoft.com/office/powerpoint/2010/main" val="791299812"/>
+        <p14:creationId xmlns:p14="http://schemas.microsoft.com/office/powerpoint/2010/main" val="1157220794"/>
       </p:ext>
     </p:extLst>
   </p:cSld>

--- a/Documents/Ansible_BasicsAndHowToGetStarted.pptx
+++ b/Documents/Ansible_BasicsAndHowToGetStarted.pptx
@@ -5,7 +5,7 @@
     <p:sldMasterId id="2147483648" r:id="rId1"/>
   </p:sldMasterIdLst>
   <p:notesMasterIdLst>
-    <p:notesMasterId r:id="rId16"/>
+    <p:notesMasterId r:id="rId28"/>
   </p:notesMasterIdLst>
   <p:sldIdLst>
     <p:sldId id="261" r:id="rId2"/>
@@ -13,15 +13,27 @@
     <p:sldId id="274" r:id="rId4"/>
     <p:sldId id="275" r:id="rId5"/>
     <p:sldId id="276" r:id="rId6"/>
-    <p:sldId id="277" r:id="rId7"/>
-    <p:sldId id="280" r:id="rId8"/>
-    <p:sldId id="281" r:id="rId9"/>
-    <p:sldId id="283" r:id="rId10"/>
-    <p:sldId id="282" r:id="rId11"/>
-    <p:sldId id="284" r:id="rId12"/>
-    <p:sldId id="285" r:id="rId13"/>
-    <p:sldId id="278" r:id="rId14"/>
-    <p:sldId id="279" r:id="rId15"/>
+    <p:sldId id="286" r:id="rId7"/>
+    <p:sldId id="277" r:id="rId8"/>
+    <p:sldId id="280" r:id="rId9"/>
+    <p:sldId id="281" r:id="rId10"/>
+    <p:sldId id="283" r:id="rId11"/>
+    <p:sldId id="282" r:id="rId12"/>
+    <p:sldId id="284" r:id="rId13"/>
+    <p:sldId id="285" r:id="rId14"/>
+    <p:sldId id="294" r:id="rId15"/>
+    <p:sldId id="287" r:id="rId16"/>
+    <p:sldId id="289" r:id="rId17"/>
+    <p:sldId id="296" r:id="rId18"/>
+    <p:sldId id="297" r:id="rId19"/>
+    <p:sldId id="298" r:id="rId20"/>
+    <p:sldId id="288" r:id="rId21"/>
+    <p:sldId id="290" r:id="rId22"/>
+    <p:sldId id="291" r:id="rId23"/>
+    <p:sldId id="292" r:id="rId24"/>
+    <p:sldId id="293" r:id="rId25"/>
+    <p:sldId id="278" r:id="rId26"/>
+    <p:sldId id="279" r:id="rId27"/>
   </p:sldIdLst>
   <p:sldSz cx="12192000" cy="6858000"/>
   <p:notesSz cx="6858000" cy="9144000"/>
@@ -210,7 +222,7 @@
           <a:p>
             <a:fld id="{D8EBF3A7-A7E5-42B6-9154-500A7CB5E3E8}" type="datetimeFigureOut">
               <a:rPr lang="nl-BE" smtClean="0"/>
-              <a:t>31/01/2022</a:t>
+              <a:t>1/02/2022</a:t>
             </a:fld>
             <a:endParaRPr lang="nl-BE"/>
           </a:p>
@@ -3308,7 +3320,7 @@
           <a:p>
             <a:fld id="{3256510D-866F-4A54-9543-AD7E04D1A349}" type="datetime1">
               <a:rPr lang="nl-BE" smtClean="0"/>
-              <a:t>31/01/2022</a:t>
+              <a:t>1/02/2022</a:t>
             </a:fld>
             <a:endParaRPr lang="en-US"/>
           </a:p>
@@ -7560,7 +7572,7 @@
           <p:cNvPr id="7" name="Title 6">
             <a:extLst>
               <a:ext uri="{FF2B5EF4-FFF2-40B4-BE49-F238E27FC236}">
-                <a16:creationId xmlns:a16="http://schemas.microsoft.com/office/drawing/2014/main" id="{A2094534-954B-4DF7-B34B-3A9A2517DF04}"/>
+                <a16:creationId xmlns:a16="http://schemas.microsoft.com/office/drawing/2014/main" id="{D51E843A-3190-4C6D-887B-75771F1B6618}"/>
               </a:ext>
             </a:extLst>
           </p:cNvPr>
@@ -7577,152 +7589,35 @@
           <a:lstStyle/>
           <a:p>
             <a:r>
-              <a:rPr lang="nl-BE" dirty="0">
-                <a:solidFill>
-                  <a:srgbClr val="0085FE"/>
-                </a:solidFill>
-              </a:rPr>
+              <a:rPr lang="nl-BE" dirty="0"/>
               <a:t>Inventory files</a:t>
             </a:r>
-            <a:endParaRPr lang="en-US" dirty="0">
-              <a:solidFill>
-                <a:srgbClr val="0085FE"/>
-              </a:solidFill>
-            </a:endParaRPr>
-          </a:p>
-        </p:txBody>
-      </p:sp>
-      <p:sp>
-        <p:nvSpPr>
-          <p:cNvPr id="8" name="Content Placeholder 7">
-            <a:extLst>
-              <a:ext uri="{FF2B5EF4-FFF2-40B4-BE49-F238E27FC236}">
-                <a16:creationId xmlns:a16="http://schemas.microsoft.com/office/drawing/2014/main" id="{9B612C87-04F7-4D44-9EF7-C883CF9C393F}"/>
-              </a:ext>
-            </a:extLst>
-          </p:cNvPr>
-          <p:cNvSpPr>
-            <a:spLocks noGrp="1"/>
-          </p:cNvSpPr>
-          <p:nvPr>
-            <p:ph idx="1"/>
-          </p:nvPr>
-        </p:nvSpPr>
-        <p:spPr>
-          <a:xfrm>
-            <a:off x="396000" y="1194134"/>
-            <a:ext cx="9352800" cy="3132000"/>
-          </a:xfrm>
-        </p:spPr>
-        <p:txBody>
-          <a:bodyPr/>
-          <a:lstStyle/>
-          <a:p>
-            <a:pPr marL="457200" indent="-457200">
-              <a:buFont typeface="Arial" panose="020B0604020202020204" pitchFamily="34" charset="0"/>
-              <a:buChar char="•"/>
-            </a:pPr>
-            <a:r>
-              <a:rPr lang="nl-BE" sz="2400" dirty="0"/>
-              <a:t>Runs against one/more/group of hosts</a:t>
-            </a:r>
-          </a:p>
-          <a:p>
-            <a:pPr marL="457200" indent="-457200">
-              <a:buFont typeface="Arial" panose="020B0604020202020204" pitchFamily="34" charset="0"/>
-              <a:buChar char="•"/>
-            </a:pPr>
-            <a:r>
-              <a:rPr lang="nl-BE" sz="2400" dirty="0"/>
-              <a:t>Located under “\</a:t>
-            </a:r>
-            <a:r>
-              <a:rPr lang="nl-BE" sz="2400" dirty="0">
-                <a:latin typeface="Courier New" panose="02070309020205020404" pitchFamily="49" charset="0"/>
-                <a:cs typeface="Courier New" panose="02070309020205020404" pitchFamily="49" charset="0"/>
-              </a:rPr>
-              <a:t>etc\ansible\hosts</a:t>
-            </a:r>
-            <a:r>
-              <a:rPr lang="nl-BE" sz="2400" dirty="0"/>
-              <a:t>”</a:t>
-            </a:r>
-          </a:p>
-          <a:p>
-            <a:pPr marL="457200" indent="-457200">
-              <a:buFont typeface="Arial" panose="020B0604020202020204" pitchFamily="34" charset="0"/>
-              <a:buChar char="•"/>
-            </a:pPr>
-            <a:r>
-              <a:rPr lang="nl-BE" sz="2400" dirty="0"/>
-              <a:t>Can create multiple host files (needs to be specified in .cfg)</a:t>
-            </a:r>
-          </a:p>
-          <a:p>
-            <a:pPr marL="457200" indent="-457200">
-              <a:buFont typeface="Arial" panose="020B0604020202020204" pitchFamily="34" charset="0"/>
-              <a:buChar char="•"/>
-            </a:pPr>
-            <a:r>
-              <a:rPr lang="nl-BE" sz="2400" dirty="0"/>
-              <a:t>Dynamically switch between host files with “</a:t>
-            </a:r>
-            <a:r>
-              <a:rPr lang="nl-BE" sz="2400" dirty="0">
-                <a:latin typeface="Courier New" panose="02070309020205020404" pitchFamily="49" charset="0"/>
-                <a:cs typeface="Courier New" panose="02070309020205020404" pitchFamily="49" charset="0"/>
-              </a:rPr>
-              <a:t>-i &lt;file-path&gt;</a:t>
-            </a:r>
-            <a:r>
-              <a:rPr lang="nl-BE" sz="2400" dirty="0"/>
-              <a:t>”</a:t>
-            </a:r>
-          </a:p>
-          <a:p>
-            <a:pPr marL="457200" indent="-457200">
-              <a:buFont typeface="Arial" panose="020B0604020202020204" pitchFamily="34" charset="0"/>
-              <a:buChar char="•"/>
-            </a:pPr>
-            <a:r>
-              <a:rPr lang="nl-BE" sz="2400" dirty="0"/>
-              <a:t>Inventrory/host files can be in </a:t>
-            </a:r>
-            <a:r>
-              <a:rPr lang="nl-BE" sz="2400" dirty="0">
-                <a:latin typeface="Courier New" panose="02070309020205020404" pitchFamily="49" charset="0"/>
-                <a:cs typeface="Courier New" panose="02070309020205020404" pitchFamily="49" charset="0"/>
-              </a:rPr>
-              <a:t>INI</a:t>
-            </a:r>
-            <a:r>
-              <a:rPr lang="nl-BE" sz="2400" dirty="0"/>
-              <a:t> format or </a:t>
-            </a:r>
-            <a:r>
-              <a:rPr lang="nl-BE" sz="2400" dirty="0">
-                <a:latin typeface="Courier New" panose="02070309020205020404" pitchFamily="49" charset="0"/>
-                <a:cs typeface="Courier New" panose="02070309020205020404" pitchFamily="49" charset="0"/>
-              </a:rPr>
-              <a:t>YAML</a:t>
-            </a:r>
-          </a:p>
-          <a:p>
-            <a:pPr marL="457200" indent="-457200">
-              <a:buFont typeface="Arial" panose="020B0604020202020204" pitchFamily="34" charset="0"/>
-              <a:buChar char="•"/>
-            </a:pPr>
-            <a:r>
-              <a:rPr lang="nl-BE" sz="2400" dirty="0">
-                <a:latin typeface="Courier New" panose="02070309020205020404" pitchFamily="49" charset="0"/>
-                <a:cs typeface="Courier New" panose="02070309020205020404" pitchFamily="49" charset="0"/>
-              </a:rPr>
-              <a:t>Personal prefference</a:t>
-            </a:r>
-            <a:endParaRPr lang="en-US" sz="2400" dirty="0">
-              <a:latin typeface="Courier New" panose="02070309020205020404" pitchFamily="49" charset="0"/>
-              <a:cs typeface="Courier New" panose="02070309020205020404" pitchFamily="49" charset="0"/>
-            </a:endParaRPr>
+            <a:endParaRPr lang="en-US" dirty="0"/>
+          </a:p>
+        </p:txBody>
+      </p:sp>
+      <p:sp>
+        <p:nvSpPr>
+          <p:cNvPr id="8" name="Text Placeholder 7">
+            <a:extLst>
+              <a:ext uri="{FF2B5EF4-FFF2-40B4-BE49-F238E27FC236}">
+                <a16:creationId xmlns:a16="http://schemas.microsoft.com/office/drawing/2014/main" id="{F0719023-C025-44D6-800D-B16F988DE0E1}"/>
+              </a:ext>
+            </a:extLst>
+          </p:cNvPr>
+          <p:cNvSpPr>
+            <a:spLocks noGrp="1"/>
+          </p:cNvSpPr>
+          <p:nvPr>
+            <p:ph type="body" idx="1"/>
+          </p:nvPr>
+        </p:nvSpPr>
+        <p:spPr/>
+        <p:txBody>
+          <a:bodyPr/>
+          <a:lstStyle/>
+          <a:p>
+            <a:endParaRPr lang="en-US" dirty="0"/>
           </a:p>
         </p:txBody>
       </p:sp>
@@ -7731,7 +7626,7 @@
           <p:cNvPr id="3" name="Footer Placeholder 2">
             <a:extLst>
               <a:ext uri="{FF2B5EF4-FFF2-40B4-BE49-F238E27FC236}">
-                <a16:creationId xmlns:a16="http://schemas.microsoft.com/office/drawing/2014/main" id="{FCE9B359-8248-4E23-98B2-6B8C5CBA2638}"/>
+                <a16:creationId xmlns:a16="http://schemas.microsoft.com/office/drawing/2014/main" id="{44AA939F-CDEC-4DED-BDF0-EAF533D47153}"/>
               </a:ext>
             </a:extLst>
           </p:cNvPr>
@@ -7759,7 +7654,7 @@
           <p:cNvPr id="4" name="Slide Number Placeholder 3">
             <a:extLst>
               <a:ext uri="{FF2B5EF4-FFF2-40B4-BE49-F238E27FC236}">
-                <a16:creationId xmlns:a16="http://schemas.microsoft.com/office/drawing/2014/main" id="{01F6378C-4116-4B98-BA4A-E67FB09CB81E}"/>
+                <a16:creationId xmlns:a16="http://schemas.microsoft.com/office/drawing/2014/main" id="{22BB5AF2-BCA5-4FF8-9C3F-FC3DF5AD2191}"/>
               </a:ext>
             </a:extLst>
           </p:cNvPr>
@@ -7784,40 +7679,80 @@
           </a:p>
         </p:txBody>
       </p:sp>
-      <p:pic>
-        <p:nvPicPr>
-          <p:cNvPr id="11" name="Picture 10">
-            <a:extLst>
-              <a:ext uri="{FF2B5EF4-FFF2-40B4-BE49-F238E27FC236}">
-                <a16:creationId xmlns:a16="http://schemas.microsoft.com/office/drawing/2014/main" id="{0C3C7A0A-D0C4-4651-B89D-03999A813C6E}"/>
-              </a:ext>
-            </a:extLst>
-          </p:cNvPr>
-          <p:cNvPicPr>
-            <a:picLocks noChangeAspect="1"/>
-          </p:cNvPicPr>
-          <p:nvPr/>
-        </p:nvPicPr>
-        <p:blipFill>
-          <a:blip r:embed="rId2"/>
-          <a:stretch>
-            <a:fillRect/>
-          </a:stretch>
-        </p:blipFill>
+      <p:sp>
+        <p:nvSpPr>
+          <p:cNvPr id="9" name="Text Placeholder 8">
+            <a:extLst>
+              <a:ext uri="{FF2B5EF4-FFF2-40B4-BE49-F238E27FC236}">
+                <a16:creationId xmlns:a16="http://schemas.microsoft.com/office/drawing/2014/main" id="{0688A6FA-0F22-4D5F-971D-B6313D069F5E}"/>
+              </a:ext>
+            </a:extLst>
+          </p:cNvPr>
+          <p:cNvSpPr>
+            <a:spLocks noGrp="1"/>
+          </p:cNvSpPr>
+          <p:nvPr>
+            <p:ph type="body" sz="quarter" idx="13"/>
+          </p:nvPr>
+        </p:nvSpPr>
+        <p:spPr/>
+        <p:txBody>
+          <a:bodyPr/>
+          <a:lstStyle/>
+          <a:p>
+            <a:r>
+              <a:rPr lang="nl-BE" dirty="0">
+                <a:solidFill>
+                  <a:srgbClr val="0085FE"/>
+                </a:solidFill>
+              </a:rPr>
+              <a:t>3.</a:t>
+            </a:r>
+            <a:endParaRPr lang="en-US" dirty="0">
+              <a:solidFill>
+                <a:srgbClr val="0085FE"/>
+              </a:solidFill>
+            </a:endParaRPr>
+          </a:p>
+        </p:txBody>
+      </p:sp>
+      <p:sp>
+        <p:nvSpPr>
+          <p:cNvPr id="10" name="Tijdelijke aanduiding voor datum 1">
+            <a:extLst>
+              <a:ext uri="{FF2B5EF4-FFF2-40B4-BE49-F238E27FC236}">
+                <a16:creationId xmlns:a16="http://schemas.microsoft.com/office/drawing/2014/main" id="{DB0D8285-FFA0-4454-85BD-00A2E4DA9F5C}"/>
+              </a:ext>
+            </a:extLst>
+          </p:cNvPr>
+          <p:cNvSpPr>
+            <a:spLocks noGrp="1"/>
+          </p:cNvSpPr>
+          <p:nvPr>
+            <p:ph type="dt" sz="half" idx="10"/>
+          </p:nvPr>
+        </p:nvSpPr>
         <p:spPr>
           <a:xfrm>
-            <a:off x="4806833" y="3787869"/>
-            <a:ext cx="4267796" cy="2753109"/>
-          </a:xfrm>
-          <a:prstGeom prst="rect">
-            <a:avLst/>
-          </a:prstGeom>
-        </p:spPr>
-      </p:pic>
+            <a:off x="4998576" y="6264004"/>
+            <a:ext cx="2743200" cy="365125"/>
+          </a:xfrm>
+        </p:spPr>
+        <p:txBody>
+          <a:bodyPr/>
+          <a:lstStyle/>
+          <a:p>
+            <a:r>
+              <a:rPr lang="nl-BE" dirty="0"/>
+              <a:t>31/01/2022</a:t>
+            </a:r>
+          </a:p>
+        </p:txBody>
+      </p:sp>
     </p:spTree>
     <p:extLst>
       <p:ext uri="{BB962C8B-B14F-4D97-AF65-F5344CB8AC3E}">
-        <p14:creationId xmlns:p14="http://schemas.microsoft.com/office/powerpoint/2010/main" val="484786597"/>
+        <p14:creationId xmlns:p14="http://schemas.microsoft.com/office/powerpoint/2010/main" val="1157220794"/>
       </p:ext>
     </p:extLst>
   </p:cSld>
@@ -7846,10 +7781,10 @@
       </p:grpSpPr>
       <p:sp>
         <p:nvSpPr>
-          <p:cNvPr id="2" name="Title 1">
-            <a:extLst>
-              <a:ext uri="{FF2B5EF4-FFF2-40B4-BE49-F238E27FC236}">
-                <a16:creationId xmlns:a16="http://schemas.microsoft.com/office/drawing/2014/main" id="{40A6A89A-C4DE-46C6-AAF0-BFCDBF10CE26}"/>
+          <p:cNvPr id="7" name="Title 6">
+            <a:extLst>
+              <a:ext uri="{FF2B5EF4-FFF2-40B4-BE49-F238E27FC236}">
+                <a16:creationId xmlns:a16="http://schemas.microsoft.com/office/drawing/2014/main" id="{A2094534-954B-4DF7-B34B-3A9A2517DF04}"/>
               </a:ext>
             </a:extLst>
           </p:cNvPr>
@@ -7866,12 +7801,12 @@
           <a:lstStyle/>
           <a:p>
             <a:r>
-              <a:rPr lang="nl-BE">
+              <a:rPr lang="nl-BE" dirty="0">
                 <a:solidFill>
                   <a:srgbClr val="0085FE"/>
                 </a:solidFill>
               </a:rPr>
-              <a:t>Inventory file formats</a:t>
+              <a:t>Inventory files</a:t>
             </a:r>
             <a:endParaRPr lang="en-US" dirty="0">
               <a:solidFill>
@@ -7883,10 +7818,144 @@
       </p:sp>
       <p:sp>
         <p:nvSpPr>
-          <p:cNvPr id="4" name="Footer Placeholder 3">
-            <a:extLst>
-              <a:ext uri="{FF2B5EF4-FFF2-40B4-BE49-F238E27FC236}">
-                <a16:creationId xmlns:a16="http://schemas.microsoft.com/office/drawing/2014/main" id="{199175DE-F460-4C98-BB14-CEEBB0D17C5A}"/>
+          <p:cNvPr id="8" name="Content Placeholder 7">
+            <a:extLst>
+              <a:ext uri="{FF2B5EF4-FFF2-40B4-BE49-F238E27FC236}">
+                <a16:creationId xmlns:a16="http://schemas.microsoft.com/office/drawing/2014/main" id="{9B612C87-04F7-4D44-9EF7-C883CF9C393F}"/>
+              </a:ext>
+            </a:extLst>
+          </p:cNvPr>
+          <p:cNvSpPr>
+            <a:spLocks noGrp="1"/>
+          </p:cNvSpPr>
+          <p:nvPr>
+            <p:ph idx="1"/>
+          </p:nvPr>
+        </p:nvSpPr>
+        <p:spPr>
+          <a:xfrm>
+            <a:off x="396000" y="1194134"/>
+            <a:ext cx="9352800" cy="3132000"/>
+          </a:xfrm>
+        </p:spPr>
+        <p:txBody>
+          <a:bodyPr/>
+          <a:lstStyle/>
+          <a:p>
+            <a:pPr marL="457200" indent="-457200">
+              <a:buFont typeface="Arial" panose="020B0604020202020204" pitchFamily="34" charset="0"/>
+              <a:buChar char="•"/>
+            </a:pPr>
+            <a:r>
+              <a:rPr lang="nl-BE" sz="2400" dirty="0"/>
+              <a:t>Runs against one/more/group of hosts</a:t>
+            </a:r>
+          </a:p>
+          <a:p>
+            <a:pPr marL="457200" indent="-457200">
+              <a:buFont typeface="Arial" panose="020B0604020202020204" pitchFamily="34" charset="0"/>
+              <a:buChar char="•"/>
+            </a:pPr>
+            <a:r>
+              <a:rPr lang="nl-BE" sz="2400" dirty="0"/>
+              <a:t>Located under “\</a:t>
+            </a:r>
+            <a:r>
+              <a:rPr lang="nl-BE" sz="2400" dirty="0">
+                <a:latin typeface="Courier New" panose="02070309020205020404" pitchFamily="49" charset="0"/>
+                <a:cs typeface="Courier New" panose="02070309020205020404" pitchFamily="49" charset="0"/>
+              </a:rPr>
+              <a:t>etc\ansible\hosts</a:t>
+            </a:r>
+            <a:r>
+              <a:rPr lang="nl-BE" sz="2400" dirty="0"/>
+              <a:t>”</a:t>
+            </a:r>
+          </a:p>
+          <a:p>
+            <a:pPr marL="457200" indent="-457200">
+              <a:buFont typeface="Arial" panose="020B0604020202020204" pitchFamily="34" charset="0"/>
+              <a:buChar char="•"/>
+            </a:pPr>
+            <a:r>
+              <a:rPr lang="nl-BE" sz="2400" dirty="0"/>
+              <a:t>Can create multiple host files (needs to be specified in .cfg)</a:t>
+            </a:r>
+          </a:p>
+          <a:p>
+            <a:pPr marL="457200" indent="-457200">
+              <a:buFont typeface="Arial" panose="020B0604020202020204" pitchFamily="34" charset="0"/>
+              <a:buChar char="•"/>
+            </a:pPr>
+            <a:r>
+              <a:rPr lang="nl-BE" sz="2400" dirty="0"/>
+              <a:t>Dynamically switch between host files with “</a:t>
+            </a:r>
+            <a:r>
+              <a:rPr lang="nl-BE" sz="2400" dirty="0">
+                <a:latin typeface="Courier New" panose="02070309020205020404" pitchFamily="49" charset="0"/>
+                <a:cs typeface="Courier New" panose="02070309020205020404" pitchFamily="49" charset="0"/>
+              </a:rPr>
+              <a:t>-i &lt;file-path&gt;</a:t>
+            </a:r>
+            <a:r>
+              <a:rPr lang="nl-BE" sz="2400" dirty="0"/>
+              <a:t>”</a:t>
+            </a:r>
+          </a:p>
+          <a:p>
+            <a:pPr marL="457200" indent="-457200">
+              <a:buFont typeface="Arial" panose="020B0604020202020204" pitchFamily="34" charset="0"/>
+              <a:buChar char="•"/>
+            </a:pPr>
+            <a:r>
+              <a:rPr lang="nl-BE" sz="2400" dirty="0"/>
+              <a:t>Inventrory/host files can be in </a:t>
+            </a:r>
+            <a:r>
+              <a:rPr lang="nl-BE" sz="2400" dirty="0">
+                <a:latin typeface="Courier New" panose="02070309020205020404" pitchFamily="49" charset="0"/>
+                <a:cs typeface="Courier New" panose="02070309020205020404" pitchFamily="49" charset="0"/>
+              </a:rPr>
+              <a:t>INI</a:t>
+            </a:r>
+            <a:r>
+              <a:rPr lang="nl-BE" sz="2400" dirty="0"/>
+              <a:t> format or </a:t>
+            </a:r>
+            <a:r>
+              <a:rPr lang="nl-BE" sz="2400" dirty="0">
+                <a:latin typeface="Courier New" panose="02070309020205020404" pitchFamily="49" charset="0"/>
+                <a:cs typeface="Courier New" panose="02070309020205020404" pitchFamily="49" charset="0"/>
+              </a:rPr>
+              <a:t>YAML</a:t>
+            </a:r>
+          </a:p>
+          <a:p>
+            <a:pPr marL="457200" indent="-457200">
+              <a:buFont typeface="Arial" panose="020B0604020202020204" pitchFamily="34" charset="0"/>
+              <a:buChar char="•"/>
+            </a:pPr>
+            <a:r>
+              <a:rPr lang="nl-BE" sz="2400" dirty="0">
+                <a:latin typeface="Courier New" panose="02070309020205020404" pitchFamily="49" charset="0"/>
+                <a:cs typeface="Courier New" panose="02070309020205020404" pitchFamily="49" charset="0"/>
+              </a:rPr>
+              <a:t>Personal prefference</a:t>
+            </a:r>
+            <a:endParaRPr lang="en-US" sz="2400" dirty="0">
+              <a:latin typeface="Courier New" panose="02070309020205020404" pitchFamily="49" charset="0"/>
+              <a:cs typeface="Courier New" panose="02070309020205020404" pitchFamily="49" charset="0"/>
+            </a:endParaRPr>
+          </a:p>
+        </p:txBody>
+      </p:sp>
+      <p:sp>
+        <p:nvSpPr>
+          <p:cNvPr id="3" name="Footer Placeholder 2">
+            <a:extLst>
+              <a:ext uri="{FF2B5EF4-FFF2-40B4-BE49-F238E27FC236}">
+                <a16:creationId xmlns:a16="http://schemas.microsoft.com/office/drawing/2014/main" id="{FCE9B359-8248-4E23-98B2-6B8C5CBA2638}"/>
               </a:ext>
             </a:extLst>
           </p:cNvPr>
@@ -7911,10 +7980,10 @@
       </p:sp>
       <p:sp>
         <p:nvSpPr>
-          <p:cNvPr id="5" name="Slide Number Placeholder 4">
-            <a:extLst>
-              <a:ext uri="{FF2B5EF4-FFF2-40B4-BE49-F238E27FC236}">
-                <a16:creationId xmlns:a16="http://schemas.microsoft.com/office/drawing/2014/main" id="{4105B84B-2369-4B3B-AB22-BBF5E0D485E8}"/>
+          <p:cNvPr id="4" name="Slide Number Placeholder 3">
+            <a:extLst>
+              <a:ext uri="{FF2B5EF4-FFF2-40B4-BE49-F238E27FC236}">
+                <a16:creationId xmlns:a16="http://schemas.microsoft.com/office/drawing/2014/main" id="{01F6378C-4116-4B98-BA4A-E67FB09CB81E}"/>
               </a:ext>
             </a:extLst>
           </p:cNvPr>
@@ -7932,6 +8001,7 @@
           <a:p>
             <a:fld id="{FF88DA20-ED00-471C-9170-60F590CB400A}" type="slidenum">
               <a:rPr lang="nl-BE" smtClean="0"/>
+              <a:pPr/>
               <a:t>11</a:t>
             </a:fld>
             <a:endParaRPr lang="nl-BE"/>
@@ -7940,10 +8010,10 @@
       </p:sp>
       <p:pic>
         <p:nvPicPr>
-          <p:cNvPr id="7" name="Picture 6" descr="Text&#10;&#10;Description automatically generated with medium confidence">
-            <a:extLst>
-              <a:ext uri="{FF2B5EF4-FFF2-40B4-BE49-F238E27FC236}">
-                <a16:creationId xmlns:a16="http://schemas.microsoft.com/office/drawing/2014/main" id="{E7F82C24-23E0-4367-A2C1-98D826A07309}"/>
+          <p:cNvPr id="11" name="Picture 10">
+            <a:extLst>
+              <a:ext uri="{FF2B5EF4-FFF2-40B4-BE49-F238E27FC236}">
+                <a16:creationId xmlns:a16="http://schemas.microsoft.com/office/drawing/2014/main" id="{0C3C7A0A-D0C4-4651-B89D-03999A813C6E}"/>
               </a:ext>
             </a:extLst>
           </p:cNvPr>
@@ -7953,139 +8023,25 @@
           <p:nvPr/>
         </p:nvPicPr>
         <p:blipFill>
-          <a:blip r:embed="rId2">
-            <a:extLst>
-              <a:ext uri="{28A0092B-C50C-407E-A947-70E740481C1C}">
-                <a14:useLocalDpi xmlns:a14="http://schemas.microsoft.com/office/drawing/2010/main" val="0"/>
-              </a:ext>
-            </a:extLst>
-          </a:blip>
+          <a:blip r:embed="rId2"/>
           <a:stretch>
             <a:fillRect/>
           </a:stretch>
         </p:blipFill>
         <p:spPr>
           <a:xfrm>
-            <a:off x="1788301" y="1846206"/>
-            <a:ext cx="3187745" cy="3867797"/>
+            <a:off x="4806833" y="3787869"/>
+            <a:ext cx="4267796" cy="2753109"/>
           </a:xfrm>
           <a:prstGeom prst="rect">
             <a:avLst/>
           </a:prstGeom>
         </p:spPr>
       </p:pic>
-      <p:pic>
-        <p:nvPicPr>
-          <p:cNvPr id="9" name="Picture 8" descr="A picture containing text, indoor, screenshot&#10;&#10;Description automatically generated">
-            <a:extLst>
-              <a:ext uri="{FF2B5EF4-FFF2-40B4-BE49-F238E27FC236}">
-                <a16:creationId xmlns:a16="http://schemas.microsoft.com/office/drawing/2014/main" id="{A8BCABD1-8E43-451A-9234-53E1F63A73CC}"/>
-              </a:ext>
-            </a:extLst>
-          </p:cNvPr>
-          <p:cNvPicPr>
-            <a:picLocks noChangeAspect="1"/>
-          </p:cNvPicPr>
-          <p:nvPr/>
-        </p:nvPicPr>
-        <p:blipFill>
-          <a:blip r:embed="rId3">
-            <a:extLst>
-              <a:ext uri="{28A0092B-C50C-407E-A947-70E740481C1C}">
-                <a14:useLocalDpi xmlns:a14="http://schemas.microsoft.com/office/drawing/2010/main" val="0"/>
-              </a:ext>
-            </a:extLst>
-          </a:blip>
-          <a:stretch>
-            <a:fillRect/>
-          </a:stretch>
-        </p:blipFill>
-        <p:spPr>
-          <a:xfrm>
-            <a:off x="7215956" y="1843413"/>
-            <a:ext cx="2764018" cy="3873385"/>
-          </a:xfrm>
-          <a:prstGeom prst="rect">
-            <a:avLst/>
-          </a:prstGeom>
-        </p:spPr>
-      </p:pic>
-      <p:sp>
-        <p:nvSpPr>
-          <p:cNvPr id="10" name="TextBox 9">
-            <a:extLst>
-              <a:ext uri="{FF2B5EF4-FFF2-40B4-BE49-F238E27FC236}">
-                <a16:creationId xmlns:a16="http://schemas.microsoft.com/office/drawing/2014/main" id="{2AA254A3-5F6A-47B5-90D1-0F08ADAAECD7}"/>
-              </a:ext>
-            </a:extLst>
-          </p:cNvPr>
-          <p:cNvSpPr txBox="1"/>
-          <p:nvPr/>
-        </p:nvSpPr>
-        <p:spPr>
-          <a:xfrm>
-            <a:off x="2890147" y="1320193"/>
-            <a:ext cx="984052" cy="523220"/>
-          </a:xfrm>
-          <a:prstGeom prst="rect">
-            <a:avLst/>
-          </a:prstGeom>
-          <a:noFill/>
-        </p:spPr>
-        <p:txBody>
-          <a:bodyPr wrap="none" rtlCol="0">
-            <a:spAutoFit/>
-          </a:bodyPr>
-          <a:lstStyle/>
-          <a:p>
-            <a:r>
-              <a:rPr lang="nl-BE" sz="2800" dirty="0"/>
-              <a:t>YAML</a:t>
-            </a:r>
-            <a:endParaRPr lang="en-US" dirty="0"/>
-          </a:p>
-        </p:txBody>
-      </p:sp>
-      <p:sp>
-        <p:nvSpPr>
-          <p:cNvPr id="11" name="TextBox 10">
-            <a:extLst>
-              <a:ext uri="{FF2B5EF4-FFF2-40B4-BE49-F238E27FC236}">
-                <a16:creationId xmlns:a16="http://schemas.microsoft.com/office/drawing/2014/main" id="{C0474779-5F45-4CCF-A1B6-B412744D8C63}"/>
-              </a:ext>
-            </a:extLst>
-          </p:cNvPr>
-          <p:cNvSpPr txBox="1"/>
-          <p:nvPr/>
-        </p:nvSpPr>
-        <p:spPr>
-          <a:xfrm>
-            <a:off x="8302852" y="1320193"/>
-            <a:ext cx="590226" cy="523220"/>
-          </a:xfrm>
-          <a:prstGeom prst="rect">
-            <a:avLst/>
-          </a:prstGeom>
-          <a:noFill/>
-        </p:spPr>
-        <p:txBody>
-          <a:bodyPr wrap="none" rtlCol="0">
-            <a:spAutoFit/>
-          </a:bodyPr>
-          <a:lstStyle/>
-          <a:p>
-            <a:r>
-              <a:rPr lang="nl-BE" sz="2800" dirty="0"/>
-              <a:t>INI</a:t>
-            </a:r>
-            <a:endParaRPr lang="en-US" sz="2800" dirty="0"/>
-          </a:p>
-        </p:txBody>
-      </p:sp>
     </p:spTree>
     <p:extLst>
       <p:ext uri="{BB962C8B-B14F-4D97-AF65-F5344CB8AC3E}">
-        <p14:creationId xmlns:p14="http://schemas.microsoft.com/office/powerpoint/2010/main" val="812554469"/>
+        <p14:creationId xmlns:p14="http://schemas.microsoft.com/office/powerpoint/2010/main" val="484786597"/>
       </p:ext>
     </p:extLst>
   </p:cSld>
@@ -8117,7 +8073,7 @@
           <p:cNvPr id="2" name="Title 1">
             <a:extLst>
               <a:ext uri="{FF2B5EF4-FFF2-40B4-BE49-F238E27FC236}">
-                <a16:creationId xmlns:a16="http://schemas.microsoft.com/office/drawing/2014/main" id="{DEEB506E-0937-4635-B40E-AA7482302E95}"/>
+                <a16:creationId xmlns:a16="http://schemas.microsoft.com/office/drawing/2014/main" id="{40A6A89A-C4DE-46C6-AAF0-BFCDBF10CE26}"/>
               </a:ext>
             </a:extLst>
           </p:cNvPr>
@@ -8134,12 +8090,12 @@
           <a:lstStyle/>
           <a:p>
             <a:r>
-              <a:rPr lang="nl-BE" dirty="0">
+              <a:rPr lang="nl-BE">
                 <a:solidFill>
                   <a:srgbClr val="0085FE"/>
                 </a:solidFill>
               </a:rPr>
-              <a:t>Inventory real world example</a:t>
+              <a:t>Inventory file formats</a:t>
             </a:r>
             <a:endParaRPr lang="en-US" dirty="0">
               <a:solidFill>
@@ -8151,35 +8107,10 @@
       </p:sp>
       <p:sp>
         <p:nvSpPr>
-          <p:cNvPr id="3" name="Content Placeholder 2">
-            <a:extLst>
-              <a:ext uri="{FF2B5EF4-FFF2-40B4-BE49-F238E27FC236}">
-                <a16:creationId xmlns:a16="http://schemas.microsoft.com/office/drawing/2014/main" id="{62083E4D-43DF-4E16-A43C-4F2D496276A7}"/>
-              </a:ext>
-            </a:extLst>
-          </p:cNvPr>
-          <p:cNvSpPr>
-            <a:spLocks noGrp="1"/>
-          </p:cNvSpPr>
-          <p:nvPr>
-            <p:ph idx="1"/>
-          </p:nvPr>
-        </p:nvSpPr>
-        <p:spPr/>
-        <p:txBody>
-          <a:bodyPr/>
-          <a:lstStyle/>
-          <a:p>
-            <a:endParaRPr lang="en-US"/>
-          </a:p>
-        </p:txBody>
-      </p:sp>
-      <p:sp>
-        <p:nvSpPr>
           <p:cNvPr id="4" name="Footer Placeholder 3">
             <a:extLst>
               <a:ext uri="{FF2B5EF4-FFF2-40B4-BE49-F238E27FC236}">
-                <a16:creationId xmlns:a16="http://schemas.microsoft.com/office/drawing/2014/main" id="{30FED224-1222-43E5-9DC0-8E94755FAB18}"/>
+                <a16:creationId xmlns:a16="http://schemas.microsoft.com/office/drawing/2014/main" id="{199175DE-F460-4C98-BB14-CEEBB0D17C5A}"/>
               </a:ext>
             </a:extLst>
           </p:cNvPr>
@@ -8207,7 +8138,7 @@
           <p:cNvPr id="5" name="Slide Number Placeholder 4">
             <a:extLst>
               <a:ext uri="{FF2B5EF4-FFF2-40B4-BE49-F238E27FC236}">
-                <a16:creationId xmlns:a16="http://schemas.microsoft.com/office/drawing/2014/main" id="{99D1E31C-8B99-4F04-8820-5510276DB67A}"/>
+                <a16:creationId xmlns:a16="http://schemas.microsoft.com/office/drawing/2014/main" id="{4105B84B-2369-4B3B-AB22-BBF5E0D485E8}"/>
               </a:ext>
             </a:extLst>
           </p:cNvPr>
@@ -8233,10 +8164,10 @@
       </p:sp>
       <p:pic>
         <p:nvPicPr>
-          <p:cNvPr id="7" name="Picture 6" descr="Text&#10;&#10;Description automatically generated">
-            <a:extLst>
-              <a:ext uri="{FF2B5EF4-FFF2-40B4-BE49-F238E27FC236}">
-                <a16:creationId xmlns:a16="http://schemas.microsoft.com/office/drawing/2014/main" id="{F8FF7953-1762-4573-8551-700C50449861}"/>
+          <p:cNvPr id="7" name="Picture 6" descr="Text&#10;&#10;Description automatically generated with medium confidence">
+            <a:extLst>
+              <a:ext uri="{FF2B5EF4-FFF2-40B4-BE49-F238E27FC236}">
+                <a16:creationId xmlns:a16="http://schemas.microsoft.com/office/drawing/2014/main" id="{E7F82C24-23E0-4367-A2C1-98D826A07309}"/>
               </a:ext>
             </a:extLst>
           </p:cNvPr>
@@ -8259,18 +8190,126 @@
         </p:blipFill>
         <p:spPr>
           <a:xfrm>
-            <a:off x="7674370" y="1396365"/>
-            <a:ext cx="3237230" cy="4065270"/>
+            <a:off x="1788301" y="1846206"/>
+            <a:ext cx="3187745" cy="3867797"/>
           </a:xfrm>
           <a:prstGeom prst="rect">
             <a:avLst/>
           </a:prstGeom>
         </p:spPr>
       </p:pic>
+      <p:pic>
+        <p:nvPicPr>
+          <p:cNvPr id="9" name="Picture 8" descr="A picture containing text, indoor, screenshot&#10;&#10;Description automatically generated">
+            <a:extLst>
+              <a:ext uri="{FF2B5EF4-FFF2-40B4-BE49-F238E27FC236}">
+                <a16:creationId xmlns:a16="http://schemas.microsoft.com/office/drawing/2014/main" id="{A8BCABD1-8E43-451A-9234-53E1F63A73CC}"/>
+              </a:ext>
+            </a:extLst>
+          </p:cNvPr>
+          <p:cNvPicPr>
+            <a:picLocks noChangeAspect="1"/>
+          </p:cNvPicPr>
+          <p:nvPr/>
+        </p:nvPicPr>
+        <p:blipFill>
+          <a:blip r:embed="rId3">
+            <a:extLst>
+              <a:ext uri="{28A0092B-C50C-407E-A947-70E740481C1C}">
+                <a14:useLocalDpi xmlns:a14="http://schemas.microsoft.com/office/drawing/2010/main" val="0"/>
+              </a:ext>
+            </a:extLst>
+          </a:blip>
+          <a:stretch>
+            <a:fillRect/>
+          </a:stretch>
+        </p:blipFill>
+        <p:spPr>
+          <a:xfrm>
+            <a:off x="7215956" y="1843413"/>
+            <a:ext cx="2764018" cy="3873385"/>
+          </a:xfrm>
+          <a:prstGeom prst="rect">
+            <a:avLst/>
+          </a:prstGeom>
+        </p:spPr>
+      </p:pic>
+      <p:sp>
+        <p:nvSpPr>
+          <p:cNvPr id="10" name="TextBox 9">
+            <a:extLst>
+              <a:ext uri="{FF2B5EF4-FFF2-40B4-BE49-F238E27FC236}">
+                <a16:creationId xmlns:a16="http://schemas.microsoft.com/office/drawing/2014/main" id="{2AA254A3-5F6A-47B5-90D1-0F08ADAAECD7}"/>
+              </a:ext>
+            </a:extLst>
+          </p:cNvPr>
+          <p:cNvSpPr txBox="1"/>
+          <p:nvPr/>
+        </p:nvSpPr>
+        <p:spPr>
+          <a:xfrm>
+            <a:off x="2890147" y="1320193"/>
+            <a:ext cx="984052" cy="523220"/>
+          </a:xfrm>
+          <a:prstGeom prst="rect">
+            <a:avLst/>
+          </a:prstGeom>
+          <a:noFill/>
+        </p:spPr>
+        <p:txBody>
+          <a:bodyPr wrap="none" rtlCol="0">
+            <a:spAutoFit/>
+          </a:bodyPr>
+          <a:lstStyle/>
+          <a:p>
+            <a:r>
+              <a:rPr lang="nl-BE" sz="2800" dirty="0"/>
+              <a:t>YAML</a:t>
+            </a:r>
+            <a:endParaRPr lang="en-US" dirty="0"/>
+          </a:p>
+        </p:txBody>
+      </p:sp>
+      <p:sp>
+        <p:nvSpPr>
+          <p:cNvPr id="11" name="TextBox 10">
+            <a:extLst>
+              <a:ext uri="{FF2B5EF4-FFF2-40B4-BE49-F238E27FC236}">
+                <a16:creationId xmlns:a16="http://schemas.microsoft.com/office/drawing/2014/main" id="{C0474779-5F45-4CCF-A1B6-B412744D8C63}"/>
+              </a:ext>
+            </a:extLst>
+          </p:cNvPr>
+          <p:cNvSpPr txBox="1"/>
+          <p:nvPr/>
+        </p:nvSpPr>
+        <p:spPr>
+          <a:xfrm>
+            <a:off x="8302852" y="1320193"/>
+            <a:ext cx="590226" cy="523220"/>
+          </a:xfrm>
+          <a:prstGeom prst="rect">
+            <a:avLst/>
+          </a:prstGeom>
+          <a:noFill/>
+        </p:spPr>
+        <p:txBody>
+          <a:bodyPr wrap="none" rtlCol="0">
+            <a:spAutoFit/>
+          </a:bodyPr>
+          <a:lstStyle/>
+          <a:p>
+            <a:r>
+              <a:rPr lang="nl-BE" sz="2800" dirty="0"/>
+              <a:t>INI</a:t>
+            </a:r>
+            <a:endParaRPr lang="en-US" sz="2800" dirty="0"/>
+          </a:p>
+        </p:txBody>
+      </p:sp>
     </p:spTree>
     <p:extLst>
       <p:ext uri="{BB962C8B-B14F-4D97-AF65-F5344CB8AC3E}">
-        <p14:creationId xmlns:p14="http://schemas.microsoft.com/office/powerpoint/2010/main" val="1561508457"/>
+        <p14:creationId xmlns:p14="http://schemas.microsoft.com/office/powerpoint/2010/main" val="812554469"/>
       </p:ext>
     </p:extLst>
   </p:cSld>
@@ -8302,7 +8341,7 @@
           <p:cNvPr id="2" name="Title 1">
             <a:extLst>
               <a:ext uri="{FF2B5EF4-FFF2-40B4-BE49-F238E27FC236}">
-                <a16:creationId xmlns:a16="http://schemas.microsoft.com/office/drawing/2014/main" id="{C0CA5DA5-C036-4684-B395-A2B54100B73E}"/>
+                <a16:creationId xmlns:a16="http://schemas.microsoft.com/office/drawing/2014/main" id="{DEEB506E-0937-4635-B40E-AA7482302E95}"/>
               </a:ext>
             </a:extLst>
           </p:cNvPr>
@@ -8318,7 +8357,19 @@
           <a:bodyPr/>
           <a:lstStyle/>
           <a:p>
-            <a:endParaRPr lang="en-US"/>
+            <a:r>
+              <a:rPr lang="nl-BE" dirty="0">
+                <a:solidFill>
+                  <a:srgbClr val="0085FE"/>
+                </a:solidFill>
+              </a:rPr>
+              <a:t>Inventory real world example - YAML</a:t>
+            </a:r>
+            <a:endParaRPr lang="en-US" dirty="0">
+              <a:solidFill>
+                <a:srgbClr val="0085FE"/>
+              </a:solidFill>
+            </a:endParaRPr>
           </a:p>
         </p:txBody>
       </p:sp>
@@ -8327,7 +8378,7 @@
           <p:cNvPr id="3" name="Content Placeholder 2">
             <a:extLst>
               <a:ext uri="{FF2B5EF4-FFF2-40B4-BE49-F238E27FC236}">
-                <a16:creationId xmlns:a16="http://schemas.microsoft.com/office/drawing/2014/main" id="{6BB7156A-B72D-4860-81A1-650099E4CA1D}"/>
+                <a16:creationId xmlns:a16="http://schemas.microsoft.com/office/drawing/2014/main" id="{62083E4D-43DF-4E16-A43C-4F2D496276A7}"/>
               </a:ext>
             </a:extLst>
           </p:cNvPr>
@@ -8343,7 +8394,65 @@
           <a:bodyPr/>
           <a:lstStyle/>
           <a:p>
-            <a:endParaRPr lang="en-US"/>
+            <a:pPr marL="457200" indent="-457200">
+              <a:buFont typeface="Arial" panose="020B0604020202020204" pitchFamily="34" charset="0"/>
+              <a:buChar char="•"/>
+            </a:pPr>
+            <a:r>
+              <a:rPr lang="nl-BE" dirty="0"/>
+              <a:t>Start of YAML file</a:t>
+            </a:r>
+          </a:p>
+          <a:p>
+            <a:pPr marL="457200" indent="-457200">
+              <a:buFont typeface="Arial" panose="020B0604020202020204" pitchFamily="34" charset="0"/>
+              <a:buChar char="•"/>
+            </a:pPr>
+            <a:r>
+              <a:rPr lang="nl-BE" dirty="0"/>
+              <a:t>Group name</a:t>
+            </a:r>
+          </a:p>
+          <a:p>
+            <a:pPr marL="457200" indent="-457200">
+              <a:buFont typeface="Arial" panose="020B0604020202020204" pitchFamily="34" charset="0"/>
+              <a:buChar char="•"/>
+            </a:pPr>
+            <a:r>
+              <a:rPr lang="nl-BE" dirty="0"/>
+              <a:t>Group variables</a:t>
+            </a:r>
+          </a:p>
+          <a:p>
+            <a:pPr marL="457200" indent="-457200">
+              <a:buFont typeface="Arial" panose="020B0604020202020204" pitchFamily="34" charset="0"/>
+              <a:buChar char="•"/>
+            </a:pPr>
+            <a:r>
+              <a:rPr lang="nl-BE" dirty="0"/>
+              <a:t>Host/node adress</a:t>
+            </a:r>
+          </a:p>
+          <a:p>
+            <a:pPr marL="457200" indent="-457200">
+              <a:buFont typeface="Arial" panose="020B0604020202020204" pitchFamily="34" charset="0"/>
+              <a:buChar char="•"/>
+            </a:pPr>
+            <a:r>
+              <a:rPr lang="nl-BE" dirty="0"/>
+              <a:t>Common variable(s)</a:t>
+            </a:r>
+          </a:p>
+          <a:p>
+            <a:pPr marL="457200" indent="-457200">
+              <a:buFont typeface="Arial" panose="020B0604020202020204" pitchFamily="34" charset="0"/>
+              <a:buChar char="•"/>
+            </a:pPr>
+            <a:r>
+              <a:rPr lang="nl-BE" dirty="0"/>
+              <a:t>YAML indentation</a:t>
+            </a:r>
+            <a:endParaRPr lang="en-US" dirty="0"/>
           </a:p>
         </p:txBody>
       </p:sp>
@@ -8352,7 +8461,7 @@
           <p:cNvPr id="4" name="Footer Placeholder 3">
             <a:extLst>
               <a:ext uri="{FF2B5EF4-FFF2-40B4-BE49-F238E27FC236}">
-                <a16:creationId xmlns:a16="http://schemas.microsoft.com/office/drawing/2014/main" id="{80F1881B-72D4-442C-AFDA-B56DEF22CFC7}"/>
+                <a16:creationId xmlns:a16="http://schemas.microsoft.com/office/drawing/2014/main" id="{30FED224-1222-43E5-9DC0-8E94755FAB18}"/>
               </a:ext>
             </a:extLst>
           </p:cNvPr>
@@ -8369,8 +8478,8 @@
           <a:lstStyle/>
           <a:p>
             <a:r>
-              <a:rPr lang="nl-BE"/>
-              <a:t>Titel van de presentatie</a:t>
+              <a:rPr lang="nl-BE" dirty="0"/>
+              <a:t>Ansible</a:t>
             </a:r>
           </a:p>
         </p:txBody>
@@ -8380,7 +8489,7 @@
           <p:cNvPr id="5" name="Slide Number Placeholder 4">
             <a:extLst>
               <a:ext uri="{FF2B5EF4-FFF2-40B4-BE49-F238E27FC236}">
-                <a16:creationId xmlns:a16="http://schemas.microsoft.com/office/drawing/2014/main" id="{EA65554E-54D4-4B45-9ED8-B19774FC2A6D}"/>
+                <a16:creationId xmlns:a16="http://schemas.microsoft.com/office/drawing/2014/main" id="{99D1E31C-8B99-4F04-8820-5510276DB67A}"/>
               </a:ext>
             </a:extLst>
           </p:cNvPr>
@@ -8404,42 +8513,17 @@
           </a:p>
         </p:txBody>
       </p:sp>
-      <p:sp>
-        <p:nvSpPr>
-          <p:cNvPr id="6" name="Text Placeholder 5">
-            <a:extLst>
-              <a:ext uri="{FF2B5EF4-FFF2-40B4-BE49-F238E27FC236}">
-                <a16:creationId xmlns:a16="http://schemas.microsoft.com/office/drawing/2014/main" id="{7178E282-D5ED-46AF-AC21-8E478FBDA844}"/>
-              </a:ext>
-            </a:extLst>
-          </p:cNvPr>
-          <p:cNvSpPr>
-            <a:spLocks noGrp="1"/>
-          </p:cNvSpPr>
-          <p:nvPr>
-            <p:ph type="body" sz="quarter" idx="13"/>
-          </p:nvPr>
-        </p:nvSpPr>
-        <p:spPr/>
-        <p:txBody>
-          <a:bodyPr/>
-          <a:lstStyle/>
-          <a:p>
-            <a:endParaRPr lang="en-US"/>
-          </a:p>
-        </p:txBody>
-      </p:sp>
       <p:pic>
         <p:nvPicPr>
-          <p:cNvPr id="28674" name="Picture 2" descr="End-to-End Application Provisioning with Ansible and Terraform | IBM">
-            <a:extLst>
-              <a:ext uri="{FF2B5EF4-FFF2-40B4-BE49-F238E27FC236}">
-                <a16:creationId xmlns:a16="http://schemas.microsoft.com/office/drawing/2014/main" id="{87FE8728-FA6F-4346-A9CE-9EF8D6972657}"/>
+          <p:cNvPr id="7" name="Picture 6" descr="Text&#10;&#10;Description automatically generated">
+            <a:extLst>
+              <a:ext uri="{FF2B5EF4-FFF2-40B4-BE49-F238E27FC236}">
+                <a16:creationId xmlns:a16="http://schemas.microsoft.com/office/drawing/2014/main" id="{F8FF7953-1762-4573-8551-700C50449861}"/>
               </a:ext>
             </a:extLst>
           </p:cNvPr>
           <p:cNvPicPr>
-            <a:picLocks noChangeAspect="1" noChangeArrowheads="1"/>
+            <a:picLocks noChangeAspect="1"/>
           </p:cNvPicPr>
           <p:nvPr/>
         </p:nvPicPr>
@@ -8451,35 +8535,744 @@
               </a:ext>
             </a:extLst>
           </a:blip>
-          <a:srcRect/>
           <a:stretch>
             <a:fillRect/>
           </a:stretch>
         </p:blipFill>
-        <p:spPr bwMode="auto">
+        <p:spPr>
           <a:xfrm>
-            <a:off x="1790700" y="561975"/>
-            <a:ext cx="8610600" cy="5734050"/>
+            <a:off x="6265800" y="612000"/>
+            <a:ext cx="4002800" cy="5026663"/>
+          </a:xfrm>
+          <a:prstGeom prst="rect">
+            <a:avLst/>
+          </a:prstGeom>
+        </p:spPr>
+      </p:pic>
+      <p:sp>
+        <p:nvSpPr>
+          <p:cNvPr id="8" name="Rectangle 7">
+            <a:extLst>
+              <a:ext uri="{FF2B5EF4-FFF2-40B4-BE49-F238E27FC236}">
+                <a16:creationId xmlns:a16="http://schemas.microsoft.com/office/drawing/2014/main" id="{4AEE8BDF-4C07-4B5B-9568-A41915E1E144}"/>
+              </a:ext>
+            </a:extLst>
+          </p:cNvPr>
+          <p:cNvSpPr/>
+          <p:nvPr/>
+        </p:nvSpPr>
+        <p:spPr>
+          <a:xfrm>
+            <a:off x="6688666" y="1233059"/>
+            <a:ext cx="999066" cy="237066"/>
           </a:xfrm>
           <a:prstGeom prst="rect">
             <a:avLst/>
           </a:prstGeom>
           <a:noFill/>
-          <a:extLst>
-            <a:ext uri="{909E8E84-426E-40DD-AFC4-6F175D3DCCD1}">
-              <a14:hiddenFill xmlns:a14="http://schemas.microsoft.com/office/drawing/2010/main">
-                <a:solidFill>
-                  <a:srgbClr val="FFFFFF"/>
-                </a:solidFill>
-              </a14:hiddenFill>
-            </a:ext>
-          </a:extLst>
-        </p:spPr>
-      </p:pic>
+          <a:ln w="38100">
+            <a:solidFill>
+              <a:srgbClr val="FFC000"/>
+            </a:solidFill>
+          </a:ln>
+        </p:spPr>
+        <p:txBody>
+          <a:bodyPr wrap="square" lIns="0" tIns="0" rIns="0" bIns="0" rtlCol="0" anchor="ctr">
+            <a:spAutoFit/>
+          </a:bodyPr>
+          <a:lstStyle/>
+          <a:p>
+            <a:pPr algn="l"/>
+            <a:endParaRPr lang="en-US" sz="1600" b="1" dirty="0" err="1">
+              <a:latin typeface="+mj-lt"/>
+            </a:endParaRPr>
+          </a:p>
+        </p:txBody>
+      </p:sp>
+      <p:sp>
+        <p:nvSpPr>
+          <p:cNvPr id="9" name="Rectangle 8">
+            <a:extLst>
+              <a:ext uri="{FF2B5EF4-FFF2-40B4-BE49-F238E27FC236}">
+                <a16:creationId xmlns:a16="http://schemas.microsoft.com/office/drawing/2014/main" id="{BC705911-A3E5-4998-A415-A11052736CA8}"/>
+              </a:ext>
+            </a:extLst>
+          </p:cNvPr>
+          <p:cNvSpPr/>
+          <p:nvPr/>
+        </p:nvSpPr>
+        <p:spPr>
+          <a:xfrm>
+            <a:off x="5181601" y="2032387"/>
+            <a:ext cx="237066" cy="45719"/>
+          </a:xfrm>
+          <a:prstGeom prst="rect">
+            <a:avLst/>
+          </a:prstGeom>
+          <a:noFill/>
+          <a:ln w="38100">
+            <a:solidFill>
+              <a:srgbClr val="FF0000"/>
+            </a:solidFill>
+          </a:ln>
+        </p:spPr>
+        <p:txBody>
+          <a:bodyPr wrap="square" lIns="0" tIns="0" rIns="0" bIns="0" rtlCol="0" anchor="ctr">
+            <a:spAutoFit/>
+          </a:bodyPr>
+          <a:lstStyle/>
+          <a:p>
+            <a:pPr algn="l"/>
+            <a:endParaRPr lang="en-US" sz="1600" b="1" dirty="0" err="1">
+              <a:latin typeface="+mj-lt"/>
+            </a:endParaRPr>
+          </a:p>
+        </p:txBody>
+      </p:sp>
+      <p:sp>
+        <p:nvSpPr>
+          <p:cNvPr id="10" name="Rectangle 9">
+            <a:extLst>
+              <a:ext uri="{FF2B5EF4-FFF2-40B4-BE49-F238E27FC236}">
+                <a16:creationId xmlns:a16="http://schemas.microsoft.com/office/drawing/2014/main" id="{EA7CFF8F-B190-434D-A3CD-B88643F6DE0F}"/>
+              </a:ext>
+            </a:extLst>
+          </p:cNvPr>
+          <p:cNvSpPr/>
+          <p:nvPr/>
+        </p:nvSpPr>
+        <p:spPr>
+          <a:xfrm>
+            <a:off x="5181601" y="2622583"/>
+            <a:ext cx="237066" cy="45719"/>
+          </a:xfrm>
+          <a:prstGeom prst="rect">
+            <a:avLst/>
+          </a:prstGeom>
+          <a:noFill/>
+          <a:ln w="38100">
+            <a:solidFill>
+              <a:srgbClr val="FFC000"/>
+            </a:solidFill>
+          </a:ln>
+        </p:spPr>
+        <p:txBody>
+          <a:bodyPr wrap="square" lIns="0" tIns="0" rIns="0" bIns="0" rtlCol="0" anchor="ctr">
+            <a:spAutoFit/>
+          </a:bodyPr>
+          <a:lstStyle/>
+          <a:p>
+            <a:pPr algn="l"/>
+            <a:endParaRPr lang="en-US" sz="1600" b="1" dirty="0" err="1">
+              <a:latin typeface="+mj-lt"/>
+            </a:endParaRPr>
+          </a:p>
+        </p:txBody>
+      </p:sp>
+      <p:sp>
+        <p:nvSpPr>
+          <p:cNvPr id="11" name="Rectangle 10">
+            <a:extLst>
+              <a:ext uri="{FF2B5EF4-FFF2-40B4-BE49-F238E27FC236}">
+                <a16:creationId xmlns:a16="http://schemas.microsoft.com/office/drawing/2014/main" id="{47C82896-D28B-4718-A098-21509BDAF90B}"/>
+              </a:ext>
+            </a:extLst>
+          </p:cNvPr>
+          <p:cNvSpPr/>
+          <p:nvPr/>
+        </p:nvSpPr>
+        <p:spPr>
+          <a:xfrm>
+            <a:off x="5181601" y="3808432"/>
+            <a:ext cx="237066" cy="45719"/>
+          </a:xfrm>
+          <a:prstGeom prst="rect">
+            <a:avLst/>
+          </a:prstGeom>
+          <a:noFill/>
+          <a:ln w="38100">
+            <a:solidFill>
+              <a:srgbClr val="00B0F0"/>
+            </a:solidFill>
+          </a:ln>
+        </p:spPr>
+        <p:txBody>
+          <a:bodyPr wrap="square" lIns="0" tIns="0" rIns="0" bIns="0" rtlCol="0" anchor="ctr">
+            <a:spAutoFit/>
+          </a:bodyPr>
+          <a:lstStyle/>
+          <a:p>
+            <a:pPr algn="l"/>
+            <a:endParaRPr lang="en-US" sz="1600" b="1" dirty="0" err="1">
+              <a:latin typeface="+mj-lt"/>
+            </a:endParaRPr>
+          </a:p>
+        </p:txBody>
+      </p:sp>
+      <p:sp>
+        <p:nvSpPr>
+          <p:cNvPr id="12" name="Rectangle 11">
+            <a:extLst>
+              <a:ext uri="{FF2B5EF4-FFF2-40B4-BE49-F238E27FC236}">
+                <a16:creationId xmlns:a16="http://schemas.microsoft.com/office/drawing/2014/main" id="{7D4FADE1-10EB-4D63-B431-1651D11889D8}"/>
+              </a:ext>
+            </a:extLst>
+          </p:cNvPr>
+          <p:cNvSpPr/>
+          <p:nvPr/>
+        </p:nvSpPr>
+        <p:spPr>
+          <a:xfrm>
+            <a:off x="5181601" y="3185529"/>
+            <a:ext cx="237066" cy="45719"/>
+          </a:xfrm>
+          <a:prstGeom prst="rect">
+            <a:avLst/>
+          </a:prstGeom>
+          <a:noFill/>
+          <a:ln w="38100">
+            <a:solidFill>
+              <a:srgbClr val="92D050"/>
+            </a:solidFill>
+          </a:ln>
+        </p:spPr>
+        <p:txBody>
+          <a:bodyPr wrap="square" lIns="0" tIns="0" rIns="0" bIns="0" rtlCol="0" anchor="ctr">
+            <a:spAutoFit/>
+          </a:bodyPr>
+          <a:lstStyle/>
+          <a:p>
+            <a:pPr algn="l"/>
+            <a:endParaRPr lang="en-US" sz="1600" b="1" dirty="0" err="1">
+              <a:latin typeface="+mj-lt"/>
+            </a:endParaRPr>
+          </a:p>
+        </p:txBody>
+      </p:sp>
+      <p:sp>
+        <p:nvSpPr>
+          <p:cNvPr id="13" name="Rectangle 12">
+            <a:extLst>
+              <a:ext uri="{FF2B5EF4-FFF2-40B4-BE49-F238E27FC236}">
+                <a16:creationId xmlns:a16="http://schemas.microsoft.com/office/drawing/2014/main" id="{78C85D3B-BE55-48BC-BABB-215C3DA7E865}"/>
+              </a:ext>
+            </a:extLst>
+          </p:cNvPr>
+          <p:cNvSpPr/>
+          <p:nvPr/>
+        </p:nvSpPr>
+        <p:spPr>
+          <a:xfrm>
+            <a:off x="5181601" y="4330324"/>
+            <a:ext cx="237066" cy="45719"/>
+          </a:xfrm>
+          <a:prstGeom prst="rect">
+            <a:avLst/>
+          </a:prstGeom>
+          <a:noFill/>
+          <a:ln w="38100">
+            <a:solidFill>
+              <a:srgbClr val="7030A0"/>
+            </a:solidFill>
+          </a:ln>
+        </p:spPr>
+        <p:txBody>
+          <a:bodyPr wrap="square" lIns="0" tIns="0" rIns="0" bIns="0" rtlCol="0" anchor="ctr">
+            <a:spAutoFit/>
+          </a:bodyPr>
+          <a:lstStyle/>
+          <a:p>
+            <a:pPr algn="l"/>
+            <a:endParaRPr lang="en-US" sz="1600" b="1" dirty="0" err="1">
+              <a:latin typeface="+mj-lt"/>
+            </a:endParaRPr>
+          </a:p>
+        </p:txBody>
+      </p:sp>
+      <p:sp>
+        <p:nvSpPr>
+          <p:cNvPr id="16" name="Rectangle 15">
+            <a:extLst>
+              <a:ext uri="{FF2B5EF4-FFF2-40B4-BE49-F238E27FC236}">
+                <a16:creationId xmlns:a16="http://schemas.microsoft.com/office/drawing/2014/main" id="{9DFBA245-0274-45E7-B3F2-AB2FA81D263A}"/>
+              </a:ext>
+            </a:extLst>
+          </p:cNvPr>
+          <p:cNvSpPr/>
+          <p:nvPr/>
+        </p:nvSpPr>
+        <p:spPr>
+          <a:xfrm>
+            <a:off x="6265800" y="612000"/>
+            <a:ext cx="422866" cy="172400"/>
+          </a:xfrm>
+          <a:prstGeom prst="rect">
+            <a:avLst/>
+          </a:prstGeom>
+          <a:noFill/>
+          <a:ln w="38100">
+            <a:solidFill>
+              <a:srgbClr val="FF0000"/>
+            </a:solidFill>
+          </a:ln>
+        </p:spPr>
+        <p:txBody>
+          <a:bodyPr wrap="square" lIns="0" tIns="0" rIns="0" bIns="0" rtlCol="0" anchor="ctr">
+            <a:spAutoFit/>
+          </a:bodyPr>
+          <a:lstStyle/>
+          <a:p>
+            <a:pPr algn="l"/>
+            <a:endParaRPr lang="en-US" sz="1600" b="1" dirty="0" err="1">
+              <a:latin typeface="+mj-lt"/>
+            </a:endParaRPr>
+          </a:p>
+        </p:txBody>
+      </p:sp>
+      <p:sp>
+        <p:nvSpPr>
+          <p:cNvPr id="17" name="Rectangle 16">
+            <a:extLst>
+              <a:ext uri="{FF2B5EF4-FFF2-40B4-BE49-F238E27FC236}">
+                <a16:creationId xmlns:a16="http://schemas.microsoft.com/office/drawing/2014/main" id="{B34FB821-CDE5-4161-B644-25798378A471}"/>
+              </a:ext>
+            </a:extLst>
+          </p:cNvPr>
+          <p:cNvSpPr/>
+          <p:nvPr/>
+        </p:nvSpPr>
+        <p:spPr>
+          <a:xfrm>
+            <a:off x="6688666" y="2146357"/>
+            <a:ext cx="1411394" cy="237066"/>
+          </a:xfrm>
+          <a:prstGeom prst="rect">
+            <a:avLst/>
+          </a:prstGeom>
+          <a:noFill/>
+          <a:ln w="38100">
+            <a:solidFill>
+              <a:srgbClr val="FFC000"/>
+            </a:solidFill>
+          </a:ln>
+        </p:spPr>
+        <p:txBody>
+          <a:bodyPr wrap="square" lIns="0" tIns="0" rIns="0" bIns="0" rtlCol="0" anchor="ctr">
+            <a:spAutoFit/>
+          </a:bodyPr>
+          <a:lstStyle/>
+          <a:p>
+            <a:pPr algn="l"/>
+            <a:endParaRPr lang="en-US" sz="1600" b="1" dirty="0" err="1">
+              <a:latin typeface="+mj-lt"/>
+            </a:endParaRPr>
+          </a:p>
+        </p:txBody>
+      </p:sp>
+      <p:sp>
+        <p:nvSpPr>
+          <p:cNvPr id="18" name="Rectangle 17">
+            <a:extLst>
+              <a:ext uri="{FF2B5EF4-FFF2-40B4-BE49-F238E27FC236}">
+                <a16:creationId xmlns:a16="http://schemas.microsoft.com/office/drawing/2014/main" id="{78D388FF-F631-4B8D-A46A-1BD77CF8E6F9}"/>
+              </a:ext>
+            </a:extLst>
+          </p:cNvPr>
+          <p:cNvSpPr/>
+          <p:nvPr/>
+        </p:nvSpPr>
+        <p:spPr>
+          <a:xfrm>
+            <a:off x="6688666" y="3094458"/>
+            <a:ext cx="481754" cy="182141"/>
+          </a:xfrm>
+          <a:prstGeom prst="rect">
+            <a:avLst/>
+          </a:prstGeom>
+          <a:noFill/>
+          <a:ln w="38100">
+            <a:solidFill>
+              <a:srgbClr val="92D050"/>
+            </a:solidFill>
+          </a:ln>
+        </p:spPr>
+        <p:txBody>
+          <a:bodyPr wrap="square" lIns="0" tIns="0" rIns="0" bIns="0" rtlCol="0" anchor="ctr">
+            <a:spAutoFit/>
+          </a:bodyPr>
+          <a:lstStyle/>
+          <a:p>
+            <a:pPr algn="l"/>
+            <a:endParaRPr lang="en-US" sz="1600" b="1" dirty="0" err="1">
+              <a:latin typeface="+mj-lt"/>
+            </a:endParaRPr>
+          </a:p>
+        </p:txBody>
+      </p:sp>
+      <p:sp>
+        <p:nvSpPr>
+          <p:cNvPr id="19" name="Rectangle 18">
+            <a:extLst>
+              <a:ext uri="{FF2B5EF4-FFF2-40B4-BE49-F238E27FC236}">
+                <a16:creationId xmlns:a16="http://schemas.microsoft.com/office/drawing/2014/main" id="{ED374424-823E-4261-8E8D-083230BA7C15}"/>
+              </a:ext>
+            </a:extLst>
+          </p:cNvPr>
+          <p:cNvSpPr/>
+          <p:nvPr/>
+        </p:nvSpPr>
+        <p:spPr>
+          <a:xfrm>
+            <a:off x="8823960" y="2817832"/>
+            <a:ext cx="1348739" cy="276626"/>
+          </a:xfrm>
+          <a:prstGeom prst="rect">
+            <a:avLst/>
+          </a:prstGeom>
+          <a:noFill/>
+          <a:ln w="38100">
+            <a:solidFill>
+              <a:srgbClr val="00B0F0"/>
+            </a:solidFill>
+          </a:ln>
+        </p:spPr>
+        <p:txBody>
+          <a:bodyPr wrap="square" lIns="0" tIns="0" rIns="0" bIns="0" rtlCol="0" anchor="ctr">
+            <a:spAutoFit/>
+          </a:bodyPr>
+          <a:lstStyle/>
+          <a:p>
+            <a:pPr algn="l"/>
+            <a:endParaRPr lang="en-US" sz="1600" b="1" dirty="0" err="1">
+              <a:latin typeface="+mj-lt"/>
+            </a:endParaRPr>
+          </a:p>
+        </p:txBody>
+      </p:sp>
+      <p:sp>
+        <p:nvSpPr>
+          <p:cNvPr id="20" name="Rectangle 19">
+            <a:extLst>
+              <a:ext uri="{FF2B5EF4-FFF2-40B4-BE49-F238E27FC236}">
+                <a16:creationId xmlns:a16="http://schemas.microsoft.com/office/drawing/2014/main" id="{A5A066C1-20FF-4802-97C1-4F98697300F3}"/>
+              </a:ext>
+            </a:extLst>
+          </p:cNvPr>
+          <p:cNvSpPr/>
+          <p:nvPr/>
+        </p:nvSpPr>
+        <p:spPr>
+          <a:xfrm>
+            <a:off x="8823960" y="1908000"/>
+            <a:ext cx="1348739" cy="276626"/>
+          </a:xfrm>
+          <a:prstGeom prst="rect">
+            <a:avLst/>
+          </a:prstGeom>
+          <a:noFill/>
+          <a:ln w="38100">
+            <a:solidFill>
+              <a:srgbClr val="00B0F0"/>
+            </a:solidFill>
+          </a:ln>
+        </p:spPr>
+        <p:txBody>
+          <a:bodyPr wrap="square" lIns="0" tIns="0" rIns="0" bIns="0" rtlCol="0" anchor="ctr">
+            <a:spAutoFit/>
+          </a:bodyPr>
+          <a:lstStyle/>
+          <a:p>
+            <a:pPr algn="l"/>
+            <a:endParaRPr lang="en-US" sz="1600" b="1" dirty="0" err="1">
+              <a:latin typeface="+mj-lt"/>
+            </a:endParaRPr>
+          </a:p>
+        </p:txBody>
+      </p:sp>
+      <p:sp>
+        <p:nvSpPr>
+          <p:cNvPr id="21" name="Rectangle 20">
+            <a:extLst>
+              <a:ext uri="{FF2B5EF4-FFF2-40B4-BE49-F238E27FC236}">
+                <a16:creationId xmlns:a16="http://schemas.microsoft.com/office/drawing/2014/main" id="{19F6F888-9D29-4B99-9895-65EAE630852B}"/>
+              </a:ext>
+            </a:extLst>
+          </p:cNvPr>
+          <p:cNvSpPr/>
+          <p:nvPr/>
+        </p:nvSpPr>
+        <p:spPr>
+          <a:xfrm>
+            <a:off x="6477233" y="5142519"/>
+            <a:ext cx="487447" cy="191481"/>
+          </a:xfrm>
+          <a:prstGeom prst="rect">
+            <a:avLst/>
+          </a:prstGeom>
+          <a:noFill/>
+          <a:ln w="38100">
+            <a:solidFill>
+              <a:srgbClr val="7030A0"/>
+            </a:solidFill>
+          </a:ln>
+        </p:spPr>
+        <p:txBody>
+          <a:bodyPr wrap="square" lIns="0" tIns="0" rIns="0" bIns="0" rtlCol="0" anchor="ctr">
+            <a:spAutoFit/>
+          </a:bodyPr>
+          <a:lstStyle/>
+          <a:p>
+            <a:pPr algn="l"/>
+            <a:endParaRPr lang="en-US" sz="1600" b="1" dirty="0" err="1">
+              <a:latin typeface="+mj-lt"/>
+            </a:endParaRPr>
+          </a:p>
+        </p:txBody>
+      </p:sp>
+      <p:sp>
+        <p:nvSpPr>
+          <p:cNvPr id="22" name="Rectangle 21">
+            <a:extLst>
+              <a:ext uri="{FF2B5EF4-FFF2-40B4-BE49-F238E27FC236}">
+                <a16:creationId xmlns:a16="http://schemas.microsoft.com/office/drawing/2014/main" id="{2443BA17-2478-4995-AAAF-B07FA4864344}"/>
+              </a:ext>
+            </a:extLst>
+          </p:cNvPr>
+          <p:cNvSpPr/>
+          <p:nvPr/>
+        </p:nvSpPr>
+        <p:spPr>
+          <a:xfrm>
+            <a:off x="8168639" y="5364884"/>
+            <a:ext cx="312421" cy="191481"/>
+          </a:xfrm>
+          <a:prstGeom prst="rect">
+            <a:avLst/>
+          </a:prstGeom>
+          <a:noFill/>
+          <a:ln w="38100">
+            <a:solidFill>
+              <a:srgbClr val="7030A0"/>
+            </a:solidFill>
+          </a:ln>
+        </p:spPr>
+        <p:txBody>
+          <a:bodyPr wrap="square" lIns="0" tIns="0" rIns="0" bIns="0" rtlCol="0" anchor="ctr">
+            <a:spAutoFit/>
+          </a:bodyPr>
+          <a:lstStyle/>
+          <a:p>
+            <a:pPr algn="l"/>
+            <a:endParaRPr lang="en-US" sz="1600" b="1" dirty="0" err="1">
+              <a:latin typeface="+mj-lt"/>
+            </a:endParaRPr>
+          </a:p>
+        </p:txBody>
+      </p:sp>
+      <p:sp>
+        <p:nvSpPr>
+          <p:cNvPr id="23" name="Rectangle 22">
+            <a:extLst>
+              <a:ext uri="{FF2B5EF4-FFF2-40B4-BE49-F238E27FC236}">
+                <a16:creationId xmlns:a16="http://schemas.microsoft.com/office/drawing/2014/main" id="{1959DE08-2A43-46FB-B9DB-54A75F84EB68}"/>
+              </a:ext>
+            </a:extLst>
+          </p:cNvPr>
+          <p:cNvSpPr/>
+          <p:nvPr/>
+        </p:nvSpPr>
+        <p:spPr>
+          <a:xfrm>
+            <a:off x="8342206" y="3310707"/>
+            <a:ext cx="535094" cy="221626"/>
+          </a:xfrm>
+          <a:prstGeom prst="rect">
+            <a:avLst/>
+          </a:prstGeom>
+          <a:noFill/>
+          <a:ln w="38100">
+            <a:solidFill>
+              <a:srgbClr val="92D050"/>
+            </a:solidFill>
+          </a:ln>
+        </p:spPr>
+        <p:txBody>
+          <a:bodyPr wrap="square" lIns="0" tIns="0" rIns="0" bIns="0" rtlCol="0" anchor="ctr">
+            <a:spAutoFit/>
+          </a:bodyPr>
+          <a:lstStyle/>
+          <a:p>
+            <a:pPr algn="l"/>
+            <a:endParaRPr lang="en-US" sz="1600" b="1" dirty="0" err="1">
+              <a:latin typeface="+mj-lt"/>
+            </a:endParaRPr>
+          </a:p>
+        </p:txBody>
+      </p:sp>
+      <p:sp>
+        <p:nvSpPr>
+          <p:cNvPr id="24" name="Rectangle 23">
+            <a:extLst>
+              <a:ext uri="{FF2B5EF4-FFF2-40B4-BE49-F238E27FC236}">
+                <a16:creationId xmlns:a16="http://schemas.microsoft.com/office/drawing/2014/main" id="{C0DBBA3E-28A7-4FC1-870F-FB878DC6CDB8}"/>
+              </a:ext>
+            </a:extLst>
+          </p:cNvPr>
+          <p:cNvSpPr/>
+          <p:nvPr/>
+        </p:nvSpPr>
+        <p:spPr>
+          <a:xfrm>
+            <a:off x="8801100" y="3526956"/>
+            <a:ext cx="601980" cy="221626"/>
+          </a:xfrm>
+          <a:prstGeom prst="rect">
+            <a:avLst/>
+          </a:prstGeom>
+          <a:noFill/>
+          <a:ln w="38100">
+            <a:solidFill>
+              <a:srgbClr val="92D050"/>
+            </a:solidFill>
+          </a:ln>
+        </p:spPr>
+        <p:txBody>
+          <a:bodyPr wrap="square" lIns="0" tIns="0" rIns="0" bIns="0" rtlCol="0" anchor="ctr">
+            <a:spAutoFit/>
+          </a:bodyPr>
+          <a:lstStyle/>
+          <a:p>
+            <a:pPr algn="l"/>
+            <a:endParaRPr lang="en-US" sz="1600" b="1" dirty="0" err="1">
+              <a:latin typeface="+mj-lt"/>
+            </a:endParaRPr>
+          </a:p>
+        </p:txBody>
+      </p:sp>
+      <p:sp>
+        <p:nvSpPr>
+          <p:cNvPr id="25" name="Rectangle 24">
+            <a:extLst>
+              <a:ext uri="{FF2B5EF4-FFF2-40B4-BE49-F238E27FC236}">
+                <a16:creationId xmlns:a16="http://schemas.microsoft.com/office/drawing/2014/main" id="{1ABE6A56-139F-43BC-85E6-4211BB1FB23C}"/>
+              </a:ext>
+            </a:extLst>
+          </p:cNvPr>
+          <p:cNvSpPr/>
+          <p:nvPr/>
+        </p:nvSpPr>
+        <p:spPr>
+          <a:xfrm>
+            <a:off x="8963235" y="3743338"/>
+            <a:ext cx="439845" cy="221626"/>
+          </a:xfrm>
+          <a:prstGeom prst="rect">
+            <a:avLst/>
+          </a:prstGeom>
+          <a:noFill/>
+          <a:ln w="38100">
+            <a:solidFill>
+              <a:srgbClr val="92D050"/>
+            </a:solidFill>
+          </a:ln>
+        </p:spPr>
+        <p:txBody>
+          <a:bodyPr wrap="square" lIns="0" tIns="0" rIns="0" bIns="0" rtlCol="0" anchor="ctr">
+            <a:spAutoFit/>
+          </a:bodyPr>
+          <a:lstStyle/>
+          <a:p>
+            <a:pPr algn="l"/>
+            <a:endParaRPr lang="en-US" sz="1600" b="1" dirty="0" err="1">
+              <a:latin typeface="+mj-lt"/>
+            </a:endParaRPr>
+          </a:p>
+        </p:txBody>
+      </p:sp>
+      <p:sp>
+        <p:nvSpPr>
+          <p:cNvPr id="26" name="Rectangle 25">
+            <a:extLst>
+              <a:ext uri="{FF2B5EF4-FFF2-40B4-BE49-F238E27FC236}">
+                <a16:creationId xmlns:a16="http://schemas.microsoft.com/office/drawing/2014/main" id="{10E2F673-9594-4003-AA69-F4FB455F7ED4}"/>
+              </a:ext>
+            </a:extLst>
+          </p:cNvPr>
+          <p:cNvSpPr/>
+          <p:nvPr/>
+        </p:nvSpPr>
+        <p:spPr>
+          <a:xfrm>
+            <a:off x="8566992" y="4864325"/>
+            <a:ext cx="1348739" cy="276626"/>
+          </a:xfrm>
+          <a:prstGeom prst="rect">
+            <a:avLst/>
+          </a:prstGeom>
+          <a:noFill/>
+          <a:ln w="38100">
+            <a:solidFill>
+              <a:srgbClr val="00B0F0"/>
+            </a:solidFill>
+          </a:ln>
+        </p:spPr>
+        <p:txBody>
+          <a:bodyPr wrap="square" lIns="0" tIns="0" rIns="0" bIns="0" rtlCol="0" anchor="ctr">
+            <a:spAutoFit/>
+          </a:bodyPr>
+          <a:lstStyle/>
+          <a:p>
+            <a:pPr algn="l"/>
+            <a:endParaRPr lang="en-US" sz="1600" b="1" dirty="0" err="1">
+              <a:latin typeface="+mj-lt"/>
+            </a:endParaRPr>
+          </a:p>
+        </p:txBody>
+      </p:sp>
+      <p:sp>
+        <p:nvSpPr>
+          <p:cNvPr id="27" name="Rectangle 26">
+            <a:extLst>
+              <a:ext uri="{FF2B5EF4-FFF2-40B4-BE49-F238E27FC236}">
+                <a16:creationId xmlns:a16="http://schemas.microsoft.com/office/drawing/2014/main" id="{72682128-E19A-4EB0-9DB8-1976CA0C262F}"/>
+              </a:ext>
+            </a:extLst>
+          </p:cNvPr>
+          <p:cNvSpPr/>
+          <p:nvPr/>
+        </p:nvSpPr>
+        <p:spPr>
+          <a:xfrm>
+            <a:off x="6688666" y="4432498"/>
+            <a:ext cx="1304714" cy="237066"/>
+          </a:xfrm>
+          <a:prstGeom prst="rect">
+            <a:avLst/>
+          </a:prstGeom>
+          <a:noFill/>
+          <a:ln w="38100">
+            <a:solidFill>
+              <a:srgbClr val="FFC000"/>
+            </a:solidFill>
+          </a:ln>
+        </p:spPr>
+        <p:txBody>
+          <a:bodyPr wrap="square" lIns="0" tIns="0" rIns="0" bIns="0" rtlCol="0" anchor="ctr">
+            <a:spAutoFit/>
+          </a:bodyPr>
+          <a:lstStyle/>
+          <a:p>
+            <a:pPr algn="l"/>
+            <a:endParaRPr lang="en-US" sz="1600" b="1" dirty="0" err="1">
+              <a:latin typeface="+mj-lt"/>
+            </a:endParaRPr>
+          </a:p>
+        </p:txBody>
+      </p:sp>
     </p:spTree>
     <p:extLst>
       <p:ext uri="{BB962C8B-B14F-4D97-AF65-F5344CB8AC3E}">
-        <p14:creationId xmlns:p14="http://schemas.microsoft.com/office/powerpoint/2010/main" val="791299812"/>
+        <p14:creationId xmlns:p14="http://schemas.microsoft.com/office/powerpoint/2010/main" val="1561508457"/>
       </p:ext>
     </p:extLst>
   </p:cSld>
@@ -8511,7 +9304,7 @@
           <p:cNvPr id="2" name="Title 1">
             <a:extLst>
               <a:ext uri="{FF2B5EF4-FFF2-40B4-BE49-F238E27FC236}">
-                <a16:creationId xmlns:a16="http://schemas.microsoft.com/office/drawing/2014/main" id="{A0A4361E-379E-456A-82BC-335114F04C17}"/>
+                <a16:creationId xmlns:a16="http://schemas.microsoft.com/office/drawing/2014/main" id="{DEEB506E-0937-4635-B40E-AA7482302E95}"/>
               </a:ext>
             </a:extLst>
           </p:cNvPr>
@@ -8533,7 +9326,7 @@
                   <a:srgbClr val="0085FE"/>
                 </a:solidFill>
               </a:rPr>
-              <a:t>Refferences</a:t>
+              <a:t>Inventory real world example - INI</a:t>
             </a:r>
             <a:endParaRPr lang="en-US" dirty="0">
               <a:solidFill>
@@ -8548,7 +9341,7 @@
           <p:cNvPr id="3" name="Content Placeholder 2">
             <a:extLst>
               <a:ext uri="{FF2B5EF4-FFF2-40B4-BE49-F238E27FC236}">
-                <a16:creationId xmlns:a16="http://schemas.microsoft.com/office/drawing/2014/main" id="{58A98F98-F3F6-4D48-8A93-A83BE333E12E}"/>
+                <a16:creationId xmlns:a16="http://schemas.microsoft.com/office/drawing/2014/main" id="{62083E4D-43DF-4E16-A43C-4F2D496276A7}"/>
               </a:ext>
             </a:extLst>
           </p:cNvPr>
@@ -8570,17 +9363,47 @@
             </a:pPr>
             <a:r>
               <a:rPr lang="nl-BE" dirty="0"/>
-              <a:t>- Figure Ansible Architecture: </a:t>
-            </a:r>
-            <a:r>
-              <a:rPr lang="nl-BE" dirty="0">
-                <a:hlinkClick r:id="rId2"/>
-              </a:rPr>
-              <a:t>https://www.linkedin.com/pulse/how-industries-solving-challenges-using-ansible-shalini-rana</a:t>
-            </a:r>
+              <a:t>Group name</a:t>
+            </a:r>
+          </a:p>
+          <a:p>
+            <a:pPr marL="457200" indent="-457200">
+              <a:buFont typeface="Arial" panose="020B0604020202020204" pitchFamily="34" charset="0"/>
+              <a:buChar char="•"/>
+            </a:pPr>
             <a:r>
               <a:rPr lang="nl-BE" dirty="0"/>
-              <a:t> </a:t>
+              <a:t>Group variables</a:t>
+            </a:r>
+          </a:p>
+          <a:p>
+            <a:pPr marL="457200" indent="-457200">
+              <a:buFont typeface="Arial" panose="020B0604020202020204" pitchFamily="34" charset="0"/>
+              <a:buChar char="•"/>
+            </a:pPr>
+            <a:r>
+              <a:rPr lang="nl-BE" dirty="0"/>
+              <a:t>Host/node adress</a:t>
+            </a:r>
+          </a:p>
+          <a:p>
+            <a:pPr marL="457200" indent="-457200">
+              <a:buFont typeface="Arial" panose="020B0604020202020204" pitchFamily="34" charset="0"/>
+              <a:buChar char="•"/>
+            </a:pPr>
+            <a:r>
+              <a:rPr lang="nl-BE" dirty="0"/>
+              <a:t>Common variable(s)</a:t>
+            </a:r>
+          </a:p>
+          <a:p>
+            <a:pPr marL="457200" indent="-457200">
+              <a:buFont typeface="Arial" panose="020B0604020202020204" pitchFamily="34" charset="0"/>
+              <a:buChar char="•"/>
+            </a:pPr>
+            <a:r>
+              <a:rPr lang="nl-BE" dirty="0"/>
+              <a:t>No indentaion</a:t>
             </a:r>
             <a:endParaRPr lang="en-US" dirty="0"/>
           </a:p>
@@ -8591,7 +9414,7 @@
           <p:cNvPr id="4" name="Footer Placeholder 3">
             <a:extLst>
               <a:ext uri="{FF2B5EF4-FFF2-40B4-BE49-F238E27FC236}">
-                <a16:creationId xmlns:a16="http://schemas.microsoft.com/office/drawing/2014/main" id="{7C6F3A2E-2A91-4DE3-9CEB-AC7F46DF3ECA}"/>
+                <a16:creationId xmlns:a16="http://schemas.microsoft.com/office/drawing/2014/main" id="{30FED224-1222-43E5-9DC0-8E94755FAB18}"/>
               </a:ext>
             </a:extLst>
           </p:cNvPr>
@@ -8608,8 +9431,8 @@
           <a:lstStyle/>
           <a:p>
             <a:r>
-              <a:rPr lang="nl-BE"/>
-              <a:t>Titel van de presentatie</a:t>
+              <a:rPr lang="nl-BE" dirty="0"/>
+              <a:t>Ansible</a:t>
             </a:r>
           </a:p>
         </p:txBody>
@@ -8619,7 +9442,7 @@
           <p:cNvPr id="5" name="Slide Number Placeholder 4">
             <a:extLst>
               <a:ext uri="{FF2B5EF4-FFF2-40B4-BE49-F238E27FC236}">
-                <a16:creationId xmlns:a16="http://schemas.microsoft.com/office/drawing/2014/main" id="{3349D7CC-7E04-49D2-A02E-DF8FCBEF1041}"/>
+                <a16:creationId xmlns:a16="http://schemas.microsoft.com/office/drawing/2014/main" id="{99D1E31C-8B99-4F04-8820-5510276DB67A}"/>
               </a:ext>
             </a:extLst>
           </p:cNvPr>
@@ -8643,10 +9466,1742 @@
           </a:p>
         </p:txBody>
       </p:sp>
+      <p:sp>
+        <p:nvSpPr>
+          <p:cNvPr id="10" name="Rectangle 9">
+            <a:extLst>
+              <a:ext uri="{FF2B5EF4-FFF2-40B4-BE49-F238E27FC236}">
+                <a16:creationId xmlns:a16="http://schemas.microsoft.com/office/drawing/2014/main" id="{EA7CFF8F-B190-434D-A3CD-B88643F6DE0F}"/>
+              </a:ext>
+            </a:extLst>
+          </p:cNvPr>
+          <p:cNvSpPr/>
+          <p:nvPr/>
+        </p:nvSpPr>
+        <p:spPr>
+          <a:xfrm>
+            <a:off x="5181601" y="2119789"/>
+            <a:ext cx="237066" cy="45719"/>
+          </a:xfrm>
+          <a:prstGeom prst="rect">
+            <a:avLst/>
+          </a:prstGeom>
+          <a:noFill/>
+          <a:ln w="38100">
+            <a:solidFill>
+              <a:srgbClr val="FFC000"/>
+            </a:solidFill>
+          </a:ln>
+        </p:spPr>
+        <p:txBody>
+          <a:bodyPr wrap="square" lIns="0" tIns="0" rIns="0" bIns="0" rtlCol="0" anchor="ctr">
+            <a:spAutoFit/>
+          </a:bodyPr>
+          <a:lstStyle/>
+          <a:p>
+            <a:pPr algn="l"/>
+            <a:endParaRPr lang="en-US" sz="1600" b="1" dirty="0" err="1">
+              <a:latin typeface="+mj-lt"/>
+            </a:endParaRPr>
+          </a:p>
+        </p:txBody>
+      </p:sp>
+      <p:sp>
+        <p:nvSpPr>
+          <p:cNvPr id="11" name="Rectangle 10">
+            <a:extLst>
+              <a:ext uri="{FF2B5EF4-FFF2-40B4-BE49-F238E27FC236}">
+                <a16:creationId xmlns:a16="http://schemas.microsoft.com/office/drawing/2014/main" id="{47C82896-D28B-4718-A098-21509BDAF90B}"/>
+              </a:ext>
+            </a:extLst>
+          </p:cNvPr>
+          <p:cNvSpPr/>
+          <p:nvPr/>
+        </p:nvSpPr>
+        <p:spPr>
+          <a:xfrm>
+            <a:off x="5180646" y="3237613"/>
+            <a:ext cx="237066" cy="45719"/>
+          </a:xfrm>
+          <a:prstGeom prst="rect">
+            <a:avLst/>
+          </a:prstGeom>
+          <a:noFill/>
+          <a:ln w="38100">
+            <a:solidFill>
+              <a:srgbClr val="00B0F0"/>
+            </a:solidFill>
+          </a:ln>
+        </p:spPr>
+        <p:txBody>
+          <a:bodyPr wrap="square" lIns="0" tIns="0" rIns="0" bIns="0" rtlCol="0" anchor="ctr">
+            <a:spAutoFit/>
+          </a:bodyPr>
+          <a:lstStyle/>
+          <a:p>
+            <a:pPr algn="l"/>
+            <a:endParaRPr lang="en-US" sz="1600" b="1" dirty="0" err="1">
+              <a:latin typeface="+mj-lt"/>
+            </a:endParaRPr>
+          </a:p>
+        </p:txBody>
+      </p:sp>
+      <p:sp>
+        <p:nvSpPr>
+          <p:cNvPr id="12" name="Rectangle 11">
+            <a:extLst>
+              <a:ext uri="{FF2B5EF4-FFF2-40B4-BE49-F238E27FC236}">
+                <a16:creationId xmlns:a16="http://schemas.microsoft.com/office/drawing/2014/main" id="{7D4FADE1-10EB-4D63-B431-1651D11889D8}"/>
+              </a:ext>
+            </a:extLst>
+          </p:cNvPr>
+          <p:cNvSpPr/>
+          <p:nvPr/>
+        </p:nvSpPr>
+        <p:spPr>
+          <a:xfrm>
+            <a:off x="5181601" y="2677932"/>
+            <a:ext cx="237066" cy="45719"/>
+          </a:xfrm>
+          <a:prstGeom prst="rect">
+            <a:avLst/>
+          </a:prstGeom>
+          <a:noFill/>
+          <a:ln w="38100">
+            <a:solidFill>
+              <a:srgbClr val="92D050"/>
+            </a:solidFill>
+          </a:ln>
+        </p:spPr>
+        <p:txBody>
+          <a:bodyPr wrap="square" lIns="0" tIns="0" rIns="0" bIns="0" rtlCol="0" anchor="ctr">
+            <a:spAutoFit/>
+          </a:bodyPr>
+          <a:lstStyle/>
+          <a:p>
+            <a:pPr algn="l"/>
+            <a:endParaRPr lang="en-US" sz="1600" b="1" dirty="0" err="1">
+              <a:latin typeface="+mj-lt"/>
+            </a:endParaRPr>
+          </a:p>
+        </p:txBody>
+      </p:sp>
+      <p:pic>
+        <p:nvPicPr>
+          <p:cNvPr id="28" name="Picture 27" descr="Text&#10;&#10;Description automatically generated">
+            <a:extLst>
+              <a:ext uri="{FF2B5EF4-FFF2-40B4-BE49-F238E27FC236}">
+                <a16:creationId xmlns:a16="http://schemas.microsoft.com/office/drawing/2014/main" id="{49443C79-E9A7-40FD-B2DB-9153991BAAF2}"/>
+              </a:ext>
+            </a:extLst>
+          </p:cNvPr>
+          <p:cNvPicPr>
+            <a:picLocks noChangeAspect="1"/>
+          </p:cNvPicPr>
+          <p:nvPr/>
+        </p:nvPicPr>
+        <p:blipFill>
+          <a:blip r:embed="rId2">
+            <a:extLst>
+              <a:ext uri="{28A0092B-C50C-407E-A947-70E740481C1C}">
+                <a14:useLocalDpi xmlns:a14="http://schemas.microsoft.com/office/drawing/2010/main" val="0"/>
+              </a:ext>
+            </a:extLst>
+          </a:blip>
+          <a:stretch>
+            <a:fillRect/>
+          </a:stretch>
+        </p:blipFill>
+        <p:spPr>
+          <a:xfrm>
+            <a:off x="5948313" y="1296000"/>
+            <a:ext cx="4546442" cy="3968449"/>
+          </a:xfrm>
+          <a:prstGeom prst="rect">
+            <a:avLst/>
+          </a:prstGeom>
+        </p:spPr>
+      </p:pic>
+      <p:sp>
+        <p:nvSpPr>
+          <p:cNvPr id="29" name="Rectangle 28">
+            <a:extLst>
+              <a:ext uri="{FF2B5EF4-FFF2-40B4-BE49-F238E27FC236}">
+                <a16:creationId xmlns:a16="http://schemas.microsoft.com/office/drawing/2014/main" id="{125ECE61-E9DF-4802-95C9-75C4C2D00D8F}"/>
+              </a:ext>
+            </a:extLst>
+          </p:cNvPr>
+          <p:cNvSpPr/>
+          <p:nvPr/>
+        </p:nvSpPr>
+        <p:spPr>
+          <a:xfrm>
+            <a:off x="7509933" y="1296000"/>
+            <a:ext cx="1066799" cy="236467"/>
+          </a:xfrm>
+          <a:prstGeom prst="rect">
+            <a:avLst/>
+          </a:prstGeom>
+          <a:noFill/>
+          <a:ln w="38100">
+            <a:solidFill>
+              <a:srgbClr val="FFC000"/>
+            </a:solidFill>
+          </a:ln>
+        </p:spPr>
+        <p:txBody>
+          <a:bodyPr wrap="square" lIns="0" tIns="0" rIns="0" bIns="0" rtlCol="0" anchor="ctr">
+            <a:spAutoFit/>
+          </a:bodyPr>
+          <a:lstStyle/>
+          <a:p>
+            <a:pPr algn="l"/>
+            <a:endParaRPr lang="en-US" sz="1600" b="1" dirty="0" err="1">
+              <a:latin typeface="+mj-lt"/>
+            </a:endParaRPr>
+          </a:p>
+        </p:txBody>
+      </p:sp>
+      <p:sp>
+        <p:nvSpPr>
+          <p:cNvPr id="30" name="Rectangle 29">
+            <a:extLst>
+              <a:ext uri="{FF2B5EF4-FFF2-40B4-BE49-F238E27FC236}">
+                <a16:creationId xmlns:a16="http://schemas.microsoft.com/office/drawing/2014/main" id="{E7D436F5-2D29-4C8A-8166-8BDF4E4FD2A6}"/>
+              </a:ext>
+            </a:extLst>
+          </p:cNvPr>
+          <p:cNvSpPr/>
+          <p:nvPr/>
+        </p:nvSpPr>
+        <p:spPr>
+          <a:xfrm>
+            <a:off x="7509933" y="2774983"/>
+            <a:ext cx="491066" cy="268852"/>
+          </a:xfrm>
+          <a:prstGeom prst="rect">
+            <a:avLst/>
+          </a:prstGeom>
+          <a:noFill/>
+          <a:ln w="38100">
+            <a:solidFill>
+              <a:srgbClr val="92D050"/>
+            </a:solidFill>
+          </a:ln>
+        </p:spPr>
+        <p:txBody>
+          <a:bodyPr wrap="square" lIns="0" tIns="0" rIns="0" bIns="0" rtlCol="0" anchor="ctr">
+            <a:spAutoFit/>
+          </a:bodyPr>
+          <a:lstStyle/>
+          <a:p>
+            <a:pPr algn="l"/>
+            <a:endParaRPr lang="en-US" sz="1600" b="1" dirty="0" err="1">
+              <a:latin typeface="+mj-lt"/>
+            </a:endParaRPr>
+          </a:p>
+        </p:txBody>
+      </p:sp>
+      <p:sp>
+        <p:nvSpPr>
+          <p:cNvPr id="31" name="Rectangle 30">
+            <a:extLst>
+              <a:ext uri="{FF2B5EF4-FFF2-40B4-BE49-F238E27FC236}">
+                <a16:creationId xmlns:a16="http://schemas.microsoft.com/office/drawing/2014/main" id="{66F0FE0E-BE66-4512-958B-3F0638B2353C}"/>
+              </a:ext>
+            </a:extLst>
+          </p:cNvPr>
+          <p:cNvSpPr/>
+          <p:nvPr/>
+        </p:nvSpPr>
+        <p:spPr>
+          <a:xfrm>
+            <a:off x="7391400" y="3021634"/>
+            <a:ext cx="491066" cy="268852"/>
+          </a:xfrm>
+          <a:prstGeom prst="rect">
+            <a:avLst/>
+          </a:prstGeom>
+          <a:noFill/>
+          <a:ln w="38100">
+            <a:solidFill>
+              <a:srgbClr val="92D050"/>
+            </a:solidFill>
+          </a:ln>
+        </p:spPr>
+        <p:txBody>
+          <a:bodyPr wrap="square" lIns="0" tIns="0" rIns="0" bIns="0" rtlCol="0" anchor="ctr">
+            <a:spAutoFit/>
+          </a:bodyPr>
+          <a:lstStyle/>
+          <a:p>
+            <a:pPr algn="l"/>
+            <a:endParaRPr lang="en-US" sz="1600" b="1" dirty="0" err="1">
+              <a:latin typeface="+mj-lt"/>
+            </a:endParaRPr>
+          </a:p>
+        </p:txBody>
+      </p:sp>
+      <p:sp>
+        <p:nvSpPr>
+          <p:cNvPr id="32" name="Rectangle 31">
+            <a:extLst>
+              <a:ext uri="{FF2B5EF4-FFF2-40B4-BE49-F238E27FC236}">
+                <a16:creationId xmlns:a16="http://schemas.microsoft.com/office/drawing/2014/main" id="{97B33EAF-45BC-48C7-8ED8-CA7229BF4FD9}"/>
+              </a:ext>
+            </a:extLst>
+          </p:cNvPr>
+          <p:cNvSpPr/>
+          <p:nvPr/>
+        </p:nvSpPr>
+        <p:spPr>
+          <a:xfrm>
+            <a:off x="7837335" y="3241177"/>
+            <a:ext cx="604888" cy="268852"/>
+          </a:xfrm>
+          <a:prstGeom prst="rect">
+            <a:avLst/>
+          </a:prstGeom>
+          <a:noFill/>
+          <a:ln w="38100">
+            <a:solidFill>
+              <a:srgbClr val="92D050"/>
+            </a:solidFill>
+          </a:ln>
+        </p:spPr>
+        <p:txBody>
+          <a:bodyPr wrap="square" lIns="0" tIns="0" rIns="0" bIns="0" rtlCol="0" anchor="ctr">
+            <a:spAutoFit/>
+          </a:bodyPr>
+          <a:lstStyle/>
+          <a:p>
+            <a:pPr algn="l"/>
+            <a:endParaRPr lang="en-US" sz="1600" b="1" dirty="0" err="1">
+              <a:latin typeface="+mj-lt"/>
+            </a:endParaRPr>
+          </a:p>
+        </p:txBody>
+      </p:sp>
+      <p:sp>
+        <p:nvSpPr>
+          <p:cNvPr id="33" name="Rectangle 32">
+            <a:extLst>
+              <a:ext uri="{FF2B5EF4-FFF2-40B4-BE49-F238E27FC236}">
+                <a16:creationId xmlns:a16="http://schemas.microsoft.com/office/drawing/2014/main" id="{0EF39362-C904-422E-BA5D-E1B452F339B2}"/>
+              </a:ext>
+            </a:extLst>
+          </p:cNvPr>
+          <p:cNvSpPr/>
+          <p:nvPr/>
+        </p:nvSpPr>
+        <p:spPr>
+          <a:xfrm>
+            <a:off x="8085666" y="3499547"/>
+            <a:ext cx="356557" cy="268852"/>
+          </a:xfrm>
+          <a:prstGeom prst="rect">
+            <a:avLst/>
+          </a:prstGeom>
+          <a:noFill/>
+          <a:ln w="38100">
+            <a:solidFill>
+              <a:srgbClr val="92D050"/>
+            </a:solidFill>
+          </a:ln>
+        </p:spPr>
+        <p:txBody>
+          <a:bodyPr wrap="square" lIns="0" tIns="0" rIns="0" bIns="0" rtlCol="0" anchor="ctr">
+            <a:spAutoFit/>
+          </a:bodyPr>
+          <a:lstStyle/>
+          <a:p>
+            <a:pPr algn="l"/>
+            <a:endParaRPr lang="en-US" sz="1600" b="1" dirty="0" err="1">
+              <a:latin typeface="+mj-lt"/>
+            </a:endParaRPr>
+          </a:p>
+        </p:txBody>
+      </p:sp>
+      <p:sp>
+        <p:nvSpPr>
+          <p:cNvPr id="34" name="Rectangle 33">
+            <a:extLst>
+              <a:ext uri="{FF2B5EF4-FFF2-40B4-BE49-F238E27FC236}">
+                <a16:creationId xmlns:a16="http://schemas.microsoft.com/office/drawing/2014/main" id="{AE6C37D4-58D4-4F95-965A-B2F6EF189E64}"/>
+              </a:ext>
+            </a:extLst>
+          </p:cNvPr>
+          <p:cNvSpPr/>
+          <p:nvPr/>
+        </p:nvSpPr>
+        <p:spPr>
+          <a:xfrm>
+            <a:off x="7399866" y="4269262"/>
+            <a:ext cx="1176865" cy="183137"/>
+          </a:xfrm>
+          <a:prstGeom prst="rect">
+            <a:avLst/>
+          </a:prstGeom>
+          <a:noFill/>
+          <a:ln w="38100">
+            <a:solidFill>
+              <a:srgbClr val="00B0F0"/>
+            </a:solidFill>
+          </a:ln>
+        </p:spPr>
+        <p:txBody>
+          <a:bodyPr wrap="square" lIns="0" tIns="0" rIns="0" bIns="0" rtlCol="0" anchor="ctr">
+            <a:spAutoFit/>
+          </a:bodyPr>
+          <a:lstStyle/>
+          <a:p>
+            <a:pPr algn="l"/>
+            <a:endParaRPr lang="en-US" sz="1600" b="1" dirty="0" err="1">
+              <a:latin typeface="+mj-lt"/>
+            </a:endParaRPr>
+          </a:p>
+        </p:txBody>
+      </p:sp>
+      <p:sp>
+        <p:nvSpPr>
+          <p:cNvPr id="36" name="Rectangle 35">
+            <a:extLst>
+              <a:ext uri="{FF2B5EF4-FFF2-40B4-BE49-F238E27FC236}">
+                <a16:creationId xmlns:a16="http://schemas.microsoft.com/office/drawing/2014/main" id="{F97A38A1-168E-43FD-80F1-118E157BAC41}"/>
+              </a:ext>
+            </a:extLst>
+          </p:cNvPr>
+          <p:cNvSpPr/>
+          <p:nvPr/>
+        </p:nvSpPr>
+        <p:spPr>
+          <a:xfrm>
+            <a:off x="7391400" y="4999803"/>
+            <a:ext cx="270933" cy="228867"/>
+          </a:xfrm>
+          <a:prstGeom prst="rect">
+            <a:avLst/>
+          </a:prstGeom>
+          <a:noFill/>
+          <a:ln w="38100">
+            <a:solidFill>
+              <a:srgbClr val="7030A0"/>
+            </a:solidFill>
+          </a:ln>
+        </p:spPr>
+        <p:txBody>
+          <a:bodyPr wrap="square" lIns="0" tIns="0" rIns="0" bIns="0" rtlCol="0" anchor="ctr">
+            <a:spAutoFit/>
+          </a:bodyPr>
+          <a:lstStyle/>
+          <a:p>
+            <a:pPr algn="l"/>
+            <a:endParaRPr lang="en-US" sz="1600" b="1" dirty="0" err="1">
+              <a:latin typeface="+mj-lt"/>
+            </a:endParaRPr>
+          </a:p>
+        </p:txBody>
+      </p:sp>
+      <p:sp>
+        <p:nvSpPr>
+          <p:cNvPr id="37" name="Rectangle 36">
+            <a:extLst>
+              <a:ext uri="{FF2B5EF4-FFF2-40B4-BE49-F238E27FC236}">
+                <a16:creationId xmlns:a16="http://schemas.microsoft.com/office/drawing/2014/main" id="{F2A623D0-0C6E-4FB1-AF39-44ACB791C791}"/>
+              </a:ext>
+            </a:extLst>
+          </p:cNvPr>
+          <p:cNvSpPr/>
+          <p:nvPr/>
+        </p:nvSpPr>
+        <p:spPr>
+          <a:xfrm>
+            <a:off x="7399866" y="2305101"/>
+            <a:ext cx="1253067" cy="223231"/>
+          </a:xfrm>
+          <a:prstGeom prst="rect">
+            <a:avLst/>
+          </a:prstGeom>
+          <a:noFill/>
+          <a:ln w="38100">
+            <a:solidFill>
+              <a:srgbClr val="00B0F0"/>
+            </a:solidFill>
+          </a:ln>
+        </p:spPr>
+        <p:txBody>
+          <a:bodyPr wrap="square" lIns="0" tIns="0" rIns="0" bIns="0" rtlCol="0" anchor="ctr">
+            <a:spAutoFit/>
+          </a:bodyPr>
+          <a:lstStyle/>
+          <a:p>
+            <a:pPr algn="l"/>
+            <a:endParaRPr lang="en-US" sz="1600" b="1" dirty="0" err="1">
+              <a:latin typeface="+mj-lt"/>
+            </a:endParaRPr>
+          </a:p>
+        </p:txBody>
+      </p:sp>
+      <p:sp>
+        <p:nvSpPr>
+          <p:cNvPr id="38" name="Rectangle 37">
+            <a:extLst>
+              <a:ext uri="{FF2B5EF4-FFF2-40B4-BE49-F238E27FC236}">
+                <a16:creationId xmlns:a16="http://schemas.microsoft.com/office/drawing/2014/main" id="{9845753F-EE3A-44A7-ACD8-8D9C2159F9CD}"/>
+              </a:ext>
+            </a:extLst>
+          </p:cNvPr>
+          <p:cNvSpPr/>
+          <p:nvPr/>
+        </p:nvSpPr>
+        <p:spPr>
+          <a:xfrm>
+            <a:off x="7400822" y="1552126"/>
+            <a:ext cx="1261533" cy="226992"/>
+          </a:xfrm>
+          <a:prstGeom prst="rect">
+            <a:avLst/>
+          </a:prstGeom>
+          <a:noFill/>
+          <a:ln w="38100">
+            <a:solidFill>
+              <a:srgbClr val="00B0F0"/>
+            </a:solidFill>
+          </a:ln>
+        </p:spPr>
+        <p:txBody>
+          <a:bodyPr wrap="square" lIns="0" tIns="0" rIns="0" bIns="0" rtlCol="0" anchor="ctr">
+            <a:spAutoFit/>
+          </a:bodyPr>
+          <a:lstStyle/>
+          <a:p>
+            <a:pPr algn="l"/>
+            <a:endParaRPr lang="en-US" sz="1600" b="1" dirty="0" err="1">
+              <a:latin typeface="+mj-lt"/>
+            </a:endParaRPr>
+          </a:p>
+        </p:txBody>
+      </p:sp>
+      <p:sp>
+        <p:nvSpPr>
+          <p:cNvPr id="39" name="Rectangle 38">
+            <a:extLst>
+              <a:ext uri="{FF2B5EF4-FFF2-40B4-BE49-F238E27FC236}">
+                <a16:creationId xmlns:a16="http://schemas.microsoft.com/office/drawing/2014/main" id="{22E81D43-CDCC-42E6-8B24-E6E2B851B82F}"/>
+              </a:ext>
+            </a:extLst>
+          </p:cNvPr>
+          <p:cNvSpPr/>
+          <p:nvPr/>
+        </p:nvSpPr>
+        <p:spPr>
+          <a:xfrm>
+            <a:off x="6510868" y="4770936"/>
+            <a:ext cx="463688" cy="228867"/>
+          </a:xfrm>
+          <a:prstGeom prst="rect">
+            <a:avLst/>
+          </a:prstGeom>
+          <a:noFill/>
+          <a:ln w="38100">
+            <a:solidFill>
+              <a:srgbClr val="7030A0"/>
+            </a:solidFill>
+          </a:ln>
+        </p:spPr>
+        <p:txBody>
+          <a:bodyPr wrap="square" lIns="0" tIns="0" rIns="0" bIns="0" rtlCol="0" anchor="ctr">
+            <a:spAutoFit/>
+          </a:bodyPr>
+          <a:lstStyle/>
+          <a:p>
+            <a:pPr algn="l"/>
+            <a:endParaRPr lang="en-US" sz="1600" b="1" dirty="0" err="1">
+              <a:latin typeface="+mj-lt"/>
+            </a:endParaRPr>
+          </a:p>
+        </p:txBody>
+      </p:sp>
+      <p:sp>
+        <p:nvSpPr>
+          <p:cNvPr id="40" name="Rectangle 39">
+            <a:extLst>
+              <a:ext uri="{FF2B5EF4-FFF2-40B4-BE49-F238E27FC236}">
+                <a16:creationId xmlns:a16="http://schemas.microsoft.com/office/drawing/2014/main" id="{30C28A0B-1F47-4A52-B9A3-F5FABC5EC5B4}"/>
+              </a:ext>
+            </a:extLst>
+          </p:cNvPr>
+          <p:cNvSpPr/>
+          <p:nvPr/>
+        </p:nvSpPr>
+        <p:spPr>
+          <a:xfrm>
+            <a:off x="7509932" y="2024416"/>
+            <a:ext cx="1470336" cy="236467"/>
+          </a:xfrm>
+          <a:prstGeom prst="rect">
+            <a:avLst/>
+          </a:prstGeom>
+          <a:noFill/>
+          <a:ln w="38100">
+            <a:solidFill>
+              <a:srgbClr val="FFC000"/>
+            </a:solidFill>
+          </a:ln>
+        </p:spPr>
+        <p:txBody>
+          <a:bodyPr wrap="square" lIns="0" tIns="0" rIns="0" bIns="0" rtlCol="0" anchor="ctr">
+            <a:spAutoFit/>
+          </a:bodyPr>
+          <a:lstStyle/>
+          <a:p>
+            <a:pPr algn="l"/>
+            <a:endParaRPr lang="en-US" sz="1600" b="1" dirty="0" err="1">
+              <a:latin typeface="+mj-lt"/>
+            </a:endParaRPr>
+          </a:p>
+        </p:txBody>
+      </p:sp>
+      <p:sp>
+        <p:nvSpPr>
+          <p:cNvPr id="41" name="Rectangle 40">
+            <a:extLst>
+              <a:ext uri="{FF2B5EF4-FFF2-40B4-BE49-F238E27FC236}">
+                <a16:creationId xmlns:a16="http://schemas.microsoft.com/office/drawing/2014/main" id="{211D7ED7-FB92-41B4-8463-CC4C685FE9E3}"/>
+              </a:ext>
+            </a:extLst>
+          </p:cNvPr>
+          <p:cNvSpPr/>
+          <p:nvPr/>
+        </p:nvSpPr>
+        <p:spPr>
+          <a:xfrm>
+            <a:off x="7178301" y="4015769"/>
+            <a:ext cx="1398430" cy="236467"/>
+          </a:xfrm>
+          <a:prstGeom prst="rect">
+            <a:avLst/>
+          </a:prstGeom>
+          <a:noFill/>
+          <a:ln w="38100">
+            <a:solidFill>
+              <a:srgbClr val="FFC000"/>
+            </a:solidFill>
+          </a:ln>
+        </p:spPr>
+        <p:txBody>
+          <a:bodyPr wrap="square" lIns="0" tIns="0" rIns="0" bIns="0" rtlCol="0" anchor="ctr">
+            <a:spAutoFit/>
+          </a:bodyPr>
+          <a:lstStyle/>
+          <a:p>
+            <a:pPr algn="l"/>
+            <a:endParaRPr lang="en-US" sz="1600" b="1" dirty="0" err="1">
+              <a:latin typeface="+mj-lt"/>
+            </a:endParaRPr>
+          </a:p>
+        </p:txBody>
+      </p:sp>
+      <p:sp>
+        <p:nvSpPr>
+          <p:cNvPr id="42" name="Rectangle 41">
+            <a:extLst>
+              <a:ext uri="{FF2B5EF4-FFF2-40B4-BE49-F238E27FC236}">
+                <a16:creationId xmlns:a16="http://schemas.microsoft.com/office/drawing/2014/main" id="{91B27E65-D504-47F7-9DE0-F9AA6BECEE20}"/>
+              </a:ext>
+            </a:extLst>
+          </p:cNvPr>
+          <p:cNvSpPr/>
+          <p:nvPr/>
+        </p:nvSpPr>
+        <p:spPr>
+          <a:xfrm>
+            <a:off x="5180646" y="3767118"/>
+            <a:ext cx="237066" cy="45719"/>
+          </a:xfrm>
+          <a:prstGeom prst="rect">
+            <a:avLst/>
+          </a:prstGeom>
+          <a:noFill/>
+          <a:ln w="38100">
+            <a:solidFill>
+              <a:srgbClr val="7030A0"/>
+            </a:solidFill>
+          </a:ln>
+        </p:spPr>
+        <p:txBody>
+          <a:bodyPr wrap="square" lIns="0" tIns="0" rIns="0" bIns="0" rtlCol="0" anchor="ctr">
+            <a:spAutoFit/>
+          </a:bodyPr>
+          <a:lstStyle/>
+          <a:p>
+            <a:pPr algn="l"/>
+            <a:endParaRPr lang="en-US" sz="1600" b="1" dirty="0" err="1">
+              <a:latin typeface="+mj-lt"/>
+            </a:endParaRPr>
+          </a:p>
+        </p:txBody>
+      </p:sp>
     </p:spTree>
     <p:extLst>
       <p:ext uri="{BB962C8B-B14F-4D97-AF65-F5344CB8AC3E}">
-        <p14:creationId xmlns:p14="http://schemas.microsoft.com/office/powerpoint/2010/main" val="3070564893"/>
+        <p14:creationId xmlns:p14="http://schemas.microsoft.com/office/powerpoint/2010/main" val="4190262189"/>
+      </p:ext>
+    </p:extLst>
+  </p:cSld>
+  <p:clrMapOvr>
+    <a:masterClrMapping/>
+  </p:clrMapOvr>
+</p:sld>
+</file>
+
+<file path=ppt/slides/slide15.xml><?xml version="1.0" encoding="utf-8"?>
+<p:sld xmlns:a="http://schemas.openxmlformats.org/drawingml/2006/main" xmlns:r="http://schemas.openxmlformats.org/officeDocument/2006/relationships" xmlns:p="http://schemas.openxmlformats.org/presentationml/2006/main">
+  <p:cSld>
+    <p:spTree>
+      <p:nvGrpSpPr>
+        <p:cNvPr id="1" name=""/>
+        <p:cNvGrpSpPr/>
+        <p:nvPr/>
+      </p:nvGrpSpPr>
+      <p:grpSpPr>
+        <a:xfrm>
+          <a:off x="0" y="0"/>
+          <a:ext cx="0" cy="0"/>
+          <a:chOff x="0" y="0"/>
+          <a:chExt cx="0" cy="0"/>
+        </a:xfrm>
+      </p:grpSpPr>
+      <p:sp>
+        <p:nvSpPr>
+          <p:cNvPr id="7" name="Title 6">
+            <a:extLst>
+              <a:ext uri="{FF2B5EF4-FFF2-40B4-BE49-F238E27FC236}">
+                <a16:creationId xmlns:a16="http://schemas.microsoft.com/office/drawing/2014/main" id="{5244BCE9-7634-4C89-BDCB-519E9F1D201E}"/>
+              </a:ext>
+            </a:extLst>
+          </p:cNvPr>
+          <p:cNvSpPr>
+            <a:spLocks noGrp="1"/>
+          </p:cNvSpPr>
+          <p:nvPr>
+            <p:ph type="title"/>
+          </p:nvPr>
+        </p:nvSpPr>
+        <p:spPr/>
+        <p:txBody>
+          <a:bodyPr/>
+          <a:lstStyle/>
+          <a:p>
+            <a:r>
+              <a:rPr lang="nl-BE" dirty="0"/>
+              <a:t>Playbooks, plays and tasks</a:t>
+            </a:r>
+            <a:endParaRPr lang="en-US" dirty="0"/>
+          </a:p>
+        </p:txBody>
+      </p:sp>
+      <p:sp>
+        <p:nvSpPr>
+          <p:cNvPr id="8" name="Text Placeholder 7">
+            <a:extLst>
+              <a:ext uri="{FF2B5EF4-FFF2-40B4-BE49-F238E27FC236}">
+                <a16:creationId xmlns:a16="http://schemas.microsoft.com/office/drawing/2014/main" id="{715E6C5D-9212-43D6-A896-CAC4ACC12788}"/>
+              </a:ext>
+            </a:extLst>
+          </p:cNvPr>
+          <p:cNvSpPr>
+            <a:spLocks noGrp="1"/>
+          </p:cNvSpPr>
+          <p:nvPr>
+            <p:ph type="body" idx="1"/>
+          </p:nvPr>
+        </p:nvSpPr>
+        <p:spPr/>
+        <p:txBody>
+          <a:bodyPr/>
+          <a:lstStyle/>
+          <a:p>
+            <a:endParaRPr lang="en-US" dirty="0"/>
+          </a:p>
+        </p:txBody>
+      </p:sp>
+      <p:sp>
+        <p:nvSpPr>
+          <p:cNvPr id="4" name="Footer Placeholder 3">
+            <a:extLst>
+              <a:ext uri="{FF2B5EF4-FFF2-40B4-BE49-F238E27FC236}">
+                <a16:creationId xmlns:a16="http://schemas.microsoft.com/office/drawing/2014/main" id="{9471B1A2-0845-48A5-8F19-FFF6ADD7F1EA}"/>
+              </a:ext>
+            </a:extLst>
+          </p:cNvPr>
+          <p:cNvSpPr>
+            <a:spLocks noGrp="1"/>
+          </p:cNvSpPr>
+          <p:nvPr>
+            <p:ph type="ftr" sz="quarter" idx="11"/>
+          </p:nvPr>
+        </p:nvSpPr>
+        <p:spPr/>
+        <p:txBody>
+          <a:bodyPr/>
+          <a:lstStyle/>
+          <a:p>
+            <a:r>
+              <a:rPr lang="nl-BE" dirty="0"/>
+              <a:t>Ansible</a:t>
+            </a:r>
+          </a:p>
+        </p:txBody>
+      </p:sp>
+      <p:sp>
+        <p:nvSpPr>
+          <p:cNvPr id="5" name="Slide Number Placeholder 4">
+            <a:extLst>
+              <a:ext uri="{FF2B5EF4-FFF2-40B4-BE49-F238E27FC236}">
+                <a16:creationId xmlns:a16="http://schemas.microsoft.com/office/drawing/2014/main" id="{CB8011C6-8713-4547-B4C2-D28B77B8EE0E}"/>
+              </a:ext>
+            </a:extLst>
+          </p:cNvPr>
+          <p:cNvSpPr>
+            <a:spLocks noGrp="1"/>
+          </p:cNvSpPr>
+          <p:nvPr>
+            <p:ph type="sldNum" sz="quarter" idx="12"/>
+          </p:nvPr>
+        </p:nvSpPr>
+        <p:spPr/>
+        <p:txBody>
+          <a:bodyPr/>
+          <a:lstStyle/>
+          <a:p>
+            <a:fld id="{FF88DA20-ED00-471C-9170-60F590CB400A}" type="slidenum">
+              <a:rPr lang="nl-BE" smtClean="0"/>
+              <a:t>15</a:t>
+            </a:fld>
+            <a:endParaRPr lang="nl-BE"/>
+          </a:p>
+        </p:txBody>
+      </p:sp>
+      <p:sp>
+        <p:nvSpPr>
+          <p:cNvPr id="9" name="Text Placeholder 8">
+            <a:extLst>
+              <a:ext uri="{FF2B5EF4-FFF2-40B4-BE49-F238E27FC236}">
+                <a16:creationId xmlns:a16="http://schemas.microsoft.com/office/drawing/2014/main" id="{3D9F8FFE-8992-4C8F-8D7E-88B2DC40D4CD}"/>
+              </a:ext>
+            </a:extLst>
+          </p:cNvPr>
+          <p:cNvSpPr>
+            <a:spLocks noGrp="1"/>
+          </p:cNvSpPr>
+          <p:nvPr>
+            <p:ph type="body" sz="quarter" idx="13"/>
+          </p:nvPr>
+        </p:nvSpPr>
+        <p:spPr/>
+        <p:txBody>
+          <a:bodyPr/>
+          <a:lstStyle/>
+          <a:p>
+            <a:r>
+              <a:rPr lang="nl-BE" dirty="0">
+                <a:solidFill>
+                  <a:srgbClr val="0085FE"/>
+                </a:solidFill>
+              </a:rPr>
+              <a:t>4.</a:t>
+            </a:r>
+            <a:endParaRPr lang="en-US" dirty="0">
+              <a:solidFill>
+                <a:srgbClr val="0085FE"/>
+              </a:solidFill>
+            </a:endParaRPr>
+          </a:p>
+        </p:txBody>
+      </p:sp>
+      <p:sp>
+        <p:nvSpPr>
+          <p:cNvPr id="10" name="Tijdelijke aanduiding voor datum 1">
+            <a:extLst>
+              <a:ext uri="{FF2B5EF4-FFF2-40B4-BE49-F238E27FC236}">
+                <a16:creationId xmlns:a16="http://schemas.microsoft.com/office/drawing/2014/main" id="{66D2EB53-615A-48E8-A9DF-E418C4769702}"/>
+              </a:ext>
+            </a:extLst>
+          </p:cNvPr>
+          <p:cNvSpPr>
+            <a:spLocks noGrp="1"/>
+          </p:cNvSpPr>
+          <p:nvPr>
+            <p:ph type="dt" sz="half" idx="10"/>
+          </p:nvPr>
+        </p:nvSpPr>
+        <p:spPr>
+          <a:xfrm>
+            <a:off x="4998576" y="6264004"/>
+            <a:ext cx="2743200" cy="365125"/>
+          </a:xfrm>
+        </p:spPr>
+        <p:txBody>
+          <a:bodyPr/>
+          <a:lstStyle/>
+          <a:p>
+            <a:r>
+              <a:rPr lang="nl-BE" dirty="0"/>
+              <a:t>31/01/2022</a:t>
+            </a:r>
+          </a:p>
+        </p:txBody>
+      </p:sp>
+    </p:spTree>
+    <p:extLst>
+      <p:ext uri="{BB962C8B-B14F-4D97-AF65-F5344CB8AC3E}">
+        <p14:creationId xmlns:p14="http://schemas.microsoft.com/office/powerpoint/2010/main" val="2031467663"/>
+      </p:ext>
+    </p:extLst>
+  </p:cSld>
+  <p:clrMapOvr>
+    <a:masterClrMapping/>
+  </p:clrMapOvr>
+</p:sld>
+</file>
+
+<file path=ppt/slides/slide16.xml><?xml version="1.0" encoding="utf-8"?>
+<p:sld xmlns:a="http://schemas.openxmlformats.org/drawingml/2006/main" xmlns:r="http://schemas.openxmlformats.org/officeDocument/2006/relationships" xmlns:p="http://schemas.openxmlformats.org/presentationml/2006/main">
+  <p:cSld>
+    <p:spTree>
+      <p:nvGrpSpPr>
+        <p:cNvPr id="1" name=""/>
+        <p:cNvGrpSpPr/>
+        <p:nvPr/>
+      </p:nvGrpSpPr>
+      <p:grpSpPr>
+        <a:xfrm>
+          <a:off x="0" y="0"/>
+          <a:ext cx="0" cy="0"/>
+          <a:chOff x="0" y="0"/>
+          <a:chExt cx="0" cy="0"/>
+        </a:xfrm>
+      </p:grpSpPr>
+      <p:pic>
+        <p:nvPicPr>
+          <p:cNvPr id="1026" name="Picture 2" descr="How to Write an Ansible Playbook. - Ansible Tutorial - Digital Varys">
+            <a:extLst>
+              <a:ext uri="{FF2B5EF4-FFF2-40B4-BE49-F238E27FC236}">
+                <a16:creationId xmlns:a16="http://schemas.microsoft.com/office/drawing/2014/main" id="{EE898F5F-6871-41BB-B820-6F6B25FA6195}"/>
+              </a:ext>
+            </a:extLst>
+          </p:cNvPr>
+          <p:cNvPicPr>
+            <a:picLocks noChangeAspect="1" noChangeArrowheads="1"/>
+          </p:cNvPicPr>
+          <p:nvPr/>
+        </p:nvPicPr>
+        <p:blipFill>
+          <a:blip r:embed="rId2">
+            <a:extLst>
+              <a:ext uri="{28A0092B-C50C-407E-A947-70E740481C1C}">
+                <a14:useLocalDpi xmlns:a14="http://schemas.microsoft.com/office/drawing/2010/main" val="0"/>
+              </a:ext>
+            </a:extLst>
+          </a:blip>
+          <a:srcRect/>
+          <a:stretch>
+            <a:fillRect/>
+          </a:stretch>
+        </p:blipFill>
+        <p:spPr bwMode="auto">
+          <a:xfrm>
+            <a:off x="4191000" y="3136727"/>
+            <a:ext cx="7139754" cy="3611711"/>
+          </a:xfrm>
+          <a:prstGeom prst="rect">
+            <a:avLst/>
+          </a:prstGeom>
+          <a:noFill/>
+          <a:extLst>
+            <a:ext uri="{909E8E84-426E-40DD-AFC4-6F175D3DCCD1}">
+              <a14:hiddenFill xmlns:a14="http://schemas.microsoft.com/office/drawing/2010/main">
+                <a:solidFill>
+                  <a:srgbClr val="FFFFFF"/>
+                </a:solidFill>
+              </a14:hiddenFill>
+            </a:ext>
+          </a:extLst>
+        </p:spPr>
+      </p:pic>
+      <p:sp>
+        <p:nvSpPr>
+          <p:cNvPr id="7" name="Title 6">
+            <a:extLst>
+              <a:ext uri="{FF2B5EF4-FFF2-40B4-BE49-F238E27FC236}">
+                <a16:creationId xmlns:a16="http://schemas.microsoft.com/office/drawing/2014/main" id="{B3D93F79-A613-4942-9C57-522CFD7D8CB9}"/>
+              </a:ext>
+            </a:extLst>
+          </p:cNvPr>
+          <p:cNvSpPr>
+            <a:spLocks noGrp="1"/>
+          </p:cNvSpPr>
+          <p:nvPr>
+            <p:ph type="title"/>
+          </p:nvPr>
+        </p:nvSpPr>
+        <p:spPr/>
+        <p:txBody>
+          <a:bodyPr/>
+          <a:lstStyle/>
+          <a:p>
+            <a:r>
+              <a:rPr lang="nl-BE" dirty="0">
+                <a:solidFill>
+                  <a:srgbClr val="0085FE"/>
+                </a:solidFill>
+              </a:rPr>
+              <a:t>Playbooks</a:t>
+            </a:r>
+            <a:endParaRPr lang="en-US" dirty="0">
+              <a:solidFill>
+                <a:srgbClr val="0085FE"/>
+              </a:solidFill>
+            </a:endParaRPr>
+          </a:p>
+        </p:txBody>
+      </p:sp>
+      <p:sp>
+        <p:nvSpPr>
+          <p:cNvPr id="8" name="Content Placeholder 7">
+            <a:extLst>
+              <a:ext uri="{FF2B5EF4-FFF2-40B4-BE49-F238E27FC236}">
+                <a16:creationId xmlns:a16="http://schemas.microsoft.com/office/drawing/2014/main" id="{75CC599B-DA12-463C-B273-69C10CC554CE}"/>
+              </a:ext>
+            </a:extLst>
+          </p:cNvPr>
+          <p:cNvSpPr>
+            <a:spLocks noGrp="1"/>
+          </p:cNvSpPr>
+          <p:nvPr>
+            <p:ph idx="1"/>
+          </p:nvPr>
+        </p:nvSpPr>
+        <p:spPr>
+          <a:xfrm>
+            <a:off x="534291" y="1296000"/>
+            <a:ext cx="9291600" cy="3132000"/>
+          </a:xfrm>
+        </p:spPr>
+        <p:txBody>
+          <a:bodyPr/>
+          <a:lstStyle/>
+          <a:p>
+            <a:pPr marL="457200" indent="-457200">
+              <a:buFont typeface="Arial" panose="020B0604020202020204" pitchFamily="34" charset="0"/>
+              <a:buChar char="•"/>
+            </a:pPr>
+            <a:r>
+              <a:rPr lang="nl-BE" dirty="0"/>
+              <a:t>Highest order of hirarchy</a:t>
+            </a:r>
+          </a:p>
+          <a:p>
+            <a:pPr marL="457200" indent="-457200">
+              <a:buFont typeface="Arial" panose="020B0604020202020204" pitchFamily="34" charset="0"/>
+              <a:buChar char="•"/>
+            </a:pPr>
+            <a:r>
+              <a:rPr lang="nl-BE" dirty="0"/>
+              <a:t>List of plays</a:t>
+            </a:r>
+          </a:p>
+          <a:p>
+            <a:pPr marL="457200" indent="-457200">
+              <a:buFont typeface="Arial" panose="020B0604020202020204" pitchFamily="34" charset="0"/>
+              <a:buChar char="•"/>
+            </a:pPr>
+            <a:r>
+              <a:rPr lang="nl-BE" dirty="0"/>
+              <a:t>Comparable to organized script</a:t>
+            </a:r>
+          </a:p>
+          <a:p>
+            <a:pPr marL="457200" indent="-457200">
+              <a:buFont typeface="Arial" panose="020B0604020202020204" pitchFamily="34" charset="0"/>
+              <a:buChar char="•"/>
+            </a:pPr>
+            <a:r>
+              <a:rPr lang="nl-BE" dirty="0"/>
+              <a:t>Run against host (single host or group)</a:t>
+            </a:r>
+          </a:p>
+          <a:p>
+            <a:pPr marL="457200" indent="-457200">
+              <a:buFont typeface="Arial" panose="020B0604020202020204" pitchFamily="34" charset="0"/>
+              <a:buChar char="•"/>
+            </a:pPr>
+            <a:r>
+              <a:rPr lang="nl-BE" dirty="0"/>
+              <a:t>Contains one or more plays</a:t>
+            </a:r>
+            <a:endParaRPr lang="en-US" dirty="0"/>
+          </a:p>
+        </p:txBody>
+      </p:sp>
+      <p:sp>
+        <p:nvSpPr>
+          <p:cNvPr id="4" name="Footer Placeholder 3">
+            <a:extLst>
+              <a:ext uri="{FF2B5EF4-FFF2-40B4-BE49-F238E27FC236}">
+                <a16:creationId xmlns:a16="http://schemas.microsoft.com/office/drawing/2014/main" id="{FAE89E2E-AF9E-4283-BA9C-ED5364F9BEE3}"/>
+              </a:ext>
+            </a:extLst>
+          </p:cNvPr>
+          <p:cNvSpPr>
+            <a:spLocks noGrp="1"/>
+          </p:cNvSpPr>
+          <p:nvPr>
+            <p:ph type="ftr" sz="quarter" idx="11"/>
+          </p:nvPr>
+        </p:nvSpPr>
+        <p:spPr/>
+        <p:txBody>
+          <a:bodyPr/>
+          <a:lstStyle/>
+          <a:p>
+            <a:r>
+              <a:rPr lang="nl-BE" dirty="0"/>
+              <a:t>Ansible</a:t>
+            </a:r>
+          </a:p>
+        </p:txBody>
+      </p:sp>
+      <p:sp>
+        <p:nvSpPr>
+          <p:cNvPr id="5" name="Slide Number Placeholder 4">
+            <a:extLst>
+              <a:ext uri="{FF2B5EF4-FFF2-40B4-BE49-F238E27FC236}">
+                <a16:creationId xmlns:a16="http://schemas.microsoft.com/office/drawing/2014/main" id="{546ECDAC-E8D3-49C0-903D-208BD57406BF}"/>
+              </a:ext>
+            </a:extLst>
+          </p:cNvPr>
+          <p:cNvSpPr>
+            <a:spLocks noGrp="1"/>
+          </p:cNvSpPr>
+          <p:nvPr>
+            <p:ph type="sldNum" sz="quarter" idx="12"/>
+          </p:nvPr>
+        </p:nvSpPr>
+        <p:spPr/>
+        <p:txBody>
+          <a:bodyPr/>
+          <a:lstStyle/>
+          <a:p>
+            <a:fld id="{FF88DA20-ED00-471C-9170-60F590CB400A}" type="slidenum">
+              <a:rPr lang="nl-BE" smtClean="0"/>
+              <a:pPr/>
+              <a:t>16</a:t>
+            </a:fld>
+            <a:endParaRPr lang="nl-BE"/>
+          </a:p>
+        </p:txBody>
+      </p:sp>
+    </p:spTree>
+    <p:extLst>
+      <p:ext uri="{BB962C8B-B14F-4D97-AF65-F5344CB8AC3E}">
+        <p14:creationId xmlns:p14="http://schemas.microsoft.com/office/powerpoint/2010/main" val="59217088"/>
+      </p:ext>
+    </p:extLst>
+  </p:cSld>
+  <p:clrMapOvr>
+    <a:masterClrMapping/>
+  </p:clrMapOvr>
+</p:sld>
+</file>
+
+<file path=ppt/slides/slide17.xml><?xml version="1.0" encoding="utf-8"?>
+<p:sld xmlns:a="http://schemas.openxmlformats.org/drawingml/2006/main" xmlns:r="http://schemas.openxmlformats.org/officeDocument/2006/relationships" xmlns:p="http://schemas.openxmlformats.org/presentationml/2006/main">
+  <p:cSld>
+    <p:spTree>
+      <p:nvGrpSpPr>
+        <p:cNvPr id="1" name=""/>
+        <p:cNvGrpSpPr/>
+        <p:nvPr/>
+      </p:nvGrpSpPr>
+      <p:grpSpPr>
+        <a:xfrm>
+          <a:off x="0" y="0"/>
+          <a:ext cx="0" cy="0"/>
+          <a:chOff x="0" y="0"/>
+          <a:chExt cx="0" cy="0"/>
+        </a:xfrm>
+      </p:grpSpPr>
+      <p:sp>
+        <p:nvSpPr>
+          <p:cNvPr id="7" name="Title 6">
+            <a:extLst>
+              <a:ext uri="{FF2B5EF4-FFF2-40B4-BE49-F238E27FC236}">
+                <a16:creationId xmlns:a16="http://schemas.microsoft.com/office/drawing/2014/main" id="{B3D93F79-A613-4942-9C57-522CFD7D8CB9}"/>
+              </a:ext>
+            </a:extLst>
+          </p:cNvPr>
+          <p:cNvSpPr>
+            <a:spLocks noGrp="1"/>
+          </p:cNvSpPr>
+          <p:nvPr>
+            <p:ph type="title"/>
+          </p:nvPr>
+        </p:nvSpPr>
+        <p:spPr/>
+        <p:txBody>
+          <a:bodyPr/>
+          <a:lstStyle/>
+          <a:p>
+            <a:r>
+              <a:rPr lang="nl-BE" dirty="0">
+                <a:solidFill>
+                  <a:srgbClr val="0085FE"/>
+                </a:solidFill>
+              </a:rPr>
+              <a:t>Plays</a:t>
+            </a:r>
+            <a:endParaRPr lang="en-US" dirty="0">
+              <a:solidFill>
+                <a:srgbClr val="0085FE"/>
+              </a:solidFill>
+            </a:endParaRPr>
+          </a:p>
+        </p:txBody>
+      </p:sp>
+      <p:sp>
+        <p:nvSpPr>
+          <p:cNvPr id="8" name="Content Placeholder 7">
+            <a:extLst>
+              <a:ext uri="{FF2B5EF4-FFF2-40B4-BE49-F238E27FC236}">
+                <a16:creationId xmlns:a16="http://schemas.microsoft.com/office/drawing/2014/main" id="{75CC599B-DA12-463C-B273-69C10CC554CE}"/>
+              </a:ext>
+            </a:extLst>
+          </p:cNvPr>
+          <p:cNvSpPr>
+            <a:spLocks noGrp="1"/>
+          </p:cNvSpPr>
+          <p:nvPr>
+            <p:ph idx="1"/>
+          </p:nvPr>
+        </p:nvSpPr>
+        <p:spPr>
+          <a:xfrm>
+            <a:off x="534291" y="1296000"/>
+            <a:ext cx="9291600" cy="3132000"/>
+          </a:xfrm>
+        </p:spPr>
+        <p:txBody>
+          <a:bodyPr/>
+          <a:lstStyle/>
+          <a:p>
+            <a:pPr marL="457200" indent="-457200">
+              <a:buFont typeface="Arial" panose="020B0604020202020204" pitchFamily="34" charset="0"/>
+              <a:buChar char="•"/>
+            </a:pPr>
+            <a:r>
+              <a:rPr lang="nl-BE" dirty="0"/>
+              <a:t>Falls under playbook in hirarchy</a:t>
+            </a:r>
+          </a:p>
+          <a:p>
+            <a:pPr marL="457200" indent="-457200">
+              <a:buFont typeface="Arial" panose="020B0604020202020204" pitchFamily="34" charset="0"/>
+              <a:buChar char="•"/>
+            </a:pPr>
+            <a:r>
+              <a:rPr lang="nl-BE" dirty="0"/>
+              <a:t>Environment specific parameters (e.g., host OS)</a:t>
+            </a:r>
+          </a:p>
+          <a:p>
+            <a:pPr marL="457200" indent="-457200">
+              <a:buFont typeface="Arial" panose="020B0604020202020204" pitchFamily="34" charset="0"/>
+              <a:buChar char="•"/>
+            </a:pPr>
+            <a:r>
+              <a:rPr lang="nl-BE" dirty="0"/>
+              <a:t>Mapping between hosts using group or host name (correlates with inventory)</a:t>
+            </a:r>
+          </a:p>
+          <a:p>
+            <a:pPr marL="457200" indent="-457200">
+              <a:buFont typeface="Arial" panose="020B0604020202020204" pitchFamily="34" charset="0"/>
+              <a:buChar char="•"/>
+            </a:pPr>
+            <a:r>
+              <a:rPr lang="nl-BE" dirty="0"/>
+              <a:t>No such thing as a standard play</a:t>
+            </a:r>
+          </a:p>
+          <a:p>
+            <a:pPr marL="457200" indent="-457200">
+              <a:buFont typeface="Arial" panose="020B0604020202020204" pitchFamily="34" charset="0"/>
+              <a:buChar char="•"/>
+            </a:pPr>
+            <a:r>
+              <a:rPr lang="nl-BE" dirty="0"/>
+              <a:t>Contains one or more tasks</a:t>
+            </a:r>
+            <a:endParaRPr lang="en-US" dirty="0"/>
+          </a:p>
+        </p:txBody>
+      </p:sp>
+      <p:sp>
+        <p:nvSpPr>
+          <p:cNvPr id="4" name="Footer Placeholder 3">
+            <a:extLst>
+              <a:ext uri="{FF2B5EF4-FFF2-40B4-BE49-F238E27FC236}">
+                <a16:creationId xmlns:a16="http://schemas.microsoft.com/office/drawing/2014/main" id="{FAE89E2E-AF9E-4283-BA9C-ED5364F9BEE3}"/>
+              </a:ext>
+            </a:extLst>
+          </p:cNvPr>
+          <p:cNvSpPr>
+            <a:spLocks noGrp="1"/>
+          </p:cNvSpPr>
+          <p:nvPr>
+            <p:ph type="ftr" sz="quarter" idx="11"/>
+          </p:nvPr>
+        </p:nvSpPr>
+        <p:spPr/>
+        <p:txBody>
+          <a:bodyPr/>
+          <a:lstStyle/>
+          <a:p>
+            <a:r>
+              <a:rPr lang="nl-BE" dirty="0"/>
+              <a:t>Ansible</a:t>
+            </a:r>
+          </a:p>
+        </p:txBody>
+      </p:sp>
+      <p:sp>
+        <p:nvSpPr>
+          <p:cNvPr id="5" name="Slide Number Placeholder 4">
+            <a:extLst>
+              <a:ext uri="{FF2B5EF4-FFF2-40B4-BE49-F238E27FC236}">
+                <a16:creationId xmlns:a16="http://schemas.microsoft.com/office/drawing/2014/main" id="{546ECDAC-E8D3-49C0-903D-208BD57406BF}"/>
+              </a:ext>
+            </a:extLst>
+          </p:cNvPr>
+          <p:cNvSpPr>
+            <a:spLocks noGrp="1"/>
+          </p:cNvSpPr>
+          <p:nvPr>
+            <p:ph type="sldNum" sz="quarter" idx="12"/>
+          </p:nvPr>
+        </p:nvSpPr>
+        <p:spPr/>
+        <p:txBody>
+          <a:bodyPr/>
+          <a:lstStyle/>
+          <a:p>
+            <a:fld id="{FF88DA20-ED00-471C-9170-60F590CB400A}" type="slidenum">
+              <a:rPr lang="nl-BE" smtClean="0"/>
+              <a:pPr/>
+              <a:t>17</a:t>
+            </a:fld>
+            <a:endParaRPr lang="nl-BE"/>
+          </a:p>
+        </p:txBody>
+      </p:sp>
+    </p:spTree>
+    <p:extLst>
+      <p:ext uri="{BB962C8B-B14F-4D97-AF65-F5344CB8AC3E}">
+        <p14:creationId xmlns:p14="http://schemas.microsoft.com/office/powerpoint/2010/main" val="417776196"/>
+      </p:ext>
+    </p:extLst>
+  </p:cSld>
+  <p:clrMapOvr>
+    <a:masterClrMapping/>
+  </p:clrMapOvr>
+</p:sld>
+</file>
+
+<file path=ppt/slides/slide18.xml><?xml version="1.0" encoding="utf-8"?>
+<p:sld xmlns:a="http://schemas.openxmlformats.org/drawingml/2006/main" xmlns:r="http://schemas.openxmlformats.org/officeDocument/2006/relationships" xmlns:p="http://schemas.openxmlformats.org/presentationml/2006/main">
+  <p:cSld>
+    <p:spTree>
+      <p:nvGrpSpPr>
+        <p:cNvPr id="1" name=""/>
+        <p:cNvGrpSpPr/>
+        <p:nvPr/>
+      </p:nvGrpSpPr>
+      <p:grpSpPr>
+        <a:xfrm>
+          <a:off x="0" y="0"/>
+          <a:ext cx="0" cy="0"/>
+          <a:chOff x="0" y="0"/>
+          <a:chExt cx="0" cy="0"/>
+        </a:xfrm>
+      </p:grpSpPr>
+      <p:sp>
+        <p:nvSpPr>
+          <p:cNvPr id="7" name="Title 6">
+            <a:extLst>
+              <a:ext uri="{FF2B5EF4-FFF2-40B4-BE49-F238E27FC236}">
+                <a16:creationId xmlns:a16="http://schemas.microsoft.com/office/drawing/2014/main" id="{B3D93F79-A613-4942-9C57-522CFD7D8CB9}"/>
+              </a:ext>
+            </a:extLst>
+          </p:cNvPr>
+          <p:cNvSpPr>
+            <a:spLocks noGrp="1"/>
+          </p:cNvSpPr>
+          <p:nvPr>
+            <p:ph type="title"/>
+          </p:nvPr>
+        </p:nvSpPr>
+        <p:spPr/>
+        <p:txBody>
+          <a:bodyPr/>
+          <a:lstStyle/>
+          <a:p>
+            <a:r>
+              <a:rPr lang="nl-BE" dirty="0">
+                <a:solidFill>
+                  <a:srgbClr val="0085FE"/>
+                </a:solidFill>
+              </a:rPr>
+              <a:t>Tasks</a:t>
+            </a:r>
+            <a:endParaRPr lang="en-US" dirty="0">
+              <a:solidFill>
+                <a:srgbClr val="0085FE"/>
+              </a:solidFill>
+            </a:endParaRPr>
+          </a:p>
+        </p:txBody>
+      </p:sp>
+      <p:sp>
+        <p:nvSpPr>
+          <p:cNvPr id="8" name="Content Placeholder 7">
+            <a:extLst>
+              <a:ext uri="{FF2B5EF4-FFF2-40B4-BE49-F238E27FC236}">
+                <a16:creationId xmlns:a16="http://schemas.microsoft.com/office/drawing/2014/main" id="{75CC599B-DA12-463C-B273-69C10CC554CE}"/>
+              </a:ext>
+            </a:extLst>
+          </p:cNvPr>
+          <p:cNvSpPr>
+            <a:spLocks noGrp="1"/>
+          </p:cNvSpPr>
+          <p:nvPr>
+            <p:ph idx="1"/>
+          </p:nvPr>
+        </p:nvSpPr>
+        <p:spPr>
+          <a:xfrm>
+            <a:off x="534291" y="1296000"/>
+            <a:ext cx="9291600" cy="3132000"/>
+          </a:xfrm>
+        </p:spPr>
+        <p:txBody>
+          <a:bodyPr/>
+          <a:lstStyle/>
+          <a:p>
+            <a:pPr marL="457200" indent="-457200">
+              <a:buFont typeface="Arial" panose="020B0604020202020204" pitchFamily="34" charset="0"/>
+              <a:buChar char="•"/>
+            </a:pPr>
+            <a:r>
+              <a:rPr lang="nl-BE" dirty="0"/>
+              <a:t>Falls under play in hirarchy</a:t>
+            </a:r>
+          </a:p>
+          <a:p>
+            <a:pPr marL="457200" indent="-457200">
+              <a:buFont typeface="Arial" panose="020B0604020202020204" pitchFamily="34" charset="0"/>
+              <a:buChar char="•"/>
+            </a:pPr>
+            <a:r>
+              <a:rPr lang="nl-BE" dirty="0"/>
+              <a:t>Task that runs on host define role that host fulfills/performs</a:t>
+            </a:r>
+          </a:p>
+          <a:p>
+            <a:pPr marL="457200" indent="-457200">
+              <a:buFont typeface="Arial" panose="020B0604020202020204" pitchFamily="34" charset="0"/>
+              <a:buChar char="•"/>
+            </a:pPr>
+            <a:endParaRPr lang="nl-BE" dirty="0"/>
+          </a:p>
+        </p:txBody>
+      </p:sp>
+      <p:sp>
+        <p:nvSpPr>
+          <p:cNvPr id="4" name="Footer Placeholder 3">
+            <a:extLst>
+              <a:ext uri="{FF2B5EF4-FFF2-40B4-BE49-F238E27FC236}">
+                <a16:creationId xmlns:a16="http://schemas.microsoft.com/office/drawing/2014/main" id="{FAE89E2E-AF9E-4283-BA9C-ED5364F9BEE3}"/>
+              </a:ext>
+            </a:extLst>
+          </p:cNvPr>
+          <p:cNvSpPr>
+            <a:spLocks noGrp="1"/>
+          </p:cNvSpPr>
+          <p:nvPr>
+            <p:ph type="ftr" sz="quarter" idx="11"/>
+          </p:nvPr>
+        </p:nvSpPr>
+        <p:spPr/>
+        <p:txBody>
+          <a:bodyPr/>
+          <a:lstStyle/>
+          <a:p>
+            <a:r>
+              <a:rPr lang="nl-BE" dirty="0"/>
+              <a:t>Ansible</a:t>
+            </a:r>
+          </a:p>
+        </p:txBody>
+      </p:sp>
+      <p:sp>
+        <p:nvSpPr>
+          <p:cNvPr id="5" name="Slide Number Placeholder 4">
+            <a:extLst>
+              <a:ext uri="{FF2B5EF4-FFF2-40B4-BE49-F238E27FC236}">
+                <a16:creationId xmlns:a16="http://schemas.microsoft.com/office/drawing/2014/main" id="{546ECDAC-E8D3-49C0-903D-208BD57406BF}"/>
+              </a:ext>
+            </a:extLst>
+          </p:cNvPr>
+          <p:cNvSpPr>
+            <a:spLocks noGrp="1"/>
+          </p:cNvSpPr>
+          <p:nvPr>
+            <p:ph type="sldNum" sz="quarter" idx="12"/>
+          </p:nvPr>
+        </p:nvSpPr>
+        <p:spPr/>
+        <p:txBody>
+          <a:bodyPr/>
+          <a:lstStyle/>
+          <a:p>
+            <a:fld id="{FF88DA20-ED00-471C-9170-60F590CB400A}" type="slidenum">
+              <a:rPr lang="nl-BE" smtClean="0"/>
+              <a:pPr/>
+              <a:t>18</a:t>
+            </a:fld>
+            <a:endParaRPr lang="nl-BE"/>
+          </a:p>
+        </p:txBody>
+      </p:sp>
+    </p:spTree>
+    <p:extLst>
+      <p:ext uri="{BB962C8B-B14F-4D97-AF65-F5344CB8AC3E}">
+        <p14:creationId xmlns:p14="http://schemas.microsoft.com/office/powerpoint/2010/main" val="1850709072"/>
+      </p:ext>
+    </p:extLst>
+  </p:cSld>
+  <p:clrMapOvr>
+    <a:masterClrMapping/>
+  </p:clrMapOvr>
+</p:sld>
+</file>
+
+<file path=ppt/slides/slide19.xml><?xml version="1.0" encoding="utf-8"?>
+<p:sld xmlns:a="http://schemas.openxmlformats.org/drawingml/2006/main" xmlns:r="http://schemas.openxmlformats.org/officeDocument/2006/relationships" xmlns:p="http://schemas.openxmlformats.org/presentationml/2006/main">
+  <p:cSld>
+    <p:spTree>
+      <p:nvGrpSpPr>
+        <p:cNvPr id="1" name=""/>
+        <p:cNvGrpSpPr/>
+        <p:nvPr/>
+      </p:nvGrpSpPr>
+      <p:grpSpPr>
+        <a:xfrm>
+          <a:off x="0" y="0"/>
+          <a:ext cx="0" cy="0"/>
+          <a:chOff x="0" y="0"/>
+          <a:chExt cx="0" cy="0"/>
+        </a:xfrm>
+      </p:grpSpPr>
+      <p:sp>
+        <p:nvSpPr>
+          <p:cNvPr id="2" name="Title 1">
+            <a:extLst>
+              <a:ext uri="{FF2B5EF4-FFF2-40B4-BE49-F238E27FC236}">
+                <a16:creationId xmlns:a16="http://schemas.microsoft.com/office/drawing/2014/main" id="{60915986-A913-42E1-91DB-BF2BC26D72CE}"/>
+              </a:ext>
+            </a:extLst>
+          </p:cNvPr>
+          <p:cNvSpPr>
+            <a:spLocks noGrp="1"/>
+          </p:cNvSpPr>
+          <p:nvPr>
+            <p:ph type="title"/>
+          </p:nvPr>
+        </p:nvSpPr>
+        <p:spPr/>
+        <p:txBody>
+          <a:bodyPr/>
+          <a:lstStyle/>
+          <a:p>
+            <a:r>
+              <a:rPr lang="nl-BE" dirty="0">
+                <a:solidFill>
+                  <a:srgbClr val="0085FE"/>
+                </a:solidFill>
+              </a:rPr>
+              <a:t>Playbook overview</a:t>
+            </a:r>
+            <a:endParaRPr lang="en-US" dirty="0">
+              <a:solidFill>
+                <a:srgbClr val="0085FE"/>
+              </a:solidFill>
+            </a:endParaRPr>
+          </a:p>
+        </p:txBody>
+      </p:sp>
+      <p:sp>
+        <p:nvSpPr>
+          <p:cNvPr id="4" name="Footer Placeholder 3">
+            <a:extLst>
+              <a:ext uri="{FF2B5EF4-FFF2-40B4-BE49-F238E27FC236}">
+                <a16:creationId xmlns:a16="http://schemas.microsoft.com/office/drawing/2014/main" id="{C9F96ADF-5CD0-4C8A-A622-300B1AF54A59}"/>
+              </a:ext>
+            </a:extLst>
+          </p:cNvPr>
+          <p:cNvSpPr>
+            <a:spLocks noGrp="1"/>
+          </p:cNvSpPr>
+          <p:nvPr>
+            <p:ph type="ftr" sz="quarter" idx="11"/>
+          </p:nvPr>
+        </p:nvSpPr>
+        <p:spPr/>
+        <p:txBody>
+          <a:bodyPr/>
+          <a:lstStyle/>
+          <a:p>
+            <a:r>
+              <a:rPr lang="nl-BE" dirty="0"/>
+              <a:t>Ansible</a:t>
+            </a:r>
+          </a:p>
+        </p:txBody>
+      </p:sp>
+      <p:sp>
+        <p:nvSpPr>
+          <p:cNvPr id="5" name="Slide Number Placeholder 4">
+            <a:extLst>
+              <a:ext uri="{FF2B5EF4-FFF2-40B4-BE49-F238E27FC236}">
+                <a16:creationId xmlns:a16="http://schemas.microsoft.com/office/drawing/2014/main" id="{0248EC00-7409-4EAD-BD42-E2CBEA47A463}"/>
+              </a:ext>
+            </a:extLst>
+          </p:cNvPr>
+          <p:cNvSpPr>
+            <a:spLocks noGrp="1"/>
+          </p:cNvSpPr>
+          <p:nvPr>
+            <p:ph type="sldNum" sz="quarter" idx="12"/>
+          </p:nvPr>
+        </p:nvSpPr>
+        <p:spPr/>
+        <p:txBody>
+          <a:bodyPr/>
+          <a:lstStyle/>
+          <a:p>
+            <a:fld id="{FF88DA20-ED00-471C-9170-60F590CB400A}" type="slidenum">
+              <a:rPr lang="nl-BE" smtClean="0"/>
+              <a:t>19</a:t>
+            </a:fld>
+            <a:endParaRPr lang="nl-BE"/>
+          </a:p>
+        </p:txBody>
+      </p:sp>
+      <p:pic>
+        <p:nvPicPr>
+          <p:cNvPr id="7" name="Picture 6" descr="Ansible | Playbook | Galaxy | Tower | K21Academy">
+            <a:extLst>
+              <a:ext uri="{FF2B5EF4-FFF2-40B4-BE49-F238E27FC236}">
+                <a16:creationId xmlns:a16="http://schemas.microsoft.com/office/drawing/2014/main" id="{3D23F5FA-FDF2-4148-8BBE-34BF3D2C9654}"/>
+              </a:ext>
+            </a:extLst>
+          </p:cNvPr>
+          <p:cNvPicPr>
+            <a:picLocks noChangeAspect="1"/>
+          </p:cNvPicPr>
+          <p:nvPr/>
+        </p:nvPicPr>
+        <p:blipFill rotWithShape="1">
+          <a:blip r:embed="rId2">
+            <a:extLst>
+              <a:ext uri="{28A0092B-C50C-407E-A947-70E740481C1C}">
+                <a14:useLocalDpi xmlns:a14="http://schemas.microsoft.com/office/drawing/2010/main" val="0"/>
+              </a:ext>
+            </a:extLst>
+          </a:blip>
+          <a:srcRect l="14689" t="7792" r="14146" b="7524"/>
+          <a:stretch/>
+        </p:blipFill>
+        <p:spPr bwMode="auto">
+          <a:xfrm>
+            <a:off x="7207067" y="1296000"/>
+            <a:ext cx="4588933" cy="4611933"/>
+          </a:xfrm>
+          <a:prstGeom prst="rect">
+            <a:avLst/>
+          </a:prstGeom>
+          <a:noFill/>
+          <a:ln>
+            <a:noFill/>
+          </a:ln>
+          <a:extLst>
+            <a:ext uri="{53640926-AAD7-44D8-BBD7-CCE9431645EC}">
+              <a14:shadowObscured xmlns:a14="http://schemas.microsoft.com/office/drawing/2010/main"/>
+            </a:ext>
+          </a:extLst>
+        </p:spPr>
+      </p:pic>
+      <p:pic>
+        <p:nvPicPr>
+          <p:cNvPr id="2050" name="Picture 2" descr="Dell EMC official Ansible modules for PowerMax v1.0 – @Rawstorage">
+            <a:extLst>
+              <a:ext uri="{FF2B5EF4-FFF2-40B4-BE49-F238E27FC236}">
+                <a16:creationId xmlns:a16="http://schemas.microsoft.com/office/drawing/2014/main" id="{0B78B620-6A94-418D-8A8F-7997F65D3AF7}"/>
+              </a:ext>
+            </a:extLst>
+          </p:cNvPr>
+          <p:cNvPicPr>
+            <a:picLocks noChangeAspect="1" noChangeArrowheads="1"/>
+          </p:cNvPicPr>
+          <p:nvPr/>
+        </p:nvPicPr>
+        <p:blipFill rotWithShape="1">
+          <a:blip r:embed="rId3">
+            <a:extLst>
+              <a:ext uri="{28A0092B-C50C-407E-A947-70E740481C1C}">
+                <a14:useLocalDpi xmlns:a14="http://schemas.microsoft.com/office/drawing/2010/main" val="0"/>
+              </a:ext>
+            </a:extLst>
+          </a:blip>
+          <a:srcRect l="2023" r="10373"/>
+          <a:stretch/>
+        </p:blipFill>
+        <p:spPr bwMode="auto">
+          <a:xfrm>
+            <a:off x="396000" y="1296000"/>
+            <a:ext cx="6754852" cy="4139565"/>
+          </a:xfrm>
+          <a:prstGeom prst="rect">
+            <a:avLst/>
+          </a:prstGeom>
+          <a:noFill/>
+          <a:extLst>
+            <a:ext uri="{909E8E84-426E-40DD-AFC4-6F175D3DCCD1}">
+              <a14:hiddenFill xmlns:a14="http://schemas.microsoft.com/office/drawing/2010/main">
+                <a:solidFill>
+                  <a:srgbClr val="FFFFFF"/>
+                </a:solidFill>
+              </a14:hiddenFill>
+            </a:ext>
+          </a:extLst>
+        </p:spPr>
+      </p:pic>
+    </p:spTree>
+    <p:extLst>
+      <p:ext uri="{BB962C8B-B14F-4D97-AF65-F5344CB8AC3E}">
+        <p14:creationId xmlns:p14="http://schemas.microsoft.com/office/powerpoint/2010/main" val="4216790549"/>
       </p:ext>
     </p:extLst>
   </p:cSld>
@@ -8830,6 +11385,1420 @@
 </p:sld>
 </file>
 
+<file path=ppt/slides/slide20.xml><?xml version="1.0" encoding="utf-8"?>
+<p:sld xmlns:a="http://schemas.openxmlformats.org/drawingml/2006/main" xmlns:r="http://schemas.openxmlformats.org/officeDocument/2006/relationships" xmlns:p="http://schemas.openxmlformats.org/presentationml/2006/main">
+  <p:cSld>
+    <p:spTree>
+      <p:nvGrpSpPr>
+        <p:cNvPr id="1" name=""/>
+        <p:cNvGrpSpPr/>
+        <p:nvPr/>
+      </p:nvGrpSpPr>
+      <p:grpSpPr>
+        <a:xfrm>
+          <a:off x="0" y="0"/>
+          <a:ext cx="0" cy="0"/>
+          <a:chOff x="0" y="0"/>
+          <a:chExt cx="0" cy="0"/>
+        </a:xfrm>
+      </p:grpSpPr>
+      <p:sp>
+        <p:nvSpPr>
+          <p:cNvPr id="2" name="Title 1">
+            <a:extLst>
+              <a:ext uri="{FF2B5EF4-FFF2-40B4-BE49-F238E27FC236}">
+                <a16:creationId xmlns:a16="http://schemas.microsoft.com/office/drawing/2014/main" id="{9B74A0EC-0B6E-4C2B-847A-FADF5E7DDE7C}"/>
+              </a:ext>
+            </a:extLst>
+          </p:cNvPr>
+          <p:cNvSpPr>
+            <a:spLocks noGrp="1"/>
+          </p:cNvSpPr>
+          <p:nvPr>
+            <p:ph type="title"/>
+          </p:nvPr>
+        </p:nvSpPr>
+        <p:spPr/>
+        <p:txBody>
+          <a:bodyPr/>
+          <a:lstStyle/>
+          <a:p>
+            <a:r>
+              <a:rPr lang="nl-BE" dirty="0"/>
+              <a:t>Roles and handlers</a:t>
+            </a:r>
+            <a:endParaRPr lang="en-US" dirty="0"/>
+          </a:p>
+        </p:txBody>
+      </p:sp>
+      <p:sp>
+        <p:nvSpPr>
+          <p:cNvPr id="3" name="Text Placeholder 2">
+            <a:extLst>
+              <a:ext uri="{FF2B5EF4-FFF2-40B4-BE49-F238E27FC236}">
+                <a16:creationId xmlns:a16="http://schemas.microsoft.com/office/drawing/2014/main" id="{C6E1FED6-05C5-44B4-90FD-AED05D5916C6}"/>
+              </a:ext>
+            </a:extLst>
+          </p:cNvPr>
+          <p:cNvSpPr>
+            <a:spLocks noGrp="1"/>
+          </p:cNvSpPr>
+          <p:nvPr>
+            <p:ph type="body" idx="1"/>
+          </p:nvPr>
+        </p:nvSpPr>
+        <p:spPr/>
+        <p:txBody>
+          <a:bodyPr/>
+          <a:lstStyle/>
+          <a:p>
+            <a:endParaRPr lang="en-US"/>
+          </a:p>
+        </p:txBody>
+      </p:sp>
+      <p:sp>
+        <p:nvSpPr>
+          <p:cNvPr id="5" name="Slide Number Placeholder 4">
+            <a:extLst>
+              <a:ext uri="{FF2B5EF4-FFF2-40B4-BE49-F238E27FC236}">
+                <a16:creationId xmlns:a16="http://schemas.microsoft.com/office/drawing/2014/main" id="{DD64BA5B-4072-4241-8BC8-14F77C6B63D6}"/>
+              </a:ext>
+            </a:extLst>
+          </p:cNvPr>
+          <p:cNvSpPr>
+            <a:spLocks noGrp="1"/>
+          </p:cNvSpPr>
+          <p:nvPr>
+            <p:ph type="sldNum" sz="quarter" idx="12"/>
+          </p:nvPr>
+        </p:nvSpPr>
+        <p:spPr/>
+        <p:txBody>
+          <a:bodyPr/>
+          <a:lstStyle/>
+          <a:p>
+            <a:fld id="{FF88DA20-ED00-471C-9170-60F590CB400A}" type="slidenum">
+              <a:rPr lang="nl-BE" smtClean="0"/>
+              <a:pPr/>
+              <a:t>20</a:t>
+            </a:fld>
+            <a:endParaRPr lang="nl-BE"/>
+          </a:p>
+        </p:txBody>
+      </p:sp>
+      <p:sp>
+        <p:nvSpPr>
+          <p:cNvPr id="6" name="Text Placeholder 5">
+            <a:extLst>
+              <a:ext uri="{FF2B5EF4-FFF2-40B4-BE49-F238E27FC236}">
+                <a16:creationId xmlns:a16="http://schemas.microsoft.com/office/drawing/2014/main" id="{88A7E06B-CAB2-4D0E-8F2E-7F359FB4AED4}"/>
+              </a:ext>
+            </a:extLst>
+          </p:cNvPr>
+          <p:cNvSpPr>
+            <a:spLocks noGrp="1"/>
+          </p:cNvSpPr>
+          <p:nvPr>
+            <p:ph type="body" sz="quarter" idx="13"/>
+          </p:nvPr>
+        </p:nvSpPr>
+        <p:spPr/>
+        <p:txBody>
+          <a:bodyPr/>
+          <a:lstStyle/>
+          <a:p>
+            <a:r>
+              <a:rPr lang="nl-BE" dirty="0">
+                <a:solidFill>
+                  <a:srgbClr val="0085FE"/>
+                </a:solidFill>
+              </a:rPr>
+              <a:t>5.</a:t>
+            </a:r>
+            <a:endParaRPr lang="en-US" dirty="0">
+              <a:solidFill>
+                <a:srgbClr val="0085FE"/>
+              </a:solidFill>
+            </a:endParaRPr>
+          </a:p>
+        </p:txBody>
+      </p:sp>
+      <p:sp>
+        <p:nvSpPr>
+          <p:cNvPr id="7" name="Footer Placeholder 3">
+            <a:extLst>
+              <a:ext uri="{FF2B5EF4-FFF2-40B4-BE49-F238E27FC236}">
+                <a16:creationId xmlns:a16="http://schemas.microsoft.com/office/drawing/2014/main" id="{4C6230EF-FC94-4535-BF15-A151BCE74565}"/>
+              </a:ext>
+            </a:extLst>
+          </p:cNvPr>
+          <p:cNvSpPr>
+            <a:spLocks noGrp="1"/>
+          </p:cNvSpPr>
+          <p:nvPr>
+            <p:ph type="ftr" sz="quarter" idx="11"/>
+          </p:nvPr>
+        </p:nvSpPr>
+        <p:spPr>
+          <a:xfrm>
+            <a:off x="861246" y="6264211"/>
+            <a:ext cx="4114800" cy="365125"/>
+          </a:xfrm>
+        </p:spPr>
+        <p:txBody>
+          <a:bodyPr/>
+          <a:lstStyle/>
+          <a:p>
+            <a:r>
+              <a:rPr lang="nl-BE" dirty="0"/>
+              <a:t>Ansible</a:t>
+            </a:r>
+          </a:p>
+        </p:txBody>
+      </p:sp>
+      <p:sp>
+        <p:nvSpPr>
+          <p:cNvPr id="8" name="Tijdelijke aanduiding voor datum 1">
+            <a:extLst>
+              <a:ext uri="{FF2B5EF4-FFF2-40B4-BE49-F238E27FC236}">
+                <a16:creationId xmlns:a16="http://schemas.microsoft.com/office/drawing/2014/main" id="{7D474508-C6EF-46B5-8816-490B8CDC4420}"/>
+              </a:ext>
+            </a:extLst>
+          </p:cNvPr>
+          <p:cNvSpPr>
+            <a:spLocks noGrp="1"/>
+          </p:cNvSpPr>
+          <p:nvPr>
+            <p:ph type="dt" sz="half" idx="10"/>
+          </p:nvPr>
+        </p:nvSpPr>
+        <p:spPr>
+          <a:xfrm>
+            <a:off x="4998576" y="6264004"/>
+            <a:ext cx="2743200" cy="365125"/>
+          </a:xfrm>
+        </p:spPr>
+        <p:txBody>
+          <a:bodyPr/>
+          <a:lstStyle/>
+          <a:p>
+            <a:r>
+              <a:rPr lang="nl-BE" dirty="0"/>
+              <a:t>31/01/2022</a:t>
+            </a:r>
+          </a:p>
+        </p:txBody>
+      </p:sp>
+    </p:spTree>
+    <p:extLst>
+      <p:ext uri="{BB962C8B-B14F-4D97-AF65-F5344CB8AC3E}">
+        <p14:creationId xmlns:p14="http://schemas.microsoft.com/office/powerpoint/2010/main" val="1795665402"/>
+      </p:ext>
+    </p:extLst>
+  </p:cSld>
+  <p:clrMapOvr>
+    <a:masterClrMapping/>
+  </p:clrMapOvr>
+</p:sld>
+</file>
+
+<file path=ppt/slides/slide21.xml><?xml version="1.0" encoding="utf-8"?>
+<p:sld xmlns:a="http://schemas.openxmlformats.org/drawingml/2006/main" xmlns:r="http://schemas.openxmlformats.org/officeDocument/2006/relationships" xmlns:p="http://schemas.openxmlformats.org/presentationml/2006/main">
+  <p:cSld>
+    <p:spTree>
+      <p:nvGrpSpPr>
+        <p:cNvPr id="1" name=""/>
+        <p:cNvGrpSpPr/>
+        <p:nvPr/>
+      </p:nvGrpSpPr>
+      <p:grpSpPr>
+        <a:xfrm>
+          <a:off x="0" y="0"/>
+          <a:ext cx="0" cy="0"/>
+          <a:chOff x="0" y="0"/>
+          <a:chExt cx="0" cy="0"/>
+        </a:xfrm>
+      </p:grpSpPr>
+      <p:sp>
+        <p:nvSpPr>
+          <p:cNvPr id="2" name="Title 1">
+            <a:extLst>
+              <a:ext uri="{FF2B5EF4-FFF2-40B4-BE49-F238E27FC236}">
+                <a16:creationId xmlns:a16="http://schemas.microsoft.com/office/drawing/2014/main" id="{113F45C3-5063-42B6-8DC6-BEB4B0D619F0}"/>
+              </a:ext>
+            </a:extLst>
+          </p:cNvPr>
+          <p:cNvSpPr>
+            <a:spLocks noGrp="1"/>
+          </p:cNvSpPr>
+          <p:nvPr>
+            <p:ph type="title"/>
+          </p:nvPr>
+        </p:nvSpPr>
+        <p:spPr/>
+        <p:txBody>
+          <a:bodyPr/>
+          <a:lstStyle/>
+          <a:p>
+            <a:r>
+              <a:rPr lang="nl-BE" dirty="0"/>
+              <a:t>Plugins and modules</a:t>
+            </a:r>
+            <a:endParaRPr lang="en-US" dirty="0"/>
+          </a:p>
+        </p:txBody>
+      </p:sp>
+      <p:sp>
+        <p:nvSpPr>
+          <p:cNvPr id="3" name="Text Placeholder 2">
+            <a:extLst>
+              <a:ext uri="{FF2B5EF4-FFF2-40B4-BE49-F238E27FC236}">
+                <a16:creationId xmlns:a16="http://schemas.microsoft.com/office/drawing/2014/main" id="{829D27A6-EE3F-4034-B1A7-E43996E4618E}"/>
+              </a:ext>
+            </a:extLst>
+          </p:cNvPr>
+          <p:cNvSpPr>
+            <a:spLocks noGrp="1"/>
+          </p:cNvSpPr>
+          <p:nvPr>
+            <p:ph type="body" idx="1"/>
+          </p:nvPr>
+        </p:nvSpPr>
+        <p:spPr/>
+        <p:txBody>
+          <a:bodyPr/>
+          <a:lstStyle/>
+          <a:p>
+            <a:endParaRPr lang="en-US"/>
+          </a:p>
+        </p:txBody>
+      </p:sp>
+      <p:sp>
+        <p:nvSpPr>
+          <p:cNvPr id="5" name="Slide Number Placeholder 4">
+            <a:extLst>
+              <a:ext uri="{FF2B5EF4-FFF2-40B4-BE49-F238E27FC236}">
+                <a16:creationId xmlns:a16="http://schemas.microsoft.com/office/drawing/2014/main" id="{C72F05CE-88E7-4A04-A5C0-FD6C44F467E8}"/>
+              </a:ext>
+            </a:extLst>
+          </p:cNvPr>
+          <p:cNvSpPr>
+            <a:spLocks noGrp="1"/>
+          </p:cNvSpPr>
+          <p:nvPr>
+            <p:ph type="sldNum" sz="quarter" idx="12"/>
+          </p:nvPr>
+        </p:nvSpPr>
+        <p:spPr/>
+        <p:txBody>
+          <a:bodyPr/>
+          <a:lstStyle/>
+          <a:p>
+            <a:fld id="{FF88DA20-ED00-471C-9170-60F590CB400A}" type="slidenum">
+              <a:rPr lang="nl-BE" smtClean="0"/>
+              <a:pPr/>
+              <a:t>21</a:t>
+            </a:fld>
+            <a:endParaRPr lang="nl-BE"/>
+          </a:p>
+        </p:txBody>
+      </p:sp>
+      <p:sp>
+        <p:nvSpPr>
+          <p:cNvPr id="6" name="Text Placeholder 5">
+            <a:extLst>
+              <a:ext uri="{FF2B5EF4-FFF2-40B4-BE49-F238E27FC236}">
+                <a16:creationId xmlns:a16="http://schemas.microsoft.com/office/drawing/2014/main" id="{2EB60588-C6A5-4F58-967A-924C86EA2ACA}"/>
+              </a:ext>
+            </a:extLst>
+          </p:cNvPr>
+          <p:cNvSpPr>
+            <a:spLocks noGrp="1"/>
+          </p:cNvSpPr>
+          <p:nvPr>
+            <p:ph type="body" sz="quarter" idx="13"/>
+          </p:nvPr>
+        </p:nvSpPr>
+        <p:spPr/>
+        <p:txBody>
+          <a:bodyPr/>
+          <a:lstStyle/>
+          <a:p>
+            <a:r>
+              <a:rPr lang="nl-BE" dirty="0">
+                <a:solidFill>
+                  <a:srgbClr val="0085FE"/>
+                </a:solidFill>
+              </a:rPr>
+              <a:t>6.</a:t>
+            </a:r>
+            <a:endParaRPr lang="en-US" dirty="0">
+              <a:solidFill>
+                <a:srgbClr val="0085FE"/>
+              </a:solidFill>
+            </a:endParaRPr>
+          </a:p>
+        </p:txBody>
+      </p:sp>
+      <p:sp>
+        <p:nvSpPr>
+          <p:cNvPr id="7" name="Footer Placeholder 3">
+            <a:extLst>
+              <a:ext uri="{FF2B5EF4-FFF2-40B4-BE49-F238E27FC236}">
+                <a16:creationId xmlns:a16="http://schemas.microsoft.com/office/drawing/2014/main" id="{5E95C8DC-5379-4DFB-80A1-1F3AAF7C7D69}"/>
+              </a:ext>
+            </a:extLst>
+          </p:cNvPr>
+          <p:cNvSpPr>
+            <a:spLocks noGrp="1"/>
+          </p:cNvSpPr>
+          <p:nvPr>
+            <p:ph type="ftr" sz="quarter" idx="11"/>
+          </p:nvPr>
+        </p:nvSpPr>
+        <p:spPr>
+          <a:xfrm>
+            <a:off x="861246" y="6264211"/>
+            <a:ext cx="4114800" cy="365125"/>
+          </a:xfrm>
+        </p:spPr>
+        <p:txBody>
+          <a:bodyPr/>
+          <a:lstStyle/>
+          <a:p>
+            <a:r>
+              <a:rPr lang="nl-BE" dirty="0"/>
+              <a:t>Ansible</a:t>
+            </a:r>
+          </a:p>
+        </p:txBody>
+      </p:sp>
+      <p:sp>
+        <p:nvSpPr>
+          <p:cNvPr id="8" name="Tijdelijke aanduiding voor datum 1">
+            <a:extLst>
+              <a:ext uri="{FF2B5EF4-FFF2-40B4-BE49-F238E27FC236}">
+                <a16:creationId xmlns:a16="http://schemas.microsoft.com/office/drawing/2014/main" id="{0FB70630-6571-48E3-857D-CDD365B58D30}"/>
+              </a:ext>
+            </a:extLst>
+          </p:cNvPr>
+          <p:cNvSpPr>
+            <a:spLocks noGrp="1"/>
+          </p:cNvSpPr>
+          <p:nvPr>
+            <p:ph type="dt" sz="half" idx="10"/>
+          </p:nvPr>
+        </p:nvSpPr>
+        <p:spPr>
+          <a:xfrm>
+            <a:off x="4998576" y="6264004"/>
+            <a:ext cx="2743200" cy="365125"/>
+          </a:xfrm>
+        </p:spPr>
+        <p:txBody>
+          <a:bodyPr/>
+          <a:lstStyle/>
+          <a:p>
+            <a:r>
+              <a:rPr lang="nl-BE" dirty="0"/>
+              <a:t>31/01/2022</a:t>
+            </a:r>
+          </a:p>
+        </p:txBody>
+      </p:sp>
+    </p:spTree>
+    <p:extLst>
+      <p:ext uri="{BB962C8B-B14F-4D97-AF65-F5344CB8AC3E}">
+        <p14:creationId xmlns:p14="http://schemas.microsoft.com/office/powerpoint/2010/main" val="2035829673"/>
+      </p:ext>
+    </p:extLst>
+  </p:cSld>
+  <p:clrMapOvr>
+    <a:masterClrMapping/>
+  </p:clrMapOvr>
+</p:sld>
+</file>
+
+<file path=ppt/slides/slide22.xml><?xml version="1.0" encoding="utf-8"?>
+<p:sld xmlns:a="http://schemas.openxmlformats.org/drawingml/2006/main" xmlns:r="http://schemas.openxmlformats.org/officeDocument/2006/relationships" xmlns:p="http://schemas.openxmlformats.org/presentationml/2006/main">
+  <p:cSld>
+    <p:spTree>
+      <p:nvGrpSpPr>
+        <p:cNvPr id="1" name=""/>
+        <p:cNvGrpSpPr/>
+        <p:nvPr/>
+      </p:nvGrpSpPr>
+      <p:grpSpPr>
+        <a:xfrm>
+          <a:off x="0" y="0"/>
+          <a:ext cx="0" cy="0"/>
+          <a:chOff x="0" y="0"/>
+          <a:chExt cx="0" cy="0"/>
+        </a:xfrm>
+      </p:grpSpPr>
+      <p:sp>
+        <p:nvSpPr>
+          <p:cNvPr id="2" name="Title 1">
+            <a:extLst>
+              <a:ext uri="{FF2B5EF4-FFF2-40B4-BE49-F238E27FC236}">
+                <a16:creationId xmlns:a16="http://schemas.microsoft.com/office/drawing/2014/main" id="{9B03E1DF-1B53-4967-969A-C05921548475}"/>
+              </a:ext>
+            </a:extLst>
+          </p:cNvPr>
+          <p:cNvSpPr>
+            <a:spLocks noGrp="1"/>
+          </p:cNvSpPr>
+          <p:nvPr>
+            <p:ph type="title"/>
+          </p:nvPr>
+        </p:nvSpPr>
+        <p:spPr/>
+        <p:txBody>
+          <a:bodyPr/>
+          <a:lstStyle/>
+          <a:p>
+            <a:r>
+              <a:rPr lang="nl-BE" dirty="0"/>
+              <a:t>Intallation</a:t>
+            </a:r>
+            <a:endParaRPr lang="en-US" dirty="0"/>
+          </a:p>
+        </p:txBody>
+      </p:sp>
+      <p:sp>
+        <p:nvSpPr>
+          <p:cNvPr id="3" name="Text Placeholder 2">
+            <a:extLst>
+              <a:ext uri="{FF2B5EF4-FFF2-40B4-BE49-F238E27FC236}">
+                <a16:creationId xmlns:a16="http://schemas.microsoft.com/office/drawing/2014/main" id="{1525F9F0-2D31-473A-9784-6C675C16A1BC}"/>
+              </a:ext>
+            </a:extLst>
+          </p:cNvPr>
+          <p:cNvSpPr>
+            <a:spLocks noGrp="1"/>
+          </p:cNvSpPr>
+          <p:nvPr>
+            <p:ph type="body" idx="1"/>
+          </p:nvPr>
+        </p:nvSpPr>
+        <p:spPr/>
+        <p:txBody>
+          <a:bodyPr/>
+          <a:lstStyle/>
+          <a:p>
+            <a:endParaRPr lang="en-US"/>
+          </a:p>
+        </p:txBody>
+      </p:sp>
+      <p:sp>
+        <p:nvSpPr>
+          <p:cNvPr id="5" name="Slide Number Placeholder 4">
+            <a:extLst>
+              <a:ext uri="{FF2B5EF4-FFF2-40B4-BE49-F238E27FC236}">
+                <a16:creationId xmlns:a16="http://schemas.microsoft.com/office/drawing/2014/main" id="{50467A86-777D-45F4-BE4B-B1DB46B0E329}"/>
+              </a:ext>
+            </a:extLst>
+          </p:cNvPr>
+          <p:cNvSpPr>
+            <a:spLocks noGrp="1"/>
+          </p:cNvSpPr>
+          <p:nvPr>
+            <p:ph type="sldNum" sz="quarter" idx="12"/>
+          </p:nvPr>
+        </p:nvSpPr>
+        <p:spPr/>
+        <p:txBody>
+          <a:bodyPr/>
+          <a:lstStyle/>
+          <a:p>
+            <a:fld id="{FF88DA20-ED00-471C-9170-60F590CB400A}" type="slidenum">
+              <a:rPr lang="nl-BE" smtClean="0"/>
+              <a:pPr/>
+              <a:t>22</a:t>
+            </a:fld>
+            <a:endParaRPr lang="nl-BE"/>
+          </a:p>
+        </p:txBody>
+      </p:sp>
+      <p:sp>
+        <p:nvSpPr>
+          <p:cNvPr id="6" name="Text Placeholder 5">
+            <a:extLst>
+              <a:ext uri="{FF2B5EF4-FFF2-40B4-BE49-F238E27FC236}">
+                <a16:creationId xmlns:a16="http://schemas.microsoft.com/office/drawing/2014/main" id="{C531B67A-2B8E-44DB-9254-10C25A9E7978}"/>
+              </a:ext>
+            </a:extLst>
+          </p:cNvPr>
+          <p:cNvSpPr>
+            <a:spLocks noGrp="1"/>
+          </p:cNvSpPr>
+          <p:nvPr>
+            <p:ph type="body" sz="quarter" idx="13"/>
+          </p:nvPr>
+        </p:nvSpPr>
+        <p:spPr/>
+        <p:txBody>
+          <a:bodyPr/>
+          <a:lstStyle/>
+          <a:p>
+            <a:r>
+              <a:rPr lang="nl-BE" dirty="0">
+                <a:solidFill>
+                  <a:srgbClr val="0085FE"/>
+                </a:solidFill>
+              </a:rPr>
+              <a:t>7.</a:t>
+            </a:r>
+            <a:endParaRPr lang="en-US" dirty="0">
+              <a:solidFill>
+                <a:srgbClr val="0085FE"/>
+              </a:solidFill>
+            </a:endParaRPr>
+          </a:p>
+        </p:txBody>
+      </p:sp>
+      <p:sp>
+        <p:nvSpPr>
+          <p:cNvPr id="7" name="Footer Placeholder 3">
+            <a:extLst>
+              <a:ext uri="{FF2B5EF4-FFF2-40B4-BE49-F238E27FC236}">
+                <a16:creationId xmlns:a16="http://schemas.microsoft.com/office/drawing/2014/main" id="{918E7B00-6D8B-464C-8C9D-DDD15B71C071}"/>
+              </a:ext>
+            </a:extLst>
+          </p:cNvPr>
+          <p:cNvSpPr>
+            <a:spLocks noGrp="1"/>
+          </p:cNvSpPr>
+          <p:nvPr>
+            <p:ph type="ftr" sz="quarter" idx="11"/>
+          </p:nvPr>
+        </p:nvSpPr>
+        <p:spPr>
+          <a:xfrm>
+            <a:off x="861246" y="6264211"/>
+            <a:ext cx="4114800" cy="365125"/>
+          </a:xfrm>
+        </p:spPr>
+        <p:txBody>
+          <a:bodyPr/>
+          <a:lstStyle/>
+          <a:p>
+            <a:r>
+              <a:rPr lang="nl-BE" dirty="0"/>
+              <a:t>Ansible</a:t>
+            </a:r>
+          </a:p>
+        </p:txBody>
+      </p:sp>
+      <p:sp>
+        <p:nvSpPr>
+          <p:cNvPr id="8" name="Tijdelijke aanduiding voor datum 1">
+            <a:extLst>
+              <a:ext uri="{FF2B5EF4-FFF2-40B4-BE49-F238E27FC236}">
+                <a16:creationId xmlns:a16="http://schemas.microsoft.com/office/drawing/2014/main" id="{2D10AAF3-7345-4621-96FB-A689AE1F459F}"/>
+              </a:ext>
+            </a:extLst>
+          </p:cNvPr>
+          <p:cNvSpPr>
+            <a:spLocks noGrp="1"/>
+          </p:cNvSpPr>
+          <p:nvPr>
+            <p:ph type="dt" sz="half" idx="10"/>
+          </p:nvPr>
+        </p:nvSpPr>
+        <p:spPr>
+          <a:xfrm>
+            <a:off x="4998576" y="6264004"/>
+            <a:ext cx="2743200" cy="365125"/>
+          </a:xfrm>
+        </p:spPr>
+        <p:txBody>
+          <a:bodyPr/>
+          <a:lstStyle/>
+          <a:p>
+            <a:r>
+              <a:rPr lang="nl-BE" dirty="0"/>
+              <a:t>31/01/2022</a:t>
+            </a:r>
+          </a:p>
+        </p:txBody>
+      </p:sp>
+    </p:spTree>
+    <p:extLst>
+      <p:ext uri="{BB962C8B-B14F-4D97-AF65-F5344CB8AC3E}">
+        <p14:creationId xmlns:p14="http://schemas.microsoft.com/office/powerpoint/2010/main" val="4128278387"/>
+      </p:ext>
+    </p:extLst>
+  </p:cSld>
+  <p:clrMapOvr>
+    <a:masterClrMapping/>
+  </p:clrMapOvr>
+</p:sld>
+</file>
+
+<file path=ppt/slides/slide23.xml><?xml version="1.0" encoding="utf-8"?>
+<p:sld xmlns:a="http://schemas.openxmlformats.org/drawingml/2006/main" xmlns:r="http://schemas.openxmlformats.org/officeDocument/2006/relationships" xmlns:p="http://schemas.openxmlformats.org/presentationml/2006/main">
+  <p:cSld>
+    <p:spTree>
+      <p:nvGrpSpPr>
+        <p:cNvPr id="1" name=""/>
+        <p:cNvGrpSpPr/>
+        <p:nvPr/>
+      </p:nvGrpSpPr>
+      <p:grpSpPr>
+        <a:xfrm>
+          <a:off x="0" y="0"/>
+          <a:ext cx="0" cy="0"/>
+          <a:chOff x="0" y="0"/>
+          <a:chExt cx="0" cy="0"/>
+        </a:xfrm>
+      </p:grpSpPr>
+      <p:sp>
+        <p:nvSpPr>
+          <p:cNvPr id="2" name="Title 1">
+            <a:extLst>
+              <a:ext uri="{FF2B5EF4-FFF2-40B4-BE49-F238E27FC236}">
+                <a16:creationId xmlns:a16="http://schemas.microsoft.com/office/drawing/2014/main" id="{70FEA819-AA32-4583-9E98-B9DBD20D08C5}"/>
+              </a:ext>
+            </a:extLst>
+          </p:cNvPr>
+          <p:cNvSpPr>
+            <a:spLocks noGrp="1"/>
+          </p:cNvSpPr>
+          <p:nvPr>
+            <p:ph type="title"/>
+          </p:nvPr>
+        </p:nvSpPr>
+        <p:spPr/>
+        <p:txBody>
+          <a:bodyPr/>
+          <a:lstStyle/>
+          <a:p>
+            <a:r>
+              <a:rPr lang="nl-BE" dirty="0"/>
+              <a:t>Authentication</a:t>
+            </a:r>
+            <a:endParaRPr lang="en-US" dirty="0"/>
+          </a:p>
+        </p:txBody>
+      </p:sp>
+      <p:sp>
+        <p:nvSpPr>
+          <p:cNvPr id="3" name="Text Placeholder 2">
+            <a:extLst>
+              <a:ext uri="{FF2B5EF4-FFF2-40B4-BE49-F238E27FC236}">
+                <a16:creationId xmlns:a16="http://schemas.microsoft.com/office/drawing/2014/main" id="{EC32EC60-A861-403F-A296-2216AA4D5C5C}"/>
+              </a:ext>
+            </a:extLst>
+          </p:cNvPr>
+          <p:cNvSpPr>
+            <a:spLocks noGrp="1"/>
+          </p:cNvSpPr>
+          <p:nvPr>
+            <p:ph type="body" idx="1"/>
+          </p:nvPr>
+        </p:nvSpPr>
+        <p:spPr/>
+        <p:txBody>
+          <a:bodyPr/>
+          <a:lstStyle/>
+          <a:p>
+            <a:endParaRPr lang="en-US"/>
+          </a:p>
+        </p:txBody>
+      </p:sp>
+      <p:sp>
+        <p:nvSpPr>
+          <p:cNvPr id="5" name="Slide Number Placeholder 4">
+            <a:extLst>
+              <a:ext uri="{FF2B5EF4-FFF2-40B4-BE49-F238E27FC236}">
+                <a16:creationId xmlns:a16="http://schemas.microsoft.com/office/drawing/2014/main" id="{A16825DC-9D9D-4E1A-9AFD-AA673F4A6E6D}"/>
+              </a:ext>
+            </a:extLst>
+          </p:cNvPr>
+          <p:cNvSpPr>
+            <a:spLocks noGrp="1"/>
+          </p:cNvSpPr>
+          <p:nvPr>
+            <p:ph type="sldNum" sz="quarter" idx="12"/>
+          </p:nvPr>
+        </p:nvSpPr>
+        <p:spPr/>
+        <p:txBody>
+          <a:bodyPr/>
+          <a:lstStyle/>
+          <a:p>
+            <a:fld id="{FF88DA20-ED00-471C-9170-60F590CB400A}" type="slidenum">
+              <a:rPr lang="nl-BE" smtClean="0"/>
+              <a:pPr/>
+              <a:t>23</a:t>
+            </a:fld>
+            <a:endParaRPr lang="nl-BE"/>
+          </a:p>
+        </p:txBody>
+      </p:sp>
+      <p:sp>
+        <p:nvSpPr>
+          <p:cNvPr id="6" name="Text Placeholder 5">
+            <a:extLst>
+              <a:ext uri="{FF2B5EF4-FFF2-40B4-BE49-F238E27FC236}">
+                <a16:creationId xmlns:a16="http://schemas.microsoft.com/office/drawing/2014/main" id="{5C7A25BD-74FF-4F3E-A457-7A2EF24BA328}"/>
+              </a:ext>
+            </a:extLst>
+          </p:cNvPr>
+          <p:cNvSpPr>
+            <a:spLocks noGrp="1"/>
+          </p:cNvSpPr>
+          <p:nvPr>
+            <p:ph type="body" sz="quarter" idx="13"/>
+          </p:nvPr>
+        </p:nvSpPr>
+        <p:spPr/>
+        <p:txBody>
+          <a:bodyPr/>
+          <a:lstStyle/>
+          <a:p>
+            <a:r>
+              <a:rPr lang="nl-BE" dirty="0">
+                <a:solidFill>
+                  <a:srgbClr val="0085FE"/>
+                </a:solidFill>
+              </a:rPr>
+              <a:t>8.</a:t>
+            </a:r>
+            <a:endParaRPr lang="en-US" dirty="0">
+              <a:solidFill>
+                <a:srgbClr val="0085FE"/>
+              </a:solidFill>
+            </a:endParaRPr>
+          </a:p>
+        </p:txBody>
+      </p:sp>
+      <p:sp>
+        <p:nvSpPr>
+          <p:cNvPr id="7" name="Footer Placeholder 3">
+            <a:extLst>
+              <a:ext uri="{FF2B5EF4-FFF2-40B4-BE49-F238E27FC236}">
+                <a16:creationId xmlns:a16="http://schemas.microsoft.com/office/drawing/2014/main" id="{7BBB4841-9FC2-490F-83AA-5589FC091688}"/>
+              </a:ext>
+            </a:extLst>
+          </p:cNvPr>
+          <p:cNvSpPr>
+            <a:spLocks noGrp="1"/>
+          </p:cNvSpPr>
+          <p:nvPr>
+            <p:ph type="ftr" sz="quarter" idx="11"/>
+          </p:nvPr>
+        </p:nvSpPr>
+        <p:spPr>
+          <a:xfrm>
+            <a:off x="861246" y="6264211"/>
+            <a:ext cx="4114800" cy="365125"/>
+          </a:xfrm>
+        </p:spPr>
+        <p:txBody>
+          <a:bodyPr/>
+          <a:lstStyle/>
+          <a:p>
+            <a:r>
+              <a:rPr lang="nl-BE" dirty="0"/>
+              <a:t>Ansible</a:t>
+            </a:r>
+          </a:p>
+        </p:txBody>
+      </p:sp>
+      <p:sp>
+        <p:nvSpPr>
+          <p:cNvPr id="8" name="Tijdelijke aanduiding voor datum 1">
+            <a:extLst>
+              <a:ext uri="{FF2B5EF4-FFF2-40B4-BE49-F238E27FC236}">
+                <a16:creationId xmlns:a16="http://schemas.microsoft.com/office/drawing/2014/main" id="{86E517BA-B755-4C37-BB4C-75337E789D27}"/>
+              </a:ext>
+            </a:extLst>
+          </p:cNvPr>
+          <p:cNvSpPr>
+            <a:spLocks noGrp="1"/>
+          </p:cNvSpPr>
+          <p:nvPr>
+            <p:ph type="dt" sz="half" idx="10"/>
+          </p:nvPr>
+        </p:nvSpPr>
+        <p:spPr>
+          <a:xfrm>
+            <a:off x="4998576" y="6264004"/>
+            <a:ext cx="2743200" cy="365125"/>
+          </a:xfrm>
+        </p:spPr>
+        <p:txBody>
+          <a:bodyPr/>
+          <a:lstStyle/>
+          <a:p>
+            <a:r>
+              <a:rPr lang="nl-BE" dirty="0"/>
+              <a:t>31/01/2022</a:t>
+            </a:r>
+          </a:p>
+        </p:txBody>
+      </p:sp>
+    </p:spTree>
+    <p:extLst>
+      <p:ext uri="{BB962C8B-B14F-4D97-AF65-F5344CB8AC3E}">
+        <p14:creationId xmlns:p14="http://schemas.microsoft.com/office/powerpoint/2010/main" val="2591651798"/>
+      </p:ext>
+    </p:extLst>
+  </p:cSld>
+  <p:clrMapOvr>
+    <a:masterClrMapping/>
+  </p:clrMapOvr>
+</p:sld>
+</file>
+
+<file path=ppt/slides/slide24.xml><?xml version="1.0" encoding="utf-8"?>
+<p:sld xmlns:a="http://schemas.openxmlformats.org/drawingml/2006/main" xmlns:r="http://schemas.openxmlformats.org/officeDocument/2006/relationships" xmlns:p="http://schemas.openxmlformats.org/presentationml/2006/main">
+  <p:cSld>
+    <p:spTree>
+      <p:nvGrpSpPr>
+        <p:cNvPr id="1" name=""/>
+        <p:cNvGrpSpPr/>
+        <p:nvPr/>
+      </p:nvGrpSpPr>
+      <p:grpSpPr>
+        <a:xfrm>
+          <a:off x="0" y="0"/>
+          <a:ext cx="0" cy="0"/>
+          <a:chOff x="0" y="0"/>
+          <a:chExt cx="0" cy="0"/>
+        </a:xfrm>
+      </p:grpSpPr>
+      <p:sp>
+        <p:nvSpPr>
+          <p:cNvPr id="2" name="Title 1">
+            <a:extLst>
+              <a:ext uri="{FF2B5EF4-FFF2-40B4-BE49-F238E27FC236}">
+                <a16:creationId xmlns:a16="http://schemas.microsoft.com/office/drawing/2014/main" id="{71FD9B4A-22B3-4B27-8EC6-CB566E6C3ECB}"/>
+              </a:ext>
+            </a:extLst>
+          </p:cNvPr>
+          <p:cNvSpPr>
+            <a:spLocks noGrp="1"/>
+          </p:cNvSpPr>
+          <p:nvPr>
+            <p:ph type="title"/>
+          </p:nvPr>
+        </p:nvSpPr>
+        <p:spPr/>
+        <p:txBody>
+          <a:bodyPr/>
+          <a:lstStyle/>
+          <a:p>
+            <a:r>
+              <a:rPr lang="nl-BE" dirty="0"/>
+              <a:t>Demo</a:t>
+            </a:r>
+            <a:endParaRPr lang="en-US" dirty="0"/>
+          </a:p>
+        </p:txBody>
+      </p:sp>
+      <p:sp>
+        <p:nvSpPr>
+          <p:cNvPr id="3" name="Text Placeholder 2">
+            <a:extLst>
+              <a:ext uri="{FF2B5EF4-FFF2-40B4-BE49-F238E27FC236}">
+                <a16:creationId xmlns:a16="http://schemas.microsoft.com/office/drawing/2014/main" id="{ABAB74AB-067C-475A-80FF-87286C696527}"/>
+              </a:ext>
+            </a:extLst>
+          </p:cNvPr>
+          <p:cNvSpPr>
+            <a:spLocks noGrp="1"/>
+          </p:cNvSpPr>
+          <p:nvPr>
+            <p:ph type="body" idx="1"/>
+          </p:nvPr>
+        </p:nvSpPr>
+        <p:spPr/>
+        <p:txBody>
+          <a:bodyPr/>
+          <a:lstStyle/>
+          <a:p>
+            <a:endParaRPr lang="en-US" dirty="0"/>
+          </a:p>
+        </p:txBody>
+      </p:sp>
+      <p:sp>
+        <p:nvSpPr>
+          <p:cNvPr id="5" name="Slide Number Placeholder 4">
+            <a:extLst>
+              <a:ext uri="{FF2B5EF4-FFF2-40B4-BE49-F238E27FC236}">
+                <a16:creationId xmlns:a16="http://schemas.microsoft.com/office/drawing/2014/main" id="{02D6F86B-6F5D-45E1-B852-6CA617042C82}"/>
+              </a:ext>
+            </a:extLst>
+          </p:cNvPr>
+          <p:cNvSpPr>
+            <a:spLocks noGrp="1"/>
+          </p:cNvSpPr>
+          <p:nvPr>
+            <p:ph type="sldNum" sz="quarter" idx="12"/>
+          </p:nvPr>
+        </p:nvSpPr>
+        <p:spPr/>
+        <p:txBody>
+          <a:bodyPr/>
+          <a:lstStyle/>
+          <a:p>
+            <a:fld id="{FF88DA20-ED00-471C-9170-60F590CB400A}" type="slidenum">
+              <a:rPr lang="nl-BE" smtClean="0"/>
+              <a:pPr/>
+              <a:t>24</a:t>
+            </a:fld>
+            <a:endParaRPr lang="nl-BE"/>
+          </a:p>
+        </p:txBody>
+      </p:sp>
+      <p:sp>
+        <p:nvSpPr>
+          <p:cNvPr id="6" name="Text Placeholder 5">
+            <a:extLst>
+              <a:ext uri="{FF2B5EF4-FFF2-40B4-BE49-F238E27FC236}">
+                <a16:creationId xmlns:a16="http://schemas.microsoft.com/office/drawing/2014/main" id="{0371867E-6B97-4F07-9BD0-C382829AF5AC}"/>
+              </a:ext>
+            </a:extLst>
+          </p:cNvPr>
+          <p:cNvSpPr>
+            <a:spLocks noGrp="1"/>
+          </p:cNvSpPr>
+          <p:nvPr>
+            <p:ph type="body" sz="quarter" idx="13"/>
+          </p:nvPr>
+        </p:nvSpPr>
+        <p:spPr/>
+        <p:txBody>
+          <a:bodyPr/>
+          <a:lstStyle/>
+          <a:p>
+            <a:r>
+              <a:rPr lang="nl-BE" dirty="0">
+                <a:solidFill>
+                  <a:srgbClr val="0085FE"/>
+                </a:solidFill>
+              </a:rPr>
+              <a:t>9.</a:t>
+            </a:r>
+            <a:endParaRPr lang="en-US" dirty="0">
+              <a:solidFill>
+                <a:srgbClr val="0085FE"/>
+              </a:solidFill>
+            </a:endParaRPr>
+          </a:p>
+        </p:txBody>
+      </p:sp>
+      <p:sp>
+        <p:nvSpPr>
+          <p:cNvPr id="7" name="Footer Placeholder 3">
+            <a:extLst>
+              <a:ext uri="{FF2B5EF4-FFF2-40B4-BE49-F238E27FC236}">
+                <a16:creationId xmlns:a16="http://schemas.microsoft.com/office/drawing/2014/main" id="{67CC5EEC-6AE9-490F-8F88-E9F460CE1001}"/>
+              </a:ext>
+            </a:extLst>
+          </p:cNvPr>
+          <p:cNvSpPr>
+            <a:spLocks noGrp="1"/>
+          </p:cNvSpPr>
+          <p:nvPr>
+            <p:ph type="ftr" sz="quarter" idx="11"/>
+          </p:nvPr>
+        </p:nvSpPr>
+        <p:spPr>
+          <a:xfrm>
+            <a:off x="861246" y="6264211"/>
+            <a:ext cx="4114800" cy="365125"/>
+          </a:xfrm>
+        </p:spPr>
+        <p:txBody>
+          <a:bodyPr/>
+          <a:lstStyle/>
+          <a:p>
+            <a:r>
+              <a:rPr lang="nl-BE" dirty="0"/>
+              <a:t>Ansible</a:t>
+            </a:r>
+          </a:p>
+        </p:txBody>
+      </p:sp>
+      <p:sp>
+        <p:nvSpPr>
+          <p:cNvPr id="8" name="Tijdelijke aanduiding voor datum 1">
+            <a:extLst>
+              <a:ext uri="{FF2B5EF4-FFF2-40B4-BE49-F238E27FC236}">
+                <a16:creationId xmlns:a16="http://schemas.microsoft.com/office/drawing/2014/main" id="{071B7CCA-0101-47DF-BDDD-97C3F5ABD31C}"/>
+              </a:ext>
+            </a:extLst>
+          </p:cNvPr>
+          <p:cNvSpPr>
+            <a:spLocks noGrp="1"/>
+          </p:cNvSpPr>
+          <p:nvPr>
+            <p:ph type="dt" sz="half" idx="10"/>
+          </p:nvPr>
+        </p:nvSpPr>
+        <p:spPr>
+          <a:xfrm>
+            <a:off x="4998576" y="6264004"/>
+            <a:ext cx="2743200" cy="365125"/>
+          </a:xfrm>
+        </p:spPr>
+        <p:txBody>
+          <a:bodyPr/>
+          <a:lstStyle/>
+          <a:p>
+            <a:r>
+              <a:rPr lang="nl-BE" dirty="0"/>
+              <a:t>31/01/2022</a:t>
+            </a:r>
+          </a:p>
+        </p:txBody>
+      </p:sp>
+    </p:spTree>
+    <p:extLst>
+      <p:ext uri="{BB962C8B-B14F-4D97-AF65-F5344CB8AC3E}">
+        <p14:creationId xmlns:p14="http://schemas.microsoft.com/office/powerpoint/2010/main" val="3975158961"/>
+      </p:ext>
+    </p:extLst>
+  </p:cSld>
+  <p:clrMapOvr>
+    <a:masterClrMapping/>
+  </p:clrMapOvr>
+</p:sld>
+</file>
+
+<file path=ppt/slides/slide25.xml><?xml version="1.0" encoding="utf-8"?>
+<p:sld xmlns:a="http://schemas.openxmlformats.org/drawingml/2006/main" xmlns:r="http://schemas.openxmlformats.org/officeDocument/2006/relationships" xmlns:p="http://schemas.openxmlformats.org/presentationml/2006/main">
+  <p:cSld>
+    <p:spTree>
+      <p:nvGrpSpPr>
+        <p:cNvPr id="1" name=""/>
+        <p:cNvGrpSpPr/>
+        <p:nvPr/>
+      </p:nvGrpSpPr>
+      <p:grpSpPr>
+        <a:xfrm>
+          <a:off x="0" y="0"/>
+          <a:ext cx="0" cy="0"/>
+          <a:chOff x="0" y="0"/>
+          <a:chExt cx="0" cy="0"/>
+        </a:xfrm>
+      </p:grpSpPr>
+      <p:sp>
+        <p:nvSpPr>
+          <p:cNvPr id="2" name="Title 1">
+            <a:extLst>
+              <a:ext uri="{FF2B5EF4-FFF2-40B4-BE49-F238E27FC236}">
+                <a16:creationId xmlns:a16="http://schemas.microsoft.com/office/drawing/2014/main" id="{C0CA5DA5-C036-4684-B395-A2B54100B73E}"/>
+              </a:ext>
+            </a:extLst>
+          </p:cNvPr>
+          <p:cNvSpPr>
+            <a:spLocks noGrp="1"/>
+          </p:cNvSpPr>
+          <p:nvPr>
+            <p:ph type="title"/>
+          </p:nvPr>
+        </p:nvSpPr>
+        <p:spPr/>
+        <p:txBody>
+          <a:bodyPr/>
+          <a:lstStyle/>
+          <a:p>
+            <a:endParaRPr lang="en-US"/>
+          </a:p>
+        </p:txBody>
+      </p:sp>
+      <p:sp>
+        <p:nvSpPr>
+          <p:cNvPr id="3" name="Content Placeholder 2">
+            <a:extLst>
+              <a:ext uri="{FF2B5EF4-FFF2-40B4-BE49-F238E27FC236}">
+                <a16:creationId xmlns:a16="http://schemas.microsoft.com/office/drawing/2014/main" id="{6BB7156A-B72D-4860-81A1-650099E4CA1D}"/>
+              </a:ext>
+            </a:extLst>
+          </p:cNvPr>
+          <p:cNvSpPr>
+            <a:spLocks noGrp="1"/>
+          </p:cNvSpPr>
+          <p:nvPr>
+            <p:ph idx="1"/>
+          </p:nvPr>
+        </p:nvSpPr>
+        <p:spPr/>
+        <p:txBody>
+          <a:bodyPr/>
+          <a:lstStyle/>
+          <a:p>
+            <a:endParaRPr lang="en-US"/>
+          </a:p>
+        </p:txBody>
+      </p:sp>
+      <p:sp>
+        <p:nvSpPr>
+          <p:cNvPr id="4" name="Footer Placeholder 3">
+            <a:extLst>
+              <a:ext uri="{FF2B5EF4-FFF2-40B4-BE49-F238E27FC236}">
+                <a16:creationId xmlns:a16="http://schemas.microsoft.com/office/drawing/2014/main" id="{80F1881B-72D4-442C-AFDA-B56DEF22CFC7}"/>
+              </a:ext>
+            </a:extLst>
+          </p:cNvPr>
+          <p:cNvSpPr>
+            <a:spLocks noGrp="1"/>
+          </p:cNvSpPr>
+          <p:nvPr>
+            <p:ph type="ftr" sz="quarter" idx="11"/>
+          </p:nvPr>
+        </p:nvSpPr>
+        <p:spPr/>
+        <p:txBody>
+          <a:bodyPr/>
+          <a:lstStyle/>
+          <a:p>
+            <a:r>
+              <a:rPr lang="nl-BE"/>
+              <a:t>Titel van de presentatie</a:t>
+            </a:r>
+          </a:p>
+        </p:txBody>
+      </p:sp>
+      <p:sp>
+        <p:nvSpPr>
+          <p:cNvPr id="5" name="Slide Number Placeholder 4">
+            <a:extLst>
+              <a:ext uri="{FF2B5EF4-FFF2-40B4-BE49-F238E27FC236}">
+                <a16:creationId xmlns:a16="http://schemas.microsoft.com/office/drawing/2014/main" id="{EA65554E-54D4-4B45-9ED8-B19774FC2A6D}"/>
+              </a:ext>
+            </a:extLst>
+          </p:cNvPr>
+          <p:cNvSpPr>
+            <a:spLocks noGrp="1"/>
+          </p:cNvSpPr>
+          <p:nvPr>
+            <p:ph type="sldNum" sz="quarter" idx="12"/>
+          </p:nvPr>
+        </p:nvSpPr>
+        <p:spPr/>
+        <p:txBody>
+          <a:bodyPr/>
+          <a:lstStyle/>
+          <a:p>
+            <a:fld id="{FF88DA20-ED00-471C-9170-60F590CB400A}" type="slidenum">
+              <a:rPr lang="nl-BE" smtClean="0"/>
+              <a:t>25</a:t>
+            </a:fld>
+            <a:endParaRPr lang="nl-BE"/>
+          </a:p>
+        </p:txBody>
+      </p:sp>
+      <p:sp>
+        <p:nvSpPr>
+          <p:cNvPr id="6" name="Text Placeholder 5">
+            <a:extLst>
+              <a:ext uri="{FF2B5EF4-FFF2-40B4-BE49-F238E27FC236}">
+                <a16:creationId xmlns:a16="http://schemas.microsoft.com/office/drawing/2014/main" id="{7178E282-D5ED-46AF-AC21-8E478FBDA844}"/>
+              </a:ext>
+            </a:extLst>
+          </p:cNvPr>
+          <p:cNvSpPr>
+            <a:spLocks noGrp="1"/>
+          </p:cNvSpPr>
+          <p:nvPr>
+            <p:ph type="body" sz="quarter" idx="13"/>
+          </p:nvPr>
+        </p:nvSpPr>
+        <p:spPr/>
+        <p:txBody>
+          <a:bodyPr/>
+          <a:lstStyle/>
+          <a:p>
+            <a:endParaRPr lang="en-US"/>
+          </a:p>
+        </p:txBody>
+      </p:sp>
+    </p:spTree>
+    <p:extLst>
+      <p:ext uri="{BB962C8B-B14F-4D97-AF65-F5344CB8AC3E}">
+        <p14:creationId xmlns:p14="http://schemas.microsoft.com/office/powerpoint/2010/main" val="791299812"/>
+      </p:ext>
+    </p:extLst>
+  </p:cSld>
+  <p:clrMapOvr>
+    <a:masterClrMapping/>
+  </p:clrMapOvr>
+</p:sld>
+</file>
+
+<file path=ppt/slides/slide26.xml><?xml version="1.0" encoding="utf-8"?>
+<p:sld xmlns:a="http://schemas.openxmlformats.org/drawingml/2006/main" xmlns:r="http://schemas.openxmlformats.org/officeDocument/2006/relationships" xmlns:p="http://schemas.openxmlformats.org/presentationml/2006/main">
+  <p:cSld>
+    <p:spTree>
+      <p:nvGrpSpPr>
+        <p:cNvPr id="1" name=""/>
+        <p:cNvGrpSpPr/>
+        <p:nvPr/>
+      </p:nvGrpSpPr>
+      <p:grpSpPr>
+        <a:xfrm>
+          <a:off x="0" y="0"/>
+          <a:ext cx="0" cy="0"/>
+          <a:chOff x="0" y="0"/>
+          <a:chExt cx="0" cy="0"/>
+        </a:xfrm>
+      </p:grpSpPr>
+      <p:sp>
+        <p:nvSpPr>
+          <p:cNvPr id="2" name="Title 1">
+            <a:extLst>
+              <a:ext uri="{FF2B5EF4-FFF2-40B4-BE49-F238E27FC236}">
+                <a16:creationId xmlns:a16="http://schemas.microsoft.com/office/drawing/2014/main" id="{A0A4361E-379E-456A-82BC-335114F04C17}"/>
+              </a:ext>
+            </a:extLst>
+          </p:cNvPr>
+          <p:cNvSpPr>
+            <a:spLocks noGrp="1"/>
+          </p:cNvSpPr>
+          <p:nvPr>
+            <p:ph type="title"/>
+          </p:nvPr>
+        </p:nvSpPr>
+        <p:spPr/>
+        <p:txBody>
+          <a:bodyPr/>
+          <a:lstStyle/>
+          <a:p>
+            <a:r>
+              <a:rPr lang="nl-BE" dirty="0">
+                <a:solidFill>
+                  <a:srgbClr val="0085FE"/>
+                </a:solidFill>
+              </a:rPr>
+              <a:t>Refferences</a:t>
+            </a:r>
+            <a:endParaRPr lang="en-US" dirty="0">
+              <a:solidFill>
+                <a:srgbClr val="0085FE"/>
+              </a:solidFill>
+            </a:endParaRPr>
+          </a:p>
+        </p:txBody>
+      </p:sp>
+      <p:sp>
+        <p:nvSpPr>
+          <p:cNvPr id="3" name="Content Placeholder 2">
+            <a:extLst>
+              <a:ext uri="{FF2B5EF4-FFF2-40B4-BE49-F238E27FC236}">
+                <a16:creationId xmlns:a16="http://schemas.microsoft.com/office/drawing/2014/main" id="{58A98F98-F3F6-4D48-8A93-A83BE333E12E}"/>
+              </a:ext>
+            </a:extLst>
+          </p:cNvPr>
+          <p:cNvSpPr>
+            <a:spLocks noGrp="1"/>
+          </p:cNvSpPr>
+          <p:nvPr>
+            <p:ph idx="1"/>
+          </p:nvPr>
+        </p:nvSpPr>
+        <p:spPr/>
+        <p:txBody>
+          <a:bodyPr/>
+          <a:lstStyle/>
+          <a:p>
+            <a:pPr marL="457200" indent="-457200">
+              <a:buFont typeface="Arial" panose="020B0604020202020204" pitchFamily="34" charset="0"/>
+              <a:buChar char="•"/>
+            </a:pPr>
+            <a:r>
+              <a:rPr lang="nl-BE" dirty="0"/>
+              <a:t>- Figure Ansible Architecture: </a:t>
+            </a:r>
+            <a:r>
+              <a:rPr lang="nl-BE" dirty="0">
+                <a:hlinkClick r:id="rId2"/>
+              </a:rPr>
+              <a:t>https://www.linkedin.com/pulse/how-industries-solving-challenges-using-ansible-shalini-rana</a:t>
+            </a:r>
+            <a:r>
+              <a:rPr lang="nl-BE" dirty="0"/>
+              <a:t> </a:t>
+            </a:r>
+            <a:endParaRPr lang="en-US" dirty="0"/>
+          </a:p>
+        </p:txBody>
+      </p:sp>
+      <p:sp>
+        <p:nvSpPr>
+          <p:cNvPr id="4" name="Footer Placeholder 3">
+            <a:extLst>
+              <a:ext uri="{FF2B5EF4-FFF2-40B4-BE49-F238E27FC236}">
+                <a16:creationId xmlns:a16="http://schemas.microsoft.com/office/drawing/2014/main" id="{7C6F3A2E-2A91-4DE3-9CEB-AC7F46DF3ECA}"/>
+              </a:ext>
+            </a:extLst>
+          </p:cNvPr>
+          <p:cNvSpPr>
+            <a:spLocks noGrp="1"/>
+          </p:cNvSpPr>
+          <p:nvPr>
+            <p:ph type="ftr" sz="quarter" idx="11"/>
+          </p:nvPr>
+        </p:nvSpPr>
+        <p:spPr/>
+        <p:txBody>
+          <a:bodyPr/>
+          <a:lstStyle/>
+          <a:p>
+            <a:r>
+              <a:rPr lang="nl-BE"/>
+              <a:t>Titel van de presentatie</a:t>
+            </a:r>
+          </a:p>
+        </p:txBody>
+      </p:sp>
+      <p:sp>
+        <p:nvSpPr>
+          <p:cNvPr id="5" name="Slide Number Placeholder 4">
+            <a:extLst>
+              <a:ext uri="{FF2B5EF4-FFF2-40B4-BE49-F238E27FC236}">
+                <a16:creationId xmlns:a16="http://schemas.microsoft.com/office/drawing/2014/main" id="{3349D7CC-7E04-49D2-A02E-DF8FCBEF1041}"/>
+              </a:ext>
+            </a:extLst>
+          </p:cNvPr>
+          <p:cNvSpPr>
+            <a:spLocks noGrp="1"/>
+          </p:cNvSpPr>
+          <p:nvPr>
+            <p:ph type="sldNum" sz="quarter" idx="12"/>
+          </p:nvPr>
+        </p:nvSpPr>
+        <p:spPr/>
+        <p:txBody>
+          <a:bodyPr/>
+          <a:lstStyle/>
+          <a:p>
+            <a:fld id="{FF88DA20-ED00-471C-9170-60F590CB400A}" type="slidenum">
+              <a:rPr lang="nl-BE" smtClean="0"/>
+              <a:t>26</a:t>
+            </a:fld>
+            <a:endParaRPr lang="nl-BE"/>
+          </a:p>
+        </p:txBody>
+      </p:sp>
+    </p:spTree>
+    <p:extLst>
+      <p:ext uri="{BB962C8B-B14F-4D97-AF65-F5344CB8AC3E}">
+        <p14:creationId xmlns:p14="http://schemas.microsoft.com/office/powerpoint/2010/main" val="3070564893"/>
+      </p:ext>
+    </p:extLst>
+  </p:cSld>
+  <p:clrMapOvr>
+    <a:masterClrMapping/>
+  </p:clrMapOvr>
+</p:sld>
+</file>
+
 <file path=ppt/slides/slide3.xml><?xml version="1.0" encoding="utf-8"?>
 <p:sld xmlns:a="http://schemas.openxmlformats.org/drawingml/2006/main" xmlns:r="http://schemas.openxmlformats.org/officeDocument/2006/relationships" xmlns:p="http://schemas.openxmlformats.org/presentationml/2006/main">
   <p:cSld>
@@ -8969,7 +12938,7 @@
           <a:p>
             <a:fld id="{DFD0F74E-B435-4A9D-A8C1-015F70F1AD5A}" type="datetime1">
               <a:rPr lang="nl-BE" smtClean="0"/>
-              <a:t>31/01/2022</a:t>
+              <a:t>1/02/2022</a:t>
             </a:fld>
             <a:endParaRPr lang="en-US" dirty="0"/>
           </a:p>
@@ -9187,7 +13156,7 @@
                   <a:srgbClr val="0085FE"/>
                 </a:solidFill>
               </a:rPr>
-              <a:t>1</a:t>
+              <a:t>1.</a:t>
             </a:r>
           </a:p>
         </p:txBody>
@@ -9410,7 +13379,7 @@
         </p:blipFill>
         <p:spPr bwMode="auto">
           <a:xfrm>
-            <a:off x="3037599" y="4161026"/>
+            <a:off x="2157065" y="4161026"/>
             <a:ext cx="4530862" cy="2468310"/>
           </a:xfrm>
           <a:prstGeom prst="rect">
@@ -9459,6 +13428,98 @@
           <a:xfrm>
             <a:off x="6618999" y="0"/>
             <a:ext cx="5573001" cy="3897148"/>
+          </a:xfrm>
+          <a:prstGeom prst="rect">
+            <a:avLst/>
+          </a:prstGeom>
+          <a:noFill/>
+          <a:extLst>
+            <a:ext uri="{909E8E84-426E-40DD-AFC4-6F175D3DCCD1}">
+              <a14:hiddenFill xmlns:a14="http://schemas.microsoft.com/office/drawing/2010/main">
+                <a:solidFill>
+                  <a:srgbClr val="FFFFFF"/>
+                </a:solidFill>
+              </a14:hiddenFill>
+            </a:ext>
+          </a:extLst>
+        </p:spPr>
+      </p:pic>
+      <p:pic>
+        <p:nvPicPr>
+          <p:cNvPr id="3074" name="Picture 2">
+            <a:extLst>
+              <a:ext uri="{FF2B5EF4-FFF2-40B4-BE49-F238E27FC236}">
+                <a16:creationId xmlns:a16="http://schemas.microsoft.com/office/drawing/2014/main" id="{DC3A478C-6622-467F-9378-E6DE331DE1C4}"/>
+              </a:ext>
+            </a:extLst>
+          </p:cNvPr>
+          <p:cNvPicPr>
+            <a:picLocks noChangeAspect="1" noChangeArrowheads="1"/>
+          </p:cNvPicPr>
+          <p:nvPr/>
+        </p:nvPicPr>
+        <p:blipFill>
+          <a:blip r:embed="rId4">
+            <a:extLst>
+              <a:ext uri="{28A0092B-C50C-407E-A947-70E740481C1C}">
+                <a14:useLocalDpi xmlns:a14="http://schemas.microsoft.com/office/drawing/2010/main" val="0"/>
+              </a:ext>
+            </a:extLst>
+          </a:blip>
+          <a:srcRect/>
+          <a:stretch>
+            <a:fillRect/>
+          </a:stretch>
+        </p:blipFill>
+        <p:spPr bwMode="auto">
+          <a:xfrm>
+            <a:off x="7693618" y="5197722"/>
+            <a:ext cx="1219958" cy="1305479"/>
+          </a:xfrm>
+          <a:prstGeom prst="rect">
+            <a:avLst/>
+          </a:prstGeom>
+          <a:noFill/>
+          <a:extLst>
+            <a:ext uri="{909E8E84-426E-40DD-AFC4-6F175D3DCCD1}">
+              <a14:hiddenFill xmlns:a14="http://schemas.microsoft.com/office/drawing/2010/main">
+                <a:solidFill>
+                  <a:srgbClr val="FFFFFF"/>
+                </a:solidFill>
+              </a14:hiddenFill>
+            </a:ext>
+          </a:extLst>
+        </p:spPr>
+      </p:pic>
+      <p:pic>
+        <p:nvPicPr>
+          <p:cNvPr id="3078" name="Picture 6" descr="Puppet - Infocomm Media Development Authority">
+            <a:extLst>
+              <a:ext uri="{FF2B5EF4-FFF2-40B4-BE49-F238E27FC236}">
+                <a16:creationId xmlns:a16="http://schemas.microsoft.com/office/drawing/2014/main" id="{913256AF-7316-4C4B-944E-E1D1D8625E92}"/>
+              </a:ext>
+            </a:extLst>
+          </p:cNvPr>
+          <p:cNvPicPr>
+            <a:picLocks noChangeAspect="1" noChangeArrowheads="1"/>
+          </p:cNvPicPr>
+          <p:nvPr/>
+        </p:nvPicPr>
+        <p:blipFill rotWithShape="1">
+          <a:blip r:embed="rId5">
+            <a:extLst>
+              <a:ext uri="{28A0092B-C50C-407E-A947-70E740481C1C}">
+                <a14:useLocalDpi xmlns:a14="http://schemas.microsoft.com/office/drawing/2010/main" val="0"/>
+              </a:ext>
+            </a:extLst>
+          </a:blip>
+          <a:srcRect l="7925" t="21465" r="7868" b="21465"/>
+          <a:stretch/>
+        </p:blipFill>
+        <p:spPr bwMode="auto">
+          <a:xfrm>
+            <a:off x="9058366" y="4597287"/>
+            <a:ext cx="2242448" cy="797894"/>
           </a:xfrm>
           <a:prstGeom prst="rect">
             <a:avLst/>
@@ -9507,10 +13568,10 @@
       </p:grpSpPr>
       <p:sp>
         <p:nvSpPr>
-          <p:cNvPr id="15" name="Title 14">
-            <a:extLst>
-              <a:ext uri="{FF2B5EF4-FFF2-40B4-BE49-F238E27FC236}">
-                <a16:creationId xmlns:a16="http://schemas.microsoft.com/office/drawing/2014/main" id="{045EA578-0B7E-4398-8190-676DF257512A}"/>
+          <p:cNvPr id="2" name="Title 1">
+            <a:extLst>
+              <a:ext uri="{FF2B5EF4-FFF2-40B4-BE49-F238E27FC236}">
+                <a16:creationId xmlns:a16="http://schemas.microsoft.com/office/drawing/2014/main" id="{E48A2F9D-4460-48E2-AEDB-4F2887AA23B8}"/>
               </a:ext>
             </a:extLst>
           </p:cNvPr>
@@ -9527,25 +13588,10 @@
           <a:lstStyle/>
           <a:p>
             <a:r>
-              <a:rPr lang="nl-BE" sz="2800" dirty="0">
-                <a:solidFill>
-                  <a:srgbClr val="0085FE"/>
-                </a:solidFill>
-              </a:rPr>
-              <a:t>Use cases</a:t>
-            </a:r>
-            <a:br>
-              <a:rPr lang="en-US" sz="2800" dirty="0">
-                <a:solidFill>
-                  <a:srgbClr val="0085FE"/>
-                </a:solidFill>
-              </a:rPr>
-            </a:br>
-            <a:endParaRPr lang="en-US" dirty="0">
-              <a:solidFill>
-                <a:srgbClr val="0085FE"/>
-              </a:solidFill>
-            </a:endParaRPr>
+              <a:rPr lang="nl-BE" dirty="0"/>
+              <a:t>What is Ansible</a:t>
+            </a:r>
+            <a:endParaRPr lang="en-US" dirty="0"/>
           </a:p>
         </p:txBody>
       </p:sp>
@@ -9554,7 +13600,7 @@
           <p:cNvPr id="4" name="Footer Placeholder 3">
             <a:extLst>
               <a:ext uri="{FF2B5EF4-FFF2-40B4-BE49-F238E27FC236}">
-                <a16:creationId xmlns:a16="http://schemas.microsoft.com/office/drawing/2014/main" id="{F25429C7-0325-47F5-82EC-7945FA839F7F}"/>
+                <a16:creationId xmlns:a16="http://schemas.microsoft.com/office/drawing/2014/main" id="{3DF41D0F-0468-459E-8CF5-0CE871F93030}"/>
               </a:ext>
             </a:extLst>
           </p:cNvPr>
@@ -9582,7 +13628,7 @@
           <p:cNvPr id="5" name="Slide Number Placeholder 4">
             <a:extLst>
               <a:ext uri="{FF2B5EF4-FFF2-40B4-BE49-F238E27FC236}">
-                <a16:creationId xmlns:a16="http://schemas.microsoft.com/office/drawing/2014/main" id="{1F183DDD-207C-4AB5-BAF2-027B562F0DCA}"/>
+                <a16:creationId xmlns:a16="http://schemas.microsoft.com/office/drawing/2014/main" id="{235A3ACC-6817-474E-ADF6-85394219D7B5}"/>
               </a:ext>
             </a:extLst>
           </p:cNvPr>
@@ -9600,172 +13646,105 @@
           <a:p>
             <a:fld id="{FF88DA20-ED00-471C-9170-60F590CB400A}" type="slidenum">
               <a:rPr lang="nl-BE" smtClean="0"/>
-              <a:pPr/>
               <a:t>6</a:t>
             </a:fld>
             <a:endParaRPr lang="nl-BE"/>
           </a:p>
         </p:txBody>
       </p:sp>
+      <p:sp>
+        <p:nvSpPr>
+          <p:cNvPr id="6" name="Text Placeholder 5">
+            <a:extLst>
+              <a:ext uri="{FF2B5EF4-FFF2-40B4-BE49-F238E27FC236}">
+                <a16:creationId xmlns:a16="http://schemas.microsoft.com/office/drawing/2014/main" id="{2AB6AE2A-98A4-4A59-97FD-AC658867C41A}"/>
+              </a:ext>
+            </a:extLst>
+          </p:cNvPr>
+          <p:cNvSpPr>
+            <a:spLocks noGrp="1"/>
+          </p:cNvSpPr>
+          <p:nvPr>
+            <p:ph type="body" sz="quarter" idx="13"/>
+          </p:nvPr>
+        </p:nvSpPr>
+        <p:spPr>
+          <a:xfrm>
+            <a:off x="396000" y="1163462"/>
+            <a:ext cx="3714750" cy="365125"/>
+          </a:xfrm>
+        </p:spPr>
+        <p:txBody>
+          <a:bodyPr/>
+          <a:lstStyle/>
+          <a:p>
+            <a:pPr marL="285750" indent="-285750">
+              <a:buFont typeface="Arial" panose="020B0604020202020204" pitchFamily="34" charset="0"/>
+              <a:buChar char="•"/>
+            </a:pPr>
+            <a:r>
+              <a:rPr lang="nl-BE" sz="2000" dirty="0">
+                <a:latin typeface="+mn-lt"/>
+              </a:rPr>
+              <a:t>Brief overview</a:t>
+            </a:r>
+            <a:endParaRPr lang="en-US" sz="2000" dirty="0">
+              <a:latin typeface="+mn-lt"/>
+            </a:endParaRPr>
+          </a:p>
+        </p:txBody>
+      </p:sp>
       <p:pic>
         <p:nvPicPr>
-          <p:cNvPr id="10" name="Picture 9">
-            <a:extLst>
-              <a:ext uri="{FF2B5EF4-FFF2-40B4-BE49-F238E27FC236}">
-                <a16:creationId xmlns:a16="http://schemas.microsoft.com/office/drawing/2014/main" id="{5AC6ABE1-A9F9-4D11-8AE7-66FDFE9BBF9E}"/>
+          <p:cNvPr id="7" name="Picture 2" descr="End-to-End Application Provisioning with Ansible and Terraform | IBM">
+            <a:extLst>
+              <a:ext uri="{FF2B5EF4-FFF2-40B4-BE49-F238E27FC236}">
+                <a16:creationId xmlns:a16="http://schemas.microsoft.com/office/drawing/2014/main" id="{1C5FF565-9BCE-431A-BC79-8666FF7C81E9}"/>
               </a:ext>
             </a:extLst>
           </p:cNvPr>
           <p:cNvPicPr>
-            <a:picLocks noChangeAspect="1"/>
+            <a:picLocks noChangeAspect="1" noChangeArrowheads="1"/>
           </p:cNvPicPr>
           <p:nvPr/>
         </p:nvPicPr>
         <p:blipFill>
-          <a:blip r:embed="rId2"/>
+          <a:blip r:embed="rId2">
+            <a:extLst>
+              <a:ext uri="{28A0092B-C50C-407E-A947-70E740481C1C}">
+                <a14:useLocalDpi xmlns:a14="http://schemas.microsoft.com/office/drawing/2010/main" val="0"/>
+              </a:ext>
+            </a:extLst>
+          </a:blip>
+          <a:srcRect/>
           <a:stretch>
             <a:fillRect/>
           </a:stretch>
         </p:blipFill>
-        <p:spPr>
+        <p:spPr bwMode="auto">
           <a:xfrm>
-            <a:off x="3814630" y="1012708"/>
-            <a:ext cx="7683184" cy="566584"/>
-          </a:xfrm>
-          <a:prstGeom prst="rect">
-            <a:avLst/>
-          </a:prstGeom>
-        </p:spPr>
-      </p:pic>
-      <p:pic>
-        <p:nvPicPr>
-          <p:cNvPr id="11" name="Picture 10" descr="Diagram&#10;&#10;Description automatically generated">
-            <a:extLst>
-              <a:ext uri="{FF2B5EF4-FFF2-40B4-BE49-F238E27FC236}">
-                <a16:creationId xmlns:a16="http://schemas.microsoft.com/office/drawing/2014/main" id="{A63F2055-70DF-4962-A7E4-1EAFC85DB187}"/>
-              </a:ext>
-            </a:extLst>
-          </p:cNvPr>
-          <p:cNvPicPr>
-            <a:picLocks noChangeAspect="1"/>
-          </p:cNvPicPr>
-          <p:nvPr/>
-        </p:nvPicPr>
-        <p:blipFill>
-          <a:blip r:embed="rId3">
-            <a:extLst>
-              <a:ext uri="{28A0092B-C50C-407E-A947-70E740481C1C}">
-                <a14:useLocalDpi xmlns:a14="http://schemas.microsoft.com/office/drawing/2010/main" val="0"/>
-              </a:ext>
-            </a:extLst>
-          </a:blip>
-          <a:stretch>
-            <a:fillRect/>
-          </a:stretch>
-        </p:blipFill>
-        <p:spPr>
-          <a:xfrm>
-            <a:off x="5551247" y="2438691"/>
-            <a:ext cx="5360353" cy="4008082"/>
-          </a:xfrm>
-          <a:prstGeom prst="rect">
-            <a:avLst/>
-          </a:prstGeom>
-        </p:spPr>
-      </p:pic>
-      <p:sp>
-        <p:nvSpPr>
-          <p:cNvPr id="14" name="TextBox 13">
-            <a:extLst>
-              <a:ext uri="{FF2B5EF4-FFF2-40B4-BE49-F238E27FC236}">
-                <a16:creationId xmlns:a16="http://schemas.microsoft.com/office/drawing/2014/main" id="{C059CDB1-3049-40ED-9BC0-8D9953C82A8E}"/>
-              </a:ext>
-            </a:extLst>
-          </p:cNvPr>
-          <p:cNvSpPr txBox="1"/>
-          <p:nvPr/>
-        </p:nvSpPr>
-        <p:spPr>
-          <a:xfrm>
-            <a:off x="396000" y="1633254"/>
-            <a:ext cx="5573000" cy="2369880"/>
+            <a:off x="2253375" y="954000"/>
+            <a:ext cx="7514222" cy="5003940"/>
           </a:xfrm>
           <a:prstGeom prst="rect">
             <a:avLst/>
           </a:prstGeom>
           <a:noFill/>
-        </p:spPr>
-        <p:txBody>
-          <a:bodyPr wrap="square" rtlCol="0">
-            <a:spAutoFit/>
-          </a:bodyPr>
-          <a:lstStyle/>
-          <a:p>
-            <a:pPr marL="457200" indent="-457200">
-              <a:buFont typeface="Arial" panose="020B0604020202020204" pitchFamily="34" charset="0"/>
-              <a:buChar char="•"/>
-            </a:pPr>
-            <a:r>
-              <a:rPr lang="nl-BE" sz="2800" dirty="0"/>
-              <a:t>For repettitive tasks;</a:t>
-            </a:r>
-          </a:p>
-          <a:p>
-            <a:pPr marL="971550" lvl="1" indent="-514350">
-              <a:buFont typeface="+mj-lt"/>
-              <a:buAutoNum type="arabicPeriod"/>
-            </a:pPr>
-            <a:r>
-              <a:rPr lang="nl-BE" sz="2400" dirty="0"/>
-              <a:t>Configuration</a:t>
-            </a:r>
-          </a:p>
-          <a:p>
-            <a:pPr marL="971550" lvl="1" indent="-514350">
-              <a:buFont typeface="+mj-lt"/>
-              <a:buAutoNum type="arabicPeriod"/>
-            </a:pPr>
-            <a:r>
-              <a:rPr lang="nl-BE" sz="2400" dirty="0"/>
-              <a:t>management</a:t>
-            </a:r>
-          </a:p>
-          <a:p>
-            <a:pPr marL="971550" lvl="1" indent="-514350">
-              <a:buFont typeface="+mj-lt"/>
-              <a:buAutoNum type="arabicPeriod"/>
-            </a:pPr>
-            <a:r>
-              <a:rPr lang="nl-BE" sz="2400" dirty="0"/>
-              <a:t>Deployment</a:t>
-            </a:r>
-          </a:p>
-          <a:p>
-            <a:pPr marL="971550" lvl="1" indent="-514350">
-              <a:buFont typeface="+mj-lt"/>
-              <a:buAutoNum type="arabicPeriod"/>
-            </a:pPr>
-            <a:r>
-              <a:rPr lang="nl-BE" sz="2400" dirty="0"/>
-              <a:t>Orchestration</a:t>
-            </a:r>
-          </a:p>
-          <a:p>
-            <a:pPr marL="971550" lvl="1" indent="-514350">
-              <a:buFont typeface="+mj-lt"/>
-              <a:buAutoNum type="arabicPeriod"/>
-            </a:pPr>
-            <a:r>
-              <a:rPr lang="nl-BE" sz="2400" dirty="0"/>
-              <a:t>Management</a:t>
-            </a:r>
-          </a:p>
-        </p:txBody>
-      </p:sp>
+          <a:extLst>
+            <a:ext uri="{909E8E84-426E-40DD-AFC4-6F175D3DCCD1}">
+              <a14:hiddenFill xmlns:a14="http://schemas.microsoft.com/office/drawing/2010/main">
+                <a:solidFill>
+                  <a:srgbClr val="FFFFFF"/>
+                </a:solidFill>
+              </a14:hiddenFill>
+            </a:ext>
+          </a:extLst>
+        </p:spPr>
+      </p:pic>
     </p:spTree>
     <p:extLst>
       <p:ext uri="{BB962C8B-B14F-4D97-AF65-F5344CB8AC3E}">
-        <p14:creationId xmlns:p14="http://schemas.microsoft.com/office/powerpoint/2010/main" val="2628401228"/>
+        <p14:creationId xmlns:p14="http://schemas.microsoft.com/office/powerpoint/2010/main" val="2290167788"/>
       </p:ext>
     </p:extLst>
   </p:cSld>
@@ -9794,10 +13773,10 @@
       </p:grpSpPr>
       <p:sp>
         <p:nvSpPr>
-          <p:cNvPr id="7" name="Title 6">
-            <a:extLst>
-              <a:ext uri="{FF2B5EF4-FFF2-40B4-BE49-F238E27FC236}">
-                <a16:creationId xmlns:a16="http://schemas.microsoft.com/office/drawing/2014/main" id="{E36F160F-F7D2-4C5B-99F3-B26E48209267}"/>
+          <p:cNvPr id="15" name="Title 14">
+            <a:extLst>
+              <a:ext uri="{FF2B5EF4-FFF2-40B4-BE49-F238E27FC236}">
+                <a16:creationId xmlns:a16="http://schemas.microsoft.com/office/drawing/2014/main" id="{045EA578-0B7E-4398-8190-676DF257512A}"/>
               </a:ext>
             </a:extLst>
           </p:cNvPr>
@@ -9814,123 +13793,237 @@
           <a:lstStyle/>
           <a:p>
             <a:r>
-              <a:rPr lang="nl-BE" dirty="0"/>
-              <a:t>Ansible architecture</a:t>
-            </a:r>
-            <a:endParaRPr lang="en-US" dirty="0"/>
-          </a:p>
-        </p:txBody>
-      </p:sp>
-      <p:sp>
-        <p:nvSpPr>
-          <p:cNvPr id="8" name="Text Placeholder 7">
-            <a:extLst>
-              <a:ext uri="{FF2B5EF4-FFF2-40B4-BE49-F238E27FC236}">
-                <a16:creationId xmlns:a16="http://schemas.microsoft.com/office/drawing/2014/main" id="{4D82C947-E739-4112-92A4-2B4C0EE8B21C}"/>
-              </a:ext>
-            </a:extLst>
-          </p:cNvPr>
-          <p:cNvSpPr>
-            <a:spLocks noGrp="1"/>
-          </p:cNvSpPr>
-          <p:nvPr>
-            <p:ph type="body" idx="1"/>
-          </p:nvPr>
-        </p:nvSpPr>
-        <p:spPr/>
-        <p:txBody>
-          <a:bodyPr/>
-          <a:lstStyle/>
-          <a:p>
-            <a:endParaRPr lang="en-US" dirty="0"/>
-          </a:p>
-        </p:txBody>
-      </p:sp>
-      <p:sp>
-        <p:nvSpPr>
-          <p:cNvPr id="4" name="Footer Placeholder 3">
-            <a:extLst>
-              <a:ext uri="{FF2B5EF4-FFF2-40B4-BE49-F238E27FC236}">
-                <a16:creationId xmlns:a16="http://schemas.microsoft.com/office/drawing/2014/main" id="{10D4D84F-9B7D-43B9-AF56-54285396C563}"/>
-              </a:ext>
-            </a:extLst>
-          </p:cNvPr>
-          <p:cNvSpPr>
-            <a:spLocks noGrp="1"/>
-          </p:cNvSpPr>
-          <p:nvPr>
-            <p:ph type="ftr" sz="quarter" idx="11"/>
-          </p:nvPr>
-        </p:nvSpPr>
-        <p:spPr/>
-        <p:txBody>
-          <a:bodyPr/>
-          <a:lstStyle/>
-          <a:p>
-            <a:r>
-              <a:rPr lang="nl-BE" dirty="0"/>
-              <a:t>Ansible</a:t>
-            </a:r>
-          </a:p>
-        </p:txBody>
-      </p:sp>
-      <p:sp>
-        <p:nvSpPr>
-          <p:cNvPr id="5" name="Slide Number Placeholder 4">
-            <a:extLst>
-              <a:ext uri="{FF2B5EF4-FFF2-40B4-BE49-F238E27FC236}">
-                <a16:creationId xmlns:a16="http://schemas.microsoft.com/office/drawing/2014/main" id="{1396DED7-6EAC-4D09-9779-A92DFA7B63E4}"/>
-              </a:ext>
-            </a:extLst>
-          </p:cNvPr>
-          <p:cNvSpPr>
-            <a:spLocks noGrp="1"/>
-          </p:cNvSpPr>
-          <p:nvPr>
-            <p:ph type="sldNum" sz="quarter" idx="12"/>
-          </p:nvPr>
-        </p:nvSpPr>
-        <p:spPr/>
-        <p:txBody>
-          <a:bodyPr/>
-          <a:lstStyle/>
-          <a:p>
-            <a:fld id="{FF88DA20-ED00-471C-9170-60F590CB400A}" type="slidenum">
-              <a:rPr lang="nl-BE" smtClean="0"/>
-              <a:t>7</a:t>
-            </a:fld>
-            <a:endParaRPr lang="nl-BE"/>
-          </a:p>
-        </p:txBody>
-      </p:sp>
-      <p:sp>
-        <p:nvSpPr>
-          <p:cNvPr id="9" name="Text Placeholder 8">
-            <a:extLst>
-              <a:ext uri="{FF2B5EF4-FFF2-40B4-BE49-F238E27FC236}">
-                <a16:creationId xmlns:a16="http://schemas.microsoft.com/office/drawing/2014/main" id="{557D848D-13BE-4230-9AE6-0DCB00152B4F}"/>
-              </a:ext>
-            </a:extLst>
-          </p:cNvPr>
-          <p:cNvSpPr>
-            <a:spLocks noGrp="1"/>
-          </p:cNvSpPr>
-          <p:nvPr>
-            <p:ph type="body" sz="quarter" idx="13"/>
-          </p:nvPr>
-        </p:nvSpPr>
-        <p:spPr/>
-        <p:txBody>
-          <a:bodyPr/>
-          <a:lstStyle/>
-          <a:p>
-            <a:r>
-              <a:rPr lang="nl-BE" dirty="0">
+              <a:rPr lang="nl-BE" sz="2800" dirty="0">
                 <a:solidFill>
                   <a:srgbClr val="0085FE"/>
                 </a:solidFill>
               </a:rPr>
-              <a:t>2</a:t>
+              <a:t>Use cases</a:t>
+            </a:r>
+            <a:br>
+              <a:rPr lang="en-US" sz="2800" dirty="0">
+                <a:solidFill>
+                  <a:srgbClr val="0085FE"/>
+                </a:solidFill>
+              </a:rPr>
+            </a:br>
+            <a:endParaRPr lang="en-US" dirty="0">
+              <a:solidFill>
+                <a:srgbClr val="0085FE"/>
+              </a:solidFill>
+            </a:endParaRPr>
+          </a:p>
+        </p:txBody>
+      </p:sp>
+      <p:sp>
+        <p:nvSpPr>
+          <p:cNvPr id="4" name="Footer Placeholder 3">
+            <a:extLst>
+              <a:ext uri="{FF2B5EF4-FFF2-40B4-BE49-F238E27FC236}">
+                <a16:creationId xmlns:a16="http://schemas.microsoft.com/office/drawing/2014/main" id="{F25429C7-0325-47F5-82EC-7945FA839F7F}"/>
+              </a:ext>
+            </a:extLst>
+          </p:cNvPr>
+          <p:cNvSpPr>
+            <a:spLocks noGrp="1"/>
+          </p:cNvSpPr>
+          <p:nvPr>
+            <p:ph type="ftr" sz="quarter" idx="11"/>
+          </p:nvPr>
+        </p:nvSpPr>
+        <p:spPr/>
+        <p:txBody>
+          <a:bodyPr/>
+          <a:lstStyle/>
+          <a:p>
+            <a:r>
+              <a:rPr lang="nl-BE" dirty="0"/>
+              <a:t>Ansible</a:t>
+            </a:r>
+          </a:p>
+        </p:txBody>
+      </p:sp>
+      <p:sp>
+        <p:nvSpPr>
+          <p:cNvPr id="5" name="Slide Number Placeholder 4">
+            <a:extLst>
+              <a:ext uri="{FF2B5EF4-FFF2-40B4-BE49-F238E27FC236}">
+                <a16:creationId xmlns:a16="http://schemas.microsoft.com/office/drawing/2014/main" id="{1F183DDD-207C-4AB5-BAF2-027B562F0DCA}"/>
+              </a:ext>
+            </a:extLst>
+          </p:cNvPr>
+          <p:cNvSpPr>
+            <a:spLocks noGrp="1"/>
+          </p:cNvSpPr>
+          <p:nvPr>
+            <p:ph type="sldNum" sz="quarter" idx="12"/>
+          </p:nvPr>
+        </p:nvSpPr>
+        <p:spPr/>
+        <p:txBody>
+          <a:bodyPr/>
+          <a:lstStyle/>
+          <a:p>
+            <a:fld id="{FF88DA20-ED00-471C-9170-60F590CB400A}" type="slidenum">
+              <a:rPr lang="nl-BE" smtClean="0"/>
+              <a:pPr/>
+              <a:t>7</a:t>
+            </a:fld>
+            <a:endParaRPr lang="nl-BE"/>
+          </a:p>
+        </p:txBody>
+      </p:sp>
+      <p:pic>
+        <p:nvPicPr>
+          <p:cNvPr id="10" name="Picture 9">
+            <a:extLst>
+              <a:ext uri="{FF2B5EF4-FFF2-40B4-BE49-F238E27FC236}">
+                <a16:creationId xmlns:a16="http://schemas.microsoft.com/office/drawing/2014/main" id="{5AC6ABE1-A9F9-4D11-8AE7-66FDFE9BBF9E}"/>
+              </a:ext>
+            </a:extLst>
+          </p:cNvPr>
+          <p:cNvPicPr>
+            <a:picLocks noChangeAspect="1"/>
+          </p:cNvPicPr>
+          <p:nvPr/>
+        </p:nvPicPr>
+        <p:blipFill>
+          <a:blip r:embed="rId2"/>
+          <a:stretch>
+            <a:fillRect/>
+          </a:stretch>
+        </p:blipFill>
+        <p:spPr>
+          <a:xfrm>
+            <a:off x="3814630" y="1012708"/>
+            <a:ext cx="7683184" cy="566584"/>
+          </a:xfrm>
+          <a:prstGeom prst="rect">
+            <a:avLst/>
+          </a:prstGeom>
+        </p:spPr>
+      </p:pic>
+      <p:pic>
+        <p:nvPicPr>
+          <p:cNvPr id="11" name="Picture 10" descr="Diagram&#10;&#10;Description automatically generated">
+            <a:extLst>
+              <a:ext uri="{FF2B5EF4-FFF2-40B4-BE49-F238E27FC236}">
+                <a16:creationId xmlns:a16="http://schemas.microsoft.com/office/drawing/2014/main" id="{A63F2055-70DF-4962-A7E4-1EAFC85DB187}"/>
+              </a:ext>
+            </a:extLst>
+          </p:cNvPr>
+          <p:cNvPicPr>
+            <a:picLocks noChangeAspect="1"/>
+          </p:cNvPicPr>
+          <p:nvPr/>
+        </p:nvPicPr>
+        <p:blipFill>
+          <a:blip r:embed="rId3">
+            <a:extLst>
+              <a:ext uri="{28A0092B-C50C-407E-A947-70E740481C1C}">
+                <a14:useLocalDpi xmlns:a14="http://schemas.microsoft.com/office/drawing/2010/main" val="0"/>
+              </a:ext>
+            </a:extLst>
+          </a:blip>
+          <a:stretch>
+            <a:fillRect/>
+          </a:stretch>
+        </p:blipFill>
+        <p:spPr>
+          <a:xfrm>
+            <a:off x="5551247" y="2438691"/>
+            <a:ext cx="5360353" cy="4008082"/>
+          </a:xfrm>
+          <a:prstGeom prst="rect">
+            <a:avLst/>
+          </a:prstGeom>
+        </p:spPr>
+      </p:pic>
+      <p:sp>
+        <p:nvSpPr>
+          <p:cNvPr id="14" name="TextBox 13">
+            <a:extLst>
+              <a:ext uri="{FF2B5EF4-FFF2-40B4-BE49-F238E27FC236}">
+                <a16:creationId xmlns:a16="http://schemas.microsoft.com/office/drawing/2014/main" id="{C059CDB1-3049-40ED-9BC0-8D9953C82A8E}"/>
+              </a:ext>
+            </a:extLst>
+          </p:cNvPr>
+          <p:cNvSpPr txBox="1"/>
+          <p:nvPr/>
+        </p:nvSpPr>
+        <p:spPr>
+          <a:xfrm>
+            <a:off x="396000" y="1633254"/>
+            <a:ext cx="5573000" cy="2369880"/>
+          </a:xfrm>
+          <a:prstGeom prst="rect">
+            <a:avLst/>
+          </a:prstGeom>
+          <a:noFill/>
+        </p:spPr>
+        <p:txBody>
+          <a:bodyPr wrap="square" rtlCol="0">
+            <a:spAutoFit/>
+          </a:bodyPr>
+          <a:lstStyle/>
+          <a:p>
+            <a:pPr marL="457200" indent="-457200">
+              <a:buFont typeface="Arial" panose="020B0604020202020204" pitchFamily="34" charset="0"/>
+              <a:buChar char="•"/>
+            </a:pPr>
+            <a:r>
+              <a:rPr lang="nl-BE" sz="2800" dirty="0"/>
+              <a:t>For repettitive tasks;</a:t>
+            </a:r>
+          </a:p>
+          <a:p>
+            <a:pPr marL="971550" lvl="1" indent="-514350">
+              <a:buFont typeface="+mj-lt"/>
+              <a:buAutoNum type="arabicPeriod"/>
+            </a:pPr>
+            <a:r>
+              <a:rPr lang="nl-BE" sz="2400" dirty="0"/>
+              <a:t>Configuration</a:t>
+            </a:r>
+          </a:p>
+          <a:p>
+            <a:pPr marL="971550" lvl="1" indent="-514350">
+              <a:buFont typeface="+mj-lt"/>
+              <a:buAutoNum type="arabicPeriod"/>
+            </a:pPr>
+            <a:r>
+              <a:rPr lang="nl-BE" sz="2400" dirty="0"/>
+              <a:t>management</a:t>
+            </a:r>
+          </a:p>
+          <a:p>
+            <a:pPr marL="971550" lvl="1" indent="-514350">
+              <a:buFont typeface="+mj-lt"/>
+              <a:buAutoNum type="arabicPeriod"/>
+            </a:pPr>
+            <a:r>
+              <a:rPr lang="nl-BE" sz="2400" dirty="0"/>
+              <a:t>Deployment</a:t>
+            </a:r>
+          </a:p>
+          <a:p>
+            <a:pPr marL="971550" lvl="1" indent="-514350">
+              <a:buFont typeface="+mj-lt"/>
+              <a:buAutoNum type="arabicPeriod"/>
+            </a:pPr>
+            <a:r>
+              <a:rPr lang="nl-BE" sz="2400" dirty="0"/>
+              <a:t>Orchestration</a:t>
+            </a:r>
+          </a:p>
+          <a:p>
+            <a:pPr marL="971550" lvl="1" indent="-514350">
+              <a:buFont typeface="+mj-lt"/>
+              <a:buAutoNum type="arabicPeriod"/>
+            </a:pPr>
+            <a:r>
+              <a:rPr lang="nl-BE" sz="2400" dirty="0"/>
+              <a:t>Management</a:t>
             </a:r>
           </a:p>
         </p:txBody>
@@ -9938,7 +14031,7 @@
     </p:spTree>
     <p:extLst>
       <p:ext uri="{BB962C8B-B14F-4D97-AF65-F5344CB8AC3E}">
-        <p14:creationId xmlns:p14="http://schemas.microsoft.com/office/powerpoint/2010/main" val="2561892904"/>
+        <p14:creationId xmlns:p14="http://schemas.microsoft.com/office/powerpoint/2010/main" val="2628401228"/>
       </p:ext>
     </p:extLst>
   </p:cSld>
@@ -9967,10 +14060,64 @@
       </p:grpSpPr>
       <p:sp>
         <p:nvSpPr>
+          <p:cNvPr id="7" name="Title 6">
+            <a:extLst>
+              <a:ext uri="{FF2B5EF4-FFF2-40B4-BE49-F238E27FC236}">
+                <a16:creationId xmlns:a16="http://schemas.microsoft.com/office/drawing/2014/main" id="{E36F160F-F7D2-4C5B-99F3-B26E48209267}"/>
+              </a:ext>
+            </a:extLst>
+          </p:cNvPr>
+          <p:cNvSpPr>
+            <a:spLocks noGrp="1"/>
+          </p:cNvSpPr>
+          <p:nvPr>
+            <p:ph type="title"/>
+          </p:nvPr>
+        </p:nvSpPr>
+        <p:spPr/>
+        <p:txBody>
+          <a:bodyPr/>
+          <a:lstStyle/>
+          <a:p>
+            <a:r>
+              <a:rPr lang="nl-BE" dirty="0"/>
+              <a:t>Ansible architecture</a:t>
+            </a:r>
+            <a:endParaRPr lang="en-US" dirty="0"/>
+          </a:p>
+        </p:txBody>
+      </p:sp>
+      <p:sp>
+        <p:nvSpPr>
+          <p:cNvPr id="8" name="Text Placeholder 7">
+            <a:extLst>
+              <a:ext uri="{FF2B5EF4-FFF2-40B4-BE49-F238E27FC236}">
+                <a16:creationId xmlns:a16="http://schemas.microsoft.com/office/drawing/2014/main" id="{4D82C947-E739-4112-92A4-2B4C0EE8B21C}"/>
+              </a:ext>
+            </a:extLst>
+          </p:cNvPr>
+          <p:cNvSpPr>
+            <a:spLocks noGrp="1"/>
+          </p:cNvSpPr>
+          <p:nvPr>
+            <p:ph type="body" idx="1"/>
+          </p:nvPr>
+        </p:nvSpPr>
+        <p:spPr/>
+        <p:txBody>
+          <a:bodyPr/>
+          <a:lstStyle/>
+          <a:p>
+            <a:endParaRPr lang="en-US" dirty="0"/>
+          </a:p>
+        </p:txBody>
+      </p:sp>
+      <p:sp>
+        <p:nvSpPr>
           <p:cNvPr id="4" name="Footer Placeholder 3">
             <a:extLst>
               <a:ext uri="{FF2B5EF4-FFF2-40B4-BE49-F238E27FC236}">
-                <a16:creationId xmlns:a16="http://schemas.microsoft.com/office/drawing/2014/main" id="{40D69995-68B5-465E-81B1-BB0C0A10D59A}"/>
+                <a16:creationId xmlns:a16="http://schemas.microsoft.com/office/drawing/2014/main" id="{10D4D84F-9B7D-43B9-AF56-54285396C563}"/>
               </a:ext>
             </a:extLst>
           </p:cNvPr>
@@ -9998,7 +14145,7 @@
           <p:cNvPr id="5" name="Slide Number Placeholder 4">
             <a:extLst>
               <a:ext uri="{FF2B5EF4-FFF2-40B4-BE49-F238E27FC236}">
-                <a16:creationId xmlns:a16="http://schemas.microsoft.com/office/drawing/2014/main" id="{B360CE65-A897-4BE1-945F-39DDB4A8637F}"/>
+                <a16:creationId xmlns:a16="http://schemas.microsoft.com/office/drawing/2014/main" id="{1396DED7-6EAC-4D09-9779-A92DFA7B63E4}"/>
               </a:ext>
             </a:extLst>
           </p:cNvPr>
@@ -10016,7 +14163,6 @@
           <a:p>
             <a:fld id="{FF88DA20-ED00-471C-9170-60F590CB400A}" type="slidenum">
               <a:rPr lang="nl-BE" smtClean="0"/>
-              <a:pPr/>
               <a:t>8</a:t>
             </a:fld>
             <a:endParaRPr lang="nl-BE"/>
@@ -10025,10 +14171,10 @@
       </p:sp>
       <p:sp>
         <p:nvSpPr>
-          <p:cNvPr id="8" name="Text Placeholder 7">
-            <a:extLst>
-              <a:ext uri="{FF2B5EF4-FFF2-40B4-BE49-F238E27FC236}">
-                <a16:creationId xmlns:a16="http://schemas.microsoft.com/office/drawing/2014/main" id="{85A06514-20D6-4384-AE1C-FED75579B29D}"/>
+          <p:cNvPr id="9" name="Text Placeholder 8">
+            <a:extLst>
+              <a:ext uri="{FF2B5EF4-FFF2-40B4-BE49-F238E27FC236}">
+                <a16:creationId xmlns:a16="http://schemas.microsoft.com/office/drawing/2014/main" id="{557D848D-13BE-4230-9AE6-0DCB00152B4F}"/>
               </a:ext>
             </a:extLst>
           </p:cNvPr>
@@ -10045,175 +14191,53 @@
           <a:lstStyle/>
           <a:p>
             <a:r>
-              <a:rPr lang="nl-BE" sz="2800" dirty="0"/>
-              <a:t>Ansible architecture</a:t>
-            </a:r>
-            <a:endParaRPr lang="en-US" sz="2800" dirty="0"/>
-          </a:p>
-        </p:txBody>
-      </p:sp>
-      <p:pic>
-        <p:nvPicPr>
-          <p:cNvPr id="10" name="Picture 9" descr="A screenshot of a computer&#10;&#10;Description automatically generated with low confidence">
-            <a:extLst>
-              <a:ext uri="{FF2B5EF4-FFF2-40B4-BE49-F238E27FC236}">
-                <a16:creationId xmlns:a16="http://schemas.microsoft.com/office/drawing/2014/main" id="{79C1FF88-7265-4B08-B688-5E03DBAE1C4B}"/>
-              </a:ext>
-            </a:extLst>
-          </p:cNvPr>
-          <p:cNvPicPr>
-            <a:picLocks noChangeAspect="1"/>
-          </p:cNvPicPr>
-          <p:nvPr/>
-        </p:nvPicPr>
-        <p:blipFill>
-          <a:blip r:embed="rId2">
-            <a:extLst>
-              <a:ext uri="{28A0092B-C50C-407E-A947-70E740481C1C}">
-                <a14:useLocalDpi xmlns:a14="http://schemas.microsoft.com/office/drawing/2010/main" val="0"/>
-              </a:ext>
-            </a:extLst>
-          </a:blip>
-          <a:stretch>
-            <a:fillRect/>
-          </a:stretch>
-        </p:blipFill>
+              <a:rPr lang="nl-BE" dirty="0">
+                <a:solidFill>
+                  <a:srgbClr val="0085FE"/>
+                </a:solidFill>
+              </a:rPr>
+              <a:t>2.</a:t>
+            </a:r>
+          </a:p>
+        </p:txBody>
+      </p:sp>
+      <p:sp>
+        <p:nvSpPr>
+          <p:cNvPr id="10" name="Tijdelijke aanduiding voor datum 1">
+            <a:extLst>
+              <a:ext uri="{FF2B5EF4-FFF2-40B4-BE49-F238E27FC236}">
+                <a16:creationId xmlns:a16="http://schemas.microsoft.com/office/drawing/2014/main" id="{343075B2-EE03-4053-9260-224EE47EFAF5}"/>
+              </a:ext>
+            </a:extLst>
+          </p:cNvPr>
+          <p:cNvSpPr>
+            <a:spLocks noGrp="1"/>
+          </p:cNvSpPr>
+          <p:nvPr>
+            <p:ph type="dt" sz="half" idx="10"/>
+          </p:nvPr>
+        </p:nvSpPr>
         <p:spPr>
           <a:xfrm>
-            <a:off x="6313896" y="1126264"/>
-            <a:ext cx="4536984" cy="4906331"/>
-          </a:xfrm>
-          <a:prstGeom prst="rect">
-            <a:avLst/>
-          </a:prstGeom>
-        </p:spPr>
-      </p:pic>
-      <p:sp>
-        <p:nvSpPr>
-          <p:cNvPr id="2" name="TextBox 1">
-            <a:extLst>
-              <a:ext uri="{FF2B5EF4-FFF2-40B4-BE49-F238E27FC236}">
-                <a16:creationId xmlns:a16="http://schemas.microsoft.com/office/drawing/2014/main" id="{C7C5B250-4184-42DF-BE84-07E9B9E97572}"/>
-              </a:ext>
-            </a:extLst>
-          </p:cNvPr>
-          <p:cNvSpPr txBox="1"/>
-          <p:nvPr/>
-        </p:nvSpPr>
-        <p:spPr>
-          <a:xfrm>
-            <a:off x="122311" y="1126264"/>
-            <a:ext cx="6041421" cy="4832092"/>
-          </a:xfrm>
-          <a:prstGeom prst="rect">
-            <a:avLst/>
-          </a:prstGeom>
-          <a:noFill/>
-        </p:spPr>
-        <p:txBody>
-          <a:bodyPr wrap="square" rtlCol="0">
-            <a:spAutoFit/>
-          </a:bodyPr>
-          <a:lstStyle/>
-          <a:p>
-            <a:pPr marL="457200" indent="-457200">
-              <a:buFont typeface="Arial" panose="020B0604020202020204" pitchFamily="34" charset="0"/>
-              <a:buChar char="•"/>
-            </a:pPr>
-            <a:r>
-              <a:rPr lang="nl-BE" sz="2800" b="1" dirty="0"/>
-              <a:t>Most in portant files</a:t>
-            </a:r>
-          </a:p>
-          <a:p>
-            <a:pPr marL="914400" lvl="1" indent="-457200">
-              <a:buFont typeface="Arial" panose="020B0604020202020204" pitchFamily="34" charset="0"/>
-              <a:buChar char="•"/>
-            </a:pPr>
-            <a:r>
-              <a:rPr lang="nl-BE" sz="2800" dirty="0"/>
-              <a:t>Ansible.cfg</a:t>
-            </a:r>
-          </a:p>
-          <a:p>
-            <a:pPr marL="914400" lvl="1" indent="-457200">
-              <a:buFont typeface="Arial" panose="020B0604020202020204" pitchFamily="34" charset="0"/>
-              <a:buChar char="•"/>
-            </a:pPr>
-            <a:r>
-              <a:rPr lang="nl-BE" sz="2800" dirty="0"/>
-              <a:t>Hosts/inventory</a:t>
-            </a:r>
-          </a:p>
-          <a:p>
-            <a:pPr marL="914400" lvl="1" indent="-457200">
-              <a:buFont typeface="Arial" panose="020B0604020202020204" pitchFamily="34" charset="0"/>
-              <a:buChar char="•"/>
-            </a:pPr>
-            <a:r>
-              <a:rPr lang="nl-BE" sz="2800" dirty="0"/>
-              <a:t>Playbook.yml</a:t>
-            </a:r>
-          </a:p>
-          <a:p>
-            <a:pPr marL="457200" indent="-457200">
-              <a:buFont typeface="Arial" panose="020B0604020202020204" pitchFamily="34" charset="0"/>
-              <a:buChar char="•"/>
-            </a:pPr>
-            <a:r>
-              <a:rPr lang="nl-BE" sz="2800" b="1" dirty="0"/>
-              <a:t>What do they contain</a:t>
-            </a:r>
-          </a:p>
-          <a:p>
-            <a:pPr marL="914400" lvl="1" indent="-457200">
-              <a:buFont typeface="Arial" panose="020B0604020202020204" pitchFamily="34" charset="0"/>
-              <a:buChar char="•"/>
-            </a:pPr>
-            <a:r>
-              <a:rPr lang="nl-BE" sz="2800" dirty="0"/>
-              <a:t>Ansible.cfg = config</a:t>
-            </a:r>
-          </a:p>
-          <a:p>
-            <a:pPr marL="914400" lvl="1" indent="-457200">
-              <a:buFont typeface="Arial" panose="020B0604020202020204" pitchFamily="34" charset="0"/>
-              <a:buChar char="•"/>
-            </a:pPr>
-            <a:r>
-              <a:rPr lang="nl-BE" sz="2800" dirty="0"/>
-              <a:t>Hosts = List of nodes</a:t>
-            </a:r>
-          </a:p>
-          <a:p>
-            <a:pPr marL="914400" lvl="1" indent="-457200">
-              <a:buFont typeface="Arial" panose="020B0604020202020204" pitchFamily="34" charset="0"/>
-              <a:buChar char="•"/>
-            </a:pPr>
-            <a:r>
-              <a:rPr lang="nl-BE" sz="2800" dirty="0"/>
-              <a:t>Playbook = instructions to perform</a:t>
-            </a:r>
-          </a:p>
-          <a:p>
-            <a:endParaRPr lang="nl-BE" sz="2800" dirty="0"/>
-          </a:p>
-          <a:p>
-            <a:endParaRPr lang="nl-BE" sz="2800" dirty="0"/>
-          </a:p>
-          <a:p>
-            <a:pPr marL="457200" indent="-457200">
-              <a:buFont typeface="Arial" panose="020B0604020202020204" pitchFamily="34" charset="0"/>
-              <a:buChar char="•"/>
-            </a:pPr>
-            <a:endParaRPr lang="nl-BE" sz="2800" dirty="0"/>
+            <a:off x="4976046" y="6264210"/>
+            <a:ext cx="2743200" cy="365125"/>
+          </a:xfrm>
+        </p:spPr>
+        <p:txBody>
+          <a:bodyPr/>
+          <a:lstStyle/>
+          <a:p>
+            <a:r>
+              <a:rPr lang="nl-BE" dirty="0"/>
+              <a:t>31/01/2022</a:t>
+            </a:r>
           </a:p>
         </p:txBody>
       </p:sp>
     </p:spTree>
     <p:extLst>
       <p:ext uri="{BB962C8B-B14F-4D97-AF65-F5344CB8AC3E}">
-        <p14:creationId xmlns:p14="http://schemas.microsoft.com/office/powerpoint/2010/main" val="3296038449"/>
+        <p14:creationId xmlns:p14="http://schemas.microsoft.com/office/powerpoint/2010/main" val="2561892904"/>
       </p:ext>
     </p:extLst>
   </p:cSld>
@@ -10242,64 +14266,10 @@
       </p:grpSpPr>
       <p:sp>
         <p:nvSpPr>
-          <p:cNvPr id="7" name="Title 6">
-            <a:extLst>
-              <a:ext uri="{FF2B5EF4-FFF2-40B4-BE49-F238E27FC236}">
-                <a16:creationId xmlns:a16="http://schemas.microsoft.com/office/drawing/2014/main" id="{D51E843A-3190-4C6D-887B-75771F1B6618}"/>
-              </a:ext>
-            </a:extLst>
-          </p:cNvPr>
-          <p:cNvSpPr>
-            <a:spLocks noGrp="1"/>
-          </p:cNvSpPr>
-          <p:nvPr>
-            <p:ph type="title"/>
-          </p:nvPr>
-        </p:nvSpPr>
-        <p:spPr/>
-        <p:txBody>
-          <a:bodyPr/>
-          <a:lstStyle/>
-          <a:p>
-            <a:r>
-              <a:rPr lang="nl-BE" dirty="0"/>
-              <a:t>Inventory files</a:t>
-            </a:r>
-            <a:endParaRPr lang="en-US" dirty="0"/>
-          </a:p>
-        </p:txBody>
-      </p:sp>
-      <p:sp>
-        <p:nvSpPr>
-          <p:cNvPr id="8" name="Text Placeholder 7">
-            <a:extLst>
-              <a:ext uri="{FF2B5EF4-FFF2-40B4-BE49-F238E27FC236}">
-                <a16:creationId xmlns:a16="http://schemas.microsoft.com/office/drawing/2014/main" id="{F0719023-C025-44D6-800D-B16F988DE0E1}"/>
-              </a:ext>
-            </a:extLst>
-          </p:cNvPr>
-          <p:cNvSpPr>
-            <a:spLocks noGrp="1"/>
-          </p:cNvSpPr>
-          <p:nvPr>
-            <p:ph type="body" idx="1"/>
-          </p:nvPr>
-        </p:nvSpPr>
-        <p:spPr/>
-        <p:txBody>
-          <a:bodyPr/>
-          <a:lstStyle/>
-          <a:p>
-            <a:endParaRPr lang="en-US" dirty="0"/>
-          </a:p>
-        </p:txBody>
-      </p:sp>
-      <p:sp>
-        <p:nvSpPr>
-          <p:cNvPr id="3" name="Footer Placeholder 2">
-            <a:extLst>
-              <a:ext uri="{FF2B5EF4-FFF2-40B4-BE49-F238E27FC236}">
-                <a16:creationId xmlns:a16="http://schemas.microsoft.com/office/drawing/2014/main" id="{44AA939F-CDEC-4DED-BDF0-EAF533D47153}"/>
+          <p:cNvPr id="4" name="Footer Placeholder 3">
+            <a:extLst>
+              <a:ext uri="{FF2B5EF4-FFF2-40B4-BE49-F238E27FC236}">
+                <a16:creationId xmlns:a16="http://schemas.microsoft.com/office/drawing/2014/main" id="{40D69995-68B5-465E-81B1-BB0C0A10D59A}"/>
               </a:ext>
             </a:extLst>
           </p:cNvPr>
@@ -10324,10 +14294,10 @@
       </p:sp>
       <p:sp>
         <p:nvSpPr>
-          <p:cNvPr id="4" name="Slide Number Placeholder 3">
-            <a:extLst>
-              <a:ext uri="{FF2B5EF4-FFF2-40B4-BE49-F238E27FC236}">
-                <a16:creationId xmlns:a16="http://schemas.microsoft.com/office/drawing/2014/main" id="{22BB5AF2-BCA5-4FF8-9C3F-FC3DF5AD2191}"/>
+          <p:cNvPr id="5" name="Slide Number Placeholder 4">
+            <a:extLst>
+              <a:ext uri="{FF2B5EF4-FFF2-40B4-BE49-F238E27FC236}">
+                <a16:creationId xmlns:a16="http://schemas.microsoft.com/office/drawing/2014/main" id="{B360CE65-A897-4BE1-945F-39DDB4A8637F}"/>
               </a:ext>
             </a:extLst>
           </p:cNvPr>
@@ -10354,10 +14324,10 @@
       </p:sp>
       <p:sp>
         <p:nvSpPr>
-          <p:cNvPr id="9" name="Text Placeholder 8">
-            <a:extLst>
-              <a:ext uri="{FF2B5EF4-FFF2-40B4-BE49-F238E27FC236}">
-                <a16:creationId xmlns:a16="http://schemas.microsoft.com/office/drawing/2014/main" id="{0688A6FA-0F22-4D5F-971D-B6313D069F5E}"/>
+          <p:cNvPr id="8" name="Text Placeholder 7">
+            <a:extLst>
+              <a:ext uri="{FF2B5EF4-FFF2-40B4-BE49-F238E27FC236}">
+                <a16:creationId xmlns:a16="http://schemas.microsoft.com/office/drawing/2014/main" id="{85A06514-20D6-4384-AE1C-FED75579B29D}"/>
               </a:ext>
             </a:extLst>
           </p:cNvPr>
@@ -10374,25 +14344,175 @@
           <a:lstStyle/>
           <a:p>
             <a:r>
-              <a:rPr lang="nl-BE" dirty="0">
-                <a:solidFill>
-                  <a:srgbClr val="0085FE"/>
-                </a:solidFill>
-              </a:rPr>
-              <a:t>3</a:t>
-            </a:r>
-            <a:endParaRPr lang="en-US" dirty="0">
-              <a:solidFill>
-                <a:srgbClr val="0085FE"/>
-              </a:solidFill>
-            </a:endParaRPr>
+              <a:rPr lang="nl-BE" sz="2800" dirty="0"/>
+              <a:t>Ansible architecture</a:t>
+            </a:r>
+            <a:endParaRPr lang="en-US" sz="2800" dirty="0"/>
+          </a:p>
+        </p:txBody>
+      </p:sp>
+      <p:pic>
+        <p:nvPicPr>
+          <p:cNvPr id="10" name="Picture 9" descr="A screenshot of a computer&#10;&#10;Description automatically generated with low confidence">
+            <a:extLst>
+              <a:ext uri="{FF2B5EF4-FFF2-40B4-BE49-F238E27FC236}">
+                <a16:creationId xmlns:a16="http://schemas.microsoft.com/office/drawing/2014/main" id="{79C1FF88-7265-4B08-B688-5E03DBAE1C4B}"/>
+              </a:ext>
+            </a:extLst>
+          </p:cNvPr>
+          <p:cNvPicPr>
+            <a:picLocks noChangeAspect="1"/>
+          </p:cNvPicPr>
+          <p:nvPr/>
+        </p:nvPicPr>
+        <p:blipFill>
+          <a:blip r:embed="rId2">
+            <a:extLst>
+              <a:ext uri="{28A0092B-C50C-407E-A947-70E740481C1C}">
+                <a14:useLocalDpi xmlns:a14="http://schemas.microsoft.com/office/drawing/2010/main" val="0"/>
+              </a:ext>
+            </a:extLst>
+          </a:blip>
+          <a:stretch>
+            <a:fillRect/>
+          </a:stretch>
+        </p:blipFill>
+        <p:spPr>
+          <a:xfrm>
+            <a:off x="6313896" y="1126264"/>
+            <a:ext cx="4536984" cy="4906331"/>
+          </a:xfrm>
+          <a:prstGeom prst="rect">
+            <a:avLst/>
+          </a:prstGeom>
+        </p:spPr>
+      </p:pic>
+      <p:sp>
+        <p:nvSpPr>
+          <p:cNvPr id="2" name="TextBox 1">
+            <a:extLst>
+              <a:ext uri="{FF2B5EF4-FFF2-40B4-BE49-F238E27FC236}">
+                <a16:creationId xmlns:a16="http://schemas.microsoft.com/office/drawing/2014/main" id="{C7C5B250-4184-42DF-BE84-07E9B9E97572}"/>
+              </a:ext>
+            </a:extLst>
+          </p:cNvPr>
+          <p:cNvSpPr txBox="1"/>
+          <p:nvPr/>
+        </p:nvSpPr>
+        <p:spPr>
+          <a:xfrm>
+            <a:off x="122311" y="1126264"/>
+            <a:ext cx="6041421" cy="4832092"/>
+          </a:xfrm>
+          <a:prstGeom prst="rect">
+            <a:avLst/>
+          </a:prstGeom>
+          <a:noFill/>
+        </p:spPr>
+        <p:txBody>
+          <a:bodyPr wrap="square" rtlCol="0">
+            <a:spAutoFit/>
+          </a:bodyPr>
+          <a:lstStyle/>
+          <a:p>
+            <a:pPr marL="457200" indent="-457200">
+              <a:buFont typeface="Arial" panose="020B0604020202020204" pitchFamily="34" charset="0"/>
+              <a:buChar char="•"/>
+            </a:pPr>
+            <a:r>
+              <a:rPr lang="nl-BE" sz="2800" b="1" dirty="0"/>
+              <a:t>Most in portant files</a:t>
+            </a:r>
+          </a:p>
+          <a:p>
+            <a:pPr marL="914400" lvl="1" indent="-457200">
+              <a:buFont typeface="Arial" panose="020B0604020202020204" pitchFamily="34" charset="0"/>
+              <a:buChar char="•"/>
+            </a:pPr>
+            <a:r>
+              <a:rPr lang="nl-BE" sz="2800" dirty="0"/>
+              <a:t>Ansible.cfg</a:t>
+            </a:r>
+          </a:p>
+          <a:p>
+            <a:pPr marL="914400" lvl="1" indent="-457200">
+              <a:buFont typeface="Arial" panose="020B0604020202020204" pitchFamily="34" charset="0"/>
+              <a:buChar char="•"/>
+            </a:pPr>
+            <a:r>
+              <a:rPr lang="nl-BE" sz="2800" dirty="0"/>
+              <a:t>Hosts/inventory</a:t>
+            </a:r>
+          </a:p>
+          <a:p>
+            <a:pPr marL="914400" lvl="1" indent="-457200">
+              <a:buFont typeface="Arial" panose="020B0604020202020204" pitchFamily="34" charset="0"/>
+              <a:buChar char="•"/>
+            </a:pPr>
+            <a:r>
+              <a:rPr lang="nl-BE" sz="2800" dirty="0"/>
+              <a:t>Playbook.yml</a:t>
+            </a:r>
+          </a:p>
+          <a:p>
+            <a:pPr marL="457200" indent="-457200">
+              <a:buFont typeface="Arial" panose="020B0604020202020204" pitchFamily="34" charset="0"/>
+              <a:buChar char="•"/>
+            </a:pPr>
+            <a:r>
+              <a:rPr lang="nl-BE" sz="2800" b="1" dirty="0"/>
+              <a:t>What do they contain</a:t>
+            </a:r>
+          </a:p>
+          <a:p>
+            <a:pPr marL="914400" lvl="1" indent="-457200">
+              <a:buFont typeface="Arial" panose="020B0604020202020204" pitchFamily="34" charset="0"/>
+              <a:buChar char="•"/>
+            </a:pPr>
+            <a:r>
+              <a:rPr lang="nl-BE" sz="2800" dirty="0"/>
+              <a:t>Ansible.cfg = config</a:t>
+            </a:r>
+          </a:p>
+          <a:p>
+            <a:pPr marL="914400" lvl="1" indent="-457200">
+              <a:buFont typeface="Arial" panose="020B0604020202020204" pitchFamily="34" charset="0"/>
+              <a:buChar char="•"/>
+            </a:pPr>
+            <a:r>
+              <a:rPr lang="nl-BE" sz="2800" dirty="0"/>
+              <a:t>Hosts = List of nodes</a:t>
+            </a:r>
+          </a:p>
+          <a:p>
+            <a:pPr marL="914400" lvl="1" indent="-457200">
+              <a:buFont typeface="Arial" panose="020B0604020202020204" pitchFamily="34" charset="0"/>
+              <a:buChar char="•"/>
+            </a:pPr>
+            <a:r>
+              <a:rPr lang="nl-BE" sz="2800" dirty="0"/>
+              <a:t>Playbook = instructions to perform</a:t>
+            </a:r>
+          </a:p>
+          <a:p>
+            <a:endParaRPr lang="nl-BE" sz="2800" dirty="0"/>
+          </a:p>
+          <a:p>
+            <a:endParaRPr lang="nl-BE" sz="2800" dirty="0"/>
+          </a:p>
+          <a:p>
+            <a:pPr marL="457200" indent="-457200">
+              <a:buFont typeface="Arial" panose="020B0604020202020204" pitchFamily="34" charset="0"/>
+              <a:buChar char="•"/>
+            </a:pPr>
+            <a:endParaRPr lang="nl-BE" sz="2800" dirty="0"/>
           </a:p>
         </p:txBody>
       </p:sp>
     </p:spTree>
     <p:extLst>
       <p:ext uri="{BB962C8B-B14F-4D97-AF65-F5344CB8AC3E}">
-        <p14:creationId xmlns:p14="http://schemas.microsoft.com/office/powerpoint/2010/main" val="1157220794"/>
+        <p14:creationId xmlns:p14="http://schemas.microsoft.com/office/powerpoint/2010/main" val="3296038449"/>
       </p:ext>
     </p:extLst>
   </p:cSld>

--- a/Documents/Ansible_BasicsAndHowToGetStarted.pptx
+++ b/Documents/Ansible_BasicsAndHowToGetStarted.pptx
@@ -5,7 +5,7 @@
     <p:sldMasterId id="2147483648" r:id="rId1"/>
   </p:sldMasterIdLst>
   <p:notesMasterIdLst>
-    <p:notesMasterId r:id="rId28"/>
+    <p:notesMasterId r:id="rId32"/>
   </p:notesMasterIdLst>
   <p:sldIdLst>
     <p:sldId id="261" r:id="rId2"/>
@@ -28,12 +28,16 @@
     <p:sldId id="297" r:id="rId19"/>
     <p:sldId id="298" r:id="rId20"/>
     <p:sldId id="288" r:id="rId21"/>
-    <p:sldId id="290" r:id="rId22"/>
-    <p:sldId id="291" r:id="rId23"/>
-    <p:sldId id="292" r:id="rId24"/>
-    <p:sldId id="293" r:id="rId25"/>
-    <p:sldId id="278" r:id="rId26"/>
-    <p:sldId id="279" r:id="rId27"/>
+    <p:sldId id="299" r:id="rId22"/>
+    <p:sldId id="300" r:id="rId23"/>
+    <p:sldId id="290" r:id="rId24"/>
+    <p:sldId id="301" r:id="rId25"/>
+    <p:sldId id="302" r:id="rId26"/>
+    <p:sldId id="291" r:id="rId27"/>
+    <p:sldId id="292" r:id="rId28"/>
+    <p:sldId id="293" r:id="rId29"/>
+    <p:sldId id="278" r:id="rId30"/>
+    <p:sldId id="279" r:id="rId31"/>
   </p:sldIdLst>
   <p:sldSz cx="12192000" cy="6858000"/>
   <p:notesSz cx="6858000" cy="9144000"/>
@@ -7847,7 +7851,9 @@
               <a:buChar char="•"/>
             </a:pPr>
             <a:r>
-              <a:rPr lang="nl-BE" sz="2400" dirty="0"/>
+              <a:rPr lang="nl-BE" sz="2400" dirty="0">
+                <a:latin typeface="+mn-lt"/>
+              </a:rPr>
               <a:t>Runs against one/more/group of hosts</a:t>
             </a:r>
           </a:p>
@@ -7857,18 +7863,22 @@
               <a:buChar char="•"/>
             </a:pPr>
             <a:r>
-              <a:rPr lang="nl-BE" sz="2400" dirty="0"/>
-              <a:t>Located under “\</a:t>
-            </a:r>
-            <a:r>
               <a:rPr lang="nl-BE" sz="2400" dirty="0">
+                <a:latin typeface="+mn-lt"/>
+              </a:rPr>
+              <a:t>Located under “</a:t>
+            </a:r>
+            <a:r>
+              <a:rPr lang="nl-BE" sz="1800" dirty="0">
                 <a:latin typeface="Courier New" panose="02070309020205020404" pitchFamily="49" charset="0"/>
                 <a:cs typeface="Courier New" panose="02070309020205020404" pitchFamily="49" charset="0"/>
               </a:rPr>
-              <a:t>etc\ansible\hosts</a:t>
-            </a:r>
-            <a:r>
-              <a:rPr lang="nl-BE" sz="2400" dirty="0"/>
+              <a:t>\etc\ansible\hosts</a:t>
+            </a:r>
+            <a:r>
+              <a:rPr lang="nl-BE" sz="2400" dirty="0">
+                <a:latin typeface="+mn-lt"/>
+              </a:rPr>
               <a:t>”</a:t>
             </a:r>
           </a:p>
@@ -7878,7 +7888,9 @@
               <a:buChar char="•"/>
             </a:pPr>
             <a:r>
-              <a:rPr lang="nl-BE" sz="2400" dirty="0"/>
+              <a:rPr lang="nl-BE" sz="2400" dirty="0">
+                <a:latin typeface="+mn-lt"/>
+              </a:rPr>
               <a:t>Can create multiple host files (needs to be specified in .cfg)</a:t>
             </a:r>
           </a:p>
@@ -7888,18 +7900,22 @@
               <a:buChar char="•"/>
             </a:pPr>
             <a:r>
-              <a:rPr lang="nl-BE" sz="2400" dirty="0"/>
+              <a:rPr lang="nl-BE" sz="2400" dirty="0">
+                <a:latin typeface="+mn-lt"/>
+              </a:rPr>
               <a:t>Dynamically switch between host files with “</a:t>
             </a:r>
             <a:r>
-              <a:rPr lang="nl-BE" sz="2400" dirty="0">
+              <a:rPr lang="nl-BE" sz="1800" dirty="0">
                 <a:latin typeface="Courier New" panose="02070309020205020404" pitchFamily="49" charset="0"/>
                 <a:cs typeface="Courier New" panose="02070309020205020404" pitchFamily="49" charset="0"/>
               </a:rPr>
               <a:t>-i &lt;file-path&gt;</a:t>
             </a:r>
             <a:r>
-              <a:rPr lang="nl-BE" sz="2400" dirty="0"/>
+              <a:rPr lang="nl-BE" sz="2400" dirty="0">
+                <a:latin typeface="+mn-lt"/>
+              </a:rPr>
               <a:t>”</a:t>
             </a:r>
           </a:p>
@@ -7909,23 +7925,27 @@
               <a:buChar char="•"/>
             </a:pPr>
             <a:r>
-              <a:rPr lang="nl-BE" sz="2400" dirty="0"/>
+              <a:rPr lang="nl-BE" sz="2400" dirty="0">
+                <a:latin typeface="+mn-lt"/>
+              </a:rPr>
               <a:t>Inventrory/host files can be in </a:t>
             </a:r>
             <a:r>
               <a:rPr lang="nl-BE" sz="2400" dirty="0">
-                <a:latin typeface="Courier New" panose="02070309020205020404" pitchFamily="49" charset="0"/>
+                <a:latin typeface="+mn-lt"/>
                 <a:cs typeface="Courier New" panose="02070309020205020404" pitchFamily="49" charset="0"/>
               </a:rPr>
               <a:t>INI</a:t>
             </a:r>
             <a:r>
-              <a:rPr lang="nl-BE" sz="2400" dirty="0"/>
+              <a:rPr lang="nl-BE" sz="2400" dirty="0">
+                <a:latin typeface="+mn-lt"/>
+              </a:rPr>
               <a:t> format or </a:t>
             </a:r>
             <a:r>
               <a:rPr lang="nl-BE" sz="2400" dirty="0">
-                <a:latin typeface="Courier New" panose="02070309020205020404" pitchFamily="49" charset="0"/>
+                <a:latin typeface="+mn-lt"/>
                 <a:cs typeface="Courier New" panose="02070309020205020404" pitchFamily="49" charset="0"/>
               </a:rPr>
               <a:t>YAML</a:t>
@@ -7938,13 +7958,13 @@
             </a:pPr>
             <a:r>
               <a:rPr lang="nl-BE" sz="2400" dirty="0">
-                <a:latin typeface="Courier New" panose="02070309020205020404" pitchFamily="49" charset="0"/>
+                <a:latin typeface="+mn-lt"/>
                 <a:cs typeface="Courier New" panose="02070309020205020404" pitchFamily="49" charset="0"/>
               </a:rPr>
               <a:t>Personal prefference</a:t>
             </a:r>
             <a:endParaRPr lang="en-US" sz="2400" dirty="0">
-              <a:latin typeface="Courier New" panose="02070309020205020404" pitchFamily="49" charset="0"/>
+              <a:latin typeface="+mn-lt"/>
               <a:cs typeface="Courier New" panose="02070309020205020404" pitchFamily="49" charset="0"/>
             </a:endParaRPr>
           </a:p>
@@ -8399,7 +8419,9 @@
               <a:buChar char="•"/>
             </a:pPr>
             <a:r>
-              <a:rPr lang="nl-BE" dirty="0"/>
+              <a:rPr lang="nl-BE" dirty="0">
+                <a:latin typeface="+mn-lt"/>
+              </a:rPr>
               <a:t>Start of YAML file</a:t>
             </a:r>
           </a:p>
@@ -8409,7 +8431,9 @@
               <a:buChar char="•"/>
             </a:pPr>
             <a:r>
-              <a:rPr lang="nl-BE" dirty="0"/>
+              <a:rPr lang="nl-BE" dirty="0">
+                <a:latin typeface="+mn-lt"/>
+              </a:rPr>
               <a:t>Group name</a:t>
             </a:r>
           </a:p>
@@ -8419,7 +8443,9 @@
               <a:buChar char="•"/>
             </a:pPr>
             <a:r>
-              <a:rPr lang="nl-BE" dirty="0"/>
+              <a:rPr lang="nl-BE" dirty="0">
+                <a:latin typeface="+mn-lt"/>
+              </a:rPr>
               <a:t>Group variables</a:t>
             </a:r>
           </a:p>
@@ -8429,7 +8455,9 @@
               <a:buChar char="•"/>
             </a:pPr>
             <a:r>
-              <a:rPr lang="nl-BE" dirty="0"/>
+              <a:rPr lang="nl-BE" dirty="0">
+                <a:latin typeface="+mn-lt"/>
+              </a:rPr>
               <a:t>Host/node adress</a:t>
             </a:r>
           </a:p>
@@ -8439,7 +8467,9 @@
               <a:buChar char="•"/>
             </a:pPr>
             <a:r>
-              <a:rPr lang="nl-BE" dirty="0"/>
+              <a:rPr lang="nl-BE" dirty="0">
+                <a:latin typeface="+mn-lt"/>
+              </a:rPr>
               <a:t>Common variable(s)</a:t>
             </a:r>
           </a:p>
@@ -8449,10 +8479,14 @@
               <a:buChar char="•"/>
             </a:pPr>
             <a:r>
-              <a:rPr lang="nl-BE" dirty="0"/>
+              <a:rPr lang="nl-BE" dirty="0">
+                <a:latin typeface="+mn-lt"/>
+              </a:rPr>
               <a:t>YAML indentation</a:t>
             </a:r>
-            <a:endParaRPr lang="en-US" dirty="0"/>
+            <a:endParaRPr lang="en-US" dirty="0">
+              <a:latin typeface="+mn-lt"/>
+            </a:endParaRPr>
           </a:p>
         </p:txBody>
       </p:sp>
@@ -9362,7 +9396,9 @@
               <a:buChar char="•"/>
             </a:pPr>
             <a:r>
-              <a:rPr lang="nl-BE" dirty="0"/>
+              <a:rPr lang="nl-BE" dirty="0">
+                <a:latin typeface="+mn-lt"/>
+              </a:rPr>
               <a:t>Group name</a:t>
             </a:r>
           </a:p>
@@ -9372,7 +9408,9 @@
               <a:buChar char="•"/>
             </a:pPr>
             <a:r>
-              <a:rPr lang="nl-BE" dirty="0"/>
+              <a:rPr lang="nl-BE" dirty="0">
+                <a:latin typeface="+mn-lt"/>
+              </a:rPr>
               <a:t>Group variables</a:t>
             </a:r>
           </a:p>
@@ -9382,7 +9420,9 @@
               <a:buChar char="•"/>
             </a:pPr>
             <a:r>
-              <a:rPr lang="nl-BE" dirty="0"/>
+              <a:rPr lang="nl-BE" dirty="0">
+                <a:latin typeface="+mn-lt"/>
+              </a:rPr>
               <a:t>Host/node adress</a:t>
             </a:r>
           </a:p>
@@ -9392,7 +9432,9 @@
               <a:buChar char="•"/>
             </a:pPr>
             <a:r>
-              <a:rPr lang="nl-BE" dirty="0"/>
+              <a:rPr lang="nl-BE" dirty="0">
+                <a:latin typeface="+mn-lt"/>
+              </a:rPr>
               <a:t>Common variable(s)</a:t>
             </a:r>
           </a:p>
@@ -9402,10 +9444,14 @@
               <a:buChar char="•"/>
             </a:pPr>
             <a:r>
-              <a:rPr lang="nl-BE" dirty="0"/>
+              <a:rPr lang="nl-BE" dirty="0">
+                <a:latin typeface="+mn-lt"/>
+              </a:rPr>
               <a:t>No indentaion</a:t>
             </a:r>
-            <a:endParaRPr lang="en-US" dirty="0"/>
+            <a:endParaRPr lang="en-US" dirty="0">
+              <a:latin typeface="+mn-lt"/>
+            </a:endParaRPr>
           </a:p>
         </p:txBody>
       </p:sp>
@@ -10498,7 +10544,9 @@
               <a:buChar char="•"/>
             </a:pPr>
             <a:r>
-              <a:rPr lang="nl-BE" dirty="0"/>
+              <a:rPr lang="nl-BE" dirty="0">
+                <a:latin typeface="+mn-lt"/>
+              </a:rPr>
               <a:t>Highest order of hirarchy</a:t>
             </a:r>
           </a:p>
@@ -10508,7 +10556,9 @@
               <a:buChar char="•"/>
             </a:pPr>
             <a:r>
-              <a:rPr lang="nl-BE" dirty="0"/>
+              <a:rPr lang="nl-BE" dirty="0">
+                <a:latin typeface="+mn-lt"/>
+              </a:rPr>
               <a:t>List of plays</a:t>
             </a:r>
           </a:p>
@@ -10518,7 +10568,9 @@
               <a:buChar char="•"/>
             </a:pPr>
             <a:r>
-              <a:rPr lang="nl-BE" dirty="0"/>
+              <a:rPr lang="nl-BE" dirty="0">
+                <a:latin typeface="+mn-lt"/>
+              </a:rPr>
               <a:t>Comparable to organized script</a:t>
             </a:r>
           </a:p>
@@ -10528,7 +10580,9 @@
               <a:buChar char="•"/>
             </a:pPr>
             <a:r>
-              <a:rPr lang="nl-BE" dirty="0"/>
+              <a:rPr lang="nl-BE" dirty="0">
+                <a:latin typeface="+mn-lt"/>
+              </a:rPr>
               <a:t>Run against host (single host or group)</a:t>
             </a:r>
           </a:p>
@@ -10538,10 +10592,14 @@
               <a:buChar char="•"/>
             </a:pPr>
             <a:r>
-              <a:rPr lang="nl-BE" dirty="0"/>
+              <a:rPr lang="nl-BE" dirty="0">
+                <a:latin typeface="+mn-lt"/>
+              </a:rPr>
               <a:t>Contains one or more plays</a:t>
             </a:r>
-            <a:endParaRPr lang="en-US" dirty="0"/>
+            <a:endParaRPr lang="en-US" dirty="0">
+              <a:latin typeface="+mn-lt"/>
+            </a:endParaRPr>
           </a:p>
         </p:txBody>
       </p:sp>
@@ -10655,7 +10713,7 @@
           <a:lstStyle/>
           <a:p>
             <a:r>
-              <a:rPr lang="nl-BE" dirty="0">
+              <a:rPr lang="nl-BE">
                 <a:solidFill>
                   <a:srgbClr val="0085FE"/>
                 </a:solidFill>
@@ -10701,7 +10759,9 @@
               <a:buChar char="•"/>
             </a:pPr>
             <a:r>
-              <a:rPr lang="nl-BE" dirty="0"/>
+              <a:rPr lang="nl-BE" dirty="0">
+                <a:latin typeface="+mn-lt"/>
+              </a:rPr>
               <a:t>Falls under playbook in hirarchy</a:t>
             </a:r>
           </a:p>
@@ -10711,7 +10771,9 @@
               <a:buChar char="•"/>
             </a:pPr>
             <a:r>
-              <a:rPr lang="nl-BE" dirty="0"/>
+              <a:rPr lang="nl-BE" dirty="0">
+                <a:latin typeface="+mn-lt"/>
+              </a:rPr>
               <a:t>Environment specific parameters (e.g., host OS)</a:t>
             </a:r>
           </a:p>
@@ -10721,7 +10783,9 @@
               <a:buChar char="•"/>
             </a:pPr>
             <a:r>
-              <a:rPr lang="nl-BE" dirty="0"/>
+              <a:rPr lang="nl-BE" dirty="0">
+                <a:latin typeface="+mn-lt"/>
+              </a:rPr>
               <a:t>Mapping between hosts using group or host name (correlates with inventory)</a:t>
             </a:r>
           </a:p>
@@ -10731,7 +10795,9 @@
               <a:buChar char="•"/>
             </a:pPr>
             <a:r>
-              <a:rPr lang="nl-BE" dirty="0"/>
+              <a:rPr lang="nl-BE" dirty="0">
+                <a:latin typeface="+mn-lt"/>
+              </a:rPr>
               <a:t>No such thing as a standard play</a:t>
             </a:r>
           </a:p>
@@ -10741,10 +10807,14 @@
               <a:buChar char="•"/>
             </a:pPr>
             <a:r>
-              <a:rPr lang="nl-BE" dirty="0"/>
+              <a:rPr lang="nl-BE" dirty="0">
+                <a:latin typeface="+mn-lt"/>
+              </a:rPr>
               <a:t>Contains one or more tasks</a:t>
             </a:r>
-            <a:endParaRPr lang="en-US" dirty="0"/>
+            <a:endParaRPr lang="en-US" dirty="0">
+              <a:latin typeface="+mn-lt"/>
+            </a:endParaRPr>
           </a:p>
         </p:txBody>
       </p:sp>
@@ -10770,9 +10840,10 @@
           <a:lstStyle/>
           <a:p>
             <a:r>
-              <a:rPr lang="nl-BE" dirty="0"/>
+              <a:rPr lang="nl-BE"/>
               <a:t>Ansible</a:t>
             </a:r>
+            <a:endParaRPr lang="nl-BE" dirty="0"/>
           </a:p>
         </p:txBody>
       </p:sp>
@@ -10806,6 +10877,53 @@
           </a:p>
         </p:txBody>
       </p:sp>
+      <p:pic>
+        <p:nvPicPr>
+          <p:cNvPr id="1026" name="Picture 2" descr="PLAY”: An AFD Campus Training Initiative | AFD - Agence Française de  Développement">
+            <a:extLst>
+              <a:ext uri="{FF2B5EF4-FFF2-40B4-BE49-F238E27FC236}">
+                <a16:creationId xmlns:a16="http://schemas.microsoft.com/office/drawing/2014/main" id="{D932103E-CEFF-44F8-8598-5FA59F6B9B72}"/>
+              </a:ext>
+            </a:extLst>
+          </p:cNvPr>
+          <p:cNvPicPr>
+            <a:picLocks noChangeAspect="1" noChangeArrowheads="1"/>
+          </p:cNvPicPr>
+          <p:nvPr/>
+        </p:nvPicPr>
+        <p:blipFill>
+          <a:blip r:embed="rId2">
+            <a:extLst>
+              <a:ext uri="{28A0092B-C50C-407E-A947-70E740481C1C}">
+                <a14:useLocalDpi xmlns:a14="http://schemas.microsoft.com/office/drawing/2010/main" val="0"/>
+              </a:ext>
+            </a:extLst>
+          </a:blip>
+          <a:srcRect/>
+          <a:stretch>
+            <a:fillRect/>
+          </a:stretch>
+        </p:blipFill>
+        <p:spPr bwMode="auto">
+          <a:xfrm>
+            <a:off x="6857999" y="4072910"/>
+            <a:ext cx="3606800" cy="1610179"/>
+          </a:xfrm>
+          <a:prstGeom prst="rect">
+            <a:avLst/>
+          </a:prstGeom>
+          <a:noFill/>
+          <a:extLst>
+            <a:ext uri="{909E8E84-426E-40DD-AFC4-6F175D3DCCD1}">
+              <a14:hiddenFill xmlns:a14="http://schemas.microsoft.com/office/drawing/2010/main">
+                <a:solidFill>
+                  <a:srgbClr val="FFFFFF"/>
+                </a:solidFill>
+              </a14:hiddenFill>
+            </a:ext>
+          </a:extLst>
+        </p:spPr>
+      </p:pic>
     </p:spTree>
     <p:extLst>
       <p:ext uri="{BB962C8B-B14F-4D97-AF65-F5344CB8AC3E}">
@@ -10836,6 +10954,51 @@
           <a:chExt cx="0" cy="0"/>
         </a:xfrm>
       </p:grpSpPr>
+      <p:pic>
+        <p:nvPicPr>
+          <p:cNvPr id="2050" name="Picture 2" descr="How to use a task tracker for super management? – Unpaper">
+            <a:extLst>
+              <a:ext uri="{FF2B5EF4-FFF2-40B4-BE49-F238E27FC236}">
+                <a16:creationId xmlns:a16="http://schemas.microsoft.com/office/drawing/2014/main" id="{B3B35D78-1C25-4486-B343-84E24EC66F5D}"/>
+              </a:ext>
+            </a:extLst>
+          </p:cNvPr>
+          <p:cNvPicPr>
+            <a:picLocks noChangeAspect="1" noChangeArrowheads="1"/>
+          </p:cNvPicPr>
+          <p:nvPr/>
+        </p:nvPicPr>
+        <p:blipFill rotWithShape="1">
+          <a:blip r:embed="rId2">
+            <a:extLst>
+              <a:ext uri="{28A0092B-C50C-407E-A947-70E740481C1C}">
+                <a14:useLocalDpi xmlns:a14="http://schemas.microsoft.com/office/drawing/2010/main" val="0"/>
+              </a:ext>
+            </a:extLst>
+          </a:blip>
+          <a:srcRect l="25625" t="6553" r="21389"/>
+          <a:stretch/>
+        </p:blipFill>
+        <p:spPr bwMode="auto">
+          <a:xfrm>
+            <a:off x="7714651" y="129176"/>
+            <a:ext cx="3943058" cy="3477953"/>
+          </a:xfrm>
+          <a:prstGeom prst="rect">
+            <a:avLst/>
+          </a:prstGeom>
+          <a:noFill/>
+          <a:extLst>
+            <a:ext uri="{909E8E84-426E-40DD-AFC4-6F175D3DCCD1}">
+              <a14:hiddenFill xmlns:a14="http://schemas.microsoft.com/office/drawing/2010/main">
+                <a:solidFill>
+                  <a:srgbClr val="FFFFFF"/>
+                </a:solidFill>
+              </a14:hiddenFill>
+            </a:ext>
+          </a:extLst>
+        </p:spPr>
+      </p:pic>
       <p:sp>
         <p:nvSpPr>
           <p:cNvPr id="7" name="Title 6">
@@ -10891,7 +11054,7 @@
         </p:nvSpPr>
         <p:spPr>
           <a:xfrm>
-            <a:off x="534291" y="1296000"/>
+            <a:off x="534291" y="1868152"/>
             <a:ext cx="9291600" cy="3132000"/>
           </a:xfrm>
         </p:spPr>
@@ -10904,7 +11067,9 @@
               <a:buChar char="•"/>
             </a:pPr>
             <a:r>
-              <a:rPr lang="nl-BE" dirty="0"/>
+              <a:rPr lang="nl-BE" dirty="0">
+                <a:latin typeface="+mn-lt"/>
+              </a:rPr>
               <a:t>Falls under play in hirarchy</a:t>
             </a:r>
           </a:p>
@@ -10914,8 +11079,10 @@
               <a:buChar char="•"/>
             </a:pPr>
             <a:r>
-              <a:rPr lang="nl-BE" dirty="0"/>
-              <a:t>Task that runs on host define role that host fulfills/performs</a:t>
+              <a:rPr lang="nl-BE" dirty="0">
+                <a:latin typeface="+mn-lt"/>
+              </a:rPr>
+              <a:t>Smallest unit of action</a:t>
             </a:r>
           </a:p>
           <a:p>
@@ -10923,7 +11090,45 @@
               <a:buFont typeface="Arial" panose="020B0604020202020204" pitchFamily="34" charset="0"/>
               <a:buChar char="•"/>
             </a:pPr>
-            <a:endParaRPr lang="nl-BE" dirty="0"/>
+            <a:r>
+              <a:rPr lang="nl-BE" dirty="0">
+                <a:latin typeface="+mn-lt"/>
+              </a:rPr>
+              <a:t>Executed same order as defined in playbook</a:t>
+            </a:r>
+          </a:p>
+          <a:p>
+            <a:pPr marL="457200" indent="-457200">
+              <a:buFont typeface="Arial" panose="020B0604020202020204" pitchFamily="34" charset="0"/>
+              <a:buChar char="•"/>
+            </a:pPr>
+            <a:r>
+              <a:rPr lang="nl-BE" dirty="0">
+                <a:latin typeface="+mn-lt"/>
+              </a:rPr>
+              <a:t>Pushes small modules to target node</a:t>
+            </a:r>
+          </a:p>
+          <a:p>
+            <a:pPr marL="457200" indent="-457200">
+              <a:buFont typeface="Arial" panose="020B0604020202020204" pitchFamily="34" charset="0"/>
+              <a:buChar char="•"/>
+            </a:pPr>
+            <a:r>
+              <a:rPr lang="nl-BE" dirty="0">
+                <a:latin typeface="+mn-lt"/>
+              </a:rPr>
+              <a:t>A task that runs on host define role that host fulfills/performs</a:t>
+            </a:r>
+          </a:p>
+          <a:p>
+            <a:pPr marL="457200" indent="-457200">
+              <a:buFont typeface="Arial" panose="020B0604020202020204" pitchFamily="34" charset="0"/>
+              <a:buChar char="•"/>
+            </a:pPr>
+            <a:endParaRPr lang="nl-BE" dirty="0">
+              <a:latin typeface="+mn-lt"/>
+            </a:endParaRPr>
           </a:p>
         </p:txBody>
       </p:sp>
@@ -11605,6 +11810,14 @@
 <file path=ppt/slides/slide21.xml><?xml version="1.0" encoding="utf-8"?>
 <p:sld xmlns:a="http://schemas.openxmlformats.org/drawingml/2006/main" xmlns:r="http://schemas.openxmlformats.org/officeDocument/2006/relationships" xmlns:p="http://schemas.openxmlformats.org/presentationml/2006/main">
   <p:cSld>
+    <p:bg>
+      <p:bgPr>
+        <a:solidFill>
+          <a:schemeClr val="bg1"/>
+        </a:solidFill>
+        <a:effectLst/>
+      </p:bgPr>
+    </p:bg>
     <p:spTree>
       <p:nvGrpSpPr>
         <p:cNvPr id="1" name=""/>
@@ -11621,10 +11834,102 @@
       </p:grpSpPr>
       <p:sp>
         <p:nvSpPr>
-          <p:cNvPr id="2" name="Title 1">
-            <a:extLst>
-              <a:ext uri="{FF2B5EF4-FFF2-40B4-BE49-F238E27FC236}">
-                <a16:creationId xmlns:a16="http://schemas.microsoft.com/office/drawing/2014/main" id="{113F45C3-5063-42B6-8DC6-BEB4B0D619F0}"/>
+          <p:cNvPr id="17" name="Rectangle 16">
+            <a:extLst>
+              <a:ext uri="{FF2B5EF4-FFF2-40B4-BE49-F238E27FC236}">
+                <a16:creationId xmlns:a16="http://schemas.microsoft.com/office/drawing/2014/main" id="{81AEB8A9-B768-4E30-BA55-D919E6687343}"/>
+              </a:ext>
+              <a:ext uri="{C183D7F6-B498-43B3-948B-1728B52AA6E4}">
+                <adec:decorative xmlns:adec="http://schemas.microsoft.com/office/drawing/2017/decorative" val="1"/>
+              </a:ext>
+            </a:extLst>
+          </p:cNvPr>
+          <p:cNvSpPr>
+            <a:spLocks noGrp="1" noRot="1" noChangeAspect="1" noMove="1" noResize="1" noEditPoints="1" noAdjustHandles="1" noChangeArrowheads="1" noChangeShapeType="1" noTextEdit="1"/>
+          </p:cNvSpPr>
+          <p:nvPr>
+            <p:extLst>
+              <p:ext uri="{386F3935-93C4-4BCD-93E2-E3B085C9AB24}">
+                <p16:designElem xmlns:p16="http://schemas.microsoft.com/office/powerpoint/2015/main" val="1"/>
+              </p:ext>
+            </p:extLst>
+          </p:nvPr>
+        </p:nvSpPr>
+        <p:spPr>
+          <a:xfrm>
+            <a:off x="-10001" y="-2"/>
+            <a:ext cx="4069936" cy="6858002"/>
+          </a:xfrm>
+          <a:prstGeom prst="rect">
+            <a:avLst/>
+          </a:prstGeom>
+          <a:solidFill>
+            <a:schemeClr val="accent1"/>
+          </a:solidFill>
+          <a:ln>
+            <a:noFill/>
+          </a:ln>
+        </p:spPr>
+        <p:style>
+          <a:lnRef idx="2">
+            <a:schemeClr val="accent1">
+              <a:shade val="50000"/>
+            </a:schemeClr>
+          </a:lnRef>
+          <a:fillRef idx="1">
+            <a:schemeClr val="accent1"/>
+          </a:fillRef>
+          <a:effectRef idx="0">
+            <a:schemeClr val="accent1"/>
+          </a:effectRef>
+          <a:fontRef idx="minor">
+            <a:schemeClr val="lt1"/>
+          </a:fontRef>
+        </p:style>
+        <p:txBody>
+          <a:bodyPr rtlCol="0" anchor="ctr"/>
+          <a:lstStyle/>
+          <a:p>
+            <a:pPr marL="0" marR="0" lvl="0" indent="0" algn="ctr" defTabSz="914400" rtl="0" eaLnBrk="1" fontAlgn="auto" latinLnBrk="0" hangingPunct="1">
+              <a:lnSpc>
+                <a:spcPct val="100000"/>
+              </a:lnSpc>
+              <a:spcBef>
+                <a:spcPts val="0"/>
+              </a:spcBef>
+              <a:spcAft>
+                <a:spcPts val="0"/>
+              </a:spcAft>
+              <a:buClrTx/>
+              <a:buSzTx/>
+              <a:buFontTx/>
+              <a:buNone/>
+              <a:tabLst/>
+              <a:defRPr/>
+            </a:pPr>
+            <a:endParaRPr kumimoji="0" lang="en-US" sz="1800" b="0" i="0" u="none" strike="noStrike" kern="1200" cap="none" spc="0" normalizeH="0" baseline="0" noProof="0">
+              <a:ln>
+                <a:noFill/>
+              </a:ln>
+              <a:solidFill>
+                <a:prstClr val="white"/>
+              </a:solidFill>
+              <a:effectLst/>
+              <a:uLnTx/>
+              <a:uFillTx/>
+              <a:latin typeface="Calibri" panose="020F0502020204030204"/>
+              <a:ea typeface="+mn-ea"/>
+              <a:cs typeface="+mn-cs"/>
+            </a:endParaRPr>
+          </a:p>
+        </p:txBody>
+      </p:sp>
+      <p:sp>
+        <p:nvSpPr>
+          <p:cNvPr id="7" name="Title 6">
+            <a:extLst>
+              <a:ext uri="{FF2B5EF4-FFF2-40B4-BE49-F238E27FC236}">
+                <a16:creationId xmlns:a16="http://schemas.microsoft.com/office/drawing/2014/main" id="{4F6CF108-5626-429F-BA8D-83644B2077A6}"/>
               </a:ext>
             </a:extLst>
           </p:cNvPr>
@@ -11635,41 +11940,211 @@
             <p:ph type="title"/>
           </p:nvPr>
         </p:nvSpPr>
-        <p:spPr/>
-        <p:txBody>
-          <a:bodyPr/>
-          <a:lstStyle/>
-          <a:p>
-            <a:r>
-              <a:rPr lang="nl-BE" dirty="0"/>
-              <a:t>Plugins and modules</a:t>
-            </a:r>
-            <a:endParaRPr lang="en-US" dirty="0"/>
-          </a:p>
-        </p:txBody>
-      </p:sp>
-      <p:sp>
-        <p:nvSpPr>
-          <p:cNvPr id="3" name="Text Placeholder 2">
-            <a:extLst>
-              <a:ext uri="{FF2B5EF4-FFF2-40B4-BE49-F238E27FC236}">
-                <a16:creationId xmlns:a16="http://schemas.microsoft.com/office/drawing/2014/main" id="{829D27A6-EE3F-4034-B1A7-E43996E4618E}"/>
-              </a:ext>
-            </a:extLst>
-          </p:cNvPr>
-          <p:cNvSpPr>
-            <a:spLocks noGrp="1"/>
-          </p:cNvSpPr>
-          <p:nvPr>
-            <p:ph type="body" idx="1"/>
-          </p:nvPr>
-        </p:nvSpPr>
-        <p:spPr/>
-        <p:txBody>
-          <a:bodyPr/>
-          <a:lstStyle/>
-          <a:p>
-            <a:endParaRPr lang="en-US"/>
+        <p:spPr>
+          <a:xfrm>
+            <a:off x="643467" y="640080"/>
+            <a:ext cx="3096427" cy="5613236"/>
+          </a:xfrm>
+        </p:spPr>
+        <p:txBody>
+          <a:bodyPr vert="horz" lIns="91440" tIns="45720" rIns="91440" bIns="45720" rtlCol="0" anchor="ctr">
+            <a:normAutofit/>
+          </a:bodyPr>
+          <a:lstStyle/>
+          <a:p>
+            <a:pPr>
+              <a:lnSpc>
+                <a:spcPct val="90000"/>
+              </a:lnSpc>
+            </a:pPr>
+            <a:r>
+              <a:rPr lang="en-US" sz="4400" kern="1200">
+                <a:solidFill>
+                  <a:srgbClr val="FFFFFF"/>
+                </a:solidFill>
+                <a:latin typeface="+mj-lt"/>
+                <a:ea typeface="+mj-ea"/>
+                <a:cs typeface="+mj-cs"/>
+              </a:rPr>
+              <a:t>Roles</a:t>
+            </a:r>
+          </a:p>
+        </p:txBody>
+      </p:sp>
+      <p:sp>
+        <p:nvSpPr>
+          <p:cNvPr id="8" name="Content Placeholder 7">
+            <a:extLst>
+              <a:ext uri="{FF2B5EF4-FFF2-40B4-BE49-F238E27FC236}">
+                <a16:creationId xmlns:a16="http://schemas.microsoft.com/office/drawing/2014/main" id="{5A03A3BB-98AF-42F3-AF3D-C44335DC0722}"/>
+              </a:ext>
+            </a:extLst>
+          </p:cNvPr>
+          <p:cNvSpPr>
+            <a:spLocks noGrp="1"/>
+          </p:cNvSpPr>
+          <p:nvPr>
+            <p:ph idx="1"/>
+          </p:nvPr>
+        </p:nvSpPr>
+        <p:spPr>
+          <a:xfrm>
+            <a:off x="4699818" y="640082"/>
+            <a:ext cx="6848715" cy="2484884"/>
+          </a:xfrm>
+        </p:spPr>
+        <p:txBody>
+          <a:bodyPr vert="horz" lIns="91440" tIns="45720" rIns="91440" bIns="45720" rtlCol="0" anchor="ctr">
+            <a:normAutofit/>
+          </a:bodyPr>
+          <a:lstStyle/>
+          <a:p>
+            <a:pPr marL="457200" indent="-228600">
+              <a:lnSpc>
+                <a:spcPct val="90000"/>
+              </a:lnSpc>
+              <a:buFont typeface="Arial" panose="020B0604020202020204" pitchFamily="34" charset="0"/>
+              <a:buChar char="•"/>
+            </a:pPr>
+            <a:r>
+              <a:rPr lang="en-US" sz="2400" dirty="0">
+                <a:latin typeface="+mn-lt"/>
+              </a:rPr>
+              <a:t>Hold specific </a:t>
+            </a:r>
+            <a:r>
+              <a:rPr lang="en-US" sz="2400" dirty="0" err="1">
+                <a:latin typeface="+mn-lt"/>
+              </a:rPr>
+              <a:t>paramters</a:t>
+            </a:r>
+            <a:r>
+              <a:rPr lang="en-US" sz="2400" dirty="0">
+                <a:latin typeface="+mn-lt"/>
+              </a:rPr>
+              <a:t>/variables for group of hosts</a:t>
+            </a:r>
+          </a:p>
+          <a:p>
+            <a:pPr marL="457200" indent="-228600">
+              <a:lnSpc>
+                <a:spcPct val="90000"/>
+              </a:lnSpc>
+              <a:buFont typeface="Arial" panose="020B0604020202020204" pitchFamily="34" charset="0"/>
+              <a:buChar char="•"/>
+            </a:pPr>
+            <a:r>
+              <a:rPr lang="en-US" sz="2400" dirty="0" err="1">
+                <a:latin typeface="+mn-lt"/>
+              </a:rPr>
+              <a:t>Seperates</a:t>
+            </a:r>
+            <a:r>
+              <a:rPr lang="en-US" sz="2400" dirty="0">
+                <a:latin typeface="+mn-lt"/>
+              </a:rPr>
+              <a:t> and organizes groups</a:t>
+            </a:r>
+          </a:p>
+          <a:p>
+            <a:pPr marL="457200" indent="-228600">
+              <a:lnSpc>
+                <a:spcPct val="90000"/>
+              </a:lnSpc>
+              <a:buFont typeface="Arial" panose="020B0604020202020204" pitchFamily="34" charset="0"/>
+              <a:buChar char="•"/>
+            </a:pPr>
+            <a:r>
+              <a:rPr lang="en-US" sz="2400" dirty="0">
+                <a:latin typeface="+mn-lt"/>
+              </a:rPr>
+              <a:t>Defined in a play</a:t>
+            </a:r>
+          </a:p>
+        </p:txBody>
+      </p:sp>
+      <p:pic>
+        <p:nvPicPr>
+          <p:cNvPr id="12" name="Picture 11" descr="Text&#10;&#10;Description automatically generated with low confidence">
+            <a:extLst>
+              <a:ext uri="{FF2B5EF4-FFF2-40B4-BE49-F238E27FC236}">
+                <a16:creationId xmlns:a16="http://schemas.microsoft.com/office/drawing/2014/main" id="{CF27C6B3-306A-4A2E-B9CA-2C544C9272AC}"/>
+              </a:ext>
+            </a:extLst>
+          </p:cNvPr>
+          <p:cNvPicPr>
+            <a:picLocks noChangeAspect="1"/>
+          </p:cNvPicPr>
+          <p:nvPr/>
+        </p:nvPicPr>
+        <p:blipFill>
+          <a:blip r:embed="rId2">
+            <a:extLst>
+              <a:ext uri="{28A0092B-C50C-407E-A947-70E740481C1C}">
+                <a14:useLocalDpi xmlns:a14="http://schemas.microsoft.com/office/drawing/2010/main" val="0"/>
+              </a:ext>
+            </a:extLst>
+          </a:blip>
+          <a:stretch>
+            <a:fillRect/>
+          </a:stretch>
+        </p:blipFill>
+        <p:spPr>
+          <a:xfrm>
+            <a:off x="4654294" y="3209632"/>
+            <a:ext cx="3551103" cy="2141302"/>
+          </a:xfrm>
+          <a:prstGeom prst="rect">
+            <a:avLst/>
+          </a:prstGeom>
+        </p:spPr>
+      </p:pic>
+      <p:sp>
+        <p:nvSpPr>
+          <p:cNvPr id="4" name="Footer Placeholder 3">
+            <a:extLst>
+              <a:ext uri="{FF2B5EF4-FFF2-40B4-BE49-F238E27FC236}">
+                <a16:creationId xmlns:a16="http://schemas.microsoft.com/office/drawing/2014/main" id="{3B2EA459-7465-48D7-9BD2-1850D15C267B}"/>
+              </a:ext>
+            </a:extLst>
+          </p:cNvPr>
+          <p:cNvSpPr>
+            <a:spLocks noGrp="1"/>
+          </p:cNvSpPr>
+          <p:nvPr>
+            <p:ph type="ftr" sz="quarter" idx="11"/>
+          </p:nvPr>
+        </p:nvSpPr>
+        <p:spPr>
+          <a:xfrm>
+            <a:off x="4654294" y="6356350"/>
+            <a:ext cx="5719488" cy="365125"/>
+          </a:xfrm>
+        </p:spPr>
+        <p:txBody>
+          <a:bodyPr vert="horz" lIns="91440" tIns="45720" rIns="91440" bIns="45720" rtlCol="0" anchor="ctr">
+            <a:normAutofit/>
+          </a:bodyPr>
+          <a:lstStyle/>
+          <a:p>
+            <a:pPr>
+              <a:spcAft>
+                <a:spcPts val="600"/>
+              </a:spcAft>
+            </a:pPr>
+            <a:r>
+              <a:rPr lang="en-US" kern="1200">
+                <a:solidFill>
+                  <a:prstClr val="black">
+                    <a:tint val="75000"/>
+                  </a:prstClr>
+                </a:solidFill>
+                <a:latin typeface="+mn-lt"/>
+                <a:ea typeface="+mn-ea"/>
+                <a:cs typeface="+mn-cs"/>
+              </a:rPr>
+              <a:t>Ansible</a:t>
+            </a:r>
           </a:p>
         </p:txBody>
       </p:sp>
@@ -11678,7 +12153,7 @@
           <p:cNvPr id="5" name="Slide Number Placeholder 4">
             <a:extLst>
               <a:ext uri="{FF2B5EF4-FFF2-40B4-BE49-F238E27FC236}">
-                <a16:creationId xmlns:a16="http://schemas.microsoft.com/office/drawing/2014/main" id="{C72F05CE-88E7-4A04-A5C0-FD6C44F467E8}"/>
+                <a16:creationId xmlns:a16="http://schemas.microsoft.com/office/drawing/2014/main" id="{094ACEB9-F6EF-4AF8-8DAB-9CFF4217CC08}"/>
               </a:ext>
             </a:extLst>
           </p:cNvPr>
@@ -11689,127 +12164,94 @@
             <p:ph type="sldNum" sz="quarter" idx="12"/>
           </p:nvPr>
         </p:nvSpPr>
-        <p:spPr/>
-        <p:txBody>
-          <a:bodyPr/>
-          <a:lstStyle/>
-          <a:p>
+        <p:spPr>
+          <a:xfrm>
+            <a:off x="10534650" y="6356350"/>
+            <a:ext cx="819150" cy="365125"/>
+          </a:xfrm>
+        </p:spPr>
+        <p:txBody>
+          <a:bodyPr vert="horz" lIns="91440" tIns="45720" rIns="91440" bIns="45720" rtlCol="0" anchor="ctr">
+            <a:normAutofit/>
+          </a:bodyPr>
+          <a:lstStyle/>
+          <a:p>
+            <a:pPr algn="r">
+              <a:spcAft>
+                <a:spcPts val="600"/>
+              </a:spcAft>
+            </a:pPr>
             <a:fld id="{FF88DA20-ED00-471C-9170-60F590CB400A}" type="slidenum">
-              <a:rPr lang="nl-BE" smtClean="0"/>
-              <a:pPr/>
+              <a:rPr lang="en-US">
+                <a:solidFill>
+                  <a:prstClr val="black">
+                    <a:tint val="75000"/>
+                  </a:prstClr>
+                </a:solidFill>
+                <a:latin typeface="+mn-lt"/>
+              </a:rPr>
+              <a:pPr algn="r">
+                <a:spcAft>
+                  <a:spcPts val="600"/>
+                </a:spcAft>
+              </a:pPr>
               <a:t>21</a:t>
             </a:fld>
-            <a:endParaRPr lang="nl-BE"/>
-          </a:p>
-        </p:txBody>
-      </p:sp>
-      <p:sp>
-        <p:nvSpPr>
-          <p:cNvPr id="6" name="Text Placeholder 5">
-            <a:extLst>
-              <a:ext uri="{FF2B5EF4-FFF2-40B4-BE49-F238E27FC236}">
-                <a16:creationId xmlns:a16="http://schemas.microsoft.com/office/drawing/2014/main" id="{2EB60588-C6A5-4F58-967A-924C86EA2ACA}"/>
-              </a:ext>
-            </a:extLst>
-          </p:cNvPr>
-          <p:cNvSpPr>
-            <a:spLocks noGrp="1"/>
-          </p:cNvSpPr>
-          <p:nvPr>
-            <p:ph type="body" sz="quarter" idx="13"/>
-          </p:nvPr>
-        </p:nvSpPr>
-        <p:spPr/>
-        <p:txBody>
-          <a:bodyPr/>
-          <a:lstStyle/>
-          <a:p>
-            <a:r>
-              <a:rPr lang="nl-BE" dirty="0">
-                <a:solidFill>
-                  <a:srgbClr val="0085FE"/>
-                </a:solidFill>
-              </a:rPr>
-              <a:t>6.</a:t>
-            </a:r>
-            <a:endParaRPr lang="en-US" dirty="0">
+            <a:endParaRPr lang="en-US">
               <a:solidFill>
-                <a:srgbClr val="0085FE"/>
+                <a:prstClr val="black">
+                  <a:tint val="75000"/>
+                </a:prstClr>
               </a:solidFill>
+              <a:latin typeface="+mn-lt"/>
             </a:endParaRPr>
           </a:p>
         </p:txBody>
       </p:sp>
       <p:sp>
         <p:nvSpPr>
-          <p:cNvPr id="7" name="Footer Placeholder 3">
-            <a:extLst>
-              <a:ext uri="{FF2B5EF4-FFF2-40B4-BE49-F238E27FC236}">
-                <a16:creationId xmlns:a16="http://schemas.microsoft.com/office/drawing/2014/main" id="{5E95C8DC-5379-4DFB-80A1-1F3AAF7C7D69}"/>
-              </a:ext>
-            </a:extLst>
-          </p:cNvPr>
-          <p:cNvSpPr>
-            <a:spLocks noGrp="1"/>
-          </p:cNvSpPr>
-          <p:nvPr>
-            <p:ph type="ftr" sz="quarter" idx="11"/>
-          </p:nvPr>
+          <p:cNvPr id="13" name="Rectangle 12">
+            <a:extLst>
+              <a:ext uri="{FF2B5EF4-FFF2-40B4-BE49-F238E27FC236}">
+                <a16:creationId xmlns:a16="http://schemas.microsoft.com/office/drawing/2014/main" id="{127747BB-3951-444D-BF90-AB09351D6275}"/>
+              </a:ext>
+            </a:extLst>
+          </p:cNvPr>
+          <p:cNvSpPr/>
+          <p:nvPr/>
         </p:nvSpPr>
         <p:spPr>
           <a:xfrm>
-            <a:off x="861246" y="6264211"/>
-            <a:ext cx="4114800" cy="365125"/>
-          </a:xfrm>
-        </p:spPr>
-        <p:txBody>
-          <a:bodyPr/>
-          <a:lstStyle/>
-          <a:p>
-            <a:r>
-              <a:rPr lang="nl-BE" dirty="0"/>
-              <a:t>Ansible</a:t>
-            </a:r>
-          </a:p>
-        </p:txBody>
-      </p:sp>
-      <p:sp>
-        <p:nvSpPr>
-          <p:cNvPr id="8" name="Tijdelijke aanduiding voor datum 1">
-            <a:extLst>
-              <a:ext uri="{FF2B5EF4-FFF2-40B4-BE49-F238E27FC236}">
-                <a16:creationId xmlns:a16="http://schemas.microsoft.com/office/drawing/2014/main" id="{0FB70630-6571-48E3-857D-CDD365B58D30}"/>
-              </a:ext>
-            </a:extLst>
-          </p:cNvPr>
-          <p:cNvSpPr>
-            <a:spLocks noGrp="1"/>
-          </p:cNvSpPr>
-          <p:nvPr>
-            <p:ph type="dt" sz="half" idx="10"/>
-          </p:nvPr>
-        </p:nvSpPr>
-        <p:spPr>
-          <a:xfrm>
-            <a:off x="4998576" y="6264004"/>
-            <a:ext cx="2743200" cy="365125"/>
-          </a:xfrm>
-        </p:spPr>
-        <p:txBody>
-          <a:bodyPr/>
-          <a:lstStyle/>
-          <a:p>
-            <a:r>
-              <a:rPr lang="nl-BE" dirty="0"/>
-              <a:t>31/01/2022</a:t>
-            </a:r>
+            <a:off x="5325532" y="4927600"/>
+            <a:ext cx="2032001" cy="304800"/>
+          </a:xfrm>
+          <a:prstGeom prst="rect">
+            <a:avLst/>
+          </a:prstGeom>
+          <a:noFill/>
+          <a:ln w="38100">
+            <a:solidFill>
+              <a:srgbClr val="FF0000"/>
+            </a:solidFill>
+          </a:ln>
+        </p:spPr>
+        <p:txBody>
+          <a:bodyPr wrap="square" lIns="0" tIns="0" rIns="0" bIns="0" rtlCol="0" anchor="ctr">
+            <a:spAutoFit/>
+          </a:bodyPr>
+          <a:lstStyle/>
+          <a:p>
+            <a:pPr algn="l"/>
+            <a:endParaRPr lang="en-US" sz="1600" b="1" dirty="0" err="1">
+              <a:latin typeface="+mj-lt"/>
+            </a:endParaRPr>
           </a:p>
         </p:txBody>
       </p:sp>
     </p:spTree>
     <p:extLst>
       <p:ext uri="{BB962C8B-B14F-4D97-AF65-F5344CB8AC3E}">
-        <p14:creationId xmlns:p14="http://schemas.microsoft.com/office/powerpoint/2010/main" val="2035829673"/>
+        <p14:creationId xmlns:p14="http://schemas.microsoft.com/office/powerpoint/2010/main" val="3761858670"/>
       </p:ext>
     </p:extLst>
   </p:cSld>
@@ -11838,10 +12280,10 @@
       </p:grpSpPr>
       <p:sp>
         <p:nvSpPr>
-          <p:cNvPr id="2" name="Title 1">
-            <a:extLst>
-              <a:ext uri="{FF2B5EF4-FFF2-40B4-BE49-F238E27FC236}">
-                <a16:creationId xmlns:a16="http://schemas.microsoft.com/office/drawing/2014/main" id="{9B03E1DF-1B53-4967-969A-C05921548475}"/>
+          <p:cNvPr id="7" name="Title 6">
+            <a:extLst>
+              <a:ext uri="{FF2B5EF4-FFF2-40B4-BE49-F238E27FC236}">
+                <a16:creationId xmlns:a16="http://schemas.microsoft.com/office/drawing/2014/main" id="{4F6CF108-5626-429F-BA8D-83644B2077A6}"/>
               </a:ext>
             </a:extLst>
           </p:cNvPr>
@@ -11858,35 +12300,71 @@
           <a:lstStyle/>
           <a:p>
             <a:r>
+              <a:rPr lang="nl-BE" dirty="0">
+                <a:solidFill>
+                  <a:srgbClr val="0085FE"/>
+                </a:solidFill>
+              </a:rPr>
+              <a:t>Handlers</a:t>
+            </a:r>
+            <a:endParaRPr lang="en-US" dirty="0">
+              <a:solidFill>
+                <a:srgbClr val="0085FE"/>
+              </a:solidFill>
+            </a:endParaRPr>
+          </a:p>
+        </p:txBody>
+      </p:sp>
+      <p:sp>
+        <p:nvSpPr>
+          <p:cNvPr id="8" name="Content Placeholder 7">
+            <a:extLst>
+              <a:ext uri="{FF2B5EF4-FFF2-40B4-BE49-F238E27FC236}">
+                <a16:creationId xmlns:a16="http://schemas.microsoft.com/office/drawing/2014/main" id="{5A03A3BB-98AF-42F3-AF3D-C44335DC0722}"/>
+              </a:ext>
+            </a:extLst>
+          </p:cNvPr>
+          <p:cNvSpPr>
+            <a:spLocks noGrp="1"/>
+          </p:cNvSpPr>
+          <p:nvPr>
+            <p:ph idx="1"/>
+          </p:nvPr>
+        </p:nvSpPr>
+        <p:spPr/>
+        <p:txBody>
+          <a:bodyPr/>
+          <a:lstStyle/>
+          <a:p>
+            <a:endParaRPr lang="en-US"/>
+          </a:p>
+        </p:txBody>
+      </p:sp>
+      <p:sp>
+        <p:nvSpPr>
+          <p:cNvPr id="4" name="Footer Placeholder 3">
+            <a:extLst>
+              <a:ext uri="{FF2B5EF4-FFF2-40B4-BE49-F238E27FC236}">
+                <a16:creationId xmlns:a16="http://schemas.microsoft.com/office/drawing/2014/main" id="{3B2EA459-7465-48D7-9BD2-1850D15C267B}"/>
+              </a:ext>
+            </a:extLst>
+          </p:cNvPr>
+          <p:cNvSpPr>
+            <a:spLocks noGrp="1"/>
+          </p:cNvSpPr>
+          <p:nvPr>
+            <p:ph type="ftr" sz="quarter" idx="11"/>
+          </p:nvPr>
+        </p:nvSpPr>
+        <p:spPr/>
+        <p:txBody>
+          <a:bodyPr/>
+          <a:lstStyle/>
+          <a:p>
+            <a:r>
               <a:rPr lang="nl-BE" dirty="0"/>
-              <a:t>Intallation</a:t>
-            </a:r>
-            <a:endParaRPr lang="en-US" dirty="0"/>
-          </a:p>
-        </p:txBody>
-      </p:sp>
-      <p:sp>
-        <p:nvSpPr>
-          <p:cNvPr id="3" name="Text Placeholder 2">
-            <a:extLst>
-              <a:ext uri="{FF2B5EF4-FFF2-40B4-BE49-F238E27FC236}">
-                <a16:creationId xmlns:a16="http://schemas.microsoft.com/office/drawing/2014/main" id="{1525F9F0-2D31-473A-9784-6C675C16A1BC}"/>
-              </a:ext>
-            </a:extLst>
-          </p:cNvPr>
-          <p:cNvSpPr>
-            <a:spLocks noGrp="1"/>
-          </p:cNvSpPr>
-          <p:nvPr>
-            <p:ph type="body" idx="1"/>
-          </p:nvPr>
-        </p:nvSpPr>
-        <p:spPr/>
-        <p:txBody>
-          <a:bodyPr/>
-          <a:lstStyle/>
-          <a:p>
-            <a:endParaRPr lang="en-US"/>
+              <a:t>Ansible</a:t>
+            </a:r>
           </a:p>
         </p:txBody>
       </p:sp>
@@ -11895,7 +12373,7 @@
           <p:cNvPr id="5" name="Slide Number Placeholder 4">
             <a:extLst>
               <a:ext uri="{FF2B5EF4-FFF2-40B4-BE49-F238E27FC236}">
-                <a16:creationId xmlns:a16="http://schemas.microsoft.com/office/drawing/2014/main" id="{50467A86-777D-45F4-BE4B-B1DB46B0E329}"/>
+                <a16:creationId xmlns:a16="http://schemas.microsoft.com/office/drawing/2014/main" id="{094ACEB9-F6EF-4AF8-8DAB-9CFF4217CC08}"/>
               </a:ext>
             </a:extLst>
           </p:cNvPr>
@@ -11920,113 +12398,10 @@
           </a:p>
         </p:txBody>
       </p:sp>
-      <p:sp>
-        <p:nvSpPr>
-          <p:cNvPr id="6" name="Text Placeholder 5">
-            <a:extLst>
-              <a:ext uri="{FF2B5EF4-FFF2-40B4-BE49-F238E27FC236}">
-                <a16:creationId xmlns:a16="http://schemas.microsoft.com/office/drawing/2014/main" id="{C531B67A-2B8E-44DB-9254-10C25A9E7978}"/>
-              </a:ext>
-            </a:extLst>
-          </p:cNvPr>
-          <p:cNvSpPr>
-            <a:spLocks noGrp="1"/>
-          </p:cNvSpPr>
-          <p:nvPr>
-            <p:ph type="body" sz="quarter" idx="13"/>
-          </p:nvPr>
-        </p:nvSpPr>
-        <p:spPr/>
-        <p:txBody>
-          <a:bodyPr/>
-          <a:lstStyle/>
-          <a:p>
-            <a:r>
-              <a:rPr lang="nl-BE" dirty="0">
-                <a:solidFill>
-                  <a:srgbClr val="0085FE"/>
-                </a:solidFill>
-              </a:rPr>
-              <a:t>7.</a:t>
-            </a:r>
-            <a:endParaRPr lang="en-US" dirty="0">
-              <a:solidFill>
-                <a:srgbClr val="0085FE"/>
-              </a:solidFill>
-            </a:endParaRPr>
-          </a:p>
-        </p:txBody>
-      </p:sp>
-      <p:sp>
-        <p:nvSpPr>
-          <p:cNvPr id="7" name="Footer Placeholder 3">
-            <a:extLst>
-              <a:ext uri="{FF2B5EF4-FFF2-40B4-BE49-F238E27FC236}">
-                <a16:creationId xmlns:a16="http://schemas.microsoft.com/office/drawing/2014/main" id="{918E7B00-6D8B-464C-8C9D-DDD15B71C071}"/>
-              </a:ext>
-            </a:extLst>
-          </p:cNvPr>
-          <p:cNvSpPr>
-            <a:spLocks noGrp="1"/>
-          </p:cNvSpPr>
-          <p:nvPr>
-            <p:ph type="ftr" sz="quarter" idx="11"/>
-          </p:nvPr>
-        </p:nvSpPr>
-        <p:spPr>
-          <a:xfrm>
-            <a:off x="861246" y="6264211"/>
-            <a:ext cx="4114800" cy="365125"/>
-          </a:xfrm>
-        </p:spPr>
-        <p:txBody>
-          <a:bodyPr/>
-          <a:lstStyle/>
-          <a:p>
-            <a:r>
-              <a:rPr lang="nl-BE" dirty="0"/>
-              <a:t>Ansible</a:t>
-            </a:r>
-          </a:p>
-        </p:txBody>
-      </p:sp>
-      <p:sp>
-        <p:nvSpPr>
-          <p:cNvPr id="8" name="Tijdelijke aanduiding voor datum 1">
-            <a:extLst>
-              <a:ext uri="{FF2B5EF4-FFF2-40B4-BE49-F238E27FC236}">
-                <a16:creationId xmlns:a16="http://schemas.microsoft.com/office/drawing/2014/main" id="{2D10AAF3-7345-4621-96FB-A689AE1F459F}"/>
-              </a:ext>
-            </a:extLst>
-          </p:cNvPr>
-          <p:cNvSpPr>
-            <a:spLocks noGrp="1"/>
-          </p:cNvSpPr>
-          <p:nvPr>
-            <p:ph type="dt" sz="half" idx="10"/>
-          </p:nvPr>
-        </p:nvSpPr>
-        <p:spPr>
-          <a:xfrm>
-            <a:off x="4998576" y="6264004"/>
-            <a:ext cx="2743200" cy="365125"/>
-          </a:xfrm>
-        </p:spPr>
-        <p:txBody>
-          <a:bodyPr/>
-          <a:lstStyle/>
-          <a:p>
-            <a:r>
-              <a:rPr lang="nl-BE" dirty="0"/>
-              <a:t>31/01/2022</a:t>
-            </a:r>
-          </a:p>
-        </p:txBody>
-      </p:sp>
     </p:spTree>
     <p:extLst>
       <p:ext uri="{BB962C8B-B14F-4D97-AF65-F5344CB8AC3E}">
-        <p14:creationId xmlns:p14="http://schemas.microsoft.com/office/powerpoint/2010/main" val="4128278387"/>
+        <p14:creationId xmlns:p14="http://schemas.microsoft.com/office/powerpoint/2010/main" val="670496784"/>
       </p:ext>
     </p:extLst>
   </p:cSld>
@@ -12058,7 +12433,7 @@
           <p:cNvPr id="2" name="Title 1">
             <a:extLst>
               <a:ext uri="{FF2B5EF4-FFF2-40B4-BE49-F238E27FC236}">
-                <a16:creationId xmlns:a16="http://schemas.microsoft.com/office/drawing/2014/main" id="{70FEA819-AA32-4583-9E98-B9DBD20D08C5}"/>
+                <a16:creationId xmlns:a16="http://schemas.microsoft.com/office/drawing/2014/main" id="{113F45C3-5063-42B6-8DC6-BEB4B0D619F0}"/>
               </a:ext>
             </a:extLst>
           </p:cNvPr>
@@ -12076,7 +12451,7 @@
           <a:p>
             <a:r>
               <a:rPr lang="nl-BE" dirty="0"/>
-              <a:t>Authentication</a:t>
+              <a:t>Plugins and modules</a:t>
             </a:r>
             <a:endParaRPr lang="en-US" dirty="0"/>
           </a:p>
@@ -12087,7 +12462,7 @@
           <p:cNvPr id="3" name="Text Placeholder 2">
             <a:extLst>
               <a:ext uri="{FF2B5EF4-FFF2-40B4-BE49-F238E27FC236}">
-                <a16:creationId xmlns:a16="http://schemas.microsoft.com/office/drawing/2014/main" id="{EC32EC60-A861-403F-A296-2216AA4D5C5C}"/>
+                <a16:creationId xmlns:a16="http://schemas.microsoft.com/office/drawing/2014/main" id="{829D27A6-EE3F-4034-B1A7-E43996E4618E}"/>
               </a:ext>
             </a:extLst>
           </p:cNvPr>
@@ -12112,7 +12487,7 @@
           <p:cNvPr id="5" name="Slide Number Placeholder 4">
             <a:extLst>
               <a:ext uri="{FF2B5EF4-FFF2-40B4-BE49-F238E27FC236}">
-                <a16:creationId xmlns:a16="http://schemas.microsoft.com/office/drawing/2014/main" id="{A16825DC-9D9D-4E1A-9AFD-AA673F4A6E6D}"/>
+                <a16:creationId xmlns:a16="http://schemas.microsoft.com/office/drawing/2014/main" id="{C72F05CE-88E7-4A04-A5C0-FD6C44F467E8}"/>
               </a:ext>
             </a:extLst>
           </p:cNvPr>
@@ -12142,7 +12517,7 @@
           <p:cNvPr id="6" name="Text Placeholder 5">
             <a:extLst>
               <a:ext uri="{FF2B5EF4-FFF2-40B4-BE49-F238E27FC236}">
-                <a16:creationId xmlns:a16="http://schemas.microsoft.com/office/drawing/2014/main" id="{5C7A25BD-74FF-4F3E-A457-7A2EF24BA328}"/>
+                <a16:creationId xmlns:a16="http://schemas.microsoft.com/office/drawing/2014/main" id="{2EB60588-C6A5-4F58-967A-924C86EA2ACA}"/>
               </a:ext>
             </a:extLst>
           </p:cNvPr>
@@ -12164,7 +12539,7 @@
                   <a:srgbClr val="0085FE"/>
                 </a:solidFill>
               </a:rPr>
-              <a:t>8.</a:t>
+              <a:t>6.</a:t>
             </a:r>
             <a:endParaRPr lang="en-US" dirty="0">
               <a:solidFill>
@@ -12179,7 +12554,7 @@
           <p:cNvPr id="7" name="Footer Placeholder 3">
             <a:extLst>
               <a:ext uri="{FF2B5EF4-FFF2-40B4-BE49-F238E27FC236}">
-                <a16:creationId xmlns:a16="http://schemas.microsoft.com/office/drawing/2014/main" id="{7BBB4841-9FC2-490F-83AA-5589FC091688}"/>
+                <a16:creationId xmlns:a16="http://schemas.microsoft.com/office/drawing/2014/main" id="{5E95C8DC-5379-4DFB-80A1-1F3AAF7C7D69}"/>
               </a:ext>
             </a:extLst>
           </p:cNvPr>
@@ -12212,7 +12587,7 @@
           <p:cNvPr id="8" name="Tijdelijke aanduiding voor datum 1">
             <a:extLst>
               <a:ext uri="{FF2B5EF4-FFF2-40B4-BE49-F238E27FC236}">
-                <a16:creationId xmlns:a16="http://schemas.microsoft.com/office/drawing/2014/main" id="{86E517BA-B755-4C37-BB4C-75337E789D27}"/>
+                <a16:creationId xmlns:a16="http://schemas.microsoft.com/office/drawing/2014/main" id="{0FB70630-6571-48E3-857D-CDD365B58D30}"/>
               </a:ext>
             </a:extLst>
           </p:cNvPr>
@@ -12243,7 +12618,7 @@
     </p:spTree>
     <p:extLst>
       <p:ext uri="{BB962C8B-B14F-4D97-AF65-F5344CB8AC3E}">
-        <p14:creationId xmlns:p14="http://schemas.microsoft.com/office/powerpoint/2010/main" val="2591651798"/>
+        <p14:creationId xmlns:p14="http://schemas.microsoft.com/office/powerpoint/2010/main" val="2035829673"/>
       </p:ext>
     </p:extLst>
   </p:cSld>
@@ -12272,10 +12647,10 @@
       </p:grpSpPr>
       <p:sp>
         <p:nvSpPr>
-          <p:cNvPr id="2" name="Title 1">
-            <a:extLst>
-              <a:ext uri="{FF2B5EF4-FFF2-40B4-BE49-F238E27FC236}">
-                <a16:creationId xmlns:a16="http://schemas.microsoft.com/office/drawing/2014/main" id="{71FD9B4A-22B3-4B27-8EC6-CB566E6C3ECB}"/>
+          <p:cNvPr id="7" name="Title 6">
+            <a:extLst>
+              <a:ext uri="{FF2B5EF4-FFF2-40B4-BE49-F238E27FC236}">
+                <a16:creationId xmlns:a16="http://schemas.microsoft.com/office/drawing/2014/main" id="{098AC1CF-F9AE-40B6-B3C7-9DE0BC46AE3C}"/>
               </a:ext>
             </a:extLst>
           </p:cNvPr>
@@ -12292,35 +12667,71 @@
           <a:lstStyle/>
           <a:p>
             <a:r>
+              <a:rPr lang="nl-BE" dirty="0">
+                <a:solidFill>
+                  <a:srgbClr val="0085FE"/>
+                </a:solidFill>
+              </a:rPr>
+              <a:t>Plugins</a:t>
+            </a:r>
+            <a:endParaRPr lang="en-US" dirty="0">
+              <a:solidFill>
+                <a:srgbClr val="0085FE"/>
+              </a:solidFill>
+            </a:endParaRPr>
+          </a:p>
+        </p:txBody>
+      </p:sp>
+      <p:sp>
+        <p:nvSpPr>
+          <p:cNvPr id="8" name="Content Placeholder 7">
+            <a:extLst>
+              <a:ext uri="{FF2B5EF4-FFF2-40B4-BE49-F238E27FC236}">
+                <a16:creationId xmlns:a16="http://schemas.microsoft.com/office/drawing/2014/main" id="{60503E69-6EDA-419D-A3A1-6C9130158704}"/>
+              </a:ext>
+            </a:extLst>
+          </p:cNvPr>
+          <p:cNvSpPr>
+            <a:spLocks noGrp="1"/>
+          </p:cNvSpPr>
+          <p:nvPr>
+            <p:ph idx="1"/>
+          </p:nvPr>
+        </p:nvSpPr>
+        <p:spPr/>
+        <p:txBody>
+          <a:bodyPr/>
+          <a:lstStyle/>
+          <a:p>
+            <a:endParaRPr lang="en-US"/>
+          </a:p>
+        </p:txBody>
+      </p:sp>
+      <p:sp>
+        <p:nvSpPr>
+          <p:cNvPr id="4" name="Footer Placeholder 3">
+            <a:extLst>
+              <a:ext uri="{FF2B5EF4-FFF2-40B4-BE49-F238E27FC236}">
+                <a16:creationId xmlns:a16="http://schemas.microsoft.com/office/drawing/2014/main" id="{21FC8812-972E-4BCE-81A1-481E0E2522B6}"/>
+              </a:ext>
+            </a:extLst>
+          </p:cNvPr>
+          <p:cNvSpPr>
+            <a:spLocks noGrp="1"/>
+          </p:cNvSpPr>
+          <p:nvPr>
+            <p:ph type="ftr" sz="quarter" idx="11"/>
+          </p:nvPr>
+        </p:nvSpPr>
+        <p:spPr/>
+        <p:txBody>
+          <a:bodyPr/>
+          <a:lstStyle/>
+          <a:p>
+            <a:r>
               <a:rPr lang="nl-BE" dirty="0"/>
-              <a:t>Demo</a:t>
-            </a:r>
-            <a:endParaRPr lang="en-US" dirty="0"/>
-          </a:p>
-        </p:txBody>
-      </p:sp>
-      <p:sp>
-        <p:nvSpPr>
-          <p:cNvPr id="3" name="Text Placeholder 2">
-            <a:extLst>
-              <a:ext uri="{FF2B5EF4-FFF2-40B4-BE49-F238E27FC236}">
-                <a16:creationId xmlns:a16="http://schemas.microsoft.com/office/drawing/2014/main" id="{ABAB74AB-067C-475A-80FF-87286C696527}"/>
-              </a:ext>
-            </a:extLst>
-          </p:cNvPr>
-          <p:cNvSpPr>
-            <a:spLocks noGrp="1"/>
-          </p:cNvSpPr>
-          <p:nvPr>
-            <p:ph type="body" idx="1"/>
-          </p:nvPr>
-        </p:nvSpPr>
-        <p:spPr/>
-        <p:txBody>
-          <a:bodyPr/>
-          <a:lstStyle/>
-          <a:p>
-            <a:endParaRPr lang="en-US" dirty="0"/>
+              <a:t>Ansible</a:t>
+            </a:r>
           </a:p>
         </p:txBody>
       </p:sp>
@@ -12329,7 +12740,7 @@
           <p:cNvPr id="5" name="Slide Number Placeholder 4">
             <a:extLst>
               <a:ext uri="{FF2B5EF4-FFF2-40B4-BE49-F238E27FC236}">
-                <a16:creationId xmlns:a16="http://schemas.microsoft.com/office/drawing/2014/main" id="{02D6F86B-6F5D-45E1-B852-6CA617042C82}"/>
+                <a16:creationId xmlns:a16="http://schemas.microsoft.com/office/drawing/2014/main" id="{B4AA0C24-8468-41E3-B762-FD8E38E65C50}"/>
               </a:ext>
             </a:extLst>
           </p:cNvPr>
@@ -12354,113 +12765,10 @@
           </a:p>
         </p:txBody>
       </p:sp>
-      <p:sp>
-        <p:nvSpPr>
-          <p:cNvPr id="6" name="Text Placeholder 5">
-            <a:extLst>
-              <a:ext uri="{FF2B5EF4-FFF2-40B4-BE49-F238E27FC236}">
-                <a16:creationId xmlns:a16="http://schemas.microsoft.com/office/drawing/2014/main" id="{0371867E-6B97-4F07-9BD0-C382829AF5AC}"/>
-              </a:ext>
-            </a:extLst>
-          </p:cNvPr>
-          <p:cNvSpPr>
-            <a:spLocks noGrp="1"/>
-          </p:cNvSpPr>
-          <p:nvPr>
-            <p:ph type="body" sz="quarter" idx="13"/>
-          </p:nvPr>
-        </p:nvSpPr>
-        <p:spPr/>
-        <p:txBody>
-          <a:bodyPr/>
-          <a:lstStyle/>
-          <a:p>
-            <a:r>
-              <a:rPr lang="nl-BE" dirty="0">
-                <a:solidFill>
-                  <a:srgbClr val="0085FE"/>
-                </a:solidFill>
-              </a:rPr>
-              <a:t>9.</a:t>
-            </a:r>
-            <a:endParaRPr lang="en-US" dirty="0">
-              <a:solidFill>
-                <a:srgbClr val="0085FE"/>
-              </a:solidFill>
-            </a:endParaRPr>
-          </a:p>
-        </p:txBody>
-      </p:sp>
-      <p:sp>
-        <p:nvSpPr>
-          <p:cNvPr id="7" name="Footer Placeholder 3">
-            <a:extLst>
-              <a:ext uri="{FF2B5EF4-FFF2-40B4-BE49-F238E27FC236}">
-                <a16:creationId xmlns:a16="http://schemas.microsoft.com/office/drawing/2014/main" id="{67CC5EEC-6AE9-490F-8F88-E9F460CE1001}"/>
-              </a:ext>
-            </a:extLst>
-          </p:cNvPr>
-          <p:cNvSpPr>
-            <a:spLocks noGrp="1"/>
-          </p:cNvSpPr>
-          <p:nvPr>
-            <p:ph type="ftr" sz="quarter" idx="11"/>
-          </p:nvPr>
-        </p:nvSpPr>
-        <p:spPr>
-          <a:xfrm>
-            <a:off x="861246" y="6264211"/>
-            <a:ext cx="4114800" cy="365125"/>
-          </a:xfrm>
-        </p:spPr>
-        <p:txBody>
-          <a:bodyPr/>
-          <a:lstStyle/>
-          <a:p>
-            <a:r>
-              <a:rPr lang="nl-BE" dirty="0"/>
-              <a:t>Ansible</a:t>
-            </a:r>
-          </a:p>
-        </p:txBody>
-      </p:sp>
-      <p:sp>
-        <p:nvSpPr>
-          <p:cNvPr id="8" name="Tijdelijke aanduiding voor datum 1">
-            <a:extLst>
-              <a:ext uri="{FF2B5EF4-FFF2-40B4-BE49-F238E27FC236}">
-                <a16:creationId xmlns:a16="http://schemas.microsoft.com/office/drawing/2014/main" id="{071B7CCA-0101-47DF-BDDD-97C3F5ABD31C}"/>
-              </a:ext>
-            </a:extLst>
-          </p:cNvPr>
-          <p:cNvSpPr>
-            <a:spLocks noGrp="1"/>
-          </p:cNvSpPr>
-          <p:nvPr>
-            <p:ph type="dt" sz="half" idx="10"/>
-          </p:nvPr>
-        </p:nvSpPr>
-        <p:spPr>
-          <a:xfrm>
-            <a:off x="4998576" y="6264004"/>
-            <a:ext cx="2743200" cy="365125"/>
-          </a:xfrm>
-        </p:spPr>
-        <p:txBody>
-          <a:bodyPr/>
-          <a:lstStyle/>
-          <a:p>
-            <a:r>
-              <a:rPr lang="nl-BE" dirty="0"/>
-              <a:t>31/01/2022</a:t>
-            </a:r>
-          </a:p>
-        </p:txBody>
-      </p:sp>
     </p:spTree>
     <p:extLst>
       <p:ext uri="{BB962C8B-B14F-4D97-AF65-F5344CB8AC3E}">
-        <p14:creationId xmlns:p14="http://schemas.microsoft.com/office/powerpoint/2010/main" val="3975158961"/>
+        <p14:creationId xmlns:p14="http://schemas.microsoft.com/office/powerpoint/2010/main" val="1360308570"/>
       </p:ext>
     </p:extLst>
   </p:cSld>
@@ -12492,7 +12800,7 @@
           <p:cNvPr id="2" name="Title 1">
             <a:extLst>
               <a:ext uri="{FF2B5EF4-FFF2-40B4-BE49-F238E27FC236}">
-                <a16:creationId xmlns:a16="http://schemas.microsoft.com/office/drawing/2014/main" id="{C0CA5DA5-C036-4684-B395-A2B54100B73E}"/>
+                <a16:creationId xmlns:a16="http://schemas.microsoft.com/office/drawing/2014/main" id="{3E45054D-3413-4B57-983B-BEF2D1AE40FF}"/>
               </a:ext>
             </a:extLst>
           </p:cNvPr>
@@ -12508,24 +12816,61 @@
           <a:bodyPr/>
           <a:lstStyle/>
           <a:p>
+            <a:r>
+              <a:rPr lang="nl-BE" dirty="0">
+                <a:solidFill>
+                  <a:srgbClr val="0085FE"/>
+                </a:solidFill>
+              </a:rPr>
+              <a:t>Modules</a:t>
+            </a:r>
+            <a:endParaRPr lang="en-US" dirty="0">
+              <a:solidFill>
+                <a:srgbClr val="0085FE"/>
+              </a:solidFill>
+            </a:endParaRPr>
+          </a:p>
+        </p:txBody>
+      </p:sp>
+      <p:sp>
+        <p:nvSpPr>
+          <p:cNvPr id="3" name="Content Placeholder 2">
+            <a:extLst>
+              <a:ext uri="{FF2B5EF4-FFF2-40B4-BE49-F238E27FC236}">
+                <a16:creationId xmlns:a16="http://schemas.microsoft.com/office/drawing/2014/main" id="{FBE4B41D-BA6B-4207-BC8F-465C732FD8DF}"/>
+              </a:ext>
+            </a:extLst>
+          </p:cNvPr>
+          <p:cNvSpPr>
+            <a:spLocks noGrp="1"/>
+          </p:cNvSpPr>
+          <p:nvPr>
+            <p:ph idx="1"/>
+          </p:nvPr>
+        </p:nvSpPr>
+        <p:spPr/>
+        <p:txBody>
+          <a:bodyPr/>
+          <a:lstStyle/>
+          <a:p>
             <a:endParaRPr lang="en-US"/>
           </a:p>
         </p:txBody>
       </p:sp>
       <p:sp>
         <p:nvSpPr>
-          <p:cNvPr id="3" name="Content Placeholder 2">
-            <a:extLst>
-              <a:ext uri="{FF2B5EF4-FFF2-40B4-BE49-F238E27FC236}">
-                <a16:creationId xmlns:a16="http://schemas.microsoft.com/office/drawing/2014/main" id="{6BB7156A-B72D-4860-81A1-650099E4CA1D}"/>
-              </a:ext>
-            </a:extLst>
-          </p:cNvPr>
-          <p:cNvSpPr>
-            <a:spLocks noGrp="1"/>
-          </p:cNvSpPr>
-          <p:nvPr>
-            <p:ph idx="1"/>
+          <p:cNvPr id="4" name="Footer Placeholder 3">
+            <a:extLst>
+              <a:ext uri="{FF2B5EF4-FFF2-40B4-BE49-F238E27FC236}">
+                <a16:creationId xmlns:a16="http://schemas.microsoft.com/office/drawing/2014/main" id="{31FFF919-47E3-46FE-87BC-463E31EE1106}"/>
+              </a:ext>
+            </a:extLst>
+          </p:cNvPr>
+          <p:cNvSpPr>
+            <a:spLocks noGrp="1"/>
+          </p:cNvSpPr>
+          <p:nvPr>
+            <p:ph type="ftr" sz="quarter" idx="11"/>
           </p:nvPr>
         </p:nvSpPr>
         <p:spPr/>
@@ -12533,34 +12878,9 @@
           <a:bodyPr/>
           <a:lstStyle/>
           <a:p>
-            <a:endParaRPr lang="en-US"/>
-          </a:p>
-        </p:txBody>
-      </p:sp>
-      <p:sp>
-        <p:nvSpPr>
-          <p:cNvPr id="4" name="Footer Placeholder 3">
-            <a:extLst>
-              <a:ext uri="{FF2B5EF4-FFF2-40B4-BE49-F238E27FC236}">
-                <a16:creationId xmlns:a16="http://schemas.microsoft.com/office/drawing/2014/main" id="{80F1881B-72D4-442C-AFDA-B56DEF22CFC7}"/>
-              </a:ext>
-            </a:extLst>
-          </p:cNvPr>
-          <p:cNvSpPr>
-            <a:spLocks noGrp="1"/>
-          </p:cNvSpPr>
-          <p:nvPr>
-            <p:ph type="ftr" sz="quarter" idx="11"/>
-          </p:nvPr>
-        </p:nvSpPr>
-        <p:spPr/>
-        <p:txBody>
-          <a:bodyPr/>
-          <a:lstStyle/>
-          <a:p>
-            <a:r>
-              <a:rPr lang="nl-BE"/>
-              <a:t>Titel van de presentatie</a:t>
+            <a:r>
+              <a:rPr lang="nl-BE" dirty="0"/>
+              <a:t>Ansible</a:t>
             </a:r>
           </a:p>
         </p:txBody>
@@ -12570,7 +12890,7 @@
           <p:cNvPr id="5" name="Slide Number Placeholder 4">
             <a:extLst>
               <a:ext uri="{FF2B5EF4-FFF2-40B4-BE49-F238E27FC236}">
-                <a16:creationId xmlns:a16="http://schemas.microsoft.com/office/drawing/2014/main" id="{EA65554E-54D4-4B45-9ED8-B19774FC2A6D}"/>
+                <a16:creationId xmlns:a16="http://schemas.microsoft.com/office/drawing/2014/main" id="{48542A5F-8009-443A-AA50-2CC3C0CF11C7}"/>
               </a:ext>
             </a:extLst>
           </p:cNvPr>
@@ -12594,35 +12914,10 @@
           </a:p>
         </p:txBody>
       </p:sp>
-      <p:sp>
-        <p:nvSpPr>
-          <p:cNvPr id="6" name="Text Placeholder 5">
-            <a:extLst>
-              <a:ext uri="{FF2B5EF4-FFF2-40B4-BE49-F238E27FC236}">
-                <a16:creationId xmlns:a16="http://schemas.microsoft.com/office/drawing/2014/main" id="{7178E282-D5ED-46AF-AC21-8E478FBDA844}"/>
-              </a:ext>
-            </a:extLst>
-          </p:cNvPr>
-          <p:cNvSpPr>
-            <a:spLocks noGrp="1"/>
-          </p:cNvSpPr>
-          <p:nvPr>
-            <p:ph type="body" sz="quarter" idx="13"/>
-          </p:nvPr>
-        </p:nvSpPr>
-        <p:spPr/>
-        <p:txBody>
-          <a:bodyPr/>
-          <a:lstStyle/>
-          <a:p>
-            <a:endParaRPr lang="en-US"/>
-          </a:p>
-        </p:txBody>
-      </p:sp>
     </p:spTree>
     <p:extLst>
       <p:ext uri="{BB962C8B-B14F-4D97-AF65-F5344CB8AC3E}">
-        <p14:creationId xmlns:p14="http://schemas.microsoft.com/office/powerpoint/2010/main" val="791299812"/>
+        <p14:creationId xmlns:p14="http://schemas.microsoft.com/office/powerpoint/2010/main" val="3271448145"/>
       </p:ext>
     </p:extLst>
   </p:cSld>
@@ -12654,7 +12949,7 @@
           <p:cNvPr id="2" name="Title 1">
             <a:extLst>
               <a:ext uri="{FF2B5EF4-FFF2-40B4-BE49-F238E27FC236}">
-                <a16:creationId xmlns:a16="http://schemas.microsoft.com/office/drawing/2014/main" id="{A0A4361E-379E-456A-82BC-335114F04C17}"/>
+                <a16:creationId xmlns:a16="http://schemas.microsoft.com/office/drawing/2014/main" id="{9B03E1DF-1B53-4967-969A-C05921548475}"/>
               </a:ext>
             </a:extLst>
           </p:cNvPr>
@@ -12663,6 +12958,90 @@
           </p:cNvSpPr>
           <p:nvPr>
             <p:ph type="title"/>
+          </p:nvPr>
+        </p:nvSpPr>
+        <p:spPr/>
+        <p:txBody>
+          <a:bodyPr/>
+          <a:lstStyle/>
+          <a:p>
+            <a:r>
+              <a:rPr lang="nl-BE" dirty="0"/>
+              <a:t>Intallation</a:t>
+            </a:r>
+            <a:endParaRPr lang="en-US" dirty="0"/>
+          </a:p>
+        </p:txBody>
+      </p:sp>
+      <p:sp>
+        <p:nvSpPr>
+          <p:cNvPr id="3" name="Text Placeholder 2">
+            <a:extLst>
+              <a:ext uri="{FF2B5EF4-FFF2-40B4-BE49-F238E27FC236}">
+                <a16:creationId xmlns:a16="http://schemas.microsoft.com/office/drawing/2014/main" id="{1525F9F0-2D31-473A-9784-6C675C16A1BC}"/>
+              </a:ext>
+            </a:extLst>
+          </p:cNvPr>
+          <p:cNvSpPr>
+            <a:spLocks noGrp="1"/>
+          </p:cNvSpPr>
+          <p:nvPr>
+            <p:ph type="body" idx="1"/>
+          </p:nvPr>
+        </p:nvSpPr>
+        <p:spPr/>
+        <p:txBody>
+          <a:bodyPr/>
+          <a:lstStyle/>
+          <a:p>
+            <a:endParaRPr lang="en-US"/>
+          </a:p>
+        </p:txBody>
+      </p:sp>
+      <p:sp>
+        <p:nvSpPr>
+          <p:cNvPr id="5" name="Slide Number Placeholder 4">
+            <a:extLst>
+              <a:ext uri="{FF2B5EF4-FFF2-40B4-BE49-F238E27FC236}">
+                <a16:creationId xmlns:a16="http://schemas.microsoft.com/office/drawing/2014/main" id="{50467A86-777D-45F4-BE4B-B1DB46B0E329}"/>
+              </a:ext>
+            </a:extLst>
+          </p:cNvPr>
+          <p:cNvSpPr>
+            <a:spLocks noGrp="1"/>
+          </p:cNvSpPr>
+          <p:nvPr>
+            <p:ph type="sldNum" sz="quarter" idx="12"/>
+          </p:nvPr>
+        </p:nvSpPr>
+        <p:spPr/>
+        <p:txBody>
+          <a:bodyPr/>
+          <a:lstStyle/>
+          <a:p>
+            <a:fld id="{FF88DA20-ED00-471C-9170-60F590CB400A}" type="slidenum">
+              <a:rPr lang="nl-BE" smtClean="0"/>
+              <a:pPr/>
+              <a:t>26</a:t>
+            </a:fld>
+            <a:endParaRPr lang="nl-BE"/>
+          </a:p>
+        </p:txBody>
+      </p:sp>
+      <p:sp>
+        <p:nvSpPr>
+          <p:cNvPr id="6" name="Text Placeholder 5">
+            <a:extLst>
+              <a:ext uri="{FF2B5EF4-FFF2-40B4-BE49-F238E27FC236}">
+                <a16:creationId xmlns:a16="http://schemas.microsoft.com/office/drawing/2014/main" id="{C531B67A-2B8E-44DB-9254-10C25A9E7978}"/>
+              </a:ext>
+            </a:extLst>
+          </p:cNvPr>
+          <p:cNvSpPr>
+            <a:spLocks noGrp="1"/>
+          </p:cNvSpPr>
+          <p:nvPr>
+            <p:ph type="body" sz="quarter" idx="13"/>
           </p:nvPr>
         </p:nvSpPr>
         <p:spPr/>
@@ -12676,7 +13055,7 @@
                   <a:srgbClr val="0085FE"/>
                 </a:solidFill>
               </a:rPr>
-              <a:t>Refferences</a:t>
+              <a:t>7.</a:t>
             </a:r>
             <a:endParaRPr lang="en-US" dirty="0">
               <a:solidFill>
@@ -12688,108 +13067,670 @@
       </p:sp>
       <p:sp>
         <p:nvSpPr>
-          <p:cNvPr id="3" name="Content Placeholder 2">
-            <a:extLst>
-              <a:ext uri="{FF2B5EF4-FFF2-40B4-BE49-F238E27FC236}">
-                <a16:creationId xmlns:a16="http://schemas.microsoft.com/office/drawing/2014/main" id="{58A98F98-F3F6-4D48-8A93-A83BE333E12E}"/>
-              </a:ext>
-            </a:extLst>
-          </p:cNvPr>
-          <p:cNvSpPr>
-            <a:spLocks noGrp="1"/>
-          </p:cNvSpPr>
-          <p:nvPr>
-            <p:ph idx="1"/>
-          </p:nvPr>
-        </p:nvSpPr>
-        <p:spPr/>
-        <p:txBody>
-          <a:bodyPr/>
-          <a:lstStyle/>
-          <a:p>
-            <a:pPr marL="457200" indent="-457200">
-              <a:buFont typeface="Arial" panose="020B0604020202020204" pitchFamily="34" charset="0"/>
-              <a:buChar char="•"/>
-            </a:pPr>
+          <p:cNvPr id="7" name="Footer Placeholder 3">
+            <a:extLst>
+              <a:ext uri="{FF2B5EF4-FFF2-40B4-BE49-F238E27FC236}">
+                <a16:creationId xmlns:a16="http://schemas.microsoft.com/office/drawing/2014/main" id="{918E7B00-6D8B-464C-8C9D-DDD15B71C071}"/>
+              </a:ext>
+            </a:extLst>
+          </p:cNvPr>
+          <p:cNvSpPr>
+            <a:spLocks noGrp="1"/>
+          </p:cNvSpPr>
+          <p:nvPr>
+            <p:ph type="ftr" sz="quarter" idx="11"/>
+          </p:nvPr>
+        </p:nvSpPr>
+        <p:spPr>
+          <a:xfrm>
+            <a:off x="861246" y="6264211"/>
+            <a:ext cx="4114800" cy="365125"/>
+          </a:xfrm>
+        </p:spPr>
+        <p:txBody>
+          <a:bodyPr/>
+          <a:lstStyle/>
+          <a:p>
             <a:r>
               <a:rPr lang="nl-BE" dirty="0"/>
-              <a:t>- Figure Ansible Architecture: </a:t>
-            </a:r>
-            <a:r>
-              <a:rPr lang="nl-BE" dirty="0">
-                <a:hlinkClick r:id="rId2"/>
-              </a:rPr>
-              <a:t>https://www.linkedin.com/pulse/how-industries-solving-challenges-using-ansible-shalini-rana</a:t>
-            </a:r>
+              <a:t>Ansible</a:t>
+            </a:r>
+          </a:p>
+        </p:txBody>
+      </p:sp>
+      <p:sp>
+        <p:nvSpPr>
+          <p:cNvPr id="8" name="Tijdelijke aanduiding voor datum 1">
+            <a:extLst>
+              <a:ext uri="{FF2B5EF4-FFF2-40B4-BE49-F238E27FC236}">
+                <a16:creationId xmlns:a16="http://schemas.microsoft.com/office/drawing/2014/main" id="{2D10AAF3-7345-4621-96FB-A689AE1F459F}"/>
+              </a:ext>
+            </a:extLst>
+          </p:cNvPr>
+          <p:cNvSpPr>
+            <a:spLocks noGrp="1"/>
+          </p:cNvSpPr>
+          <p:nvPr>
+            <p:ph type="dt" sz="half" idx="10"/>
+          </p:nvPr>
+        </p:nvSpPr>
+        <p:spPr>
+          <a:xfrm>
+            <a:off x="4998576" y="6264004"/>
+            <a:ext cx="2743200" cy="365125"/>
+          </a:xfrm>
+        </p:spPr>
+        <p:txBody>
+          <a:bodyPr/>
+          <a:lstStyle/>
+          <a:p>
             <a:r>
               <a:rPr lang="nl-BE" dirty="0"/>
-              <a:t> </a:t>
-            </a:r>
-            <a:endParaRPr lang="en-US" dirty="0"/>
-          </a:p>
-        </p:txBody>
-      </p:sp>
-      <p:sp>
-        <p:nvSpPr>
-          <p:cNvPr id="4" name="Footer Placeholder 3">
-            <a:extLst>
-              <a:ext uri="{FF2B5EF4-FFF2-40B4-BE49-F238E27FC236}">
-                <a16:creationId xmlns:a16="http://schemas.microsoft.com/office/drawing/2014/main" id="{7C6F3A2E-2A91-4DE3-9CEB-AC7F46DF3ECA}"/>
-              </a:ext>
-            </a:extLst>
-          </p:cNvPr>
-          <p:cNvSpPr>
-            <a:spLocks noGrp="1"/>
-          </p:cNvSpPr>
-          <p:nvPr>
-            <p:ph type="ftr" sz="quarter" idx="11"/>
-          </p:nvPr>
-        </p:nvSpPr>
-        <p:spPr/>
-        <p:txBody>
-          <a:bodyPr/>
-          <a:lstStyle/>
-          <a:p>
-            <a:r>
-              <a:rPr lang="nl-BE"/>
-              <a:t>Titel van de presentatie</a:t>
-            </a:r>
-          </a:p>
-        </p:txBody>
-      </p:sp>
-      <p:sp>
-        <p:nvSpPr>
-          <p:cNvPr id="5" name="Slide Number Placeholder 4">
-            <a:extLst>
-              <a:ext uri="{FF2B5EF4-FFF2-40B4-BE49-F238E27FC236}">
-                <a16:creationId xmlns:a16="http://schemas.microsoft.com/office/drawing/2014/main" id="{3349D7CC-7E04-49D2-A02E-DF8FCBEF1041}"/>
-              </a:ext>
-            </a:extLst>
-          </p:cNvPr>
-          <p:cNvSpPr>
-            <a:spLocks noGrp="1"/>
-          </p:cNvSpPr>
-          <p:nvPr>
-            <p:ph type="sldNum" sz="quarter" idx="12"/>
-          </p:nvPr>
-        </p:nvSpPr>
-        <p:spPr/>
-        <p:txBody>
-          <a:bodyPr/>
-          <a:lstStyle/>
-          <a:p>
-            <a:fld id="{FF88DA20-ED00-471C-9170-60F590CB400A}" type="slidenum">
-              <a:rPr lang="nl-BE" smtClean="0"/>
-              <a:t>26</a:t>
-            </a:fld>
-            <a:endParaRPr lang="nl-BE"/>
+              <a:t>31/01/2022</a:t>
+            </a:r>
           </a:p>
         </p:txBody>
       </p:sp>
     </p:spTree>
     <p:extLst>
       <p:ext uri="{BB962C8B-B14F-4D97-AF65-F5344CB8AC3E}">
-        <p14:creationId xmlns:p14="http://schemas.microsoft.com/office/powerpoint/2010/main" val="3070564893"/>
+        <p14:creationId xmlns:p14="http://schemas.microsoft.com/office/powerpoint/2010/main" val="4128278387"/>
+      </p:ext>
+    </p:extLst>
+  </p:cSld>
+  <p:clrMapOvr>
+    <a:masterClrMapping/>
+  </p:clrMapOvr>
+</p:sld>
+</file>
+
+<file path=ppt/slides/slide27.xml><?xml version="1.0" encoding="utf-8"?>
+<p:sld xmlns:a="http://schemas.openxmlformats.org/drawingml/2006/main" xmlns:r="http://schemas.openxmlformats.org/officeDocument/2006/relationships" xmlns:p="http://schemas.openxmlformats.org/presentationml/2006/main">
+  <p:cSld>
+    <p:spTree>
+      <p:nvGrpSpPr>
+        <p:cNvPr id="1" name=""/>
+        <p:cNvGrpSpPr/>
+        <p:nvPr/>
+      </p:nvGrpSpPr>
+      <p:grpSpPr>
+        <a:xfrm>
+          <a:off x="0" y="0"/>
+          <a:ext cx="0" cy="0"/>
+          <a:chOff x="0" y="0"/>
+          <a:chExt cx="0" cy="0"/>
+        </a:xfrm>
+      </p:grpSpPr>
+      <p:sp>
+        <p:nvSpPr>
+          <p:cNvPr id="2" name="Title 1">
+            <a:extLst>
+              <a:ext uri="{FF2B5EF4-FFF2-40B4-BE49-F238E27FC236}">
+                <a16:creationId xmlns:a16="http://schemas.microsoft.com/office/drawing/2014/main" id="{70FEA819-AA32-4583-9E98-B9DBD20D08C5}"/>
+              </a:ext>
+            </a:extLst>
+          </p:cNvPr>
+          <p:cNvSpPr>
+            <a:spLocks noGrp="1"/>
+          </p:cNvSpPr>
+          <p:nvPr>
+            <p:ph type="title"/>
+          </p:nvPr>
+        </p:nvSpPr>
+        <p:spPr/>
+        <p:txBody>
+          <a:bodyPr/>
+          <a:lstStyle/>
+          <a:p>
+            <a:r>
+              <a:rPr lang="nl-BE" dirty="0"/>
+              <a:t>Authentication</a:t>
+            </a:r>
+            <a:endParaRPr lang="en-US" dirty="0"/>
+          </a:p>
+        </p:txBody>
+      </p:sp>
+      <p:sp>
+        <p:nvSpPr>
+          <p:cNvPr id="3" name="Text Placeholder 2">
+            <a:extLst>
+              <a:ext uri="{FF2B5EF4-FFF2-40B4-BE49-F238E27FC236}">
+                <a16:creationId xmlns:a16="http://schemas.microsoft.com/office/drawing/2014/main" id="{EC32EC60-A861-403F-A296-2216AA4D5C5C}"/>
+              </a:ext>
+            </a:extLst>
+          </p:cNvPr>
+          <p:cNvSpPr>
+            <a:spLocks noGrp="1"/>
+          </p:cNvSpPr>
+          <p:nvPr>
+            <p:ph type="body" idx="1"/>
+          </p:nvPr>
+        </p:nvSpPr>
+        <p:spPr/>
+        <p:txBody>
+          <a:bodyPr/>
+          <a:lstStyle/>
+          <a:p>
+            <a:endParaRPr lang="en-US"/>
+          </a:p>
+        </p:txBody>
+      </p:sp>
+      <p:sp>
+        <p:nvSpPr>
+          <p:cNvPr id="5" name="Slide Number Placeholder 4">
+            <a:extLst>
+              <a:ext uri="{FF2B5EF4-FFF2-40B4-BE49-F238E27FC236}">
+                <a16:creationId xmlns:a16="http://schemas.microsoft.com/office/drawing/2014/main" id="{A16825DC-9D9D-4E1A-9AFD-AA673F4A6E6D}"/>
+              </a:ext>
+            </a:extLst>
+          </p:cNvPr>
+          <p:cNvSpPr>
+            <a:spLocks noGrp="1"/>
+          </p:cNvSpPr>
+          <p:nvPr>
+            <p:ph type="sldNum" sz="quarter" idx="12"/>
+          </p:nvPr>
+        </p:nvSpPr>
+        <p:spPr/>
+        <p:txBody>
+          <a:bodyPr/>
+          <a:lstStyle/>
+          <a:p>
+            <a:fld id="{FF88DA20-ED00-471C-9170-60F590CB400A}" type="slidenum">
+              <a:rPr lang="nl-BE" smtClean="0"/>
+              <a:pPr/>
+              <a:t>27</a:t>
+            </a:fld>
+            <a:endParaRPr lang="nl-BE"/>
+          </a:p>
+        </p:txBody>
+      </p:sp>
+      <p:sp>
+        <p:nvSpPr>
+          <p:cNvPr id="6" name="Text Placeholder 5">
+            <a:extLst>
+              <a:ext uri="{FF2B5EF4-FFF2-40B4-BE49-F238E27FC236}">
+                <a16:creationId xmlns:a16="http://schemas.microsoft.com/office/drawing/2014/main" id="{5C7A25BD-74FF-4F3E-A457-7A2EF24BA328}"/>
+              </a:ext>
+            </a:extLst>
+          </p:cNvPr>
+          <p:cNvSpPr>
+            <a:spLocks noGrp="1"/>
+          </p:cNvSpPr>
+          <p:nvPr>
+            <p:ph type="body" sz="quarter" idx="13"/>
+          </p:nvPr>
+        </p:nvSpPr>
+        <p:spPr/>
+        <p:txBody>
+          <a:bodyPr/>
+          <a:lstStyle/>
+          <a:p>
+            <a:r>
+              <a:rPr lang="nl-BE" dirty="0">
+                <a:solidFill>
+                  <a:srgbClr val="0085FE"/>
+                </a:solidFill>
+              </a:rPr>
+              <a:t>8.</a:t>
+            </a:r>
+            <a:endParaRPr lang="en-US" dirty="0">
+              <a:solidFill>
+                <a:srgbClr val="0085FE"/>
+              </a:solidFill>
+            </a:endParaRPr>
+          </a:p>
+        </p:txBody>
+      </p:sp>
+      <p:sp>
+        <p:nvSpPr>
+          <p:cNvPr id="7" name="Footer Placeholder 3">
+            <a:extLst>
+              <a:ext uri="{FF2B5EF4-FFF2-40B4-BE49-F238E27FC236}">
+                <a16:creationId xmlns:a16="http://schemas.microsoft.com/office/drawing/2014/main" id="{7BBB4841-9FC2-490F-83AA-5589FC091688}"/>
+              </a:ext>
+            </a:extLst>
+          </p:cNvPr>
+          <p:cNvSpPr>
+            <a:spLocks noGrp="1"/>
+          </p:cNvSpPr>
+          <p:nvPr>
+            <p:ph type="ftr" sz="quarter" idx="11"/>
+          </p:nvPr>
+        </p:nvSpPr>
+        <p:spPr>
+          <a:xfrm>
+            <a:off x="861246" y="6264211"/>
+            <a:ext cx="4114800" cy="365125"/>
+          </a:xfrm>
+        </p:spPr>
+        <p:txBody>
+          <a:bodyPr/>
+          <a:lstStyle/>
+          <a:p>
+            <a:r>
+              <a:rPr lang="nl-BE" dirty="0"/>
+              <a:t>Ansible</a:t>
+            </a:r>
+          </a:p>
+        </p:txBody>
+      </p:sp>
+      <p:sp>
+        <p:nvSpPr>
+          <p:cNvPr id="8" name="Tijdelijke aanduiding voor datum 1">
+            <a:extLst>
+              <a:ext uri="{FF2B5EF4-FFF2-40B4-BE49-F238E27FC236}">
+                <a16:creationId xmlns:a16="http://schemas.microsoft.com/office/drawing/2014/main" id="{86E517BA-B755-4C37-BB4C-75337E789D27}"/>
+              </a:ext>
+            </a:extLst>
+          </p:cNvPr>
+          <p:cNvSpPr>
+            <a:spLocks noGrp="1"/>
+          </p:cNvSpPr>
+          <p:nvPr>
+            <p:ph type="dt" sz="half" idx="10"/>
+          </p:nvPr>
+        </p:nvSpPr>
+        <p:spPr>
+          <a:xfrm>
+            <a:off x="4998576" y="6264004"/>
+            <a:ext cx="2743200" cy="365125"/>
+          </a:xfrm>
+        </p:spPr>
+        <p:txBody>
+          <a:bodyPr/>
+          <a:lstStyle/>
+          <a:p>
+            <a:r>
+              <a:rPr lang="nl-BE" dirty="0"/>
+              <a:t>31/01/2022</a:t>
+            </a:r>
+          </a:p>
+        </p:txBody>
+      </p:sp>
+    </p:spTree>
+    <p:extLst>
+      <p:ext uri="{BB962C8B-B14F-4D97-AF65-F5344CB8AC3E}">
+        <p14:creationId xmlns:p14="http://schemas.microsoft.com/office/powerpoint/2010/main" val="2591651798"/>
+      </p:ext>
+    </p:extLst>
+  </p:cSld>
+  <p:clrMapOvr>
+    <a:masterClrMapping/>
+  </p:clrMapOvr>
+</p:sld>
+</file>
+
+<file path=ppt/slides/slide28.xml><?xml version="1.0" encoding="utf-8"?>
+<p:sld xmlns:a="http://schemas.openxmlformats.org/drawingml/2006/main" xmlns:r="http://schemas.openxmlformats.org/officeDocument/2006/relationships" xmlns:p="http://schemas.openxmlformats.org/presentationml/2006/main">
+  <p:cSld>
+    <p:spTree>
+      <p:nvGrpSpPr>
+        <p:cNvPr id="1" name=""/>
+        <p:cNvGrpSpPr/>
+        <p:nvPr/>
+      </p:nvGrpSpPr>
+      <p:grpSpPr>
+        <a:xfrm>
+          <a:off x="0" y="0"/>
+          <a:ext cx="0" cy="0"/>
+          <a:chOff x="0" y="0"/>
+          <a:chExt cx="0" cy="0"/>
+        </a:xfrm>
+      </p:grpSpPr>
+      <p:sp>
+        <p:nvSpPr>
+          <p:cNvPr id="2" name="Title 1">
+            <a:extLst>
+              <a:ext uri="{FF2B5EF4-FFF2-40B4-BE49-F238E27FC236}">
+                <a16:creationId xmlns:a16="http://schemas.microsoft.com/office/drawing/2014/main" id="{71FD9B4A-22B3-4B27-8EC6-CB566E6C3ECB}"/>
+              </a:ext>
+            </a:extLst>
+          </p:cNvPr>
+          <p:cNvSpPr>
+            <a:spLocks noGrp="1"/>
+          </p:cNvSpPr>
+          <p:nvPr>
+            <p:ph type="title"/>
+          </p:nvPr>
+        </p:nvSpPr>
+        <p:spPr/>
+        <p:txBody>
+          <a:bodyPr/>
+          <a:lstStyle/>
+          <a:p>
+            <a:r>
+              <a:rPr lang="nl-BE" dirty="0"/>
+              <a:t>Demo</a:t>
+            </a:r>
+            <a:endParaRPr lang="en-US" dirty="0"/>
+          </a:p>
+        </p:txBody>
+      </p:sp>
+      <p:sp>
+        <p:nvSpPr>
+          <p:cNvPr id="3" name="Text Placeholder 2">
+            <a:extLst>
+              <a:ext uri="{FF2B5EF4-FFF2-40B4-BE49-F238E27FC236}">
+                <a16:creationId xmlns:a16="http://schemas.microsoft.com/office/drawing/2014/main" id="{ABAB74AB-067C-475A-80FF-87286C696527}"/>
+              </a:ext>
+            </a:extLst>
+          </p:cNvPr>
+          <p:cNvSpPr>
+            <a:spLocks noGrp="1"/>
+          </p:cNvSpPr>
+          <p:nvPr>
+            <p:ph type="body" idx="1"/>
+          </p:nvPr>
+        </p:nvSpPr>
+        <p:spPr/>
+        <p:txBody>
+          <a:bodyPr/>
+          <a:lstStyle/>
+          <a:p>
+            <a:endParaRPr lang="en-US" dirty="0"/>
+          </a:p>
+        </p:txBody>
+      </p:sp>
+      <p:sp>
+        <p:nvSpPr>
+          <p:cNvPr id="5" name="Slide Number Placeholder 4">
+            <a:extLst>
+              <a:ext uri="{FF2B5EF4-FFF2-40B4-BE49-F238E27FC236}">
+                <a16:creationId xmlns:a16="http://schemas.microsoft.com/office/drawing/2014/main" id="{02D6F86B-6F5D-45E1-B852-6CA617042C82}"/>
+              </a:ext>
+            </a:extLst>
+          </p:cNvPr>
+          <p:cNvSpPr>
+            <a:spLocks noGrp="1"/>
+          </p:cNvSpPr>
+          <p:nvPr>
+            <p:ph type="sldNum" sz="quarter" idx="12"/>
+          </p:nvPr>
+        </p:nvSpPr>
+        <p:spPr/>
+        <p:txBody>
+          <a:bodyPr/>
+          <a:lstStyle/>
+          <a:p>
+            <a:fld id="{FF88DA20-ED00-471C-9170-60F590CB400A}" type="slidenum">
+              <a:rPr lang="nl-BE" smtClean="0"/>
+              <a:pPr/>
+              <a:t>28</a:t>
+            </a:fld>
+            <a:endParaRPr lang="nl-BE"/>
+          </a:p>
+        </p:txBody>
+      </p:sp>
+      <p:sp>
+        <p:nvSpPr>
+          <p:cNvPr id="6" name="Text Placeholder 5">
+            <a:extLst>
+              <a:ext uri="{FF2B5EF4-FFF2-40B4-BE49-F238E27FC236}">
+                <a16:creationId xmlns:a16="http://schemas.microsoft.com/office/drawing/2014/main" id="{0371867E-6B97-4F07-9BD0-C382829AF5AC}"/>
+              </a:ext>
+            </a:extLst>
+          </p:cNvPr>
+          <p:cNvSpPr>
+            <a:spLocks noGrp="1"/>
+          </p:cNvSpPr>
+          <p:nvPr>
+            <p:ph type="body" sz="quarter" idx="13"/>
+          </p:nvPr>
+        </p:nvSpPr>
+        <p:spPr/>
+        <p:txBody>
+          <a:bodyPr/>
+          <a:lstStyle/>
+          <a:p>
+            <a:r>
+              <a:rPr lang="nl-BE" dirty="0">
+                <a:solidFill>
+                  <a:srgbClr val="0085FE"/>
+                </a:solidFill>
+              </a:rPr>
+              <a:t>9.</a:t>
+            </a:r>
+            <a:endParaRPr lang="en-US" dirty="0">
+              <a:solidFill>
+                <a:srgbClr val="0085FE"/>
+              </a:solidFill>
+            </a:endParaRPr>
+          </a:p>
+        </p:txBody>
+      </p:sp>
+      <p:sp>
+        <p:nvSpPr>
+          <p:cNvPr id="7" name="Footer Placeholder 3">
+            <a:extLst>
+              <a:ext uri="{FF2B5EF4-FFF2-40B4-BE49-F238E27FC236}">
+                <a16:creationId xmlns:a16="http://schemas.microsoft.com/office/drawing/2014/main" id="{67CC5EEC-6AE9-490F-8F88-E9F460CE1001}"/>
+              </a:ext>
+            </a:extLst>
+          </p:cNvPr>
+          <p:cNvSpPr>
+            <a:spLocks noGrp="1"/>
+          </p:cNvSpPr>
+          <p:nvPr>
+            <p:ph type="ftr" sz="quarter" idx="11"/>
+          </p:nvPr>
+        </p:nvSpPr>
+        <p:spPr>
+          <a:xfrm>
+            <a:off x="861246" y="6264211"/>
+            <a:ext cx="4114800" cy="365125"/>
+          </a:xfrm>
+        </p:spPr>
+        <p:txBody>
+          <a:bodyPr/>
+          <a:lstStyle/>
+          <a:p>
+            <a:r>
+              <a:rPr lang="nl-BE" dirty="0"/>
+              <a:t>Ansible</a:t>
+            </a:r>
+          </a:p>
+        </p:txBody>
+      </p:sp>
+      <p:sp>
+        <p:nvSpPr>
+          <p:cNvPr id="8" name="Tijdelijke aanduiding voor datum 1">
+            <a:extLst>
+              <a:ext uri="{FF2B5EF4-FFF2-40B4-BE49-F238E27FC236}">
+                <a16:creationId xmlns:a16="http://schemas.microsoft.com/office/drawing/2014/main" id="{071B7CCA-0101-47DF-BDDD-97C3F5ABD31C}"/>
+              </a:ext>
+            </a:extLst>
+          </p:cNvPr>
+          <p:cNvSpPr>
+            <a:spLocks noGrp="1"/>
+          </p:cNvSpPr>
+          <p:nvPr>
+            <p:ph type="dt" sz="half" idx="10"/>
+          </p:nvPr>
+        </p:nvSpPr>
+        <p:spPr>
+          <a:xfrm>
+            <a:off x="4998576" y="6264004"/>
+            <a:ext cx="2743200" cy="365125"/>
+          </a:xfrm>
+        </p:spPr>
+        <p:txBody>
+          <a:bodyPr/>
+          <a:lstStyle/>
+          <a:p>
+            <a:r>
+              <a:rPr lang="nl-BE" dirty="0"/>
+              <a:t>31/01/2022</a:t>
+            </a:r>
+          </a:p>
+        </p:txBody>
+      </p:sp>
+    </p:spTree>
+    <p:extLst>
+      <p:ext uri="{BB962C8B-B14F-4D97-AF65-F5344CB8AC3E}">
+        <p14:creationId xmlns:p14="http://schemas.microsoft.com/office/powerpoint/2010/main" val="3975158961"/>
+      </p:ext>
+    </p:extLst>
+  </p:cSld>
+  <p:clrMapOvr>
+    <a:masterClrMapping/>
+  </p:clrMapOvr>
+</p:sld>
+</file>
+
+<file path=ppt/slides/slide29.xml><?xml version="1.0" encoding="utf-8"?>
+<p:sld xmlns:a="http://schemas.openxmlformats.org/drawingml/2006/main" xmlns:r="http://schemas.openxmlformats.org/officeDocument/2006/relationships" xmlns:p="http://schemas.openxmlformats.org/presentationml/2006/main">
+  <p:cSld>
+    <p:spTree>
+      <p:nvGrpSpPr>
+        <p:cNvPr id="1" name=""/>
+        <p:cNvGrpSpPr/>
+        <p:nvPr/>
+      </p:nvGrpSpPr>
+      <p:grpSpPr>
+        <a:xfrm>
+          <a:off x="0" y="0"/>
+          <a:ext cx="0" cy="0"/>
+          <a:chOff x="0" y="0"/>
+          <a:chExt cx="0" cy="0"/>
+        </a:xfrm>
+      </p:grpSpPr>
+      <p:sp>
+        <p:nvSpPr>
+          <p:cNvPr id="2" name="Title 1">
+            <a:extLst>
+              <a:ext uri="{FF2B5EF4-FFF2-40B4-BE49-F238E27FC236}">
+                <a16:creationId xmlns:a16="http://schemas.microsoft.com/office/drawing/2014/main" id="{C0CA5DA5-C036-4684-B395-A2B54100B73E}"/>
+              </a:ext>
+            </a:extLst>
+          </p:cNvPr>
+          <p:cNvSpPr>
+            <a:spLocks noGrp="1"/>
+          </p:cNvSpPr>
+          <p:nvPr>
+            <p:ph type="title"/>
+          </p:nvPr>
+        </p:nvSpPr>
+        <p:spPr/>
+        <p:txBody>
+          <a:bodyPr/>
+          <a:lstStyle/>
+          <a:p>
+            <a:endParaRPr lang="en-US"/>
+          </a:p>
+        </p:txBody>
+      </p:sp>
+      <p:sp>
+        <p:nvSpPr>
+          <p:cNvPr id="3" name="Content Placeholder 2">
+            <a:extLst>
+              <a:ext uri="{FF2B5EF4-FFF2-40B4-BE49-F238E27FC236}">
+                <a16:creationId xmlns:a16="http://schemas.microsoft.com/office/drawing/2014/main" id="{6BB7156A-B72D-4860-81A1-650099E4CA1D}"/>
+              </a:ext>
+            </a:extLst>
+          </p:cNvPr>
+          <p:cNvSpPr>
+            <a:spLocks noGrp="1"/>
+          </p:cNvSpPr>
+          <p:nvPr>
+            <p:ph idx="1"/>
+          </p:nvPr>
+        </p:nvSpPr>
+        <p:spPr/>
+        <p:txBody>
+          <a:bodyPr/>
+          <a:lstStyle/>
+          <a:p>
+            <a:endParaRPr lang="en-US"/>
+          </a:p>
+        </p:txBody>
+      </p:sp>
+      <p:sp>
+        <p:nvSpPr>
+          <p:cNvPr id="4" name="Footer Placeholder 3">
+            <a:extLst>
+              <a:ext uri="{FF2B5EF4-FFF2-40B4-BE49-F238E27FC236}">
+                <a16:creationId xmlns:a16="http://schemas.microsoft.com/office/drawing/2014/main" id="{80F1881B-72D4-442C-AFDA-B56DEF22CFC7}"/>
+              </a:ext>
+            </a:extLst>
+          </p:cNvPr>
+          <p:cNvSpPr>
+            <a:spLocks noGrp="1"/>
+          </p:cNvSpPr>
+          <p:nvPr>
+            <p:ph type="ftr" sz="quarter" idx="11"/>
+          </p:nvPr>
+        </p:nvSpPr>
+        <p:spPr/>
+        <p:txBody>
+          <a:bodyPr/>
+          <a:lstStyle/>
+          <a:p>
+            <a:r>
+              <a:rPr lang="nl-BE"/>
+              <a:t>Titel van de presentatie</a:t>
+            </a:r>
+          </a:p>
+        </p:txBody>
+      </p:sp>
+      <p:sp>
+        <p:nvSpPr>
+          <p:cNvPr id="5" name="Slide Number Placeholder 4">
+            <a:extLst>
+              <a:ext uri="{FF2B5EF4-FFF2-40B4-BE49-F238E27FC236}">
+                <a16:creationId xmlns:a16="http://schemas.microsoft.com/office/drawing/2014/main" id="{EA65554E-54D4-4B45-9ED8-B19774FC2A6D}"/>
+              </a:ext>
+            </a:extLst>
+          </p:cNvPr>
+          <p:cNvSpPr>
+            <a:spLocks noGrp="1"/>
+          </p:cNvSpPr>
+          <p:nvPr>
+            <p:ph type="sldNum" sz="quarter" idx="12"/>
+          </p:nvPr>
+        </p:nvSpPr>
+        <p:spPr/>
+        <p:txBody>
+          <a:bodyPr/>
+          <a:lstStyle/>
+          <a:p>
+            <a:fld id="{FF88DA20-ED00-471C-9170-60F590CB400A}" type="slidenum">
+              <a:rPr lang="nl-BE" smtClean="0"/>
+              <a:t>29</a:t>
+            </a:fld>
+            <a:endParaRPr lang="nl-BE"/>
+          </a:p>
+        </p:txBody>
+      </p:sp>
+      <p:sp>
+        <p:nvSpPr>
+          <p:cNvPr id="6" name="Text Placeholder 5">
+            <a:extLst>
+              <a:ext uri="{FF2B5EF4-FFF2-40B4-BE49-F238E27FC236}">
+                <a16:creationId xmlns:a16="http://schemas.microsoft.com/office/drawing/2014/main" id="{7178E282-D5ED-46AF-AC21-8E478FBDA844}"/>
+              </a:ext>
+            </a:extLst>
+          </p:cNvPr>
+          <p:cNvSpPr>
+            <a:spLocks noGrp="1"/>
+          </p:cNvSpPr>
+          <p:nvPr>
+            <p:ph type="body" sz="quarter" idx="13"/>
+          </p:nvPr>
+        </p:nvSpPr>
+        <p:spPr/>
+        <p:txBody>
+          <a:bodyPr/>
+          <a:lstStyle/>
+          <a:p>
+            <a:endParaRPr lang="en-US"/>
+          </a:p>
+        </p:txBody>
+      </p:sp>
+    </p:spTree>
+    <p:extLst>
+      <p:ext uri="{BB962C8B-B14F-4D97-AF65-F5344CB8AC3E}">
+        <p14:creationId xmlns:p14="http://schemas.microsoft.com/office/powerpoint/2010/main" val="791299812"/>
       </p:ext>
     </p:extLst>
   </p:cSld>
@@ -12994,6 +13935,173 @@
     <p:extLst>
       <p:ext uri="{BB962C8B-B14F-4D97-AF65-F5344CB8AC3E}">
         <p14:creationId xmlns:p14="http://schemas.microsoft.com/office/powerpoint/2010/main" val="2087987959"/>
+      </p:ext>
+    </p:extLst>
+  </p:cSld>
+  <p:clrMapOvr>
+    <a:masterClrMapping/>
+  </p:clrMapOvr>
+</p:sld>
+</file>
+
+<file path=ppt/slides/slide30.xml><?xml version="1.0" encoding="utf-8"?>
+<p:sld xmlns:a="http://schemas.openxmlformats.org/drawingml/2006/main" xmlns:r="http://schemas.openxmlformats.org/officeDocument/2006/relationships" xmlns:p="http://schemas.openxmlformats.org/presentationml/2006/main">
+  <p:cSld>
+    <p:spTree>
+      <p:nvGrpSpPr>
+        <p:cNvPr id="1" name=""/>
+        <p:cNvGrpSpPr/>
+        <p:nvPr/>
+      </p:nvGrpSpPr>
+      <p:grpSpPr>
+        <a:xfrm>
+          <a:off x="0" y="0"/>
+          <a:ext cx="0" cy="0"/>
+          <a:chOff x="0" y="0"/>
+          <a:chExt cx="0" cy="0"/>
+        </a:xfrm>
+      </p:grpSpPr>
+      <p:sp>
+        <p:nvSpPr>
+          <p:cNvPr id="2" name="Title 1">
+            <a:extLst>
+              <a:ext uri="{FF2B5EF4-FFF2-40B4-BE49-F238E27FC236}">
+                <a16:creationId xmlns:a16="http://schemas.microsoft.com/office/drawing/2014/main" id="{A0A4361E-379E-456A-82BC-335114F04C17}"/>
+              </a:ext>
+            </a:extLst>
+          </p:cNvPr>
+          <p:cNvSpPr>
+            <a:spLocks noGrp="1"/>
+          </p:cNvSpPr>
+          <p:nvPr>
+            <p:ph type="title"/>
+          </p:nvPr>
+        </p:nvSpPr>
+        <p:spPr/>
+        <p:txBody>
+          <a:bodyPr/>
+          <a:lstStyle/>
+          <a:p>
+            <a:r>
+              <a:rPr lang="nl-BE" dirty="0">
+                <a:solidFill>
+                  <a:srgbClr val="0085FE"/>
+                </a:solidFill>
+              </a:rPr>
+              <a:t>Refferences</a:t>
+            </a:r>
+            <a:endParaRPr lang="en-US" dirty="0">
+              <a:solidFill>
+                <a:srgbClr val="0085FE"/>
+              </a:solidFill>
+            </a:endParaRPr>
+          </a:p>
+        </p:txBody>
+      </p:sp>
+      <p:sp>
+        <p:nvSpPr>
+          <p:cNvPr id="3" name="Content Placeholder 2">
+            <a:extLst>
+              <a:ext uri="{FF2B5EF4-FFF2-40B4-BE49-F238E27FC236}">
+                <a16:creationId xmlns:a16="http://schemas.microsoft.com/office/drawing/2014/main" id="{58A98F98-F3F6-4D48-8A93-A83BE333E12E}"/>
+              </a:ext>
+            </a:extLst>
+          </p:cNvPr>
+          <p:cNvSpPr>
+            <a:spLocks noGrp="1"/>
+          </p:cNvSpPr>
+          <p:nvPr>
+            <p:ph idx="1"/>
+          </p:nvPr>
+        </p:nvSpPr>
+        <p:spPr/>
+        <p:txBody>
+          <a:bodyPr/>
+          <a:lstStyle/>
+          <a:p>
+            <a:pPr marL="457200" indent="-457200">
+              <a:buFont typeface="Arial" panose="020B0604020202020204" pitchFamily="34" charset="0"/>
+              <a:buChar char="•"/>
+            </a:pPr>
+            <a:r>
+              <a:rPr lang="nl-BE" dirty="0"/>
+              <a:t>- Figure Ansible Architecture: </a:t>
+            </a:r>
+            <a:r>
+              <a:rPr lang="nl-BE" dirty="0">
+                <a:hlinkClick r:id="rId2"/>
+              </a:rPr>
+              <a:t>https://www.linkedin.com/pulse/how-industries-solving-challenges-using-ansible-shalini-rana</a:t>
+            </a:r>
+            <a:r>
+              <a:rPr lang="nl-BE" dirty="0"/>
+              <a:t> </a:t>
+            </a:r>
+            <a:endParaRPr lang="en-US" dirty="0"/>
+          </a:p>
+        </p:txBody>
+      </p:sp>
+      <p:sp>
+        <p:nvSpPr>
+          <p:cNvPr id="4" name="Footer Placeholder 3">
+            <a:extLst>
+              <a:ext uri="{FF2B5EF4-FFF2-40B4-BE49-F238E27FC236}">
+                <a16:creationId xmlns:a16="http://schemas.microsoft.com/office/drawing/2014/main" id="{7C6F3A2E-2A91-4DE3-9CEB-AC7F46DF3ECA}"/>
+              </a:ext>
+            </a:extLst>
+          </p:cNvPr>
+          <p:cNvSpPr>
+            <a:spLocks noGrp="1"/>
+          </p:cNvSpPr>
+          <p:nvPr>
+            <p:ph type="ftr" sz="quarter" idx="11"/>
+          </p:nvPr>
+        </p:nvSpPr>
+        <p:spPr/>
+        <p:txBody>
+          <a:bodyPr/>
+          <a:lstStyle/>
+          <a:p>
+            <a:r>
+              <a:rPr lang="nl-BE"/>
+              <a:t>Titel van de presentatie</a:t>
+            </a:r>
+          </a:p>
+        </p:txBody>
+      </p:sp>
+      <p:sp>
+        <p:nvSpPr>
+          <p:cNvPr id="5" name="Slide Number Placeholder 4">
+            <a:extLst>
+              <a:ext uri="{FF2B5EF4-FFF2-40B4-BE49-F238E27FC236}">
+                <a16:creationId xmlns:a16="http://schemas.microsoft.com/office/drawing/2014/main" id="{3349D7CC-7E04-49D2-A02E-DF8FCBEF1041}"/>
+              </a:ext>
+            </a:extLst>
+          </p:cNvPr>
+          <p:cNvSpPr>
+            <a:spLocks noGrp="1"/>
+          </p:cNvSpPr>
+          <p:nvPr>
+            <p:ph type="sldNum" sz="quarter" idx="12"/>
+          </p:nvPr>
+        </p:nvSpPr>
+        <p:spPr/>
+        <p:txBody>
+          <a:bodyPr/>
+          <a:lstStyle/>
+          <a:p>
+            <a:fld id="{FF88DA20-ED00-471C-9170-60F590CB400A}" type="slidenum">
+              <a:rPr lang="nl-BE" smtClean="0"/>
+              <a:t>30</a:t>
+            </a:fld>
+            <a:endParaRPr lang="nl-BE"/>
+          </a:p>
+        </p:txBody>
+      </p:sp>
+    </p:spTree>
+    <p:extLst>
+      <p:ext uri="{BB962C8B-B14F-4D97-AF65-F5344CB8AC3E}">
+        <p14:creationId xmlns:p14="http://schemas.microsoft.com/office/powerpoint/2010/main" val="3070564893"/>
       </p:ext>
     </p:extLst>
   </p:cSld>
@@ -14351,12 +15459,134 @@
           </a:p>
         </p:txBody>
       </p:sp>
+      <p:sp>
+        <p:nvSpPr>
+          <p:cNvPr id="2" name="TextBox 1">
+            <a:extLst>
+              <a:ext uri="{FF2B5EF4-FFF2-40B4-BE49-F238E27FC236}">
+                <a16:creationId xmlns:a16="http://schemas.microsoft.com/office/drawing/2014/main" id="{C7C5B250-4184-42DF-BE84-07E9B9E97572}"/>
+              </a:ext>
+            </a:extLst>
+          </p:cNvPr>
+          <p:cNvSpPr txBox="1"/>
+          <p:nvPr/>
+        </p:nvSpPr>
+        <p:spPr>
+          <a:xfrm>
+            <a:off x="122311" y="1126264"/>
+            <a:ext cx="6041421" cy="4708981"/>
+          </a:xfrm>
+          <a:prstGeom prst="rect">
+            <a:avLst/>
+          </a:prstGeom>
+          <a:noFill/>
+        </p:spPr>
+        <p:txBody>
+          <a:bodyPr wrap="square" rtlCol="0">
+            <a:spAutoFit/>
+          </a:bodyPr>
+          <a:lstStyle/>
+          <a:p>
+            <a:r>
+              <a:rPr lang="nl-BE" sz="2400" b="1" dirty="0">
+                <a:latin typeface="+mj-lt"/>
+              </a:rPr>
+              <a:t>Most in portant files</a:t>
+            </a:r>
+          </a:p>
+          <a:p>
+            <a:pPr marL="914400" lvl="1" indent="-457200">
+              <a:buFont typeface="Arial" panose="020B0604020202020204" pitchFamily="34" charset="0"/>
+              <a:buChar char="•"/>
+            </a:pPr>
+            <a:r>
+              <a:rPr lang="nl-BE" sz="2400" dirty="0"/>
+              <a:t>Ansible.cfg</a:t>
+            </a:r>
+          </a:p>
+          <a:p>
+            <a:pPr marL="914400" lvl="1" indent="-457200">
+              <a:buFont typeface="Arial" panose="020B0604020202020204" pitchFamily="34" charset="0"/>
+              <a:buChar char="•"/>
+            </a:pPr>
+            <a:r>
+              <a:rPr lang="nl-BE" sz="2400" dirty="0"/>
+              <a:t>Hosts/inventory</a:t>
+            </a:r>
+          </a:p>
+          <a:p>
+            <a:pPr marL="914400" lvl="1" indent="-457200">
+              <a:buFont typeface="Arial" panose="020B0604020202020204" pitchFamily="34" charset="0"/>
+              <a:buChar char="•"/>
+            </a:pPr>
+            <a:r>
+              <a:rPr lang="nl-BE" sz="2400" dirty="0"/>
+              <a:t>Playbook.yml</a:t>
+            </a:r>
+          </a:p>
+          <a:p>
+            <a:pPr lvl="1"/>
+            <a:endParaRPr lang="nl-BE" sz="2400" dirty="0"/>
+          </a:p>
+          <a:p>
+            <a:r>
+              <a:rPr lang="nl-BE" sz="2400" b="1" dirty="0">
+                <a:latin typeface="+mj-lt"/>
+              </a:rPr>
+              <a:t>What do they contain</a:t>
+            </a:r>
+          </a:p>
+          <a:p>
+            <a:pPr marL="914400" lvl="1" indent="-457200">
+              <a:buFont typeface="Arial" panose="020B0604020202020204" pitchFamily="34" charset="0"/>
+              <a:buChar char="•"/>
+            </a:pPr>
+            <a:r>
+              <a:rPr lang="nl-BE" sz="2400" dirty="0"/>
+              <a:t>Ansible.cfg = config</a:t>
+            </a:r>
+          </a:p>
+          <a:p>
+            <a:pPr marL="914400" lvl="1" indent="-457200">
+              <a:buFont typeface="Arial" panose="020B0604020202020204" pitchFamily="34" charset="0"/>
+              <a:buChar char="•"/>
+            </a:pPr>
+            <a:r>
+              <a:rPr lang="nl-BE" sz="2400" dirty="0"/>
+              <a:t>Hosts = List of nodes</a:t>
+            </a:r>
+          </a:p>
+          <a:p>
+            <a:pPr marL="914400" lvl="1" indent="-457200">
+              <a:buFont typeface="Arial" panose="020B0604020202020204" pitchFamily="34" charset="0"/>
+              <a:buChar char="•"/>
+            </a:pPr>
+            <a:r>
+              <a:rPr lang="nl-BE" sz="2400" dirty="0"/>
+              <a:t>Playbook = instructions to perform</a:t>
+            </a:r>
+          </a:p>
+          <a:p>
+            <a:endParaRPr lang="nl-BE" sz="2800" dirty="0"/>
+          </a:p>
+          <a:p>
+            <a:endParaRPr lang="nl-BE" sz="2800" dirty="0"/>
+          </a:p>
+          <a:p>
+            <a:pPr marL="457200" indent="-457200">
+              <a:buFont typeface="Arial" panose="020B0604020202020204" pitchFamily="34" charset="0"/>
+              <a:buChar char="•"/>
+            </a:pPr>
+            <a:endParaRPr lang="nl-BE" sz="2800" dirty="0"/>
+          </a:p>
+        </p:txBody>
+      </p:sp>
       <p:pic>
         <p:nvPicPr>
-          <p:cNvPr id="10" name="Picture 9" descr="A screenshot of a computer&#10;&#10;Description automatically generated with low confidence">
-            <a:extLst>
-              <a:ext uri="{FF2B5EF4-FFF2-40B4-BE49-F238E27FC236}">
-                <a16:creationId xmlns:a16="http://schemas.microsoft.com/office/drawing/2014/main" id="{79C1FF88-7265-4B08-B688-5E03DBAE1C4B}"/>
+          <p:cNvPr id="7" name="Picture 6" descr="A screenshot of a computer&#10;&#10;Description automatically generated with low confidence">
+            <a:extLst>
+              <a:ext uri="{FF2B5EF4-FFF2-40B4-BE49-F238E27FC236}">
+                <a16:creationId xmlns:a16="http://schemas.microsoft.com/office/drawing/2014/main" id="{E653210C-A24A-4B0B-9524-9D98F3801CB4}"/>
               </a:ext>
             </a:extLst>
           </p:cNvPr>
@@ -14387,128 +15617,6 @@
           </a:prstGeom>
         </p:spPr>
       </p:pic>
-      <p:sp>
-        <p:nvSpPr>
-          <p:cNvPr id="2" name="TextBox 1">
-            <a:extLst>
-              <a:ext uri="{FF2B5EF4-FFF2-40B4-BE49-F238E27FC236}">
-                <a16:creationId xmlns:a16="http://schemas.microsoft.com/office/drawing/2014/main" id="{C7C5B250-4184-42DF-BE84-07E9B9E97572}"/>
-              </a:ext>
-            </a:extLst>
-          </p:cNvPr>
-          <p:cNvSpPr txBox="1"/>
-          <p:nvPr/>
-        </p:nvSpPr>
-        <p:spPr>
-          <a:xfrm>
-            <a:off x="122311" y="1126264"/>
-            <a:ext cx="6041421" cy="4832092"/>
-          </a:xfrm>
-          <a:prstGeom prst="rect">
-            <a:avLst/>
-          </a:prstGeom>
-          <a:noFill/>
-        </p:spPr>
-        <p:txBody>
-          <a:bodyPr wrap="square" rtlCol="0">
-            <a:spAutoFit/>
-          </a:bodyPr>
-          <a:lstStyle/>
-          <a:p>
-            <a:pPr marL="457200" indent="-457200">
-              <a:buFont typeface="Arial" panose="020B0604020202020204" pitchFamily="34" charset="0"/>
-              <a:buChar char="•"/>
-            </a:pPr>
-            <a:r>
-              <a:rPr lang="nl-BE" sz="2800" b="1" dirty="0"/>
-              <a:t>Most in portant files</a:t>
-            </a:r>
-          </a:p>
-          <a:p>
-            <a:pPr marL="914400" lvl="1" indent="-457200">
-              <a:buFont typeface="Arial" panose="020B0604020202020204" pitchFamily="34" charset="0"/>
-              <a:buChar char="•"/>
-            </a:pPr>
-            <a:r>
-              <a:rPr lang="nl-BE" sz="2800" dirty="0"/>
-              <a:t>Ansible.cfg</a:t>
-            </a:r>
-          </a:p>
-          <a:p>
-            <a:pPr marL="914400" lvl="1" indent="-457200">
-              <a:buFont typeface="Arial" panose="020B0604020202020204" pitchFamily="34" charset="0"/>
-              <a:buChar char="•"/>
-            </a:pPr>
-            <a:r>
-              <a:rPr lang="nl-BE" sz="2800" dirty="0"/>
-              <a:t>Hosts/inventory</a:t>
-            </a:r>
-          </a:p>
-          <a:p>
-            <a:pPr marL="914400" lvl="1" indent="-457200">
-              <a:buFont typeface="Arial" panose="020B0604020202020204" pitchFamily="34" charset="0"/>
-              <a:buChar char="•"/>
-            </a:pPr>
-            <a:r>
-              <a:rPr lang="nl-BE" sz="2800" dirty="0"/>
-              <a:t>Playbook.yml</a:t>
-            </a:r>
-          </a:p>
-          <a:p>
-            <a:pPr marL="457200" indent="-457200">
-              <a:buFont typeface="Arial" panose="020B0604020202020204" pitchFamily="34" charset="0"/>
-              <a:buChar char="•"/>
-            </a:pPr>
-            <a:r>
-              <a:rPr lang="nl-BE" sz="2800" b="1" dirty="0"/>
-              <a:t>What do they contain</a:t>
-            </a:r>
-          </a:p>
-          <a:p>
-            <a:pPr marL="914400" lvl="1" indent="-457200">
-              <a:buFont typeface="Arial" panose="020B0604020202020204" pitchFamily="34" charset="0"/>
-              <a:buChar char="•"/>
-            </a:pPr>
-            <a:r>
-              <a:rPr lang="nl-BE" sz="2800" dirty="0"/>
-              <a:t>Ansible.cfg = config</a:t>
-            </a:r>
-          </a:p>
-          <a:p>
-            <a:pPr marL="914400" lvl="1" indent="-457200">
-              <a:buFont typeface="Arial" panose="020B0604020202020204" pitchFamily="34" charset="0"/>
-              <a:buChar char="•"/>
-            </a:pPr>
-            <a:r>
-              <a:rPr lang="nl-BE" sz="2800" dirty="0"/>
-              <a:t>Hosts = List of nodes</a:t>
-            </a:r>
-          </a:p>
-          <a:p>
-            <a:pPr marL="914400" lvl="1" indent="-457200">
-              <a:buFont typeface="Arial" panose="020B0604020202020204" pitchFamily="34" charset="0"/>
-              <a:buChar char="•"/>
-            </a:pPr>
-            <a:r>
-              <a:rPr lang="nl-BE" sz="2800" dirty="0"/>
-              <a:t>Playbook = instructions to perform</a:t>
-            </a:r>
-          </a:p>
-          <a:p>
-            <a:endParaRPr lang="nl-BE" sz="2800" dirty="0"/>
-          </a:p>
-          <a:p>
-            <a:endParaRPr lang="nl-BE" sz="2800" dirty="0"/>
-          </a:p>
-          <a:p>
-            <a:pPr marL="457200" indent="-457200">
-              <a:buFont typeface="Arial" panose="020B0604020202020204" pitchFamily="34" charset="0"/>
-              <a:buChar char="•"/>
-            </a:pPr>
-            <a:endParaRPr lang="nl-BE" sz="2800" dirty="0"/>
-          </a:p>
-        </p:txBody>
-      </p:sp>
     </p:spTree>
     <p:extLst>
       <p:ext uri="{BB962C8B-B14F-4D97-AF65-F5344CB8AC3E}">

--- a/Documents/Ansible_BasicsAndHowToGetStarted.pptx
+++ b/Documents/Ansible_BasicsAndHowToGetStarted.pptx
@@ -226,7 +226,7 @@
           <a:p>
             <a:fld id="{D8EBF3A7-A7E5-42B6-9154-500A7CB5E3E8}" type="datetimeFigureOut">
               <a:rPr lang="nl-BE" smtClean="0"/>
-              <a:t>1/02/2022</a:t>
+              <a:t>2/02/2022</a:t>
             </a:fld>
             <a:endParaRPr lang="nl-BE"/>
           </a:p>
@@ -3324,7 +3324,7 @@
           <a:p>
             <a:fld id="{3256510D-866F-4A54-9543-AD7E04D1A349}" type="datetime1">
               <a:rPr lang="nl-BE" smtClean="0"/>
-              <a:t>1/02/2022</a:t>
+              <a:t>2/02/2022</a:t>
             </a:fld>
             <a:endParaRPr lang="en-US"/>
           </a:p>
@@ -7647,8 +7647,8 @@
           <a:lstStyle/>
           <a:p>
             <a:r>
-              <a:rPr lang="nl-BE" dirty="0"/>
-              <a:t>Ansible</a:t>
+              <a:rPr lang="en-US" dirty="0"/>
+              <a:t>Ansible - Introduction</a:t>
             </a:r>
           </a:p>
         </p:txBody>
@@ -7992,8 +7992,8 @@
           <a:lstStyle/>
           <a:p>
             <a:r>
-              <a:rPr lang="nl-BE" dirty="0"/>
-              <a:t>Ansible</a:t>
+              <a:rPr lang="en-US" dirty="0"/>
+              <a:t>Ansible - Introduction</a:t>
             </a:r>
           </a:p>
         </p:txBody>
@@ -8147,8 +8147,8 @@
           <a:lstStyle/>
           <a:p>
             <a:r>
-              <a:rPr lang="nl-BE" dirty="0"/>
-              <a:t>Ansible</a:t>
+              <a:rPr lang="en-US" dirty="0"/>
+              <a:t>Ansible - Introduction</a:t>
             </a:r>
           </a:p>
         </p:txBody>
@@ -8512,8 +8512,8 @@
           <a:lstStyle/>
           <a:p>
             <a:r>
-              <a:rPr lang="nl-BE" dirty="0"/>
-              <a:t>Ansible</a:t>
+              <a:rPr lang="en-US" dirty="0"/>
+              <a:t>Ansible - Introduction</a:t>
             </a:r>
           </a:p>
         </p:txBody>
@@ -9477,8 +9477,8 @@
           <a:lstStyle/>
           <a:p>
             <a:r>
-              <a:rPr lang="nl-BE" dirty="0"/>
-              <a:t>Ansible</a:t>
+              <a:rPr lang="en-US" dirty="0"/>
+              <a:t>Ansible - Introduction</a:t>
             </a:r>
           </a:p>
         </p:txBody>
@@ -10294,9 +10294,12 @@
           <a:lstStyle/>
           <a:p>
             <a:r>
-              <a:rPr lang="nl-BE" dirty="0"/>
-              <a:t>Ansible</a:t>
-            </a:r>
+              <a:rPr lang="en-US" dirty="0"/>
+              <a:t>Ansible - Introduction</a:t>
+            </a:r>
+          </a:p>
+          <a:p>
+            <a:endParaRPr lang="nl-BE" dirty="0"/>
           </a:p>
         </p:txBody>
       </p:sp>
@@ -10625,8 +10628,8 @@
           <a:lstStyle/>
           <a:p>
             <a:r>
-              <a:rPr lang="nl-BE" dirty="0"/>
-              <a:t>Ansible</a:t>
+              <a:rPr lang="en-US" dirty="0"/>
+              <a:t>Ansible - Introduction</a:t>
             </a:r>
           </a:p>
         </p:txBody>
@@ -10840,10 +10843,9 @@
           <a:lstStyle/>
           <a:p>
             <a:r>
-              <a:rPr lang="nl-BE"/>
-              <a:t>Ansible</a:t>
-            </a:r>
-            <a:endParaRPr lang="nl-BE" dirty="0"/>
+              <a:rPr lang="en-US" dirty="0"/>
+              <a:t>Ansible - Introduction</a:t>
+            </a:r>
           </a:p>
         </p:txBody>
       </p:sp>
@@ -11154,8 +11156,8 @@
           <a:lstStyle/>
           <a:p>
             <a:r>
-              <a:rPr lang="nl-BE" dirty="0"/>
-              <a:t>Ansible</a:t>
+              <a:rPr lang="en-US" dirty="0"/>
+              <a:t>Ansible - Introduction</a:t>
             </a:r>
           </a:p>
         </p:txBody>
@@ -11279,8 +11281,8 @@
           <a:lstStyle/>
           <a:p>
             <a:r>
-              <a:rPr lang="nl-BE" dirty="0"/>
-              <a:t>Ansible</a:t>
+              <a:rPr lang="en-US" dirty="0"/>
+              <a:t>Ansible - Introduction</a:t>
             </a:r>
           </a:p>
         </p:txBody>
@@ -11755,8 +11757,8 @@
           <a:lstStyle/>
           <a:p>
             <a:r>
-              <a:rPr lang="nl-BE" dirty="0"/>
-              <a:t>Ansible</a:t>
+              <a:rPr lang="en-US" dirty="0"/>
+              <a:t>Ansible - Introduction</a:t>
             </a:r>
           </a:p>
         </p:txBody>
@@ -11958,7 +11960,7 @@
               </a:lnSpc>
             </a:pPr>
             <a:r>
-              <a:rPr lang="en-US" sz="4400" kern="1200">
+              <a:rPr lang="en-US" sz="4400" kern="1200" dirty="0">
                 <a:solidFill>
                   <a:srgbClr val="FFFFFF"/>
                 </a:solidFill>
@@ -11989,7 +11991,7 @@
         </p:nvSpPr>
         <p:spPr>
           <a:xfrm>
-            <a:off x="4699818" y="640082"/>
+            <a:off x="4699818" y="-119772"/>
             <a:ext cx="6848715" cy="2484884"/>
           </a:xfrm>
         </p:spPr>
@@ -12091,8 +12093,8 @@
         </p:blipFill>
         <p:spPr>
           <a:xfrm>
-            <a:off x="4654294" y="3209632"/>
-            <a:ext cx="3551103" cy="2141302"/>
+            <a:off x="4123276" y="3274560"/>
+            <a:ext cx="2802917" cy="1690148"/>
           </a:xfrm>
           <a:prstGeom prst="rect">
             <a:avLst/>
@@ -12133,18 +12135,26 @@
               </a:spcAft>
             </a:pPr>
             <a:r>
-              <a:rPr lang="en-US" kern="1200">
-                <a:solidFill>
-                  <a:prstClr val="black">
-                    <a:tint val="75000"/>
-                  </a:prstClr>
-                </a:solidFill>
-                <a:latin typeface="+mn-lt"/>
-                <a:ea typeface="+mn-ea"/>
-                <a:cs typeface="+mn-cs"/>
-              </a:rPr>
-              <a:t>Ansible</a:t>
-            </a:r>
+              <a:rPr lang="en-US" dirty="0"/>
+              <a:t>Ansible - Introduction</a:t>
+            </a:r>
+          </a:p>
+          <a:p>
+            <a:pPr>
+              <a:spcAft>
+                <a:spcPts val="600"/>
+              </a:spcAft>
+            </a:pPr>
+            <a:endParaRPr lang="en-US" kern="1200" dirty="0">
+              <a:solidFill>
+                <a:prstClr val="black">
+                  <a:tint val="75000"/>
+                </a:prstClr>
+              </a:solidFill>
+              <a:latin typeface="+mn-lt"/>
+              <a:ea typeface="+mn-ea"/>
+              <a:cs typeface="+mn-cs"/>
+            </a:endParaRPr>
           </a:p>
         </p:txBody>
       </p:sp>
@@ -12222,8 +12232,8 @@
         </p:nvSpPr>
         <p:spPr>
           <a:xfrm>
-            <a:off x="5325532" y="4927600"/>
-            <a:ext cx="2032001" cy="304800"/>
+            <a:off x="4719673" y="4692407"/>
+            <a:ext cx="1610124" cy="304800"/>
           </a:xfrm>
           <a:prstGeom prst="rect">
             <a:avLst/>
@@ -12248,6 +12258,42 @@
           </a:p>
         </p:txBody>
       </p:sp>
+      <p:pic>
+        <p:nvPicPr>
+          <p:cNvPr id="9" name="Picture 8" descr="A screenshot of a computer&#10;&#10;Description automatically generated with low confidence">
+            <a:extLst>
+              <a:ext uri="{FF2B5EF4-FFF2-40B4-BE49-F238E27FC236}">
+                <a16:creationId xmlns:a16="http://schemas.microsoft.com/office/drawing/2014/main" id="{CD38423D-7FF4-474A-A7B3-852BE36A4F05}"/>
+              </a:ext>
+            </a:extLst>
+          </p:cNvPr>
+          <p:cNvPicPr>
+            <a:picLocks noChangeAspect="1"/>
+          </p:cNvPicPr>
+          <p:nvPr/>
+        </p:nvPicPr>
+        <p:blipFill>
+          <a:blip r:embed="rId3">
+            <a:extLst>
+              <a:ext uri="{28A0092B-C50C-407E-A947-70E740481C1C}">
+                <a14:useLocalDpi xmlns:a14="http://schemas.microsoft.com/office/drawing/2010/main" val="0"/>
+              </a:ext>
+            </a:extLst>
+          </a:blip>
+          <a:stretch>
+            <a:fillRect/>
+          </a:stretch>
+        </p:blipFill>
+        <p:spPr>
+          <a:xfrm>
+            <a:off x="7037492" y="1882918"/>
+            <a:ext cx="4136674" cy="4473432"/>
+          </a:xfrm>
+          <a:prstGeom prst="rect">
+            <a:avLst/>
+          </a:prstGeom>
+        </p:spPr>
+      </p:pic>
     </p:spTree>
     <p:extLst>
       <p:ext uri="{BB962C8B-B14F-4D97-AF65-F5344CB8AC3E}">
@@ -12331,39 +12377,116 @@
             <p:ph idx="1"/>
           </p:nvPr>
         </p:nvSpPr>
+        <p:spPr>
+          <a:xfrm>
+            <a:off x="534291" y="1296000"/>
+            <a:ext cx="9291600" cy="3132000"/>
+          </a:xfrm>
+        </p:spPr>
+        <p:txBody>
+          <a:bodyPr/>
+          <a:lstStyle/>
+          <a:p>
+            <a:pPr marL="457200" indent="-457200">
+              <a:buFont typeface="Arial" panose="020B0604020202020204" pitchFamily="34" charset="0"/>
+              <a:buChar char="•"/>
+            </a:pPr>
+            <a:r>
+              <a:rPr lang="nl-BE" dirty="0">
+                <a:latin typeface="+mn-lt"/>
+              </a:rPr>
+              <a:t> Comparable to function/methods in programming</a:t>
+            </a:r>
+          </a:p>
+          <a:p>
+            <a:pPr marL="457200" indent="-457200">
+              <a:buFont typeface="Arial" panose="020B0604020202020204" pitchFamily="34" charset="0"/>
+              <a:buChar char="•"/>
+            </a:pPr>
+            <a:r>
+              <a:rPr lang="nl-BE" dirty="0">
+                <a:latin typeface="+mn-lt"/>
+              </a:rPr>
+              <a:t>Only gets called when needed </a:t>
+            </a:r>
+          </a:p>
+          <a:p>
+            <a:pPr marL="457200" indent="-457200">
+              <a:buFont typeface="Arial" panose="020B0604020202020204" pitchFamily="34" charset="0"/>
+              <a:buChar char="•"/>
+            </a:pPr>
+            <a:r>
+              <a:rPr lang="nl-BE" dirty="0">
+                <a:latin typeface="+mn-lt"/>
+              </a:rPr>
+              <a:t>Call handler with “</a:t>
+            </a:r>
+            <a:r>
+              <a:rPr lang="nl-BE" b="0" dirty="0">
+                <a:latin typeface="Courier New" panose="02070309020205020404" pitchFamily="49" charset="0"/>
+                <a:cs typeface="Courier New" panose="02070309020205020404" pitchFamily="49" charset="0"/>
+              </a:rPr>
+              <a:t>notify: arguement</a:t>
+            </a:r>
+            <a:r>
+              <a:rPr lang="nl-BE" dirty="0">
+                <a:latin typeface="+mn-lt"/>
+              </a:rPr>
+              <a:t>”</a:t>
+            </a:r>
+          </a:p>
+          <a:p>
+            <a:pPr marL="457200" indent="-457200">
+              <a:buFont typeface="Arial" panose="020B0604020202020204" pitchFamily="34" charset="0"/>
+              <a:buChar char="•"/>
+            </a:pPr>
+            <a:r>
+              <a:rPr lang="nl-BE" dirty="0">
+                <a:latin typeface="+mn-lt"/>
+              </a:rPr>
+              <a:t>Mostly used for system/service restart</a:t>
+            </a:r>
+          </a:p>
+          <a:p>
+            <a:endParaRPr lang="nl-BE" dirty="0">
+              <a:latin typeface="+mn-lt"/>
+            </a:endParaRPr>
+          </a:p>
+          <a:p>
+            <a:pPr marL="457200" indent="-457200">
+              <a:buFont typeface="Arial" panose="020B0604020202020204" pitchFamily="34" charset="0"/>
+              <a:buChar char="•"/>
+            </a:pPr>
+            <a:endParaRPr lang="en-US" dirty="0">
+              <a:latin typeface="+mn-lt"/>
+            </a:endParaRPr>
+          </a:p>
+        </p:txBody>
+      </p:sp>
+      <p:sp>
+        <p:nvSpPr>
+          <p:cNvPr id="4" name="Footer Placeholder 3">
+            <a:extLst>
+              <a:ext uri="{FF2B5EF4-FFF2-40B4-BE49-F238E27FC236}">
+                <a16:creationId xmlns:a16="http://schemas.microsoft.com/office/drawing/2014/main" id="{3B2EA459-7465-48D7-9BD2-1850D15C267B}"/>
+              </a:ext>
+            </a:extLst>
+          </p:cNvPr>
+          <p:cNvSpPr>
+            <a:spLocks noGrp="1"/>
+          </p:cNvSpPr>
+          <p:nvPr>
+            <p:ph type="ftr" sz="quarter" idx="11"/>
+          </p:nvPr>
+        </p:nvSpPr>
         <p:spPr/>
         <p:txBody>
           <a:bodyPr/>
           <a:lstStyle/>
           <a:p>
-            <a:endParaRPr lang="en-US"/>
-          </a:p>
-        </p:txBody>
-      </p:sp>
-      <p:sp>
-        <p:nvSpPr>
-          <p:cNvPr id="4" name="Footer Placeholder 3">
-            <a:extLst>
-              <a:ext uri="{FF2B5EF4-FFF2-40B4-BE49-F238E27FC236}">
-                <a16:creationId xmlns:a16="http://schemas.microsoft.com/office/drawing/2014/main" id="{3B2EA459-7465-48D7-9BD2-1850D15C267B}"/>
-              </a:ext>
-            </a:extLst>
-          </p:cNvPr>
-          <p:cNvSpPr>
-            <a:spLocks noGrp="1"/>
-          </p:cNvSpPr>
-          <p:nvPr>
-            <p:ph type="ftr" sz="quarter" idx="11"/>
-          </p:nvPr>
-        </p:nvSpPr>
-        <p:spPr/>
-        <p:txBody>
-          <a:bodyPr/>
-          <a:lstStyle/>
-          <a:p>
-            <a:r>
-              <a:rPr lang="nl-BE" dirty="0"/>
-              <a:t>Ansible</a:t>
+            <a:r>
+              <a:rPr lang="en-US" dirty="0"/>
+              <a:t>Ansible - Introduction</a:t>
             </a:r>
           </a:p>
         </p:txBody>
@@ -12398,6 +12521,53 @@
           </a:p>
         </p:txBody>
       </p:sp>
+      <p:pic>
+        <p:nvPicPr>
+          <p:cNvPr id="1026" name="Picture 2" descr="Everything about Ansible Handlers">
+            <a:extLst>
+              <a:ext uri="{FF2B5EF4-FFF2-40B4-BE49-F238E27FC236}">
+                <a16:creationId xmlns:a16="http://schemas.microsoft.com/office/drawing/2014/main" id="{9250C6BA-4DC3-460A-A226-11912AA78B07}"/>
+              </a:ext>
+            </a:extLst>
+          </p:cNvPr>
+          <p:cNvPicPr>
+            <a:picLocks noChangeAspect="1" noChangeArrowheads="1"/>
+          </p:cNvPicPr>
+          <p:nvPr/>
+        </p:nvPicPr>
+        <p:blipFill>
+          <a:blip r:embed="rId2">
+            <a:extLst>
+              <a:ext uri="{28A0092B-C50C-407E-A947-70E740481C1C}">
+                <a14:useLocalDpi xmlns:a14="http://schemas.microsoft.com/office/drawing/2010/main" val="0"/>
+              </a:ext>
+            </a:extLst>
+          </a:blip>
+          <a:srcRect/>
+          <a:stretch>
+            <a:fillRect/>
+          </a:stretch>
+        </p:blipFill>
+        <p:spPr bwMode="auto">
+          <a:xfrm>
+            <a:off x="5653800" y="3635628"/>
+            <a:ext cx="5354561" cy="2811145"/>
+          </a:xfrm>
+          <a:prstGeom prst="rect">
+            <a:avLst/>
+          </a:prstGeom>
+          <a:noFill/>
+          <a:extLst>
+            <a:ext uri="{909E8E84-426E-40DD-AFC4-6F175D3DCCD1}">
+              <a14:hiddenFill xmlns:a14="http://schemas.microsoft.com/office/drawing/2010/main">
+                <a:solidFill>
+                  <a:srgbClr val="FFFFFF"/>
+                </a:solidFill>
+              </a14:hiddenFill>
+            </a:ext>
+          </a:extLst>
+        </p:spPr>
+      </p:pic>
     </p:spTree>
     <p:extLst>
       <p:ext uri="{BB962C8B-B14F-4D97-AF65-F5344CB8AC3E}">
@@ -12576,8 +12746,8 @@
           <a:lstStyle/>
           <a:p>
             <a:r>
-              <a:rPr lang="nl-BE" dirty="0"/>
-              <a:t>Ansible</a:t>
+              <a:rPr lang="en-US" dirty="0"/>
+              <a:t>Ansible - Introduction</a:t>
             </a:r>
           </a:p>
         </p:txBody>
@@ -12729,8 +12899,8 @@
           <a:lstStyle/>
           <a:p>
             <a:r>
-              <a:rPr lang="nl-BE" dirty="0"/>
-              <a:t>Ansible</a:t>
+              <a:rPr lang="en-US" dirty="0"/>
+              <a:t>Ansible - Introduction</a:t>
             </a:r>
           </a:p>
         </p:txBody>
@@ -12879,8 +13049,8 @@
           <a:lstStyle/>
           <a:p>
             <a:r>
-              <a:rPr lang="nl-BE" dirty="0"/>
-              <a:t>Ansible</a:t>
+              <a:rPr lang="en-US" dirty="0"/>
+              <a:t>Ansible - Introduction</a:t>
             </a:r>
           </a:p>
         </p:txBody>
@@ -13092,8 +13262,8 @@
           <a:lstStyle/>
           <a:p>
             <a:r>
-              <a:rPr lang="nl-BE" dirty="0"/>
-              <a:t>Ansible</a:t>
+              <a:rPr lang="en-US" dirty="0"/>
+              <a:t>Ansible - Introduction</a:t>
             </a:r>
           </a:p>
         </p:txBody>
@@ -13309,8 +13479,8 @@
           <a:lstStyle/>
           <a:p>
             <a:r>
-              <a:rPr lang="nl-BE" dirty="0"/>
-              <a:t>Ansible</a:t>
+              <a:rPr lang="en-US" dirty="0"/>
+              <a:t>Ansible - Introduction</a:t>
             </a:r>
           </a:p>
         </p:txBody>
@@ -13526,8 +13696,8 @@
           <a:lstStyle/>
           <a:p>
             <a:r>
-              <a:rPr lang="nl-BE" dirty="0"/>
-              <a:t>Ansible</a:t>
+              <a:rPr lang="en-US" dirty="0"/>
+              <a:t>Ansible - Introduction</a:t>
             </a:r>
           </a:p>
         </p:txBody>
@@ -13667,8 +13837,8 @@
           <a:lstStyle/>
           <a:p>
             <a:r>
-              <a:rPr lang="nl-BE"/>
-              <a:t>Titel van de presentatie</a:t>
+              <a:rPr lang="en-US" dirty="0"/>
+              <a:t>Ansible - Introduction</a:t>
             </a:r>
           </a:p>
         </p:txBody>
@@ -13879,7 +14049,7 @@
           <a:p>
             <a:fld id="{DFD0F74E-B435-4A9D-A8C1-015F70F1AD5A}" type="datetime1">
               <a:rPr lang="nl-BE" smtClean="0"/>
-              <a:t>1/02/2022</a:t>
+              <a:t>2/02/2022</a:t>
             </a:fld>
             <a:endParaRPr lang="en-US" dirty="0"/>
           </a:p>
@@ -13902,7 +14072,7 @@
           <a:p>
             <a:r>
               <a:rPr lang="en-US" dirty="0"/>
-              <a:t>Ansible</a:t>
+              <a:t>Ansible - Introduction</a:t>
             </a:r>
           </a:p>
         </p:txBody>
@@ -14063,8 +14233,8 @@
           <a:lstStyle/>
           <a:p>
             <a:r>
-              <a:rPr lang="nl-BE"/>
-              <a:t>Titel van de presentatie</a:t>
+              <a:rPr lang="en-US" dirty="0"/>
+              <a:t>Ansible - Introduction</a:t>
             </a:r>
           </a:p>
         </p:txBody>
@@ -14207,8 +14377,8 @@
           <a:lstStyle/>
           <a:p>
             <a:r>
-              <a:rPr lang="nl-BE" dirty="0"/>
-              <a:t>Ansible</a:t>
+              <a:rPr lang="en-US" dirty="0"/>
+              <a:t>Ansible - Introduction</a:t>
             </a:r>
           </a:p>
         </p:txBody>
@@ -14365,8 +14535,8 @@
           <a:lstStyle/>
           <a:p>
             <a:r>
-              <a:rPr lang="nl-BE" dirty="0"/>
-              <a:t>Ansible</a:t>
+              <a:rPr lang="en-US" dirty="0"/>
+              <a:t>Ansible - Introduction</a:t>
             </a:r>
           </a:p>
         </p:txBody>
@@ -14725,8 +14895,8 @@
           <a:lstStyle/>
           <a:p>
             <a:r>
-              <a:rPr lang="nl-BE" dirty="0"/>
-              <a:t>Ansible</a:t>
+              <a:rPr lang="en-US" dirty="0"/>
+              <a:t>Ansible - Introduction</a:t>
             </a:r>
           </a:p>
         </p:txBody>
@@ -14945,8 +15115,8 @@
           <a:lstStyle/>
           <a:p>
             <a:r>
-              <a:rPr lang="nl-BE" dirty="0"/>
-              <a:t>Ansible</a:t>
+              <a:rPr lang="en-US" dirty="0"/>
+              <a:t>Ansible - Introduction</a:t>
             </a:r>
           </a:p>
         </p:txBody>
@@ -15242,8 +15412,8 @@
           <a:lstStyle/>
           <a:p>
             <a:r>
-              <a:rPr lang="nl-BE" dirty="0"/>
-              <a:t>Ansible</a:t>
+              <a:rPr lang="en-US" dirty="0"/>
+              <a:t>Ansible - Introduction</a:t>
             </a:r>
           </a:p>
         </p:txBody>
@@ -15394,8 +15564,8 @@
           <a:lstStyle/>
           <a:p>
             <a:r>
-              <a:rPr lang="nl-BE" dirty="0"/>
-              <a:t>Ansible</a:t>
+              <a:rPr lang="en-US" dirty="0"/>
+              <a:t>Ansible - Introduction</a:t>
             </a:r>
           </a:p>
         </p:txBody>

--- a/Documents/Ansible_BasicsAndHowToGetStarted.pptx
+++ b/Documents/Ansible_BasicsAndHowToGetStarted.pptx
@@ -5,7 +5,7 @@
     <p:sldMasterId id="2147483648" r:id="rId1"/>
   </p:sldMasterIdLst>
   <p:notesMasterIdLst>
-    <p:notesMasterId r:id="rId32"/>
+    <p:notesMasterId r:id="rId33"/>
   </p:notesMasterIdLst>
   <p:sldIdLst>
     <p:sldId id="261" r:id="rId2"/>
@@ -31,13 +31,14 @@
     <p:sldId id="299" r:id="rId22"/>
     <p:sldId id="300" r:id="rId23"/>
     <p:sldId id="290" r:id="rId24"/>
-    <p:sldId id="301" r:id="rId25"/>
-    <p:sldId id="302" r:id="rId26"/>
+    <p:sldId id="302" r:id="rId25"/>
+    <p:sldId id="301" r:id="rId26"/>
     <p:sldId id="291" r:id="rId27"/>
-    <p:sldId id="292" r:id="rId28"/>
-    <p:sldId id="293" r:id="rId29"/>
-    <p:sldId id="278" r:id="rId30"/>
-    <p:sldId id="279" r:id="rId31"/>
+    <p:sldId id="303" r:id="rId28"/>
+    <p:sldId id="292" r:id="rId29"/>
+    <p:sldId id="304" r:id="rId30"/>
+    <p:sldId id="293" r:id="rId31"/>
+    <p:sldId id="279" r:id="rId32"/>
   </p:sldIdLst>
   <p:sldSz cx="12192000" cy="6858000"/>
   <p:notesSz cx="6858000" cy="9144000"/>
@@ -10562,7 +10563,7 @@
               <a:rPr lang="nl-BE" dirty="0">
                 <a:latin typeface="+mn-lt"/>
               </a:rPr>
-              <a:t>List of plays</a:t>
+              <a:t>Basically, list of plays</a:t>
             </a:r>
           </a:p>
           <a:p>
@@ -12093,7 +12094,7 @@
         </p:blipFill>
         <p:spPr>
           <a:xfrm>
-            <a:off x="4123276" y="3274560"/>
+            <a:off x="4248575" y="3147390"/>
             <a:ext cx="2802917" cy="1690148"/>
           </a:xfrm>
           <a:prstGeom prst="rect">
@@ -12232,8 +12233,8 @@
         </p:nvSpPr>
         <p:spPr>
           <a:xfrm>
-            <a:off x="4719673" y="4692407"/>
-            <a:ext cx="1610124" cy="304800"/>
+            <a:off x="4747891" y="4538133"/>
+            <a:ext cx="1627509" cy="207340"/>
           </a:xfrm>
           <a:prstGeom prst="rect">
             <a:avLst/>
@@ -12286,7 +12287,7 @@
         </p:blipFill>
         <p:spPr>
           <a:xfrm>
-            <a:off x="7037492" y="1882918"/>
+            <a:off x="7082641" y="1882918"/>
             <a:ext cx="4136674" cy="4473432"/>
           </a:xfrm>
           <a:prstGeom prst="rect">
@@ -12294,6 +12295,46 @@
           </a:prstGeom>
         </p:spPr>
       </p:pic>
+      <p:sp>
+        <p:nvSpPr>
+          <p:cNvPr id="41" name="Tekstvak 40">
+            <a:extLst>
+              <a:ext uri="{FF2B5EF4-FFF2-40B4-BE49-F238E27FC236}">
+                <a16:creationId xmlns:a16="http://schemas.microsoft.com/office/drawing/2014/main" id="{3EA7F9FE-55C0-4938-8F0A-7126D1074BAB}"/>
+              </a:ext>
+            </a:extLst>
+          </p:cNvPr>
+          <p:cNvSpPr txBox="1"/>
+          <p:nvPr/>
+        </p:nvSpPr>
+        <p:spPr>
+          <a:xfrm>
+            <a:off x="4955816" y="4745473"/>
+            <a:ext cx="1304140" cy="415498"/>
+          </a:xfrm>
+          <a:prstGeom prst="rect">
+            <a:avLst/>
+          </a:prstGeom>
+          <a:noFill/>
+        </p:spPr>
+        <p:txBody>
+          <a:bodyPr wrap="none" rtlCol="0" anchor="ctr" anchorCtr="1">
+            <a:spAutoFit/>
+          </a:bodyPr>
+          <a:lstStyle/>
+          <a:p>
+            <a:pPr algn="ctr"/>
+            <a:r>
+              <a:rPr lang="en-US" sz="2100" dirty="0">
+                <a:solidFill>
+                  <a:srgbClr val="000000"/>
+                </a:solidFill>
+              </a:rPr>
+              <a:t>(common)</a:t>
+            </a:r>
+          </a:p>
+        </p:txBody>
+      </p:sp>
     </p:spTree>
     <p:extLst>
       <p:ext uri="{BB962C8B-B14F-4D97-AF65-F5344CB8AC3E}">
@@ -12304,6 +12345,81 @@
   <p:clrMapOvr>
     <a:masterClrMapping/>
   </p:clrMapOvr>
+  <p:timing>
+    <p:tnLst>
+      <p:par>
+        <p:cTn id="1" dur="indefinite" restart="never" nodeType="tmRoot">
+          <p:childTnLst>
+            <p:seq concurrent="1" nextAc="seek">
+              <p:cTn id="2" dur="indefinite" nodeType="mainSeq">
+                <p:childTnLst>
+                  <p:par>
+                    <p:cTn id="3" fill="hold">
+                      <p:stCondLst>
+                        <p:cond delay="indefinite"/>
+                      </p:stCondLst>
+                      <p:childTnLst>
+                        <p:par>
+                          <p:cTn id="4" fill="hold">
+                            <p:stCondLst>
+                              <p:cond delay="0"/>
+                            </p:stCondLst>
+                            <p:childTnLst>
+                              <p:par>
+                                <p:cTn id="5" presetID="1" presetClass="entr" presetSubtype="0" fill="hold" nodeType="clickEffect">
+                                  <p:stCondLst>
+                                    <p:cond delay="0"/>
+                                  </p:stCondLst>
+                                  <p:childTnLst>
+                                    <p:set>
+                                      <p:cBhvr>
+                                        <p:cTn id="6" dur="1" fill="hold">
+                                          <p:stCondLst>
+                                            <p:cond delay="0"/>
+                                          </p:stCondLst>
+                                        </p:cTn>
+                                        <p:tgtEl>
+                                          <p:spTgt spid="9"/>
+                                        </p:tgtEl>
+                                        <p:attrNameLst>
+                                          <p:attrName>style.visibility</p:attrName>
+                                        </p:attrNameLst>
+                                      </p:cBhvr>
+                                      <p:to>
+                                        <p:strVal val="visible"/>
+                                      </p:to>
+                                    </p:set>
+                                  </p:childTnLst>
+                                </p:cTn>
+                              </p:par>
+                            </p:childTnLst>
+                          </p:cTn>
+                        </p:par>
+                      </p:childTnLst>
+                    </p:cTn>
+                  </p:par>
+                </p:childTnLst>
+              </p:cTn>
+              <p:prevCondLst>
+                <p:cond evt="onPrev" delay="0">
+                  <p:tgtEl>
+                    <p:sldTgt/>
+                  </p:tgtEl>
+                </p:cond>
+              </p:prevCondLst>
+              <p:nextCondLst>
+                <p:cond evt="onNext" delay="0">
+                  <p:tgtEl>
+                    <p:sldTgt/>
+                  </p:tgtEl>
+                </p:cond>
+              </p:nextCondLst>
+            </p:seq>
+          </p:childTnLst>
+        </p:cTn>
+      </p:par>
+    </p:tnLst>
+  </p:timing>
 </p:sld>
 </file>
 
@@ -12550,8 +12666,8 @@
         </p:blipFill>
         <p:spPr bwMode="auto">
           <a:xfrm>
-            <a:off x="5653800" y="3635628"/>
-            <a:ext cx="5354561" cy="2811145"/>
+            <a:off x="7961273" y="1928515"/>
+            <a:ext cx="3729236" cy="1957849"/>
           </a:xfrm>
           <a:prstGeom prst="rect">
             <a:avLst/>
@@ -12566,6 +12682,36 @@
               </a14:hiddenFill>
             </a:ext>
           </a:extLst>
+        </p:spPr>
+      </p:pic>
+      <p:pic>
+        <p:nvPicPr>
+          <p:cNvPr id="9" name="Picture 8">
+            <a:extLst>
+              <a:ext uri="{FF2B5EF4-FFF2-40B4-BE49-F238E27FC236}">
+                <a16:creationId xmlns:a16="http://schemas.microsoft.com/office/drawing/2014/main" id="{659C9441-FE7E-4704-90D5-8B376342B4AE}"/>
+              </a:ext>
+            </a:extLst>
+          </p:cNvPr>
+          <p:cNvPicPr>
+            <a:picLocks noChangeAspect="1"/>
+          </p:cNvPicPr>
+          <p:nvPr/>
+        </p:nvPicPr>
+        <p:blipFill>
+          <a:blip r:embed="rId3"/>
+          <a:stretch>
+            <a:fillRect/>
+          </a:stretch>
+        </p:blipFill>
+        <p:spPr>
+          <a:xfrm>
+            <a:off x="3639456" y="4428000"/>
+            <a:ext cx="3729235" cy="1675636"/>
+          </a:xfrm>
+          <a:prstGeom prst="rect">
+            <a:avLst/>
+          </a:prstGeom>
         </p:spPr>
       </p:pic>
     </p:spTree>
@@ -12817,10 +12963,10 @@
       </p:grpSpPr>
       <p:sp>
         <p:nvSpPr>
-          <p:cNvPr id="7" name="Title 6">
-            <a:extLst>
-              <a:ext uri="{FF2B5EF4-FFF2-40B4-BE49-F238E27FC236}">
-                <a16:creationId xmlns:a16="http://schemas.microsoft.com/office/drawing/2014/main" id="{098AC1CF-F9AE-40B6-B3C7-9DE0BC46AE3C}"/>
+          <p:cNvPr id="2" name="Title 1">
+            <a:extLst>
+              <a:ext uri="{FF2B5EF4-FFF2-40B4-BE49-F238E27FC236}">
+                <a16:creationId xmlns:a16="http://schemas.microsoft.com/office/drawing/2014/main" id="{3E45054D-3413-4B57-983B-BEF2D1AE40FF}"/>
               </a:ext>
             </a:extLst>
           </p:cNvPr>
@@ -12842,7 +12988,7 @@
                   <a:srgbClr val="0085FE"/>
                 </a:solidFill>
               </a:rPr>
-              <a:t>Plugins</a:t>
+              <a:t>Modules</a:t>
             </a:r>
             <a:endParaRPr lang="en-US" dirty="0">
               <a:solidFill>
@@ -12854,10 +13000,10 @@
       </p:sp>
       <p:sp>
         <p:nvSpPr>
-          <p:cNvPr id="8" name="Content Placeholder 7">
-            <a:extLst>
-              <a:ext uri="{FF2B5EF4-FFF2-40B4-BE49-F238E27FC236}">
-                <a16:creationId xmlns:a16="http://schemas.microsoft.com/office/drawing/2014/main" id="{60503E69-6EDA-419D-A3A1-6C9130158704}"/>
+          <p:cNvPr id="3" name="Content Placeholder 2">
+            <a:extLst>
+              <a:ext uri="{FF2B5EF4-FFF2-40B4-BE49-F238E27FC236}">
+                <a16:creationId xmlns:a16="http://schemas.microsoft.com/office/drawing/2014/main" id="{FBE4B41D-BA6B-4207-BC8F-465C732FD8DF}"/>
               </a:ext>
             </a:extLst>
           </p:cNvPr>
@@ -12868,12 +13014,74 @@
             <p:ph idx="1"/>
           </p:nvPr>
         </p:nvSpPr>
-        <p:spPr/>
-        <p:txBody>
-          <a:bodyPr/>
-          <a:lstStyle/>
-          <a:p>
-            <a:endParaRPr lang="en-US"/>
+        <p:spPr>
+          <a:xfrm>
+            <a:off x="1008000" y="1863000"/>
+            <a:ext cx="9291600" cy="3132000"/>
+          </a:xfrm>
+        </p:spPr>
+        <p:txBody>
+          <a:bodyPr/>
+          <a:lstStyle/>
+          <a:p>
+            <a:pPr marL="457200" indent="-457200">
+              <a:buFont typeface="Arial" panose="020B0604020202020204" pitchFamily="34" charset="0"/>
+              <a:buChar char="•"/>
+            </a:pPr>
+            <a:r>
+              <a:rPr lang="nl-BE" dirty="0">
+                <a:latin typeface="+mn-lt"/>
+              </a:rPr>
+              <a:t>Keywords defined in task (calls Ansible API)</a:t>
+            </a:r>
+          </a:p>
+          <a:p>
+            <a:pPr marL="457200" indent="-457200">
+              <a:buFont typeface="Arial" panose="020B0604020202020204" pitchFamily="34" charset="0"/>
+              <a:buChar char="•"/>
+            </a:pPr>
+            <a:r>
+              <a:rPr lang="nl-BE" dirty="0">
+                <a:latin typeface="+mn-lt"/>
+              </a:rPr>
+              <a:t>Reusable standalone scripts and execute on target node</a:t>
+            </a:r>
+          </a:p>
+          <a:p>
+            <a:pPr marL="457200" indent="-457200">
+              <a:buFont typeface="Arial" panose="020B0604020202020204" pitchFamily="34" charset="0"/>
+              <a:buChar char="•"/>
+            </a:pPr>
+            <a:r>
+              <a:rPr lang="nl-BE" dirty="0">
+                <a:latin typeface="+mn-lt"/>
+              </a:rPr>
+              <a:t>Can take arguments</a:t>
+            </a:r>
+          </a:p>
+          <a:p>
+            <a:pPr marL="457200" indent="-457200">
+              <a:buFont typeface="Arial" panose="020B0604020202020204" pitchFamily="34" charset="0"/>
+              <a:buChar char="•"/>
+            </a:pPr>
+            <a:r>
+              <a:rPr lang="nl-BE" dirty="0">
+                <a:latin typeface="+mn-lt"/>
+              </a:rPr>
+              <a:t>Displays json output after run</a:t>
+            </a:r>
+          </a:p>
+          <a:p>
+            <a:pPr marL="457200" indent="-457200">
+              <a:buFont typeface="Arial" panose="020B0604020202020204" pitchFamily="34" charset="0"/>
+              <a:buChar char="•"/>
+            </a:pPr>
+            <a:r>
+              <a:rPr lang="en-US" dirty="0">
+                <a:latin typeface="+mn-lt"/>
+              </a:rPr>
+              <a:t>Interacts with target node</a:t>
+            </a:r>
           </a:p>
         </p:txBody>
       </p:sp>
@@ -12882,7 +13090,7 @@
           <p:cNvPr id="4" name="Footer Placeholder 3">
             <a:extLst>
               <a:ext uri="{FF2B5EF4-FFF2-40B4-BE49-F238E27FC236}">
-                <a16:creationId xmlns:a16="http://schemas.microsoft.com/office/drawing/2014/main" id="{21FC8812-972E-4BCE-81A1-481E0E2522B6}"/>
+                <a16:creationId xmlns:a16="http://schemas.microsoft.com/office/drawing/2014/main" id="{31FFF919-47E3-46FE-87BC-463E31EE1106}"/>
               </a:ext>
             </a:extLst>
           </p:cNvPr>
@@ -12910,7 +13118,7 @@
           <p:cNvPr id="5" name="Slide Number Placeholder 4">
             <a:extLst>
               <a:ext uri="{FF2B5EF4-FFF2-40B4-BE49-F238E27FC236}">
-                <a16:creationId xmlns:a16="http://schemas.microsoft.com/office/drawing/2014/main" id="{B4AA0C24-8468-41E3-B762-FD8E38E65C50}"/>
+                <a16:creationId xmlns:a16="http://schemas.microsoft.com/office/drawing/2014/main" id="{48542A5F-8009-443A-AA50-2CC3C0CF11C7}"/>
               </a:ext>
             </a:extLst>
           </p:cNvPr>
@@ -12928,17 +13136,172 @@
           <a:p>
             <a:fld id="{FF88DA20-ED00-471C-9170-60F590CB400A}" type="slidenum">
               <a:rPr lang="nl-BE" smtClean="0"/>
-              <a:pPr/>
               <a:t>24</a:t>
             </a:fld>
             <a:endParaRPr lang="nl-BE"/>
           </a:p>
         </p:txBody>
       </p:sp>
+      <p:pic>
+        <p:nvPicPr>
+          <p:cNvPr id="7" name="Picture 6" descr="Text&#10;&#10;Description automatically generated">
+            <a:extLst>
+              <a:ext uri="{FF2B5EF4-FFF2-40B4-BE49-F238E27FC236}">
+                <a16:creationId xmlns:a16="http://schemas.microsoft.com/office/drawing/2014/main" id="{06A06FF1-E089-4C56-8AAE-3E06354C4C32}"/>
+              </a:ext>
+            </a:extLst>
+          </p:cNvPr>
+          <p:cNvPicPr>
+            <a:picLocks noChangeAspect="1"/>
+          </p:cNvPicPr>
+          <p:nvPr/>
+        </p:nvPicPr>
+        <p:blipFill>
+          <a:blip r:embed="rId2">
+            <a:extLst>
+              <a:ext uri="{28A0092B-C50C-407E-A947-70E740481C1C}">
+                <a14:useLocalDpi xmlns:a14="http://schemas.microsoft.com/office/drawing/2010/main" val="0"/>
+              </a:ext>
+            </a:extLst>
+          </a:blip>
+          <a:stretch>
+            <a:fillRect/>
+          </a:stretch>
+        </p:blipFill>
+        <p:spPr>
+          <a:xfrm>
+            <a:off x="6801227" y="3829442"/>
+            <a:ext cx="3999967" cy="1532845"/>
+          </a:xfrm>
+          <a:prstGeom prst="rect">
+            <a:avLst/>
+          </a:prstGeom>
+        </p:spPr>
+      </p:pic>
+      <p:sp>
+        <p:nvSpPr>
+          <p:cNvPr id="8" name="Rectangle 7">
+            <a:extLst>
+              <a:ext uri="{FF2B5EF4-FFF2-40B4-BE49-F238E27FC236}">
+                <a16:creationId xmlns:a16="http://schemas.microsoft.com/office/drawing/2014/main" id="{0A70DAEC-985C-4634-9E97-95F880D65F97}"/>
+              </a:ext>
+            </a:extLst>
+          </p:cNvPr>
+          <p:cNvSpPr/>
+          <p:nvPr/>
+        </p:nvSpPr>
+        <p:spPr>
+          <a:xfrm>
+            <a:off x="7096457" y="4073150"/>
+            <a:ext cx="1669386" cy="296091"/>
+          </a:xfrm>
+          <a:prstGeom prst="rect">
+            <a:avLst/>
+          </a:prstGeom>
+          <a:noFill/>
+          <a:ln w="28575">
+            <a:solidFill>
+              <a:srgbClr val="FF0000"/>
+            </a:solidFill>
+          </a:ln>
+        </p:spPr>
+        <p:txBody>
+          <a:bodyPr wrap="square" lIns="0" tIns="0" rIns="0" bIns="0" rtlCol="0" anchor="ctr">
+            <a:spAutoFit/>
+          </a:bodyPr>
+          <a:lstStyle/>
+          <a:p>
+            <a:pPr algn="l"/>
+            <a:endParaRPr lang="en-US" sz="1600" b="1" dirty="0" err="1">
+              <a:latin typeface="+mj-lt"/>
+            </a:endParaRPr>
+          </a:p>
+        </p:txBody>
+      </p:sp>
+      <p:sp>
+        <p:nvSpPr>
+          <p:cNvPr id="9" name="Rectangle 8">
+            <a:extLst>
+              <a:ext uri="{FF2B5EF4-FFF2-40B4-BE49-F238E27FC236}">
+                <a16:creationId xmlns:a16="http://schemas.microsoft.com/office/drawing/2014/main" id="{115A9BD8-EA07-47CF-8A01-E5C16DE6E80B}"/>
+              </a:ext>
+            </a:extLst>
+          </p:cNvPr>
+          <p:cNvSpPr/>
+          <p:nvPr/>
+        </p:nvSpPr>
+        <p:spPr>
+          <a:xfrm>
+            <a:off x="7382934" y="4396442"/>
+            <a:ext cx="1210733" cy="296091"/>
+          </a:xfrm>
+          <a:prstGeom prst="rect">
+            <a:avLst/>
+          </a:prstGeom>
+          <a:noFill/>
+          <a:ln w="28575">
+            <a:solidFill>
+              <a:srgbClr val="FF0000"/>
+            </a:solidFill>
+          </a:ln>
+        </p:spPr>
+        <p:txBody>
+          <a:bodyPr wrap="square" lIns="0" tIns="0" rIns="0" bIns="0" rtlCol="0" anchor="ctr">
+            <a:spAutoFit/>
+          </a:bodyPr>
+          <a:lstStyle/>
+          <a:p>
+            <a:pPr algn="l"/>
+            <a:endParaRPr lang="en-US" sz="1600" b="1" dirty="0" err="1">
+              <a:latin typeface="+mj-lt"/>
+            </a:endParaRPr>
+          </a:p>
+        </p:txBody>
+      </p:sp>
+      <p:sp>
+        <p:nvSpPr>
+          <p:cNvPr id="10" name="Rectangle 9">
+            <a:extLst>
+              <a:ext uri="{FF2B5EF4-FFF2-40B4-BE49-F238E27FC236}">
+                <a16:creationId xmlns:a16="http://schemas.microsoft.com/office/drawing/2014/main" id="{DD12F1C7-B5C1-4BE3-8A42-F1013E76F2E6}"/>
+              </a:ext>
+            </a:extLst>
+          </p:cNvPr>
+          <p:cNvSpPr/>
+          <p:nvPr/>
+        </p:nvSpPr>
+        <p:spPr>
+          <a:xfrm>
+            <a:off x="7096457" y="5055003"/>
+            <a:ext cx="1210734" cy="296091"/>
+          </a:xfrm>
+          <a:prstGeom prst="rect">
+            <a:avLst/>
+          </a:prstGeom>
+          <a:noFill/>
+          <a:ln w="28575">
+            <a:solidFill>
+              <a:srgbClr val="FF0000"/>
+            </a:solidFill>
+          </a:ln>
+        </p:spPr>
+        <p:txBody>
+          <a:bodyPr wrap="square" lIns="0" tIns="0" rIns="0" bIns="0" rtlCol="0" anchor="ctr">
+            <a:spAutoFit/>
+          </a:bodyPr>
+          <a:lstStyle/>
+          <a:p>
+            <a:pPr algn="l"/>
+            <a:endParaRPr lang="en-US" sz="1600" b="1" dirty="0" err="1">
+              <a:latin typeface="+mj-lt"/>
+            </a:endParaRPr>
+          </a:p>
+        </p:txBody>
+      </p:sp>
     </p:spTree>
     <p:extLst>
       <p:ext uri="{BB962C8B-B14F-4D97-AF65-F5344CB8AC3E}">
-        <p14:creationId xmlns:p14="http://schemas.microsoft.com/office/powerpoint/2010/main" val="1360308570"/>
+        <p14:creationId xmlns:p14="http://schemas.microsoft.com/office/powerpoint/2010/main" val="3271448145"/>
       </p:ext>
     </p:extLst>
   </p:cSld>
@@ -12967,10 +13330,10 @@
       </p:grpSpPr>
       <p:sp>
         <p:nvSpPr>
-          <p:cNvPr id="2" name="Title 1">
-            <a:extLst>
-              <a:ext uri="{FF2B5EF4-FFF2-40B4-BE49-F238E27FC236}">
-                <a16:creationId xmlns:a16="http://schemas.microsoft.com/office/drawing/2014/main" id="{3E45054D-3413-4B57-983B-BEF2D1AE40FF}"/>
+          <p:cNvPr id="7" name="Title 6">
+            <a:extLst>
+              <a:ext uri="{FF2B5EF4-FFF2-40B4-BE49-F238E27FC236}">
+                <a16:creationId xmlns:a16="http://schemas.microsoft.com/office/drawing/2014/main" id="{098AC1CF-F9AE-40B6-B3C7-9DE0BC46AE3C}"/>
               </a:ext>
             </a:extLst>
           </p:cNvPr>
@@ -12992,7 +13355,7 @@
                   <a:srgbClr val="0085FE"/>
                 </a:solidFill>
               </a:rPr>
-              <a:t>Modules</a:t>
+              <a:t>Plugins</a:t>
             </a:r>
             <a:endParaRPr lang="en-US" dirty="0">
               <a:solidFill>
@@ -13004,10 +13367,10 @@
       </p:sp>
       <p:sp>
         <p:nvSpPr>
-          <p:cNvPr id="3" name="Content Placeholder 2">
-            <a:extLst>
-              <a:ext uri="{FF2B5EF4-FFF2-40B4-BE49-F238E27FC236}">
-                <a16:creationId xmlns:a16="http://schemas.microsoft.com/office/drawing/2014/main" id="{FBE4B41D-BA6B-4207-BC8F-465C732FD8DF}"/>
+          <p:cNvPr id="8" name="Content Placeholder 7">
+            <a:extLst>
+              <a:ext uri="{FF2B5EF4-FFF2-40B4-BE49-F238E27FC236}">
+                <a16:creationId xmlns:a16="http://schemas.microsoft.com/office/drawing/2014/main" id="{60503E69-6EDA-419D-A3A1-6C9130158704}"/>
               </a:ext>
             </a:extLst>
           </p:cNvPr>
@@ -13018,12 +13381,113 @@
             <p:ph idx="1"/>
           </p:nvPr>
         </p:nvSpPr>
-        <p:spPr/>
-        <p:txBody>
-          <a:bodyPr/>
-          <a:lstStyle/>
-          <a:p>
-            <a:endParaRPr lang="en-US"/>
+        <p:spPr>
+          <a:xfrm>
+            <a:off x="861246" y="1296000"/>
+            <a:ext cx="10738087" cy="3132000"/>
+          </a:xfrm>
+        </p:spPr>
+        <p:txBody>
+          <a:bodyPr/>
+          <a:lstStyle/>
+          <a:p>
+            <a:pPr marL="457200" indent="-457200">
+              <a:buFont typeface="Arial" panose="020B0604020202020204" pitchFamily="34" charset="0"/>
+              <a:buChar char="•"/>
+            </a:pPr>
+            <a:r>
+              <a:rPr lang="nl-BE" dirty="0">
+                <a:latin typeface="+mn-lt"/>
+              </a:rPr>
+              <a:t>Pieces of code that add to core functionality of Ansible</a:t>
+            </a:r>
+          </a:p>
+          <a:p>
+            <a:pPr marL="457200" indent="-457200">
+              <a:buFont typeface="Arial" panose="020B0604020202020204" pitchFamily="34" charset="0"/>
+              <a:buChar char="•"/>
+            </a:pPr>
+            <a:r>
+              <a:rPr lang="nl-BE" dirty="0">
+                <a:latin typeface="+mn-lt"/>
+              </a:rPr>
+              <a:t>Complementary to module</a:t>
+            </a:r>
+          </a:p>
+          <a:p>
+            <a:pPr marL="457200" indent="-457200">
+              <a:buFont typeface="Arial" panose="020B0604020202020204" pitchFamily="34" charset="0"/>
+              <a:buChar char="•"/>
+            </a:pPr>
+            <a:r>
+              <a:rPr lang="nl-BE" dirty="0">
+                <a:latin typeface="+mn-lt"/>
+              </a:rPr>
+              <a:t>Types of plugins:</a:t>
+            </a:r>
+          </a:p>
+          <a:p>
+            <a:pPr marL="817200" lvl="1" indent="-457200">
+              <a:buFont typeface="Wingdings" panose="05000000000000000000" pitchFamily="2" charset="2"/>
+              <a:buChar char="§"/>
+            </a:pPr>
+            <a:r>
+              <a:rPr lang="nl-BE" dirty="0">
+                <a:latin typeface="+mn-lt"/>
+              </a:rPr>
+              <a:t>Lookup plugins (pull data from source and returns to Ansible) </a:t>
+            </a:r>
+          </a:p>
+          <a:p>
+            <a:pPr marL="817200" lvl="1" indent="-457200">
+              <a:buFont typeface="Wingdings" panose="05000000000000000000" pitchFamily="2" charset="2"/>
+              <a:buChar char="§"/>
+            </a:pPr>
+            <a:r>
+              <a:rPr lang="nl-BE" dirty="0">
+                <a:latin typeface="+mn-lt"/>
+              </a:rPr>
+              <a:t>Caching plugins (store gathered facts for later use - e.g., Json file) </a:t>
+            </a:r>
+          </a:p>
+          <a:p>
+            <a:pPr marL="817200" lvl="1" indent="-457200">
+              <a:buFont typeface="Wingdings" panose="05000000000000000000" pitchFamily="2" charset="2"/>
+              <a:buChar char="§"/>
+            </a:pPr>
+            <a:r>
+              <a:rPr lang="nl-BE" dirty="0">
+                <a:latin typeface="+mn-lt"/>
+              </a:rPr>
+              <a:t>Action (performs prerequisite work, and runs part on ctrl-node)</a:t>
+            </a:r>
+          </a:p>
+          <a:p>
+            <a:pPr marL="817200" lvl="1" indent="-457200">
+              <a:buFont typeface="Wingdings" panose="05000000000000000000" pitchFamily="2" charset="2"/>
+              <a:buChar char="§"/>
+            </a:pPr>
+            <a:r>
+              <a:rPr lang="nl-BE" dirty="0">
+                <a:latin typeface="+mn-lt"/>
+              </a:rPr>
+              <a:t>Shell (Ensures basic commands are run properly by Ansible)</a:t>
+            </a:r>
+          </a:p>
+          <a:p>
+            <a:pPr marL="817200" lvl="1" indent="-457200">
+              <a:buFont typeface="Wingdings" panose="05000000000000000000" pitchFamily="2" charset="2"/>
+              <a:buChar char="§"/>
+            </a:pPr>
+            <a:r>
+              <a:rPr lang="nl-BE" dirty="0">
+                <a:latin typeface="+mn-lt"/>
+              </a:rPr>
+              <a:t>...</a:t>
+            </a:r>
+            <a:endParaRPr lang="en-US" dirty="0">
+              <a:latin typeface="+mn-lt"/>
+            </a:endParaRPr>
           </a:p>
         </p:txBody>
       </p:sp>
@@ -13032,7 +13496,7 @@
           <p:cNvPr id="4" name="Footer Placeholder 3">
             <a:extLst>
               <a:ext uri="{FF2B5EF4-FFF2-40B4-BE49-F238E27FC236}">
-                <a16:creationId xmlns:a16="http://schemas.microsoft.com/office/drawing/2014/main" id="{31FFF919-47E3-46FE-87BC-463E31EE1106}"/>
+                <a16:creationId xmlns:a16="http://schemas.microsoft.com/office/drawing/2014/main" id="{21FC8812-972E-4BCE-81A1-481E0E2522B6}"/>
               </a:ext>
             </a:extLst>
           </p:cNvPr>
@@ -13060,7 +13524,7 @@
           <p:cNvPr id="5" name="Slide Number Placeholder 4">
             <a:extLst>
               <a:ext uri="{FF2B5EF4-FFF2-40B4-BE49-F238E27FC236}">
-                <a16:creationId xmlns:a16="http://schemas.microsoft.com/office/drawing/2014/main" id="{48542A5F-8009-443A-AA50-2CC3C0CF11C7}"/>
+                <a16:creationId xmlns:a16="http://schemas.microsoft.com/office/drawing/2014/main" id="{B4AA0C24-8468-41E3-B762-FD8E38E65C50}"/>
               </a:ext>
             </a:extLst>
           </p:cNvPr>
@@ -13078,6 +13542,7 @@
           <a:p>
             <a:fld id="{FF88DA20-ED00-471C-9170-60F590CB400A}" type="slidenum">
               <a:rPr lang="nl-BE" smtClean="0"/>
+              <a:pPr/>
               <a:t>25</a:t>
             </a:fld>
             <a:endParaRPr lang="nl-BE"/>
@@ -13087,7 +13552,7 @@
     </p:spTree>
     <p:extLst>
       <p:ext uri="{BB962C8B-B14F-4D97-AF65-F5344CB8AC3E}">
-        <p14:creationId xmlns:p14="http://schemas.microsoft.com/office/powerpoint/2010/main" val="3271448145"/>
+        <p14:creationId xmlns:p14="http://schemas.microsoft.com/office/powerpoint/2010/main" val="1360308570"/>
       </p:ext>
     </p:extLst>
   </p:cSld>
@@ -13333,10 +13798,10 @@
       </p:grpSpPr>
       <p:sp>
         <p:nvSpPr>
-          <p:cNvPr id="2" name="Title 1">
-            <a:extLst>
-              <a:ext uri="{FF2B5EF4-FFF2-40B4-BE49-F238E27FC236}">
-                <a16:creationId xmlns:a16="http://schemas.microsoft.com/office/drawing/2014/main" id="{70FEA819-AA32-4583-9E98-B9DBD20D08C5}"/>
+          <p:cNvPr id="7" name="Title 6">
+            <a:extLst>
+              <a:ext uri="{FF2B5EF4-FFF2-40B4-BE49-F238E27FC236}">
+                <a16:creationId xmlns:a16="http://schemas.microsoft.com/office/drawing/2014/main" id="{01EC024E-61E3-4067-994C-1633302B7210}"/>
               </a:ext>
             </a:extLst>
           </p:cNvPr>
@@ -13353,35 +13818,221 @@
           <a:lstStyle/>
           <a:p>
             <a:r>
+              <a:rPr lang="nl-BE" dirty="0">
+                <a:solidFill>
+                  <a:srgbClr val="0085FE"/>
+                </a:solidFill>
+              </a:rPr>
+              <a:t>Installation</a:t>
+            </a:r>
+            <a:endParaRPr lang="en-US" dirty="0">
+              <a:solidFill>
+                <a:srgbClr val="0085FE"/>
+              </a:solidFill>
+            </a:endParaRPr>
+          </a:p>
+        </p:txBody>
+      </p:sp>
+      <p:sp>
+        <p:nvSpPr>
+          <p:cNvPr id="8" name="Content Placeholder 7">
+            <a:extLst>
+              <a:ext uri="{FF2B5EF4-FFF2-40B4-BE49-F238E27FC236}">
+                <a16:creationId xmlns:a16="http://schemas.microsoft.com/office/drawing/2014/main" id="{CD3FAC24-7AD0-49FE-A785-0648E020690D}"/>
+              </a:ext>
+            </a:extLst>
+          </p:cNvPr>
+          <p:cNvSpPr>
+            <a:spLocks noGrp="1"/>
+          </p:cNvSpPr>
+          <p:nvPr>
+            <p:ph idx="1"/>
+          </p:nvPr>
+        </p:nvSpPr>
+        <p:spPr>
+          <a:xfrm>
+            <a:off x="1620000" y="1459267"/>
+            <a:ext cx="9291600" cy="3132000"/>
+          </a:xfrm>
+        </p:spPr>
+        <p:txBody>
+          <a:bodyPr/>
+          <a:lstStyle/>
+          <a:p>
+            <a:r>
+              <a:rPr lang="en-US" sz="2000" b="0" dirty="0">
+                <a:latin typeface="+mn-lt"/>
+              </a:rPr>
+              <a:t>1.    Update/upgrade the machine:</a:t>
+            </a:r>
+          </a:p>
+          <a:p>
+            <a:r>
+              <a:rPr lang="en-US" sz="2000" b="0" dirty="0">
+                <a:latin typeface="+mn-lt"/>
+              </a:rPr>
+              <a:t>	</a:t>
+            </a:r>
+            <a:r>
+              <a:rPr lang="en-US" sz="1800" b="0" dirty="0" err="1">
+                <a:latin typeface="Courier New" panose="02070309020205020404" pitchFamily="49" charset="0"/>
+                <a:cs typeface="Courier New" panose="02070309020205020404" pitchFamily="49" charset="0"/>
+              </a:rPr>
+              <a:t>sudo</a:t>
+            </a:r>
+            <a:r>
+              <a:rPr lang="en-US" sz="1800" b="0" dirty="0">
+                <a:latin typeface="Courier New" panose="02070309020205020404" pitchFamily="49" charset="0"/>
+                <a:cs typeface="Courier New" panose="02070309020205020404" pitchFamily="49" charset="0"/>
+              </a:rPr>
+              <a:t> apt-get update &amp;&amp; upgrade -y</a:t>
+            </a:r>
+          </a:p>
+          <a:p>
+            <a:pPr marL="457200" indent="-457200">
+              <a:buAutoNum type="arabicPeriod" startAt="2"/>
+            </a:pPr>
+            <a:r>
+              <a:rPr lang="en-US" sz="2000" b="0" dirty="0">
+                <a:latin typeface="+mn-lt"/>
+              </a:rPr>
+              <a:t>Pull Ansible repository:</a:t>
+            </a:r>
+          </a:p>
+          <a:p>
+            <a:r>
+              <a:rPr lang="en-US" sz="1800" b="0" dirty="0">
+                <a:latin typeface="Courier New" panose="02070309020205020404" pitchFamily="49" charset="0"/>
+                <a:cs typeface="Courier New" panose="02070309020205020404" pitchFamily="49" charset="0"/>
+              </a:rPr>
+              <a:t>	</a:t>
+            </a:r>
+            <a:r>
+              <a:rPr lang="en-US" sz="1800" b="0" dirty="0" err="1">
+                <a:latin typeface="Courier New" panose="02070309020205020404" pitchFamily="49" charset="0"/>
+                <a:cs typeface="Courier New" panose="02070309020205020404" pitchFamily="49" charset="0"/>
+              </a:rPr>
+              <a:t>sudo</a:t>
+            </a:r>
+            <a:r>
+              <a:rPr lang="en-US" sz="1800" b="0" dirty="0">
+                <a:latin typeface="Courier New" panose="02070309020205020404" pitchFamily="49" charset="0"/>
+                <a:cs typeface="Courier New" panose="02070309020205020404" pitchFamily="49" charset="0"/>
+              </a:rPr>
+              <a:t> apt-add-repository </a:t>
+            </a:r>
+            <a:r>
+              <a:rPr lang="en-US" sz="1800" b="0" dirty="0" err="1">
+                <a:latin typeface="Courier New" panose="02070309020205020404" pitchFamily="49" charset="0"/>
+                <a:cs typeface="Courier New" panose="02070309020205020404" pitchFamily="49" charset="0"/>
+              </a:rPr>
+              <a:t>ppa:ansible</a:t>
+            </a:r>
+            <a:r>
+              <a:rPr lang="en-US" sz="1800" b="0" dirty="0">
+                <a:latin typeface="Courier New" panose="02070309020205020404" pitchFamily="49" charset="0"/>
+                <a:cs typeface="Courier New" panose="02070309020205020404" pitchFamily="49" charset="0"/>
+              </a:rPr>
+              <a:t>/Ansible</a:t>
+            </a:r>
+          </a:p>
+          <a:p>
+            <a:r>
+              <a:rPr lang="en-US" sz="2000" b="0" dirty="0">
+                <a:latin typeface="+mn-lt"/>
+              </a:rPr>
+              <a:t>3.    Install python:</a:t>
+            </a:r>
+          </a:p>
+          <a:p>
+            <a:r>
+              <a:rPr lang="en-US" sz="1800" b="0" dirty="0">
+                <a:latin typeface="Courier New" panose="02070309020205020404" pitchFamily="49" charset="0"/>
+                <a:cs typeface="Courier New" panose="02070309020205020404" pitchFamily="49" charset="0"/>
+              </a:rPr>
+              <a:t>	</a:t>
+            </a:r>
+            <a:r>
+              <a:rPr lang="en-US" sz="1800" b="0" dirty="0" err="1">
+                <a:latin typeface="Courier New" panose="02070309020205020404" pitchFamily="49" charset="0"/>
+                <a:cs typeface="Courier New" panose="02070309020205020404" pitchFamily="49" charset="0"/>
+              </a:rPr>
+              <a:t>sudo</a:t>
+            </a:r>
+            <a:r>
+              <a:rPr lang="en-US" sz="1800" b="0" dirty="0">
+                <a:latin typeface="Courier New" panose="02070309020205020404" pitchFamily="49" charset="0"/>
+                <a:cs typeface="Courier New" panose="02070309020205020404" pitchFamily="49" charset="0"/>
+              </a:rPr>
+              <a:t> apt-get install python3 -y</a:t>
+            </a:r>
+          </a:p>
+          <a:p>
+            <a:r>
+              <a:rPr lang="en-US" sz="2000" b="0" dirty="0">
+                <a:latin typeface="+mn-lt"/>
+              </a:rPr>
+              <a:t>4.    Install Ansible:</a:t>
+            </a:r>
+          </a:p>
+          <a:p>
+            <a:pPr lvl="1" indent="0">
+              <a:buNone/>
+            </a:pPr>
+            <a:r>
+              <a:rPr lang="en-US" sz="1800" dirty="0">
+                <a:latin typeface="Courier New" panose="02070309020205020404" pitchFamily="49" charset="0"/>
+                <a:cs typeface="Courier New" panose="02070309020205020404" pitchFamily="49" charset="0"/>
+              </a:rPr>
+              <a:t>	</a:t>
+            </a:r>
+            <a:r>
+              <a:rPr lang="en-US" sz="1800" dirty="0" err="1">
+                <a:latin typeface="Courier New" panose="02070309020205020404" pitchFamily="49" charset="0"/>
+                <a:cs typeface="Courier New" panose="02070309020205020404" pitchFamily="49" charset="0"/>
+              </a:rPr>
+              <a:t>sudo</a:t>
+            </a:r>
+            <a:r>
+              <a:rPr lang="en-US" sz="1800" dirty="0">
+                <a:latin typeface="Courier New" panose="02070309020205020404" pitchFamily="49" charset="0"/>
+                <a:cs typeface="Courier New" panose="02070309020205020404" pitchFamily="49" charset="0"/>
+              </a:rPr>
+              <a:t> apt-get install ansible -y</a:t>
+            </a:r>
+          </a:p>
+          <a:p>
+            <a:endParaRPr lang="en-US" sz="2000" b="0" dirty="0">
+              <a:latin typeface="+mn-lt"/>
+            </a:endParaRPr>
+          </a:p>
+        </p:txBody>
+      </p:sp>
+      <p:sp>
+        <p:nvSpPr>
+          <p:cNvPr id="4" name="Footer Placeholder 3">
+            <a:extLst>
+              <a:ext uri="{FF2B5EF4-FFF2-40B4-BE49-F238E27FC236}">
+                <a16:creationId xmlns:a16="http://schemas.microsoft.com/office/drawing/2014/main" id="{4BF349E2-6DC6-460E-BBDF-D2283684962D}"/>
+              </a:ext>
+            </a:extLst>
+          </p:cNvPr>
+          <p:cNvSpPr>
+            <a:spLocks noGrp="1"/>
+          </p:cNvSpPr>
+          <p:nvPr>
+            <p:ph type="ftr" sz="quarter" idx="11"/>
+          </p:nvPr>
+        </p:nvSpPr>
+        <p:spPr/>
+        <p:txBody>
+          <a:bodyPr/>
+          <a:lstStyle/>
+          <a:p>
+            <a:r>
               <a:rPr lang="nl-BE" dirty="0"/>
-              <a:t>Authentication</a:t>
-            </a:r>
-            <a:endParaRPr lang="en-US" dirty="0"/>
-          </a:p>
-        </p:txBody>
-      </p:sp>
-      <p:sp>
-        <p:nvSpPr>
-          <p:cNvPr id="3" name="Text Placeholder 2">
-            <a:extLst>
-              <a:ext uri="{FF2B5EF4-FFF2-40B4-BE49-F238E27FC236}">
-                <a16:creationId xmlns:a16="http://schemas.microsoft.com/office/drawing/2014/main" id="{EC32EC60-A861-403F-A296-2216AA4D5C5C}"/>
-              </a:ext>
-            </a:extLst>
-          </p:cNvPr>
-          <p:cNvSpPr>
-            <a:spLocks noGrp="1"/>
-          </p:cNvSpPr>
-          <p:nvPr>
-            <p:ph type="body" idx="1"/>
-          </p:nvPr>
-        </p:nvSpPr>
-        <p:spPr/>
-        <p:txBody>
-          <a:bodyPr/>
-          <a:lstStyle/>
-          <a:p>
-            <a:endParaRPr lang="en-US"/>
+              <a:t>Ansible - Introduction</a:t>
+            </a:r>
           </a:p>
         </p:txBody>
       </p:sp>
@@ -13390,7 +14041,7 @@
           <p:cNvPr id="5" name="Slide Number Placeholder 4">
             <a:extLst>
               <a:ext uri="{FF2B5EF4-FFF2-40B4-BE49-F238E27FC236}">
-                <a16:creationId xmlns:a16="http://schemas.microsoft.com/office/drawing/2014/main" id="{A16825DC-9D9D-4E1A-9AFD-AA673F4A6E6D}"/>
+                <a16:creationId xmlns:a16="http://schemas.microsoft.com/office/drawing/2014/main" id="{A022FD94-EFA2-4EEA-9CCA-C4552E0A08B1}"/>
               </a:ext>
             </a:extLst>
           </p:cNvPr>
@@ -13415,113 +14066,120 @@
           </a:p>
         </p:txBody>
       </p:sp>
-      <p:sp>
-        <p:nvSpPr>
-          <p:cNvPr id="6" name="Text Placeholder 5">
-            <a:extLst>
-              <a:ext uri="{FF2B5EF4-FFF2-40B4-BE49-F238E27FC236}">
-                <a16:creationId xmlns:a16="http://schemas.microsoft.com/office/drawing/2014/main" id="{5C7A25BD-74FF-4F3E-A457-7A2EF24BA328}"/>
-              </a:ext>
-            </a:extLst>
-          </p:cNvPr>
-          <p:cNvSpPr>
-            <a:spLocks noGrp="1"/>
-          </p:cNvSpPr>
-          <p:nvPr>
-            <p:ph type="body" sz="quarter" idx="13"/>
-          </p:nvPr>
-        </p:nvSpPr>
-        <p:spPr/>
-        <p:txBody>
-          <a:bodyPr/>
-          <a:lstStyle/>
-          <a:p>
-            <a:r>
-              <a:rPr lang="nl-BE" dirty="0">
-                <a:solidFill>
-                  <a:srgbClr val="0085FE"/>
-                </a:solidFill>
-              </a:rPr>
-              <a:t>8.</a:t>
-            </a:r>
-            <a:endParaRPr lang="en-US" dirty="0">
-              <a:solidFill>
-                <a:srgbClr val="0085FE"/>
-              </a:solidFill>
+      <p:pic>
+        <p:nvPicPr>
+          <p:cNvPr id="11" name="Picture 10">
+            <a:extLst>
+              <a:ext uri="{FF2B5EF4-FFF2-40B4-BE49-F238E27FC236}">
+                <a16:creationId xmlns:a16="http://schemas.microsoft.com/office/drawing/2014/main" id="{2C349672-5ED1-4EBF-B701-D6C0E9372494}"/>
+              </a:ext>
+            </a:extLst>
+          </p:cNvPr>
+          <p:cNvPicPr>
+            <a:picLocks noChangeAspect="1"/>
+          </p:cNvPicPr>
+          <p:nvPr/>
+        </p:nvPicPr>
+        <p:blipFill>
+          <a:blip r:embed="rId2"/>
+          <a:stretch>
+            <a:fillRect/>
+          </a:stretch>
+        </p:blipFill>
+        <p:spPr>
+          <a:xfrm>
+            <a:off x="1620000" y="4731314"/>
+            <a:ext cx="8754697" cy="1514686"/>
+          </a:xfrm>
+          <a:prstGeom prst="rect">
+            <a:avLst/>
+          </a:prstGeom>
+        </p:spPr>
+      </p:pic>
+      <p:sp>
+        <p:nvSpPr>
+          <p:cNvPr id="12" name="Rectangle 11">
+            <a:extLst>
+              <a:ext uri="{FF2B5EF4-FFF2-40B4-BE49-F238E27FC236}">
+                <a16:creationId xmlns:a16="http://schemas.microsoft.com/office/drawing/2014/main" id="{D36472EA-3C94-4BBD-A221-0198A58FA1D0}"/>
+              </a:ext>
+            </a:extLst>
+          </p:cNvPr>
+          <p:cNvSpPr/>
+          <p:nvPr/>
+        </p:nvSpPr>
+        <p:spPr>
+          <a:xfrm>
+            <a:off x="1620000" y="4876800"/>
+            <a:ext cx="1044823" cy="165463"/>
+          </a:xfrm>
+          <a:prstGeom prst="rect">
+            <a:avLst/>
+          </a:prstGeom>
+          <a:noFill/>
+          <a:ln w="19050">
+            <a:solidFill>
+              <a:srgbClr val="FF0000"/>
+            </a:solidFill>
+          </a:ln>
+        </p:spPr>
+        <p:txBody>
+          <a:bodyPr wrap="square" lIns="0" tIns="0" rIns="0" bIns="0" rtlCol="0" anchor="ctr">
+            <a:spAutoFit/>
+          </a:bodyPr>
+          <a:lstStyle/>
+          <a:p>
+            <a:pPr algn="l"/>
+            <a:endParaRPr lang="en-US" sz="1600" b="1" dirty="0" err="1">
+              <a:latin typeface="+mj-lt"/>
             </a:endParaRPr>
           </a:p>
         </p:txBody>
       </p:sp>
       <p:sp>
         <p:nvSpPr>
-          <p:cNvPr id="7" name="Footer Placeholder 3">
-            <a:extLst>
-              <a:ext uri="{FF2B5EF4-FFF2-40B4-BE49-F238E27FC236}">
-                <a16:creationId xmlns:a16="http://schemas.microsoft.com/office/drawing/2014/main" id="{7BBB4841-9FC2-490F-83AA-5589FC091688}"/>
-              </a:ext>
-            </a:extLst>
-          </p:cNvPr>
-          <p:cNvSpPr>
-            <a:spLocks noGrp="1"/>
-          </p:cNvSpPr>
-          <p:nvPr>
-            <p:ph type="ftr" sz="quarter" idx="11"/>
-          </p:nvPr>
+          <p:cNvPr id="13" name="Rectangle 12">
+            <a:extLst>
+              <a:ext uri="{FF2B5EF4-FFF2-40B4-BE49-F238E27FC236}">
+                <a16:creationId xmlns:a16="http://schemas.microsoft.com/office/drawing/2014/main" id="{D76E6E69-B6F2-4129-AAF7-97E8FBDC7B19}"/>
+              </a:ext>
+            </a:extLst>
+          </p:cNvPr>
+          <p:cNvSpPr/>
+          <p:nvPr/>
         </p:nvSpPr>
         <p:spPr>
           <a:xfrm>
-            <a:off x="861246" y="6264211"/>
-            <a:ext cx="4114800" cy="365125"/>
-          </a:xfrm>
-        </p:spPr>
-        <p:txBody>
-          <a:bodyPr/>
-          <a:lstStyle/>
-          <a:p>
-            <a:r>
-              <a:rPr lang="en-US" dirty="0"/>
-              <a:t>Ansible - Introduction</a:t>
-            </a:r>
-          </a:p>
-        </p:txBody>
-      </p:sp>
-      <p:sp>
-        <p:nvSpPr>
-          <p:cNvPr id="8" name="Tijdelijke aanduiding voor datum 1">
-            <a:extLst>
-              <a:ext uri="{FF2B5EF4-FFF2-40B4-BE49-F238E27FC236}">
-                <a16:creationId xmlns:a16="http://schemas.microsoft.com/office/drawing/2014/main" id="{86E517BA-B755-4C37-BB4C-75337E789D27}"/>
-              </a:ext>
-            </a:extLst>
-          </p:cNvPr>
-          <p:cNvSpPr>
-            <a:spLocks noGrp="1"/>
-          </p:cNvSpPr>
-          <p:nvPr>
-            <p:ph type="dt" sz="half" idx="10"/>
-          </p:nvPr>
-        </p:nvSpPr>
-        <p:spPr>
-          <a:xfrm>
-            <a:off x="4998576" y="6264004"/>
-            <a:ext cx="2743200" cy="365125"/>
-          </a:xfrm>
-        </p:spPr>
-        <p:txBody>
-          <a:bodyPr/>
-          <a:lstStyle/>
-          <a:p>
-            <a:r>
-              <a:rPr lang="nl-BE" dirty="0"/>
-              <a:t>31/01/2022</a:t>
-            </a:r>
+            <a:off x="1620000" y="5169247"/>
+            <a:ext cx="1044823" cy="165463"/>
+          </a:xfrm>
+          <a:prstGeom prst="rect">
+            <a:avLst/>
+          </a:prstGeom>
+          <a:noFill/>
+          <a:ln w="19050">
+            <a:solidFill>
+              <a:srgbClr val="FF0000"/>
+            </a:solidFill>
+          </a:ln>
+        </p:spPr>
+        <p:txBody>
+          <a:bodyPr wrap="square" lIns="0" tIns="0" rIns="0" bIns="0" rtlCol="0" anchor="ctr">
+            <a:spAutoFit/>
+          </a:bodyPr>
+          <a:lstStyle/>
+          <a:p>
+            <a:pPr algn="l"/>
+            <a:endParaRPr lang="en-US" sz="1600" b="1" dirty="0" err="1">
+              <a:latin typeface="+mj-lt"/>
+            </a:endParaRPr>
           </a:p>
         </p:txBody>
       </p:sp>
     </p:spTree>
     <p:extLst>
       <p:ext uri="{BB962C8B-B14F-4D97-AF65-F5344CB8AC3E}">
-        <p14:creationId xmlns:p14="http://schemas.microsoft.com/office/powerpoint/2010/main" val="2591651798"/>
+        <p14:creationId xmlns:p14="http://schemas.microsoft.com/office/powerpoint/2010/main" val="4017786507"/>
       </p:ext>
     </p:extLst>
   </p:cSld>
@@ -13553,7 +14211,7 @@
           <p:cNvPr id="2" name="Title 1">
             <a:extLst>
               <a:ext uri="{FF2B5EF4-FFF2-40B4-BE49-F238E27FC236}">
-                <a16:creationId xmlns:a16="http://schemas.microsoft.com/office/drawing/2014/main" id="{71FD9B4A-22B3-4B27-8EC6-CB566E6C3ECB}"/>
+                <a16:creationId xmlns:a16="http://schemas.microsoft.com/office/drawing/2014/main" id="{70FEA819-AA32-4583-9E98-B9DBD20D08C5}"/>
               </a:ext>
             </a:extLst>
           </p:cNvPr>
@@ -13571,7 +14229,7 @@
           <a:p>
             <a:r>
               <a:rPr lang="nl-BE" dirty="0"/>
-              <a:t>Demo</a:t>
+              <a:t>Authentication</a:t>
             </a:r>
             <a:endParaRPr lang="en-US" dirty="0"/>
           </a:p>
@@ -13582,7 +14240,7 @@
           <p:cNvPr id="3" name="Text Placeholder 2">
             <a:extLst>
               <a:ext uri="{FF2B5EF4-FFF2-40B4-BE49-F238E27FC236}">
-                <a16:creationId xmlns:a16="http://schemas.microsoft.com/office/drawing/2014/main" id="{ABAB74AB-067C-475A-80FF-87286C696527}"/>
+                <a16:creationId xmlns:a16="http://schemas.microsoft.com/office/drawing/2014/main" id="{EC32EC60-A861-403F-A296-2216AA4D5C5C}"/>
               </a:ext>
             </a:extLst>
           </p:cNvPr>
@@ -13598,7 +14256,7 @@
           <a:bodyPr/>
           <a:lstStyle/>
           <a:p>
-            <a:endParaRPr lang="en-US" dirty="0"/>
+            <a:endParaRPr lang="en-US"/>
           </a:p>
         </p:txBody>
       </p:sp>
@@ -13607,7 +14265,7 @@
           <p:cNvPr id="5" name="Slide Number Placeholder 4">
             <a:extLst>
               <a:ext uri="{FF2B5EF4-FFF2-40B4-BE49-F238E27FC236}">
-                <a16:creationId xmlns:a16="http://schemas.microsoft.com/office/drawing/2014/main" id="{02D6F86B-6F5D-45E1-B852-6CA617042C82}"/>
+                <a16:creationId xmlns:a16="http://schemas.microsoft.com/office/drawing/2014/main" id="{A16825DC-9D9D-4E1A-9AFD-AA673F4A6E6D}"/>
               </a:ext>
             </a:extLst>
           </p:cNvPr>
@@ -13637,7 +14295,7 @@
           <p:cNvPr id="6" name="Text Placeholder 5">
             <a:extLst>
               <a:ext uri="{FF2B5EF4-FFF2-40B4-BE49-F238E27FC236}">
-                <a16:creationId xmlns:a16="http://schemas.microsoft.com/office/drawing/2014/main" id="{0371867E-6B97-4F07-9BD0-C382829AF5AC}"/>
+                <a16:creationId xmlns:a16="http://schemas.microsoft.com/office/drawing/2014/main" id="{5C7A25BD-74FF-4F3E-A457-7A2EF24BA328}"/>
               </a:ext>
             </a:extLst>
           </p:cNvPr>
@@ -13659,7 +14317,7 @@
                   <a:srgbClr val="0085FE"/>
                 </a:solidFill>
               </a:rPr>
-              <a:t>9.</a:t>
+              <a:t>8.</a:t>
             </a:r>
             <a:endParaRPr lang="en-US" dirty="0">
               <a:solidFill>
@@ -13674,7 +14332,7 @@
           <p:cNvPr id="7" name="Footer Placeholder 3">
             <a:extLst>
               <a:ext uri="{FF2B5EF4-FFF2-40B4-BE49-F238E27FC236}">
-                <a16:creationId xmlns:a16="http://schemas.microsoft.com/office/drawing/2014/main" id="{67CC5EEC-6AE9-490F-8F88-E9F460CE1001}"/>
+                <a16:creationId xmlns:a16="http://schemas.microsoft.com/office/drawing/2014/main" id="{7BBB4841-9FC2-490F-83AA-5589FC091688}"/>
               </a:ext>
             </a:extLst>
           </p:cNvPr>
@@ -13707,7 +14365,7 @@
           <p:cNvPr id="8" name="Tijdelijke aanduiding voor datum 1">
             <a:extLst>
               <a:ext uri="{FF2B5EF4-FFF2-40B4-BE49-F238E27FC236}">
-                <a16:creationId xmlns:a16="http://schemas.microsoft.com/office/drawing/2014/main" id="{071B7CCA-0101-47DF-BDDD-97C3F5ABD31C}"/>
+                <a16:creationId xmlns:a16="http://schemas.microsoft.com/office/drawing/2014/main" id="{86E517BA-B755-4C37-BB4C-75337E789D27}"/>
               </a:ext>
             </a:extLst>
           </p:cNvPr>
@@ -13738,7 +14396,7 @@
     </p:spTree>
     <p:extLst>
       <p:ext uri="{BB962C8B-B14F-4D97-AF65-F5344CB8AC3E}">
-        <p14:creationId xmlns:p14="http://schemas.microsoft.com/office/powerpoint/2010/main" val="3975158961"/>
+        <p14:creationId xmlns:p14="http://schemas.microsoft.com/office/powerpoint/2010/main" val="2591651798"/>
       </p:ext>
     </p:extLst>
   </p:cSld>
@@ -13767,10 +14425,10 @@
       </p:grpSpPr>
       <p:sp>
         <p:nvSpPr>
-          <p:cNvPr id="2" name="Title 1">
-            <a:extLst>
-              <a:ext uri="{FF2B5EF4-FFF2-40B4-BE49-F238E27FC236}">
-                <a16:creationId xmlns:a16="http://schemas.microsoft.com/office/drawing/2014/main" id="{C0CA5DA5-C036-4684-B395-A2B54100B73E}"/>
+          <p:cNvPr id="7" name="Title 6">
+            <a:extLst>
+              <a:ext uri="{FF2B5EF4-FFF2-40B4-BE49-F238E27FC236}">
+                <a16:creationId xmlns:a16="http://schemas.microsoft.com/office/drawing/2014/main" id="{CC0D2DC7-0288-40C8-9197-185D5EC8B709}"/>
               </a:ext>
             </a:extLst>
           </p:cNvPr>
@@ -13786,16 +14444,28 @@
           <a:bodyPr/>
           <a:lstStyle/>
           <a:p>
-            <a:endParaRPr lang="en-US"/>
-          </a:p>
-        </p:txBody>
-      </p:sp>
-      <p:sp>
-        <p:nvSpPr>
-          <p:cNvPr id="3" name="Content Placeholder 2">
-            <a:extLst>
-              <a:ext uri="{FF2B5EF4-FFF2-40B4-BE49-F238E27FC236}">
-                <a16:creationId xmlns:a16="http://schemas.microsoft.com/office/drawing/2014/main" id="{6BB7156A-B72D-4860-81A1-650099E4CA1D}"/>
+            <a:r>
+              <a:rPr lang="nl-BE" dirty="0">
+                <a:solidFill>
+                  <a:srgbClr val="0085FE"/>
+                </a:solidFill>
+              </a:rPr>
+              <a:t>Passwordless authentication</a:t>
+            </a:r>
+            <a:endParaRPr lang="en-US" dirty="0">
+              <a:solidFill>
+                <a:srgbClr val="0085FE"/>
+              </a:solidFill>
+            </a:endParaRPr>
+          </a:p>
+        </p:txBody>
+      </p:sp>
+      <p:sp>
+        <p:nvSpPr>
+          <p:cNvPr id="8" name="Content Placeholder 7">
+            <a:extLst>
+              <a:ext uri="{FF2B5EF4-FFF2-40B4-BE49-F238E27FC236}">
+                <a16:creationId xmlns:a16="http://schemas.microsoft.com/office/drawing/2014/main" id="{4D58A992-F5E2-4D91-9043-404227BDFA08}"/>
               </a:ext>
             </a:extLst>
           </p:cNvPr>
@@ -13806,38 +14476,242 @@
             <p:ph idx="1"/>
           </p:nvPr>
         </p:nvSpPr>
+        <p:spPr>
+          <a:xfrm>
+            <a:off x="1780867" y="2627667"/>
+            <a:ext cx="9291600" cy="3132000"/>
+          </a:xfrm>
+        </p:spPr>
+        <p:txBody>
+          <a:bodyPr/>
+          <a:lstStyle/>
+          <a:p>
+            <a:pPr marL="342900" lvl="0" indent="-342900">
+              <a:lnSpc>
+                <a:spcPct val="107000"/>
+              </a:lnSpc>
+              <a:buFont typeface="+mj-lt"/>
+              <a:buAutoNum type="arabicPeriod"/>
+            </a:pPr>
+            <a:r>
+              <a:rPr lang="en-GB" sz="2000" b="0" dirty="0">
+                <a:effectLst/>
+                <a:latin typeface="+mn-lt"/>
+                <a:ea typeface="Calibri" panose="020F0502020204030204" pitchFamily="34" charset="0"/>
+                <a:cs typeface="Times New Roman" panose="02020603050405020304" pitchFamily="18" charset="0"/>
+              </a:rPr>
+              <a:t>Create an SSH-key: “</a:t>
+            </a:r>
+            <a:r>
+              <a:rPr lang="en-GB" sz="2000" b="0" dirty="0" err="1">
+                <a:effectLst/>
+                <a:latin typeface="+mn-lt"/>
+                <a:ea typeface="Calibri" panose="020F0502020204030204" pitchFamily="34" charset="0"/>
+                <a:cs typeface="Times New Roman" panose="02020603050405020304" pitchFamily="18" charset="0"/>
+              </a:rPr>
+              <a:t>ssh</a:t>
+            </a:r>
+            <a:r>
+              <a:rPr lang="en-GB" sz="2000" b="0" dirty="0">
+                <a:effectLst/>
+                <a:latin typeface="+mn-lt"/>
+                <a:ea typeface="Calibri" panose="020F0502020204030204" pitchFamily="34" charset="0"/>
+                <a:cs typeface="Times New Roman" panose="02020603050405020304" pitchFamily="18" charset="0"/>
+              </a:rPr>
+              <a:t>-keygen -t -</a:t>
+            </a:r>
+            <a:r>
+              <a:rPr lang="en-GB" sz="2000" b="0" dirty="0" err="1">
+                <a:effectLst/>
+                <a:latin typeface="+mn-lt"/>
+                <a:ea typeface="Calibri" panose="020F0502020204030204" pitchFamily="34" charset="0"/>
+                <a:cs typeface="Times New Roman" panose="02020603050405020304" pitchFamily="18" charset="0"/>
+              </a:rPr>
+              <a:t>rsa</a:t>
+            </a:r>
+            <a:r>
+              <a:rPr lang="en-GB" sz="2000" b="0" dirty="0">
+                <a:effectLst/>
+                <a:latin typeface="+mn-lt"/>
+                <a:ea typeface="Calibri" panose="020F0502020204030204" pitchFamily="34" charset="0"/>
+                <a:cs typeface="Times New Roman" panose="02020603050405020304" pitchFamily="18" charset="0"/>
+              </a:rPr>
+              <a:t>”</a:t>
+            </a:r>
+            <a:endParaRPr lang="en-US" sz="2000" b="0" dirty="0">
+              <a:effectLst/>
+              <a:latin typeface="+mn-lt"/>
+              <a:ea typeface="Calibri" panose="020F0502020204030204" pitchFamily="34" charset="0"/>
+              <a:cs typeface="Times New Roman" panose="02020603050405020304" pitchFamily="18" charset="0"/>
+            </a:endParaRPr>
+          </a:p>
+          <a:p>
+            <a:pPr marL="342900" lvl="0" indent="-342900">
+              <a:lnSpc>
+                <a:spcPct val="107000"/>
+              </a:lnSpc>
+              <a:buFont typeface="+mj-lt"/>
+              <a:buAutoNum type="arabicPeriod"/>
+            </a:pPr>
+            <a:r>
+              <a:rPr lang="en-GB" sz="2000" b="0" dirty="0">
+                <a:effectLst/>
+                <a:latin typeface="+mn-lt"/>
+                <a:ea typeface="Calibri" panose="020F0502020204030204" pitchFamily="34" charset="0"/>
+                <a:cs typeface="Times New Roman" panose="02020603050405020304" pitchFamily="18" charset="0"/>
+              </a:rPr>
+              <a:t>Copy the public key to remote machine:</a:t>
+            </a:r>
+            <a:endParaRPr lang="en-US" sz="2000" b="0" dirty="0">
+              <a:effectLst/>
+              <a:latin typeface="+mn-lt"/>
+              <a:ea typeface="Calibri" panose="020F0502020204030204" pitchFamily="34" charset="0"/>
+              <a:cs typeface="Times New Roman" panose="02020603050405020304" pitchFamily="18" charset="0"/>
+            </a:endParaRPr>
+          </a:p>
+          <a:p>
+            <a:pPr marL="899160">
+              <a:lnSpc>
+                <a:spcPct val="107000"/>
+              </a:lnSpc>
+            </a:pPr>
+            <a:r>
+              <a:rPr lang="en-GB" sz="2000" b="0" dirty="0">
+                <a:effectLst/>
+                <a:latin typeface="+mn-lt"/>
+                <a:ea typeface="Calibri" panose="020F0502020204030204" pitchFamily="34" charset="0"/>
+                <a:cs typeface="Times New Roman" panose="02020603050405020304" pitchFamily="18" charset="0"/>
+              </a:rPr>
+              <a:t>“</a:t>
+            </a:r>
+            <a:r>
+              <a:rPr lang="en-GB" sz="2000" b="0" dirty="0" err="1">
+                <a:effectLst/>
+                <a:latin typeface="Courier New" panose="02070309020205020404" pitchFamily="49" charset="0"/>
+                <a:ea typeface="Calibri" panose="020F0502020204030204" pitchFamily="34" charset="0"/>
+                <a:cs typeface="Courier New" panose="02070309020205020404" pitchFamily="49" charset="0"/>
+              </a:rPr>
+              <a:t>ssh</a:t>
+            </a:r>
+            <a:r>
+              <a:rPr lang="en-GB" sz="2000" b="0" dirty="0">
+                <a:effectLst/>
+                <a:latin typeface="Courier New" panose="02070309020205020404" pitchFamily="49" charset="0"/>
+                <a:ea typeface="Calibri" panose="020F0502020204030204" pitchFamily="34" charset="0"/>
+                <a:cs typeface="Courier New" panose="02070309020205020404" pitchFamily="49" charset="0"/>
+              </a:rPr>
+              <a:t>-copy-id -</a:t>
+            </a:r>
+            <a:r>
+              <a:rPr lang="en-GB" sz="2000" b="0" dirty="0" err="1">
+                <a:effectLst/>
+                <a:latin typeface="Courier New" panose="02070309020205020404" pitchFamily="49" charset="0"/>
+                <a:ea typeface="Calibri" panose="020F0502020204030204" pitchFamily="34" charset="0"/>
+                <a:cs typeface="Courier New" panose="02070309020205020404" pitchFamily="49" charset="0"/>
+              </a:rPr>
+              <a:t>i</a:t>
+            </a:r>
+            <a:r>
+              <a:rPr lang="en-GB" sz="2000" b="0" dirty="0">
+                <a:effectLst/>
+                <a:latin typeface="Courier New" panose="02070309020205020404" pitchFamily="49" charset="0"/>
+                <a:ea typeface="Calibri" panose="020F0502020204030204" pitchFamily="34" charset="0"/>
+                <a:cs typeface="Courier New" panose="02070309020205020404" pitchFamily="49" charset="0"/>
+              </a:rPr>
+              <a:t> ~/.</a:t>
+            </a:r>
+            <a:r>
+              <a:rPr lang="en-GB" sz="2000" b="0" dirty="0" err="1">
+                <a:effectLst/>
+                <a:latin typeface="Courier New" panose="02070309020205020404" pitchFamily="49" charset="0"/>
+                <a:ea typeface="Calibri" panose="020F0502020204030204" pitchFamily="34" charset="0"/>
+                <a:cs typeface="Courier New" panose="02070309020205020404" pitchFamily="49" charset="0"/>
+              </a:rPr>
+              <a:t>ssh</a:t>
+            </a:r>
+            <a:r>
+              <a:rPr lang="en-GB" sz="2000" b="0" dirty="0">
+                <a:effectLst/>
+                <a:latin typeface="Courier New" panose="02070309020205020404" pitchFamily="49" charset="0"/>
+                <a:ea typeface="Calibri" panose="020F0502020204030204" pitchFamily="34" charset="0"/>
+                <a:cs typeface="Courier New" panose="02070309020205020404" pitchFamily="49" charset="0"/>
+              </a:rPr>
+              <a:t>/id_rsa.pub </a:t>
+            </a:r>
+            <a:r>
+              <a:rPr lang="en-GB" sz="2000" b="0" dirty="0" err="1">
+                <a:effectLst/>
+                <a:latin typeface="Courier New" panose="02070309020205020404" pitchFamily="49" charset="0"/>
+                <a:ea typeface="Calibri" panose="020F0502020204030204" pitchFamily="34" charset="0"/>
+                <a:cs typeface="Courier New" panose="02070309020205020404" pitchFamily="49" charset="0"/>
+              </a:rPr>
+              <a:t>user@nodeIP</a:t>
+            </a:r>
+            <a:r>
+              <a:rPr lang="en-GB" sz="2000" b="0" dirty="0">
+                <a:effectLst/>
+                <a:latin typeface="+mn-lt"/>
+                <a:ea typeface="Calibri" panose="020F0502020204030204" pitchFamily="34" charset="0"/>
+                <a:cs typeface="Times New Roman" panose="02020603050405020304" pitchFamily="18" charset="0"/>
+              </a:rPr>
+              <a:t>”</a:t>
+            </a:r>
+            <a:endParaRPr lang="en-US" sz="2000" b="0" dirty="0">
+              <a:effectLst/>
+              <a:latin typeface="+mn-lt"/>
+              <a:ea typeface="Calibri" panose="020F0502020204030204" pitchFamily="34" charset="0"/>
+              <a:cs typeface="Times New Roman" panose="02020603050405020304" pitchFamily="18" charset="0"/>
+            </a:endParaRPr>
+          </a:p>
+          <a:p>
+            <a:pPr lvl="0">
+              <a:lnSpc>
+                <a:spcPct val="107000"/>
+              </a:lnSpc>
+              <a:spcAft>
+                <a:spcPts val="800"/>
+              </a:spcAft>
+            </a:pPr>
+            <a:r>
+              <a:rPr lang="en-US" sz="2000" b="0" dirty="0">
+                <a:effectLst/>
+                <a:latin typeface="+mn-lt"/>
+                <a:ea typeface="Calibri" panose="020F0502020204030204" pitchFamily="34" charset="0"/>
+                <a:cs typeface="Times New Roman" panose="02020603050405020304" pitchFamily="18" charset="0"/>
+              </a:rPr>
+              <a:t>3.   Connect to machine (no login password should be required).</a:t>
+            </a:r>
+          </a:p>
+          <a:p>
+            <a:endParaRPr lang="en-US" sz="3200" b="0" dirty="0">
+              <a:latin typeface="+mn-lt"/>
+            </a:endParaRPr>
+          </a:p>
+        </p:txBody>
+      </p:sp>
+      <p:sp>
+        <p:nvSpPr>
+          <p:cNvPr id="4" name="Footer Placeholder 3">
+            <a:extLst>
+              <a:ext uri="{FF2B5EF4-FFF2-40B4-BE49-F238E27FC236}">
+                <a16:creationId xmlns:a16="http://schemas.microsoft.com/office/drawing/2014/main" id="{6FE71F28-9912-4623-9E87-FC5AF4BAB5D9}"/>
+              </a:ext>
+            </a:extLst>
+          </p:cNvPr>
+          <p:cNvSpPr>
+            <a:spLocks noGrp="1"/>
+          </p:cNvSpPr>
+          <p:nvPr>
+            <p:ph type="ftr" sz="quarter" idx="11"/>
+          </p:nvPr>
+        </p:nvSpPr>
         <p:spPr/>
         <p:txBody>
           <a:bodyPr/>
           <a:lstStyle/>
           <a:p>
-            <a:endParaRPr lang="en-US"/>
-          </a:p>
-        </p:txBody>
-      </p:sp>
-      <p:sp>
-        <p:nvSpPr>
-          <p:cNvPr id="4" name="Footer Placeholder 3">
-            <a:extLst>
-              <a:ext uri="{FF2B5EF4-FFF2-40B4-BE49-F238E27FC236}">
-                <a16:creationId xmlns:a16="http://schemas.microsoft.com/office/drawing/2014/main" id="{80F1881B-72D4-442C-AFDA-B56DEF22CFC7}"/>
-              </a:ext>
-            </a:extLst>
-          </p:cNvPr>
-          <p:cNvSpPr>
-            <a:spLocks noGrp="1"/>
-          </p:cNvSpPr>
-          <p:nvPr>
-            <p:ph type="ftr" sz="quarter" idx="11"/>
-          </p:nvPr>
-        </p:nvSpPr>
-        <p:spPr/>
-        <p:txBody>
-          <a:bodyPr/>
-          <a:lstStyle/>
-          <a:p>
-            <a:r>
-              <a:rPr lang="en-US" dirty="0"/>
+            <a:r>
+              <a:rPr lang="nl-BE" dirty="0"/>
               <a:t>Ansible - Introduction</a:t>
             </a:r>
           </a:p>
@@ -13848,7 +14722,7 @@
           <p:cNvPr id="5" name="Slide Number Placeholder 4">
             <a:extLst>
               <a:ext uri="{FF2B5EF4-FFF2-40B4-BE49-F238E27FC236}">
-                <a16:creationId xmlns:a16="http://schemas.microsoft.com/office/drawing/2014/main" id="{EA65554E-54D4-4B45-9ED8-B19774FC2A6D}"/>
+                <a16:creationId xmlns:a16="http://schemas.microsoft.com/office/drawing/2014/main" id="{1F6F55EF-59B6-4038-AF22-ED1B0A983A97}"/>
               </a:ext>
             </a:extLst>
           </p:cNvPr>
@@ -13866,6 +14740,7 @@
           <a:p>
             <a:fld id="{FF88DA20-ED00-471C-9170-60F590CB400A}" type="slidenum">
               <a:rPr lang="nl-BE" smtClean="0"/>
+              <a:pPr/>
               <a:t>29</a:t>
             </a:fld>
             <a:endParaRPr lang="nl-BE"/>
@@ -13874,33 +14749,58 @@
       </p:sp>
       <p:sp>
         <p:nvSpPr>
-          <p:cNvPr id="6" name="Text Placeholder 5">
-            <a:extLst>
-              <a:ext uri="{FF2B5EF4-FFF2-40B4-BE49-F238E27FC236}">
-                <a16:creationId xmlns:a16="http://schemas.microsoft.com/office/drawing/2014/main" id="{7178E282-D5ED-46AF-AC21-8E478FBDA844}"/>
-              </a:ext>
-            </a:extLst>
-          </p:cNvPr>
-          <p:cNvSpPr>
-            <a:spLocks noGrp="1"/>
-          </p:cNvSpPr>
-          <p:nvPr>
-            <p:ph type="body" sz="quarter" idx="13"/>
-          </p:nvPr>
-        </p:nvSpPr>
-        <p:spPr/>
-        <p:txBody>
-          <a:bodyPr/>
-          <a:lstStyle/>
-          <a:p>
-            <a:endParaRPr lang="en-US"/>
+          <p:cNvPr id="10" name="TextBox 9">
+            <a:extLst>
+              <a:ext uri="{FF2B5EF4-FFF2-40B4-BE49-F238E27FC236}">
+                <a16:creationId xmlns:a16="http://schemas.microsoft.com/office/drawing/2014/main" id="{C2D21B71-38C9-4237-A2BF-02449E4793D1}"/>
+              </a:ext>
+            </a:extLst>
+          </p:cNvPr>
+          <p:cNvSpPr txBox="1"/>
+          <p:nvPr/>
+        </p:nvSpPr>
+        <p:spPr>
+          <a:xfrm>
+            <a:off x="861246" y="1723013"/>
+            <a:ext cx="5093574" cy="707886"/>
+          </a:xfrm>
+          <a:prstGeom prst="rect">
+            <a:avLst/>
+          </a:prstGeom>
+          <a:noFill/>
+        </p:spPr>
+        <p:txBody>
+          <a:bodyPr wrap="none" rtlCol="0">
+            <a:spAutoFit/>
+          </a:bodyPr>
+          <a:lstStyle/>
+          <a:p>
+            <a:pPr marL="285750" indent="-285750">
+              <a:buFont typeface="Arial" panose="020B0604020202020204" pitchFamily="34" charset="0"/>
+              <a:buChar char="•"/>
+            </a:pPr>
+            <a:r>
+              <a:rPr lang="nl-BE" sz="2000" dirty="0"/>
+              <a:t>Prevents repeatadly manual login at run time</a:t>
+            </a:r>
+          </a:p>
+          <a:p>
+            <a:pPr marL="285750" indent="-285750">
+              <a:buFont typeface="Arial" panose="020B0604020202020204" pitchFamily="34" charset="0"/>
+              <a:buChar char="•"/>
+            </a:pPr>
+            <a:r>
+              <a:rPr lang="nl-BE" sz="2000" dirty="0"/>
+              <a:t>Makes execution seamless</a:t>
+            </a:r>
+            <a:endParaRPr lang="en-US" sz="2000" dirty="0"/>
           </a:p>
         </p:txBody>
       </p:sp>
     </p:spTree>
     <p:extLst>
       <p:ext uri="{BB962C8B-B14F-4D97-AF65-F5344CB8AC3E}">
-        <p14:creationId xmlns:p14="http://schemas.microsoft.com/office/powerpoint/2010/main" val="791299812"/>
+        <p14:creationId xmlns:p14="http://schemas.microsoft.com/office/powerpoint/2010/main" val="2010100633"/>
       </p:ext>
     </p:extLst>
   </p:cSld>
@@ -14136,6 +15036,223 @@
           <p:cNvPr id="2" name="Title 1">
             <a:extLst>
               <a:ext uri="{FF2B5EF4-FFF2-40B4-BE49-F238E27FC236}">
+                <a16:creationId xmlns:a16="http://schemas.microsoft.com/office/drawing/2014/main" id="{71FD9B4A-22B3-4B27-8EC6-CB566E6C3ECB}"/>
+              </a:ext>
+            </a:extLst>
+          </p:cNvPr>
+          <p:cNvSpPr>
+            <a:spLocks noGrp="1"/>
+          </p:cNvSpPr>
+          <p:nvPr>
+            <p:ph type="title"/>
+          </p:nvPr>
+        </p:nvSpPr>
+        <p:spPr/>
+        <p:txBody>
+          <a:bodyPr/>
+          <a:lstStyle/>
+          <a:p>
+            <a:r>
+              <a:rPr lang="nl-BE" dirty="0"/>
+              <a:t>Demo</a:t>
+            </a:r>
+            <a:endParaRPr lang="en-US" dirty="0"/>
+          </a:p>
+        </p:txBody>
+      </p:sp>
+      <p:sp>
+        <p:nvSpPr>
+          <p:cNvPr id="3" name="Text Placeholder 2">
+            <a:extLst>
+              <a:ext uri="{FF2B5EF4-FFF2-40B4-BE49-F238E27FC236}">
+                <a16:creationId xmlns:a16="http://schemas.microsoft.com/office/drawing/2014/main" id="{ABAB74AB-067C-475A-80FF-87286C696527}"/>
+              </a:ext>
+            </a:extLst>
+          </p:cNvPr>
+          <p:cNvSpPr>
+            <a:spLocks noGrp="1"/>
+          </p:cNvSpPr>
+          <p:nvPr>
+            <p:ph type="body" idx="1"/>
+          </p:nvPr>
+        </p:nvSpPr>
+        <p:spPr/>
+        <p:txBody>
+          <a:bodyPr/>
+          <a:lstStyle/>
+          <a:p>
+            <a:endParaRPr lang="en-US" dirty="0"/>
+          </a:p>
+        </p:txBody>
+      </p:sp>
+      <p:sp>
+        <p:nvSpPr>
+          <p:cNvPr id="5" name="Slide Number Placeholder 4">
+            <a:extLst>
+              <a:ext uri="{FF2B5EF4-FFF2-40B4-BE49-F238E27FC236}">
+                <a16:creationId xmlns:a16="http://schemas.microsoft.com/office/drawing/2014/main" id="{02D6F86B-6F5D-45E1-B852-6CA617042C82}"/>
+              </a:ext>
+            </a:extLst>
+          </p:cNvPr>
+          <p:cNvSpPr>
+            <a:spLocks noGrp="1"/>
+          </p:cNvSpPr>
+          <p:nvPr>
+            <p:ph type="sldNum" sz="quarter" idx="12"/>
+          </p:nvPr>
+        </p:nvSpPr>
+        <p:spPr/>
+        <p:txBody>
+          <a:bodyPr/>
+          <a:lstStyle/>
+          <a:p>
+            <a:fld id="{FF88DA20-ED00-471C-9170-60F590CB400A}" type="slidenum">
+              <a:rPr lang="nl-BE" smtClean="0"/>
+              <a:pPr/>
+              <a:t>30</a:t>
+            </a:fld>
+            <a:endParaRPr lang="nl-BE"/>
+          </a:p>
+        </p:txBody>
+      </p:sp>
+      <p:sp>
+        <p:nvSpPr>
+          <p:cNvPr id="6" name="Text Placeholder 5">
+            <a:extLst>
+              <a:ext uri="{FF2B5EF4-FFF2-40B4-BE49-F238E27FC236}">
+                <a16:creationId xmlns:a16="http://schemas.microsoft.com/office/drawing/2014/main" id="{0371867E-6B97-4F07-9BD0-C382829AF5AC}"/>
+              </a:ext>
+            </a:extLst>
+          </p:cNvPr>
+          <p:cNvSpPr>
+            <a:spLocks noGrp="1"/>
+          </p:cNvSpPr>
+          <p:nvPr>
+            <p:ph type="body" sz="quarter" idx="13"/>
+          </p:nvPr>
+        </p:nvSpPr>
+        <p:spPr/>
+        <p:txBody>
+          <a:bodyPr/>
+          <a:lstStyle/>
+          <a:p>
+            <a:r>
+              <a:rPr lang="nl-BE" dirty="0">
+                <a:solidFill>
+                  <a:srgbClr val="0085FE"/>
+                </a:solidFill>
+              </a:rPr>
+              <a:t>9.</a:t>
+            </a:r>
+            <a:endParaRPr lang="en-US" dirty="0">
+              <a:solidFill>
+                <a:srgbClr val="0085FE"/>
+              </a:solidFill>
+            </a:endParaRPr>
+          </a:p>
+        </p:txBody>
+      </p:sp>
+      <p:sp>
+        <p:nvSpPr>
+          <p:cNvPr id="7" name="Footer Placeholder 3">
+            <a:extLst>
+              <a:ext uri="{FF2B5EF4-FFF2-40B4-BE49-F238E27FC236}">
+                <a16:creationId xmlns:a16="http://schemas.microsoft.com/office/drawing/2014/main" id="{67CC5EEC-6AE9-490F-8F88-E9F460CE1001}"/>
+              </a:ext>
+            </a:extLst>
+          </p:cNvPr>
+          <p:cNvSpPr>
+            <a:spLocks noGrp="1"/>
+          </p:cNvSpPr>
+          <p:nvPr>
+            <p:ph type="ftr" sz="quarter" idx="11"/>
+          </p:nvPr>
+        </p:nvSpPr>
+        <p:spPr>
+          <a:xfrm>
+            <a:off x="861246" y="6264211"/>
+            <a:ext cx="4114800" cy="365125"/>
+          </a:xfrm>
+        </p:spPr>
+        <p:txBody>
+          <a:bodyPr/>
+          <a:lstStyle/>
+          <a:p>
+            <a:r>
+              <a:rPr lang="en-US" dirty="0"/>
+              <a:t>Ansible - Introduction</a:t>
+            </a:r>
+          </a:p>
+        </p:txBody>
+      </p:sp>
+      <p:sp>
+        <p:nvSpPr>
+          <p:cNvPr id="8" name="Tijdelijke aanduiding voor datum 1">
+            <a:extLst>
+              <a:ext uri="{FF2B5EF4-FFF2-40B4-BE49-F238E27FC236}">
+                <a16:creationId xmlns:a16="http://schemas.microsoft.com/office/drawing/2014/main" id="{071B7CCA-0101-47DF-BDDD-97C3F5ABD31C}"/>
+              </a:ext>
+            </a:extLst>
+          </p:cNvPr>
+          <p:cNvSpPr>
+            <a:spLocks noGrp="1"/>
+          </p:cNvSpPr>
+          <p:nvPr>
+            <p:ph type="dt" sz="half" idx="10"/>
+          </p:nvPr>
+        </p:nvSpPr>
+        <p:spPr>
+          <a:xfrm>
+            <a:off x="4998576" y="6264004"/>
+            <a:ext cx="2743200" cy="365125"/>
+          </a:xfrm>
+        </p:spPr>
+        <p:txBody>
+          <a:bodyPr/>
+          <a:lstStyle/>
+          <a:p>
+            <a:r>
+              <a:rPr lang="nl-BE" dirty="0"/>
+              <a:t>31/01/2022</a:t>
+            </a:r>
+          </a:p>
+        </p:txBody>
+      </p:sp>
+    </p:spTree>
+    <p:extLst>
+      <p:ext uri="{BB962C8B-B14F-4D97-AF65-F5344CB8AC3E}">
+        <p14:creationId xmlns:p14="http://schemas.microsoft.com/office/powerpoint/2010/main" val="3975158961"/>
+      </p:ext>
+    </p:extLst>
+  </p:cSld>
+  <p:clrMapOvr>
+    <a:masterClrMapping/>
+  </p:clrMapOvr>
+</p:sld>
+</file>
+
+<file path=ppt/slides/slide31.xml><?xml version="1.0" encoding="utf-8"?>
+<p:sld xmlns:a="http://schemas.openxmlformats.org/drawingml/2006/main" xmlns:r="http://schemas.openxmlformats.org/officeDocument/2006/relationships" xmlns:p="http://schemas.openxmlformats.org/presentationml/2006/main">
+  <p:cSld>
+    <p:spTree>
+      <p:nvGrpSpPr>
+        <p:cNvPr id="1" name=""/>
+        <p:cNvGrpSpPr/>
+        <p:nvPr/>
+      </p:nvGrpSpPr>
+      <p:grpSpPr>
+        <a:xfrm>
+          <a:off x="0" y="0"/>
+          <a:ext cx="0" cy="0"/>
+          <a:chOff x="0" y="0"/>
+          <a:chExt cx="0" cy="0"/>
+        </a:xfrm>
+      </p:grpSpPr>
+      <p:sp>
+        <p:nvSpPr>
+          <p:cNvPr id="2" name="Title 1">
+            <a:extLst>
+              <a:ext uri="{FF2B5EF4-FFF2-40B4-BE49-F238E27FC236}">
                 <a16:creationId xmlns:a16="http://schemas.microsoft.com/office/drawing/2014/main" id="{A0A4361E-379E-456A-82BC-335114F04C17}"/>
               </a:ext>
             </a:extLst>
@@ -14195,17 +15312,7 @@
             </a:pPr>
             <a:r>
               <a:rPr lang="nl-BE" dirty="0"/>
-              <a:t>- Figure Ansible Architecture: </a:t>
-            </a:r>
-            <a:r>
-              <a:rPr lang="nl-BE" dirty="0">
-                <a:hlinkClick r:id="rId2"/>
-              </a:rPr>
-              <a:t>https://www.linkedin.com/pulse/how-industries-solving-challenges-using-ansible-shalini-rana</a:t>
-            </a:r>
-            <a:r>
-              <a:rPr lang="nl-BE" dirty="0"/>
-              <a:t> </a:t>
+              <a:t>See Ansible paper</a:t>
             </a:r>
             <a:endParaRPr lang="en-US" dirty="0"/>
           </a:p>
@@ -14262,7 +15369,7 @@
           <a:p>
             <a:fld id="{FF88DA20-ED00-471C-9170-60F590CB400A}" type="slidenum">
               <a:rPr lang="nl-BE" smtClean="0"/>
-              <a:t>30</a:t>
+              <a:t>31</a:t>
             </a:fld>
             <a:endParaRPr lang="nl-BE"/>
           </a:p>
@@ -14625,8 +15732,25 @@
             </a:pPr>
             <a:r>
               <a:rPr lang="nl-BE" sz="2800" dirty="0"/>
-              <a:t>Comparable to Chef and Puppet</a:t>
-            </a:r>
+              <a:t>Comparable to </a:t>
+            </a:r>
+            <a:r>
+              <a:rPr lang="nl-BE" sz="2800" dirty="0">
+                <a:hlinkClick r:id="rId2"/>
+              </a:rPr>
+              <a:t>Chef</a:t>
+            </a:r>
+            <a:r>
+              <a:rPr lang="nl-BE" sz="2800" dirty="0"/>
+              <a:t> and </a:t>
+            </a:r>
+            <a:r>
+              <a:rPr lang="nl-BE" sz="2800" dirty="0">
+                <a:hlinkClick r:id="rId3"/>
+              </a:rPr>
+              <a:t>Puppet</a:t>
+            </a:r>
+            <a:endParaRPr lang="nl-BE" sz="2800" dirty="0"/>
           </a:p>
         </p:txBody>
       </p:sp>
@@ -14645,7 +15769,7 @@
           <p:nvPr/>
         </p:nvPicPr>
         <p:blipFill rotWithShape="1">
-          <a:blip r:embed="rId2">
+          <a:blip r:embed="rId4">
             <a:extLst>
               <a:ext uri="{28A0092B-C50C-407E-A947-70E740481C1C}">
                 <a14:useLocalDpi xmlns:a14="http://schemas.microsoft.com/office/drawing/2010/main" val="0"/>
@@ -14657,8 +15781,8 @@
         </p:blipFill>
         <p:spPr bwMode="auto">
           <a:xfrm>
-            <a:off x="2157065" y="4161026"/>
-            <a:ext cx="4530862" cy="2468310"/>
+            <a:off x="5969000" y="653377"/>
+            <a:ext cx="5471001" cy="2980476"/>
           </a:xfrm>
           <a:prstGeom prst="rect">
             <a:avLst/>
@@ -14677,10 +15801,10 @@
       </p:pic>
       <p:pic>
         <p:nvPicPr>
-          <p:cNvPr id="27658" name="Picture 10" descr="How industries are solving challenges using Ansible.">
-            <a:extLst>
-              <a:ext uri="{FF2B5EF4-FFF2-40B4-BE49-F238E27FC236}">
-                <a16:creationId xmlns:a16="http://schemas.microsoft.com/office/drawing/2014/main" id="{93240206-8C91-434E-83C4-1640BF43E897}"/>
+          <p:cNvPr id="3074" name="Picture 2">
+            <a:extLst>
+              <a:ext uri="{FF2B5EF4-FFF2-40B4-BE49-F238E27FC236}">
+                <a16:creationId xmlns:a16="http://schemas.microsoft.com/office/drawing/2014/main" id="{DC3A478C-6622-467F-9378-E6DE331DE1C4}"/>
               </a:ext>
             </a:extLst>
           </p:cNvPr>
@@ -14690,7 +15814,7 @@
           <p:nvPr/>
         </p:nvPicPr>
         <p:blipFill>
-          <a:blip r:embed="rId3">
+          <a:blip r:embed="rId5">
             <a:extLst>
               <a:ext uri="{28A0092B-C50C-407E-A947-70E740481C1C}">
                 <a14:useLocalDpi xmlns:a14="http://schemas.microsoft.com/office/drawing/2010/main" val="0"/>
@@ -14704,8 +15828,8 @@
         </p:blipFill>
         <p:spPr bwMode="auto">
           <a:xfrm>
-            <a:off x="6618999" y="0"/>
-            <a:ext cx="5573001" cy="3897148"/>
+            <a:off x="7795218" y="4791107"/>
+            <a:ext cx="1219958" cy="1305479"/>
           </a:xfrm>
           <a:prstGeom prst="rect">
             <a:avLst/>
@@ -14724,53 +15848,6 @@
       </p:pic>
       <p:pic>
         <p:nvPicPr>
-          <p:cNvPr id="3074" name="Picture 2">
-            <a:extLst>
-              <a:ext uri="{FF2B5EF4-FFF2-40B4-BE49-F238E27FC236}">
-                <a16:creationId xmlns:a16="http://schemas.microsoft.com/office/drawing/2014/main" id="{DC3A478C-6622-467F-9378-E6DE331DE1C4}"/>
-              </a:ext>
-            </a:extLst>
-          </p:cNvPr>
-          <p:cNvPicPr>
-            <a:picLocks noChangeAspect="1" noChangeArrowheads="1"/>
-          </p:cNvPicPr>
-          <p:nvPr/>
-        </p:nvPicPr>
-        <p:blipFill>
-          <a:blip r:embed="rId4">
-            <a:extLst>
-              <a:ext uri="{28A0092B-C50C-407E-A947-70E740481C1C}">
-                <a14:useLocalDpi xmlns:a14="http://schemas.microsoft.com/office/drawing/2010/main" val="0"/>
-              </a:ext>
-            </a:extLst>
-          </a:blip>
-          <a:srcRect/>
-          <a:stretch>
-            <a:fillRect/>
-          </a:stretch>
-        </p:blipFill>
-        <p:spPr bwMode="auto">
-          <a:xfrm>
-            <a:off x="7693618" y="5197722"/>
-            <a:ext cx="1219958" cy="1305479"/>
-          </a:xfrm>
-          <a:prstGeom prst="rect">
-            <a:avLst/>
-          </a:prstGeom>
-          <a:noFill/>
-          <a:extLst>
-            <a:ext uri="{909E8E84-426E-40DD-AFC4-6F175D3DCCD1}">
-              <a14:hiddenFill xmlns:a14="http://schemas.microsoft.com/office/drawing/2010/main">
-                <a:solidFill>
-                  <a:srgbClr val="FFFFFF"/>
-                </a:solidFill>
-              </a14:hiddenFill>
-            </a:ext>
-          </a:extLst>
-        </p:spPr>
-      </p:pic>
-      <p:pic>
-        <p:nvPicPr>
           <p:cNvPr id="3078" name="Picture 6" descr="Puppet - Infocomm Media Development Authority">
             <a:extLst>
               <a:ext uri="{FF2B5EF4-FFF2-40B4-BE49-F238E27FC236}">
@@ -14784,7 +15861,7 @@
           <p:nvPr/>
         </p:nvPicPr>
         <p:blipFill rotWithShape="1">
-          <a:blip r:embed="rId5">
+          <a:blip r:embed="rId6">
             <a:extLst>
               <a:ext uri="{28A0092B-C50C-407E-A947-70E740481C1C}">
                 <a14:useLocalDpi xmlns:a14="http://schemas.microsoft.com/office/drawing/2010/main" val="0"/>
@@ -14796,7 +15873,7 @@
         </p:blipFill>
         <p:spPr bwMode="auto">
           <a:xfrm>
-            <a:off x="9058366" y="4597287"/>
+            <a:off x="3508109" y="5044900"/>
             <a:ext cx="2242448" cy="797894"/>
           </a:xfrm>
           <a:prstGeom prst="rect">

--- a/Documents/Ansible_BasicsAndHowToGetStarted.pptx
+++ b/Documents/Ansible_BasicsAndHowToGetStarted.pptx
@@ -5,7 +5,7 @@
     <p:sldMasterId id="2147483648" r:id="rId1"/>
   </p:sldMasterIdLst>
   <p:notesMasterIdLst>
-    <p:notesMasterId r:id="rId33"/>
+    <p:notesMasterId r:id="rId43"/>
   </p:notesMasterIdLst>
   <p:sldIdLst>
     <p:sldId id="261" r:id="rId2"/>
@@ -35,10 +35,20 @@
     <p:sldId id="301" r:id="rId26"/>
     <p:sldId id="291" r:id="rId27"/>
     <p:sldId id="303" r:id="rId28"/>
-    <p:sldId id="292" r:id="rId29"/>
-    <p:sldId id="304" r:id="rId30"/>
-    <p:sldId id="293" r:id="rId31"/>
-    <p:sldId id="279" r:id="rId32"/>
+    <p:sldId id="319" r:id="rId29"/>
+    <p:sldId id="315" r:id="rId30"/>
+    <p:sldId id="317" r:id="rId31"/>
+    <p:sldId id="316" r:id="rId32"/>
+    <p:sldId id="292" r:id="rId33"/>
+    <p:sldId id="304" r:id="rId34"/>
+    <p:sldId id="308" r:id="rId35"/>
+    <p:sldId id="293" r:id="rId36"/>
+    <p:sldId id="318" r:id="rId37"/>
+    <p:sldId id="310" r:id="rId38"/>
+    <p:sldId id="312" r:id="rId39"/>
+    <p:sldId id="306" r:id="rId40"/>
+    <p:sldId id="309" r:id="rId41"/>
+    <p:sldId id="279" r:id="rId42"/>
   </p:sldIdLst>
   <p:sldSz cx="12192000" cy="6858000"/>
   <p:notesSz cx="6858000" cy="9144000"/>
@@ -227,7 +237,7 @@
           <a:p>
             <a:fld id="{D8EBF3A7-A7E5-42B6-9154-500A7CB5E3E8}" type="datetimeFigureOut">
               <a:rPr lang="nl-BE" smtClean="0"/>
-              <a:t>2/02/2022</a:t>
+              <a:t>10/02/2022</a:t>
             </a:fld>
             <a:endParaRPr lang="nl-BE"/>
           </a:p>
@@ -3325,7 +3335,7 @@
           <a:p>
             <a:fld id="{3256510D-866F-4A54-9543-AD7E04D1A349}" type="datetime1">
               <a:rPr lang="nl-BE" smtClean="0"/>
-              <a:t>2/02/2022</a:t>
+              <a:t>10/02/2022</a:t>
             </a:fld>
             <a:endParaRPr lang="en-US"/>
           </a:p>
@@ -7840,7 +7850,7 @@
         <p:spPr>
           <a:xfrm>
             <a:off x="396000" y="1194134"/>
-            <a:ext cx="9352800" cy="3132000"/>
+            <a:ext cx="9865600" cy="3132000"/>
           </a:xfrm>
         </p:spPr>
         <p:txBody>
@@ -7892,7 +7902,7 @@
               <a:rPr lang="nl-BE" sz="2400" dirty="0">
                 <a:latin typeface="+mn-lt"/>
               </a:rPr>
-              <a:t>Can create multiple host files (needs to be specified in .cfg)</a:t>
+              <a:t>Can create multiple host files (hosts file location needs to be specified in .cfg)</a:t>
             </a:r>
           </a:p>
           <a:p>
@@ -11993,7 +12003,7 @@
         <p:spPr>
           <a:xfrm>
             <a:off x="4699818" y="-119772"/>
-            <a:ext cx="6848715" cy="2484884"/>
+            <a:ext cx="7026515" cy="2484884"/>
           </a:xfrm>
         </p:spPr>
         <p:txBody>
@@ -12013,19 +12023,7 @@
               <a:rPr lang="en-US" sz="2400" dirty="0">
                 <a:latin typeface="+mn-lt"/>
               </a:rPr>
-              <a:t>Hold specific </a:t>
-            </a:r>
-            <a:r>
-              <a:rPr lang="en-US" sz="2400" dirty="0" err="1">
-                <a:latin typeface="+mn-lt"/>
-              </a:rPr>
-              <a:t>paramters</a:t>
-            </a:r>
-            <a:r>
-              <a:rPr lang="en-US" sz="2400" dirty="0">
-                <a:latin typeface="+mn-lt"/>
-              </a:rPr>
-              <a:t>/variables for group of hosts</a:t>
+              <a:t>Hold specific parameters/variables for group of hosts</a:t>
             </a:r>
           </a:p>
           <a:p>
@@ -12037,16 +12035,10 @@
               <a:buChar char="•"/>
             </a:pPr>
             <a:r>
-              <a:rPr lang="en-US" sz="2400" dirty="0" err="1">
-                <a:latin typeface="+mn-lt"/>
-              </a:rPr>
-              <a:t>Seperates</a:t>
-            </a:r>
-            <a:r>
               <a:rPr lang="en-US" sz="2400" dirty="0">
                 <a:latin typeface="+mn-lt"/>
               </a:rPr>
-              <a:t> and organizes groups</a:t>
+              <a:t>Separates and organizes groups</a:t>
             </a:r>
           </a:p>
           <a:p>
@@ -13823,7 +13815,7 @@
                   <a:srgbClr val="0085FE"/>
                 </a:solidFill>
               </a:rPr>
-              <a:t>Installation</a:t>
+              <a:t>Ansible Installation</a:t>
             </a:r>
             <a:endParaRPr lang="en-US" dirty="0">
               <a:solidFill>
@@ -14208,10 +14200,10 @@
       </p:grpSpPr>
       <p:sp>
         <p:nvSpPr>
-          <p:cNvPr id="2" name="Title 1">
-            <a:extLst>
-              <a:ext uri="{FF2B5EF4-FFF2-40B4-BE49-F238E27FC236}">
-                <a16:creationId xmlns:a16="http://schemas.microsoft.com/office/drawing/2014/main" id="{70FEA819-AA32-4583-9E98-B9DBD20D08C5}"/>
+          <p:cNvPr id="7" name="Title 6">
+            <a:extLst>
+              <a:ext uri="{FF2B5EF4-FFF2-40B4-BE49-F238E27FC236}">
+                <a16:creationId xmlns:a16="http://schemas.microsoft.com/office/drawing/2014/main" id="{15CF5A1C-8436-4161-8BB2-5D22024CEBF3}"/>
               </a:ext>
             </a:extLst>
           </p:cNvPr>
@@ -14229,7 +14221,7 @@
           <a:p>
             <a:r>
               <a:rPr lang="nl-BE" dirty="0"/>
-              <a:t>Authentication</a:t>
+              <a:t>File encryption</a:t>
             </a:r>
             <a:endParaRPr lang="en-US" dirty="0"/>
           </a:p>
@@ -14237,10 +14229,10 @@
       </p:sp>
       <p:sp>
         <p:nvSpPr>
-          <p:cNvPr id="3" name="Text Placeholder 2">
-            <a:extLst>
-              <a:ext uri="{FF2B5EF4-FFF2-40B4-BE49-F238E27FC236}">
-                <a16:creationId xmlns:a16="http://schemas.microsoft.com/office/drawing/2014/main" id="{EC32EC60-A861-403F-A296-2216AA4D5C5C}"/>
+          <p:cNvPr id="8" name="Text Placeholder 7">
+            <a:extLst>
+              <a:ext uri="{FF2B5EF4-FFF2-40B4-BE49-F238E27FC236}">
+                <a16:creationId xmlns:a16="http://schemas.microsoft.com/office/drawing/2014/main" id="{91D3A856-6551-4FE3-A129-09A36F0F7AC6}"/>
               </a:ext>
             </a:extLst>
           </p:cNvPr>
@@ -14262,10 +14254,38 @@
       </p:sp>
       <p:sp>
         <p:nvSpPr>
+          <p:cNvPr id="4" name="Footer Placeholder 3">
+            <a:extLst>
+              <a:ext uri="{FF2B5EF4-FFF2-40B4-BE49-F238E27FC236}">
+                <a16:creationId xmlns:a16="http://schemas.microsoft.com/office/drawing/2014/main" id="{0F9843F6-6A67-4C86-8319-3A6169F3E45A}"/>
+              </a:ext>
+            </a:extLst>
+          </p:cNvPr>
+          <p:cNvSpPr>
+            <a:spLocks noGrp="1"/>
+          </p:cNvSpPr>
+          <p:nvPr>
+            <p:ph type="ftr" sz="quarter" idx="11"/>
+          </p:nvPr>
+        </p:nvSpPr>
+        <p:spPr/>
+        <p:txBody>
+          <a:bodyPr/>
+          <a:lstStyle/>
+          <a:p>
+            <a:r>
+              <a:rPr lang="nl-BE"/>
+              <a:t>Titel van de presentatie</a:t>
+            </a:r>
+          </a:p>
+        </p:txBody>
+      </p:sp>
+      <p:sp>
+        <p:nvSpPr>
           <p:cNvPr id="5" name="Slide Number Placeholder 4">
             <a:extLst>
               <a:ext uri="{FF2B5EF4-FFF2-40B4-BE49-F238E27FC236}">
-                <a16:creationId xmlns:a16="http://schemas.microsoft.com/office/drawing/2014/main" id="{A16825DC-9D9D-4E1A-9AFD-AA673F4A6E6D}"/>
+                <a16:creationId xmlns:a16="http://schemas.microsoft.com/office/drawing/2014/main" id="{52A08B28-E153-478E-AAB0-3BEC66C6C870}"/>
               </a:ext>
             </a:extLst>
           </p:cNvPr>
@@ -14283,7 +14303,6 @@
           <a:p>
             <a:fld id="{FF88DA20-ED00-471C-9170-60F590CB400A}" type="slidenum">
               <a:rPr lang="nl-BE" smtClean="0"/>
-              <a:pPr/>
               <a:t>28</a:t>
             </a:fld>
             <a:endParaRPr lang="nl-BE"/>
@@ -14292,10 +14311,10 @@
       </p:sp>
       <p:sp>
         <p:nvSpPr>
-          <p:cNvPr id="6" name="Text Placeholder 5">
-            <a:extLst>
-              <a:ext uri="{FF2B5EF4-FFF2-40B4-BE49-F238E27FC236}">
-                <a16:creationId xmlns:a16="http://schemas.microsoft.com/office/drawing/2014/main" id="{5C7A25BD-74FF-4F3E-A457-7A2EF24BA328}"/>
+          <p:cNvPr id="9" name="Text Placeholder 8">
+            <a:extLst>
+              <a:ext uri="{FF2B5EF4-FFF2-40B4-BE49-F238E27FC236}">
+                <a16:creationId xmlns:a16="http://schemas.microsoft.com/office/drawing/2014/main" id="{6C9A7F27-4A17-48E5-85A5-01451BD6C81B}"/>
               </a:ext>
             </a:extLst>
           </p:cNvPr>
@@ -14319,84 +14338,14 @@
               </a:rPr>
               <a:t>8.</a:t>
             </a:r>
-            <a:endParaRPr lang="en-US" dirty="0">
-              <a:solidFill>
-                <a:srgbClr val="0085FE"/>
-              </a:solidFill>
-            </a:endParaRPr>
-          </a:p>
-        </p:txBody>
-      </p:sp>
-      <p:sp>
-        <p:nvSpPr>
-          <p:cNvPr id="7" name="Footer Placeholder 3">
-            <a:extLst>
-              <a:ext uri="{FF2B5EF4-FFF2-40B4-BE49-F238E27FC236}">
-                <a16:creationId xmlns:a16="http://schemas.microsoft.com/office/drawing/2014/main" id="{7BBB4841-9FC2-490F-83AA-5589FC091688}"/>
-              </a:ext>
-            </a:extLst>
-          </p:cNvPr>
-          <p:cNvSpPr>
-            <a:spLocks noGrp="1"/>
-          </p:cNvSpPr>
-          <p:nvPr>
-            <p:ph type="ftr" sz="quarter" idx="11"/>
-          </p:nvPr>
-        </p:nvSpPr>
-        <p:spPr>
-          <a:xfrm>
-            <a:off x="861246" y="6264211"/>
-            <a:ext cx="4114800" cy="365125"/>
-          </a:xfrm>
-        </p:spPr>
-        <p:txBody>
-          <a:bodyPr/>
-          <a:lstStyle/>
-          <a:p>
-            <a:r>
-              <a:rPr lang="en-US" dirty="0"/>
-              <a:t>Ansible - Introduction</a:t>
-            </a:r>
-          </a:p>
-        </p:txBody>
-      </p:sp>
-      <p:sp>
-        <p:nvSpPr>
-          <p:cNvPr id="8" name="Tijdelijke aanduiding voor datum 1">
-            <a:extLst>
-              <a:ext uri="{FF2B5EF4-FFF2-40B4-BE49-F238E27FC236}">
-                <a16:creationId xmlns:a16="http://schemas.microsoft.com/office/drawing/2014/main" id="{86E517BA-B755-4C37-BB4C-75337E789D27}"/>
-              </a:ext>
-            </a:extLst>
-          </p:cNvPr>
-          <p:cNvSpPr>
-            <a:spLocks noGrp="1"/>
-          </p:cNvSpPr>
-          <p:nvPr>
-            <p:ph type="dt" sz="half" idx="10"/>
-          </p:nvPr>
-        </p:nvSpPr>
-        <p:spPr>
-          <a:xfrm>
-            <a:off x="4998576" y="6264004"/>
-            <a:ext cx="2743200" cy="365125"/>
-          </a:xfrm>
-        </p:spPr>
-        <p:txBody>
-          <a:bodyPr/>
-          <a:lstStyle/>
-          <a:p>
-            <a:r>
-              <a:rPr lang="nl-BE" dirty="0"/>
-              <a:t>31/01/2022</a:t>
-            </a:r>
+            <a:endParaRPr lang="en-US" dirty="0"/>
           </a:p>
         </p:txBody>
       </p:sp>
     </p:spTree>
     <p:extLst>
       <p:ext uri="{BB962C8B-B14F-4D97-AF65-F5344CB8AC3E}">
-        <p14:creationId xmlns:p14="http://schemas.microsoft.com/office/powerpoint/2010/main" val="2591651798"/>
+        <p14:creationId xmlns:p14="http://schemas.microsoft.com/office/powerpoint/2010/main" val="2627198240"/>
       </p:ext>
     </p:extLst>
   </p:cSld>
@@ -14425,10 +14374,129 @@
       </p:grpSpPr>
       <p:sp>
         <p:nvSpPr>
-          <p:cNvPr id="7" name="Title 6">
-            <a:extLst>
-              <a:ext uri="{FF2B5EF4-FFF2-40B4-BE49-F238E27FC236}">
-                <a16:creationId xmlns:a16="http://schemas.microsoft.com/office/drawing/2014/main" id="{CC0D2DC7-0288-40C8-9197-185D5EC8B709}"/>
+          <p:cNvPr id="3" name="Content Placeholder 2">
+            <a:extLst>
+              <a:ext uri="{FF2B5EF4-FFF2-40B4-BE49-F238E27FC236}">
+                <a16:creationId xmlns:a16="http://schemas.microsoft.com/office/drawing/2014/main" id="{51AE9555-3952-4843-8008-7DD11BF43BAC}"/>
+              </a:ext>
+            </a:extLst>
+          </p:cNvPr>
+          <p:cNvSpPr>
+            <a:spLocks noGrp="1"/>
+          </p:cNvSpPr>
+          <p:nvPr>
+            <p:ph idx="1"/>
+          </p:nvPr>
+        </p:nvSpPr>
+        <p:spPr>
+          <a:xfrm>
+            <a:off x="469285" y="1428646"/>
+            <a:ext cx="9281274" cy="3090532"/>
+          </a:xfrm>
+        </p:spPr>
+        <p:txBody>
+          <a:bodyPr/>
+          <a:lstStyle/>
+          <a:p>
+            <a:pPr marL="457200" indent="-457200">
+              <a:buFont typeface="Arial" panose="020B0604020202020204" pitchFamily="34" charset="0"/>
+              <a:buChar char="•"/>
+            </a:pPr>
+            <a:r>
+              <a:rPr lang="nl-BE" sz="2000" dirty="0"/>
+              <a:t>For when file contains sensitive data</a:t>
+            </a:r>
+          </a:p>
+          <a:p>
+            <a:pPr marL="457200" indent="-457200">
+              <a:buFont typeface="Arial" panose="020B0604020202020204" pitchFamily="34" charset="0"/>
+              <a:buChar char="•"/>
+            </a:pPr>
+            <a:r>
+              <a:rPr lang="en-US" sz="2000" dirty="0">
+                <a:cs typeface="Courier New" panose="02070309020205020404" pitchFamily="49" charset="0"/>
+              </a:rPr>
+              <a:t>Command: </a:t>
+            </a:r>
+            <a:r>
+              <a:rPr lang="en-US" sz="2000" dirty="0">
+                <a:latin typeface="Courier New" panose="02070309020205020404" pitchFamily="49" charset="0"/>
+                <a:cs typeface="Courier New" panose="02070309020205020404" pitchFamily="49" charset="0"/>
+              </a:rPr>
+              <a:t>ansible-vault encrypt filename</a:t>
+            </a:r>
+          </a:p>
+          <a:p>
+            <a:endParaRPr lang="nl-BE" sz="1200" dirty="0">
+              <a:latin typeface="Courier New" panose="02070309020205020404" pitchFamily="49" charset="0"/>
+              <a:cs typeface="Courier New" panose="02070309020205020404" pitchFamily="49" charset="0"/>
+            </a:endParaRPr>
+          </a:p>
+        </p:txBody>
+      </p:sp>
+      <p:sp>
+        <p:nvSpPr>
+          <p:cNvPr id="4" name="Footer Placeholder 3">
+            <a:extLst>
+              <a:ext uri="{FF2B5EF4-FFF2-40B4-BE49-F238E27FC236}">
+                <a16:creationId xmlns:a16="http://schemas.microsoft.com/office/drawing/2014/main" id="{88947A4A-A97F-4CD4-B794-6D4076A5261F}"/>
+              </a:ext>
+            </a:extLst>
+          </p:cNvPr>
+          <p:cNvSpPr>
+            <a:spLocks noGrp="1"/>
+          </p:cNvSpPr>
+          <p:nvPr>
+            <p:ph type="ftr" sz="quarter" idx="11"/>
+          </p:nvPr>
+        </p:nvSpPr>
+        <p:spPr/>
+        <p:txBody>
+          <a:bodyPr/>
+          <a:lstStyle/>
+          <a:p>
+            <a:r>
+              <a:rPr lang="nl-BE" dirty="0"/>
+              <a:t>Ansible – Introduction</a:t>
+            </a:r>
+          </a:p>
+        </p:txBody>
+      </p:sp>
+      <p:sp>
+        <p:nvSpPr>
+          <p:cNvPr id="5" name="Slide Number Placeholder 4">
+            <a:extLst>
+              <a:ext uri="{FF2B5EF4-FFF2-40B4-BE49-F238E27FC236}">
+                <a16:creationId xmlns:a16="http://schemas.microsoft.com/office/drawing/2014/main" id="{F1770228-2C71-4008-82FD-CF3B4801A8D8}"/>
+              </a:ext>
+            </a:extLst>
+          </p:cNvPr>
+          <p:cNvSpPr>
+            <a:spLocks noGrp="1"/>
+          </p:cNvSpPr>
+          <p:nvPr>
+            <p:ph type="sldNum" sz="quarter" idx="12"/>
+          </p:nvPr>
+        </p:nvSpPr>
+        <p:spPr/>
+        <p:txBody>
+          <a:bodyPr/>
+          <a:lstStyle/>
+          <a:p>
+            <a:fld id="{FF88DA20-ED00-471C-9170-60F590CB400A}" type="slidenum">
+              <a:rPr lang="nl-BE" smtClean="0"/>
+              <a:t>29</a:t>
+            </a:fld>
+            <a:endParaRPr lang="nl-BE"/>
+          </a:p>
+        </p:txBody>
+      </p:sp>
+      <p:sp>
+        <p:nvSpPr>
+          <p:cNvPr id="8" name="Title 1">
+            <a:extLst>
+              <a:ext uri="{FF2B5EF4-FFF2-40B4-BE49-F238E27FC236}">
+                <a16:creationId xmlns:a16="http://schemas.microsoft.com/office/drawing/2014/main" id="{F2361ACF-39B4-45D8-A1D6-8BDFCEB2B250}"/>
               </a:ext>
             </a:extLst>
           </p:cNvPr>
@@ -14439,7 +14507,12 @@
             <p:ph type="title"/>
           </p:nvPr>
         </p:nvSpPr>
-        <p:spPr/>
+        <p:spPr>
+          <a:xfrm>
+            <a:off x="396000" y="612000"/>
+            <a:ext cx="10515600" cy="684000"/>
+          </a:xfrm>
+        </p:spPr>
         <p:txBody>
           <a:bodyPr/>
           <a:lstStyle/>
@@ -14450,7 +14523,7 @@
                   <a:srgbClr val="0085FE"/>
                 </a:solidFill>
               </a:rPr>
-              <a:t>Passwordless authentication</a:t>
+              <a:t>Encrypting existing files</a:t>
             </a:r>
             <a:endParaRPr lang="en-US" dirty="0">
               <a:solidFill>
@@ -14460,347 +14533,70 @@
           </a:p>
         </p:txBody>
       </p:sp>
-      <p:sp>
-        <p:nvSpPr>
-          <p:cNvPr id="8" name="Content Placeholder 7">
-            <a:extLst>
-              <a:ext uri="{FF2B5EF4-FFF2-40B4-BE49-F238E27FC236}">
-                <a16:creationId xmlns:a16="http://schemas.microsoft.com/office/drawing/2014/main" id="{4D58A992-F5E2-4D91-9043-404227BDFA08}"/>
-              </a:ext>
-            </a:extLst>
-          </p:cNvPr>
-          <p:cNvSpPr>
-            <a:spLocks noGrp="1"/>
-          </p:cNvSpPr>
-          <p:nvPr>
-            <p:ph idx="1"/>
-          </p:nvPr>
-        </p:nvSpPr>
+      <p:pic>
+        <p:nvPicPr>
+          <p:cNvPr id="7" name="Picture 6">
+            <a:extLst>
+              <a:ext uri="{FF2B5EF4-FFF2-40B4-BE49-F238E27FC236}">
+                <a16:creationId xmlns:a16="http://schemas.microsoft.com/office/drawing/2014/main" id="{24022333-9420-4BB3-9ABE-A56730A0AEF4}"/>
+              </a:ext>
+            </a:extLst>
+          </p:cNvPr>
+          <p:cNvPicPr>
+            <a:picLocks noChangeAspect="1"/>
+          </p:cNvPicPr>
+          <p:nvPr/>
+        </p:nvPicPr>
+        <p:blipFill>
+          <a:blip r:embed="rId2"/>
+          <a:stretch>
+            <a:fillRect/>
+          </a:stretch>
+        </p:blipFill>
         <p:spPr>
           <a:xfrm>
-            <a:off x="1780867" y="2627667"/>
-            <a:ext cx="9291600" cy="3132000"/>
-          </a:xfrm>
-        </p:spPr>
-        <p:txBody>
-          <a:bodyPr/>
-          <a:lstStyle/>
-          <a:p>
-            <a:pPr marL="342900" lvl="0" indent="-342900">
-              <a:lnSpc>
-                <a:spcPct val="107000"/>
-              </a:lnSpc>
-              <a:buFont typeface="+mj-lt"/>
-              <a:buAutoNum type="arabicPeriod"/>
-            </a:pPr>
-            <a:r>
-              <a:rPr lang="en-GB" sz="2000" b="0" dirty="0">
-                <a:effectLst/>
-                <a:latin typeface="+mn-lt"/>
-                <a:ea typeface="Calibri" panose="020F0502020204030204" pitchFamily="34" charset="0"/>
-                <a:cs typeface="Times New Roman" panose="02020603050405020304" pitchFamily="18" charset="0"/>
-              </a:rPr>
-              <a:t>Create an SSH-key: “</a:t>
-            </a:r>
-            <a:r>
-              <a:rPr lang="en-GB" sz="2000" b="0" dirty="0" err="1">
-                <a:effectLst/>
-                <a:latin typeface="+mn-lt"/>
-                <a:ea typeface="Calibri" panose="020F0502020204030204" pitchFamily="34" charset="0"/>
-                <a:cs typeface="Times New Roman" panose="02020603050405020304" pitchFamily="18" charset="0"/>
-              </a:rPr>
-              <a:t>ssh</a:t>
-            </a:r>
-            <a:r>
-              <a:rPr lang="en-GB" sz="2000" b="0" dirty="0">
-                <a:effectLst/>
-                <a:latin typeface="+mn-lt"/>
-                <a:ea typeface="Calibri" panose="020F0502020204030204" pitchFamily="34" charset="0"/>
-                <a:cs typeface="Times New Roman" panose="02020603050405020304" pitchFamily="18" charset="0"/>
-              </a:rPr>
-              <a:t>-keygen -t -</a:t>
-            </a:r>
-            <a:r>
-              <a:rPr lang="en-GB" sz="2000" b="0" dirty="0" err="1">
-                <a:effectLst/>
-                <a:latin typeface="+mn-lt"/>
-                <a:ea typeface="Calibri" panose="020F0502020204030204" pitchFamily="34" charset="0"/>
-                <a:cs typeface="Times New Roman" panose="02020603050405020304" pitchFamily="18" charset="0"/>
-              </a:rPr>
-              <a:t>rsa</a:t>
-            </a:r>
-            <a:r>
-              <a:rPr lang="en-GB" sz="2000" b="0" dirty="0">
-                <a:effectLst/>
-                <a:latin typeface="+mn-lt"/>
-                <a:ea typeface="Calibri" panose="020F0502020204030204" pitchFamily="34" charset="0"/>
-                <a:cs typeface="Times New Roman" panose="02020603050405020304" pitchFamily="18" charset="0"/>
-              </a:rPr>
-              <a:t>”</a:t>
-            </a:r>
-            <a:endParaRPr lang="en-US" sz="2000" b="0" dirty="0">
-              <a:effectLst/>
-              <a:latin typeface="+mn-lt"/>
-              <a:ea typeface="Calibri" panose="020F0502020204030204" pitchFamily="34" charset="0"/>
-              <a:cs typeface="Times New Roman" panose="02020603050405020304" pitchFamily="18" charset="0"/>
-            </a:endParaRPr>
-          </a:p>
-          <a:p>
-            <a:pPr marL="342900" lvl="0" indent="-342900">
-              <a:lnSpc>
-                <a:spcPct val="107000"/>
-              </a:lnSpc>
-              <a:buFont typeface="+mj-lt"/>
-              <a:buAutoNum type="arabicPeriod"/>
-            </a:pPr>
-            <a:r>
-              <a:rPr lang="en-GB" sz="2000" b="0" dirty="0">
-                <a:effectLst/>
-                <a:latin typeface="+mn-lt"/>
-                <a:ea typeface="Calibri" panose="020F0502020204030204" pitchFamily="34" charset="0"/>
-                <a:cs typeface="Times New Roman" panose="02020603050405020304" pitchFamily="18" charset="0"/>
-              </a:rPr>
-              <a:t>Copy the public key to remote machine:</a:t>
-            </a:r>
-            <a:endParaRPr lang="en-US" sz="2000" b="0" dirty="0">
-              <a:effectLst/>
-              <a:latin typeface="+mn-lt"/>
-              <a:ea typeface="Calibri" panose="020F0502020204030204" pitchFamily="34" charset="0"/>
-              <a:cs typeface="Times New Roman" panose="02020603050405020304" pitchFamily="18" charset="0"/>
-            </a:endParaRPr>
-          </a:p>
-          <a:p>
-            <a:pPr marL="899160">
-              <a:lnSpc>
-                <a:spcPct val="107000"/>
-              </a:lnSpc>
-            </a:pPr>
-            <a:r>
-              <a:rPr lang="en-GB" sz="2000" b="0" dirty="0">
-                <a:effectLst/>
-                <a:latin typeface="+mn-lt"/>
-                <a:ea typeface="Calibri" panose="020F0502020204030204" pitchFamily="34" charset="0"/>
-                <a:cs typeface="Times New Roman" panose="02020603050405020304" pitchFamily="18" charset="0"/>
-              </a:rPr>
-              <a:t>“</a:t>
-            </a:r>
-            <a:r>
-              <a:rPr lang="en-GB" sz="2000" b="0" dirty="0" err="1">
-                <a:effectLst/>
-                <a:latin typeface="Courier New" panose="02070309020205020404" pitchFamily="49" charset="0"/>
-                <a:ea typeface="Calibri" panose="020F0502020204030204" pitchFamily="34" charset="0"/>
-                <a:cs typeface="Courier New" panose="02070309020205020404" pitchFamily="49" charset="0"/>
-              </a:rPr>
-              <a:t>ssh</a:t>
-            </a:r>
-            <a:r>
-              <a:rPr lang="en-GB" sz="2000" b="0" dirty="0">
-                <a:effectLst/>
-                <a:latin typeface="Courier New" panose="02070309020205020404" pitchFamily="49" charset="0"/>
-                <a:ea typeface="Calibri" panose="020F0502020204030204" pitchFamily="34" charset="0"/>
-                <a:cs typeface="Courier New" panose="02070309020205020404" pitchFamily="49" charset="0"/>
-              </a:rPr>
-              <a:t>-copy-id -</a:t>
-            </a:r>
-            <a:r>
-              <a:rPr lang="en-GB" sz="2000" b="0" dirty="0" err="1">
-                <a:effectLst/>
-                <a:latin typeface="Courier New" panose="02070309020205020404" pitchFamily="49" charset="0"/>
-                <a:ea typeface="Calibri" panose="020F0502020204030204" pitchFamily="34" charset="0"/>
-                <a:cs typeface="Courier New" panose="02070309020205020404" pitchFamily="49" charset="0"/>
-              </a:rPr>
-              <a:t>i</a:t>
-            </a:r>
-            <a:r>
-              <a:rPr lang="en-GB" sz="2000" b="0" dirty="0">
-                <a:effectLst/>
-                <a:latin typeface="Courier New" panose="02070309020205020404" pitchFamily="49" charset="0"/>
-                <a:ea typeface="Calibri" panose="020F0502020204030204" pitchFamily="34" charset="0"/>
-                <a:cs typeface="Courier New" panose="02070309020205020404" pitchFamily="49" charset="0"/>
-              </a:rPr>
-              <a:t> ~/.</a:t>
-            </a:r>
-            <a:r>
-              <a:rPr lang="en-GB" sz="2000" b="0" dirty="0" err="1">
-                <a:effectLst/>
-                <a:latin typeface="Courier New" panose="02070309020205020404" pitchFamily="49" charset="0"/>
-                <a:ea typeface="Calibri" panose="020F0502020204030204" pitchFamily="34" charset="0"/>
-                <a:cs typeface="Courier New" panose="02070309020205020404" pitchFamily="49" charset="0"/>
-              </a:rPr>
-              <a:t>ssh</a:t>
-            </a:r>
-            <a:r>
-              <a:rPr lang="en-GB" sz="2000" b="0" dirty="0">
-                <a:effectLst/>
-                <a:latin typeface="Courier New" panose="02070309020205020404" pitchFamily="49" charset="0"/>
-                <a:ea typeface="Calibri" panose="020F0502020204030204" pitchFamily="34" charset="0"/>
-                <a:cs typeface="Courier New" panose="02070309020205020404" pitchFamily="49" charset="0"/>
-              </a:rPr>
-              <a:t>/id_rsa.pub </a:t>
-            </a:r>
-            <a:r>
-              <a:rPr lang="en-GB" sz="2000" b="0" dirty="0" err="1">
-                <a:effectLst/>
-                <a:latin typeface="Courier New" panose="02070309020205020404" pitchFamily="49" charset="0"/>
-                <a:ea typeface="Calibri" panose="020F0502020204030204" pitchFamily="34" charset="0"/>
-                <a:cs typeface="Courier New" panose="02070309020205020404" pitchFamily="49" charset="0"/>
-              </a:rPr>
-              <a:t>user@nodeIP</a:t>
-            </a:r>
-            <a:r>
-              <a:rPr lang="en-GB" sz="2000" b="0" dirty="0">
-                <a:effectLst/>
-                <a:latin typeface="+mn-lt"/>
-                <a:ea typeface="Calibri" panose="020F0502020204030204" pitchFamily="34" charset="0"/>
-                <a:cs typeface="Times New Roman" panose="02020603050405020304" pitchFamily="18" charset="0"/>
-              </a:rPr>
-              <a:t>”</a:t>
-            </a:r>
-            <a:endParaRPr lang="en-US" sz="2000" b="0" dirty="0">
-              <a:effectLst/>
-              <a:latin typeface="+mn-lt"/>
-              <a:ea typeface="Calibri" panose="020F0502020204030204" pitchFamily="34" charset="0"/>
-              <a:cs typeface="Times New Roman" panose="02020603050405020304" pitchFamily="18" charset="0"/>
-            </a:endParaRPr>
-          </a:p>
-          <a:p>
-            <a:pPr lvl="0">
-              <a:lnSpc>
-                <a:spcPct val="107000"/>
-              </a:lnSpc>
-              <a:spcAft>
-                <a:spcPts val="800"/>
-              </a:spcAft>
-            </a:pPr>
-            <a:r>
-              <a:rPr lang="en-US" sz="2000" b="0" dirty="0">
-                <a:effectLst/>
-                <a:latin typeface="+mn-lt"/>
-                <a:ea typeface="Calibri" panose="020F0502020204030204" pitchFamily="34" charset="0"/>
-                <a:cs typeface="Times New Roman" panose="02020603050405020304" pitchFamily="18" charset="0"/>
-              </a:rPr>
-              <a:t>3.   Connect to machine (no login password should be required).</a:t>
-            </a:r>
-          </a:p>
-          <a:p>
-            <a:endParaRPr lang="en-US" sz="3200" b="0" dirty="0">
-              <a:latin typeface="+mn-lt"/>
-            </a:endParaRPr>
-          </a:p>
-        </p:txBody>
-      </p:sp>
-      <p:sp>
-        <p:nvSpPr>
-          <p:cNvPr id="4" name="Footer Placeholder 3">
-            <a:extLst>
-              <a:ext uri="{FF2B5EF4-FFF2-40B4-BE49-F238E27FC236}">
-                <a16:creationId xmlns:a16="http://schemas.microsoft.com/office/drawing/2014/main" id="{6FE71F28-9912-4623-9E87-FC5AF4BAB5D9}"/>
-              </a:ext>
-            </a:extLst>
-          </p:cNvPr>
-          <p:cNvSpPr>
-            <a:spLocks noGrp="1"/>
-          </p:cNvSpPr>
-          <p:nvPr>
-            <p:ph type="ftr" sz="quarter" idx="11"/>
-          </p:nvPr>
-        </p:nvSpPr>
-        <p:spPr/>
-        <p:txBody>
-          <a:bodyPr/>
-          <a:lstStyle/>
-          <a:p>
-            <a:r>
-              <a:rPr lang="nl-BE" dirty="0"/>
-              <a:t>Ansible - Introduction</a:t>
-            </a:r>
-          </a:p>
-        </p:txBody>
-      </p:sp>
-      <p:sp>
-        <p:nvSpPr>
-          <p:cNvPr id="5" name="Slide Number Placeholder 4">
-            <a:extLst>
-              <a:ext uri="{FF2B5EF4-FFF2-40B4-BE49-F238E27FC236}">
-                <a16:creationId xmlns:a16="http://schemas.microsoft.com/office/drawing/2014/main" id="{1F6F55EF-59B6-4038-AF22-ED1B0A983A97}"/>
-              </a:ext>
-            </a:extLst>
-          </p:cNvPr>
-          <p:cNvSpPr>
-            <a:spLocks noGrp="1"/>
-          </p:cNvSpPr>
-          <p:nvPr>
-            <p:ph type="sldNum" sz="quarter" idx="12"/>
-          </p:nvPr>
-        </p:nvSpPr>
-        <p:spPr/>
-        <p:txBody>
-          <a:bodyPr/>
-          <a:lstStyle/>
-          <a:p>
-            <a:fld id="{FF88DA20-ED00-471C-9170-60F590CB400A}" type="slidenum">
-              <a:rPr lang="nl-BE" smtClean="0"/>
-              <a:pPr/>
-              <a:t>29</a:t>
-            </a:fld>
-            <a:endParaRPr lang="nl-BE"/>
-          </a:p>
-        </p:txBody>
-      </p:sp>
-      <p:sp>
-        <p:nvSpPr>
-          <p:cNvPr id="10" name="TextBox 9">
-            <a:extLst>
-              <a:ext uri="{FF2B5EF4-FFF2-40B4-BE49-F238E27FC236}">
-                <a16:creationId xmlns:a16="http://schemas.microsoft.com/office/drawing/2014/main" id="{C2D21B71-38C9-4237-A2BF-02449E4793D1}"/>
-              </a:ext>
-            </a:extLst>
-          </p:cNvPr>
-          <p:cNvSpPr txBox="1"/>
-          <p:nvPr/>
-        </p:nvSpPr>
-        <p:spPr>
-          <a:xfrm>
-            <a:off x="861246" y="1723013"/>
-            <a:ext cx="5093574" cy="707886"/>
+            <a:off x="2089571" y="2700236"/>
+            <a:ext cx="8012858" cy="1818942"/>
           </a:xfrm>
           <a:prstGeom prst="rect">
             <a:avLst/>
           </a:prstGeom>
-          <a:noFill/>
-        </p:spPr>
-        <p:txBody>
-          <a:bodyPr wrap="none" rtlCol="0">
-            <a:spAutoFit/>
-          </a:bodyPr>
-          <a:lstStyle/>
-          <a:p>
-            <a:pPr marL="285750" indent="-285750">
-              <a:buFont typeface="Arial" panose="020B0604020202020204" pitchFamily="34" charset="0"/>
-              <a:buChar char="•"/>
-            </a:pPr>
-            <a:r>
-              <a:rPr lang="nl-BE" sz="2000" dirty="0"/>
-              <a:t>Prevents repeatadly manual login at run time</a:t>
-            </a:r>
-          </a:p>
-          <a:p>
-            <a:pPr marL="285750" indent="-285750">
-              <a:buFont typeface="Arial" panose="020B0604020202020204" pitchFamily="34" charset="0"/>
-              <a:buChar char="•"/>
-            </a:pPr>
-            <a:r>
-              <a:rPr lang="nl-BE" sz="2000" dirty="0"/>
-              <a:t>Makes execution seamless</a:t>
-            </a:r>
-            <a:endParaRPr lang="en-US" sz="2000" dirty="0"/>
-          </a:p>
-        </p:txBody>
-      </p:sp>
+        </p:spPr>
+      </p:pic>
+      <p:pic>
+        <p:nvPicPr>
+          <p:cNvPr id="11" name="Picture 10">
+            <a:extLst>
+              <a:ext uri="{FF2B5EF4-FFF2-40B4-BE49-F238E27FC236}">
+                <a16:creationId xmlns:a16="http://schemas.microsoft.com/office/drawing/2014/main" id="{A25C999C-8583-4C2E-B75C-353154791DE9}"/>
+              </a:ext>
+            </a:extLst>
+          </p:cNvPr>
+          <p:cNvPicPr>
+            <a:picLocks noChangeAspect="1"/>
+          </p:cNvPicPr>
+          <p:nvPr/>
+        </p:nvPicPr>
+        <p:blipFill>
+          <a:blip r:embed="rId3"/>
+          <a:stretch>
+            <a:fillRect/>
+          </a:stretch>
+        </p:blipFill>
+        <p:spPr>
+          <a:xfrm>
+            <a:off x="4187318" y="5062574"/>
+            <a:ext cx="6724282" cy="1446847"/>
+          </a:xfrm>
+          <a:prstGeom prst="rect">
+            <a:avLst/>
+          </a:prstGeom>
+        </p:spPr>
+      </p:pic>
     </p:spTree>
     <p:extLst>
       <p:ext uri="{BB962C8B-B14F-4D97-AF65-F5344CB8AC3E}">
-        <p14:creationId xmlns:p14="http://schemas.microsoft.com/office/powerpoint/2010/main" val="2010100633"/>
+        <p14:creationId xmlns:p14="http://schemas.microsoft.com/office/powerpoint/2010/main" val="908863836"/>
       </p:ext>
     </p:extLst>
   </p:cSld>
@@ -14867,7 +14663,7 @@
         </p:spPr>
         <p:txBody>
           <a:bodyPr>
-            <a:normAutofit lnSpcReduction="10000"/>
+            <a:normAutofit fontScale="92500" lnSpcReduction="10000"/>
           </a:bodyPr>
           <a:lstStyle/>
           <a:p>
@@ -14910,6 +14706,12 @@
             <a:r>
               <a:rPr lang="nl-BE" dirty="0"/>
               <a:t>Installation/run playbook</a:t>
+            </a:r>
+          </a:p>
+          <a:p>
+            <a:r>
+              <a:rPr lang="nl-BE" dirty="0"/>
+              <a:t>File encryption</a:t>
             </a:r>
           </a:p>
           <a:p>
@@ -14949,7 +14751,7 @@
           <a:p>
             <a:fld id="{DFD0F74E-B435-4A9D-A8C1-015F70F1AD5A}" type="datetime1">
               <a:rPr lang="nl-BE" smtClean="0"/>
-              <a:t>2/02/2022</a:t>
+              <a:t>10/02/2022</a:t>
             </a:fld>
             <a:endParaRPr lang="en-US" dirty="0"/>
           </a:p>
@@ -15033,18 +14835,18 @@
       </p:grpSpPr>
       <p:sp>
         <p:nvSpPr>
-          <p:cNvPr id="2" name="Title 1">
-            <a:extLst>
-              <a:ext uri="{FF2B5EF4-FFF2-40B4-BE49-F238E27FC236}">
-                <a16:creationId xmlns:a16="http://schemas.microsoft.com/office/drawing/2014/main" id="{71FD9B4A-22B3-4B27-8EC6-CB566E6C3ECB}"/>
-              </a:ext>
-            </a:extLst>
-          </p:cNvPr>
-          <p:cNvSpPr>
-            <a:spLocks noGrp="1"/>
-          </p:cNvSpPr>
-          <p:nvPr>
-            <p:ph type="title"/>
+          <p:cNvPr id="4" name="Footer Placeholder 3">
+            <a:extLst>
+              <a:ext uri="{FF2B5EF4-FFF2-40B4-BE49-F238E27FC236}">
+                <a16:creationId xmlns:a16="http://schemas.microsoft.com/office/drawing/2014/main" id="{88947A4A-A97F-4CD4-B794-6D4076A5261F}"/>
+              </a:ext>
+            </a:extLst>
+          </p:cNvPr>
+          <p:cNvSpPr>
+            <a:spLocks noGrp="1"/>
+          </p:cNvSpPr>
+          <p:nvPr>
+            <p:ph type="ftr" sz="quarter" idx="11"/>
           </p:nvPr>
         </p:nvSpPr>
         <p:spPr/>
@@ -15054,34 +14856,8 @@
           <a:p>
             <a:r>
               <a:rPr lang="nl-BE" dirty="0"/>
-              <a:t>Demo</a:t>
-            </a:r>
-            <a:endParaRPr lang="en-US" dirty="0"/>
-          </a:p>
-        </p:txBody>
-      </p:sp>
-      <p:sp>
-        <p:nvSpPr>
-          <p:cNvPr id="3" name="Text Placeholder 2">
-            <a:extLst>
-              <a:ext uri="{FF2B5EF4-FFF2-40B4-BE49-F238E27FC236}">
-                <a16:creationId xmlns:a16="http://schemas.microsoft.com/office/drawing/2014/main" id="{ABAB74AB-067C-475A-80FF-87286C696527}"/>
-              </a:ext>
-            </a:extLst>
-          </p:cNvPr>
-          <p:cNvSpPr>
-            <a:spLocks noGrp="1"/>
-          </p:cNvSpPr>
-          <p:nvPr>
-            <p:ph type="body" idx="1"/>
-          </p:nvPr>
-        </p:nvSpPr>
-        <p:spPr/>
-        <p:txBody>
-          <a:bodyPr/>
-          <a:lstStyle/>
-          <a:p>
-            <a:endParaRPr lang="en-US" dirty="0"/>
+              <a:t>Ansible – Introduction</a:t>
+            </a:r>
           </a:p>
         </p:txBody>
       </p:sp>
@@ -15090,7 +14866,7 @@
           <p:cNvPr id="5" name="Slide Number Placeholder 4">
             <a:extLst>
               <a:ext uri="{FF2B5EF4-FFF2-40B4-BE49-F238E27FC236}">
-                <a16:creationId xmlns:a16="http://schemas.microsoft.com/office/drawing/2014/main" id="{02D6F86B-6F5D-45E1-B852-6CA617042C82}"/>
+                <a16:creationId xmlns:a16="http://schemas.microsoft.com/office/drawing/2014/main" id="{F1770228-2C71-4008-82FD-CF3B4801A8D8}"/>
               </a:ext>
             </a:extLst>
           </p:cNvPr>
@@ -15108,7 +14884,6 @@
           <a:p>
             <a:fld id="{FF88DA20-ED00-471C-9170-60F590CB400A}" type="slidenum">
               <a:rPr lang="nl-BE" smtClean="0"/>
-              <a:pPr/>
               <a:t>30</a:t>
             </a:fld>
             <a:endParaRPr lang="nl-BE"/>
@@ -15117,21 +14892,26 @@
       </p:sp>
       <p:sp>
         <p:nvSpPr>
-          <p:cNvPr id="6" name="Text Placeholder 5">
-            <a:extLst>
-              <a:ext uri="{FF2B5EF4-FFF2-40B4-BE49-F238E27FC236}">
-                <a16:creationId xmlns:a16="http://schemas.microsoft.com/office/drawing/2014/main" id="{0371867E-6B97-4F07-9BD0-C382829AF5AC}"/>
-              </a:ext>
-            </a:extLst>
-          </p:cNvPr>
-          <p:cNvSpPr>
-            <a:spLocks noGrp="1"/>
-          </p:cNvSpPr>
-          <p:nvPr>
-            <p:ph type="body" sz="quarter" idx="13"/>
-          </p:nvPr>
-        </p:nvSpPr>
-        <p:spPr/>
+          <p:cNvPr id="8" name="Title 1">
+            <a:extLst>
+              <a:ext uri="{FF2B5EF4-FFF2-40B4-BE49-F238E27FC236}">
+                <a16:creationId xmlns:a16="http://schemas.microsoft.com/office/drawing/2014/main" id="{F2361ACF-39B4-45D8-A1D6-8BDFCEB2B250}"/>
+              </a:ext>
+            </a:extLst>
+          </p:cNvPr>
+          <p:cNvSpPr>
+            <a:spLocks noGrp="1"/>
+          </p:cNvSpPr>
+          <p:nvPr>
+            <p:ph type="title"/>
+          </p:nvPr>
+        </p:nvSpPr>
+        <p:spPr>
+          <a:xfrm>
+            <a:off x="396000" y="612000"/>
+            <a:ext cx="10515600" cy="684000"/>
+          </a:xfrm>
+        </p:spPr>
         <p:txBody>
           <a:bodyPr/>
           <a:lstStyle/>
@@ -15142,7 +14922,7 @@
                   <a:srgbClr val="0085FE"/>
                 </a:solidFill>
               </a:rPr>
-              <a:t>9.</a:t>
+              <a:t>Run playbook with encrypted files</a:t>
             </a:r>
             <a:endParaRPr lang="en-US" dirty="0">
               <a:solidFill>
@@ -15152,68 +14932,91 @@
           </a:p>
         </p:txBody>
       </p:sp>
-      <p:sp>
-        <p:nvSpPr>
-          <p:cNvPr id="7" name="Footer Placeholder 3">
-            <a:extLst>
-              <a:ext uri="{FF2B5EF4-FFF2-40B4-BE49-F238E27FC236}">
-                <a16:creationId xmlns:a16="http://schemas.microsoft.com/office/drawing/2014/main" id="{67CC5EEC-6AE9-490F-8F88-E9F460CE1001}"/>
-              </a:ext>
-            </a:extLst>
-          </p:cNvPr>
-          <p:cNvSpPr>
-            <a:spLocks noGrp="1"/>
-          </p:cNvSpPr>
-          <p:nvPr>
-            <p:ph type="ftr" sz="quarter" idx="11"/>
-          </p:nvPr>
-        </p:nvSpPr>
+      <p:pic>
+        <p:nvPicPr>
+          <p:cNvPr id="10" name="Content Placeholder 9">
+            <a:extLst>
+              <a:ext uri="{FF2B5EF4-FFF2-40B4-BE49-F238E27FC236}">
+                <a16:creationId xmlns:a16="http://schemas.microsoft.com/office/drawing/2014/main" id="{5ECC20B2-1220-44EC-BFD7-1F904002BDF5}"/>
+              </a:ext>
+            </a:extLst>
+          </p:cNvPr>
+          <p:cNvPicPr>
+            <a:picLocks noGrp="1" noChangeAspect="1"/>
+          </p:cNvPicPr>
+          <p:nvPr>
+            <p:ph idx="1"/>
+          </p:nvPr>
+        </p:nvPicPr>
+        <p:blipFill>
+          <a:blip r:embed="rId2"/>
+          <a:stretch>
+            <a:fillRect/>
+          </a:stretch>
+        </p:blipFill>
         <p:spPr>
           <a:xfrm>
-            <a:off x="861246" y="6264211"/>
-            <a:ext cx="4114800" cy="365125"/>
-          </a:xfrm>
-        </p:spPr>
-        <p:txBody>
-          <a:bodyPr/>
-          <a:lstStyle/>
-          <a:p>
-            <a:r>
-              <a:rPr lang="en-US" dirty="0"/>
-              <a:t>Ansible - Introduction</a:t>
-            </a:r>
-          </a:p>
-        </p:txBody>
-      </p:sp>
-      <p:sp>
-        <p:nvSpPr>
-          <p:cNvPr id="8" name="Tijdelijke aanduiding voor datum 1">
-            <a:extLst>
-              <a:ext uri="{FF2B5EF4-FFF2-40B4-BE49-F238E27FC236}">
-                <a16:creationId xmlns:a16="http://schemas.microsoft.com/office/drawing/2014/main" id="{071B7CCA-0101-47DF-BDDD-97C3F5ABD31C}"/>
-              </a:ext>
-            </a:extLst>
-          </p:cNvPr>
-          <p:cNvSpPr>
-            <a:spLocks noGrp="1"/>
-          </p:cNvSpPr>
-          <p:nvPr>
-            <p:ph type="dt" sz="half" idx="10"/>
-          </p:nvPr>
+            <a:off x="763051" y="2365001"/>
+            <a:ext cx="9781498" cy="2291665"/>
+          </a:xfrm>
+        </p:spPr>
+      </p:pic>
+      <p:sp>
+        <p:nvSpPr>
+          <p:cNvPr id="14" name="TextBox 13">
+            <a:extLst>
+              <a:ext uri="{FF2B5EF4-FFF2-40B4-BE49-F238E27FC236}">
+                <a16:creationId xmlns:a16="http://schemas.microsoft.com/office/drawing/2014/main" id="{0C3B53BF-8497-449B-9DBD-FCDE6117D3AF}"/>
+              </a:ext>
+            </a:extLst>
+          </p:cNvPr>
+          <p:cNvSpPr txBox="1"/>
+          <p:nvPr/>
         </p:nvSpPr>
         <p:spPr>
           <a:xfrm>
-            <a:off x="4998576" y="6264004"/>
-            <a:ext cx="2743200" cy="365125"/>
-          </a:xfrm>
-        </p:spPr>
-        <p:txBody>
-          <a:bodyPr/>
-          <a:lstStyle/>
-          <a:p>
-            <a:r>
-              <a:rPr lang="nl-BE" dirty="0"/>
-              <a:t>31/01/2022</a:t>
+            <a:off x="513611" y="1361174"/>
+            <a:ext cx="10280378" cy="400110"/>
+          </a:xfrm>
+          <a:prstGeom prst="rect">
+            <a:avLst/>
+          </a:prstGeom>
+          <a:noFill/>
+        </p:spPr>
+        <p:txBody>
+          <a:bodyPr wrap="none" rtlCol="0">
+            <a:spAutoFit/>
+          </a:bodyPr>
+          <a:lstStyle/>
+          <a:p>
+            <a:pPr marL="285750" indent="-285750">
+              <a:buFont typeface="Arial" panose="020B0604020202020204" pitchFamily="34" charset="0"/>
+              <a:buChar char="•"/>
+            </a:pPr>
+            <a:r>
+              <a:rPr lang="en-US" sz="2000" dirty="0"/>
+              <a:t>Command: </a:t>
+            </a:r>
+            <a:r>
+              <a:rPr lang="en-US" sz="2000" dirty="0">
+                <a:latin typeface="Courier New" panose="02070309020205020404" pitchFamily="49" charset="0"/>
+                <a:cs typeface="Courier New" panose="02070309020205020404" pitchFamily="49" charset="0"/>
+              </a:rPr>
+              <a:t>ansible-playbook </a:t>
+            </a:r>
+            <a:r>
+              <a:rPr lang="en-US" sz="2000" dirty="0" err="1">
+                <a:latin typeface="Courier New" panose="02070309020205020404" pitchFamily="49" charset="0"/>
+                <a:cs typeface="Courier New" panose="02070309020205020404" pitchFamily="49" charset="0"/>
+              </a:rPr>
+              <a:t>playbook.yml</a:t>
+            </a:r>
+            <a:r>
+              <a:rPr lang="en-US" sz="2000" dirty="0">
+                <a:latin typeface="Courier New" panose="02070309020205020404" pitchFamily="49" charset="0"/>
+                <a:cs typeface="Courier New" panose="02070309020205020404" pitchFamily="49" charset="0"/>
+              </a:rPr>
+              <a:t> --verbose --ask-vault-pass</a:t>
             </a:r>
           </a:p>
         </p:txBody>
@@ -15221,7 +15024,7 @@
     </p:spTree>
     <p:extLst>
       <p:ext uri="{BB962C8B-B14F-4D97-AF65-F5344CB8AC3E}">
-        <p14:creationId xmlns:p14="http://schemas.microsoft.com/office/powerpoint/2010/main" val="3975158961"/>
+        <p14:creationId xmlns:p14="http://schemas.microsoft.com/office/powerpoint/2010/main" val="3821120107"/>
       </p:ext>
     </p:extLst>
   </p:cSld>
@@ -15250,10 +15053,137 @@
       </p:grpSpPr>
       <p:sp>
         <p:nvSpPr>
-          <p:cNvPr id="2" name="Title 1">
-            <a:extLst>
-              <a:ext uri="{FF2B5EF4-FFF2-40B4-BE49-F238E27FC236}">
-                <a16:creationId xmlns:a16="http://schemas.microsoft.com/office/drawing/2014/main" id="{A0A4361E-379E-456A-82BC-335114F04C17}"/>
+          <p:cNvPr id="3" name="Content Placeholder 2">
+            <a:extLst>
+              <a:ext uri="{FF2B5EF4-FFF2-40B4-BE49-F238E27FC236}">
+                <a16:creationId xmlns:a16="http://schemas.microsoft.com/office/drawing/2014/main" id="{51AE9555-3952-4843-8008-7DD11BF43BAC}"/>
+              </a:ext>
+            </a:extLst>
+          </p:cNvPr>
+          <p:cNvSpPr>
+            <a:spLocks noGrp="1"/>
+          </p:cNvSpPr>
+          <p:nvPr>
+            <p:ph idx="1"/>
+          </p:nvPr>
+        </p:nvSpPr>
+        <p:spPr>
+          <a:xfrm>
+            <a:off x="469285" y="1428646"/>
+            <a:ext cx="9281274" cy="3090532"/>
+          </a:xfrm>
+        </p:spPr>
+        <p:txBody>
+          <a:bodyPr/>
+          <a:lstStyle/>
+          <a:p>
+            <a:pPr marL="285750" indent="-285750">
+              <a:buFont typeface="Arial" panose="020B0604020202020204" pitchFamily="34" charset="0"/>
+              <a:buChar char="•"/>
+            </a:pPr>
+            <a:r>
+              <a:rPr lang="en-US" sz="2000" dirty="0">
+                <a:cs typeface="Courier New" panose="02070309020205020404" pitchFamily="49" charset="0"/>
+              </a:rPr>
+              <a:t>Command: </a:t>
+            </a:r>
+            <a:r>
+              <a:rPr lang="en-US" sz="2000" dirty="0">
+                <a:latin typeface="Courier New" panose="02070309020205020404" pitchFamily="49" charset="0"/>
+                <a:cs typeface="Courier New" panose="02070309020205020404" pitchFamily="49" charset="0"/>
+              </a:rPr>
+              <a:t>ansible-vault decrypt filename</a:t>
+            </a:r>
+          </a:p>
+          <a:p>
+            <a:pPr marL="285750" indent="-285750">
+              <a:buFont typeface="Arial" panose="020B0604020202020204" pitchFamily="34" charset="0"/>
+              <a:buChar char="•"/>
+            </a:pPr>
+            <a:r>
+              <a:rPr lang="en-US" sz="2000" dirty="0">
+                <a:cs typeface="Courier New" panose="02070309020205020404" pitchFamily="49" charset="0"/>
+              </a:rPr>
+              <a:t>No more vault password needed when running playbook</a:t>
+            </a:r>
+          </a:p>
+          <a:p>
+            <a:endParaRPr lang="nl-BE" sz="1200" dirty="0">
+              <a:latin typeface="Courier New" panose="02070309020205020404" pitchFamily="49" charset="0"/>
+              <a:cs typeface="Courier New" panose="02070309020205020404" pitchFamily="49" charset="0"/>
+            </a:endParaRPr>
+          </a:p>
+          <a:p>
+            <a:endParaRPr lang="nl-BE" sz="1200" dirty="0">
+              <a:latin typeface="Courier New" panose="02070309020205020404" pitchFamily="49" charset="0"/>
+              <a:cs typeface="Courier New" panose="02070309020205020404" pitchFamily="49" charset="0"/>
+            </a:endParaRPr>
+          </a:p>
+        </p:txBody>
+      </p:sp>
+      <p:sp>
+        <p:nvSpPr>
+          <p:cNvPr id="4" name="Footer Placeholder 3">
+            <a:extLst>
+              <a:ext uri="{FF2B5EF4-FFF2-40B4-BE49-F238E27FC236}">
+                <a16:creationId xmlns:a16="http://schemas.microsoft.com/office/drawing/2014/main" id="{88947A4A-A97F-4CD4-B794-6D4076A5261F}"/>
+              </a:ext>
+            </a:extLst>
+          </p:cNvPr>
+          <p:cNvSpPr>
+            <a:spLocks noGrp="1"/>
+          </p:cNvSpPr>
+          <p:nvPr>
+            <p:ph type="ftr" sz="quarter" idx="11"/>
+          </p:nvPr>
+        </p:nvSpPr>
+        <p:spPr/>
+        <p:txBody>
+          <a:bodyPr/>
+          <a:lstStyle/>
+          <a:p>
+            <a:r>
+              <a:rPr lang="nl-BE" dirty="0"/>
+              <a:t>Ansible – Introduction</a:t>
+            </a:r>
+          </a:p>
+        </p:txBody>
+      </p:sp>
+      <p:sp>
+        <p:nvSpPr>
+          <p:cNvPr id="5" name="Slide Number Placeholder 4">
+            <a:extLst>
+              <a:ext uri="{FF2B5EF4-FFF2-40B4-BE49-F238E27FC236}">
+                <a16:creationId xmlns:a16="http://schemas.microsoft.com/office/drawing/2014/main" id="{F1770228-2C71-4008-82FD-CF3B4801A8D8}"/>
+              </a:ext>
+            </a:extLst>
+          </p:cNvPr>
+          <p:cNvSpPr>
+            <a:spLocks noGrp="1"/>
+          </p:cNvSpPr>
+          <p:nvPr>
+            <p:ph type="sldNum" sz="quarter" idx="12"/>
+          </p:nvPr>
+        </p:nvSpPr>
+        <p:spPr/>
+        <p:txBody>
+          <a:bodyPr/>
+          <a:lstStyle/>
+          <a:p>
+            <a:fld id="{FF88DA20-ED00-471C-9170-60F590CB400A}" type="slidenum">
+              <a:rPr lang="nl-BE" smtClean="0"/>
+              <a:t>31</a:t>
+            </a:fld>
+            <a:endParaRPr lang="nl-BE"/>
+          </a:p>
+        </p:txBody>
+      </p:sp>
+      <p:sp>
+        <p:nvSpPr>
+          <p:cNvPr id="8" name="Title 1">
+            <a:extLst>
+              <a:ext uri="{FF2B5EF4-FFF2-40B4-BE49-F238E27FC236}">
+                <a16:creationId xmlns:a16="http://schemas.microsoft.com/office/drawing/2014/main" id="{F2361ACF-39B4-45D8-A1D6-8BDFCEB2B250}"/>
               </a:ext>
             </a:extLst>
           </p:cNvPr>
@@ -15264,7 +15194,12 @@
             <p:ph type="title"/>
           </p:nvPr>
         </p:nvSpPr>
-        <p:spPr/>
+        <p:spPr>
+          <a:xfrm>
+            <a:off x="396000" y="612000"/>
+            <a:ext cx="10515600" cy="684000"/>
+          </a:xfrm>
+        </p:spPr>
         <p:txBody>
           <a:bodyPr/>
           <a:lstStyle/>
@@ -15275,7 +15210,7 @@
                   <a:srgbClr val="0085FE"/>
                 </a:solidFill>
               </a:rPr>
-              <a:t>Refferences</a:t>
+              <a:t>Decrypting files</a:t>
             </a:r>
             <a:endParaRPr lang="en-US" dirty="0">
               <a:solidFill>
@@ -15285,12 +15220,1393 @@
           </a:p>
         </p:txBody>
       </p:sp>
+      <p:pic>
+        <p:nvPicPr>
+          <p:cNvPr id="10" name="Picture 9">
+            <a:extLst>
+              <a:ext uri="{FF2B5EF4-FFF2-40B4-BE49-F238E27FC236}">
+                <a16:creationId xmlns:a16="http://schemas.microsoft.com/office/drawing/2014/main" id="{B20D0E83-D94A-4BA4-B3B5-5BB52335F6AD}"/>
+              </a:ext>
+            </a:extLst>
+          </p:cNvPr>
+          <p:cNvPicPr>
+            <a:picLocks noChangeAspect="1"/>
+          </p:cNvPicPr>
+          <p:nvPr/>
+        </p:nvPicPr>
+        <p:blipFill>
+          <a:blip r:embed="rId2"/>
+          <a:stretch>
+            <a:fillRect/>
+          </a:stretch>
+        </p:blipFill>
+        <p:spPr>
+          <a:xfrm>
+            <a:off x="950594" y="2785584"/>
+            <a:ext cx="10290812" cy="1585547"/>
+          </a:xfrm>
+          <a:prstGeom prst="rect">
+            <a:avLst/>
+          </a:prstGeom>
+        </p:spPr>
+      </p:pic>
+    </p:spTree>
+    <p:extLst>
+      <p:ext uri="{BB962C8B-B14F-4D97-AF65-F5344CB8AC3E}">
+        <p14:creationId xmlns:p14="http://schemas.microsoft.com/office/powerpoint/2010/main" val="4078215394"/>
+      </p:ext>
+    </p:extLst>
+  </p:cSld>
+  <p:clrMapOvr>
+    <a:masterClrMapping/>
+  </p:clrMapOvr>
+</p:sld>
+</file>
+
+<file path=ppt/slides/slide32.xml><?xml version="1.0" encoding="utf-8"?>
+<p:sld xmlns:a="http://schemas.openxmlformats.org/drawingml/2006/main" xmlns:r="http://schemas.openxmlformats.org/officeDocument/2006/relationships" xmlns:p="http://schemas.openxmlformats.org/presentationml/2006/main">
+  <p:cSld>
+    <p:spTree>
+      <p:nvGrpSpPr>
+        <p:cNvPr id="1" name=""/>
+        <p:cNvGrpSpPr/>
+        <p:nvPr/>
+      </p:nvGrpSpPr>
+      <p:grpSpPr>
+        <a:xfrm>
+          <a:off x="0" y="0"/>
+          <a:ext cx="0" cy="0"/>
+          <a:chOff x="0" y="0"/>
+          <a:chExt cx="0" cy="0"/>
+        </a:xfrm>
+      </p:grpSpPr>
+      <p:sp>
+        <p:nvSpPr>
+          <p:cNvPr id="2" name="Title 1">
+            <a:extLst>
+              <a:ext uri="{FF2B5EF4-FFF2-40B4-BE49-F238E27FC236}">
+                <a16:creationId xmlns:a16="http://schemas.microsoft.com/office/drawing/2014/main" id="{70FEA819-AA32-4583-9E98-B9DBD20D08C5}"/>
+              </a:ext>
+            </a:extLst>
+          </p:cNvPr>
+          <p:cNvSpPr>
+            <a:spLocks noGrp="1"/>
+          </p:cNvSpPr>
+          <p:nvPr>
+            <p:ph type="title"/>
+          </p:nvPr>
+        </p:nvSpPr>
+        <p:spPr/>
+        <p:txBody>
+          <a:bodyPr/>
+          <a:lstStyle/>
+          <a:p>
+            <a:r>
+              <a:rPr lang="nl-BE" dirty="0"/>
+              <a:t>Authentication</a:t>
+            </a:r>
+            <a:endParaRPr lang="en-US" dirty="0"/>
+          </a:p>
+        </p:txBody>
+      </p:sp>
+      <p:sp>
+        <p:nvSpPr>
+          <p:cNvPr id="3" name="Text Placeholder 2">
+            <a:extLst>
+              <a:ext uri="{FF2B5EF4-FFF2-40B4-BE49-F238E27FC236}">
+                <a16:creationId xmlns:a16="http://schemas.microsoft.com/office/drawing/2014/main" id="{EC32EC60-A861-403F-A296-2216AA4D5C5C}"/>
+              </a:ext>
+            </a:extLst>
+          </p:cNvPr>
+          <p:cNvSpPr>
+            <a:spLocks noGrp="1"/>
+          </p:cNvSpPr>
+          <p:nvPr>
+            <p:ph type="body" idx="1"/>
+          </p:nvPr>
+        </p:nvSpPr>
+        <p:spPr/>
+        <p:txBody>
+          <a:bodyPr/>
+          <a:lstStyle/>
+          <a:p>
+            <a:endParaRPr lang="en-US"/>
+          </a:p>
+        </p:txBody>
+      </p:sp>
+      <p:sp>
+        <p:nvSpPr>
+          <p:cNvPr id="5" name="Slide Number Placeholder 4">
+            <a:extLst>
+              <a:ext uri="{FF2B5EF4-FFF2-40B4-BE49-F238E27FC236}">
+                <a16:creationId xmlns:a16="http://schemas.microsoft.com/office/drawing/2014/main" id="{A16825DC-9D9D-4E1A-9AFD-AA673F4A6E6D}"/>
+              </a:ext>
+            </a:extLst>
+          </p:cNvPr>
+          <p:cNvSpPr>
+            <a:spLocks noGrp="1"/>
+          </p:cNvSpPr>
+          <p:nvPr>
+            <p:ph type="sldNum" sz="quarter" idx="12"/>
+          </p:nvPr>
+        </p:nvSpPr>
+        <p:spPr/>
+        <p:txBody>
+          <a:bodyPr/>
+          <a:lstStyle/>
+          <a:p>
+            <a:fld id="{FF88DA20-ED00-471C-9170-60F590CB400A}" type="slidenum">
+              <a:rPr lang="nl-BE" smtClean="0"/>
+              <a:pPr/>
+              <a:t>32</a:t>
+            </a:fld>
+            <a:endParaRPr lang="nl-BE"/>
+          </a:p>
+        </p:txBody>
+      </p:sp>
+      <p:sp>
+        <p:nvSpPr>
+          <p:cNvPr id="6" name="Text Placeholder 5">
+            <a:extLst>
+              <a:ext uri="{FF2B5EF4-FFF2-40B4-BE49-F238E27FC236}">
+                <a16:creationId xmlns:a16="http://schemas.microsoft.com/office/drawing/2014/main" id="{5C7A25BD-74FF-4F3E-A457-7A2EF24BA328}"/>
+              </a:ext>
+            </a:extLst>
+          </p:cNvPr>
+          <p:cNvSpPr>
+            <a:spLocks noGrp="1"/>
+          </p:cNvSpPr>
+          <p:nvPr>
+            <p:ph type="body" sz="quarter" idx="13"/>
+          </p:nvPr>
+        </p:nvSpPr>
+        <p:spPr/>
+        <p:txBody>
+          <a:bodyPr/>
+          <a:lstStyle/>
+          <a:p>
+            <a:r>
+              <a:rPr lang="nl-BE" dirty="0">
+                <a:solidFill>
+                  <a:srgbClr val="0085FE"/>
+                </a:solidFill>
+              </a:rPr>
+              <a:t>9.</a:t>
+            </a:r>
+            <a:endParaRPr lang="en-US" dirty="0">
+              <a:solidFill>
+                <a:srgbClr val="0085FE"/>
+              </a:solidFill>
+            </a:endParaRPr>
+          </a:p>
+        </p:txBody>
+      </p:sp>
+      <p:sp>
+        <p:nvSpPr>
+          <p:cNvPr id="7" name="Footer Placeholder 3">
+            <a:extLst>
+              <a:ext uri="{FF2B5EF4-FFF2-40B4-BE49-F238E27FC236}">
+                <a16:creationId xmlns:a16="http://schemas.microsoft.com/office/drawing/2014/main" id="{7BBB4841-9FC2-490F-83AA-5589FC091688}"/>
+              </a:ext>
+            </a:extLst>
+          </p:cNvPr>
+          <p:cNvSpPr>
+            <a:spLocks noGrp="1"/>
+          </p:cNvSpPr>
+          <p:nvPr>
+            <p:ph type="ftr" sz="quarter" idx="11"/>
+          </p:nvPr>
+        </p:nvSpPr>
+        <p:spPr>
+          <a:xfrm>
+            <a:off x="861246" y="6264211"/>
+            <a:ext cx="4114800" cy="365125"/>
+          </a:xfrm>
+        </p:spPr>
+        <p:txBody>
+          <a:bodyPr/>
+          <a:lstStyle/>
+          <a:p>
+            <a:r>
+              <a:rPr lang="en-US" dirty="0"/>
+              <a:t>Ansible - Introduction</a:t>
+            </a:r>
+          </a:p>
+        </p:txBody>
+      </p:sp>
+      <p:sp>
+        <p:nvSpPr>
+          <p:cNvPr id="8" name="Tijdelijke aanduiding voor datum 1">
+            <a:extLst>
+              <a:ext uri="{FF2B5EF4-FFF2-40B4-BE49-F238E27FC236}">
+                <a16:creationId xmlns:a16="http://schemas.microsoft.com/office/drawing/2014/main" id="{86E517BA-B755-4C37-BB4C-75337E789D27}"/>
+              </a:ext>
+            </a:extLst>
+          </p:cNvPr>
+          <p:cNvSpPr>
+            <a:spLocks noGrp="1"/>
+          </p:cNvSpPr>
+          <p:nvPr>
+            <p:ph type="dt" sz="half" idx="10"/>
+          </p:nvPr>
+        </p:nvSpPr>
+        <p:spPr>
+          <a:xfrm>
+            <a:off x="4998576" y="6264004"/>
+            <a:ext cx="2743200" cy="365125"/>
+          </a:xfrm>
+        </p:spPr>
+        <p:txBody>
+          <a:bodyPr/>
+          <a:lstStyle/>
+          <a:p>
+            <a:r>
+              <a:rPr lang="nl-BE" dirty="0"/>
+              <a:t>31/01/2022</a:t>
+            </a:r>
+          </a:p>
+        </p:txBody>
+      </p:sp>
+    </p:spTree>
+    <p:extLst>
+      <p:ext uri="{BB962C8B-B14F-4D97-AF65-F5344CB8AC3E}">
+        <p14:creationId xmlns:p14="http://schemas.microsoft.com/office/powerpoint/2010/main" val="2591651798"/>
+      </p:ext>
+    </p:extLst>
+  </p:cSld>
+  <p:clrMapOvr>
+    <a:masterClrMapping/>
+  </p:clrMapOvr>
+</p:sld>
+</file>
+
+<file path=ppt/slides/slide33.xml><?xml version="1.0" encoding="utf-8"?>
+<p:sld xmlns:a="http://schemas.openxmlformats.org/drawingml/2006/main" xmlns:r="http://schemas.openxmlformats.org/officeDocument/2006/relationships" xmlns:p="http://schemas.openxmlformats.org/presentationml/2006/main">
+  <p:cSld>
+    <p:spTree>
+      <p:nvGrpSpPr>
+        <p:cNvPr id="1" name=""/>
+        <p:cNvGrpSpPr/>
+        <p:nvPr/>
+      </p:nvGrpSpPr>
+      <p:grpSpPr>
+        <a:xfrm>
+          <a:off x="0" y="0"/>
+          <a:ext cx="0" cy="0"/>
+          <a:chOff x="0" y="0"/>
+          <a:chExt cx="0" cy="0"/>
+        </a:xfrm>
+      </p:grpSpPr>
+      <p:sp>
+        <p:nvSpPr>
+          <p:cNvPr id="7" name="Title 6">
+            <a:extLst>
+              <a:ext uri="{FF2B5EF4-FFF2-40B4-BE49-F238E27FC236}">
+                <a16:creationId xmlns:a16="http://schemas.microsoft.com/office/drawing/2014/main" id="{CC0D2DC7-0288-40C8-9197-185D5EC8B709}"/>
+              </a:ext>
+            </a:extLst>
+          </p:cNvPr>
+          <p:cNvSpPr>
+            <a:spLocks noGrp="1"/>
+          </p:cNvSpPr>
+          <p:nvPr>
+            <p:ph type="title"/>
+          </p:nvPr>
+        </p:nvSpPr>
+        <p:spPr/>
+        <p:txBody>
+          <a:bodyPr/>
+          <a:lstStyle/>
+          <a:p>
+            <a:r>
+              <a:rPr lang="nl-BE" dirty="0">
+                <a:solidFill>
+                  <a:srgbClr val="0085FE"/>
+                </a:solidFill>
+              </a:rPr>
+              <a:t>Passwordless authentication</a:t>
+            </a:r>
+            <a:endParaRPr lang="en-US" dirty="0">
+              <a:solidFill>
+                <a:srgbClr val="0085FE"/>
+              </a:solidFill>
+            </a:endParaRPr>
+          </a:p>
+        </p:txBody>
+      </p:sp>
+      <p:sp>
+        <p:nvSpPr>
+          <p:cNvPr id="8" name="Content Placeholder 7">
+            <a:extLst>
+              <a:ext uri="{FF2B5EF4-FFF2-40B4-BE49-F238E27FC236}">
+                <a16:creationId xmlns:a16="http://schemas.microsoft.com/office/drawing/2014/main" id="{4D58A992-F5E2-4D91-9043-404227BDFA08}"/>
+              </a:ext>
+            </a:extLst>
+          </p:cNvPr>
+          <p:cNvSpPr>
+            <a:spLocks noGrp="1"/>
+          </p:cNvSpPr>
+          <p:nvPr>
+            <p:ph idx="1"/>
+          </p:nvPr>
+        </p:nvSpPr>
+        <p:spPr>
+          <a:xfrm>
+            <a:off x="1780867" y="2627667"/>
+            <a:ext cx="9291600" cy="3132000"/>
+          </a:xfrm>
+        </p:spPr>
+        <p:txBody>
+          <a:bodyPr/>
+          <a:lstStyle/>
+          <a:p>
+            <a:pPr marL="342900" lvl="0" indent="-342900">
+              <a:lnSpc>
+                <a:spcPct val="107000"/>
+              </a:lnSpc>
+              <a:buFont typeface="+mj-lt"/>
+              <a:buAutoNum type="arabicPeriod"/>
+            </a:pPr>
+            <a:r>
+              <a:rPr lang="en-GB" sz="2000" b="0" dirty="0">
+                <a:effectLst/>
+                <a:latin typeface="+mn-lt"/>
+                <a:ea typeface="Calibri" panose="020F0502020204030204" pitchFamily="34" charset="0"/>
+                <a:cs typeface="Times New Roman" panose="02020603050405020304" pitchFamily="18" charset="0"/>
+              </a:rPr>
+              <a:t>Create an SSH-key: “</a:t>
+            </a:r>
+            <a:r>
+              <a:rPr lang="en-GB" sz="2000" b="0" dirty="0" err="1">
+                <a:effectLst/>
+                <a:latin typeface="+mn-lt"/>
+                <a:ea typeface="Calibri" panose="020F0502020204030204" pitchFamily="34" charset="0"/>
+                <a:cs typeface="Times New Roman" panose="02020603050405020304" pitchFamily="18" charset="0"/>
+              </a:rPr>
+              <a:t>ssh</a:t>
+            </a:r>
+            <a:r>
+              <a:rPr lang="en-GB" sz="2000" b="0" dirty="0">
+                <a:effectLst/>
+                <a:latin typeface="+mn-lt"/>
+                <a:ea typeface="Calibri" panose="020F0502020204030204" pitchFamily="34" charset="0"/>
+                <a:cs typeface="Times New Roman" panose="02020603050405020304" pitchFamily="18" charset="0"/>
+              </a:rPr>
+              <a:t>-keygen -t -</a:t>
+            </a:r>
+            <a:r>
+              <a:rPr lang="en-GB" sz="2000" b="0" dirty="0" err="1">
+                <a:effectLst/>
+                <a:latin typeface="+mn-lt"/>
+                <a:ea typeface="Calibri" panose="020F0502020204030204" pitchFamily="34" charset="0"/>
+                <a:cs typeface="Times New Roman" panose="02020603050405020304" pitchFamily="18" charset="0"/>
+              </a:rPr>
+              <a:t>rsa</a:t>
+            </a:r>
+            <a:r>
+              <a:rPr lang="en-GB" sz="2000" b="0" dirty="0">
+                <a:effectLst/>
+                <a:latin typeface="+mn-lt"/>
+                <a:ea typeface="Calibri" panose="020F0502020204030204" pitchFamily="34" charset="0"/>
+                <a:cs typeface="Times New Roman" panose="02020603050405020304" pitchFamily="18" charset="0"/>
+              </a:rPr>
+              <a:t>”</a:t>
+            </a:r>
+            <a:endParaRPr lang="en-US" sz="2000" b="0" dirty="0">
+              <a:effectLst/>
+              <a:latin typeface="+mn-lt"/>
+              <a:ea typeface="Calibri" panose="020F0502020204030204" pitchFamily="34" charset="0"/>
+              <a:cs typeface="Times New Roman" panose="02020603050405020304" pitchFamily="18" charset="0"/>
+            </a:endParaRPr>
+          </a:p>
+          <a:p>
+            <a:pPr marL="342900" lvl="0" indent="-342900">
+              <a:lnSpc>
+                <a:spcPct val="107000"/>
+              </a:lnSpc>
+              <a:buFont typeface="+mj-lt"/>
+              <a:buAutoNum type="arabicPeriod"/>
+            </a:pPr>
+            <a:r>
+              <a:rPr lang="en-GB" sz="2000" b="0" dirty="0">
+                <a:effectLst/>
+                <a:latin typeface="+mn-lt"/>
+                <a:ea typeface="Calibri" panose="020F0502020204030204" pitchFamily="34" charset="0"/>
+                <a:cs typeface="Times New Roman" panose="02020603050405020304" pitchFamily="18" charset="0"/>
+              </a:rPr>
+              <a:t>Copy the public key to remote machine:</a:t>
+            </a:r>
+            <a:endParaRPr lang="en-US" sz="2000" b="0" dirty="0">
+              <a:effectLst/>
+              <a:latin typeface="+mn-lt"/>
+              <a:ea typeface="Calibri" panose="020F0502020204030204" pitchFamily="34" charset="0"/>
+              <a:cs typeface="Times New Roman" panose="02020603050405020304" pitchFamily="18" charset="0"/>
+            </a:endParaRPr>
+          </a:p>
+          <a:p>
+            <a:pPr marL="899160">
+              <a:lnSpc>
+                <a:spcPct val="107000"/>
+              </a:lnSpc>
+            </a:pPr>
+            <a:r>
+              <a:rPr lang="en-GB" sz="2000" b="0" dirty="0">
+                <a:effectLst/>
+                <a:latin typeface="+mn-lt"/>
+                <a:ea typeface="Calibri" panose="020F0502020204030204" pitchFamily="34" charset="0"/>
+                <a:cs typeface="Times New Roman" panose="02020603050405020304" pitchFamily="18" charset="0"/>
+              </a:rPr>
+              <a:t>“</a:t>
+            </a:r>
+            <a:r>
+              <a:rPr lang="en-GB" sz="2000" b="0" dirty="0" err="1">
+                <a:effectLst/>
+                <a:latin typeface="Courier New" panose="02070309020205020404" pitchFamily="49" charset="0"/>
+                <a:ea typeface="Calibri" panose="020F0502020204030204" pitchFamily="34" charset="0"/>
+                <a:cs typeface="Courier New" panose="02070309020205020404" pitchFamily="49" charset="0"/>
+              </a:rPr>
+              <a:t>ssh</a:t>
+            </a:r>
+            <a:r>
+              <a:rPr lang="en-GB" sz="2000" b="0" dirty="0">
+                <a:effectLst/>
+                <a:latin typeface="Courier New" panose="02070309020205020404" pitchFamily="49" charset="0"/>
+                <a:ea typeface="Calibri" panose="020F0502020204030204" pitchFamily="34" charset="0"/>
+                <a:cs typeface="Courier New" panose="02070309020205020404" pitchFamily="49" charset="0"/>
+              </a:rPr>
+              <a:t>-copy-id -</a:t>
+            </a:r>
+            <a:r>
+              <a:rPr lang="en-GB" sz="2000" b="0" dirty="0" err="1">
+                <a:effectLst/>
+                <a:latin typeface="Courier New" panose="02070309020205020404" pitchFamily="49" charset="0"/>
+                <a:ea typeface="Calibri" panose="020F0502020204030204" pitchFamily="34" charset="0"/>
+                <a:cs typeface="Courier New" panose="02070309020205020404" pitchFamily="49" charset="0"/>
+              </a:rPr>
+              <a:t>i</a:t>
+            </a:r>
+            <a:r>
+              <a:rPr lang="en-GB" sz="2000" b="0" dirty="0">
+                <a:effectLst/>
+                <a:latin typeface="Courier New" panose="02070309020205020404" pitchFamily="49" charset="0"/>
+                <a:ea typeface="Calibri" panose="020F0502020204030204" pitchFamily="34" charset="0"/>
+                <a:cs typeface="Courier New" panose="02070309020205020404" pitchFamily="49" charset="0"/>
+              </a:rPr>
+              <a:t> ~/.</a:t>
+            </a:r>
+            <a:r>
+              <a:rPr lang="en-GB" sz="2000" b="0" dirty="0" err="1">
+                <a:effectLst/>
+                <a:latin typeface="Courier New" panose="02070309020205020404" pitchFamily="49" charset="0"/>
+                <a:ea typeface="Calibri" panose="020F0502020204030204" pitchFamily="34" charset="0"/>
+                <a:cs typeface="Courier New" panose="02070309020205020404" pitchFamily="49" charset="0"/>
+              </a:rPr>
+              <a:t>ssh</a:t>
+            </a:r>
+            <a:r>
+              <a:rPr lang="en-GB" sz="2000" b="0" dirty="0">
+                <a:effectLst/>
+                <a:latin typeface="Courier New" panose="02070309020205020404" pitchFamily="49" charset="0"/>
+                <a:ea typeface="Calibri" panose="020F0502020204030204" pitchFamily="34" charset="0"/>
+                <a:cs typeface="Courier New" panose="02070309020205020404" pitchFamily="49" charset="0"/>
+              </a:rPr>
+              <a:t>/id_rsa.pub </a:t>
+            </a:r>
+            <a:r>
+              <a:rPr lang="en-GB" sz="2000" b="0" dirty="0" err="1">
+                <a:effectLst/>
+                <a:latin typeface="Courier New" panose="02070309020205020404" pitchFamily="49" charset="0"/>
+                <a:ea typeface="Calibri" panose="020F0502020204030204" pitchFamily="34" charset="0"/>
+                <a:cs typeface="Courier New" panose="02070309020205020404" pitchFamily="49" charset="0"/>
+              </a:rPr>
+              <a:t>user@nodeIP</a:t>
+            </a:r>
+            <a:r>
+              <a:rPr lang="en-GB" sz="2000" b="0" dirty="0">
+                <a:effectLst/>
+                <a:latin typeface="+mn-lt"/>
+                <a:ea typeface="Calibri" panose="020F0502020204030204" pitchFamily="34" charset="0"/>
+                <a:cs typeface="Times New Roman" panose="02020603050405020304" pitchFamily="18" charset="0"/>
+              </a:rPr>
+              <a:t>”</a:t>
+            </a:r>
+            <a:endParaRPr lang="en-US" sz="2000" b="0" dirty="0">
+              <a:effectLst/>
+              <a:latin typeface="+mn-lt"/>
+              <a:ea typeface="Calibri" panose="020F0502020204030204" pitchFamily="34" charset="0"/>
+              <a:cs typeface="Times New Roman" panose="02020603050405020304" pitchFamily="18" charset="0"/>
+            </a:endParaRPr>
+          </a:p>
+          <a:p>
+            <a:pPr lvl="0">
+              <a:lnSpc>
+                <a:spcPct val="107000"/>
+              </a:lnSpc>
+              <a:spcAft>
+                <a:spcPts val="800"/>
+              </a:spcAft>
+            </a:pPr>
+            <a:r>
+              <a:rPr lang="en-US" sz="2000" b="0" dirty="0">
+                <a:effectLst/>
+                <a:latin typeface="+mn-lt"/>
+                <a:ea typeface="Calibri" panose="020F0502020204030204" pitchFamily="34" charset="0"/>
+                <a:cs typeface="Times New Roman" panose="02020603050405020304" pitchFamily="18" charset="0"/>
+              </a:rPr>
+              <a:t>3.   Connect to machine (no login password should be required).</a:t>
+            </a:r>
+          </a:p>
+          <a:p>
+            <a:endParaRPr lang="en-US" sz="3200" b="0" dirty="0">
+              <a:latin typeface="+mn-lt"/>
+            </a:endParaRPr>
+          </a:p>
+        </p:txBody>
+      </p:sp>
+      <p:sp>
+        <p:nvSpPr>
+          <p:cNvPr id="4" name="Footer Placeholder 3">
+            <a:extLst>
+              <a:ext uri="{FF2B5EF4-FFF2-40B4-BE49-F238E27FC236}">
+                <a16:creationId xmlns:a16="http://schemas.microsoft.com/office/drawing/2014/main" id="{6FE71F28-9912-4623-9E87-FC5AF4BAB5D9}"/>
+              </a:ext>
+            </a:extLst>
+          </p:cNvPr>
+          <p:cNvSpPr>
+            <a:spLocks noGrp="1"/>
+          </p:cNvSpPr>
+          <p:nvPr>
+            <p:ph type="ftr" sz="quarter" idx="11"/>
+          </p:nvPr>
+        </p:nvSpPr>
+        <p:spPr/>
+        <p:txBody>
+          <a:bodyPr/>
+          <a:lstStyle/>
+          <a:p>
+            <a:r>
+              <a:rPr lang="nl-BE" dirty="0"/>
+              <a:t>Ansible - Introduction</a:t>
+            </a:r>
+          </a:p>
+        </p:txBody>
+      </p:sp>
+      <p:sp>
+        <p:nvSpPr>
+          <p:cNvPr id="5" name="Slide Number Placeholder 4">
+            <a:extLst>
+              <a:ext uri="{FF2B5EF4-FFF2-40B4-BE49-F238E27FC236}">
+                <a16:creationId xmlns:a16="http://schemas.microsoft.com/office/drawing/2014/main" id="{1F6F55EF-59B6-4038-AF22-ED1B0A983A97}"/>
+              </a:ext>
+            </a:extLst>
+          </p:cNvPr>
+          <p:cNvSpPr>
+            <a:spLocks noGrp="1"/>
+          </p:cNvSpPr>
+          <p:nvPr>
+            <p:ph type="sldNum" sz="quarter" idx="12"/>
+          </p:nvPr>
+        </p:nvSpPr>
+        <p:spPr/>
+        <p:txBody>
+          <a:bodyPr/>
+          <a:lstStyle/>
+          <a:p>
+            <a:fld id="{FF88DA20-ED00-471C-9170-60F590CB400A}" type="slidenum">
+              <a:rPr lang="nl-BE" smtClean="0"/>
+              <a:pPr/>
+              <a:t>33</a:t>
+            </a:fld>
+            <a:endParaRPr lang="nl-BE"/>
+          </a:p>
+        </p:txBody>
+      </p:sp>
+      <p:sp>
+        <p:nvSpPr>
+          <p:cNvPr id="10" name="TextBox 9">
+            <a:extLst>
+              <a:ext uri="{FF2B5EF4-FFF2-40B4-BE49-F238E27FC236}">
+                <a16:creationId xmlns:a16="http://schemas.microsoft.com/office/drawing/2014/main" id="{C2D21B71-38C9-4237-A2BF-02449E4793D1}"/>
+              </a:ext>
+            </a:extLst>
+          </p:cNvPr>
+          <p:cNvSpPr txBox="1"/>
+          <p:nvPr/>
+        </p:nvSpPr>
+        <p:spPr>
+          <a:xfrm>
+            <a:off x="861246" y="1723013"/>
+            <a:ext cx="5093574" cy="707886"/>
+          </a:xfrm>
+          <a:prstGeom prst="rect">
+            <a:avLst/>
+          </a:prstGeom>
+          <a:noFill/>
+        </p:spPr>
+        <p:txBody>
+          <a:bodyPr wrap="none" rtlCol="0">
+            <a:spAutoFit/>
+          </a:bodyPr>
+          <a:lstStyle/>
+          <a:p>
+            <a:pPr marL="285750" indent="-285750">
+              <a:buFont typeface="Arial" panose="020B0604020202020204" pitchFamily="34" charset="0"/>
+              <a:buChar char="•"/>
+            </a:pPr>
+            <a:r>
+              <a:rPr lang="nl-BE" sz="2000" dirty="0"/>
+              <a:t>Prevents repeatadly manual login at run time</a:t>
+            </a:r>
+          </a:p>
+          <a:p>
+            <a:pPr marL="285750" indent="-285750">
+              <a:buFont typeface="Arial" panose="020B0604020202020204" pitchFamily="34" charset="0"/>
+              <a:buChar char="•"/>
+            </a:pPr>
+            <a:r>
+              <a:rPr lang="nl-BE" sz="2000" dirty="0"/>
+              <a:t>Makes playbook execution seamless</a:t>
+            </a:r>
+            <a:endParaRPr lang="en-US" sz="2000" dirty="0"/>
+          </a:p>
+        </p:txBody>
+      </p:sp>
+    </p:spTree>
+    <p:extLst>
+      <p:ext uri="{BB962C8B-B14F-4D97-AF65-F5344CB8AC3E}">
+        <p14:creationId xmlns:p14="http://schemas.microsoft.com/office/powerpoint/2010/main" val="2010100633"/>
+      </p:ext>
+    </p:extLst>
+  </p:cSld>
+  <p:clrMapOvr>
+    <a:masterClrMapping/>
+  </p:clrMapOvr>
+</p:sld>
+</file>
+
+<file path=ppt/slides/slide34.xml><?xml version="1.0" encoding="utf-8"?>
+<p:sld xmlns:a="http://schemas.openxmlformats.org/drawingml/2006/main" xmlns:r="http://schemas.openxmlformats.org/officeDocument/2006/relationships" xmlns:p="http://schemas.openxmlformats.org/presentationml/2006/main">
+  <p:cSld>
+    <p:spTree>
+      <p:nvGrpSpPr>
+        <p:cNvPr id="1" name=""/>
+        <p:cNvGrpSpPr/>
+        <p:nvPr/>
+      </p:nvGrpSpPr>
+      <p:grpSpPr>
+        <a:xfrm>
+          <a:off x="0" y="0"/>
+          <a:ext cx="0" cy="0"/>
+          <a:chOff x="0" y="0"/>
+          <a:chExt cx="0" cy="0"/>
+        </a:xfrm>
+      </p:grpSpPr>
+      <p:sp>
+        <p:nvSpPr>
+          <p:cNvPr id="2" name="Title 1">
+            <a:extLst>
+              <a:ext uri="{FF2B5EF4-FFF2-40B4-BE49-F238E27FC236}">
+                <a16:creationId xmlns:a16="http://schemas.microsoft.com/office/drawing/2014/main" id="{70FEA819-AA32-4583-9E98-B9DBD20D08C5}"/>
+              </a:ext>
+            </a:extLst>
+          </p:cNvPr>
+          <p:cNvSpPr>
+            <a:spLocks noGrp="1"/>
+          </p:cNvSpPr>
+          <p:nvPr>
+            <p:ph type="title"/>
+          </p:nvPr>
+        </p:nvSpPr>
+        <p:spPr/>
+        <p:txBody>
+          <a:bodyPr/>
+          <a:lstStyle/>
+          <a:p>
+            <a:r>
+              <a:rPr lang="nl-BE" dirty="0"/>
+              <a:t>Demo</a:t>
+            </a:r>
+            <a:endParaRPr lang="en-US" dirty="0"/>
+          </a:p>
+        </p:txBody>
+      </p:sp>
+      <p:sp>
+        <p:nvSpPr>
+          <p:cNvPr id="3" name="Text Placeholder 2">
+            <a:extLst>
+              <a:ext uri="{FF2B5EF4-FFF2-40B4-BE49-F238E27FC236}">
+                <a16:creationId xmlns:a16="http://schemas.microsoft.com/office/drawing/2014/main" id="{EC32EC60-A861-403F-A296-2216AA4D5C5C}"/>
+              </a:ext>
+            </a:extLst>
+          </p:cNvPr>
+          <p:cNvSpPr>
+            <a:spLocks noGrp="1"/>
+          </p:cNvSpPr>
+          <p:nvPr>
+            <p:ph type="body" idx="1"/>
+          </p:nvPr>
+        </p:nvSpPr>
+        <p:spPr/>
+        <p:txBody>
+          <a:bodyPr/>
+          <a:lstStyle/>
+          <a:p>
+            <a:endParaRPr lang="en-US"/>
+          </a:p>
+        </p:txBody>
+      </p:sp>
+      <p:sp>
+        <p:nvSpPr>
+          <p:cNvPr id="5" name="Slide Number Placeholder 4">
+            <a:extLst>
+              <a:ext uri="{FF2B5EF4-FFF2-40B4-BE49-F238E27FC236}">
+                <a16:creationId xmlns:a16="http://schemas.microsoft.com/office/drawing/2014/main" id="{A16825DC-9D9D-4E1A-9AFD-AA673F4A6E6D}"/>
+              </a:ext>
+            </a:extLst>
+          </p:cNvPr>
+          <p:cNvSpPr>
+            <a:spLocks noGrp="1"/>
+          </p:cNvSpPr>
+          <p:nvPr>
+            <p:ph type="sldNum" sz="quarter" idx="12"/>
+          </p:nvPr>
+        </p:nvSpPr>
+        <p:spPr/>
+        <p:txBody>
+          <a:bodyPr/>
+          <a:lstStyle/>
+          <a:p>
+            <a:fld id="{FF88DA20-ED00-471C-9170-60F590CB400A}" type="slidenum">
+              <a:rPr lang="nl-BE" smtClean="0"/>
+              <a:pPr/>
+              <a:t>34</a:t>
+            </a:fld>
+            <a:endParaRPr lang="nl-BE"/>
+          </a:p>
+        </p:txBody>
+      </p:sp>
+      <p:sp>
+        <p:nvSpPr>
+          <p:cNvPr id="6" name="Text Placeholder 5">
+            <a:extLst>
+              <a:ext uri="{FF2B5EF4-FFF2-40B4-BE49-F238E27FC236}">
+                <a16:creationId xmlns:a16="http://schemas.microsoft.com/office/drawing/2014/main" id="{5C7A25BD-74FF-4F3E-A457-7A2EF24BA328}"/>
+              </a:ext>
+            </a:extLst>
+          </p:cNvPr>
+          <p:cNvSpPr>
+            <a:spLocks noGrp="1"/>
+          </p:cNvSpPr>
+          <p:nvPr>
+            <p:ph type="body" sz="quarter" idx="13"/>
+          </p:nvPr>
+        </p:nvSpPr>
+        <p:spPr/>
+        <p:txBody>
+          <a:bodyPr/>
+          <a:lstStyle/>
+          <a:p>
+            <a:r>
+              <a:rPr lang="nl-BE" dirty="0">
+                <a:solidFill>
+                  <a:srgbClr val="0085FE"/>
+                </a:solidFill>
+              </a:rPr>
+              <a:t>10.</a:t>
+            </a:r>
+            <a:endParaRPr lang="en-US" dirty="0">
+              <a:solidFill>
+                <a:srgbClr val="0085FE"/>
+              </a:solidFill>
+            </a:endParaRPr>
+          </a:p>
+        </p:txBody>
+      </p:sp>
+      <p:sp>
+        <p:nvSpPr>
+          <p:cNvPr id="7" name="Footer Placeholder 3">
+            <a:extLst>
+              <a:ext uri="{FF2B5EF4-FFF2-40B4-BE49-F238E27FC236}">
+                <a16:creationId xmlns:a16="http://schemas.microsoft.com/office/drawing/2014/main" id="{7BBB4841-9FC2-490F-83AA-5589FC091688}"/>
+              </a:ext>
+            </a:extLst>
+          </p:cNvPr>
+          <p:cNvSpPr>
+            <a:spLocks noGrp="1"/>
+          </p:cNvSpPr>
+          <p:nvPr>
+            <p:ph type="ftr" sz="quarter" idx="11"/>
+          </p:nvPr>
+        </p:nvSpPr>
+        <p:spPr>
+          <a:xfrm>
+            <a:off x="861246" y="6264211"/>
+            <a:ext cx="4114800" cy="365125"/>
+          </a:xfrm>
+        </p:spPr>
+        <p:txBody>
+          <a:bodyPr/>
+          <a:lstStyle/>
+          <a:p>
+            <a:r>
+              <a:rPr lang="en-US" dirty="0"/>
+              <a:t>Ansible - Introduction</a:t>
+            </a:r>
+          </a:p>
+        </p:txBody>
+      </p:sp>
+      <p:sp>
+        <p:nvSpPr>
+          <p:cNvPr id="8" name="Tijdelijke aanduiding voor datum 1">
+            <a:extLst>
+              <a:ext uri="{FF2B5EF4-FFF2-40B4-BE49-F238E27FC236}">
+                <a16:creationId xmlns:a16="http://schemas.microsoft.com/office/drawing/2014/main" id="{86E517BA-B755-4C37-BB4C-75337E789D27}"/>
+              </a:ext>
+            </a:extLst>
+          </p:cNvPr>
+          <p:cNvSpPr>
+            <a:spLocks noGrp="1"/>
+          </p:cNvSpPr>
+          <p:nvPr>
+            <p:ph type="dt" sz="half" idx="10"/>
+          </p:nvPr>
+        </p:nvSpPr>
+        <p:spPr>
+          <a:xfrm>
+            <a:off x="4998576" y="6264004"/>
+            <a:ext cx="2743200" cy="365125"/>
+          </a:xfrm>
+        </p:spPr>
+        <p:txBody>
+          <a:bodyPr/>
+          <a:lstStyle/>
+          <a:p>
+            <a:r>
+              <a:rPr lang="nl-BE" dirty="0"/>
+              <a:t>31/01/2022</a:t>
+            </a:r>
+          </a:p>
+        </p:txBody>
+      </p:sp>
+    </p:spTree>
+    <p:extLst>
+      <p:ext uri="{BB962C8B-B14F-4D97-AF65-F5344CB8AC3E}">
+        <p14:creationId xmlns:p14="http://schemas.microsoft.com/office/powerpoint/2010/main" val="3753551721"/>
+      </p:ext>
+    </p:extLst>
+  </p:cSld>
+  <p:clrMapOvr>
+    <a:masterClrMapping/>
+  </p:clrMapOvr>
+</p:sld>
+</file>
+
+<file path=ppt/slides/slide35.xml><?xml version="1.0" encoding="utf-8"?>
+<p:sld xmlns:a="http://schemas.openxmlformats.org/drawingml/2006/main" xmlns:r="http://schemas.openxmlformats.org/officeDocument/2006/relationships" xmlns:p="http://schemas.openxmlformats.org/presentationml/2006/main">
+  <p:cSld>
+    <p:spTree>
+      <p:nvGrpSpPr>
+        <p:cNvPr id="1" name=""/>
+        <p:cNvGrpSpPr/>
+        <p:nvPr/>
+      </p:nvGrpSpPr>
+      <p:grpSpPr>
+        <a:xfrm>
+          <a:off x="0" y="0"/>
+          <a:ext cx="0" cy="0"/>
+          <a:chOff x="0" y="0"/>
+          <a:chExt cx="0" cy="0"/>
+        </a:xfrm>
+      </p:grpSpPr>
+      <p:sp>
+        <p:nvSpPr>
+          <p:cNvPr id="2" name="Title 1">
+            <a:extLst>
+              <a:ext uri="{FF2B5EF4-FFF2-40B4-BE49-F238E27FC236}">
+                <a16:creationId xmlns:a16="http://schemas.microsoft.com/office/drawing/2014/main" id="{71FD9B4A-22B3-4B27-8EC6-CB566E6C3ECB}"/>
+              </a:ext>
+            </a:extLst>
+          </p:cNvPr>
+          <p:cNvSpPr>
+            <a:spLocks noGrp="1"/>
+          </p:cNvSpPr>
+          <p:nvPr>
+            <p:ph type="title"/>
+          </p:nvPr>
+        </p:nvSpPr>
+        <p:spPr/>
+        <p:txBody>
+          <a:bodyPr/>
+          <a:lstStyle/>
+          <a:p>
+            <a:r>
+              <a:rPr lang="nl-BE" dirty="0">
+                <a:solidFill>
+                  <a:srgbClr val="0085FE"/>
+                </a:solidFill>
+              </a:rPr>
+              <a:t>Topology</a:t>
+            </a:r>
+            <a:endParaRPr lang="en-US" dirty="0">
+              <a:solidFill>
+                <a:srgbClr val="0085FE"/>
+              </a:solidFill>
+            </a:endParaRPr>
+          </a:p>
+        </p:txBody>
+      </p:sp>
+      <p:sp>
+        <p:nvSpPr>
+          <p:cNvPr id="8" name="Tijdelijke aanduiding voor datum 1">
+            <a:extLst>
+              <a:ext uri="{FF2B5EF4-FFF2-40B4-BE49-F238E27FC236}">
+                <a16:creationId xmlns:a16="http://schemas.microsoft.com/office/drawing/2014/main" id="{071B7CCA-0101-47DF-BDDD-97C3F5ABD31C}"/>
+              </a:ext>
+            </a:extLst>
+          </p:cNvPr>
+          <p:cNvSpPr>
+            <a:spLocks noGrp="1"/>
+          </p:cNvSpPr>
+          <p:nvPr>
+            <p:ph type="dt" sz="half" idx="10"/>
+          </p:nvPr>
+        </p:nvSpPr>
+        <p:spPr/>
+        <p:txBody>
+          <a:bodyPr/>
+          <a:lstStyle/>
+          <a:p>
+            <a:r>
+              <a:rPr lang="nl-BE" dirty="0"/>
+              <a:t>31/01/2022</a:t>
+            </a:r>
+          </a:p>
+        </p:txBody>
+      </p:sp>
+      <p:sp>
+        <p:nvSpPr>
+          <p:cNvPr id="7" name="Footer Placeholder 3">
+            <a:extLst>
+              <a:ext uri="{FF2B5EF4-FFF2-40B4-BE49-F238E27FC236}">
+                <a16:creationId xmlns:a16="http://schemas.microsoft.com/office/drawing/2014/main" id="{67CC5EEC-6AE9-490F-8F88-E9F460CE1001}"/>
+              </a:ext>
+            </a:extLst>
+          </p:cNvPr>
+          <p:cNvSpPr>
+            <a:spLocks noGrp="1"/>
+          </p:cNvSpPr>
+          <p:nvPr>
+            <p:ph type="ftr" sz="quarter" idx="11"/>
+          </p:nvPr>
+        </p:nvSpPr>
+        <p:spPr/>
+        <p:txBody>
+          <a:bodyPr/>
+          <a:lstStyle/>
+          <a:p>
+            <a:r>
+              <a:rPr lang="en-US" dirty="0"/>
+              <a:t>Ansible - Introduction</a:t>
+            </a:r>
+          </a:p>
+        </p:txBody>
+      </p:sp>
+      <p:sp>
+        <p:nvSpPr>
+          <p:cNvPr id="5" name="Slide Number Placeholder 4">
+            <a:extLst>
+              <a:ext uri="{FF2B5EF4-FFF2-40B4-BE49-F238E27FC236}">
+                <a16:creationId xmlns:a16="http://schemas.microsoft.com/office/drawing/2014/main" id="{02D6F86B-6F5D-45E1-B852-6CA617042C82}"/>
+              </a:ext>
+            </a:extLst>
+          </p:cNvPr>
+          <p:cNvSpPr>
+            <a:spLocks noGrp="1"/>
+          </p:cNvSpPr>
+          <p:nvPr>
+            <p:ph type="sldNum" sz="quarter" idx="12"/>
+          </p:nvPr>
+        </p:nvSpPr>
+        <p:spPr/>
+        <p:txBody>
+          <a:bodyPr/>
+          <a:lstStyle/>
+          <a:p>
+            <a:fld id="{FF88DA20-ED00-471C-9170-60F590CB400A}" type="slidenum">
+              <a:rPr lang="nl-BE" smtClean="0"/>
+              <a:pPr/>
+              <a:t>35</a:t>
+            </a:fld>
+            <a:endParaRPr lang="nl-BE"/>
+          </a:p>
+        </p:txBody>
+      </p:sp>
+      <p:pic>
+        <p:nvPicPr>
+          <p:cNvPr id="3" name="Picture 2">
+            <a:extLst>
+              <a:ext uri="{FF2B5EF4-FFF2-40B4-BE49-F238E27FC236}">
+                <a16:creationId xmlns:a16="http://schemas.microsoft.com/office/drawing/2014/main" id="{D3412B10-F8EC-4ECD-9FB4-92DBFB0BF662}"/>
+              </a:ext>
+            </a:extLst>
+          </p:cNvPr>
+          <p:cNvPicPr>
+            <a:picLocks noChangeAspect="1"/>
+          </p:cNvPicPr>
+          <p:nvPr/>
+        </p:nvPicPr>
+        <p:blipFill rotWithShape="1">
+          <a:blip r:embed="rId2"/>
+          <a:srcRect l="3050" t="29751" r="3050" b="11977"/>
+          <a:stretch/>
+        </p:blipFill>
+        <p:spPr>
+          <a:xfrm>
+            <a:off x="4976046" y="811849"/>
+            <a:ext cx="6214533" cy="5452155"/>
+          </a:xfrm>
+          <a:prstGeom prst="rect">
+            <a:avLst/>
+          </a:prstGeom>
+        </p:spPr>
+      </p:pic>
+      <p:sp>
+        <p:nvSpPr>
+          <p:cNvPr id="9" name="TextBox 8">
+            <a:extLst>
+              <a:ext uri="{FF2B5EF4-FFF2-40B4-BE49-F238E27FC236}">
+                <a16:creationId xmlns:a16="http://schemas.microsoft.com/office/drawing/2014/main" id="{A9A9C977-4C00-4B41-A5E5-E25972A3DE5A}"/>
+              </a:ext>
+            </a:extLst>
+          </p:cNvPr>
+          <p:cNvSpPr txBox="1"/>
+          <p:nvPr/>
+        </p:nvSpPr>
+        <p:spPr>
+          <a:xfrm>
+            <a:off x="861246" y="1370343"/>
+            <a:ext cx="4024021" cy="1908215"/>
+          </a:xfrm>
+          <a:prstGeom prst="rect">
+            <a:avLst/>
+          </a:prstGeom>
+          <a:noFill/>
+        </p:spPr>
+        <p:txBody>
+          <a:bodyPr wrap="square" rtlCol="0">
+            <a:spAutoFit/>
+          </a:bodyPr>
+          <a:lstStyle/>
+          <a:p>
+            <a:pPr marL="342900" indent="-342900">
+              <a:buFont typeface="Wingdings" panose="05000000000000000000" pitchFamily="2" charset="2"/>
+              <a:buChar char="§"/>
+            </a:pPr>
+            <a:r>
+              <a:rPr lang="nl-BE" sz="2000" dirty="0"/>
+              <a:t>Purpose of playbook</a:t>
+            </a:r>
+          </a:p>
+          <a:p>
+            <a:pPr marL="800100" lvl="1" indent="-342900">
+              <a:buFont typeface="Arial" panose="020B0604020202020204" pitchFamily="34" charset="0"/>
+              <a:buChar char="•"/>
+            </a:pPr>
+            <a:r>
+              <a:rPr lang="nl-BE" sz="2000" dirty="0"/>
+              <a:t>Check starting configuration</a:t>
+            </a:r>
+          </a:p>
+          <a:p>
+            <a:pPr marL="800100" lvl="1" indent="-342900">
+              <a:buFont typeface="Arial" panose="020B0604020202020204" pitchFamily="34" charset="0"/>
+              <a:buChar char="•"/>
+            </a:pPr>
+            <a:r>
+              <a:rPr lang="nl-BE" sz="2000" dirty="0"/>
+              <a:t>Setup LAG on switches</a:t>
+            </a:r>
+          </a:p>
+          <a:p>
+            <a:pPr marL="800100" lvl="1" indent="-342900">
+              <a:buFont typeface="Arial" panose="020B0604020202020204" pitchFamily="34" charset="0"/>
+              <a:buChar char="•"/>
+            </a:pPr>
+            <a:r>
+              <a:rPr lang="nl-BE" sz="2000" dirty="0"/>
+              <a:t>Add vlan’s (10,20)</a:t>
+            </a:r>
+          </a:p>
+          <a:p>
+            <a:pPr marL="800100" lvl="1" indent="-342900">
+              <a:buFont typeface="Arial" panose="020B0604020202020204" pitchFamily="34" charset="0"/>
+              <a:buChar char="•"/>
+            </a:pPr>
+            <a:r>
+              <a:rPr lang="nl-BE" sz="2000" dirty="0"/>
+              <a:t>Check changes</a:t>
+            </a:r>
+          </a:p>
+          <a:p>
+            <a:endParaRPr lang="en-US" dirty="0"/>
+          </a:p>
+        </p:txBody>
+      </p:sp>
+    </p:spTree>
+    <p:extLst>
+      <p:ext uri="{BB962C8B-B14F-4D97-AF65-F5344CB8AC3E}">
+        <p14:creationId xmlns:p14="http://schemas.microsoft.com/office/powerpoint/2010/main" val="3975158961"/>
+      </p:ext>
+    </p:extLst>
+  </p:cSld>
+  <p:clrMapOvr>
+    <a:masterClrMapping/>
+  </p:clrMapOvr>
+</p:sld>
+</file>
+
+<file path=ppt/slides/slide36.xml><?xml version="1.0" encoding="utf-8"?>
+<p:sld xmlns:a="http://schemas.openxmlformats.org/drawingml/2006/main" xmlns:r="http://schemas.openxmlformats.org/officeDocument/2006/relationships" xmlns:p="http://schemas.openxmlformats.org/presentationml/2006/main">
+  <p:cSld>
+    <p:spTree>
+      <p:nvGrpSpPr>
+        <p:cNvPr id="1" name=""/>
+        <p:cNvGrpSpPr/>
+        <p:nvPr/>
+      </p:nvGrpSpPr>
+      <p:grpSpPr>
+        <a:xfrm>
+          <a:off x="0" y="0"/>
+          <a:ext cx="0" cy="0"/>
+          <a:chOff x="0" y="0"/>
+          <a:chExt cx="0" cy="0"/>
+        </a:xfrm>
+      </p:grpSpPr>
+      <p:sp>
+        <p:nvSpPr>
+          <p:cNvPr id="2" name="Title 1">
+            <a:extLst>
+              <a:ext uri="{FF2B5EF4-FFF2-40B4-BE49-F238E27FC236}">
+                <a16:creationId xmlns:a16="http://schemas.microsoft.com/office/drawing/2014/main" id="{71FD9B4A-22B3-4B27-8EC6-CB566E6C3ECB}"/>
+              </a:ext>
+            </a:extLst>
+          </p:cNvPr>
+          <p:cNvSpPr>
+            <a:spLocks noGrp="1"/>
+          </p:cNvSpPr>
+          <p:nvPr>
+            <p:ph type="title"/>
+          </p:nvPr>
+        </p:nvSpPr>
+        <p:spPr/>
+        <p:txBody>
+          <a:bodyPr/>
+          <a:lstStyle/>
+          <a:p>
+            <a:r>
+              <a:rPr lang="nl-BE" dirty="0">
+                <a:solidFill>
+                  <a:srgbClr val="0085FE"/>
+                </a:solidFill>
+              </a:rPr>
+              <a:t>Purpose of playbook</a:t>
+            </a:r>
+            <a:endParaRPr lang="en-US" dirty="0">
+              <a:solidFill>
+                <a:srgbClr val="0085FE"/>
+              </a:solidFill>
+            </a:endParaRPr>
+          </a:p>
+        </p:txBody>
+      </p:sp>
+      <p:sp>
+        <p:nvSpPr>
+          <p:cNvPr id="8" name="Tijdelijke aanduiding voor datum 1">
+            <a:extLst>
+              <a:ext uri="{FF2B5EF4-FFF2-40B4-BE49-F238E27FC236}">
+                <a16:creationId xmlns:a16="http://schemas.microsoft.com/office/drawing/2014/main" id="{071B7CCA-0101-47DF-BDDD-97C3F5ABD31C}"/>
+              </a:ext>
+            </a:extLst>
+          </p:cNvPr>
+          <p:cNvSpPr>
+            <a:spLocks noGrp="1"/>
+          </p:cNvSpPr>
+          <p:nvPr>
+            <p:ph type="dt" sz="half" idx="10"/>
+          </p:nvPr>
+        </p:nvSpPr>
+        <p:spPr/>
+        <p:txBody>
+          <a:bodyPr/>
+          <a:lstStyle/>
+          <a:p>
+            <a:r>
+              <a:rPr lang="nl-BE" dirty="0"/>
+              <a:t>31/01/2022</a:t>
+            </a:r>
+          </a:p>
+        </p:txBody>
+      </p:sp>
+      <p:sp>
+        <p:nvSpPr>
+          <p:cNvPr id="7" name="Footer Placeholder 3">
+            <a:extLst>
+              <a:ext uri="{FF2B5EF4-FFF2-40B4-BE49-F238E27FC236}">
+                <a16:creationId xmlns:a16="http://schemas.microsoft.com/office/drawing/2014/main" id="{67CC5EEC-6AE9-490F-8F88-E9F460CE1001}"/>
+              </a:ext>
+            </a:extLst>
+          </p:cNvPr>
+          <p:cNvSpPr>
+            <a:spLocks noGrp="1"/>
+          </p:cNvSpPr>
+          <p:nvPr>
+            <p:ph type="ftr" sz="quarter" idx="11"/>
+          </p:nvPr>
+        </p:nvSpPr>
+        <p:spPr/>
+        <p:txBody>
+          <a:bodyPr/>
+          <a:lstStyle/>
+          <a:p>
+            <a:r>
+              <a:rPr lang="en-US" dirty="0"/>
+              <a:t>Ansible - Introduction</a:t>
+            </a:r>
+          </a:p>
+        </p:txBody>
+      </p:sp>
+      <p:sp>
+        <p:nvSpPr>
+          <p:cNvPr id="5" name="Slide Number Placeholder 4">
+            <a:extLst>
+              <a:ext uri="{FF2B5EF4-FFF2-40B4-BE49-F238E27FC236}">
+                <a16:creationId xmlns:a16="http://schemas.microsoft.com/office/drawing/2014/main" id="{02D6F86B-6F5D-45E1-B852-6CA617042C82}"/>
+              </a:ext>
+            </a:extLst>
+          </p:cNvPr>
+          <p:cNvSpPr>
+            <a:spLocks noGrp="1"/>
+          </p:cNvSpPr>
+          <p:nvPr>
+            <p:ph type="sldNum" sz="quarter" idx="12"/>
+          </p:nvPr>
+        </p:nvSpPr>
+        <p:spPr/>
+        <p:txBody>
+          <a:bodyPr/>
+          <a:lstStyle/>
+          <a:p>
+            <a:fld id="{FF88DA20-ED00-471C-9170-60F590CB400A}" type="slidenum">
+              <a:rPr lang="nl-BE" smtClean="0"/>
+              <a:pPr/>
+              <a:t>36</a:t>
+            </a:fld>
+            <a:endParaRPr lang="nl-BE"/>
+          </a:p>
+        </p:txBody>
+      </p:sp>
+      <p:pic>
+        <p:nvPicPr>
+          <p:cNvPr id="3" name="Picture 2">
+            <a:extLst>
+              <a:ext uri="{FF2B5EF4-FFF2-40B4-BE49-F238E27FC236}">
+                <a16:creationId xmlns:a16="http://schemas.microsoft.com/office/drawing/2014/main" id="{D3412B10-F8EC-4ECD-9FB4-92DBFB0BF662}"/>
+              </a:ext>
+            </a:extLst>
+          </p:cNvPr>
+          <p:cNvPicPr>
+            <a:picLocks noChangeAspect="1"/>
+          </p:cNvPicPr>
+          <p:nvPr/>
+        </p:nvPicPr>
+        <p:blipFill rotWithShape="1">
+          <a:blip r:embed="rId2"/>
+          <a:srcRect l="3050" t="29751" r="3050" b="11977"/>
+          <a:stretch/>
+        </p:blipFill>
+        <p:spPr>
+          <a:xfrm>
+            <a:off x="5145800" y="793845"/>
+            <a:ext cx="6214533" cy="5452155"/>
+          </a:xfrm>
+          <a:prstGeom prst="rect">
+            <a:avLst/>
+          </a:prstGeom>
+        </p:spPr>
+      </p:pic>
+    </p:spTree>
+    <p:extLst>
+      <p:ext uri="{BB962C8B-B14F-4D97-AF65-F5344CB8AC3E}">
+        <p14:creationId xmlns:p14="http://schemas.microsoft.com/office/powerpoint/2010/main" val="3174141101"/>
+      </p:ext>
+    </p:extLst>
+  </p:cSld>
+  <p:clrMapOvr>
+    <a:masterClrMapping/>
+  </p:clrMapOvr>
+</p:sld>
+</file>
+
+<file path=ppt/slides/slide37.xml><?xml version="1.0" encoding="utf-8"?>
+<p:sld xmlns:a="http://schemas.openxmlformats.org/drawingml/2006/main" xmlns:r="http://schemas.openxmlformats.org/officeDocument/2006/relationships" xmlns:p="http://schemas.openxmlformats.org/presentationml/2006/main">
+  <p:cSld>
+    <p:spTree>
+      <p:nvGrpSpPr>
+        <p:cNvPr id="1" name=""/>
+        <p:cNvGrpSpPr/>
+        <p:nvPr/>
+      </p:nvGrpSpPr>
+      <p:grpSpPr>
+        <a:xfrm>
+          <a:off x="0" y="0"/>
+          <a:ext cx="0" cy="0"/>
+          <a:chOff x="0" y="0"/>
+          <a:chExt cx="0" cy="0"/>
+        </a:xfrm>
+      </p:grpSpPr>
+      <p:sp>
+        <p:nvSpPr>
+          <p:cNvPr id="2" name="Title 1">
+            <a:extLst>
+              <a:ext uri="{FF2B5EF4-FFF2-40B4-BE49-F238E27FC236}">
+                <a16:creationId xmlns:a16="http://schemas.microsoft.com/office/drawing/2014/main" id="{5AACE6E1-6A5D-4254-BDA8-C75CD8A44ED8}"/>
+              </a:ext>
+            </a:extLst>
+          </p:cNvPr>
+          <p:cNvSpPr>
+            <a:spLocks noGrp="1"/>
+          </p:cNvSpPr>
+          <p:nvPr>
+            <p:ph type="title"/>
+          </p:nvPr>
+        </p:nvSpPr>
+        <p:spPr/>
+        <p:txBody>
+          <a:bodyPr/>
+          <a:lstStyle/>
+          <a:p>
+            <a:r>
+              <a:rPr lang="nl-BE" dirty="0">
+                <a:solidFill>
+                  <a:srgbClr val="0085FE"/>
+                </a:solidFill>
+              </a:rPr>
+              <a:t>How are devices called upon</a:t>
+            </a:r>
+            <a:endParaRPr lang="en-US" dirty="0">
+              <a:solidFill>
+                <a:srgbClr val="0085FE"/>
+              </a:solidFill>
+            </a:endParaRPr>
+          </a:p>
+        </p:txBody>
+      </p:sp>
       <p:sp>
         <p:nvSpPr>
           <p:cNvPr id="3" name="Content Placeholder 2">
             <a:extLst>
               <a:ext uri="{FF2B5EF4-FFF2-40B4-BE49-F238E27FC236}">
-                <a16:creationId xmlns:a16="http://schemas.microsoft.com/office/drawing/2014/main" id="{58A98F98-F3F6-4D48-8A93-A83BE333E12E}"/>
+                <a16:creationId xmlns:a16="http://schemas.microsoft.com/office/drawing/2014/main" id="{FE17825A-63CE-4FE3-9311-77AAE3A9A027}"/>
               </a:ext>
             </a:extLst>
           </p:cNvPr>
@@ -15301,7 +16617,12 @@
             <p:ph idx="1"/>
           </p:nvPr>
         </p:nvSpPr>
-        <p:spPr/>
+        <p:spPr>
+          <a:xfrm>
+            <a:off x="534291" y="1451443"/>
+            <a:ext cx="9281274" cy="3090532"/>
+          </a:xfrm>
+        </p:spPr>
         <p:txBody>
           <a:bodyPr/>
           <a:lstStyle/>
@@ -15311,36 +16632,72 @@
               <a:buChar char="•"/>
             </a:pPr>
             <a:r>
+              <a:rPr lang="nl-BE" sz="2000" dirty="0"/>
+              <a:t>With use of the file/inventory file</a:t>
+            </a:r>
+          </a:p>
+          <a:p>
+            <a:pPr marL="815363" lvl="1" indent="-457200">
+              <a:buFont typeface="Arial" panose="020B0604020202020204" pitchFamily="34" charset="0"/>
+              <a:buChar char="•"/>
+            </a:pPr>
+            <a:r>
+              <a:rPr lang="nl-BE" sz="2000" dirty="0"/>
+              <a:t>Host-ID’s are for individual plays/tasks</a:t>
+            </a:r>
+          </a:p>
+          <a:p>
+            <a:pPr marL="815363" lvl="1" indent="-457200">
+              <a:buFont typeface="Arial" panose="020B0604020202020204" pitchFamily="34" charset="0"/>
+              <a:buChar char="•"/>
+            </a:pPr>
+            <a:r>
+              <a:rPr lang="nl-BE" sz="2000" dirty="0"/>
+              <a:t>Group name’s are for common plays</a:t>
+            </a:r>
+          </a:p>
+          <a:p>
+            <a:pPr marL="815363" lvl="1" indent="-457200">
+              <a:buFont typeface="Arial" panose="020B0604020202020204" pitchFamily="34" charset="0"/>
+              <a:buChar char="•"/>
+            </a:pPr>
+            <a:r>
+              <a:rPr lang="en-US" sz="2000" dirty="0"/>
+              <a:t>Variables are for groups or </a:t>
+            </a:r>
+          </a:p>
+          <a:p>
+            <a:pPr lvl="1"/>
+            <a:r>
+              <a:rPr lang="en-US" sz="2000" dirty="0"/>
+              <a:t>individual hosts (caution for spacing!)</a:t>
+            </a:r>
+          </a:p>
+        </p:txBody>
+      </p:sp>
+      <p:sp>
+        <p:nvSpPr>
+          <p:cNvPr id="4" name="Footer Placeholder 3">
+            <a:extLst>
+              <a:ext uri="{FF2B5EF4-FFF2-40B4-BE49-F238E27FC236}">
+                <a16:creationId xmlns:a16="http://schemas.microsoft.com/office/drawing/2014/main" id="{21588CFD-6B99-4D26-9B8E-BC7163B80B98}"/>
+              </a:ext>
+            </a:extLst>
+          </p:cNvPr>
+          <p:cNvSpPr>
+            <a:spLocks noGrp="1"/>
+          </p:cNvSpPr>
+          <p:nvPr>
+            <p:ph type="ftr" sz="quarter" idx="11"/>
+          </p:nvPr>
+        </p:nvSpPr>
+        <p:spPr/>
+        <p:txBody>
+          <a:bodyPr/>
+          <a:lstStyle/>
+          <a:p>
+            <a:r>
               <a:rPr lang="nl-BE" dirty="0"/>
-              <a:t>See Ansible paper</a:t>
-            </a:r>
-            <a:endParaRPr lang="en-US" dirty="0"/>
-          </a:p>
-        </p:txBody>
-      </p:sp>
-      <p:sp>
-        <p:nvSpPr>
-          <p:cNvPr id="4" name="Footer Placeholder 3">
-            <a:extLst>
-              <a:ext uri="{FF2B5EF4-FFF2-40B4-BE49-F238E27FC236}">
-                <a16:creationId xmlns:a16="http://schemas.microsoft.com/office/drawing/2014/main" id="{7C6F3A2E-2A91-4DE3-9CEB-AC7F46DF3ECA}"/>
-              </a:ext>
-            </a:extLst>
-          </p:cNvPr>
-          <p:cNvSpPr>
-            <a:spLocks noGrp="1"/>
-          </p:cNvSpPr>
-          <p:nvPr>
-            <p:ph type="ftr" sz="quarter" idx="11"/>
-          </p:nvPr>
-        </p:nvSpPr>
-        <p:spPr/>
-        <p:txBody>
-          <a:bodyPr/>
-          <a:lstStyle/>
-          <a:p>
-            <a:r>
-              <a:rPr lang="en-US" dirty="0"/>
               <a:t>Ansible - Introduction</a:t>
             </a:r>
           </a:p>
@@ -15351,7 +16708,7 @@
           <p:cNvPr id="5" name="Slide Number Placeholder 4">
             <a:extLst>
               <a:ext uri="{FF2B5EF4-FFF2-40B4-BE49-F238E27FC236}">
-                <a16:creationId xmlns:a16="http://schemas.microsoft.com/office/drawing/2014/main" id="{3349D7CC-7E04-49D2-A02E-DF8FCBEF1041}"/>
+                <a16:creationId xmlns:a16="http://schemas.microsoft.com/office/drawing/2014/main" id="{94A5AC1C-092E-4EC9-BA7C-4F212D666B50}"/>
               </a:ext>
             </a:extLst>
           </p:cNvPr>
@@ -15369,16 +16726,889 @@
           <a:p>
             <a:fld id="{FF88DA20-ED00-471C-9170-60F590CB400A}" type="slidenum">
               <a:rPr lang="nl-BE" smtClean="0"/>
-              <a:t>31</a:t>
+              <a:t>37</a:t>
             </a:fld>
             <a:endParaRPr lang="nl-BE"/>
           </a:p>
         </p:txBody>
       </p:sp>
+      <p:pic>
+        <p:nvPicPr>
+          <p:cNvPr id="10" name="Picture 9">
+            <a:extLst>
+              <a:ext uri="{FF2B5EF4-FFF2-40B4-BE49-F238E27FC236}">
+                <a16:creationId xmlns:a16="http://schemas.microsoft.com/office/drawing/2014/main" id="{A95D09E1-D029-4054-90EE-D10114570838}"/>
+              </a:ext>
+            </a:extLst>
+          </p:cNvPr>
+          <p:cNvPicPr>
+            <a:picLocks noChangeAspect="1"/>
+          </p:cNvPicPr>
+          <p:nvPr/>
+        </p:nvPicPr>
+        <p:blipFill>
+          <a:blip r:embed="rId2"/>
+          <a:stretch>
+            <a:fillRect/>
+          </a:stretch>
+        </p:blipFill>
+        <p:spPr>
+          <a:xfrm>
+            <a:off x="5387691" y="612000"/>
+            <a:ext cx="6408309" cy="5245157"/>
+          </a:xfrm>
+          <a:prstGeom prst="rect">
+            <a:avLst/>
+          </a:prstGeom>
+        </p:spPr>
+      </p:pic>
     </p:spTree>
     <p:extLst>
       <p:ext uri="{BB962C8B-B14F-4D97-AF65-F5344CB8AC3E}">
-        <p14:creationId xmlns:p14="http://schemas.microsoft.com/office/powerpoint/2010/main" val="3070564893"/>
+        <p14:creationId xmlns:p14="http://schemas.microsoft.com/office/powerpoint/2010/main" val="710880769"/>
+      </p:ext>
+    </p:extLst>
+  </p:cSld>
+  <p:clrMapOvr>
+    <a:masterClrMapping/>
+  </p:clrMapOvr>
+</p:sld>
+</file>
+
+<file path=ppt/slides/slide38.xml><?xml version="1.0" encoding="utf-8"?>
+<p:sld xmlns:a="http://schemas.openxmlformats.org/drawingml/2006/main" xmlns:r="http://schemas.openxmlformats.org/officeDocument/2006/relationships" xmlns:p="http://schemas.openxmlformats.org/presentationml/2006/main">
+  <p:cSld>
+    <p:spTree>
+      <p:nvGrpSpPr>
+        <p:cNvPr id="1" name=""/>
+        <p:cNvGrpSpPr/>
+        <p:nvPr/>
+      </p:nvGrpSpPr>
+      <p:grpSpPr>
+        <a:xfrm>
+          <a:off x="0" y="0"/>
+          <a:ext cx="0" cy="0"/>
+          <a:chOff x="0" y="0"/>
+          <a:chExt cx="0" cy="0"/>
+        </a:xfrm>
+      </p:grpSpPr>
+      <p:sp>
+        <p:nvSpPr>
+          <p:cNvPr id="2" name="Title 1">
+            <a:extLst>
+              <a:ext uri="{FF2B5EF4-FFF2-40B4-BE49-F238E27FC236}">
+                <a16:creationId xmlns:a16="http://schemas.microsoft.com/office/drawing/2014/main" id="{5AACE6E1-6A5D-4254-BDA8-C75CD8A44ED8}"/>
+              </a:ext>
+            </a:extLst>
+          </p:cNvPr>
+          <p:cNvSpPr>
+            <a:spLocks noGrp="1"/>
+          </p:cNvSpPr>
+          <p:nvPr>
+            <p:ph type="title"/>
+          </p:nvPr>
+        </p:nvSpPr>
+        <p:spPr/>
+        <p:txBody>
+          <a:bodyPr/>
+          <a:lstStyle/>
+          <a:p>
+            <a:r>
+              <a:rPr lang="nl-BE" dirty="0">
+                <a:solidFill>
+                  <a:srgbClr val="0085FE"/>
+                </a:solidFill>
+              </a:rPr>
+              <a:t>Connect hosts/groups to roles</a:t>
+            </a:r>
+            <a:endParaRPr lang="en-US" dirty="0">
+              <a:solidFill>
+                <a:srgbClr val="0085FE"/>
+              </a:solidFill>
+            </a:endParaRPr>
+          </a:p>
+        </p:txBody>
+      </p:sp>
+      <p:sp>
+        <p:nvSpPr>
+          <p:cNvPr id="3" name="Content Placeholder 2">
+            <a:extLst>
+              <a:ext uri="{FF2B5EF4-FFF2-40B4-BE49-F238E27FC236}">
+                <a16:creationId xmlns:a16="http://schemas.microsoft.com/office/drawing/2014/main" id="{FE17825A-63CE-4FE3-9311-77AAE3A9A027}"/>
+              </a:ext>
+            </a:extLst>
+          </p:cNvPr>
+          <p:cNvSpPr>
+            <a:spLocks noGrp="1"/>
+          </p:cNvSpPr>
+          <p:nvPr>
+            <p:ph idx="1"/>
+          </p:nvPr>
+        </p:nvSpPr>
+        <p:spPr>
+          <a:xfrm>
+            <a:off x="534291" y="1142279"/>
+            <a:ext cx="9281274" cy="3090532"/>
+          </a:xfrm>
+        </p:spPr>
+        <p:txBody>
+          <a:bodyPr/>
+          <a:lstStyle/>
+          <a:p>
+            <a:pPr marL="457200" indent="-457200">
+              <a:buFont typeface="Arial" panose="020B0604020202020204" pitchFamily="34" charset="0"/>
+              <a:buChar char="•"/>
+            </a:pPr>
+            <a:r>
+              <a:rPr lang="nl-BE" sz="2000" dirty="0"/>
+              <a:t>Roles/groups are linked to each other in the playbook</a:t>
+            </a:r>
+          </a:p>
+          <a:p>
+            <a:pPr marL="457200" indent="-457200">
+              <a:buFont typeface="Arial" panose="020B0604020202020204" pitchFamily="34" charset="0"/>
+              <a:buChar char="•"/>
+            </a:pPr>
+            <a:r>
+              <a:rPr lang="nl-BE" sz="2000" dirty="0"/>
+              <a:t>Roles are linked to a group or host</a:t>
+            </a:r>
+          </a:p>
+          <a:p>
+            <a:r>
+              <a:rPr lang="nl-BE" sz="1800" dirty="0"/>
+              <a:t>(Which roles are specified under specific group are own choice)</a:t>
+            </a:r>
+          </a:p>
+          <a:p>
+            <a:pPr marL="457200" indent="-457200">
+              <a:buFont typeface="Arial" panose="020B0604020202020204" pitchFamily="34" charset="0"/>
+              <a:buChar char="•"/>
+            </a:pPr>
+            <a:r>
+              <a:rPr lang="nl-BE" sz="2000" dirty="0"/>
+              <a:t>Playbook can have different name than “playbook”</a:t>
+            </a:r>
+          </a:p>
+          <a:p>
+            <a:endParaRPr lang="nl-BE" sz="2000" b="1" dirty="0"/>
+          </a:p>
+          <a:p>
+            <a:endParaRPr lang="en-US" sz="2000" dirty="0"/>
+          </a:p>
+        </p:txBody>
+      </p:sp>
+      <p:sp>
+        <p:nvSpPr>
+          <p:cNvPr id="4" name="Footer Placeholder 3">
+            <a:extLst>
+              <a:ext uri="{FF2B5EF4-FFF2-40B4-BE49-F238E27FC236}">
+                <a16:creationId xmlns:a16="http://schemas.microsoft.com/office/drawing/2014/main" id="{21588CFD-6B99-4D26-9B8E-BC7163B80B98}"/>
+              </a:ext>
+            </a:extLst>
+          </p:cNvPr>
+          <p:cNvSpPr>
+            <a:spLocks noGrp="1"/>
+          </p:cNvSpPr>
+          <p:nvPr>
+            <p:ph type="ftr" sz="quarter" idx="11"/>
+          </p:nvPr>
+        </p:nvSpPr>
+        <p:spPr/>
+        <p:txBody>
+          <a:bodyPr/>
+          <a:lstStyle/>
+          <a:p>
+            <a:r>
+              <a:rPr lang="nl-BE" dirty="0"/>
+              <a:t>Ansible - Introduction</a:t>
+            </a:r>
+          </a:p>
+        </p:txBody>
+      </p:sp>
+      <p:sp>
+        <p:nvSpPr>
+          <p:cNvPr id="5" name="Slide Number Placeholder 4">
+            <a:extLst>
+              <a:ext uri="{FF2B5EF4-FFF2-40B4-BE49-F238E27FC236}">
+                <a16:creationId xmlns:a16="http://schemas.microsoft.com/office/drawing/2014/main" id="{94A5AC1C-092E-4EC9-BA7C-4F212D666B50}"/>
+              </a:ext>
+            </a:extLst>
+          </p:cNvPr>
+          <p:cNvSpPr>
+            <a:spLocks noGrp="1"/>
+          </p:cNvSpPr>
+          <p:nvPr>
+            <p:ph type="sldNum" sz="quarter" idx="12"/>
+          </p:nvPr>
+        </p:nvSpPr>
+        <p:spPr/>
+        <p:txBody>
+          <a:bodyPr/>
+          <a:lstStyle/>
+          <a:p>
+            <a:fld id="{FF88DA20-ED00-471C-9170-60F590CB400A}" type="slidenum">
+              <a:rPr lang="nl-BE" smtClean="0"/>
+              <a:t>38</a:t>
+            </a:fld>
+            <a:endParaRPr lang="nl-BE"/>
+          </a:p>
+        </p:txBody>
+      </p:sp>
+      <p:pic>
+        <p:nvPicPr>
+          <p:cNvPr id="7" name="Picture 6">
+            <a:extLst>
+              <a:ext uri="{FF2B5EF4-FFF2-40B4-BE49-F238E27FC236}">
+                <a16:creationId xmlns:a16="http://schemas.microsoft.com/office/drawing/2014/main" id="{0610CE46-01DF-44CC-B2AA-569D3067677E}"/>
+              </a:ext>
+            </a:extLst>
+          </p:cNvPr>
+          <p:cNvPicPr>
+            <a:picLocks noChangeAspect="1"/>
+          </p:cNvPicPr>
+          <p:nvPr/>
+        </p:nvPicPr>
+        <p:blipFill>
+          <a:blip r:embed="rId2"/>
+          <a:stretch>
+            <a:fillRect/>
+          </a:stretch>
+        </p:blipFill>
+        <p:spPr>
+          <a:xfrm>
+            <a:off x="3024834" y="2804193"/>
+            <a:ext cx="7802099" cy="3917793"/>
+          </a:xfrm>
+          <a:prstGeom prst="rect">
+            <a:avLst/>
+          </a:prstGeom>
+        </p:spPr>
+      </p:pic>
+    </p:spTree>
+    <p:extLst>
+      <p:ext uri="{BB962C8B-B14F-4D97-AF65-F5344CB8AC3E}">
+        <p14:creationId xmlns:p14="http://schemas.microsoft.com/office/powerpoint/2010/main" val="1642633515"/>
+      </p:ext>
+    </p:extLst>
+  </p:cSld>
+  <p:clrMapOvr>
+    <a:masterClrMapping/>
+  </p:clrMapOvr>
+</p:sld>
+</file>
+
+<file path=ppt/slides/slide39.xml><?xml version="1.0" encoding="utf-8"?>
+<p:sld xmlns:a="http://schemas.openxmlformats.org/drawingml/2006/main" xmlns:r="http://schemas.openxmlformats.org/officeDocument/2006/relationships" xmlns:p="http://schemas.openxmlformats.org/presentationml/2006/main">
+  <p:cSld>
+    <p:spTree>
+      <p:nvGrpSpPr>
+        <p:cNvPr id="1" name=""/>
+        <p:cNvGrpSpPr/>
+        <p:nvPr/>
+      </p:nvGrpSpPr>
+      <p:grpSpPr>
+        <a:xfrm>
+          <a:off x="0" y="0"/>
+          <a:ext cx="0" cy="0"/>
+          <a:chOff x="0" y="0"/>
+          <a:chExt cx="0" cy="0"/>
+        </a:xfrm>
+      </p:grpSpPr>
+      <p:sp>
+        <p:nvSpPr>
+          <p:cNvPr id="2" name="Title 1">
+            <a:extLst>
+              <a:ext uri="{FF2B5EF4-FFF2-40B4-BE49-F238E27FC236}">
+                <a16:creationId xmlns:a16="http://schemas.microsoft.com/office/drawing/2014/main" id="{516AF402-B805-463A-8761-2006D370D7AC}"/>
+              </a:ext>
+            </a:extLst>
+          </p:cNvPr>
+          <p:cNvSpPr>
+            <a:spLocks noGrp="1"/>
+          </p:cNvSpPr>
+          <p:nvPr>
+            <p:ph type="title"/>
+          </p:nvPr>
+        </p:nvSpPr>
+        <p:spPr/>
+        <p:txBody>
+          <a:bodyPr/>
+          <a:lstStyle/>
+          <a:p>
+            <a:r>
+              <a:rPr lang="nl-BE" dirty="0">
+                <a:solidFill>
+                  <a:srgbClr val="0085FE"/>
+                </a:solidFill>
+              </a:rPr>
+              <a:t>Tasks and used modules</a:t>
+            </a:r>
+            <a:endParaRPr lang="en-US" dirty="0">
+              <a:solidFill>
+                <a:srgbClr val="0085FE"/>
+              </a:solidFill>
+            </a:endParaRPr>
+          </a:p>
+        </p:txBody>
+      </p:sp>
+      <p:sp>
+        <p:nvSpPr>
+          <p:cNvPr id="4" name="Footer Placeholder 3">
+            <a:extLst>
+              <a:ext uri="{FF2B5EF4-FFF2-40B4-BE49-F238E27FC236}">
+                <a16:creationId xmlns:a16="http://schemas.microsoft.com/office/drawing/2014/main" id="{D1A712F8-4B7E-4E93-B599-0230989E62FF}"/>
+              </a:ext>
+            </a:extLst>
+          </p:cNvPr>
+          <p:cNvSpPr>
+            <a:spLocks noGrp="1"/>
+          </p:cNvSpPr>
+          <p:nvPr>
+            <p:ph type="ftr" sz="quarter" idx="11"/>
+          </p:nvPr>
+        </p:nvSpPr>
+        <p:spPr/>
+        <p:txBody>
+          <a:bodyPr/>
+          <a:lstStyle/>
+          <a:p>
+            <a:r>
+              <a:rPr lang="en-US" dirty="0"/>
+              <a:t>Ansible - Introduction</a:t>
+            </a:r>
+          </a:p>
+        </p:txBody>
+      </p:sp>
+      <p:sp>
+        <p:nvSpPr>
+          <p:cNvPr id="5" name="Slide Number Placeholder 4">
+            <a:extLst>
+              <a:ext uri="{FF2B5EF4-FFF2-40B4-BE49-F238E27FC236}">
+                <a16:creationId xmlns:a16="http://schemas.microsoft.com/office/drawing/2014/main" id="{4D9DDEC3-4B59-4F49-A668-524CBFFAA4F2}"/>
+              </a:ext>
+            </a:extLst>
+          </p:cNvPr>
+          <p:cNvSpPr>
+            <a:spLocks noGrp="1"/>
+          </p:cNvSpPr>
+          <p:nvPr>
+            <p:ph type="sldNum" sz="quarter" idx="12"/>
+          </p:nvPr>
+        </p:nvSpPr>
+        <p:spPr/>
+        <p:txBody>
+          <a:bodyPr/>
+          <a:lstStyle/>
+          <a:p>
+            <a:fld id="{FF88DA20-ED00-471C-9170-60F590CB400A}" type="slidenum">
+              <a:rPr lang="nl-BE" smtClean="0"/>
+              <a:t>39</a:t>
+            </a:fld>
+            <a:endParaRPr lang="nl-BE"/>
+          </a:p>
+        </p:txBody>
+      </p:sp>
+      <p:pic>
+        <p:nvPicPr>
+          <p:cNvPr id="12" name="Picture 11">
+            <a:extLst>
+              <a:ext uri="{FF2B5EF4-FFF2-40B4-BE49-F238E27FC236}">
+                <a16:creationId xmlns:a16="http://schemas.microsoft.com/office/drawing/2014/main" id="{61509144-B87C-4D8C-96F2-42648D3B6C38}"/>
+              </a:ext>
+            </a:extLst>
+          </p:cNvPr>
+          <p:cNvPicPr>
+            <a:picLocks noChangeAspect="1"/>
+          </p:cNvPicPr>
+          <p:nvPr/>
+        </p:nvPicPr>
+        <p:blipFill rotWithShape="1">
+          <a:blip r:embed="rId2"/>
+          <a:srcRect t="26427" r="23020" b="50000"/>
+          <a:stretch/>
+        </p:blipFill>
+        <p:spPr>
+          <a:xfrm>
+            <a:off x="678291" y="3521427"/>
+            <a:ext cx="2567775" cy="1616609"/>
+          </a:xfrm>
+          <a:prstGeom prst="rect">
+            <a:avLst/>
+          </a:prstGeom>
+        </p:spPr>
+      </p:pic>
+      <p:cxnSp>
+        <p:nvCxnSpPr>
+          <p:cNvPr id="19" name="Straight Arrow Connector 18">
+            <a:extLst>
+              <a:ext uri="{FF2B5EF4-FFF2-40B4-BE49-F238E27FC236}">
+                <a16:creationId xmlns:a16="http://schemas.microsoft.com/office/drawing/2014/main" id="{75004B0D-A897-4B60-8F47-78ED49EF3BEE}"/>
+              </a:ext>
+            </a:extLst>
+          </p:cNvPr>
+          <p:cNvCxnSpPr>
+            <a:cxnSpLocks/>
+          </p:cNvCxnSpPr>
+          <p:nvPr/>
+        </p:nvCxnSpPr>
+        <p:spPr>
+          <a:xfrm>
+            <a:off x="2128774" y="2140891"/>
+            <a:ext cx="0" cy="522115"/>
+          </a:xfrm>
+          <a:prstGeom prst="straightConnector1">
+            <a:avLst/>
+          </a:prstGeom>
+          <a:ln>
+            <a:tailEnd type="triangle"/>
+          </a:ln>
+        </p:spPr>
+        <p:style>
+          <a:lnRef idx="1">
+            <a:schemeClr val="accent1"/>
+          </a:lnRef>
+          <a:fillRef idx="0">
+            <a:schemeClr val="accent1"/>
+          </a:fillRef>
+          <a:effectRef idx="0">
+            <a:schemeClr val="accent1"/>
+          </a:effectRef>
+          <a:fontRef idx="minor">
+            <a:schemeClr val="tx1"/>
+          </a:fontRef>
+        </p:style>
+      </p:cxnSp>
+      <p:cxnSp>
+        <p:nvCxnSpPr>
+          <p:cNvPr id="21" name="Straight Arrow Connector 20">
+            <a:extLst>
+              <a:ext uri="{FF2B5EF4-FFF2-40B4-BE49-F238E27FC236}">
+                <a16:creationId xmlns:a16="http://schemas.microsoft.com/office/drawing/2014/main" id="{E90E9838-EE7E-4647-BF2D-FC83D623053A}"/>
+              </a:ext>
+            </a:extLst>
+          </p:cNvPr>
+          <p:cNvCxnSpPr>
+            <a:cxnSpLocks/>
+          </p:cNvCxnSpPr>
+          <p:nvPr/>
+        </p:nvCxnSpPr>
+        <p:spPr>
+          <a:xfrm>
+            <a:off x="2128774" y="3054787"/>
+            <a:ext cx="0" cy="467290"/>
+          </a:xfrm>
+          <a:prstGeom prst="straightConnector1">
+            <a:avLst/>
+          </a:prstGeom>
+          <a:ln>
+            <a:tailEnd type="triangle"/>
+          </a:ln>
+        </p:spPr>
+        <p:style>
+          <a:lnRef idx="1">
+            <a:schemeClr val="accent1"/>
+          </a:lnRef>
+          <a:fillRef idx="0">
+            <a:schemeClr val="accent1"/>
+          </a:fillRef>
+          <a:effectRef idx="0">
+            <a:schemeClr val="accent1"/>
+          </a:effectRef>
+          <a:fontRef idx="minor">
+            <a:schemeClr val="tx1"/>
+          </a:fontRef>
+        </p:style>
+      </p:cxnSp>
+      <p:pic>
+        <p:nvPicPr>
+          <p:cNvPr id="33" name="Picture 32">
+            <a:extLst>
+              <a:ext uri="{FF2B5EF4-FFF2-40B4-BE49-F238E27FC236}">
+                <a16:creationId xmlns:a16="http://schemas.microsoft.com/office/drawing/2014/main" id="{6927A087-B4BF-43A7-B89F-8A1A09D13207}"/>
+              </a:ext>
+            </a:extLst>
+          </p:cNvPr>
+          <p:cNvPicPr>
+            <a:picLocks noChangeAspect="1"/>
+          </p:cNvPicPr>
+          <p:nvPr/>
+        </p:nvPicPr>
+        <p:blipFill>
+          <a:blip r:embed="rId3"/>
+          <a:stretch>
+            <a:fillRect/>
+          </a:stretch>
+        </p:blipFill>
+        <p:spPr>
+          <a:xfrm>
+            <a:off x="9712144" y="448153"/>
+            <a:ext cx="2054870" cy="2656715"/>
+          </a:xfrm>
+          <a:prstGeom prst="rect">
+            <a:avLst/>
+          </a:prstGeom>
+        </p:spPr>
+      </p:pic>
+      <p:sp>
+        <p:nvSpPr>
+          <p:cNvPr id="36" name="TextBox 35">
+            <a:extLst>
+              <a:ext uri="{FF2B5EF4-FFF2-40B4-BE49-F238E27FC236}">
+                <a16:creationId xmlns:a16="http://schemas.microsoft.com/office/drawing/2014/main" id="{8F39B721-D73A-4FE1-8427-638C6BF2BF32}"/>
+              </a:ext>
+            </a:extLst>
+          </p:cNvPr>
+          <p:cNvSpPr txBox="1"/>
+          <p:nvPr/>
+        </p:nvSpPr>
+        <p:spPr>
+          <a:xfrm>
+            <a:off x="9321433" y="3169760"/>
+            <a:ext cx="2658712" cy="276999"/>
+          </a:xfrm>
+          <a:prstGeom prst="rect">
+            <a:avLst/>
+          </a:prstGeom>
+          <a:noFill/>
+        </p:spPr>
+        <p:txBody>
+          <a:bodyPr wrap="square" rtlCol="0">
+            <a:spAutoFit/>
+          </a:bodyPr>
+          <a:lstStyle/>
+          <a:p>
+            <a:r>
+              <a:rPr lang="nl-BE" sz="1200" b="1" dirty="0"/>
+              <a:t>Not in playbook.yml but in task/main.yml</a:t>
+            </a:r>
+          </a:p>
+        </p:txBody>
+      </p:sp>
+      <p:pic>
+        <p:nvPicPr>
+          <p:cNvPr id="42" name="Picture 41">
+            <a:extLst>
+              <a:ext uri="{FF2B5EF4-FFF2-40B4-BE49-F238E27FC236}">
+                <a16:creationId xmlns:a16="http://schemas.microsoft.com/office/drawing/2014/main" id="{48885652-985C-4A1E-A1AD-01BAF8CEB1C5}"/>
+              </a:ext>
+            </a:extLst>
+          </p:cNvPr>
+          <p:cNvPicPr>
+            <a:picLocks noChangeAspect="1"/>
+          </p:cNvPicPr>
+          <p:nvPr/>
+        </p:nvPicPr>
+        <p:blipFill>
+          <a:blip r:embed="rId4"/>
+          <a:stretch>
+            <a:fillRect/>
+          </a:stretch>
+        </p:blipFill>
+        <p:spPr>
+          <a:xfrm>
+            <a:off x="678291" y="1106375"/>
+            <a:ext cx="3272525" cy="1103784"/>
+          </a:xfrm>
+          <a:prstGeom prst="rect">
+            <a:avLst/>
+          </a:prstGeom>
+        </p:spPr>
+      </p:pic>
+      <p:pic>
+        <p:nvPicPr>
+          <p:cNvPr id="50" name="Picture 49">
+            <a:extLst>
+              <a:ext uri="{FF2B5EF4-FFF2-40B4-BE49-F238E27FC236}">
+                <a16:creationId xmlns:a16="http://schemas.microsoft.com/office/drawing/2014/main" id="{8D473DFE-B475-4AE5-AF64-06BDD37930A1}"/>
+              </a:ext>
+            </a:extLst>
+          </p:cNvPr>
+          <p:cNvPicPr>
+            <a:picLocks noChangeAspect="1"/>
+          </p:cNvPicPr>
+          <p:nvPr/>
+        </p:nvPicPr>
+        <p:blipFill>
+          <a:blip r:embed="rId5"/>
+          <a:stretch>
+            <a:fillRect/>
+          </a:stretch>
+        </p:blipFill>
+        <p:spPr>
+          <a:xfrm>
+            <a:off x="4610212" y="442272"/>
+            <a:ext cx="2971576" cy="2865987"/>
+          </a:xfrm>
+          <a:prstGeom prst="rect">
+            <a:avLst/>
+          </a:prstGeom>
+        </p:spPr>
+      </p:pic>
+      <p:pic>
+        <p:nvPicPr>
+          <p:cNvPr id="52" name="Picture 51">
+            <a:extLst>
+              <a:ext uri="{FF2B5EF4-FFF2-40B4-BE49-F238E27FC236}">
+                <a16:creationId xmlns:a16="http://schemas.microsoft.com/office/drawing/2014/main" id="{87AC6E72-E164-4E8D-B8E1-BA5B5F2573DC}"/>
+              </a:ext>
+            </a:extLst>
+          </p:cNvPr>
+          <p:cNvPicPr>
+            <a:picLocks noChangeAspect="1"/>
+          </p:cNvPicPr>
+          <p:nvPr/>
+        </p:nvPicPr>
+        <p:blipFill>
+          <a:blip r:embed="rId6"/>
+          <a:stretch>
+            <a:fillRect/>
+          </a:stretch>
+        </p:blipFill>
+        <p:spPr>
+          <a:xfrm>
+            <a:off x="4714263" y="3550672"/>
+            <a:ext cx="3713906" cy="1853333"/>
+          </a:xfrm>
+          <a:prstGeom prst="rect">
+            <a:avLst/>
+          </a:prstGeom>
+        </p:spPr>
+      </p:pic>
+      <p:cxnSp>
+        <p:nvCxnSpPr>
+          <p:cNvPr id="54" name="Connector: Elbow 53">
+            <a:extLst>
+              <a:ext uri="{FF2B5EF4-FFF2-40B4-BE49-F238E27FC236}">
+                <a16:creationId xmlns:a16="http://schemas.microsoft.com/office/drawing/2014/main" id="{B05FD79B-42FB-420F-BFAC-85FFBFC975B1}"/>
+              </a:ext>
+            </a:extLst>
+          </p:cNvPr>
+          <p:cNvCxnSpPr>
+            <a:cxnSpLocks/>
+            <a:stCxn id="12" idx="2"/>
+            <a:endCxn id="50" idx="0"/>
+          </p:cNvCxnSpPr>
+          <p:nvPr/>
+        </p:nvCxnSpPr>
+        <p:spPr>
+          <a:xfrm rot="5400000" flipH="1" flipV="1">
+            <a:off x="1681207" y="723243"/>
+            <a:ext cx="4695764" cy="4133821"/>
+          </a:xfrm>
+          <a:prstGeom prst="bentConnector5">
+            <a:avLst>
+              <a:gd name="adj1" fmla="val -4868"/>
+              <a:gd name="adj2" fmla="val 56570"/>
+              <a:gd name="adj3" fmla="val 104868"/>
+            </a:avLst>
+          </a:prstGeom>
+          <a:ln>
+            <a:tailEnd type="triangle"/>
+          </a:ln>
+        </p:spPr>
+        <p:style>
+          <a:lnRef idx="1">
+            <a:schemeClr val="accent1"/>
+          </a:lnRef>
+          <a:fillRef idx="0">
+            <a:schemeClr val="accent1"/>
+          </a:fillRef>
+          <a:effectRef idx="0">
+            <a:schemeClr val="accent1"/>
+          </a:effectRef>
+          <a:fontRef idx="minor">
+            <a:schemeClr val="tx1"/>
+          </a:fontRef>
+        </p:style>
+      </p:cxnSp>
+      <p:cxnSp>
+        <p:nvCxnSpPr>
+          <p:cNvPr id="58" name="Straight Arrow Connector 57">
+            <a:extLst>
+              <a:ext uri="{FF2B5EF4-FFF2-40B4-BE49-F238E27FC236}">
+                <a16:creationId xmlns:a16="http://schemas.microsoft.com/office/drawing/2014/main" id="{6089ABCF-207E-40F2-B287-9125286065CB}"/>
+              </a:ext>
+            </a:extLst>
+          </p:cNvPr>
+          <p:cNvCxnSpPr>
+            <a:cxnSpLocks/>
+            <a:stCxn id="50" idx="2"/>
+          </p:cNvCxnSpPr>
+          <p:nvPr/>
+        </p:nvCxnSpPr>
+        <p:spPr>
+          <a:xfrm>
+            <a:off x="6096000" y="3308259"/>
+            <a:ext cx="0" cy="241483"/>
+          </a:xfrm>
+          <a:prstGeom prst="straightConnector1">
+            <a:avLst/>
+          </a:prstGeom>
+          <a:ln>
+            <a:tailEnd type="triangle"/>
+          </a:ln>
+        </p:spPr>
+        <p:style>
+          <a:lnRef idx="1">
+            <a:schemeClr val="accent1"/>
+          </a:lnRef>
+          <a:fillRef idx="0">
+            <a:schemeClr val="accent1"/>
+          </a:fillRef>
+          <a:effectRef idx="0">
+            <a:schemeClr val="accent1"/>
+          </a:effectRef>
+          <a:fontRef idx="minor">
+            <a:schemeClr val="tx1"/>
+          </a:fontRef>
+        </p:style>
+      </p:cxnSp>
+      <p:cxnSp>
+        <p:nvCxnSpPr>
+          <p:cNvPr id="61" name="Connector: Elbow 60">
+            <a:extLst>
+              <a:ext uri="{FF2B5EF4-FFF2-40B4-BE49-F238E27FC236}">
+                <a16:creationId xmlns:a16="http://schemas.microsoft.com/office/drawing/2014/main" id="{8B78ECF8-9008-46B4-BF95-082860F05C5E}"/>
+              </a:ext>
+            </a:extLst>
+          </p:cNvPr>
+          <p:cNvCxnSpPr>
+            <a:cxnSpLocks/>
+            <a:stCxn id="52" idx="3"/>
+            <a:endCxn id="66" idx="0"/>
+          </p:cNvCxnSpPr>
+          <p:nvPr/>
+        </p:nvCxnSpPr>
+        <p:spPr>
+          <a:xfrm>
+            <a:off x="8428169" y="4477339"/>
+            <a:ext cx="1725923" cy="984874"/>
+          </a:xfrm>
+          <a:prstGeom prst="bentConnector2">
+            <a:avLst/>
+          </a:prstGeom>
+          <a:ln>
+            <a:tailEnd type="triangle"/>
+          </a:ln>
+        </p:spPr>
+        <p:style>
+          <a:lnRef idx="1">
+            <a:schemeClr val="accent1"/>
+          </a:lnRef>
+          <a:fillRef idx="0">
+            <a:schemeClr val="accent1"/>
+          </a:fillRef>
+          <a:effectRef idx="0">
+            <a:schemeClr val="accent1"/>
+          </a:effectRef>
+          <a:fontRef idx="minor">
+            <a:schemeClr val="tx1"/>
+          </a:fontRef>
+        </p:style>
+      </p:cxnSp>
+      <p:pic>
+        <p:nvPicPr>
+          <p:cNvPr id="66" name="Picture 65">
+            <a:extLst>
+              <a:ext uri="{FF2B5EF4-FFF2-40B4-BE49-F238E27FC236}">
+                <a16:creationId xmlns:a16="http://schemas.microsoft.com/office/drawing/2014/main" id="{7F822350-50A4-45C9-A909-252B278AAA39}"/>
+              </a:ext>
+            </a:extLst>
+          </p:cNvPr>
+          <p:cNvPicPr>
+            <a:picLocks noChangeAspect="1"/>
+          </p:cNvPicPr>
+          <p:nvPr/>
+        </p:nvPicPr>
+        <p:blipFill>
+          <a:blip r:embed="rId7"/>
+          <a:stretch>
+            <a:fillRect/>
+          </a:stretch>
+        </p:blipFill>
+        <p:spPr>
+          <a:xfrm>
+            <a:off x="8116184" y="5462213"/>
+            <a:ext cx="4075816" cy="1406697"/>
+          </a:xfrm>
+          <a:prstGeom prst="rect">
+            <a:avLst/>
+          </a:prstGeom>
+        </p:spPr>
+      </p:pic>
+      <p:pic>
+        <p:nvPicPr>
+          <p:cNvPr id="69" name="Picture 68">
+            <a:extLst>
+              <a:ext uri="{FF2B5EF4-FFF2-40B4-BE49-F238E27FC236}">
+                <a16:creationId xmlns:a16="http://schemas.microsoft.com/office/drawing/2014/main" id="{A5567FCD-8DFA-48BF-820D-696EC8981BBC}"/>
+              </a:ext>
+            </a:extLst>
+          </p:cNvPr>
+          <p:cNvPicPr>
+            <a:picLocks noChangeAspect="1"/>
+          </p:cNvPicPr>
+          <p:nvPr/>
+        </p:nvPicPr>
+        <p:blipFill rotWithShape="1">
+          <a:blip r:embed="rId8"/>
+          <a:srcRect r="-1879" b="62315"/>
+          <a:stretch/>
+        </p:blipFill>
+        <p:spPr>
+          <a:xfrm>
+            <a:off x="913832" y="2692685"/>
+            <a:ext cx="2801442" cy="362102"/>
+          </a:xfrm>
+          <a:prstGeom prst="rect">
+            <a:avLst/>
+          </a:prstGeom>
+        </p:spPr>
+      </p:pic>
+      <p:pic>
+        <p:nvPicPr>
+          <p:cNvPr id="72" name="Picture 71">
+            <a:extLst>
+              <a:ext uri="{FF2B5EF4-FFF2-40B4-BE49-F238E27FC236}">
+                <a16:creationId xmlns:a16="http://schemas.microsoft.com/office/drawing/2014/main" id="{053C982C-0E2A-4C10-BF54-4E921F3BF353}"/>
+              </a:ext>
+            </a:extLst>
+          </p:cNvPr>
+          <p:cNvPicPr>
+            <a:picLocks noChangeAspect="1"/>
+          </p:cNvPicPr>
+          <p:nvPr/>
+        </p:nvPicPr>
+        <p:blipFill rotWithShape="1">
+          <a:blip r:embed="rId9"/>
+          <a:srcRect r="14511" b="21246"/>
+          <a:stretch/>
+        </p:blipFill>
+        <p:spPr>
+          <a:xfrm>
+            <a:off x="3715274" y="5998242"/>
+            <a:ext cx="1853425" cy="604709"/>
+          </a:xfrm>
+          <a:prstGeom prst="rect">
+            <a:avLst/>
+          </a:prstGeom>
+          <a:ln>
+            <a:noFill/>
+          </a:ln>
+          <a:effectLst>
+            <a:outerShdw blurRad="190500" algn="tl" rotWithShape="0">
+              <a:srgbClr val="000000">
+                <a:alpha val="70000"/>
+              </a:srgbClr>
+            </a:outerShdw>
+          </a:effectLst>
+        </p:spPr>
+      </p:pic>
+    </p:spTree>
+    <p:extLst>
+      <p:ext uri="{BB962C8B-B14F-4D97-AF65-F5344CB8AC3E}">
+        <p14:creationId xmlns:p14="http://schemas.microsoft.com/office/powerpoint/2010/main" val="2369688689"/>
       </p:ext>
     </p:extLst>
   </p:cSld>
@@ -15550,6 +17780,392 @@
     <p:extLst>
       <p:ext uri="{BB962C8B-B14F-4D97-AF65-F5344CB8AC3E}">
         <p14:creationId xmlns:p14="http://schemas.microsoft.com/office/powerpoint/2010/main" val="2965850075"/>
+      </p:ext>
+    </p:extLst>
+  </p:cSld>
+  <p:clrMapOvr>
+    <a:masterClrMapping/>
+  </p:clrMapOvr>
+</p:sld>
+</file>
+
+<file path=ppt/slides/slide40.xml><?xml version="1.0" encoding="utf-8"?>
+<p:sld xmlns:a="http://schemas.openxmlformats.org/drawingml/2006/main" xmlns:r="http://schemas.openxmlformats.org/officeDocument/2006/relationships" xmlns:p="http://schemas.openxmlformats.org/presentationml/2006/main">
+  <p:cSld>
+    <p:spTree>
+      <p:nvGrpSpPr>
+        <p:cNvPr id="1" name=""/>
+        <p:cNvGrpSpPr/>
+        <p:nvPr/>
+      </p:nvGrpSpPr>
+      <p:grpSpPr>
+        <a:xfrm>
+          <a:off x="0" y="0"/>
+          <a:ext cx="0" cy="0"/>
+          <a:chOff x="0" y="0"/>
+          <a:chExt cx="0" cy="0"/>
+        </a:xfrm>
+      </p:grpSpPr>
+      <p:sp>
+        <p:nvSpPr>
+          <p:cNvPr id="3" name="Content Placeholder 2">
+            <a:extLst>
+              <a:ext uri="{FF2B5EF4-FFF2-40B4-BE49-F238E27FC236}">
+                <a16:creationId xmlns:a16="http://schemas.microsoft.com/office/drawing/2014/main" id="{51AE9555-3952-4843-8008-7DD11BF43BAC}"/>
+              </a:ext>
+            </a:extLst>
+          </p:cNvPr>
+          <p:cNvSpPr>
+            <a:spLocks noGrp="1"/>
+          </p:cNvSpPr>
+          <p:nvPr>
+            <p:ph idx="1"/>
+          </p:nvPr>
+        </p:nvSpPr>
+        <p:spPr>
+          <a:xfrm>
+            <a:off x="469285" y="1028051"/>
+            <a:ext cx="9281274" cy="3090532"/>
+          </a:xfrm>
+        </p:spPr>
+        <p:txBody>
+          <a:bodyPr/>
+          <a:lstStyle/>
+          <a:p>
+            <a:pPr marL="457200" indent="-457200">
+              <a:buFont typeface="Arial" panose="020B0604020202020204" pitchFamily="34" charset="0"/>
+              <a:buChar char="•"/>
+            </a:pPr>
+            <a:r>
+              <a:rPr lang="nl-BE" sz="2000" dirty="0"/>
+              <a:t>Can be defined: </a:t>
+            </a:r>
+          </a:p>
+          <a:p>
+            <a:pPr marL="815363" lvl="1" indent="-457200">
+              <a:buFont typeface="Arial" panose="020B0604020202020204" pitchFamily="34" charset="0"/>
+              <a:buChar char="•"/>
+            </a:pPr>
+            <a:r>
+              <a:rPr lang="nl-BE" sz="2000" dirty="0"/>
+              <a:t>Under same group-indent (in hosts file) with “vars” keyword</a:t>
+            </a:r>
+          </a:p>
+          <a:p>
+            <a:pPr marL="815363" lvl="1" indent="-457200">
+              <a:buFont typeface="Arial" panose="020B0604020202020204" pitchFamily="34" charset="0"/>
+              <a:buChar char="•"/>
+            </a:pPr>
+            <a:r>
+              <a:rPr lang="nl-BE" sz="2000" dirty="0"/>
+              <a:t>Under vars/main.yml of role in “roles” directory</a:t>
+            </a:r>
+          </a:p>
+          <a:p>
+            <a:pPr marL="815363" lvl="1" indent="-457200">
+              <a:buFont typeface="Arial" panose="020B0604020202020204" pitchFamily="34" charset="0"/>
+              <a:buChar char="•"/>
+            </a:pPr>
+            <a:r>
+              <a:rPr lang="nl-BE" sz="2000" dirty="0"/>
+              <a:t>Under group_vars directory</a:t>
+            </a:r>
+          </a:p>
+          <a:p>
+            <a:endParaRPr lang="en-US" sz="2000" dirty="0"/>
+          </a:p>
+        </p:txBody>
+      </p:sp>
+      <p:sp>
+        <p:nvSpPr>
+          <p:cNvPr id="4" name="Footer Placeholder 3">
+            <a:extLst>
+              <a:ext uri="{FF2B5EF4-FFF2-40B4-BE49-F238E27FC236}">
+                <a16:creationId xmlns:a16="http://schemas.microsoft.com/office/drawing/2014/main" id="{88947A4A-A97F-4CD4-B794-6D4076A5261F}"/>
+              </a:ext>
+            </a:extLst>
+          </p:cNvPr>
+          <p:cNvSpPr>
+            <a:spLocks noGrp="1"/>
+          </p:cNvSpPr>
+          <p:nvPr>
+            <p:ph type="ftr" sz="quarter" idx="11"/>
+          </p:nvPr>
+        </p:nvSpPr>
+        <p:spPr/>
+        <p:txBody>
+          <a:bodyPr/>
+          <a:lstStyle/>
+          <a:p>
+            <a:r>
+              <a:rPr lang="nl-BE" dirty="0"/>
+              <a:t>Ansible – Introduction</a:t>
+            </a:r>
+          </a:p>
+        </p:txBody>
+      </p:sp>
+      <p:sp>
+        <p:nvSpPr>
+          <p:cNvPr id="5" name="Slide Number Placeholder 4">
+            <a:extLst>
+              <a:ext uri="{FF2B5EF4-FFF2-40B4-BE49-F238E27FC236}">
+                <a16:creationId xmlns:a16="http://schemas.microsoft.com/office/drawing/2014/main" id="{F1770228-2C71-4008-82FD-CF3B4801A8D8}"/>
+              </a:ext>
+            </a:extLst>
+          </p:cNvPr>
+          <p:cNvSpPr>
+            <a:spLocks noGrp="1"/>
+          </p:cNvSpPr>
+          <p:nvPr>
+            <p:ph type="sldNum" sz="quarter" idx="12"/>
+          </p:nvPr>
+        </p:nvSpPr>
+        <p:spPr/>
+        <p:txBody>
+          <a:bodyPr/>
+          <a:lstStyle/>
+          <a:p>
+            <a:fld id="{FF88DA20-ED00-471C-9170-60F590CB400A}" type="slidenum">
+              <a:rPr lang="nl-BE" smtClean="0"/>
+              <a:t>40</a:t>
+            </a:fld>
+            <a:endParaRPr lang="nl-BE"/>
+          </a:p>
+        </p:txBody>
+      </p:sp>
+      <p:sp>
+        <p:nvSpPr>
+          <p:cNvPr id="8" name="Title 1">
+            <a:extLst>
+              <a:ext uri="{FF2B5EF4-FFF2-40B4-BE49-F238E27FC236}">
+                <a16:creationId xmlns:a16="http://schemas.microsoft.com/office/drawing/2014/main" id="{F2361ACF-39B4-45D8-A1D6-8BDFCEB2B250}"/>
+              </a:ext>
+            </a:extLst>
+          </p:cNvPr>
+          <p:cNvSpPr>
+            <a:spLocks noGrp="1"/>
+          </p:cNvSpPr>
+          <p:nvPr>
+            <p:ph type="title"/>
+          </p:nvPr>
+        </p:nvSpPr>
+        <p:spPr>
+          <a:xfrm>
+            <a:off x="396000" y="612000"/>
+            <a:ext cx="10515600" cy="684000"/>
+          </a:xfrm>
+        </p:spPr>
+        <p:txBody>
+          <a:bodyPr/>
+          <a:lstStyle/>
+          <a:p>
+            <a:r>
+              <a:rPr lang="nl-BE" dirty="0">
+                <a:solidFill>
+                  <a:srgbClr val="0085FE"/>
+                </a:solidFill>
+              </a:rPr>
+              <a:t>Group/role specific variables</a:t>
+            </a:r>
+            <a:endParaRPr lang="en-US" dirty="0">
+              <a:solidFill>
+                <a:srgbClr val="0085FE"/>
+              </a:solidFill>
+            </a:endParaRPr>
+          </a:p>
+        </p:txBody>
+      </p:sp>
+      <p:pic>
+        <p:nvPicPr>
+          <p:cNvPr id="18" name="Picture 17">
+            <a:extLst>
+              <a:ext uri="{FF2B5EF4-FFF2-40B4-BE49-F238E27FC236}">
+                <a16:creationId xmlns:a16="http://schemas.microsoft.com/office/drawing/2014/main" id="{3E2CFFE3-FB64-4809-BA2F-D53D082D3C61}"/>
+              </a:ext>
+            </a:extLst>
+          </p:cNvPr>
+          <p:cNvPicPr>
+            <a:picLocks noChangeAspect="1"/>
+          </p:cNvPicPr>
+          <p:nvPr/>
+        </p:nvPicPr>
+        <p:blipFill>
+          <a:blip r:embed="rId2"/>
+          <a:stretch>
+            <a:fillRect/>
+          </a:stretch>
+        </p:blipFill>
+        <p:spPr>
+          <a:xfrm>
+            <a:off x="4296136" y="2175056"/>
+            <a:ext cx="5839640" cy="4563112"/>
+          </a:xfrm>
+          <a:prstGeom prst="rect">
+            <a:avLst/>
+          </a:prstGeom>
+        </p:spPr>
+      </p:pic>
+    </p:spTree>
+    <p:extLst>
+      <p:ext uri="{BB962C8B-B14F-4D97-AF65-F5344CB8AC3E}">
+        <p14:creationId xmlns:p14="http://schemas.microsoft.com/office/powerpoint/2010/main" val="47307552"/>
+      </p:ext>
+    </p:extLst>
+  </p:cSld>
+  <p:clrMapOvr>
+    <a:masterClrMapping/>
+  </p:clrMapOvr>
+</p:sld>
+</file>
+
+<file path=ppt/slides/slide41.xml><?xml version="1.0" encoding="utf-8"?>
+<p:sld xmlns:a="http://schemas.openxmlformats.org/drawingml/2006/main" xmlns:r="http://schemas.openxmlformats.org/officeDocument/2006/relationships" xmlns:p="http://schemas.openxmlformats.org/presentationml/2006/main">
+  <p:cSld>
+    <p:spTree>
+      <p:nvGrpSpPr>
+        <p:cNvPr id="1" name=""/>
+        <p:cNvGrpSpPr/>
+        <p:nvPr/>
+      </p:nvGrpSpPr>
+      <p:grpSpPr>
+        <a:xfrm>
+          <a:off x="0" y="0"/>
+          <a:ext cx="0" cy="0"/>
+          <a:chOff x="0" y="0"/>
+          <a:chExt cx="0" cy="0"/>
+        </a:xfrm>
+      </p:grpSpPr>
+      <p:sp>
+        <p:nvSpPr>
+          <p:cNvPr id="2" name="Title 1">
+            <a:extLst>
+              <a:ext uri="{FF2B5EF4-FFF2-40B4-BE49-F238E27FC236}">
+                <a16:creationId xmlns:a16="http://schemas.microsoft.com/office/drawing/2014/main" id="{A0A4361E-379E-456A-82BC-335114F04C17}"/>
+              </a:ext>
+            </a:extLst>
+          </p:cNvPr>
+          <p:cNvSpPr>
+            <a:spLocks noGrp="1"/>
+          </p:cNvSpPr>
+          <p:nvPr>
+            <p:ph type="title"/>
+          </p:nvPr>
+        </p:nvSpPr>
+        <p:spPr/>
+        <p:txBody>
+          <a:bodyPr/>
+          <a:lstStyle/>
+          <a:p>
+            <a:r>
+              <a:rPr lang="nl-BE" dirty="0">
+                <a:solidFill>
+                  <a:srgbClr val="0085FE"/>
+                </a:solidFill>
+              </a:rPr>
+              <a:t>Refferences</a:t>
+            </a:r>
+            <a:endParaRPr lang="en-US" dirty="0">
+              <a:solidFill>
+                <a:srgbClr val="0085FE"/>
+              </a:solidFill>
+            </a:endParaRPr>
+          </a:p>
+        </p:txBody>
+      </p:sp>
+      <p:sp>
+        <p:nvSpPr>
+          <p:cNvPr id="3" name="Content Placeholder 2">
+            <a:extLst>
+              <a:ext uri="{FF2B5EF4-FFF2-40B4-BE49-F238E27FC236}">
+                <a16:creationId xmlns:a16="http://schemas.microsoft.com/office/drawing/2014/main" id="{58A98F98-F3F6-4D48-8A93-A83BE333E12E}"/>
+              </a:ext>
+            </a:extLst>
+          </p:cNvPr>
+          <p:cNvSpPr>
+            <a:spLocks noGrp="1"/>
+          </p:cNvSpPr>
+          <p:nvPr>
+            <p:ph idx="1"/>
+          </p:nvPr>
+        </p:nvSpPr>
+        <p:spPr/>
+        <p:txBody>
+          <a:bodyPr/>
+          <a:lstStyle/>
+          <a:p>
+            <a:pPr marL="457200" indent="-457200">
+              <a:buFont typeface="Arial" panose="020B0604020202020204" pitchFamily="34" charset="0"/>
+              <a:buChar char="•"/>
+            </a:pPr>
+            <a:r>
+              <a:rPr lang="nl-BE" dirty="0"/>
+              <a:t>See Ansible paper</a:t>
+            </a:r>
+            <a:endParaRPr lang="en-US" dirty="0"/>
+          </a:p>
+        </p:txBody>
+      </p:sp>
+      <p:sp>
+        <p:nvSpPr>
+          <p:cNvPr id="4" name="Footer Placeholder 3">
+            <a:extLst>
+              <a:ext uri="{FF2B5EF4-FFF2-40B4-BE49-F238E27FC236}">
+                <a16:creationId xmlns:a16="http://schemas.microsoft.com/office/drawing/2014/main" id="{7C6F3A2E-2A91-4DE3-9CEB-AC7F46DF3ECA}"/>
+              </a:ext>
+            </a:extLst>
+          </p:cNvPr>
+          <p:cNvSpPr>
+            <a:spLocks noGrp="1"/>
+          </p:cNvSpPr>
+          <p:nvPr>
+            <p:ph type="ftr" sz="quarter" idx="11"/>
+          </p:nvPr>
+        </p:nvSpPr>
+        <p:spPr/>
+        <p:txBody>
+          <a:bodyPr/>
+          <a:lstStyle/>
+          <a:p>
+            <a:r>
+              <a:rPr lang="en-US" dirty="0"/>
+              <a:t>Ansible - Introduction</a:t>
+            </a:r>
+          </a:p>
+        </p:txBody>
+      </p:sp>
+      <p:sp>
+        <p:nvSpPr>
+          <p:cNvPr id="5" name="Slide Number Placeholder 4">
+            <a:extLst>
+              <a:ext uri="{FF2B5EF4-FFF2-40B4-BE49-F238E27FC236}">
+                <a16:creationId xmlns:a16="http://schemas.microsoft.com/office/drawing/2014/main" id="{3349D7CC-7E04-49D2-A02E-DF8FCBEF1041}"/>
+              </a:ext>
+            </a:extLst>
+          </p:cNvPr>
+          <p:cNvSpPr>
+            <a:spLocks noGrp="1"/>
+          </p:cNvSpPr>
+          <p:nvPr>
+            <p:ph type="sldNum" sz="quarter" idx="12"/>
+          </p:nvPr>
+        </p:nvSpPr>
+        <p:spPr/>
+        <p:txBody>
+          <a:bodyPr/>
+          <a:lstStyle/>
+          <a:p>
+            <a:fld id="{FF88DA20-ED00-471C-9170-60F590CB400A}" type="slidenum">
+              <a:rPr lang="nl-BE" smtClean="0"/>
+              <a:t>41</a:t>
+            </a:fld>
+            <a:endParaRPr lang="nl-BE"/>
+          </a:p>
+        </p:txBody>
+      </p:sp>
+    </p:spTree>
+    <p:extLst>
+      <p:ext uri="{BB962C8B-B14F-4D97-AF65-F5344CB8AC3E}">
+        <p14:creationId xmlns:p14="http://schemas.microsoft.com/office/powerpoint/2010/main" val="3070564893"/>
       </p:ext>
     </p:extLst>
   </p:cSld>
@@ -15943,10 +18559,18 @@
           <a:lstStyle/>
           <a:p>
             <a:r>
-              <a:rPr lang="nl-BE" dirty="0"/>
+              <a:rPr lang="nl-BE" dirty="0">
+                <a:solidFill>
+                  <a:srgbClr val="0085FE"/>
+                </a:solidFill>
+              </a:rPr>
               <a:t>What is Ansible</a:t>
             </a:r>
-            <a:endParaRPr lang="en-US" dirty="0"/>
+            <a:endParaRPr lang="en-US" dirty="0">
+              <a:solidFill>
+                <a:srgbClr val="0085FE"/>
+              </a:solidFill>
+            </a:endParaRPr>
           </a:p>
         </p:txBody>
       </p:sp>
@@ -16328,7 +18952,7 @@
             </a:pPr>
             <a:r>
               <a:rPr lang="nl-BE" sz="2800" dirty="0"/>
-              <a:t>For repettitive tasks;</a:t>
+              <a:t>For repetitive tasks;</a:t>
             </a:r>
           </a:p>
           <a:p>
@@ -16348,7 +18972,7 @@
             </a:pPr>
             <a:r>
               <a:rPr lang="nl-BE" sz="2400" dirty="0"/>
-              <a:t>management</a:t>
+              <a:t>Deployment</a:t>
             </a:r>
           </a:p>
           <a:p>
@@ -16358,7 +18982,7 @@
             </a:pPr>
             <a:r>
               <a:rPr lang="nl-BE" sz="2400" dirty="0"/>
-              <a:t>Deployment</a:t>
+              <a:t>Orchestration</a:t>
             </a:r>
           </a:p>
           <a:p>
@@ -16368,7 +18992,7 @@
             </a:pPr>
             <a:r>
               <a:rPr lang="nl-BE" sz="2400" dirty="0"/>
-              <a:t>Orchestration</a:t>
+              <a:t>Management</a:t>
             </a:r>
           </a:p>
           <a:p>
@@ -16378,7 +19002,7 @@
             </a:pPr>
             <a:r>
               <a:rPr lang="nl-BE" sz="2400" dirty="0"/>
-              <a:t>Management</a:t>
+              <a:t>...</a:t>
             </a:r>
           </a:p>
         </p:txBody>
@@ -16738,7 +19362,7 @@
               <a:rPr lang="nl-BE" sz="2400" b="1" dirty="0">
                 <a:latin typeface="+mj-lt"/>
               </a:rPr>
-              <a:t>Most in portant files</a:t>
+              <a:t>Most important files</a:t>
             </a:r>
           </a:p>
           <a:p>

--- a/Documents/Ansible_BasicsAndHowToGetStarted.pptx
+++ b/Documents/Ansible_BasicsAndHowToGetStarted.pptx
@@ -5,7 +5,7 @@
     <p:sldMasterId id="2147483648" r:id="rId1"/>
   </p:sldMasterIdLst>
   <p:notesMasterIdLst>
-    <p:notesMasterId r:id="rId43"/>
+    <p:notesMasterId r:id="rId45"/>
   </p:notesMasterIdLst>
   <p:sldIdLst>
     <p:sldId id="261" r:id="rId2"/>
@@ -47,8 +47,10 @@
     <p:sldId id="310" r:id="rId38"/>
     <p:sldId id="312" r:id="rId39"/>
     <p:sldId id="306" r:id="rId40"/>
-    <p:sldId id="309" r:id="rId41"/>
-    <p:sldId id="279" r:id="rId42"/>
+    <p:sldId id="320" r:id="rId41"/>
+    <p:sldId id="309" r:id="rId42"/>
+    <p:sldId id="321" r:id="rId43"/>
+    <p:sldId id="279" r:id="rId44"/>
   </p:sldIdLst>
   <p:sldSz cx="12192000" cy="6858000"/>
   <p:notesSz cx="6858000" cy="9144000"/>
@@ -237,7 +239,7 @@
           <a:p>
             <a:fld id="{D8EBF3A7-A7E5-42B6-9154-500A7CB5E3E8}" type="datetimeFigureOut">
               <a:rPr lang="nl-BE" smtClean="0"/>
-              <a:t>10/02/2022</a:t>
+              <a:t>14/02/2022</a:t>
             </a:fld>
             <a:endParaRPr lang="nl-BE"/>
           </a:p>
@@ -3335,7 +3337,7 @@
           <a:p>
             <a:fld id="{3256510D-866F-4A54-9543-AD7E04D1A349}" type="datetime1">
               <a:rPr lang="nl-BE" smtClean="0"/>
-              <a:t>10/02/2022</a:t>
+              <a:t>14/02/2022</a:t>
             </a:fld>
             <a:endParaRPr lang="en-US"/>
           </a:p>
@@ -14751,7 +14753,7 @@
           <a:p>
             <a:fld id="{DFD0F74E-B435-4A9D-A8C1-015F70F1AD5A}" type="datetime1">
               <a:rPr lang="nl-BE" smtClean="0"/>
-              <a:t>10/02/2022</a:t>
+              <a:t>14/02/2022</a:t>
             </a:fld>
             <a:endParaRPr lang="en-US" dirty="0"/>
           </a:p>
@@ -17808,71 +17810,38 @@
       </p:grpSpPr>
       <p:sp>
         <p:nvSpPr>
-          <p:cNvPr id="3" name="Content Placeholder 2">
-            <a:extLst>
-              <a:ext uri="{FF2B5EF4-FFF2-40B4-BE49-F238E27FC236}">
-                <a16:creationId xmlns:a16="http://schemas.microsoft.com/office/drawing/2014/main" id="{51AE9555-3952-4843-8008-7DD11BF43BAC}"/>
-              </a:ext>
-            </a:extLst>
-          </p:cNvPr>
-          <p:cNvSpPr>
-            <a:spLocks noGrp="1"/>
-          </p:cNvSpPr>
-          <p:nvPr>
-            <p:ph idx="1"/>
-          </p:nvPr>
-        </p:nvSpPr>
-        <p:spPr>
-          <a:xfrm>
-            <a:off x="469285" y="1028051"/>
-            <a:ext cx="9281274" cy="3090532"/>
-          </a:xfrm>
-        </p:spPr>
-        <p:txBody>
-          <a:bodyPr/>
-          <a:lstStyle/>
-          <a:p>
-            <a:pPr marL="457200" indent="-457200">
-              <a:buFont typeface="Arial" panose="020B0604020202020204" pitchFamily="34" charset="0"/>
-              <a:buChar char="•"/>
-            </a:pPr>
-            <a:r>
-              <a:rPr lang="nl-BE" sz="2000" dirty="0"/>
-              <a:t>Can be defined: </a:t>
-            </a:r>
-          </a:p>
-          <a:p>
-            <a:pPr marL="815363" lvl="1" indent="-457200">
-              <a:buFont typeface="Arial" panose="020B0604020202020204" pitchFamily="34" charset="0"/>
-              <a:buChar char="•"/>
-            </a:pPr>
-            <a:r>
-              <a:rPr lang="nl-BE" sz="2000" dirty="0"/>
-              <a:t>Under same group-indent (in hosts file) with “vars” keyword</a:t>
-            </a:r>
-          </a:p>
-          <a:p>
-            <a:pPr marL="815363" lvl="1" indent="-457200">
-              <a:buFont typeface="Arial" panose="020B0604020202020204" pitchFamily="34" charset="0"/>
-              <a:buChar char="•"/>
-            </a:pPr>
-            <a:r>
-              <a:rPr lang="nl-BE" sz="2000" dirty="0"/>
-              <a:t>Under vars/main.yml of role in “roles” directory</a:t>
-            </a:r>
-          </a:p>
-          <a:p>
-            <a:pPr marL="815363" lvl="1" indent="-457200">
-              <a:buFont typeface="Arial" panose="020B0604020202020204" pitchFamily="34" charset="0"/>
-              <a:buChar char="•"/>
-            </a:pPr>
-            <a:r>
-              <a:rPr lang="nl-BE" sz="2000" dirty="0"/>
-              <a:t>Under group_vars directory</a:t>
-            </a:r>
-          </a:p>
-          <a:p>
-            <a:endParaRPr lang="en-US" sz="2000" dirty="0"/>
+          <p:cNvPr id="2" name="Title 1">
+            <a:extLst>
+              <a:ext uri="{FF2B5EF4-FFF2-40B4-BE49-F238E27FC236}">
+                <a16:creationId xmlns:a16="http://schemas.microsoft.com/office/drawing/2014/main" id="{516AF402-B805-463A-8761-2006D370D7AC}"/>
+              </a:ext>
+            </a:extLst>
+          </p:cNvPr>
+          <p:cNvSpPr>
+            <a:spLocks noGrp="1"/>
+          </p:cNvSpPr>
+          <p:nvPr>
+            <p:ph type="title"/>
+          </p:nvPr>
+        </p:nvSpPr>
+        <p:spPr/>
+        <p:txBody>
+          <a:bodyPr/>
+          <a:lstStyle/>
+          <a:p>
+            <a:r>
+              <a:rPr lang="nl-BE" dirty="0">
+                <a:solidFill>
+                  <a:srgbClr val="0085FE"/>
+                </a:solidFill>
+              </a:rPr>
+              <a:t>Tasks and used modules</a:t>
+            </a:r>
+            <a:endParaRPr lang="en-US" dirty="0">
+              <a:solidFill>
+                <a:srgbClr val="0085FE"/>
+              </a:solidFill>
+            </a:endParaRPr>
           </a:p>
         </p:txBody>
       </p:sp>
@@ -17881,7 +17850,7 @@
           <p:cNvPr id="4" name="Footer Placeholder 3">
             <a:extLst>
               <a:ext uri="{FF2B5EF4-FFF2-40B4-BE49-F238E27FC236}">
-                <a16:creationId xmlns:a16="http://schemas.microsoft.com/office/drawing/2014/main" id="{88947A4A-A97F-4CD4-B794-6D4076A5261F}"/>
+                <a16:creationId xmlns:a16="http://schemas.microsoft.com/office/drawing/2014/main" id="{D1A712F8-4B7E-4E93-B599-0230989E62FF}"/>
               </a:ext>
             </a:extLst>
           </p:cNvPr>
@@ -17898,8 +17867,8 @@
           <a:lstStyle/>
           <a:p>
             <a:r>
-              <a:rPr lang="nl-BE" dirty="0"/>
-              <a:t>Ansible – Introduction</a:t>
+              <a:rPr lang="en-US" dirty="0"/>
+              <a:t>Ansible - Introduction</a:t>
             </a:r>
           </a:p>
         </p:txBody>
@@ -17909,7 +17878,7 @@
           <p:cNvPr id="5" name="Slide Number Placeholder 4">
             <a:extLst>
               <a:ext uri="{FF2B5EF4-FFF2-40B4-BE49-F238E27FC236}">
-                <a16:creationId xmlns:a16="http://schemas.microsoft.com/office/drawing/2014/main" id="{F1770228-2C71-4008-82FD-CF3B4801A8D8}"/>
+                <a16:creationId xmlns:a16="http://schemas.microsoft.com/office/drawing/2014/main" id="{4D9DDEC3-4B59-4F49-A668-524CBFFAA4F2}"/>
               </a:ext>
             </a:extLst>
           </p:cNvPr>
@@ -17933,54 +17902,12 @@
           </a:p>
         </p:txBody>
       </p:sp>
-      <p:sp>
-        <p:nvSpPr>
-          <p:cNvPr id="8" name="Title 1">
-            <a:extLst>
-              <a:ext uri="{FF2B5EF4-FFF2-40B4-BE49-F238E27FC236}">
-                <a16:creationId xmlns:a16="http://schemas.microsoft.com/office/drawing/2014/main" id="{F2361ACF-39B4-45D8-A1D6-8BDFCEB2B250}"/>
-              </a:ext>
-            </a:extLst>
-          </p:cNvPr>
-          <p:cNvSpPr>
-            <a:spLocks noGrp="1"/>
-          </p:cNvSpPr>
-          <p:nvPr>
-            <p:ph type="title"/>
-          </p:nvPr>
-        </p:nvSpPr>
-        <p:spPr>
-          <a:xfrm>
-            <a:off x="396000" y="612000"/>
-            <a:ext cx="10515600" cy="684000"/>
-          </a:xfrm>
-        </p:spPr>
-        <p:txBody>
-          <a:bodyPr/>
-          <a:lstStyle/>
-          <a:p>
-            <a:r>
-              <a:rPr lang="nl-BE" dirty="0">
-                <a:solidFill>
-                  <a:srgbClr val="0085FE"/>
-                </a:solidFill>
-              </a:rPr>
-              <a:t>Group/role specific variables</a:t>
-            </a:r>
-            <a:endParaRPr lang="en-US" dirty="0">
-              <a:solidFill>
-                <a:srgbClr val="0085FE"/>
-              </a:solidFill>
-            </a:endParaRPr>
-          </a:p>
-        </p:txBody>
-      </p:sp>
       <p:pic>
         <p:nvPicPr>
-          <p:cNvPr id="18" name="Picture 17">
-            <a:extLst>
-              <a:ext uri="{FF2B5EF4-FFF2-40B4-BE49-F238E27FC236}">
-                <a16:creationId xmlns:a16="http://schemas.microsoft.com/office/drawing/2014/main" id="{3E2CFFE3-FB64-4809-BA2F-D53D082D3C61}"/>
+          <p:cNvPr id="6" name="Picture 5">
+            <a:extLst>
+              <a:ext uri="{FF2B5EF4-FFF2-40B4-BE49-F238E27FC236}">
+                <a16:creationId xmlns:a16="http://schemas.microsoft.com/office/drawing/2014/main" id="{E9E1A2F1-ABBE-47BC-AE2E-C5ECA2EBBFC1}"/>
               </a:ext>
             </a:extLst>
           </p:cNvPr>
@@ -17997,8 +17924,8 @@
         </p:blipFill>
         <p:spPr>
           <a:xfrm>
-            <a:off x="4296136" y="2175056"/>
-            <a:ext cx="5839640" cy="4563112"/>
+            <a:off x="2307854" y="1881932"/>
+            <a:ext cx="7576292" cy="3094135"/>
           </a:xfrm>
           <a:prstGeom prst="rect">
             <a:avLst/>
@@ -18008,7 +17935,7 @@
     </p:spTree>
     <p:extLst>
       <p:ext uri="{BB962C8B-B14F-4D97-AF65-F5344CB8AC3E}">
-        <p14:creationId xmlns:p14="http://schemas.microsoft.com/office/powerpoint/2010/main" val="47307552"/>
+        <p14:creationId xmlns:p14="http://schemas.microsoft.com/office/powerpoint/2010/main" val="2547040333"/>
       </p:ext>
     </p:extLst>
   </p:cSld>
@@ -18037,6 +17964,593 @@
       </p:grpSpPr>
       <p:sp>
         <p:nvSpPr>
+          <p:cNvPr id="3" name="Content Placeholder 2">
+            <a:extLst>
+              <a:ext uri="{FF2B5EF4-FFF2-40B4-BE49-F238E27FC236}">
+                <a16:creationId xmlns:a16="http://schemas.microsoft.com/office/drawing/2014/main" id="{51AE9555-3952-4843-8008-7DD11BF43BAC}"/>
+              </a:ext>
+            </a:extLst>
+          </p:cNvPr>
+          <p:cNvSpPr>
+            <a:spLocks noGrp="1"/>
+          </p:cNvSpPr>
+          <p:nvPr>
+            <p:ph idx="1"/>
+          </p:nvPr>
+        </p:nvSpPr>
+        <p:spPr>
+          <a:xfrm>
+            <a:off x="469285" y="1028051"/>
+            <a:ext cx="9281274" cy="3090532"/>
+          </a:xfrm>
+        </p:spPr>
+        <p:txBody>
+          <a:bodyPr/>
+          <a:lstStyle/>
+          <a:p>
+            <a:pPr marL="457200" indent="-457200">
+              <a:buFont typeface="Arial" panose="020B0604020202020204" pitchFamily="34" charset="0"/>
+              <a:buChar char="•"/>
+            </a:pPr>
+            <a:r>
+              <a:rPr lang="nl-BE" sz="2000" dirty="0"/>
+              <a:t>Can be defined: </a:t>
+            </a:r>
+          </a:p>
+          <a:p>
+            <a:pPr marL="815363" lvl="1" indent="-457200">
+              <a:buFont typeface="Arial" panose="020B0604020202020204" pitchFamily="34" charset="0"/>
+              <a:buChar char="•"/>
+            </a:pPr>
+            <a:r>
+              <a:rPr lang="nl-BE" sz="2000" dirty="0"/>
+              <a:t>Under same group-indent (in hosts file) with “vars” keyword</a:t>
+            </a:r>
+          </a:p>
+          <a:p>
+            <a:pPr marL="815363" lvl="1" indent="-457200">
+              <a:buFont typeface="Arial" panose="020B0604020202020204" pitchFamily="34" charset="0"/>
+              <a:buChar char="•"/>
+            </a:pPr>
+            <a:r>
+              <a:rPr lang="nl-BE" sz="2000" dirty="0"/>
+              <a:t>Under vars/main.yml of role in “roles” directory</a:t>
+            </a:r>
+          </a:p>
+          <a:p>
+            <a:pPr marL="815363" lvl="1" indent="-457200">
+              <a:buFont typeface="Arial" panose="020B0604020202020204" pitchFamily="34" charset="0"/>
+              <a:buChar char="•"/>
+            </a:pPr>
+            <a:r>
+              <a:rPr lang="nl-BE" sz="2000" dirty="0"/>
+              <a:t>Under group_vars directory</a:t>
+            </a:r>
+          </a:p>
+          <a:p>
+            <a:endParaRPr lang="en-US" sz="2000" dirty="0"/>
+          </a:p>
+        </p:txBody>
+      </p:sp>
+      <p:sp>
+        <p:nvSpPr>
+          <p:cNvPr id="4" name="Footer Placeholder 3">
+            <a:extLst>
+              <a:ext uri="{FF2B5EF4-FFF2-40B4-BE49-F238E27FC236}">
+                <a16:creationId xmlns:a16="http://schemas.microsoft.com/office/drawing/2014/main" id="{88947A4A-A97F-4CD4-B794-6D4076A5261F}"/>
+              </a:ext>
+            </a:extLst>
+          </p:cNvPr>
+          <p:cNvSpPr>
+            <a:spLocks noGrp="1"/>
+          </p:cNvSpPr>
+          <p:nvPr>
+            <p:ph type="ftr" sz="quarter" idx="11"/>
+          </p:nvPr>
+        </p:nvSpPr>
+        <p:spPr/>
+        <p:txBody>
+          <a:bodyPr/>
+          <a:lstStyle/>
+          <a:p>
+            <a:r>
+              <a:rPr lang="nl-BE" dirty="0"/>
+              <a:t>Ansible – Introduction</a:t>
+            </a:r>
+          </a:p>
+        </p:txBody>
+      </p:sp>
+      <p:sp>
+        <p:nvSpPr>
+          <p:cNvPr id="5" name="Slide Number Placeholder 4">
+            <a:extLst>
+              <a:ext uri="{FF2B5EF4-FFF2-40B4-BE49-F238E27FC236}">
+                <a16:creationId xmlns:a16="http://schemas.microsoft.com/office/drawing/2014/main" id="{F1770228-2C71-4008-82FD-CF3B4801A8D8}"/>
+              </a:ext>
+            </a:extLst>
+          </p:cNvPr>
+          <p:cNvSpPr>
+            <a:spLocks noGrp="1"/>
+          </p:cNvSpPr>
+          <p:nvPr>
+            <p:ph type="sldNum" sz="quarter" idx="12"/>
+          </p:nvPr>
+        </p:nvSpPr>
+        <p:spPr/>
+        <p:txBody>
+          <a:bodyPr/>
+          <a:lstStyle/>
+          <a:p>
+            <a:fld id="{FF88DA20-ED00-471C-9170-60F590CB400A}" type="slidenum">
+              <a:rPr lang="nl-BE" smtClean="0"/>
+              <a:t>41</a:t>
+            </a:fld>
+            <a:endParaRPr lang="nl-BE"/>
+          </a:p>
+        </p:txBody>
+      </p:sp>
+      <p:sp>
+        <p:nvSpPr>
+          <p:cNvPr id="8" name="Title 1">
+            <a:extLst>
+              <a:ext uri="{FF2B5EF4-FFF2-40B4-BE49-F238E27FC236}">
+                <a16:creationId xmlns:a16="http://schemas.microsoft.com/office/drawing/2014/main" id="{F2361ACF-39B4-45D8-A1D6-8BDFCEB2B250}"/>
+              </a:ext>
+            </a:extLst>
+          </p:cNvPr>
+          <p:cNvSpPr>
+            <a:spLocks noGrp="1"/>
+          </p:cNvSpPr>
+          <p:nvPr>
+            <p:ph type="title"/>
+          </p:nvPr>
+        </p:nvSpPr>
+        <p:spPr>
+          <a:xfrm>
+            <a:off x="396000" y="612000"/>
+            <a:ext cx="10515600" cy="684000"/>
+          </a:xfrm>
+        </p:spPr>
+        <p:txBody>
+          <a:bodyPr/>
+          <a:lstStyle/>
+          <a:p>
+            <a:r>
+              <a:rPr lang="nl-BE" dirty="0">
+                <a:solidFill>
+                  <a:srgbClr val="0085FE"/>
+                </a:solidFill>
+              </a:rPr>
+              <a:t>Group/role specific variables</a:t>
+            </a:r>
+            <a:endParaRPr lang="en-US" dirty="0">
+              <a:solidFill>
+                <a:srgbClr val="0085FE"/>
+              </a:solidFill>
+            </a:endParaRPr>
+          </a:p>
+        </p:txBody>
+      </p:sp>
+      <p:pic>
+        <p:nvPicPr>
+          <p:cNvPr id="18" name="Picture 17">
+            <a:extLst>
+              <a:ext uri="{FF2B5EF4-FFF2-40B4-BE49-F238E27FC236}">
+                <a16:creationId xmlns:a16="http://schemas.microsoft.com/office/drawing/2014/main" id="{3E2CFFE3-FB64-4809-BA2F-D53D082D3C61}"/>
+              </a:ext>
+            </a:extLst>
+          </p:cNvPr>
+          <p:cNvPicPr>
+            <a:picLocks noChangeAspect="1"/>
+          </p:cNvPicPr>
+          <p:nvPr/>
+        </p:nvPicPr>
+        <p:blipFill>
+          <a:blip r:embed="rId2"/>
+          <a:stretch>
+            <a:fillRect/>
+          </a:stretch>
+        </p:blipFill>
+        <p:spPr>
+          <a:xfrm>
+            <a:off x="4296136" y="2175056"/>
+            <a:ext cx="5839640" cy="4563112"/>
+          </a:xfrm>
+          <a:prstGeom prst="rect">
+            <a:avLst/>
+          </a:prstGeom>
+        </p:spPr>
+      </p:pic>
+    </p:spTree>
+    <p:extLst>
+      <p:ext uri="{BB962C8B-B14F-4D97-AF65-F5344CB8AC3E}">
+        <p14:creationId xmlns:p14="http://schemas.microsoft.com/office/powerpoint/2010/main" val="47307552"/>
+      </p:ext>
+    </p:extLst>
+  </p:cSld>
+  <p:clrMapOvr>
+    <a:masterClrMapping/>
+  </p:clrMapOvr>
+</p:sld>
+</file>
+
+<file path=ppt/slides/slide42.xml><?xml version="1.0" encoding="utf-8"?>
+<p:sld xmlns:a="http://schemas.openxmlformats.org/drawingml/2006/main" xmlns:r="http://schemas.openxmlformats.org/officeDocument/2006/relationships" xmlns:p="http://schemas.openxmlformats.org/presentationml/2006/main">
+  <p:cSld>
+    <p:spTree>
+      <p:nvGrpSpPr>
+        <p:cNvPr id="1" name=""/>
+        <p:cNvGrpSpPr/>
+        <p:nvPr/>
+      </p:nvGrpSpPr>
+      <p:grpSpPr>
+        <a:xfrm>
+          <a:off x="0" y="0"/>
+          <a:ext cx="0" cy="0"/>
+          <a:chOff x="0" y="0"/>
+          <a:chExt cx="0" cy="0"/>
+        </a:xfrm>
+      </p:grpSpPr>
+      <p:sp>
+        <p:nvSpPr>
+          <p:cNvPr id="3" name="Content Placeholder 2">
+            <a:extLst>
+              <a:ext uri="{FF2B5EF4-FFF2-40B4-BE49-F238E27FC236}">
+                <a16:creationId xmlns:a16="http://schemas.microsoft.com/office/drawing/2014/main" id="{51AE9555-3952-4843-8008-7DD11BF43BAC}"/>
+              </a:ext>
+            </a:extLst>
+          </p:cNvPr>
+          <p:cNvSpPr>
+            <a:spLocks noGrp="1"/>
+          </p:cNvSpPr>
+          <p:nvPr>
+            <p:ph idx="1"/>
+          </p:nvPr>
+        </p:nvSpPr>
+        <p:spPr>
+          <a:xfrm>
+            <a:off x="534291" y="1296000"/>
+            <a:ext cx="9281274" cy="3090532"/>
+          </a:xfrm>
+        </p:spPr>
+        <p:txBody>
+          <a:bodyPr/>
+          <a:lstStyle/>
+          <a:p>
+            <a:pPr marL="457200" indent="-457200">
+              <a:buFont typeface="Arial" panose="020B0604020202020204" pitchFamily="34" charset="0"/>
+              <a:buChar char="•"/>
+            </a:pPr>
+            <a:r>
+              <a:rPr lang="nl-BE" sz="2000" dirty="0"/>
+              <a:t>Start playbook with “</a:t>
+            </a:r>
+            <a:r>
+              <a:rPr lang="nl-BE" sz="2000" dirty="0">
+                <a:latin typeface="Courier New" panose="02070309020205020404" pitchFamily="49" charset="0"/>
+                <a:cs typeface="Courier New" panose="02070309020205020404" pitchFamily="49" charset="0"/>
+              </a:rPr>
+              <a:t>ansible-playbook plabookName.yml</a:t>
+            </a:r>
+            <a:r>
+              <a:rPr lang="nl-BE" sz="2000" dirty="0"/>
+              <a:t>”</a:t>
+            </a:r>
+            <a:endParaRPr lang="en-US" sz="2000" dirty="0"/>
+          </a:p>
+          <a:p>
+            <a:pPr marL="457200" indent="-457200">
+              <a:buFont typeface="Arial" panose="020B0604020202020204" pitchFamily="34" charset="0"/>
+              <a:buChar char="•"/>
+            </a:pPr>
+            <a:r>
+              <a:rPr lang="en-US" sz="2000" dirty="0"/>
+              <a:t>Add “</a:t>
+            </a:r>
+            <a:r>
+              <a:rPr lang="en-US" sz="2000" dirty="0">
+                <a:latin typeface="Courier New" panose="02070309020205020404" pitchFamily="49" charset="0"/>
+                <a:cs typeface="Courier New" panose="02070309020205020404" pitchFamily="49" charset="0"/>
+              </a:rPr>
+              <a:t>--check-syntax</a:t>
+            </a:r>
+            <a:r>
+              <a:rPr lang="en-US" sz="2000" dirty="0"/>
+              <a:t>” to check playbook for syntax errors</a:t>
+            </a:r>
+          </a:p>
+          <a:p>
+            <a:pPr marL="457200" indent="-457200">
+              <a:buFont typeface="Arial" panose="020B0604020202020204" pitchFamily="34" charset="0"/>
+              <a:buChar char="•"/>
+            </a:pPr>
+            <a:r>
+              <a:rPr lang="en-US" sz="2000" dirty="0"/>
+              <a:t>Add “</a:t>
+            </a:r>
+            <a:r>
+              <a:rPr lang="en-US" sz="2000" dirty="0">
+                <a:latin typeface="Courier New" panose="02070309020205020404" pitchFamily="49" charset="0"/>
+                <a:cs typeface="Courier New" panose="02070309020205020404" pitchFamily="49" charset="0"/>
+              </a:rPr>
+              <a:t>--verbose</a:t>
+            </a:r>
+            <a:r>
+              <a:rPr lang="en-US" sz="2000" dirty="0"/>
+              <a:t>” to view live output when playbook runs (more for debugging)</a:t>
+            </a:r>
+          </a:p>
+          <a:p>
+            <a:pPr marL="457200" indent="-457200">
+              <a:buFont typeface="Arial" panose="020B0604020202020204" pitchFamily="34" charset="0"/>
+              <a:buChar char="•"/>
+            </a:pPr>
+            <a:r>
+              <a:rPr lang="en-US" sz="2000" dirty="0"/>
+              <a:t>Play recap shows quick overview of run playbook:</a:t>
+            </a:r>
+          </a:p>
+          <a:p>
+            <a:pPr marL="457200" indent="-457200">
+              <a:buFont typeface="Arial" panose="020B0604020202020204" pitchFamily="34" charset="0"/>
+              <a:buChar char="•"/>
+            </a:pPr>
+            <a:endParaRPr lang="en-US" sz="2000" dirty="0"/>
+          </a:p>
+          <a:p>
+            <a:pPr marL="457200" indent="-457200">
+              <a:buFont typeface="Arial" panose="020B0604020202020204" pitchFamily="34" charset="0"/>
+              <a:buChar char="•"/>
+            </a:pPr>
+            <a:endParaRPr lang="en-US" sz="2000" dirty="0"/>
+          </a:p>
+          <a:p>
+            <a:pPr marL="457200" indent="-457200">
+              <a:buFont typeface="Arial" panose="020B0604020202020204" pitchFamily="34" charset="0"/>
+              <a:buChar char="•"/>
+            </a:pPr>
+            <a:endParaRPr lang="en-US" sz="2000" dirty="0"/>
+          </a:p>
+          <a:p>
+            <a:pPr marL="457200" indent="-457200">
+              <a:buFont typeface="Arial" panose="020B0604020202020204" pitchFamily="34" charset="0"/>
+              <a:buChar char="•"/>
+            </a:pPr>
+            <a:r>
+              <a:rPr lang="en-US" sz="2000" dirty="0"/>
+              <a:t>Play recap legend:</a:t>
+            </a:r>
+          </a:p>
+          <a:p>
+            <a:pPr marL="815363" lvl="1" indent="-457200">
+              <a:buFont typeface="Arial" panose="020B0604020202020204" pitchFamily="34" charset="0"/>
+              <a:buChar char="•"/>
+            </a:pPr>
+            <a:r>
+              <a:rPr lang="en-US" sz="2000" dirty="0"/>
+              <a:t>Yellow = something changed (saved file in this case)	</a:t>
+            </a:r>
+          </a:p>
+          <a:p>
+            <a:pPr marL="815363" lvl="1" indent="-457200">
+              <a:buFont typeface="Arial" panose="020B0604020202020204" pitchFamily="34" charset="0"/>
+              <a:buChar char="•"/>
+            </a:pPr>
+            <a:r>
+              <a:rPr lang="en-US" sz="2000" dirty="0"/>
+              <a:t>Green = everything is OK no errors occurred</a:t>
+            </a:r>
+          </a:p>
+          <a:p>
+            <a:pPr marL="815363" lvl="1" indent="-457200">
+              <a:buFont typeface="Arial" panose="020B0604020202020204" pitchFamily="34" charset="0"/>
+              <a:buChar char="•"/>
+            </a:pPr>
+            <a:r>
+              <a:rPr lang="en-US" sz="2000" dirty="0"/>
+              <a:t>Red = an error occurred (play stops once error occurs):</a:t>
+            </a:r>
+          </a:p>
+          <a:p>
+            <a:r>
+              <a:rPr lang="en-US" sz="2000" dirty="0"/>
+              <a:t> </a:t>
+            </a:r>
+            <a:endParaRPr lang="nl-BE" sz="2000" dirty="0"/>
+          </a:p>
+        </p:txBody>
+      </p:sp>
+      <p:sp>
+        <p:nvSpPr>
+          <p:cNvPr id="4" name="Footer Placeholder 3">
+            <a:extLst>
+              <a:ext uri="{FF2B5EF4-FFF2-40B4-BE49-F238E27FC236}">
+                <a16:creationId xmlns:a16="http://schemas.microsoft.com/office/drawing/2014/main" id="{88947A4A-A97F-4CD4-B794-6D4076A5261F}"/>
+              </a:ext>
+            </a:extLst>
+          </p:cNvPr>
+          <p:cNvSpPr>
+            <a:spLocks noGrp="1"/>
+          </p:cNvSpPr>
+          <p:nvPr>
+            <p:ph type="ftr" sz="quarter" idx="11"/>
+          </p:nvPr>
+        </p:nvSpPr>
+        <p:spPr/>
+        <p:txBody>
+          <a:bodyPr/>
+          <a:lstStyle/>
+          <a:p>
+            <a:r>
+              <a:rPr lang="nl-BE" dirty="0"/>
+              <a:t>Ansible – Introduction</a:t>
+            </a:r>
+          </a:p>
+        </p:txBody>
+      </p:sp>
+      <p:sp>
+        <p:nvSpPr>
+          <p:cNvPr id="5" name="Slide Number Placeholder 4">
+            <a:extLst>
+              <a:ext uri="{FF2B5EF4-FFF2-40B4-BE49-F238E27FC236}">
+                <a16:creationId xmlns:a16="http://schemas.microsoft.com/office/drawing/2014/main" id="{F1770228-2C71-4008-82FD-CF3B4801A8D8}"/>
+              </a:ext>
+            </a:extLst>
+          </p:cNvPr>
+          <p:cNvSpPr>
+            <a:spLocks noGrp="1"/>
+          </p:cNvSpPr>
+          <p:nvPr>
+            <p:ph type="sldNum" sz="quarter" idx="12"/>
+          </p:nvPr>
+        </p:nvSpPr>
+        <p:spPr/>
+        <p:txBody>
+          <a:bodyPr/>
+          <a:lstStyle/>
+          <a:p>
+            <a:fld id="{FF88DA20-ED00-471C-9170-60F590CB400A}" type="slidenum">
+              <a:rPr lang="nl-BE" smtClean="0"/>
+              <a:t>42</a:t>
+            </a:fld>
+            <a:endParaRPr lang="nl-BE"/>
+          </a:p>
+        </p:txBody>
+      </p:sp>
+      <p:sp>
+        <p:nvSpPr>
+          <p:cNvPr id="8" name="Title 1">
+            <a:extLst>
+              <a:ext uri="{FF2B5EF4-FFF2-40B4-BE49-F238E27FC236}">
+                <a16:creationId xmlns:a16="http://schemas.microsoft.com/office/drawing/2014/main" id="{F2361ACF-39B4-45D8-A1D6-8BDFCEB2B250}"/>
+              </a:ext>
+            </a:extLst>
+          </p:cNvPr>
+          <p:cNvSpPr>
+            <a:spLocks noGrp="1"/>
+          </p:cNvSpPr>
+          <p:nvPr>
+            <p:ph type="title"/>
+          </p:nvPr>
+        </p:nvSpPr>
+        <p:spPr>
+          <a:xfrm>
+            <a:off x="396000" y="612000"/>
+            <a:ext cx="10515600" cy="684000"/>
+          </a:xfrm>
+        </p:spPr>
+        <p:txBody>
+          <a:bodyPr/>
+          <a:lstStyle/>
+          <a:p>
+            <a:r>
+              <a:rPr lang="nl-BE" dirty="0">
+                <a:solidFill>
+                  <a:srgbClr val="0085FE"/>
+                </a:solidFill>
+              </a:rPr>
+              <a:t>Run playbook</a:t>
+            </a:r>
+            <a:endParaRPr lang="en-US" dirty="0">
+              <a:solidFill>
+                <a:srgbClr val="0085FE"/>
+              </a:solidFill>
+            </a:endParaRPr>
+          </a:p>
+        </p:txBody>
+      </p:sp>
+      <p:pic>
+        <p:nvPicPr>
+          <p:cNvPr id="6" name="Picture 5">
+            <a:extLst>
+              <a:ext uri="{FF2B5EF4-FFF2-40B4-BE49-F238E27FC236}">
+                <a16:creationId xmlns:a16="http://schemas.microsoft.com/office/drawing/2014/main" id="{00F8CAE9-6417-4891-AB6B-D6B855F16F90}"/>
+              </a:ext>
+            </a:extLst>
+          </p:cNvPr>
+          <p:cNvPicPr>
+            <a:picLocks noChangeAspect="1"/>
+          </p:cNvPicPr>
+          <p:nvPr/>
+        </p:nvPicPr>
+        <p:blipFill>
+          <a:blip r:embed="rId2"/>
+          <a:stretch>
+            <a:fillRect/>
+          </a:stretch>
+        </p:blipFill>
+        <p:spPr>
+          <a:xfrm>
+            <a:off x="1676123" y="3173679"/>
+            <a:ext cx="8839753" cy="966848"/>
+          </a:xfrm>
+          <a:prstGeom prst="rect">
+            <a:avLst/>
+          </a:prstGeom>
+        </p:spPr>
+      </p:pic>
+      <p:pic>
+        <p:nvPicPr>
+          <p:cNvPr id="11" name="Picture 10">
+            <a:extLst>
+              <a:ext uri="{FF2B5EF4-FFF2-40B4-BE49-F238E27FC236}">
+                <a16:creationId xmlns:a16="http://schemas.microsoft.com/office/drawing/2014/main" id="{9C1E9B76-0C76-4C9A-BE5E-EEECEBBD2ECE}"/>
+              </a:ext>
+            </a:extLst>
+          </p:cNvPr>
+          <p:cNvPicPr>
+            <a:picLocks noChangeAspect="1"/>
+          </p:cNvPicPr>
+          <p:nvPr/>
+        </p:nvPicPr>
+        <p:blipFill>
+          <a:blip r:embed="rId3"/>
+          <a:stretch>
+            <a:fillRect/>
+          </a:stretch>
+        </p:blipFill>
+        <p:spPr>
+          <a:xfrm>
+            <a:off x="7304993" y="5127494"/>
+            <a:ext cx="4887007" cy="1781424"/>
+          </a:xfrm>
+          <a:prstGeom prst="rect">
+            <a:avLst/>
+          </a:prstGeom>
+        </p:spPr>
+      </p:pic>
+    </p:spTree>
+    <p:extLst>
+      <p:ext uri="{BB962C8B-B14F-4D97-AF65-F5344CB8AC3E}">
+        <p14:creationId xmlns:p14="http://schemas.microsoft.com/office/powerpoint/2010/main" val="769256954"/>
+      </p:ext>
+    </p:extLst>
+  </p:cSld>
+  <p:clrMapOvr>
+    <a:masterClrMapping/>
+  </p:clrMapOvr>
+</p:sld>
+</file>
+
+<file path=ppt/slides/slide43.xml><?xml version="1.0" encoding="utf-8"?>
+<p:sld xmlns:a="http://schemas.openxmlformats.org/drawingml/2006/main" xmlns:r="http://schemas.openxmlformats.org/officeDocument/2006/relationships" xmlns:p="http://schemas.openxmlformats.org/presentationml/2006/main">
+  <p:cSld>
+    <p:spTree>
+      <p:nvGrpSpPr>
+        <p:cNvPr id="1" name=""/>
+        <p:cNvGrpSpPr/>
+        <p:nvPr/>
+      </p:nvGrpSpPr>
+      <p:grpSpPr>
+        <a:xfrm>
+          <a:off x="0" y="0"/>
+          <a:ext cx="0" cy="0"/>
+          <a:chOff x="0" y="0"/>
+          <a:chExt cx="0" cy="0"/>
+        </a:xfrm>
+      </p:grpSpPr>
+      <p:sp>
+        <p:nvSpPr>
           <p:cNvPr id="2" name="Title 1">
             <a:extLst>
               <a:ext uri="{FF2B5EF4-FFF2-40B4-BE49-F238E27FC236}">
@@ -18156,7 +18670,7 @@
           <a:p>
             <a:fld id="{FF88DA20-ED00-471C-9170-60F590CB400A}" type="slidenum">
               <a:rPr lang="nl-BE" smtClean="0"/>
-              <a:t>41</a:t>
+              <a:t>43</a:t>
             </a:fld>
             <a:endParaRPr lang="nl-BE"/>
           </a:p>

--- a/Documents/Ansible_BasicsAndHowToGetStarted.pptx
+++ b/Documents/Ansible_BasicsAndHowToGetStarted.pptx
@@ -5,7 +5,7 @@
     <p:sldMasterId id="2147483648" r:id="rId1"/>
   </p:sldMasterIdLst>
   <p:notesMasterIdLst>
-    <p:notesMasterId r:id="rId45"/>
+    <p:notesMasterId r:id="rId47"/>
   </p:notesMasterIdLst>
   <p:sldIdLst>
     <p:sldId id="261" r:id="rId2"/>
@@ -41,16 +41,18 @@
     <p:sldId id="316" r:id="rId32"/>
     <p:sldId id="292" r:id="rId33"/>
     <p:sldId id="304" r:id="rId34"/>
-    <p:sldId id="308" r:id="rId35"/>
-    <p:sldId id="293" r:id="rId36"/>
-    <p:sldId id="318" r:id="rId37"/>
-    <p:sldId id="310" r:id="rId38"/>
-    <p:sldId id="312" r:id="rId39"/>
-    <p:sldId id="306" r:id="rId40"/>
-    <p:sldId id="320" r:id="rId41"/>
-    <p:sldId id="309" r:id="rId42"/>
-    <p:sldId id="321" r:id="rId43"/>
-    <p:sldId id="279" r:id="rId44"/>
+    <p:sldId id="323" r:id="rId35"/>
+    <p:sldId id="322" r:id="rId36"/>
+    <p:sldId id="308" r:id="rId37"/>
+    <p:sldId id="293" r:id="rId38"/>
+    <p:sldId id="318" r:id="rId39"/>
+    <p:sldId id="310" r:id="rId40"/>
+    <p:sldId id="312" r:id="rId41"/>
+    <p:sldId id="306" r:id="rId42"/>
+    <p:sldId id="320" r:id="rId43"/>
+    <p:sldId id="309" r:id="rId44"/>
+    <p:sldId id="321" r:id="rId45"/>
+    <p:sldId id="279" r:id="rId46"/>
   </p:sldIdLst>
   <p:sldSz cx="12192000" cy="6858000"/>
   <p:notesSz cx="6858000" cy="9144000"/>
@@ -15926,7 +15928,7 @@
           <a:p>
             <a:r>
               <a:rPr lang="nl-BE" dirty="0"/>
-              <a:t>Demo</a:t>
+              <a:t>Template(s)</a:t>
             </a:r>
             <a:endParaRPr lang="en-US" dirty="0"/>
           </a:p>
@@ -16093,7 +16095,7 @@
     </p:spTree>
     <p:extLst>
       <p:ext uri="{BB962C8B-B14F-4D97-AF65-F5344CB8AC3E}">
-        <p14:creationId xmlns:p14="http://schemas.microsoft.com/office/powerpoint/2010/main" val="3753551721"/>
+        <p14:creationId xmlns:p14="http://schemas.microsoft.com/office/powerpoint/2010/main" val="742539406"/>
       </p:ext>
     </p:extLst>
   </p:cSld>
@@ -16122,10 +16124,139 @@
       </p:grpSpPr>
       <p:sp>
         <p:nvSpPr>
-          <p:cNvPr id="2" name="Title 1">
-            <a:extLst>
-              <a:ext uri="{FF2B5EF4-FFF2-40B4-BE49-F238E27FC236}">
-                <a16:creationId xmlns:a16="http://schemas.microsoft.com/office/drawing/2014/main" id="{71FD9B4A-22B3-4B27-8EC6-CB566E6C3ECB}"/>
+          <p:cNvPr id="3" name="Content Placeholder 2">
+            <a:extLst>
+              <a:ext uri="{FF2B5EF4-FFF2-40B4-BE49-F238E27FC236}">
+                <a16:creationId xmlns:a16="http://schemas.microsoft.com/office/drawing/2014/main" id="{51AE9555-3952-4843-8008-7DD11BF43BAC}"/>
+              </a:ext>
+            </a:extLst>
+          </p:cNvPr>
+          <p:cNvSpPr>
+            <a:spLocks noGrp="1"/>
+          </p:cNvSpPr>
+          <p:nvPr>
+            <p:ph idx="1"/>
+          </p:nvPr>
+        </p:nvSpPr>
+        <p:spPr>
+          <a:xfrm>
+            <a:off x="534291" y="1296000"/>
+            <a:ext cx="9281274" cy="3090532"/>
+          </a:xfrm>
+        </p:spPr>
+        <p:txBody>
+          <a:bodyPr/>
+          <a:lstStyle/>
+          <a:p>
+            <a:pPr marL="457200" indent="-457200">
+              <a:buFont typeface="Arial" panose="020B0604020202020204" pitchFamily="34" charset="0"/>
+              <a:buChar char="•"/>
+            </a:pPr>
+            <a:r>
+              <a:rPr lang="nl-BE" sz="2000" dirty="0"/>
+              <a:t>Any kind of file</a:t>
+            </a:r>
+          </a:p>
+          <a:p>
+            <a:pPr marL="457200" indent="-457200">
+              <a:buFont typeface="Arial" panose="020B0604020202020204" pitchFamily="34" charset="0"/>
+              <a:buChar char="•"/>
+            </a:pPr>
+            <a:r>
+              <a:rPr lang="nl-BE" sz="2000" dirty="0"/>
+              <a:t>Script/configuration files with dynamic variables</a:t>
+            </a:r>
+            <a:endParaRPr lang="en-US" sz="2000" dirty="0"/>
+          </a:p>
+          <a:p>
+            <a:pPr marL="457200" indent="-457200">
+              <a:buFont typeface="Arial" panose="020B0604020202020204" pitchFamily="34" charset="0"/>
+              <a:buChar char="•"/>
+            </a:pPr>
+            <a:endParaRPr lang="en-US" sz="2000" dirty="0"/>
+          </a:p>
+          <a:p>
+            <a:pPr marL="457200" indent="-457200">
+              <a:buFont typeface="Arial" panose="020B0604020202020204" pitchFamily="34" charset="0"/>
+              <a:buChar char="•"/>
+            </a:pPr>
+            <a:endParaRPr lang="en-US" sz="2000" dirty="0"/>
+          </a:p>
+          <a:p>
+            <a:pPr marL="457200" indent="-457200">
+              <a:buFont typeface="Arial" panose="020B0604020202020204" pitchFamily="34" charset="0"/>
+              <a:buChar char="•"/>
+            </a:pPr>
+            <a:endParaRPr lang="en-US" sz="2000" dirty="0"/>
+          </a:p>
+          <a:p>
+            <a:endParaRPr lang="nl-BE" sz="2000" dirty="0"/>
+          </a:p>
+        </p:txBody>
+      </p:sp>
+      <p:sp>
+        <p:nvSpPr>
+          <p:cNvPr id="4" name="Footer Placeholder 3">
+            <a:extLst>
+              <a:ext uri="{FF2B5EF4-FFF2-40B4-BE49-F238E27FC236}">
+                <a16:creationId xmlns:a16="http://schemas.microsoft.com/office/drawing/2014/main" id="{88947A4A-A97F-4CD4-B794-6D4076A5261F}"/>
+              </a:ext>
+            </a:extLst>
+          </p:cNvPr>
+          <p:cNvSpPr>
+            <a:spLocks noGrp="1"/>
+          </p:cNvSpPr>
+          <p:nvPr>
+            <p:ph type="ftr" sz="quarter" idx="11"/>
+          </p:nvPr>
+        </p:nvSpPr>
+        <p:spPr/>
+        <p:txBody>
+          <a:bodyPr/>
+          <a:lstStyle/>
+          <a:p>
+            <a:r>
+              <a:rPr lang="nl-BE" dirty="0"/>
+              <a:t>Ansible – Introduction</a:t>
+            </a:r>
+          </a:p>
+        </p:txBody>
+      </p:sp>
+      <p:sp>
+        <p:nvSpPr>
+          <p:cNvPr id="5" name="Slide Number Placeholder 4">
+            <a:extLst>
+              <a:ext uri="{FF2B5EF4-FFF2-40B4-BE49-F238E27FC236}">
+                <a16:creationId xmlns:a16="http://schemas.microsoft.com/office/drawing/2014/main" id="{F1770228-2C71-4008-82FD-CF3B4801A8D8}"/>
+              </a:ext>
+            </a:extLst>
+          </p:cNvPr>
+          <p:cNvSpPr>
+            <a:spLocks noGrp="1"/>
+          </p:cNvSpPr>
+          <p:nvPr>
+            <p:ph type="sldNum" sz="quarter" idx="12"/>
+          </p:nvPr>
+        </p:nvSpPr>
+        <p:spPr/>
+        <p:txBody>
+          <a:bodyPr/>
+          <a:lstStyle/>
+          <a:p>
+            <a:fld id="{FF88DA20-ED00-471C-9170-60F590CB400A}" type="slidenum">
+              <a:rPr lang="nl-BE" smtClean="0"/>
+              <a:t>35</a:t>
+            </a:fld>
+            <a:endParaRPr lang="nl-BE"/>
+          </a:p>
+        </p:txBody>
+      </p:sp>
+      <p:sp>
+        <p:nvSpPr>
+          <p:cNvPr id="8" name="Title 1">
+            <a:extLst>
+              <a:ext uri="{FF2B5EF4-FFF2-40B4-BE49-F238E27FC236}">
+                <a16:creationId xmlns:a16="http://schemas.microsoft.com/office/drawing/2014/main" id="{F2361ACF-39B4-45D8-A1D6-8BDFCEB2B250}"/>
               </a:ext>
             </a:extLst>
           </p:cNvPr>
@@ -16136,7 +16267,12 @@
             <p:ph type="title"/>
           </p:nvPr>
         </p:nvSpPr>
-        <p:spPr/>
+        <p:spPr>
+          <a:xfrm>
+            <a:off x="396000" y="612000"/>
+            <a:ext cx="10515600" cy="684000"/>
+          </a:xfrm>
+        </p:spPr>
         <p:txBody>
           <a:bodyPr/>
           <a:lstStyle/>
@@ -16147,7 +16283,7 @@
                   <a:srgbClr val="0085FE"/>
                 </a:solidFill>
               </a:rPr>
-              <a:t>Topology</a:t>
+              <a:t>What is a template</a:t>
             </a:r>
             <a:endParaRPr lang="en-US" dirty="0">
               <a:solidFill>
@@ -16157,98 +16293,42 @@
           </a:p>
         </p:txBody>
       </p:sp>
-      <p:sp>
-        <p:nvSpPr>
-          <p:cNvPr id="8" name="Tijdelijke aanduiding voor datum 1">
-            <a:extLst>
-              <a:ext uri="{FF2B5EF4-FFF2-40B4-BE49-F238E27FC236}">
-                <a16:creationId xmlns:a16="http://schemas.microsoft.com/office/drawing/2014/main" id="{071B7CCA-0101-47DF-BDDD-97C3F5ABD31C}"/>
-              </a:ext>
-            </a:extLst>
-          </p:cNvPr>
-          <p:cNvSpPr>
-            <a:spLocks noGrp="1"/>
-          </p:cNvSpPr>
-          <p:nvPr>
-            <p:ph type="dt" sz="half" idx="10"/>
-          </p:nvPr>
-        </p:nvSpPr>
-        <p:spPr/>
-        <p:txBody>
-          <a:bodyPr/>
-          <a:lstStyle/>
-          <a:p>
-            <a:r>
-              <a:rPr lang="nl-BE" dirty="0"/>
-              <a:t>31/01/2022</a:t>
-            </a:r>
-          </a:p>
-        </p:txBody>
-      </p:sp>
-      <p:sp>
-        <p:nvSpPr>
-          <p:cNvPr id="7" name="Footer Placeholder 3">
-            <a:extLst>
-              <a:ext uri="{FF2B5EF4-FFF2-40B4-BE49-F238E27FC236}">
-                <a16:creationId xmlns:a16="http://schemas.microsoft.com/office/drawing/2014/main" id="{67CC5EEC-6AE9-490F-8F88-E9F460CE1001}"/>
-              </a:ext>
-            </a:extLst>
-          </p:cNvPr>
-          <p:cNvSpPr>
-            <a:spLocks noGrp="1"/>
-          </p:cNvSpPr>
-          <p:nvPr>
-            <p:ph type="ftr" sz="quarter" idx="11"/>
-          </p:nvPr>
-        </p:nvSpPr>
-        <p:spPr/>
-        <p:txBody>
-          <a:bodyPr/>
-          <a:lstStyle/>
-          <a:p>
-            <a:r>
-              <a:rPr lang="en-US" dirty="0"/>
-              <a:t>Ansible - Introduction</a:t>
-            </a:r>
-          </a:p>
-        </p:txBody>
-      </p:sp>
-      <p:sp>
-        <p:nvSpPr>
-          <p:cNvPr id="5" name="Slide Number Placeholder 4">
-            <a:extLst>
-              <a:ext uri="{FF2B5EF4-FFF2-40B4-BE49-F238E27FC236}">
-                <a16:creationId xmlns:a16="http://schemas.microsoft.com/office/drawing/2014/main" id="{02D6F86B-6F5D-45E1-B852-6CA617042C82}"/>
-              </a:ext>
-            </a:extLst>
-          </p:cNvPr>
-          <p:cNvSpPr>
-            <a:spLocks noGrp="1"/>
-          </p:cNvSpPr>
-          <p:nvPr>
-            <p:ph type="sldNum" sz="quarter" idx="12"/>
-          </p:nvPr>
-        </p:nvSpPr>
-        <p:spPr/>
-        <p:txBody>
-          <a:bodyPr/>
-          <a:lstStyle/>
-          <a:p>
-            <a:fld id="{FF88DA20-ED00-471C-9170-60F590CB400A}" type="slidenum">
-              <a:rPr lang="nl-BE" smtClean="0"/>
-              <a:pPr/>
-              <a:t>35</a:t>
-            </a:fld>
-            <a:endParaRPr lang="nl-BE"/>
-          </a:p>
-        </p:txBody>
-      </p:sp>
       <p:pic>
         <p:nvPicPr>
-          <p:cNvPr id="3" name="Picture 2">
-            <a:extLst>
-              <a:ext uri="{FF2B5EF4-FFF2-40B4-BE49-F238E27FC236}">
-                <a16:creationId xmlns:a16="http://schemas.microsoft.com/office/drawing/2014/main" id="{D3412B10-F8EC-4ECD-9FB4-92DBFB0BF662}"/>
+          <p:cNvPr id="7" name="Picture 6">
+            <a:extLst>
+              <a:ext uri="{FF2B5EF4-FFF2-40B4-BE49-F238E27FC236}">
+                <a16:creationId xmlns:a16="http://schemas.microsoft.com/office/drawing/2014/main" id="{87B2186B-54EB-4833-B8C9-986905F40714}"/>
+              </a:ext>
+            </a:extLst>
+          </p:cNvPr>
+          <p:cNvPicPr>
+            <a:picLocks noChangeAspect="1"/>
+          </p:cNvPicPr>
+          <p:nvPr/>
+        </p:nvPicPr>
+        <p:blipFill>
+          <a:blip r:embed="rId2"/>
+          <a:stretch>
+            <a:fillRect/>
+          </a:stretch>
+        </p:blipFill>
+        <p:spPr>
+          <a:xfrm>
+            <a:off x="4681704" y="4718649"/>
+            <a:ext cx="7510296" cy="2139351"/>
+          </a:xfrm>
+          <a:prstGeom prst="rect">
+            <a:avLst/>
+          </a:prstGeom>
+        </p:spPr>
+      </p:pic>
+      <p:pic>
+        <p:nvPicPr>
+          <p:cNvPr id="10" name="Picture 9">
+            <a:extLst>
+              <a:ext uri="{FF2B5EF4-FFF2-40B4-BE49-F238E27FC236}">
+                <a16:creationId xmlns:a16="http://schemas.microsoft.com/office/drawing/2014/main" id="{7D45BF99-32A9-4868-BF16-BD0144F385EA}"/>
               </a:ext>
             </a:extLst>
           </p:cNvPr>
@@ -16258,26 +16338,86 @@
           <p:nvPr/>
         </p:nvPicPr>
         <p:blipFill rotWithShape="1">
-          <a:blip r:embed="rId2"/>
-          <a:srcRect l="3050" t="29751" r="3050" b="11977"/>
+          <a:blip r:embed="rId3"/>
+          <a:srcRect b="16771"/>
           <a:stretch/>
         </p:blipFill>
         <p:spPr>
           <a:xfrm>
-            <a:off x="4976046" y="811849"/>
-            <a:ext cx="6214533" cy="5452155"/>
+            <a:off x="5806474" y="2597762"/>
+            <a:ext cx="5851235" cy="1438046"/>
           </a:xfrm>
           <a:prstGeom prst="rect">
             <a:avLst/>
           </a:prstGeom>
         </p:spPr>
       </p:pic>
-      <p:sp>
-        <p:nvSpPr>
-          <p:cNvPr id="9" name="TextBox 8">
-            <a:extLst>
-              <a:ext uri="{FF2B5EF4-FFF2-40B4-BE49-F238E27FC236}">
-                <a16:creationId xmlns:a16="http://schemas.microsoft.com/office/drawing/2014/main" id="{A9A9C977-4C00-4B41-A5E5-E25972A3DE5A}"/>
+      <p:pic>
+        <p:nvPicPr>
+          <p:cNvPr id="13" name="Picture 12">
+            <a:extLst>
+              <a:ext uri="{FF2B5EF4-FFF2-40B4-BE49-F238E27FC236}">
+                <a16:creationId xmlns:a16="http://schemas.microsoft.com/office/drawing/2014/main" id="{B1244B43-3BA0-4ABA-9558-325D87D296A8}"/>
+              </a:ext>
+            </a:extLst>
+          </p:cNvPr>
+          <p:cNvPicPr>
+            <a:picLocks noChangeAspect="1"/>
+          </p:cNvPicPr>
+          <p:nvPr/>
+        </p:nvPicPr>
+        <p:blipFill>
+          <a:blip r:embed="rId4"/>
+          <a:stretch>
+            <a:fillRect/>
+          </a:stretch>
+        </p:blipFill>
+        <p:spPr>
+          <a:xfrm>
+            <a:off x="534291" y="4543965"/>
+            <a:ext cx="3400900" cy="1324160"/>
+          </a:xfrm>
+          <a:prstGeom prst="rect">
+            <a:avLst/>
+          </a:prstGeom>
+        </p:spPr>
+      </p:pic>
+      <p:pic>
+        <p:nvPicPr>
+          <p:cNvPr id="15" name="Picture 14">
+            <a:extLst>
+              <a:ext uri="{FF2B5EF4-FFF2-40B4-BE49-F238E27FC236}">
+                <a16:creationId xmlns:a16="http://schemas.microsoft.com/office/drawing/2014/main" id="{EA8B152E-32FA-48E1-A48F-F601F12C7900}"/>
+              </a:ext>
+            </a:extLst>
+          </p:cNvPr>
+          <p:cNvPicPr>
+            <a:picLocks noChangeAspect="1"/>
+          </p:cNvPicPr>
+          <p:nvPr/>
+        </p:nvPicPr>
+        <p:blipFill>
+          <a:blip r:embed="rId5"/>
+          <a:stretch>
+            <a:fillRect/>
+          </a:stretch>
+        </p:blipFill>
+        <p:spPr>
+          <a:xfrm>
+            <a:off x="534291" y="2778079"/>
+            <a:ext cx="3828407" cy="891095"/>
+          </a:xfrm>
+          <a:prstGeom prst="rect">
+            <a:avLst/>
+          </a:prstGeom>
+        </p:spPr>
+      </p:pic>
+      <p:sp>
+        <p:nvSpPr>
+          <p:cNvPr id="16" name="TextBox 15">
+            <a:extLst>
+              <a:ext uri="{FF2B5EF4-FFF2-40B4-BE49-F238E27FC236}">
+                <a16:creationId xmlns:a16="http://schemas.microsoft.com/office/drawing/2014/main" id="{77FB92BE-86C6-4199-920E-5C72735E940E}"/>
               </a:ext>
             </a:extLst>
           </p:cNvPr>
@@ -16286,8 +16426,8 @@
         </p:nvSpPr>
         <p:spPr>
           <a:xfrm>
-            <a:off x="861246" y="1370343"/>
-            <a:ext cx="4024021" cy="1908215"/>
+            <a:off x="4597992" y="4367925"/>
+            <a:ext cx="5355864" cy="369332"/>
           </a:xfrm>
           <a:prstGeom prst="rect">
             <a:avLst/>
@@ -16300,56 +16440,118 @@
           </a:bodyPr>
           <a:lstStyle/>
           <a:p>
-            <a:pPr marL="342900" indent="-342900">
-              <a:buFont typeface="Wingdings" panose="05000000000000000000" pitchFamily="2" charset="2"/>
-              <a:buChar char="§"/>
-            </a:pPr>
-            <a:r>
-              <a:rPr lang="nl-BE" sz="2000" dirty="0"/>
-              <a:t>Purpose of playbook</a:t>
-            </a:r>
-          </a:p>
-          <a:p>
-            <a:pPr marL="800100" lvl="1" indent="-342900">
-              <a:buFont typeface="Arial" panose="020B0604020202020204" pitchFamily="34" charset="0"/>
-              <a:buChar char="•"/>
-            </a:pPr>
-            <a:r>
-              <a:rPr lang="nl-BE" sz="2000" dirty="0"/>
-              <a:t>Check starting configuration</a:t>
-            </a:r>
-          </a:p>
-          <a:p>
-            <a:pPr marL="800100" lvl="1" indent="-342900">
-              <a:buFont typeface="Arial" panose="020B0604020202020204" pitchFamily="34" charset="0"/>
-              <a:buChar char="•"/>
-            </a:pPr>
-            <a:r>
-              <a:rPr lang="nl-BE" sz="2000" dirty="0"/>
-              <a:t>Setup LAG on switches</a:t>
-            </a:r>
-          </a:p>
-          <a:p>
-            <a:pPr marL="800100" lvl="1" indent="-342900">
-              <a:buFont typeface="Arial" panose="020B0604020202020204" pitchFamily="34" charset="0"/>
-              <a:buChar char="•"/>
-            </a:pPr>
-            <a:r>
-              <a:rPr lang="nl-BE" sz="2000" dirty="0"/>
-              <a:t>Add vlan’s (10,20)</a:t>
-            </a:r>
-          </a:p>
-          <a:p>
-            <a:pPr marL="800100" lvl="1" indent="-342900">
-              <a:buFont typeface="Arial" panose="020B0604020202020204" pitchFamily="34" charset="0"/>
-              <a:buChar char="•"/>
-            </a:pPr>
-            <a:r>
-              <a:rPr lang="nl-BE" sz="2000" dirty="0"/>
-              <a:t>Check changes</a:t>
-            </a:r>
-          </a:p>
-          <a:p>
+            <a:r>
+              <a:rPr lang="nl-BE" dirty="0"/>
+              <a:t>Properties of template output file during play execution:</a:t>
+            </a:r>
+            <a:endParaRPr lang="en-US" dirty="0"/>
+          </a:p>
+        </p:txBody>
+      </p:sp>
+      <p:sp>
+        <p:nvSpPr>
+          <p:cNvPr id="17" name="TextBox 16">
+            <a:extLst>
+              <a:ext uri="{FF2B5EF4-FFF2-40B4-BE49-F238E27FC236}">
+                <a16:creationId xmlns:a16="http://schemas.microsoft.com/office/drawing/2014/main" id="{990B8A20-E0EA-498B-A118-480A0FCA5795}"/>
+              </a:ext>
+            </a:extLst>
+          </p:cNvPr>
+          <p:cNvSpPr txBox="1"/>
+          <p:nvPr/>
+        </p:nvSpPr>
+        <p:spPr>
+          <a:xfrm>
+            <a:off x="5735539" y="2186123"/>
+            <a:ext cx="4218317" cy="369332"/>
+          </a:xfrm>
+          <a:prstGeom prst="rect">
+            <a:avLst/>
+          </a:prstGeom>
+          <a:noFill/>
+        </p:spPr>
+        <p:txBody>
+          <a:bodyPr wrap="square" rtlCol="0">
+            <a:spAutoFit/>
+          </a:bodyPr>
+          <a:lstStyle/>
+          <a:p>
+            <a:r>
+              <a:rPr lang="nl-BE" dirty="0"/>
+              <a:t>Variables defined for host/role:</a:t>
+            </a:r>
+            <a:endParaRPr lang="en-US" dirty="0"/>
+          </a:p>
+        </p:txBody>
+      </p:sp>
+      <p:sp>
+        <p:nvSpPr>
+          <p:cNvPr id="18" name="TextBox 17">
+            <a:extLst>
+              <a:ext uri="{FF2B5EF4-FFF2-40B4-BE49-F238E27FC236}">
+                <a16:creationId xmlns:a16="http://schemas.microsoft.com/office/drawing/2014/main" id="{19B715C1-38AC-4229-8B6C-0D2E2AC5BAE8}"/>
+              </a:ext>
+            </a:extLst>
+          </p:cNvPr>
+          <p:cNvSpPr txBox="1"/>
+          <p:nvPr/>
+        </p:nvSpPr>
+        <p:spPr>
+          <a:xfrm>
+            <a:off x="492122" y="2416360"/>
+            <a:ext cx="4218317" cy="369332"/>
+          </a:xfrm>
+          <a:prstGeom prst="rect">
+            <a:avLst/>
+          </a:prstGeom>
+          <a:noFill/>
+        </p:spPr>
+        <p:txBody>
+          <a:bodyPr wrap="square" rtlCol="0">
+            <a:spAutoFit/>
+          </a:bodyPr>
+          <a:lstStyle/>
+          <a:p>
+            <a:r>
+              <a:rPr lang="nl-BE" dirty="0"/>
+              <a:t>Task (call template file and specify dest):</a:t>
+            </a:r>
+            <a:endParaRPr lang="en-US" dirty="0"/>
+          </a:p>
+        </p:txBody>
+      </p:sp>
+      <p:sp>
+        <p:nvSpPr>
+          <p:cNvPr id="19" name="TextBox 18">
+            <a:extLst>
+              <a:ext uri="{FF2B5EF4-FFF2-40B4-BE49-F238E27FC236}">
+                <a16:creationId xmlns:a16="http://schemas.microsoft.com/office/drawing/2014/main" id="{BE2FE230-557D-4D8A-8CB5-A8DF8A81325E}"/>
+              </a:ext>
+            </a:extLst>
+          </p:cNvPr>
+          <p:cNvSpPr txBox="1"/>
+          <p:nvPr/>
+        </p:nvSpPr>
+        <p:spPr>
+          <a:xfrm>
+            <a:off x="456983" y="4084030"/>
+            <a:ext cx="4218317" cy="369332"/>
+          </a:xfrm>
+          <a:prstGeom prst="rect">
+            <a:avLst/>
+          </a:prstGeom>
+          <a:noFill/>
+        </p:spPr>
+        <p:txBody>
+          <a:bodyPr wrap="square" rtlCol="0">
+            <a:spAutoFit/>
+          </a:bodyPr>
+          <a:lstStyle/>
+          <a:p>
+            <a:r>
+              <a:rPr lang="nl-BE" dirty="0"/>
+              <a:t>Template (calls defined variables):</a:t>
+            </a:r>
             <a:endParaRPr lang="en-US" dirty="0"/>
           </a:p>
         </p:txBody>
@@ -16357,7 +16559,7 @@
     </p:spTree>
     <p:extLst>
       <p:ext uri="{BB962C8B-B14F-4D97-AF65-F5344CB8AC3E}">
-        <p14:creationId xmlns:p14="http://schemas.microsoft.com/office/powerpoint/2010/main" val="3975158961"/>
+        <p14:creationId xmlns:p14="http://schemas.microsoft.com/office/powerpoint/2010/main" val="2244007976"/>
       </p:ext>
     </p:extLst>
   </p:cSld>
@@ -16389,7 +16591,7 @@
           <p:cNvPr id="2" name="Title 1">
             <a:extLst>
               <a:ext uri="{FF2B5EF4-FFF2-40B4-BE49-F238E27FC236}">
-                <a16:creationId xmlns:a16="http://schemas.microsoft.com/office/drawing/2014/main" id="{71FD9B4A-22B3-4B27-8EC6-CB566E6C3ECB}"/>
+                <a16:creationId xmlns:a16="http://schemas.microsoft.com/office/drawing/2014/main" id="{70FEA819-AA32-4583-9E98-B9DBD20D08C5}"/>
               </a:ext>
             </a:extLst>
           </p:cNvPr>
@@ -16406,35 +16608,27 @@
           <a:lstStyle/>
           <a:p>
             <a:r>
-              <a:rPr lang="nl-BE" dirty="0">
-                <a:solidFill>
-                  <a:srgbClr val="0085FE"/>
-                </a:solidFill>
-              </a:rPr>
-              <a:t>Purpose of playbook</a:t>
-            </a:r>
-            <a:endParaRPr lang="en-US" dirty="0">
-              <a:solidFill>
-                <a:srgbClr val="0085FE"/>
-              </a:solidFill>
-            </a:endParaRPr>
-          </a:p>
-        </p:txBody>
-      </p:sp>
-      <p:sp>
-        <p:nvSpPr>
-          <p:cNvPr id="8" name="Tijdelijke aanduiding voor datum 1">
-            <a:extLst>
-              <a:ext uri="{FF2B5EF4-FFF2-40B4-BE49-F238E27FC236}">
-                <a16:creationId xmlns:a16="http://schemas.microsoft.com/office/drawing/2014/main" id="{071B7CCA-0101-47DF-BDDD-97C3F5ABD31C}"/>
-              </a:ext>
-            </a:extLst>
-          </p:cNvPr>
-          <p:cNvSpPr>
-            <a:spLocks noGrp="1"/>
-          </p:cNvSpPr>
-          <p:nvPr>
-            <p:ph type="dt" sz="half" idx="10"/>
+              <a:rPr lang="nl-BE" dirty="0"/>
+              <a:t>Demo</a:t>
+            </a:r>
+            <a:endParaRPr lang="en-US" dirty="0"/>
+          </a:p>
+        </p:txBody>
+      </p:sp>
+      <p:sp>
+        <p:nvSpPr>
+          <p:cNvPr id="3" name="Text Placeholder 2">
+            <a:extLst>
+              <a:ext uri="{FF2B5EF4-FFF2-40B4-BE49-F238E27FC236}">
+                <a16:creationId xmlns:a16="http://schemas.microsoft.com/office/drawing/2014/main" id="{EC32EC60-A861-403F-A296-2216AA4D5C5C}"/>
+              </a:ext>
+            </a:extLst>
+          </p:cNvPr>
+          <p:cNvSpPr>
+            <a:spLocks noGrp="1"/>
+          </p:cNvSpPr>
+          <p:nvPr>
+            <p:ph type="body" idx="1"/>
           </p:nvPr>
         </p:nvSpPr>
         <p:spPr/>
@@ -16442,38 +16636,7 @@
           <a:bodyPr/>
           <a:lstStyle/>
           <a:p>
-            <a:r>
-              <a:rPr lang="nl-BE" dirty="0"/>
-              <a:t>31/01/2022</a:t>
-            </a:r>
-          </a:p>
-        </p:txBody>
-      </p:sp>
-      <p:sp>
-        <p:nvSpPr>
-          <p:cNvPr id="7" name="Footer Placeholder 3">
-            <a:extLst>
-              <a:ext uri="{FF2B5EF4-FFF2-40B4-BE49-F238E27FC236}">
-                <a16:creationId xmlns:a16="http://schemas.microsoft.com/office/drawing/2014/main" id="{67CC5EEC-6AE9-490F-8F88-E9F460CE1001}"/>
-              </a:ext>
-            </a:extLst>
-          </p:cNvPr>
-          <p:cNvSpPr>
-            <a:spLocks noGrp="1"/>
-          </p:cNvSpPr>
-          <p:nvPr>
-            <p:ph type="ftr" sz="quarter" idx="11"/>
-          </p:nvPr>
-        </p:nvSpPr>
-        <p:spPr/>
-        <p:txBody>
-          <a:bodyPr/>
-          <a:lstStyle/>
-          <a:p>
-            <a:r>
-              <a:rPr lang="en-US" dirty="0"/>
-              <a:t>Ansible - Introduction</a:t>
-            </a:r>
+            <a:endParaRPr lang="en-US"/>
           </a:p>
         </p:txBody>
       </p:sp>
@@ -16482,7 +16645,7 @@
           <p:cNvPr id="5" name="Slide Number Placeholder 4">
             <a:extLst>
               <a:ext uri="{FF2B5EF4-FFF2-40B4-BE49-F238E27FC236}">
-                <a16:creationId xmlns:a16="http://schemas.microsoft.com/office/drawing/2014/main" id="{02D6F86B-6F5D-45E1-B852-6CA617042C82}"/>
+                <a16:creationId xmlns:a16="http://schemas.microsoft.com/office/drawing/2014/main" id="{A16825DC-9D9D-4E1A-9AFD-AA673F4A6E6D}"/>
               </a:ext>
             </a:extLst>
           </p:cNvPr>
@@ -16507,39 +16670,113 @@
           </a:p>
         </p:txBody>
       </p:sp>
-      <p:pic>
-        <p:nvPicPr>
-          <p:cNvPr id="3" name="Picture 2">
-            <a:extLst>
-              <a:ext uri="{FF2B5EF4-FFF2-40B4-BE49-F238E27FC236}">
-                <a16:creationId xmlns:a16="http://schemas.microsoft.com/office/drawing/2014/main" id="{D3412B10-F8EC-4ECD-9FB4-92DBFB0BF662}"/>
-              </a:ext>
-            </a:extLst>
-          </p:cNvPr>
-          <p:cNvPicPr>
-            <a:picLocks noChangeAspect="1"/>
-          </p:cNvPicPr>
-          <p:nvPr/>
-        </p:nvPicPr>
-        <p:blipFill rotWithShape="1">
-          <a:blip r:embed="rId2"/>
-          <a:srcRect l="3050" t="29751" r="3050" b="11977"/>
-          <a:stretch/>
-        </p:blipFill>
+      <p:sp>
+        <p:nvSpPr>
+          <p:cNvPr id="6" name="Text Placeholder 5">
+            <a:extLst>
+              <a:ext uri="{FF2B5EF4-FFF2-40B4-BE49-F238E27FC236}">
+                <a16:creationId xmlns:a16="http://schemas.microsoft.com/office/drawing/2014/main" id="{5C7A25BD-74FF-4F3E-A457-7A2EF24BA328}"/>
+              </a:ext>
+            </a:extLst>
+          </p:cNvPr>
+          <p:cNvSpPr>
+            <a:spLocks noGrp="1"/>
+          </p:cNvSpPr>
+          <p:nvPr>
+            <p:ph type="body" sz="quarter" idx="13"/>
+          </p:nvPr>
+        </p:nvSpPr>
+        <p:spPr/>
+        <p:txBody>
+          <a:bodyPr/>
+          <a:lstStyle/>
+          <a:p>
+            <a:r>
+              <a:rPr lang="nl-BE" dirty="0">
+                <a:solidFill>
+                  <a:srgbClr val="0085FE"/>
+                </a:solidFill>
+              </a:rPr>
+              <a:t>11.</a:t>
+            </a:r>
+            <a:endParaRPr lang="en-US" dirty="0">
+              <a:solidFill>
+                <a:srgbClr val="0085FE"/>
+              </a:solidFill>
+            </a:endParaRPr>
+          </a:p>
+        </p:txBody>
+      </p:sp>
+      <p:sp>
+        <p:nvSpPr>
+          <p:cNvPr id="7" name="Footer Placeholder 3">
+            <a:extLst>
+              <a:ext uri="{FF2B5EF4-FFF2-40B4-BE49-F238E27FC236}">
+                <a16:creationId xmlns:a16="http://schemas.microsoft.com/office/drawing/2014/main" id="{7BBB4841-9FC2-490F-83AA-5589FC091688}"/>
+              </a:ext>
+            </a:extLst>
+          </p:cNvPr>
+          <p:cNvSpPr>
+            <a:spLocks noGrp="1"/>
+          </p:cNvSpPr>
+          <p:nvPr>
+            <p:ph type="ftr" sz="quarter" idx="11"/>
+          </p:nvPr>
+        </p:nvSpPr>
         <p:spPr>
           <a:xfrm>
-            <a:off x="5145800" y="793845"/>
-            <a:ext cx="6214533" cy="5452155"/>
-          </a:xfrm>
-          <a:prstGeom prst="rect">
-            <a:avLst/>
-          </a:prstGeom>
-        </p:spPr>
-      </p:pic>
+            <a:off x="861246" y="6264211"/>
+            <a:ext cx="4114800" cy="365125"/>
+          </a:xfrm>
+        </p:spPr>
+        <p:txBody>
+          <a:bodyPr/>
+          <a:lstStyle/>
+          <a:p>
+            <a:r>
+              <a:rPr lang="en-US" dirty="0"/>
+              <a:t>Ansible - Introduction</a:t>
+            </a:r>
+          </a:p>
+        </p:txBody>
+      </p:sp>
+      <p:sp>
+        <p:nvSpPr>
+          <p:cNvPr id="8" name="Tijdelijke aanduiding voor datum 1">
+            <a:extLst>
+              <a:ext uri="{FF2B5EF4-FFF2-40B4-BE49-F238E27FC236}">
+                <a16:creationId xmlns:a16="http://schemas.microsoft.com/office/drawing/2014/main" id="{86E517BA-B755-4C37-BB4C-75337E789D27}"/>
+              </a:ext>
+            </a:extLst>
+          </p:cNvPr>
+          <p:cNvSpPr>
+            <a:spLocks noGrp="1"/>
+          </p:cNvSpPr>
+          <p:nvPr>
+            <p:ph type="dt" sz="half" idx="10"/>
+          </p:nvPr>
+        </p:nvSpPr>
+        <p:spPr>
+          <a:xfrm>
+            <a:off x="4998576" y="6264004"/>
+            <a:ext cx="2743200" cy="365125"/>
+          </a:xfrm>
+        </p:spPr>
+        <p:txBody>
+          <a:bodyPr/>
+          <a:lstStyle/>
+          <a:p>
+            <a:r>
+              <a:rPr lang="nl-BE" dirty="0"/>
+              <a:t>31/01/2022</a:t>
+            </a:r>
+          </a:p>
+        </p:txBody>
+      </p:sp>
     </p:spTree>
     <p:extLst>
       <p:ext uri="{BB962C8B-B14F-4D97-AF65-F5344CB8AC3E}">
-        <p14:creationId xmlns:p14="http://schemas.microsoft.com/office/powerpoint/2010/main" val="3174141101"/>
+        <p14:creationId xmlns:p14="http://schemas.microsoft.com/office/powerpoint/2010/main" val="3753551721"/>
       </p:ext>
     </p:extLst>
   </p:cSld>
@@ -16571,7 +16808,7 @@
           <p:cNvPr id="2" name="Title 1">
             <a:extLst>
               <a:ext uri="{FF2B5EF4-FFF2-40B4-BE49-F238E27FC236}">
-                <a16:creationId xmlns:a16="http://schemas.microsoft.com/office/drawing/2014/main" id="{5AACE6E1-6A5D-4254-BDA8-C75CD8A44ED8}"/>
+                <a16:creationId xmlns:a16="http://schemas.microsoft.com/office/drawing/2014/main" id="{71FD9B4A-22B3-4B27-8EC6-CB566E6C3ECB}"/>
               </a:ext>
             </a:extLst>
           </p:cNvPr>
@@ -16593,7 +16830,7 @@
                   <a:srgbClr val="0085FE"/>
                 </a:solidFill>
               </a:rPr>
-              <a:t>How are devices called upon</a:t>
+              <a:t>Topology</a:t>
             </a:r>
             <a:endParaRPr lang="en-US" dirty="0">
               <a:solidFill>
@@ -16605,84 +16842,38 @@
       </p:sp>
       <p:sp>
         <p:nvSpPr>
-          <p:cNvPr id="3" name="Content Placeholder 2">
-            <a:extLst>
-              <a:ext uri="{FF2B5EF4-FFF2-40B4-BE49-F238E27FC236}">
-                <a16:creationId xmlns:a16="http://schemas.microsoft.com/office/drawing/2014/main" id="{FE17825A-63CE-4FE3-9311-77AAE3A9A027}"/>
-              </a:ext>
-            </a:extLst>
-          </p:cNvPr>
-          <p:cNvSpPr>
-            <a:spLocks noGrp="1"/>
-          </p:cNvSpPr>
-          <p:nvPr>
-            <p:ph idx="1"/>
-          </p:nvPr>
-        </p:nvSpPr>
-        <p:spPr>
-          <a:xfrm>
-            <a:off x="534291" y="1451443"/>
-            <a:ext cx="9281274" cy="3090532"/>
-          </a:xfrm>
-        </p:spPr>
-        <p:txBody>
-          <a:bodyPr/>
-          <a:lstStyle/>
-          <a:p>
-            <a:pPr marL="457200" indent="-457200">
-              <a:buFont typeface="Arial" panose="020B0604020202020204" pitchFamily="34" charset="0"/>
-              <a:buChar char="•"/>
-            </a:pPr>
-            <a:r>
-              <a:rPr lang="nl-BE" sz="2000" dirty="0"/>
-              <a:t>With use of the file/inventory file</a:t>
-            </a:r>
-          </a:p>
-          <a:p>
-            <a:pPr marL="815363" lvl="1" indent="-457200">
-              <a:buFont typeface="Arial" panose="020B0604020202020204" pitchFamily="34" charset="0"/>
-              <a:buChar char="•"/>
-            </a:pPr>
-            <a:r>
-              <a:rPr lang="nl-BE" sz="2000" dirty="0"/>
-              <a:t>Host-ID’s are for individual plays/tasks</a:t>
-            </a:r>
-          </a:p>
-          <a:p>
-            <a:pPr marL="815363" lvl="1" indent="-457200">
-              <a:buFont typeface="Arial" panose="020B0604020202020204" pitchFamily="34" charset="0"/>
-              <a:buChar char="•"/>
-            </a:pPr>
-            <a:r>
-              <a:rPr lang="nl-BE" sz="2000" dirty="0"/>
-              <a:t>Group name’s are for common plays</a:t>
-            </a:r>
-          </a:p>
-          <a:p>
-            <a:pPr marL="815363" lvl="1" indent="-457200">
-              <a:buFont typeface="Arial" panose="020B0604020202020204" pitchFamily="34" charset="0"/>
-              <a:buChar char="•"/>
-            </a:pPr>
-            <a:r>
-              <a:rPr lang="en-US" sz="2000" dirty="0"/>
-              <a:t>Variables are for groups or </a:t>
-            </a:r>
-          </a:p>
-          <a:p>
-            <a:pPr lvl="1"/>
-            <a:r>
-              <a:rPr lang="en-US" sz="2000" dirty="0"/>
-              <a:t>individual hosts (caution for spacing!)</a:t>
-            </a:r>
-          </a:p>
-        </p:txBody>
-      </p:sp>
-      <p:sp>
-        <p:nvSpPr>
-          <p:cNvPr id="4" name="Footer Placeholder 3">
-            <a:extLst>
-              <a:ext uri="{FF2B5EF4-FFF2-40B4-BE49-F238E27FC236}">
-                <a16:creationId xmlns:a16="http://schemas.microsoft.com/office/drawing/2014/main" id="{21588CFD-6B99-4D26-9B8E-BC7163B80B98}"/>
+          <p:cNvPr id="8" name="Tijdelijke aanduiding voor datum 1">
+            <a:extLst>
+              <a:ext uri="{FF2B5EF4-FFF2-40B4-BE49-F238E27FC236}">
+                <a16:creationId xmlns:a16="http://schemas.microsoft.com/office/drawing/2014/main" id="{071B7CCA-0101-47DF-BDDD-97C3F5ABD31C}"/>
+              </a:ext>
+            </a:extLst>
+          </p:cNvPr>
+          <p:cNvSpPr>
+            <a:spLocks noGrp="1"/>
+          </p:cNvSpPr>
+          <p:nvPr>
+            <p:ph type="dt" sz="half" idx="10"/>
+          </p:nvPr>
+        </p:nvSpPr>
+        <p:spPr/>
+        <p:txBody>
+          <a:bodyPr/>
+          <a:lstStyle/>
+          <a:p>
+            <a:r>
+              <a:rPr lang="nl-BE" dirty="0"/>
+              <a:t>31/01/2022</a:t>
+            </a:r>
+          </a:p>
+        </p:txBody>
+      </p:sp>
+      <p:sp>
+        <p:nvSpPr>
+          <p:cNvPr id="7" name="Footer Placeholder 3">
+            <a:extLst>
+              <a:ext uri="{FF2B5EF4-FFF2-40B4-BE49-F238E27FC236}">
+                <a16:creationId xmlns:a16="http://schemas.microsoft.com/office/drawing/2014/main" id="{67CC5EEC-6AE9-490F-8F88-E9F460CE1001}"/>
               </a:ext>
             </a:extLst>
           </p:cNvPr>
@@ -16699,7 +16890,7 @@
           <a:lstStyle/>
           <a:p>
             <a:r>
-              <a:rPr lang="nl-BE" dirty="0"/>
+              <a:rPr lang="en-US" dirty="0"/>
               <a:t>Ansible - Introduction</a:t>
             </a:r>
           </a:p>
@@ -16710,7 +16901,7 @@
           <p:cNvPr id="5" name="Slide Number Placeholder 4">
             <a:extLst>
               <a:ext uri="{FF2B5EF4-FFF2-40B4-BE49-F238E27FC236}">
-                <a16:creationId xmlns:a16="http://schemas.microsoft.com/office/drawing/2014/main" id="{94A5AC1C-092E-4EC9-BA7C-4F212D666B50}"/>
+                <a16:creationId xmlns:a16="http://schemas.microsoft.com/office/drawing/2014/main" id="{02D6F86B-6F5D-45E1-B852-6CA617042C82}"/>
               </a:ext>
             </a:extLst>
           </p:cNvPr>
@@ -16728,6 +16919,7 @@
           <a:p>
             <a:fld id="{FF88DA20-ED00-471C-9170-60F590CB400A}" type="slidenum">
               <a:rPr lang="nl-BE" smtClean="0"/>
+              <a:pPr/>
               <a:t>37</a:t>
             </a:fld>
             <a:endParaRPr lang="nl-BE"/>
@@ -16736,10 +16928,10 @@
       </p:sp>
       <p:pic>
         <p:nvPicPr>
-          <p:cNvPr id="10" name="Picture 9">
-            <a:extLst>
-              <a:ext uri="{FF2B5EF4-FFF2-40B4-BE49-F238E27FC236}">
-                <a16:creationId xmlns:a16="http://schemas.microsoft.com/office/drawing/2014/main" id="{A95D09E1-D029-4054-90EE-D10114570838}"/>
+          <p:cNvPr id="3" name="Picture 2">
+            <a:extLst>
+              <a:ext uri="{FF2B5EF4-FFF2-40B4-BE49-F238E27FC236}">
+                <a16:creationId xmlns:a16="http://schemas.microsoft.com/office/drawing/2014/main" id="{D3412B10-F8EC-4ECD-9FB4-92DBFB0BF662}"/>
               </a:ext>
             </a:extLst>
           </p:cNvPr>
@@ -16748,26 +16940,107 @@
           </p:cNvPicPr>
           <p:nvPr/>
         </p:nvPicPr>
-        <p:blipFill>
+        <p:blipFill rotWithShape="1">
           <a:blip r:embed="rId2"/>
-          <a:stretch>
-            <a:fillRect/>
-          </a:stretch>
+          <a:srcRect l="3050" t="29751" r="3050" b="11977"/>
+          <a:stretch/>
         </p:blipFill>
         <p:spPr>
           <a:xfrm>
-            <a:off x="5387691" y="612000"/>
-            <a:ext cx="6408309" cy="5245157"/>
+            <a:off x="4976046" y="811849"/>
+            <a:ext cx="6214533" cy="5452155"/>
           </a:xfrm>
           <a:prstGeom prst="rect">
             <a:avLst/>
           </a:prstGeom>
         </p:spPr>
       </p:pic>
+      <p:sp>
+        <p:nvSpPr>
+          <p:cNvPr id="9" name="TextBox 8">
+            <a:extLst>
+              <a:ext uri="{FF2B5EF4-FFF2-40B4-BE49-F238E27FC236}">
+                <a16:creationId xmlns:a16="http://schemas.microsoft.com/office/drawing/2014/main" id="{A9A9C977-4C00-4B41-A5E5-E25972A3DE5A}"/>
+              </a:ext>
+            </a:extLst>
+          </p:cNvPr>
+          <p:cNvSpPr txBox="1"/>
+          <p:nvPr/>
+        </p:nvSpPr>
+        <p:spPr>
+          <a:xfrm>
+            <a:off x="861246" y="1370343"/>
+            <a:ext cx="4024021" cy="1908215"/>
+          </a:xfrm>
+          <a:prstGeom prst="rect">
+            <a:avLst/>
+          </a:prstGeom>
+          <a:noFill/>
+        </p:spPr>
+        <p:txBody>
+          <a:bodyPr wrap="square" rtlCol="0">
+            <a:spAutoFit/>
+          </a:bodyPr>
+          <a:lstStyle/>
+          <a:p>
+            <a:pPr marL="342900" indent="-342900">
+              <a:buFont typeface="Wingdings" panose="05000000000000000000" pitchFamily="2" charset="2"/>
+              <a:buChar char="§"/>
+            </a:pPr>
+            <a:r>
+              <a:rPr lang="nl-BE" sz="2000" dirty="0"/>
+              <a:t>Purpose of playbook</a:t>
+            </a:r>
+          </a:p>
+          <a:p>
+            <a:pPr marL="800100" lvl="1" indent="-342900">
+              <a:buFont typeface="Arial" panose="020B0604020202020204" pitchFamily="34" charset="0"/>
+              <a:buChar char="•"/>
+            </a:pPr>
+            <a:r>
+              <a:rPr lang="nl-BE" sz="2000" dirty="0"/>
+              <a:t>Check starting configuration</a:t>
+            </a:r>
+          </a:p>
+          <a:p>
+            <a:pPr marL="800100" lvl="1" indent="-342900">
+              <a:buFont typeface="Arial" panose="020B0604020202020204" pitchFamily="34" charset="0"/>
+              <a:buChar char="•"/>
+            </a:pPr>
+            <a:r>
+              <a:rPr lang="nl-BE" sz="2000" dirty="0"/>
+              <a:t>Setup LAG on switches</a:t>
+            </a:r>
+          </a:p>
+          <a:p>
+            <a:pPr marL="800100" lvl="1" indent="-342900">
+              <a:buFont typeface="Arial" panose="020B0604020202020204" pitchFamily="34" charset="0"/>
+              <a:buChar char="•"/>
+            </a:pPr>
+            <a:r>
+              <a:rPr lang="nl-BE" sz="2000" dirty="0"/>
+              <a:t>Add vlan’s (10,20)</a:t>
+            </a:r>
+          </a:p>
+          <a:p>
+            <a:pPr marL="800100" lvl="1" indent="-342900">
+              <a:buFont typeface="Arial" panose="020B0604020202020204" pitchFamily="34" charset="0"/>
+              <a:buChar char="•"/>
+            </a:pPr>
+            <a:r>
+              <a:rPr lang="nl-BE" sz="2000" dirty="0"/>
+              <a:t>Check changes</a:t>
+            </a:r>
+          </a:p>
+          <a:p>
+            <a:endParaRPr lang="en-US" dirty="0"/>
+          </a:p>
+        </p:txBody>
+      </p:sp>
     </p:spTree>
     <p:extLst>
       <p:ext uri="{BB962C8B-B14F-4D97-AF65-F5344CB8AC3E}">
-        <p14:creationId xmlns:p14="http://schemas.microsoft.com/office/powerpoint/2010/main" val="710880769"/>
+        <p14:creationId xmlns:p14="http://schemas.microsoft.com/office/powerpoint/2010/main" val="3975158961"/>
       </p:ext>
     </p:extLst>
   </p:cSld>
@@ -16799,7 +17072,7 @@
           <p:cNvPr id="2" name="Title 1">
             <a:extLst>
               <a:ext uri="{FF2B5EF4-FFF2-40B4-BE49-F238E27FC236}">
-                <a16:creationId xmlns:a16="http://schemas.microsoft.com/office/drawing/2014/main" id="{5AACE6E1-6A5D-4254-BDA8-C75CD8A44ED8}"/>
+                <a16:creationId xmlns:a16="http://schemas.microsoft.com/office/drawing/2014/main" id="{71FD9B4A-22B3-4B27-8EC6-CB566E6C3ECB}"/>
               </a:ext>
             </a:extLst>
           </p:cNvPr>
@@ -16821,7 +17094,7 @@
                   <a:srgbClr val="0085FE"/>
                 </a:solidFill>
               </a:rPr>
-              <a:t>Connect hosts/groups to roles</a:t>
+              <a:t>Purpose of playbook</a:t>
             </a:r>
             <a:endParaRPr lang="en-US" dirty="0">
               <a:solidFill>
@@ -16833,79 +17106,38 @@
       </p:sp>
       <p:sp>
         <p:nvSpPr>
-          <p:cNvPr id="3" name="Content Placeholder 2">
-            <a:extLst>
-              <a:ext uri="{FF2B5EF4-FFF2-40B4-BE49-F238E27FC236}">
-                <a16:creationId xmlns:a16="http://schemas.microsoft.com/office/drawing/2014/main" id="{FE17825A-63CE-4FE3-9311-77AAE3A9A027}"/>
-              </a:ext>
-            </a:extLst>
-          </p:cNvPr>
-          <p:cNvSpPr>
-            <a:spLocks noGrp="1"/>
-          </p:cNvSpPr>
-          <p:nvPr>
-            <p:ph idx="1"/>
-          </p:nvPr>
-        </p:nvSpPr>
-        <p:spPr>
-          <a:xfrm>
-            <a:off x="534291" y="1142279"/>
-            <a:ext cx="9281274" cy="3090532"/>
-          </a:xfrm>
-        </p:spPr>
-        <p:txBody>
-          <a:bodyPr/>
-          <a:lstStyle/>
-          <a:p>
-            <a:pPr marL="457200" indent="-457200">
-              <a:buFont typeface="Arial" panose="020B0604020202020204" pitchFamily="34" charset="0"/>
-              <a:buChar char="•"/>
-            </a:pPr>
-            <a:r>
-              <a:rPr lang="nl-BE" sz="2000" dirty="0"/>
-              <a:t>Roles/groups are linked to each other in the playbook</a:t>
-            </a:r>
-          </a:p>
-          <a:p>
-            <a:pPr marL="457200" indent="-457200">
-              <a:buFont typeface="Arial" panose="020B0604020202020204" pitchFamily="34" charset="0"/>
-              <a:buChar char="•"/>
-            </a:pPr>
-            <a:r>
-              <a:rPr lang="nl-BE" sz="2000" dirty="0"/>
-              <a:t>Roles are linked to a group or host</a:t>
-            </a:r>
-          </a:p>
-          <a:p>
-            <a:r>
-              <a:rPr lang="nl-BE" sz="1800" dirty="0"/>
-              <a:t>(Which roles are specified under specific group are own choice)</a:t>
-            </a:r>
-          </a:p>
-          <a:p>
-            <a:pPr marL="457200" indent="-457200">
-              <a:buFont typeface="Arial" panose="020B0604020202020204" pitchFamily="34" charset="0"/>
-              <a:buChar char="•"/>
-            </a:pPr>
-            <a:r>
-              <a:rPr lang="nl-BE" sz="2000" dirty="0"/>
-              <a:t>Playbook can have different name than “playbook”</a:t>
-            </a:r>
-          </a:p>
-          <a:p>
-            <a:endParaRPr lang="nl-BE" sz="2000" b="1" dirty="0"/>
-          </a:p>
-          <a:p>
-            <a:endParaRPr lang="en-US" sz="2000" dirty="0"/>
-          </a:p>
-        </p:txBody>
-      </p:sp>
-      <p:sp>
-        <p:nvSpPr>
-          <p:cNvPr id="4" name="Footer Placeholder 3">
-            <a:extLst>
-              <a:ext uri="{FF2B5EF4-FFF2-40B4-BE49-F238E27FC236}">
-                <a16:creationId xmlns:a16="http://schemas.microsoft.com/office/drawing/2014/main" id="{21588CFD-6B99-4D26-9B8E-BC7163B80B98}"/>
+          <p:cNvPr id="8" name="Tijdelijke aanduiding voor datum 1">
+            <a:extLst>
+              <a:ext uri="{FF2B5EF4-FFF2-40B4-BE49-F238E27FC236}">
+                <a16:creationId xmlns:a16="http://schemas.microsoft.com/office/drawing/2014/main" id="{071B7CCA-0101-47DF-BDDD-97C3F5ABD31C}"/>
+              </a:ext>
+            </a:extLst>
+          </p:cNvPr>
+          <p:cNvSpPr>
+            <a:spLocks noGrp="1"/>
+          </p:cNvSpPr>
+          <p:nvPr>
+            <p:ph type="dt" sz="half" idx="10"/>
+          </p:nvPr>
+        </p:nvSpPr>
+        <p:spPr/>
+        <p:txBody>
+          <a:bodyPr/>
+          <a:lstStyle/>
+          <a:p>
+            <a:r>
+              <a:rPr lang="nl-BE" dirty="0"/>
+              <a:t>31/01/2022</a:t>
+            </a:r>
+          </a:p>
+        </p:txBody>
+      </p:sp>
+      <p:sp>
+        <p:nvSpPr>
+          <p:cNvPr id="7" name="Footer Placeholder 3">
+            <a:extLst>
+              <a:ext uri="{FF2B5EF4-FFF2-40B4-BE49-F238E27FC236}">
+                <a16:creationId xmlns:a16="http://schemas.microsoft.com/office/drawing/2014/main" id="{67CC5EEC-6AE9-490F-8F88-E9F460CE1001}"/>
               </a:ext>
             </a:extLst>
           </p:cNvPr>
@@ -16922,7 +17154,7 @@
           <a:lstStyle/>
           <a:p>
             <a:r>
-              <a:rPr lang="nl-BE" dirty="0"/>
+              <a:rPr lang="en-US" dirty="0"/>
               <a:t>Ansible - Introduction</a:t>
             </a:r>
           </a:p>
@@ -16933,7 +17165,7 @@
           <p:cNvPr id="5" name="Slide Number Placeholder 4">
             <a:extLst>
               <a:ext uri="{FF2B5EF4-FFF2-40B4-BE49-F238E27FC236}">
-                <a16:creationId xmlns:a16="http://schemas.microsoft.com/office/drawing/2014/main" id="{94A5AC1C-092E-4EC9-BA7C-4F212D666B50}"/>
+                <a16:creationId xmlns:a16="http://schemas.microsoft.com/office/drawing/2014/main" id="{02D6F86B-6F5D-45E1-B852-6CA617042C82}"/>
               </a:ext>
             </a:extLst>
           </p:cNvPr>
@@ -16951,6 +17183,7 @@
           <a:p>
             <a:fld id="{FF88DA20-ED00-471C-9170-60F590CB400A}" type="slidenum">
               <a:rPr lang="nl-BE" smtClean="0"/>
+              <a:pPr/>
               <a:t>38</a:t>
             </a:fld>
             <a:endParaRPr lang="nl-BE"/>
@@ -16959,10 +17192,10 @@
       </p:sp>
       <p:pic>
         <p:nvPicPr>
-          <p:cNvPr id="7" name="Picture 6">
-            <a:extLst>
-              <a:ext uri="{FF2B5EF4-FFF2-40B4-BE49-F238E27FC236}">
-                <a16:creationId xmlns:a16="http://schemas.microsoft.com/office/drawing/2014/main" id="{0610CE46-01DF-44CC-B2AA-569D3067677E}"/>
+          <p:cNvPr id="3" name="Picture 2">
+            <a:extLst>
+              <a:ext uri="{FF2B5EF4-FFF2-40B4-BE49-F238E27FC236}">
+                <a16:creationId xmlns:a16="http://schemas.microsoft.com/office/drawing/2014/main" id="{D3412B10-F8EC-4ECD-9FB4-92DBFB0BF662}"/>
               </a:ext>
             </a:extLst>
           </p:cNvPr>
@@ -16971,16 +17204,15 @@
           </p:cNvPicPr>
           <p:nvPr/>
         </p:nvPicPr>
-        <p:blipFill>
+        <p:blipFill rotWithShape="1">
           <a:blip r:embed="rId2"/>
-          <a:stretch>
-            <a:fillRect/>
-          </a:stretch>
+          <a:srcRect l="3050" t="29751" r="3050" b="11977"/>
+          <a:stretch/>
         </p:blipFill>
         <p:spPr>
           <a:xfrm>
-            <a:off x="3024834" y="2804193"/>
-            <a:ext cx="7802099" cy="3917793"/>
+            <a:off x="5145800" y="793845"/>
+            <a:ext cx="6214533" cy="5452155"/>
           </a:xfrm>
           <a:prstGeom prst="rect">
             <a:avLst/>
@@ -16990,7 +17222,7 @@
     </p:spTree>
     <p:extLst>
       <p:ext uri="{BB962C8B-B14F-4D97-AF65-F5344CB8AC3E}">
-        <p14:creationId xmlns:p14="http://schemas.microsoft.com/office/powerpoint/2010/main" val="1642633515"/>
+        <p14:creationId xmlns:p14="http://schemas.microsoft.com/office/powerpoint/2010/main" val="3174141101"/>
       </p:ext>
     </p:extLst>
   </p:cSld>
@@ -17022,7 +17254,7 @@
           <p:cNvPr id="2" name="Title 1">
             <a:extLst>
               <a:ext uri="{FF2B5EF4-FFF2-40B4-BE49-F238E27FC236}">
-                <a16:creationId xmlns:a16="http://schemas.microsoft.com/office/drawing/2014/main" id="{516AF402-B805-463A-8761-2006D370D7AC}"/>
+                <a16:creationId xmlns:a16="http://schemas.microsoft.com/office/drawing/2014/main" id="{5AACE6E1-6A5D-4254-BDA8-C75CD8A44ED8}"/>
               </a:ext>
             </a:extLst>
           </p:cNvPr>
@@ -17044,7 +17276,7 @@
                   <a:srgbClr val="0085FE"/>
                 </a:solidFill>
               </a:rPr>
-              <a:t>Tasks and used modules</a:t>
+              <a:t>How are devices called upon</a:t>
             </a:r>
             <a:endParaRPr lang="en-US" dirty="0">
               <a:solidFill>
@@ -17056,10 +17288,84 @@
       </p:sp>
       <p:sp>
         <p:nvSpPr>
+          <p:cNvPr id="3" name="Content Placeholder 2">
+            <a:extLst>
+              <a:ext uri="{FF2B5EF4-FFF2-40B4-BE49-F238E27FC236}">
+                <a16:creationId xmlns:a16="http://schemas.microsoft.com/office/drawing/2014/main" id="{FE17825A-63CE-4FE3-9311-77AAE3A9A027}"/>
+              </a:ext>
+            </a:extLst>
+          </p:cNvPr>
+          <p:cNvSpPr>
+            <a:spLocks noGrp="1"/>
+          </p:cNvSpPr>
+          <p:nvPr>
+            <p:ph idx="1"/>
+          </p:nvPr>
+        </p:nvSpPr>
+        <p:spPr>
+          <a:xfrm>
+            <a:off x="534291" y="1451443"/>
+            <a:ext cx="9281274" cy="3090532"/>
+          </a:xfrm>
+        </p:spPr>
+        <p:txBody>
+          <a:bodyPr/>
+          <a:lstStyle/>
+          <a:p>
+            <a:pPr marL="457200" indent="-457200">
+              <a:buFont typeface="Arial" panose="020B0604020202020204" pitchFamily="34" charset="0"/>
+              <a:buChar char="•"/>
+            </a:pPr>
+            <a:r>
+              <a:rPr lang="nl-BE" sz="2000" dirty="0"/>
+              <a:t>With use of the file/inventory file</a:t>
+            </a:r>
+          </a:p>
+          <a:p>
+            <a:pPr marL="815363" lvl="1" indent="-457200">
+              <a:buFont typeface="Arial" panose="020B0604020202020204" pitchFamily="34" charset="0"/>
+              <a:buChar char="•"/>
+            </a:pPr>
+            <a:r>
+              <a:rPr lang="nl-BE" sz="2000" dirty="0"/>
+              <a:t>Host-ID’s are for individual plays/tasks</a:t>
+            </a:r>
+          </a:p>
+          <a:p>
+            <a:pPr marL="815363" lvl="1" indent="-457200">
+              <a:buFont typeface="Arial" panose="020B0604020202020204" pitchFamily="34" charset="0"/>
+              <a:buChar char="•"/>
+            </a:pPr>
+            <a:r>
+              <a:rPr lang="nl-BE" sz="2000" dirty="0"/>
+              <a:t>Group name’s are for common plays</a:t>
+            </a:r>
+          </a:p>
+          <a:p>
+            <a:pPr marL="815363" lvl="1" indent="-457200">
+              <a:buFont typeface="Arial" panose="020B0604020202020204" pitchFamily="34" charset="0"/>
+              <a:buChar char="•"/>
+            </a:pPr>
+            <a:r>
+              <a:rPr lang="en-US" sz="2000" dirty="0"/>
+              <a:t>Variables are for groups or </a:t>
+            </a:r>
+          </a:p>
+          <a:p>
+            <a:pPr lvl="1"/>
+            <a:r>
+              <a:rPr lang="en-US" sz="2000" dirty="0"/>
+              <a:t>individual hosts (caution for spacing!)</a:t>
+            </a:r>
+          </a:p>
+        </p:txBody>
+      </p:sp>
+      <p:sp>
+        <p:nvSpPr>
           <p:cNvPr id="4" name="Footer Placeholder 3">
             <a:extLst>
               <a:ext uri="{FF2B5EF4-FFF2-40B4-BE49-F238E27FC236}">
-                <a16:creationId xmlns:a16="http://schemas.microsoft.com/office/drawing/2014/main" id="{D1A712F8-4B7E-4E93-B599-0230989E62FF}"/>
+                <a16:creationId xmlns:a16="http://schemas.microsoft.com/office/drawing/2014/main" id="{21588CFD-6B99-4D26-9B8E-BC7163B80B98}"/>
               </a:ext>
             </a:extLst>
           </p:cNvPr>
@@ -17076,7 +17382,7 @@
           <a:lstStyle/>
           <a:p>
             <a:r>
-              <a:rPr lang="en-US" dirty="0"/>
+              <a:rPr lang="nl-BE" dirty="0"/>
               <a:t>Ansible - Introduction</a:t>
             </a:r>
           </a:p>
@@ -17087,7 +17393,7 @@
           <p:cNvPr id="5" name="Slide Number Placeholder 4">
             <a:extLst>
               <a:ext uri="{FF2B5EF4-FFF2-40B4-BE49-F238E27FC236}">
-                <a16:creationId xmlns:a16="http://schemas.microsoft.com/office/drawing/2014/main" id="{4D9DDEC3-4B59-4F49-A668-524CBFFAA4F2}"/>
+                <a16:creationId xmlns:a16="http://schemas.microsoft.com/office/drawing/2014/main" id="{94A5AC1C-092E-4EC9-BA7C-4F212D666B50}"/>
               </a:ext>
             </a:extLst>
           </p:cNvPr>
@@ -17113,121 +17419,10 @@
       </p:sp>
       <p:pic>
         <p:nvPicPr>
-          <p:cNvPr id="12" name="Picture 11">
-            <a:extLst>
-              <a:ext uri="{FF2B5EF4-FFF2-40B4-BE49-F238E27FC236}">
-                <a16:creationId xmlns:a16="http://schemas.microsoft.com/office/drawing/2014/main" id="{61509144-B87C-4D8C-96F2-42648D3B6C38}"/>
-              </a:ext>
-            </a:extLst>
-          </p:cNvPr>
-          <p:cNvPicPr>
-            <a:picLocks noChangeAspect="1"/>
-          </p:cNvPicPr>
-          <p:nvPr/>
-        </p:nvPicPr>
-        <p:blipFill rotWithShape="1">
-          <a:blip r:embed="rId2"/>
-          <a:srcRect t="26427" r="23020" b="50000"/>
-          <a:stretch/>
-        </p:blipFill>
-        <p:spPr>
-          <a:xfrm>
-            <a:off x="678291" y="3521427"/>
-            <a:ext cx="2567775" cy="1616609"/>
-          </a:xfrm>
-          <a:prstGeom prst="rect">
-            <a:avLst/>
-          </a:prstGeom>
-        </p:spPr>
-      </p:pic>
-      <p:cxnSp>
-        <p:nvCxnSpPr>
-          <p:cNvPr id="19" name="Straight Arrow Connector 18">
-            <a:extLst>
-              <a:ext uri="{FF2B5EF4-FFF2-40B4-BE49-F238E27FC236}">
-                <a16:creationId xmlns:a16="http://schemas.microsoft.com/office/drawing/2014/main" id="{75004B0D-A897-4B60-8F47-78ED49EF3BEE}"/>
-              </a:ext>
-            </a:extLst>
-          </p:cNvPr>
-          <p:cNvCxnSpPr>
-            <a:cxnSpLocks/>
-          </p:cNvCxnSpPr>
-          <p:nvPr/>
-        </p:nvCxnSpPr>
-        <p:spPr>
-          <a:xfrm>
-            <a:off x="2128774" y="2140891"/>
-            <a:ext cx="0" cy="522115"/>
-          </a:xfrm>
-          <a:prstGeom prst="straightConnector1">
-            <a:avLst/>
-          </a:prstGeom>
-          <a:ln>
-            <a:tailEnd type="triangle"/>
-          </a:ln>
-        </p:spPr>
-        <p:style>
-          <a:lnRef idx="1">
-            <a:schemeClr val="accent1"/>
-          </a:lnRef>
-          <a:fillRef idx="0">
-            <a:schemeClr val="accent1"/>
-          </a:fillRef>
-          <a:effectRef idx="0">
-            <a:schemeClr val="accent1"/>
-          </a:effectRef>
-          <a:fontRef idx="minor">
-            <a:schemeClr val="tx1"/>
-          </a:fontRef>
-        </p:style>
-      </p:cxnSp>
-      <p:cxnSp>
-        <p:nvCxnSpPr>
-          <p:cNvPr id="21" name="Straight Arrow Connector 20">
-            <a:extLst>
-              <a:ext uri="{FF2B5EF4-FFF2-40B4-BE49-F238E27FC236}">
-                <a16:creationId xmlns:a16="http://schemas.microsoft.com/office/drawing/2014/main" id="{E90E9838-EE7E-4647-BF2D-FC83D623053A}"/>
-              </a:ext>
-            </a:extLst>
-          </p:cNvPr>
-          <p:cNvCxnSpPr>
-            <a:cxnSpLocks/>
-          </p:cNvCxnSpPr>
-          <p:nvPr/>
-        </p:nvCxnSpPr>
-        <p:spPr>
-          <a:xfrm>
-            <a:off x="2128774" y="3054787"/>
-            <a:ext cx="0" cy="467290"/>
-          </a:xfrm>
-          <a:prstGeom prst="straightConnector1">
-            <a:avLst/>
-          </a:prstGeom>
-          <a:ln>
-            <a:tailEnd type="triangle"/>
-          </a:ln>
-        </p:spPr>
-        <p:style>
-          <a:lnRef idx="1">
-            <a:schemeClr val="accent1"/>
-          </a:lnRef>
-          <a:fillRef idx="0">
-            <a:schemeClr val="accent1"/>
-          </a:fillRef>
-          <a:effectRef idx="0">
-            <a:schemeClr val="accent1"/>
-          </a:effectRef>
-          <a:fontRef idx="minor">
-            <a:schemeClr val="tx1"/>
-          </a:fontRef>
-        </p:style>
-      </p:cxnSp>
-      <p:pic>
-        <p:nvPicPr>
-          <p:cNvPr id="33" name="Picture 32">
-            <a:extLst>
-              <a:ext uri="{FF2B5EF4-FFF2-40B4-BE49-F238E27FC236}">
-                <a16:creationId xmlns:a16="http://schemas.microsoft.com/office/drawing/2014/main" id="{6927A087-B4BF-43A7-B89F-8A1A09D13207}"/>
+          <p:cNvPr id="10" name="Picture 9">
+            <a:extLst>
+              <a:ext uri="{FF2B5EF4-FFF2-40B4-BE49-F238E27FC236}">
+                <a16:creationId xmlns:a16="http://schemas.microsoft.com/office/drawing/2014/main" id="{A95D09E1-D029-4054-90EE-D10114570838}"/>
               </a:ext>
             </a:extLst>
           </p:cNvPr>
@@ -17237,380 +17432,25 @@
           <p:nvPr/>
         </p:nvPicPr>
         <p:blipFill>
-          <a:blip r:embed="rId3"/>
+          <a:blip r:embed="rId2"/>
           <a:stretch>
             <a:fillRect/>
           </a:stretch>
         </p:blipFill>
         <p:spPr>
           <a:xfrm>
-            <a:off x="9712144" y="448153"/>
-            <a:ext cx="2054870" cy="2656715"/>
+            <a:off x="5387691" y="612000"/>
+            <a:ext cx="6408309" cy="5245157"/>
           </a:xfrm>
           <a:prstGeom prst="rect">
             <a:avLst/>
           </a:prstGeom>
-        </p:spPr>
-      </p:pic>
-      <p:sp>
-        <p:nvSpPr>
-          <p:cNvPr id="36" name="TextBox 35">
-            <a:extLst>
-              <a:ext uri="{FF2B5EF4-FFF2-40B4-BE49-F238E27FC236}">
-                <a16:creationId xmlns:a16="http://schemas.microsoft.com/office/drawing/2014/main" id="{8F39B721-D73A-4FE1-8427-638C6BF2BF32}"/>
-              </a:ext>
-            </a:extLst>
-          </p:cNvPr>
-          <p:cNvSpPr txBox="1"/>
-          <p:nvPr/>
-        </p:nvSpPr>
-        <p:spPr>
-          <a:xfrm>
-            <a:off x="9321433" y="3169760"/>
-            <a:ext cx="2658712" cy="276999"/>
-          </a:xfrm>
-          <a:prstGeom prst="rect">
-            <a:avLst/>
-          </a:prstGeom>
-          <a:noFill/>
-        </p:spPr>
-        <p:txBody>
-          <a:bodyPr wrap="square" rtlCol="0">
-            <a:spAutoFit/>
-          </a:bodyPr>
-          <a:lstStyle/>
-          <a:p>
-            <a:r>
-              <a:rPr lang="nl-BE" sz="1200" b="1" dirty="0"/>
-              <a:t>Not in playbook.yml but in task/main.yml</a:t>
-            </a:r>
-          </a:p>
-        </p:txBody>
-      </p:sp>
-      <p:pic>
-        <p:nvPicPr>
-          <p:cNvPr id="42" name="Picture 41">
-            <a:extLst>
-              <a:ext uri="{FF2B5EF4-FFF2-40B4-BE49-F238E27FC236}">
-                <a16:creationId xmlns:a16="http://schemas.microsoft.com/office/drawing/2014/main" id="{48885652-985C-4A1E-A1AD-01BAF8CEB1C5}"/>
-              </a:ext>
-            </a:extLst>
-          </p:cNvPr>
-          <p:cNvPicPr>
-            <a:picLocks noChangeAspect="1"/>
-          </p:cNvPicPr>
-          <p:nvPr/>
-        </p:nvPicPr>
-        <p:blipFill>
-          <a:blip r:embed="rId4"/>
-          <a:stretch>
-            <a:fillRect/>
-          </a:stretch>
-        </p:blipFill>
-        <p:spPr>
-          <a:xfrm>
-            <a:off x="678291" y="1106375"/>
-            <a:ext cx="3272525" cy="1103784"/>
-          </a:xfrm>
-          <a:prstGeom prst="rect">
-            <a:avLst/>
-          </a:prstGeom>
-        </p:spPr>
-      </p:pic>
-      <p:pic>
-        <p:nvPicPr>
-          <p:cNvPr id="50" name="Picture 49">
-            <a:extLst>
-              <a:ext uri="{FF2B5EF4-FFF2-40B4-BE49-F238E27FC236}">
-                <a16:creationId xmlns:a16="http://schemas.microsoft.com/office/drawing/2014/main" id="{8D473DFE-B475-4AE5-AF64-06BDD37930A1}"/>
-              </a:ext>
-            </a:extLst>
-          </p:cNvPr>
-          <p:cNvPicPr>
-            <a:picLocks noChangeAspect="1"/>
-          </p:cNvPicPr>
-          <p:nvPr/>
-        </p:nvPicPr>
-        <p:blipFill>
-          <a:blip r:embed="rId5"/>
-          <a:stretch>
-            <a:fillRect/>
-          </a:stretch>
-        </p:blipFill>
-        <p:spPr>
-          <a:xfrm>
-            <a:off x="4610212" y="442272"/>
-            <a:ext cx="2971576" cy="2865987"/>
-          </a:xfrm>
-          <a:prstGeom prst="rect">
-            <a:avLst/>
-          </a:prstGeom>
-        </p:spPr>
-      </p:pic>
-      <p:pic>
-        <p:nvPicPr>
-          <p:cNvPr id="52" name="Picture 51">
-            <a:extLst>
-              <a:ext uri="{FF2B5EF4-FFF2-40B4-BE49-F238E27FC236}">
-                <a16:creationId xmlns:a16="http://schemas.microsoft.com/office/drawing/2014/main" id="{87AC6E72-E164-4E8D-B8E1-BA5B5F2573DC}"/>
-              </a:ext>
-            </a:extLst>
-          </p:cNvPr>
-          <p:cNvPicPr>
-            <a:picLocks noChangeAspect="1"/>
-          </p:cNvPicPr>
-          <p:nvPr/>
-        </p:nvPicPr>
-        <p:blipFill>
-          <a:blip r:embed="rId6"/>
-          <a:stretch>
-            <a:fillRect/>
-          </a:stretch>
-        </p:blipFill>
-        <p:spPr>
-          <a:xfrm>
-            <a:off x="4714263" y="3550672"/>
-            <a:ext cx="3713906" cy="1853333"/>
-          </a:xfrm>
-          <a:prstGeom prst="rect">
-            <a:avLst/>
-          </a:prstGeom>
-        </p:spPr>
-      </p:pic>
-      <p:cxnSp>
-        <p:nvCxnSpPr>
-          <p:cNvPr id="54" name="Connector: Elbow 53">
-            <a:extLst>
-              <a:ext uri="{FF2B5EF4-FFF2-40B4-BE49-F238E27FC236}">
-                <a16:creationId xmlns:a16="http://schemas.microsoft.com/office/drawing/2014/main" id="{B05FD79B-42FB-420F-BFAC-85FFBFC975B1}"/>
-              </a:ext>
-            </a:extLst>
-          </p:cNvPr>
-          <p:cNvCxnSpPr>
-            <a:cxnSpLocks/>
-            <a:stCxn id="12" idx="2"/>
-            <a:endCxn id="50" idx="0"/>
-          </p:cNvCxnSpPr>
-          <p:nvPr/>
-        </p:nvCxnSpPr>
-        <p:spPr>
-          <a:xfrm rot="5400000" flipH="1" flipV="1">
-            <a:off x="1681207" y="723243"/>
-            <a:ext cx="4695764" cy="4133821"/>
-          </a:xfrm>
-          <a:prstGeom prst="bentConnector5">
-            <a:avLst>
-              <a:gd name="adj1" fmla="val -4868"/>
-              <a:gd name="adj2" fmla="val 56570"/>
-              <a:gd name="adj3" fmla="val 104868"/>
-            </a:avLst>
-          </a:prstGeom>
-          <a:ln>
-            <a:tailEnd type="triangle"/>
-          </a:ln>
-        </p:spPr>
-        <p:style>
-          <a:lnRef idx="1">
-            <a:schemeClr val="accent1"/>
-          </a:lnRef>
-          <a:fillRef idx="0">
-            <a:schemeClr val="accent1"/>
-          </a:fillRef>
-          <a:effectRef idx="0">
-            <a:schemeClr val="accent1"/>
-          </a:effectRef>
-          <a:fontRef idx="minor">
-            <a:schemeClr val="tx1"/>
-          </a:fontRef>
-        </p:style>
-      </p:cxnSp>
-      <p:cxnSp>
-        <p:nvCxnSpPr>
-          <p:cNvPr id="58" name="Straight Arrow Connector 57">
-            <a:extLst>
-              <a:ext uri="{FF2B5EF4-FFF2-40B4-BE49-F238E27FC236}">
-                <a16:creationId xmlns:a16="http://schemas.microsoft.com/office/drawing/2014/main" id="{6089ABCF-207E-40F2-B287-9125286065CB}"/>
-              </a:ext>
-            </a:extLst>
-          </p:cNvPr>
-          <p:cNvCxnSpPr>
-            <a:cxnSpLocks/>
-            <a:stCxn id="50" idx="2"/>
-          </p:cNvCxnSpPr>
-          <p:nvPr/>
-        </p:nvCxnSpPr>
-        <p:spPr>
-          <a:xfrm>
-            <a:off x="6096000" y="3308259"/>
-            <a:ext cx="0" cy="241483"/>
-          </a:xfrm>
-          <a:prstGeom prst="straightConnector1">
-            <a:avLst/>
-          </a:prstGeom>
-          <a:ln>
-            <a:tailEnd type="triangle"/>
-          </a:ln>
-        </p:spPr>
-        <p:style>
-          <a:lnRef idx="1">
-            <a:schemeClr val="accent1"/>
-          </a:lnRef>
-          <a:fillRef idx="0">
-            <a:schemeClr val="accent1"/>
-          </a:fillRef>
-          <a:effectRef idx="0">
-            <a:schemeClr val="accent1"/>
-          </a:effectRef>
-          <a:fontRef idx="minor">
-            <a:schemeClr val="tx1"/>
-          </a:fontRef>
-        </p:style>
-      </p:cxnSp>
-      <p:cxnSp>
-        <p:nvCxnSpPr>
-          <p:cNvPr id="61" name="Connector: Elbow 60">
-            <a:extLst>
-              <a:ext uri="{FF2B5EF4-FFF2-40B4-BE49-F238E27FC236}">
-                <a16:creationId xmlns:a16="http://schemas.microsoft.com/office/drawing/2014/main" id="{8B78ECF8-9008-46B4-BF95-082860F05C5E}"/>
-              </a:ext>
-            </a:extLst>
-          </p:cNvPr>
-          <p:cNvCxnSpPr>
-            <a:cxnSpLocks/>
-            <a:stCxn id="52" idx="3"/>
-            <a:endCxn id="66" idx="0"/>
-          </p:cNvCxnSpPr>
-          <p:nvPr/>
-        </p:nvCxnSpPr>
-        <p:spPr>
-          <a:xfrm>
-            <a:off x="8428169" y="4477339"/>
-            <a:ext cx="1725923" cy="984874"/>
-          </a:xfrm>
-          <a:prstGeom prst="bentConnector2">
-            <a:avLst/>
-          </a:prstGeom>
-          <a:ln>
-            <a:tailEnd type="triangle"/>
-          </a:ln>
-        </p:spPr>
-        <p:style>
-          <a:lnRef idx="1">
-            <a:schemeClr val="accent1"/>
-          </a:lnRef>
-          <a:fillRef idx="0">
-            <a:schemeClr val="accent1"/>
-          </a:fillRef>
-          <a:effectRef idx="0">
-            <a:schemeClr val="accent1"/>
-          </a:effectRef>
-          <a:fontRef idx="minor">
-            <a:schemeClr val="tx1"/>
-          </a:fontRef>
-        </p:style>
-      </p:cxnSp>
-      <p:pic>
-        <p:nvPicPr>
-          <p:cNvPr id="66" name="Picture 65">
-            <a:extLst>
-              <a:ext uri="{FF2B5EF4-FFF2-40B4-BE49-F238E27FC236}">
-                <a16:creationId xmlns:a16="http://schemas.microsoft.com/office/drawing/2014/main" id="{7F822350-50A4-45C9-A909-252B278AAA39}"/>
-              </a:ext>
-            </a:extLst>
-          </p:cNvPr>
-          <p:cNvPicPr>
-            <a:picLocks noChangeAspect="1"/>
-          </p:cNvPicPr>
-          <p:nvPr/>
-        </p:nvPicPr>
-        <p:blipFill>
-          <a:blip r:embed="rId7"/>
-          <a:stretch>
-            <a:fillRect/>
-          </a:stretch>
-        </p:blipFill>
-        <p:spPr>
-          <a:xfrm>
-            <a:off x="8116184" y="5462213"/>
-            <a:ext cx="4075816" cy="1406697"/>
-          </a:xfrm>
-          <a:prstGeom prst="rect">
-            <a:avLst/>
-          </a:prstGeom>
-        </p:spPr>
-      </p:pic>
-      <p:pic>
-        <p:nvPicPr>
-          <p:cNvPr id="69" name="Picture 68">
-            <a:extLst>
-              <a:ext uri="{FF2B5EF4-FFF2-40B4-BE49-F238E27FC236}">
-                <a16:creationId xmlns:a16="http://schemas.microsoft.com/office/drawing/2014/main" id="{A5567FCD-8DFA-48BF-820D-696EC8981BBC}"/>
-              </a:ext>
-            </a:extLst>
-          </p:cNvPr>
-          <p:cNvPicPr>
-            <a:picLocks noChangeAspect="1"/>
-          </p:cNvPicPr>
-          <p:nvPr/>
-        </p:nvPicPr>
-        <p:blipFill rotWithShape="1">
-          <a:blip r:embed="rId8"/>
-          <a:srcRect r="-1879" b="62315"/>
-          <a:stretch/>
-        </p:blipFill>
-        <p:spPr>
-          <a:xfrm>
-            <a:off x="913832" y="2692685"/>
-            <a:ext cx="2801442" cy="362102"/>
-          </a:xfrm>
-          <a:prstGeom prst="rect">
-            <a:avLst/>
-          </a:prstGeom>
-        </p:spPr>
-      </p:pic>
-      <p:pic>
-        <p:nvPicPr>
-          <p:cNvPr id="72" name="Picture 71">
-            <a:extLst>
-              <a:ext uri="{FF2B5EF4-FFF2-40B4-BE49-F238E27FC236}">
-                <a16:creationId xmlns:a16="http://schemas.microsoft.com/office/drawing/2014/main" id="{053C982C-0E2A-4C10-BF54-4E921F3BF353}"/>
-              </a:ext>
-            </a:extLst>
-          </p:cNvPr>
-          <p:cNvPicPr>
-            <a:picLocks noChangeAspect="1"/>
-          </p:cNvPicPr>
-          <p:nvPr/>
-        </p:nvPicPr>
-        <p:blipFill rotWithShape="1">
-          <a:blip r:embed="rId9"/>
-          <a:srcRect r="14511" b="21246"/>
-          <a:stretch/>
-        </p:blipFill>
-        <p:spPr>
-          <a:xfrm>
-            <a:off x="3715274" y="5998242"/>
-            <a:ext cx="1853425" cy="604709"/>
-          </a:xfrm>
-          <a:prstGeom prst="rect">
-            <a:avLst/>
-          </a:prstGeom>
-          <a:ln>
-            <a:noFill/>
-          </a:ln>
-          <a:effectLst>
-            <a:outerShdw blurRad="190500" algn="tl" rotWithShape="0">
-              <a:srgbClr val="000000">
-                <a:alpha val="70000"/>
-              </a:srgbClr>
-            </a:outerShdw>
-          </a:effectLst>
         </p:spPr>
       </p:pic>
     </p:spTree>
     <p:extLst>
       <p:ext uri="{BB962C8B-B14F-4D97-AF65-F5344CB8AC3E}">
-        <p14:creationId xmlns:p14="http://schemas.microsoft.com/office/powerpoint/2010/main" val="2369688689"/>
+        <p14:creationId xmlns:p14="http://schemas.microsoft.com/office/powerpoint/2010/main" val="710880769"/>
       </p:ext>
     </p:extLst>
   </p:cSld>
@@ -17813,7 +17653,7 @@
           <p:cNvPr id="2" name="Title 1">
             <a:extLst>
               <a:ext uri="{FF2B5EF4-FFF2-40B4-BE49-F238E27FC236}">
-                <a16:creationId xmlns:a16="http://schemas.microsoft.com/office/drawing/2014/main" id="{516AF402-B805-463A-8761-2006D370D7AC}"/>
+                <a16:creationId xmlns:a16="http://schemas.microsoft.com/office/drawing/2014/main" id="{5AACE6E1-6A5D-4254-BDA8-C75CD8A44ED8}"/>
               </a:ext>
             </a:extLst>
           </p:cNvPr>
@@ -17835,7 +17675,7 @@
                   <a:srgbClr val="0085FE"/>
                 </a:solidFill>
               </a:rPr>
-              <a:t>Tasks and used modules</a:t>
+              <a:t>Connect hosts/groups to roles</a:t>
             </a:r>
             <a:endParaRPr lang="en-US" dirty="0">
               <a:solidFill>
@@ -17847,10 +17687,79 @@
       </p:sp>
       <p:sp>
         <p:nvSpPr>
+          <p:cNvPr id="3" name="Content Placeholder 2">
+            <a:extLst>
+              <a:ext uri="{FF2B5EF4-FFF2-40B4-BE49-F238E27FC236}">
+                <a16:creationId xmlns:a16="http://schemas.microsoft.com/office/drawing/2014/main" id="{FE17825A-63CE-4FE3-9311-77AAE3A9A027}"/>
+              </a:ext>
+            </a:extLst>
+          </p:cNvPr>
+          <p:cNvSpPr>
+            <a:spLocks noGrp="1"/>
+          </p:cNvSpPr>
+          <p:nvPr>
+            <p:ph idx="1"/>
+          </p:nvPr>
+        </p:nvSpPr>
+        <p:spPr>
+          <a:xfrm>
+            <a:off x="534291" y="1142279"/>
+            <a:ext cx="9281274" cy="3090532"/>
+          </a:xfrm>
+        </p:spPr>
+        <p:txBody>
+          <a:bodyPr/>
+          <a:lstStyle/>
+          <a:p>
+            <a:pPr marL="457200" indent="-457200">
+              <a:buFont typeface="Arial" panose="020B0604020202020204" pitchFamily="34" charset="0"/>
+              <a:buChar char="•"/>
+            </a:pPr>
+            <a:r>
+              <a:rPr lang="nl-BE" sz="2000" dirty="0"/>
+              <a:t>Roles/groups are linked to each other in the playbook</a:t>
+            </a:r>
+          </a:p>
+          <a:p>
+            <a:pPr marL="457200" indent="-457200">
+              <a:buFont typeface="Arial" panose="020B0604020202020204" pitchFamily="34" charset="0"/>
+              <a:buChar char="•"/>
+            </a:pPr>
+            <a:r>
+              <a:rPr lang="nl-BE" sz="2000" dirty="0"/>
+              <a:t>Roles are linked to a group or host</a:t>
+            </a:r>
+          </a:p>
+          <a:p>
+            <a:r>
+              <a:rPr lang="nl-BE" sz="1800" dirty="0"/>
+              <a:t>(Which roles are specified under specific group are own choice)</a:t>
+            </a:r>
+          </a:p>
+          <a:p>
+            <a:pPr marL="457200" indent="-457200">
+              <a:buFont typeface="Arial" panose="020B0604020202020204" pitchFamily="34" charset="0"/>
+              <a:buChar char="•"/>
+            </a:pPr>
+            <a:r>
+              <a:rPr lang="nl-BE" sz="2000" dirty="0"/>
+              <a:t>Playbook can have different name than “playbook”</a:t>
+            </a:r>
+          </a:p>
+          <a:p>
+            <a:endParaRPr lang="nl-BE" sz="2000" b="1" dirty="0"/>
+          </a:p>
+          <a:p>
+            <a:endParaRPr lang="en-US" sz="2000" dirty="0"/>
+          </a:p>
+        </p:txBody>
+      </p:sp>
+      <p:sp>
+        <p:nvSpPr>
           <p:cNvPr id="4" name="Footer Placeholder 3">
             <a:extLst>
               <a:ext uri="{FF2B5EF4-FFF2-40B4-BE49-F238E27FC236}">
-                <a16:creationId xmlns:a16="http://schemas.microsoft.com/office/drawing/2014/main" id="{D1A712F8-4B7E-4E93-B599-0230989E62FF}"/>
+                <a16:creationId xmlns:a16="http://schemas.microsoft.com/office/drawing/2014/main" id="{21588CFD-6B99-4D26-9B8E-BC7163B80B98}"/>
               </a:ext>
             </a:extLst>
           </p:cNvPr>
@@ -17867,7 +17776,7 @@
           <a:lstStyle/>
           <a:p>
             <a:r>
-              <a:rPr lang="en-US" dirty="0"/>
+              <a:rPr lang="nl-BE" dirty="0"/>
               <a:t>Ansible - Introduction</a:t>
             </a:r>
           </a:p>
@@ -17878,7 +17787,7 @@
           <p:cNvPr id="5" name="Slide Number Placeholder 4">
             <a:extLst>
               <a:ext uri="{FF2B5EF4-FFF2-40B4-BE49-F238E27FC236}">
-                <a16:creationId xmlns:a16="http://schemas.microsoft.com/office/drawing/2014/main" id="{4D9DDEC3-4B59-4F49-A668-524CBFFAA4F2}"/>
+                <a16:creationId xmlns:a16="http://schemas.microsoft.com/office/drawing/2014/main" id="{94A5AC1C-092E-4EC9-BA7C-4F212D666B50}"/>
               </a:ext>
             </a:extLst>
           </p:cNvPr>
@@ -17904,10 +17813,10 @@
       </p:sp>
       <p:pic>
         <p:nvPicPr>
-          <p:cNvPr id="6" name="Picture 5">
-            <a:extLst>
-              <a:ext uri="{FF2B5EF4-FFF2-40B4-BE49-F238E27FC236}">
-                <a16:creationId xmlns:a16="http://schemas.microsoft.com/office/drawing/2014/main" id="{E9E1A2F1-ABBE-47BC-AE2E-C5ECA2EBBFC1}"/>
+          <p:cNvPr id="7" name="Picture 6">
+            <a:extLst>
+              <a:ext uri="{FF2B5EF4-FFF2-40B4-BE49-F238E27FC236}">
+                <a16:creationId xmlns:a16="http://schemas.microsoft.com/office/drawing/2014/main" id="{0610CE46-01DF-44CC-B2AA-569D3067677E}"/>
               </a:ext>
             </a:extLst>
           </p:cNvPr>
@@ -17924,8 +17833,8 @@
         </p:blipFill>
         <p:spPr>
           <a:xfrm>
-            <a:off x="2307854" y="1881932"/>
-            <a:ext cx="7576292" cy="3094135"/>
+            <a:off x="3024834" y="2804193"/>
+            <a:ext cx="7802099" cy="3917793"/>
           </a:xfrm>
           <a:prstGeom prst="rect">
             <a:avLst/>
@@ -17935,7 +17844,7 @@
     </p:spTree>
     <p:extLst>
       <p:ext uri="{BB962C8B-B14F-4D97-AF65-F5344CB8AC3E}">
-        <p14:creationId xmlns:p14="http://schemas.microsoft.com/office/powerpoint/2010/main" val="2547040333"/>
+        <p14:creationId xmlns:p14="http://schemas.microsoft.com/office/powerpoint/2010/main" val="1642633515"/>
       </p:ext>
     </p:extLst>
   </p:cSld>
@@ -17964,71 +17873,38 @@
       </p:grpSpPr>
       <p:sp>
         <p:nvSpPr>
-          <p:cNvPr id="3" name="Content Placeholder 2">
-            <a:extLst>
-              <a:ext uri="{FF2B5EF4-FFF2-40B4-BE49-F238E27FC236}">
-                <a16:creationId xmlns:a16="http://schemas.microsoft.com/office/drawing/2014/main" id="{51AE9555-3952-4843-8008-7DD11BF43BAC}"/>
-              </a:ext>
-            </a:extLst>
-          </p:cNvPr>
-          <p:cNvSpPr>
-            <a:spLocks noGrp="1"/>
-          </p:cNvSpPr>
-          <p:nvPr>
-            <p:ph idx="1"/>
-          </p:nvPr>
-        </p:nvSpPr>
-        <p:spPr>
-          <a:xfrm>
-            <a:off x="469285" y="1028051"/>
-            <a:ext cx="9281274" cy="3090532"/>
-          </a:xfrm>
-        </p:spPr>
-        <p:txBody>
-          <a:bodyPr/>
-          <a:lstStyle/>
-          <a:p>
-            <a:pPr marL="457200" indent="-457200">
-              <a:buFont typeface="Arial" panose="020B0604020202020204" pitchFamily="34" charset="0"/>
-              <a:buChar char="•"/>
-            </a:pPr>
-            <a:r>
-              <a:rPr lang="nl-BE" sz="2000" dirty="0"/>
-              <a:t>Can be defined: </a:t>
-            </a:r>
-          </a:p>
-          <a:p>
-            <a:pPr marL="815363" lvl="1" indent="-457200">
-              <a:buFont typeface="Arial" panose="020B0604020202020204" pitchFamily="34" charset="0"/>
-              <a:buChar char="•"/>
-            </a:pPr>
-            <a:r>
-              <a:rPr lang="nl-BE" sz="2000" dirty="0"/>
-              <a:t>Under same group-indent (in hosts file) with “vars” keyword</a:t>
-            </a:r>
-          </a:p>
-          <a:p>
-            <a:pPr marL="815363" lvl="1" indent="-457200">
-              <a:buFont typeface="Arial" panose="020B0604020202020204" pitchFamily="34" charset="0"/>
-              <a:buChar char="•"/>
-            </a:pPr>
-            <a:r>
-              <a:rPr lang="nl-BE" sz="2000" dirty="0"/>
-              <a:t>Under vars/main.yml of role in “roles” directory</a:t>
-            </a:r>
-          </a:p>
-          <a:p>
-            <a:pPr marL="815363" lvl="1" indent="-457200">
-              <a:buFont typeface="Arial" panose="020B0604020202020204" pitchFamily="34" charset="0"/>
-              <a:buChar char="•"/>
-            </a:pPr>
-            <a:r>
-              <a:rPr lang="nl-BE" sz="2000" dirty="0"/>
-              <a:t>Under group_vars directory</a:t>
-            </a:r>
-          </a:p>
-          <a:p>
-            <a:endParaRPr lang="en-US" sz="2000" dirty="0"/>
+          <p:cNvPr id="2" name="Title 1">
+            <a:extLst>
+              <a:ext uri="{FF2B5EF4-FFF2-40B4-BE49-F238E27FC236}">
+                <a16:creationId xmlns:a16="http://schemas.microsoft.com/office/drawing/2014/main" id="{516AF402-B805-463A-8761-2006D370D7AC}"/>
+              </a:ext>
+            </a:extLst>
+          </p:cNvPr>
+          <p:cNvSpPr>
+            <a:spLocks noGrp="1"/>
+          </p:cNvSpPr>
+          <p:nvPr>
+            <p:ph type="title"/>
+          </p:nvPr>
+        </p:nvSpPr>
+        <p:spPr/>
+        <p:txBody>
+          <a:bodyPr/>
+          <a:lstStyle/>
+          <a:p>
+            <a:r>
+              <a:rPr lang="nl-BE" dirty="0">
+                <a:solidFill>
+                  <a:srgbClr val="0085FE"/>
+                </a:solidFill>
+              </a:rPr>
+              <a:t>Tasks and used modules</a:t>
+            </a:r>
+            <a:endParaRPr lang="en-US" dirty="0">
+              <a:solidFill>
+                <a:srgbClr val="0085FE"/>
+              </a:solidFill>
+            </a:endParaRPr>
           </a:p>
         </p:txBody>
       </p:sp>
@@ -18037,7 +17913,7 @@
           <p:cNvPr id="4" name="Footer Placeholder 3">
             <a:extLst>
               <a:ext uri="{FF2B5EF4-FFF2-40B4-BE49-F238E27FC236}">
-                <a16:creationId xmlns:a16="http://schemas.microsoft.com/office/drawing/2014/main" id="{88947A4A-A97F-4CD4-B794-6D4076A5261F}"/>
+                <a16:creationId xmlns:a16="http://schemas.microsoft.com/office/drawing/2014/main" id="{D1A712F8-4B7E-4E93-B599-0230989E62FF}"/>
               </a:ext>
             </a:extLst>
           </p:cNvPr>
@@ -18054,8 +17930,8 @@
           <a:lstStyle/>
           <a:p>
             <a:r>
-              <a:rPr lang="nl-BE" dirty="0"/>
-              <a:t>Ansible – Introduction</a:t>
+              <a:rPr lang="en-US" dirty="0"/>
+              <a:t>Ansible - Introduction</a:t>
             </a:r>
           </a:p>
         </p:txBody>
@@ -18065,7 +17941,7 @@
           <p:cNvPr id="5" name="Slide Number Placeholder 4">
             <a:extLst>
               <a:ext uri="{FF2B5EF4-FFF2-40B4-BE49-F238E27FC236}">
-                <a16:creationId xmlns:a16="http://schemas.microsoft.com/office/drawing/2014/main" id="{F1770228-2C71-4008-82FD-CF3B4801A8D8}"/>
+                <a16:creationId xmlns:a16="http://schemas.microsoft.com/office/drawing/2014/main" id="{4D9DDEC3-4B59-4F49-A668-524CBFFAA4F2}"/>
               </a:ext>
             </a:extLst>
           </p:cNvPr>
@@ -18089,54 +17965,123 @@
           </a:p>
         </p:txBody>
       </p:sp>
-      <p:sp>
-        <p:nvSpPr>
-          <p:cNvPr id="8" name="Title 1">
-            <a:extLst>
-              <a:ext uri="{FF2B5EF4-FFF2-40B4-BE49-F238E27FC236}">
-                <a16:creationId xmlns:a16="http://schemas.microsoft.com/office/drawing/2014/main" id="{F2361ACF-39B4-45D8-A1D6-8BDFCEB2B250}"/>
-              </a:ext>
-            </a:extLst>
-          </p:cNvPr>
-          <p:cNvSpPr>
-            <a:spLocks noGrp="1"/>
-          </p:cNvSpPr>
-          <p:nvPr>
-            <p:ph type="title"/>
-          </p:nvPr>
-        </p:nvSpPr>
-        <p:spPr>
-          <a:xfrm>
-            <a:off x="396000" y="612000"/>
-            <a:ext cx="10515600" cy="684000"/>
-          </a:xfrm>
-        </p:spPr>
-        <p:txBody>
-          <a:bodyPr/>
-          <a:lstStyle/>
-          <a:p>
-            <a:r>
-              <a:rPr lang="nl-BE" dirty="0">
-                <a:solidFill>
-                  <a:srgbClr val="0085FE"/>
-                </a:solidFill>
-              </a:rPr>
-              <a:t>Group/role specific variables</a:t>
-            </a:r>
-            <a:endParaRPr lang="en-US" dirty="0">
-              <a:solidFill>
-                <a:srgbClr val="0085FE"/>
-              </a:solidFill>
-            </a:endParaRPr>
-          </a:p>
-        </p:txBody>
-      </p:sp>
       <p:pic>
         <p:nvPicPr>
-          <p:cNvPr id="18" name="Picture 17">
-            <a:extLst>
-              <a:ext uri="{FF2B5EF4-FFF2-40B4-BE49-F238E27FC236}">
-                <a16:creationId xmlns:a16="http://schemas.microsoft.com/office/drawing/2014/main" id="{3E2CFFE3-FB64-4809-BA2F-D53D082D3C61}"/>
+          <p:cNvPr id="12" name="Picture 11">
+            <a:extLst>
+              <a:ext uri="{FF2B5EF4-FFF2-40B4-BE49-F238E27FC236}">
+                <a16:creationId xmlns:a16="http://schemas.microsoft.com/office/drawing/2014/main" id="{61509144-B87C-4D8C-96F2-42648D3B6C38}"/>
+              </a:ext>
+            </a:extLst>
+          </p:cNvPr>
+          <p:cNvPicPr>
+            <a:picLocks noChangeAspect="1"/>
+          </p:cNvPicPr>
+          <p:nvPr/>
+        </p:nvPicPr>
+        <p:blipFill rotWithShape="1">
+          <a:blip r:embed="rId2"/>
+          <a:srcRect t="26427" r="23020" b="50000"/>
+          <a:stretch/>
+        </p:blipFill>
+        <p:spPr>
+          <a:xfrm>
+            <a:off x="678291" y="3521427"/>
+            <a:ext cx="2567775" cy="1616609"/>
+          </a:xfrm>
+          <a:prstGeom prst="rect">
+            <a:avLst/>
+          </a:prstGeom>
+        </p:spPr>
+      </p:pic>
+      <p:cxnSp>
+        <p:nvCxnSpPr>
+          <p:cNvPr id="19" name="Straight Arrow Connector 18">
+            <a:extLst>
+              <a:ext uri="{FF2B5EF4-FFF2-40B4-BE49-F238E27FC236}">
+                <a16:creationId xmlns:a16="http://schemas.microsoft.com/office/drawing/2014/main" id="{75004B0D-A897-4B60-8F47-78ED49EF3BEE}"/>
+              </a:ext>
+            </a:extLst>
+          </p:cNvPr>
+          <p:cNvCxnSpPr>
+            <a:cxnSpLocks/>
+          </p:cNvCxnSpPr>
+          <p:nvPr/>
+        </p:nvCxnSpPr>
+        <p:spPr>
+          <a:xfrm>
+            <a:off x="2128774" y="2140891"/>
+            <a:ext cx="0" cy="522115"/>
+          </a:xfrm>
+          <a:prstGeom prst="straightConnector1">
+            <a:avLst/>
+          </a:prstGeom>
+          <a:ln>
+            <a:tailEnd type="triangle"/>
+          </a:ln>
+        </p:spPr>
+        <p:style>
+          <a:lnRef idx="1">
+            <a:schemeClr val="accent1"/>
+          </a:lnRef>
+          <a:fillRef idx="0">
+            <a:schemeClr val="accent1"/>
+          </a:fillRef>
+          <a:effectRef idx="0">
+            <a:schemeClr val="accent1"/>
+          </a:effectRef>
+          <a:fontRef idx="minor">
+            <a:schemeClr val="tx1"/>
+          </a:fontRef>
+        </p:style>
+      </p:cxnSp>
+      <p:cxnSp>
+        <p:nvCxnSpPr>
+          <p:cNvPr id="21" name="Straight Arrow Connector 20">
+            <a:extLst>
+              <a:ext uri="{FF2B5EF4-FFF2-40B4-BE49-F238E27FC236}">
+                <a16:creationId xmlns:a16="http://schemas.microsoft.com/office/drawing/2014/main" id="{E90E9838-EE7E-4647-BF2D-FC83D623053A}"/>
+              </a:ext>
+            </a:extLst>
+          </p:cNvPr>
+          <p:cNvCxnSpPr>
+            <a:cxnSpLocks/>
+          </p:cNvCxnSpPr>
+          <p:nvPr/>
+        </p:nvCxnSpPr>
+        <p:spPr>
+          <a:xfrm>
+            <a:off x="2128774" y="3054787"/>
+            <a:ext cx="0" cy="467290"/>
+          </a:xfrm>
+          <a:prstGeom prst="straightConnector1">
+            <a:avLst/>
+          </a:prstGeom>
+          <a:ln>
+            <a:tailEnd type="triangle"/>
+          </a:ln>
+        </p:spPr>
+        <p:style>
+          <a:lnRef idx="1">
+            <a:schemeClr val="accent1"/>
+          </a:lnRef>
+          <a:fillRef idx="0">
+            <a:schemeClr val="accent1"/>
+          </a:fillRef>
+          <a:effectRef idx="0">
+            <a:schemeClr val="accent1"/>
+          </a:effectRef>
+          <a:fontRef idx="minor">
+            <a:schemeClr val="tx1"/>
+          </a:fontRef>
+        </p:style>
+      </p:cxnSp>
+      <p:pic>
+        <p:nvPicPr>
+          <p:cNvPr id="33" name="Picture 32">
+            <a:extLst>
+              <a:ext uri="{FF2B5EF4-FFF2-40B4-BE49-F238E27FC236}">
+                <a16:creationId xmlns:a16="http://schemas.microsoft.com/office/drawing/2014/main" id="{6927A087-B4BF-43A7-B89F-8A1A09D13207}"/>
               </a:ext>
             </a:extLst>
           </p:cNvPr>
@@ -18146,25 +18091,380 @@
           <p:nvPr/>
         </p:nvPicPr>
         <p:blipFill>
-          <a:blip r:embed="rId2"/>
+          <a:blip r:embed="rId3"/>
           <a:stretch>
             <a:fillRect/>
           </a:stretch>
         </p:blipFill>
         <p:spPr>
           <a:xfrm>
-            <a:off x="4296136" y="2175056"/>
-            <a:ext cx="5839640" cy="4563112"/>
+            <a:off x="9712144" y="448153"/>
+            <a:ext cx="2054870" cy="2656715"/>
           </a:xfrm>
           <a:prstGeom prst="rect">
             <a:avLst/>
           </a:prstGeom>
+        </p:spPr>
+      </p:pic>
+      <p:sp>
+        <p:nvSpPr>
+          <p:cNvPr id="36" name="TextBox 35">
+            <a:extLst>
+              <a:ext uri="{FF2B5EF4-FFF2-40B4-BE49-F238E27FC236}">
+                <a16:creationId xmlns:a16="http://schemas.microsoft.com/office/drawing/2014/main" id="{8F39B721-D73A-4FE1-8427-638C6BF2BF32}"/>
+              </a:ext>
+            </a:extLst>
+          </p:cNvPr>
+          <p:cNvSpPr txBox="1"/>
+          <p:nvPr/>
+        </p:nvSpPr>
+        <p:spPr>
+          <a:xfrm>
+            <a:off x="9321433" y="3169760"/>
+            <a:ext cx="2658712" cy="276999"/>
+          </a:xfrm>
+          <a:prstGeom prst="rect">
+            <a:avLst/>
+          </a:prstGeom>
+          <a:noFill/>
+        </p:spPr>
+        <p:txBody>
+          <a:bodyPr wrap="square" rtlCol="0">
+            <a:spAutoFit/>
+          </a:bodyPr>
+          <a:lstStyle/>
+          <a:p>
+            <a:r>
+              <a:rPr lang="nl-BE" sz="1200" b="1" dirty="0"/>
+              <a:t>Not in playbook.yml but in task/main.yml</a:t>
+            </a:r>
+          </a:p>
+        </p:txBody>
+      </p:sp>
+      <p:pic>
+        <p:nvPicPr>
+          <p:cNvPr id="42" name="Picture 41">
+            <a:extLst>
+              <a:ext uri="{FF2B5EF4-FFF2-40B4-BE49-F238E27FC236}">
+                <a16:creationId xmlns:a16="http://schemas.microsoft.com/office/drawing/2014/main" id="{48885652-985C-4A1E-A1AD-01BAF8CEB1C5}"/>
+              </a:ext>
+            </a:extLst>
+          </p:cNvPr>
+          <p:cNvPicPr>
+            <a:picLocks noChangeAspect="1"/>
+          </p:cNvPicPr>
+          <p:nvPr/>
+        </p:nvPicPr>
+        <p:blipFill>
+          <a:blip r:embed="rId4"/>
+          <a:stretch>
+            <a:fillRect/>
+          </a:stretch>
+        </p:blipFill>
+        <p:spPr>
+          <a:xfrm>
+            <a:off x="678291" y="1106375"/>
+            <a:ext cx="3272525" cy="1103784"/>
+          </a:xfrm>
+          <a:prstGeom prst="rect">
+            <a:avLst/>
+          </a:prstGeom>
+        </p:spPr>
+      </p:pic>
+      <p:pic>
+        <p:nvPicPr>
+          <p:cNvPr id="50" name="Picture 49">
+            <a:extLst>
+              <a:ext uri="{FF2B5EF4-FFF2-40B4-BE49-F238E27FC236}">
+                <a16:creationId xmlns:a16="http://schemas.microsoft.com/office/drawing/2014/main" id="{8D473DFE-B475-4AE5-AF64-06BDD37930A1}"/>
+              </a:ext>
+            </a:extLst>
+          </p:cNvPr>
+          <p:cNvPicPr>
+            <a:picLocks noChangeAspect="1"/>
+          </p:cNvPicPr>
+          <p:nvPr/>
+        </p:nvPicPr>
+        <p:blipFill>
+          <a:blip r:embed="rId5"/>
+          <a:stretch>
+            <a:fillRect/>
+          </a:stretch>
+        </p:blipFill>
+        <p:spPr>
+          <a:xfrm>
+            <a:off x="4610212" y="442272"/>
+            <a:ext cx="2971576" cy="2865987"/>
+          </a:xfrm>
+          <a:prstGeom prst="rect">
+            <a:avLst/>
+          </a:prstGeom>
+        </p:spPr>
+      </p:pic>
+      <p:pic>
+        <p:nvPicPr>
+          <p:cNvPr id="52" name="Picture 51">
+            <a:extLst>
+              <a:ext uri="{FF2B5EF4-FFF2-40B4-BE49-F238E27FC236}">
+                <a16:creationId xmlns:a16="http://schemas.microsoft.com/office/drawing/2014/main" id="{87AC6E72-E164-4E8D-B8E1-BA5B5F2573DC}"/>
+              </a:ext>
+            </a:extLst>
+          </p:cNvPr>
+          <p:cNvPicPr>
+            <a:picLocks noChangeAspect="1"/>
+          </p:cNvPicPr>
+          <p:nvPr/>
+        </p:nvPicPr>
+        <p:blipFill>
+          <a:blip r:embed="rId6"/>
+          <a:stretch>
+            <a:fillRect/>
+          </a:stretch>
+        </p:blipFill>
+        <p:spPr>
+          <a:xfrm>
+            <a:off x="4714263" y="3550672"/>
+            <a:ext cx="3713906" cy="1853333"/>
+          </a:xfrm>
+          <a:prstGeom prst="rect">
+            <a:avLst/>
+          </a:prstGeom>
+        </p:spPr>
+      </p:pic>
+      <p:cxnSp>
+        <p:nvCxnSpPr>
+          <p:cNvPr id="54" name="Connector: Elbow 53">
+            <a:extLst>
+              <a:ext uri="{FF2B5EF4-FFF2-40B4-BE49-F238E27FC236}">
+                <a16:creationId xmlns:a16="http://schemas.microsoft.com/office/drawing/2014/main" id="{B05FD79B-42FB-420F-BFAC-85FFBFC975B1}"/>
+              </a:ext>
+            </a:extLst>
+          </p:cNvPr>
+          <p:cNvCxnSpPr>
+            <a:cxnSpLocks/>
+            <a:stCxn id="12" idx="2"/>
+            <a:endCxn id="50" idx="0"/>
+          </p:cNvCxnSpPr>
+          <p:nvPr/>
+        </p:nvCxnSpPr>
+        <p:spPr>
+          <a:xfrm rot="5400000" flipH="1" flipV="1">
+            <a:off x="1681207" y="723243"/>
+            <a:ext cx="4695764" cy="4133821"/>
+          </a:xfrm>
+          <a:prstGeom prst="bentConnector5">
+            <a:avLst>
+              <a:gd name="adj1" fmla="val -4868"/>
+              <a:gd name="adj2" fmla="val 56570"/>
+              <a:gd name="adj3" fmla="val 104868"/>
+            </a:avLst>
+          </a:prstGeom>
+          <a:ln>
+            <a:tailEnd type="triangle"/>
+          </a:ln>
+        </p:spPr>
+        <p:style>
+          <a:lnRef idx="1">
+            <a:schemeClr val="accent1"/>
+          </a:lnRef>
+          <a:fillRef idx="0">
+            <a:schemeClr val="accent1"/>
+          </a:fillRef>
+          <a:effectRef idx="0">
+            <a:schemeClr val="accent1"/>
+          </a:effectRef>
+          <a:fontRef idx="minor">
+            <a:schemeClr val="tx1"/>
+          </a:fontRef>
+        </p:style>
+      </p:cxnSp>
+      <p:cxnSp>
+        <p:nvCxnSpPr>
+          <p:cNvPr id="58" name="Straight Arrow Connector 57">
+            <a:extLst>
+              <a:ext uri="{FF2B5EF4-FFF2-40B4-BE49-F238E27FC236}">
+                <a16:creationId xmlns:a16="http://schemas.microsoft.com/office/drawing/2014/main" id="{6089ABCF-207E-40F2-B287-9125286065CB}"/>
+              </a:ext>
+            </a:extLst>
+          </p:cNvPr>
+          <p:cNvCxnSpPr>
+            <a:cxnSpLocks/>
+            <a:stCxn id="50" idx="2"/>
+          </p:cNvCxnSpPr>
+          <p:nvPr/>
+        </p:nvCxnSpPr>
+        <p:spPr>
+          <a:xfrm>
+            <a:off x="6096000" y="3308259"/>
+            <a:ext cx="0" cy="241483"/>
+          </a:xfrm>
+          <a:prstGeom prst="straightConnector1">
+            <a:avLst/>
+          </a:prstGeom>
+          <a:ln>
+            <a:tailEnd type="triangle"/>
+          </a:ln>
+        </p:spPr>
+        <p:style>
+          <a:lnRef idx="1">
+            <a:schemeClr val="accent1"/>
+          </a:lnRef>
+          <a:fillRef idx="0">
+            <a:schemeClr val="accent1"/>
+          </a:fillRef>
+          <a:effectRef idx="0">
+            <a:schemeClr val="accent1"/>
+          </a:effectRef>
+          <a:fontRef idx="minor">
+            <a:schemeClr val="tx1"/>
+          </a:fontRef>
+        </p:style>
+      </p:cxnSp>
+      <p:cxnSp>
+        <p:nvCxnSpPr>
+          <p:cNvPr id="61" name="Connector: Elbow 60">
+            <a:extLst>
+              <a:ext uri="{FF2B5EF4-FFF2-40B4-BE49-F238E27FC236}">
+                <a16:creationId xmlns:a16="http://schemas.microsoft.com/office/drawing/2014/main" id="{8B78ECF8-9008-46B4-BF95-082860F05C5E}"/>
+              </a:ext>
+            </a:extLst>
+          </p:cNvPr>
+          <p:cNvCxnSpPr>
+            <a:cxnSpLocks/>
+            <a:stCxn id="52" idx="3"/>
+            <a:endCxn id="66" idx="0"/>
+          </p:cNvCxnSpPr>
+          <p:nvPr/>
+        </p:nvCxnSpPr>
+        <p:spPr>
+          <a:xfrm>
+            <a:off x="8428169" y="4477339"/>
+            <a:ext cx="1725923" cy="984874"/>
+          </a:xfrm>
+          <a:prstGeom prst="bentConnector2">
+            <a:avLst/>
+          </a:prstGeom>
+          <a:ln>
+            <a:tailEnd type="triangle"/>
+          </a:ln>
+        </p:spPr>
+        <p:style>
+          <a:lnRef idx="1">
+            <a:schemeClr val="accent1"/>
+          </a:lnRef>
+          <a:fillRef idx="0">
+            <a:schemeClr val="accent1"/>
+          </a:fillRef>
+          <a:effectRef idx="0">
+            <a:schemeClr val="accent1"/>
+          </a:effectRef>
+          <a:fontRef idx="minor">
+            <a:schemeClr val="tx1"/>
+          </a:fontRef>
+        </p:style>
+      </p:cxnSp>
+      <p:pic>
+        <p:nvPicPr>
+          <p:cNvPr id="66" name="Picture 65">
+            <a:extLst>
+              <a:ext uri="{FF2B5EF4-FFF2-40B4-BE49-F238E27FC236}">
+                <a16:creationId xmlns:a16="http://schemas.microsoft.com/office/drawing/2014/main" id="{7F822350-50A4-45C9-A909-252B278AAA39}"/>
+              </a:ext>
+            </a:extLst>
+          </p:cNvPr>
+          <p:cNvPicPr>
+            <a:picLocks noChangeAspect="1"/>
+          </p:cNvPicPr>
+          <p:nvPr/>
+        </p:nvPicPr>
+        <p:blipFill>
+          <a:blip r:embed="rId7"/>
+          <a:stretch>
+            <a:fillRect/>
+          </a:stretch>
+        </p:blipFill>
+        <p:spPr>
+          <a:xfrm>
+            <a:off x="8116184" y="5462213"/>
+            <a:ext cx="4075816" cy="1406697"/>
+          </a:xfrm>
+          <a:prstGeom prst="rect">
+            <a:avLst/>
+          </a:prstGeom>
+        </p:spPr>
+      </p:pic>
+      <p:pic>
+        <p:nvPicPr>
+          <p:cNvPr id="69" name="Picture 68">
+            <a:extLst>
+              <a:ext uri="{FF2B5EF4-FFF2-40B4-BE49-F238E27FC236}">
+                <a16:creationId xmlns:a16="http://schemas.microsoft.com/office/drawing/2014/main" id="{A5567FCD-8DFA-48BF-820D-696EC8981BBC}"/>
+              </a:ext>
+            </a:extLst>
+          </p:cNvPr>
+          <p:cNvPicPr>
+            <a:picLocks noChangeAspect="1"/>
+          </p:cNvPicPr>
+          <p:nvPr/>
+        </p:nvPicPr>
+        <p:blipFill rotWithShape="1">
+          <a:blip r:embed="rId8"/>
+          <a:srcRect r="-1879" b="62315"/>
+          <a:stretch/>
+        </p:blipFill>
+        <p:spPr>
+          <a:xfrm>
+            <a:off x="913832" y="2692685"/>
+            <a:ext cx="2801442" cy="362102"/>
+          </a:xfrm>
+          <a:prstGeom prst="rect">
+            <a:avLst/>
+          </a:prstGeom>
+        </p:spPr>
+      </p:pic>
+      <p:pic>
+        <p:nvPicPr>
+          <p:cNvPr id="72" name="Picture 71">
+            <a:extLst>
+              <a:ext uri="{FF2B5EF4-FFF2-40B4-BE49-F238E27FC236}">
+                <a16:creationId xmlns:a16="http://schemas.microsoft.com/office/drawing/2014/main" id="{053C982C-0E2A-4C10-BF54-4E921F3BF353}"/>
+              </a:ext>
+            </a:extLst>
+          </p:cNvPr>
+          <p:cNvPicPr>
+            <a:picLocks noChangeAspect="1"/>
+          </p:cNvPicPr>
+          <p:nvPr/>
+        </p:nvPicPr>
+        <p:blipFill rotWithShape="1">
+          <a:blip r:embed="rId9"/>
+          <a:srcRect r="14511" b="21246"/>
+          <a:stretch/>
+        </p:blipFill>
+        <p:spPr>
+          <a:xfrm>
+            <a:off x="3715274" y="5998242"/>
+            <a:ext cx="1853425" cy="604709"/>
+          </a:xfrm>
+          <a:prstGeom prst="rect">
+            <a:avLst/>
+          </a:prstGeom>
+          <a:ln>
+            <a:noFill/>
+          </a:ln>
+          <a:effectLst>
+            <a:outerShdw blurRad="190500" algn="tl" rotWithShape="0">
+              <a:srgbClr val="000000">
+                <a:alpha val="70000"/>
+              </a:srgbClr>
+            </a:outerShdw>
+          </a:effectLst>
         </p:spPr>
       </p:pic>
     </p:spTree>
     <p:extLst>
       <p:ext uri="{BB962C8B-B14F-4D97-AF65-F5344CB8AC3E}">
-        <p14:creationId xmlns:p14="http://schemas.microsoft.com/office/powerpoint/2010/main" val="47307552"/>
+        <p14:creationId xmlns:p14="http://schemas.microsoft.com/office/powerpoint/2010/main" val="2369688689"/>
       </p:ext>
     </p:extLst>
   </p:cSld>
@@ -18193,170 +18493,38 @@
       </p:grpSpPr>
       <p:sp>
         <p:nvSpPr>
-          <p:cNvPr id="3" name="Content Placeholder 2">
-            <a:extLst>
-              <a:ext uri="{FF2B5EF4-FFF2-40B4-BE49-F238E27FC236}">
-                <a16:creationId xmlns:a16="http://schemas.microsoft.com/office/drawing/2014/main" id="{51AE9555-3952-4843-8008-7DD11BF43BAC}"/>
-              </a:ext>
-            </a:extLst>
-          </p:cNvPr>
-          <p:cNvSpPr>
-            <a:spLocks noGrp="1"/>
-          </p:cNvSpPr>
-          <p:nvPr>
-            <p:ph idx="1"/>
-          </p:nvPr>
-        </p:nvSpPr>
-        <p:spPr>
-          <a:xfrm>
-            <a:off x="534291" y="1296000"/>
-            <a:ext cx="9281274" cy="3090532"/>
-          </a:xfrm>
-        </p:spPr>
-        <p:txBody>
-          <a:bodyPr/>
-          <a:lstStyle/>
-          <a:p>
-            <a:pPr marL="457200" indent="-457200">
-              <a:buFont typeface="Arial" panose="020B0604020202020204" pitchFamily="34" charset="0"/>
-              <a:buChar char="•"/>
-            </a:pPr>
-            <a:r>
-              <a:rPr lang="nl-BE" sz="2000" dirty="0"/>
-              <a:t>Start playbook with “</a:t>
-            </a:r>
-            <a:r>
-              <a:rPr lang="nl-BE" sz="2000" dirty="0">
-                <a:latin typeface="Courier New" panose="02070309020205020404" pitchFamily="49" charset="0"/>
-                <a:cs typeface="Courier New" panose="02070309020205020404" pitchFamily="49" charset="0"/>
+          <p:cNvPr id="2" name="Title 1">
+            <a:extLst>
+              <a:ext uri="{FF2B5EF4-FFF2-40B4-BE49-F238E27FC236}">
+                <a16:creationId xmlns:a16="http://schemas.microsoft.com/office/drawing/2014/main" id="{516AF402-B805-463A-8761-2006D370D7AC}"/>
+              </a:ext>
+            </a:extLst>
+          </p:cNvPr>
+          <p:cNvSpPr>
+            <a:spLocks noGrp="1"/>
+          </p:cNvSpPr>
+          <p:nvPr>
+            <p:ph type="title"/>
+          </p:nvPr>
+        </p:nvSpPr>
+        <p:spPr/>
+        <p:txBody>
+          <a:bodyPr/>
+          <a:lstStyle/>
+          <a:p>
+            <a:r>
+              <a:rPr lang="nl-BE" dirty="0">
+                <a:solidFill>
+                  <a:srgbClr val="0085FE"/>
+                </a:solidFill>
               </a:rPr>
-              <a:t>ansible-playbook plabookName.yml</a:t>
-            </a:r>
-            <a:r>
-              <a:rPr lang="nl-BE" sz="2000" dirty="0"/>
-              <a:t>”</a:t>
-            </a:r>
-            <a:endParaRPr lang="en-US" sz="2000" dirty="0"/>
-          </a:p>
-          <a:p>
-            <a:pPr marL="457200" indent="-457200">
-              <a:buFont typeface="Arial" panose="020B0604020202020204" pitchFamily="34" charset="0"/>
-              <a:buChar char="•"/>
-            </a:pPr>
-            <a:r>
-              <a:rPr lang="en-US" sz="2000" dirty="0"/>
-              <a:t>Add “</a:t>
-            </a:r>
-            <a:r>
-              <a:rPr lang="en-US" sz="2000" dirty="0">
-                <a:latin typeface="Courier New" panose="02070309020205020404" pitchFamily="49" charset="0"/>
-                <a:cs typeface="Courier New" panose="02070309020205020404" pitchFamily="49" charset="0"/>
-              </a:rPr>
-              <a:t>--check-syntax</a:t>
-            </a:r>
-            <a:r>
-              <a:rPr lang="en-US" sz="2000" dirty="0"/>
-              <a:t>” to check playbook for syntax errors</a:t>
-            </a:r>
-          </a:p>
-          <a:p>
-            <a:pPr marL="457200" indent="-457200">
-              <a:buFont typeface="Arial" panose="020B0604020202020204" pitchFamily="34" charset="0"/>
-              <a:buChar char="•"/>
-            </a:pPr>
-            <a:r>
-              <a:rPr lang="en-US" sz="2000" dirty="0"/>
-              <a:t>Add “</a:t>
-            </a:r>
-            <a:r>
-              <a:rPr lang="en-US" sz="2000" dirty="0">
-                <a:latin typeface="Courier New" panose="02070309020205020404" pitchFamily="49" charset="0"/>
-                <a:cs typeface="Courier New" panose="02070309020205020404" pitchFamily="49" charset="0"/>
-              </a:rPr>
-              <a:t>--verbose</a:t>
-            </a:r>
-            <a:r>
-              <a:rPr lang="en-US" sz="2000" dirty="0"/>
-              <a:t>” to view live output when playbook runs (more for debugging)</a:t>
-            </a:r>
-          </a:p>
-          <a:p>
-            <a:pPr marL="457200" indent="-457200">
-              <a:buFont typeface="Arial" panose="020B0604020202020204" pitchFamily="34" charset="0"/>
-              <a:buChar char="•"/>
-            </a:pPr>
-            <a:r>
-              <a:rPr lang="en-US" sz="2000" dirty="0"/>
-              <a:t>Play recap shows quick overview of run playbook:</a:t>
-            </a:r>
-          </a:p>
-          <a:p>
-            <a:pPr marL="457200" indent="-457200">
-              <a:buFont typeface="Arial" panose="020B0604020202020204" pitchFamily="34" charset="0"/>
-              <a:buChar char="•"/>
-            </a:pPr>
-            <a:endParaRPr lang="en-US" sz="2000" dirty="0"/>
-          </a:p>
-          <a:p>
-            <a:pPr marL="457200" indent="-457200">
-              <a:buFont typeface="Arial" panose="020B0604020202020204" pitchFamily="34" charset="0"/>
-              <a:buChar char="•"/>
-            </a:pPr>
-            <a:endParaRPr lang="en-US" sz="2000" dirty="0"/>
-          </a:p>
-          <a:p>
-            <a:pPr marL="457200" indent="-457200">
-              <a:buFont typeface="Arial" panose="020B0604020202020204" pitchFamily="34" charset="0"/>
-              <a:buChar char="•"/>
-            </a:pPr>
-            <a:endParaRPr lang="en-US" sz="2000" dirty="0"/>
-          </a:p>
-          <a:p>
-            <a:pPr marL="457200" indent="-457200">
-              <a:buFont typeface="Arial" panose="020B0604020202020204" pitchFamily="34" charset="0"/>
-              <a:buChar char="•"/>
-            </a:pPr>
-            <a:r>
-              <a:rPr lang="en-US" sz="2000" dirty="0"/>
-              <a:t>Play recap legend:</a:t>
-            </a:r>
-          </a:p>
-          <a:p>
-            <a:pPr marL="815363" lvl="1" indent="-457200">
-              <a:buFont typeface="Arial" panose="020B0604020202020204" pitchFamily="34" charset="0"/>
-              <a:buChar char="•"/>
-            </a:pPr>
-            <a:r>
-              <a:rPr lang="en-US" sz="2000" dirty="0"/>
-              <a:t>Yellow = something changed (saved file in this case)	</a:t>
-            </a:r>
-          </a:p>
-          <a:p>
-            <a:pPr marL="815363" lvl="1" indent="-457200">
-              <a:buFont typeface="Arial" panose="020B0604020202020204" pitchFamily="34" charset="0"/>
-              <a:buChar char="•"/>
-            </a:pPr>
-            <a:r>
-              <a:rPr lang="en-US" sz="2000" dirty="0"/>
-              <a:t>Green = everything is OK no errors occurred</a:t>
-            </a:r>
-          </a:p>
-          <a:p>
-            <a:pPr marL="815363" lvl="1" indent="-457200">
-              <a:buFont typeface="Arial" panose="020B0604020202020204" pitchFamily="34" charset="0"/>
-              <a:buChar char="•"/>
-            </a:pPr>
-            <a:r>
-              <a:rPr lang="en-US" sz="2000" dirty="0"/>
-              <a:t>Red = an error occurred (play stops once error occurs):</a:t>
-            </a:r>
-          </a:p>
-          <a:p>
-            <a:r>
-              <a:rPr lang="en-US" sz="2000" dirty="0"/>
-              <a:t> </a:t>
-            </a:r>
-            <a:endParaRPr lang="nl-BE" sz="2000" dirty="0"/>
+              <a:t>Tasks and used modules</a:t>
+            </a:r>
+            <a:endParaRPr lang="en-US" dirty="0">
+              <a:solidFill>
+                <a:srgbClr val="0085FE"/>
+              </a:solidFill>
+            </a:endParaRPr>
           </a:p>
         </p:txBody>
       </p:sp>
@@ -18365,7 +18533,7 @@
           <p:cNvPr id="4" name="Footer Placeholder 3">
             <a:extLst>
               <a:ext uri="{FF2B5EF4-FFF2-40B4-BE49-F238E27FC236}">
-                <a16:creationId xmlns:a16="http://schemas.microsoft.com/office/drawing/2014/main" id="{88947A4A-A97F-4CD4-B794-6D4076A5261F}"/>
+                <a16:creationId xmlns:a16="http://schemas.microsoft.com/office/drawing/2014/main" id="{D1A712F8-4B7E-4E93-B599-0230989E62FF}"/>
               </a:ext>
             </a:extLst>
           </p:cNvPr>
@@ -18382,8 +18550,8 @@
           <a:lstStyle/>
           <a:p>
             <a:r>
-              <a:rPr lang="nl-BE" dirty="0"/>
-              <a:t>Ansible – Introduction</a:t>
+              <a:rPr lang="en-US" dirty="0"/>
+              <a:t>Ansible - Introduction</a:t>
             </a:r>
           </a:p>
         </p:txBody>
@@ -18393,7 +18561,7 @@
           <p:cNvPr id="5" name="Slide Number Placeholder 4">
             <a:extLst>
               <a:ext uri="{FF2B5EF4-FFF2-40B4-BE49-F238E27FC236}">
-                <a16:creationId xmlns:a16="http://schemas.microsoft.com/office/drawing/2014/main" id="{F1770228-2C71-4008-82FD-CF3B4801A8D8}"/>
+                <a16:creationId xmlns:a16="http://schemas.microsoft.com/office/drawing/2014/main" id="{4D9DDEC3-4B59-4F49-A668-524CBFFAA4F2}"/>
               </a:ext>
             </a:extLst>
           </p:cNvPr>
@@ -18417,54 +18585,12 @@
           </a:p>
         </p:txBody>
       </p:sp>
-      <p:sp>
-        <p:nvSpPr>
-          <p:cNvPr id="8" name="Title 1">
-            <a:extLst>
-              <a:ext uri="{FF2B5EF4-FFF2-40B4-BE49-F238E27FC236}">
-                <a16:creationId xmlns:a16="http://schemas.microsoft.com/office/drawing/2014/main" id="{F2361ACF-39B4-45D8-A1D6-8BDFCEB2B250}"/>
-              </a:ext>
-            </a:extLst>
-          </p:cNvPr>
-          <p:cNvSpPr>
-            <a:spLocks noGrp="1"/>
-          </p:cNvSpPr>
-          <p:nvPr>
-            <p:ph type="title"/>
-          </p:nvPr>
-        </p:nvSpPr>
-        <p:spPr>
-          <a:xfrm>
-            <a:off x="396000" y="612000"/>
-            <a:ext cx="10515600" cy="684000"/>
-          </a:xfrm>
-        </p:spPr>
-        <p:txBody>
-          <a:bodyPr/>
-          <a:lstStyle/>
-          <a:p>
-            <a:r>
-              <a:rPr lang="nl-BE" dirty="0">
-                <a:solidFill>
-                  <a:srgbClr val="0085FE"/>
-                </a:solidFill>
-              </a:rPr>
-              <a:t>Run playbook</a:t>
-            </a:r>
-            <a:endParaRPr lang="en-US" dirty="0">
-              <a:solidFill>
-                <a:srgbClr val="0085FE"/>
-              </a:solidFill>
-            </a:endParaRPr>
-          </a:p>
-        </p:txBody>
-      </p:sp>
       <p:pic>
         <p:nvPicPr>
           <p:cNvPr id="6" name="Picture 5">
             <a:extLst>
               <a:ext uri="{FF2B5EF4-FFF2-40B4-BE49-F238E27FC236}">
-                <a16:creationId xmlns:a16="http://schemas.microsoft.com/office/drawing/2014/main" id="{00F8CAE9-6417-4891-AB6B-D6B855F16F90}"/>
+                <a16:creationId xmlns:a16="http://schemas.microsoft.com/office/drawing/2014/main" id="{E9E1A2F1-ABBE-47BC-AE2E-C5ECA2EBBFC1}"/>
               </a:ext>
             </a:extLst>
           </p:cNvPr>
@@ -18481,38 +18607,8 @@
         </p:blipFill>
         <p:spPr>
           <a:xfrm>
-            <a:off x="1676123" y="3173679"/>
-            <a:ext cx="8839753" cy="966848"/>
-          </a:xfrm>
-          <a:prstGeom prst="rect">
-            <a:avLst/>
-          </a:prstGeom>
-        </p:spPr>
-      </p:pic>
-      <p:pic>
-        <p:nvPicPr>
-          <p:cNvPr id="11" name="Picture 10">
-            <a:extLst>
-              <a:ext uri="{FF2B5EF4-FFF2-40B4-BE49-F238E27FC236}">
-                <a16:creationId xmlns:a16="http://schemas.microsoft.com/office/drawing/2014/main" id="{9C1E9B76-0C76-4C9A-BE5E-EEECEBBD2ECE}"/>
-              </a:ext>
-            </a:extLst>
-          </p:cNvPr>
-          <p:cNvPicPr>
-            <a:picLocks noChangeAspect="1"/>
-          </p:cNvPicPr>
-          <p:nvPr/>
-        </p:nvPicPr>
-        <p:blipFill>
-          <a:blip r:embed="rId3"/>
-          <a:stretch>
-            <a:fillRect/>
-          </a:stretch>
-        </p:blipFill>
-        <p:spPr>
-          <a:xfrm>
-            <a:off x="7304993" y="5127494"/>
-            <a:ext cx="4887007" cy="1781424"/>
+            <a:off x="2307854" y="1881932"/>
+            <a:ext cx="7576292" cy="3094135"/>
           </a:xfrm>
           <a:prstGeom prst="rect">
             <a:avLst/>
@@ -18522,7 +18618,7 @@
     </p:spTree>
     <p:extLst>
       <p:ext uri="{BB962C8B-B14F-4D97-AF65-F5344CB8AC3E}">
-        <p14:creationId xmlns:p14="http://schemas.microsoft.com/office/powerpoint/2010/main" val="769256954"/>
+        <p14:creationId xmlns:p14="http://schemas.microsoft.com/office/powerpoint/2010/main" val="2547040333"/>
       </p:ext>
     </p:extLst>
   </p:cSld>
@@ -18551,6 +18647,593 @@
       </p:grpSpPr>
       <p:sp>
         <p:nvSpPr>
+          <p:cNvPr id="3" name="Content Placeholder 2">
+            <a:extLst>
+              <a:ext uri="{FF2B5EF4-FFF2-40B4-BE49-F238E27FC236}">
+                <a16:creationId xmlns:a16="http://schemas.microsoft.com/office/drawing/2014/main" id="{51AE9555-3952-4843-8008-7DD11BF43BAC}"/>
+              </a:ext>
+            </a:extLst>
+          </p:cNvPr>
+          <p:cNvSpPr>
+            <a:spLocks noGrp="1"/>
+          </p:cNvSpPr>
+          <p:nvPr>
+            <p:ph idx="1"/>
+          </p:nvPr>
+        </p:nvSpPr>
+        <p:spPr>
+          <a:xfrm>
+            <a:off x="469285" y="1028051"/>
+            <a:ext cx="9281274" cy="3090532"/>
+          </a:xfrm>
+        </p:spPr>
+        <p:txBody>
+          <a:bodyPr/>
+          <a:lstStyle/>
+          <a:p>
+            <a:pPr marL="457200" indent="-457200">
+              <a:buFont typeface="Arial" panose="020B0604020202020204" pitchFamily="34" charset="0"/>
+              <a:buChar char="•"/>
+            </a:pPr>
+            <a:r>
+              <a:rPr lang="nl-BE" sz="2000" dirty="0"/>
+              <a:t>Can be defined: </a:t>
+            </a:r>
+          </a:p>
+          <a:p>
+            <a:pPr marL="815363" lvl="1" indent="-457200">
+              <a:buFont typeface="Arial" panose="020B0604020202020204" pitchFamily="34" charset="0"/>
+              <a:buChar char="•"/>
+            </a:pPr>
+            <a:r>
+              <a:rPr lang="nl-BE" sz="2000" dirty="0"/>
+              <a:t>Under same group-indent (in hosts file) with “vars” keyword</a:t>
+            </a:r>
+          </a:p>
+          <a:p>
+            <a:pPr marL="815363" lvl="1" indent="-457200">
+              <a:buFont typeface="Arial" panose="020B0604020202020204" pitchFamily="34" charset="0"/>
+              <a:buChar char="•"/>
+            </a:pPr>
+            <a:r>
+              <a:rPr lang="nl-BE" sz="2000" dirty="0"/>
+              <a:t>Under vars/main.yml of role in “roles” directory</a:t>
+            </a:r>
+          </a:p>
+          <a:p>
+            <a:pPr marL="815363" lvl="1" indent="-457200">
+              <a:buFont typeface="Arial" panose="020B0604020202020204" pitchFamily="34" charset="0"/>
+              <a:buChar char="•"/>
+            </a:pPr>
+            <a:r>
+              <a:rPr lang="nl-BE" sz="2000" dirty="0"/>
+              <a:t>Under group_vars directory</a:t>
+            </a:r>
+          </a:p>
+          <a:p>
+            <a:endParaRPr lang="en-US" sz="2000" dirty="0"/>
+          </a:p>
+        </p:txBody>
+      </p:sp>
+      <p:sp>
+        <p:nvSpPr>
+          <p:cNvPr id="4" name="Footer Placeholder 3">
+            <a:extLst>
+              <a:ext uri="{FF2B5EF4-FFF2-40B4-BE49-F238E27FC236}">
+                <a16:creationId xmlns:a16="http://schemas.microsoft.com/office/drawing/2014/main" id="{88947A4A-A97F-4CD4-B794-6D4076A5261F}"/>
+              </a:ext>
+            </a:extLst>
+          </p:cNvPr>
+          <p:cNvSpPr>
+            <a:spLocks noGrp="1"/>
+          </p:cNvSpPr>
+          <p:nvPr>
+            <p:ph type="ftr" sz="quarter" idx="11"/>
+          </p:nvPr>
+        </p:nvSpPr>
+        <p:spPr/>
+        <p:txBody>
+          <a:bodyPr/>
+          <a:lstStyle/>
+          <a:p>
+            <a:r>
+              <a:rPr lang="nl-BE" dirty="0"/>
+              <a:t>Ansible – Introduction</a:t>
+            </a:r>
+          </a:p>
+        </p:txBody>
+      </p:sp>
+      <p:sp>
+        <p:nvSpPr>
+          <p:cNvPr id="5" name="Slide Number Placeholder 4">
+            <a:extLst>
+              <a:ext uri="{FF2B5EF4-FFF2-40B4-BE49-F238E27FC236}">
+                <a16:creationId xmlns:a16="http://schemas.microsoft.com/office/drawing/2014/main" id="{F1770228-2C71-4008-82FD-CF3B4801A8D8}"/>
+              </a:ext>
+            </a:extLst>
+          </p:cNvPr>
+          <p:cNvSpPr>
+            <a:spLocks noGrp="1"/>
+          </p:cNvSpPr>
+          <p:nvPr>
+            <p:ph type="sldNum" sz="quarter" idx="12"/>
+          </p:nvPr>
+        </p:nvSpPr>
+        <p:spPr/>
+        <p:txBody>
+          <a:bodyPr/>
+          <a:lstStyle/>
+          <a:p>
+            <a:fld id="{FF88DA20-ED00-471C-9170-60F590CB400A}" type="slidenum">
+              <a:rPr lang="nl-BE" smtClean="0"/>
+              <a:t>43</a:t>
+            </a:fld>
+            <a:endParaRPr lang="nl-BE"/>
+          </a:p>
+        </p:txBody>
+      </p:sp>
+      <p:sp>
+        <p:nvSpPr>
+          <p:cNvPr id="8" name="Title 1">
+            <a:extLst>
+              <a:ext uri="{FF2B5EF4-FFF2-40B4-BE49-F238E27FC236}">
+                <a16:creationId xmlns:a16="http://schemas.microsoft.com/office/drawing/2014/main" id="{F2361ACF-39B4-45D8-A1D6-8BDFCEB2B250}"/>
+              </a:ext>
+            </a:extLst>
+          </p:cNvPr>
+          <p:cNvSpPr>
+            <a:spLocks noGrp="1"/>
+          </p:cNvSpPr>
+          <p:nvPr>
+            <p:ph type="title"/>
+          </p:nvPr>
+        </p:nvSpPr>
+        <p:spPr>
+          <a:xfrm>
+            <a:off x="396000" y="612000"/>
+            <a:ext cx="10515600" cy="684000"/>
+          </a:xfrm>
+        </p:spPr>
+        <p:txBody>
+          <a:bodyPr/>
+          <a:lstStyle/>
+          <a:p>
+            <a:r>
+              <a:rPr lang="nl-BE" dirty="0">
+                <a:solidFill>
+                  <a:srgbClr val="0085FE"/>
+                </a:solidFill>
+              </a:rPr>
+              <a:t>Group/role specific variables</a:t>
+            </a:r>
+            <a:endParaRPr lang="en-US" dirty="0">
+              <a:solidFill>
+                <a:srgbClr val="0085FE"/>
+              </a:solidFill>
+            </a:endParaRPr>
+          </a:p>
+        </p:txBody>
+      </p:sp>
+      <p:pic>
+        <p:nvPicPr>
+          <p:cNvPr id="18" name="Picture 17">
+            <a:extLst>
+              <a:ext uri="{FF2B5EF4-FFF2-40B4-BE49-F238E27FC236}">
+                <a16:creationId xmlns:a16="http://schemas.microsoft.com/office/drawing/2014/main" id="{3E2CFFE3-FB64-4809-BA2F-D53D082D3C61}"/>
+              </a:ext>
+            </a:extLst>
+          </p:cNvPr>
+          <p:cNvPicPr>
+            <a:picLocks noChangeAspect="1"/>
+          </p:cNvPicPr>
+          <p:nvPr/>
+        </p:nvPicPr>
+        <p:blipFill>
+          <a:blip r:embed="rId2"/>
+          <a:stretch>
+            <a:fillRect/>
+          </a:stretch>
+        </p:blipFill>
+        <p:spPr>
+          <a:xfrm>
+            <a:off x="4296136" y="2175056"/>
+            <a:ext cx="5839640" cy="4563112"/>
+          </a:xfrm>
+          <a:prstGeom prst="rect">
+            <a:avLst/>
+          </a:prstGeom>
+        </p:spPr>
+      </p:pic>
+    </p:spTree>
+    <p:extLst>
+      <p:ext uri="{BB962C8B-B14F-4D97-AF65-F5344CB8AC3E}">
+        <p14:creationId xmlns:p14="http://schemas.microsoft.com/office/powerpoint/2010/main" val="47307552"/>
+      </p:ext>
+    </p:extLst>
+  </p:cSld>
+  <p:clrMapOvr>
+    <a:masterClrMapping/>
+  </p:clrMapOvr>
+</p:sld>
+</file>
+
+<file path=ppt/slides/slide44.xml><?xml version="1.0" encoding="utf-8"?>
+<p:sld xmlns:a="http://schemas.openxmlformats.org/drawingml/2006/main" xmlns:r="http://schemas.openxmlformats.org/officeDocument/2006/relationships" xmlns:p="http://schemas.openxmlformats.org/presentationml/2006/main">
+  <p:cSld>
+    <p:spTree>
+      <p:nvGrpSpPr>
+        <p:cNvPr id="1" name=""/>
+        <p:cNvGrpSpPr/>
+        <p:nvPr/>
+      </p:nvGrpSpPr>
+      <p:grpSpPr>
+        <a:xfrm>
+          <a:off x="0" y="0"/>
+          <a:ext cx="0" cy="0"/>
+          <a:chOff x="0" y="0"/>
+          <a:chExt cx="0" cy="0"/>
+        </a:xfrm>
+      </p:grpSpPr>
+      <p:sp>
+        <p:nvSpPr>
+          <p:cNvPr id="3" name="Content Placeholder 2">
+            <a:extLst>
+              <a:ext uri="{FF2B5EF4-FFF2-40B4-BE49-F238E27FC236}">
+                <a16:creationId xmlns:a16="http://schemas.microsoft.com/office/drawing/2014/main" id="{51AE9555-3952-4843-8008-7DD11BF43BAC}"/>
+              </a:ext>
+            </a:extLst>
+          </p:cNvPr>
+          <p:cNvSpPr>
+            <a:spLocks noGrp="1"/>
+          </p:cNvSpPr>
+          <p:nvPr>
+            <p:ph idx="1"/>
+          </p:nvPr>
+        </p:nvSpPr>
+        <p:spPr>
+          <a:xfrm>
+            <a:off x="534291" y="1296000"/>
+            <a:ext cx="9281274" cy="3090532"/>
+          </a:xfrm>
+        </p:spPr>
+        <p:txBody>
+          <a:bodyPr/>
+          <a:lstStyle/>
+          <a:p>
+            <a:pPr marL="457200" indent="-457200">
+              <a:buFont typeface="Arial" panose="020B0604020202020204" pitchFamily="34" charset="0"/>
+              <a:buChar char="•"/>
+            </a:pPr>
+            <a:r>
+              <a:rPr lang="nl-BE" sz="2000" dirty="0"/>
+              <a:t>Start playbook with “</a:t>
+            </a:r>
+            <a:r>
+              <a:rPr lang="nl-BE" sz="2000" dirty="0">
+                <a:latin typeface="Courier New" panose="02070309020205020404" pitchFamily="49" charset="0"/>
+                <a:cs typeface="Courier New" panose="02070309020205020404" pitchFamily="49" charset="0"/>
+              </a:rPr>
+              <a:t>ansible-playbook plabookName.yml</a:t>
+            </a:r>
+            <a:r>
+              <a:rPr lang="nl-BE" sz="2000" dirty="0"/>
+              <a:t>”</a:t>
+            </a:r>
+            <a:endParaRPr lang="en-US" sz="2000" dirty="0"/>
+          </a:p>
+          <a:p>
+            <a:pPr marL="457200" indent="-457200">
+              <a:buFont typeface="Arial" panose="020B0604020202020204" pitchFamily="34" charset="0"/>
+              <a:buChar char="•"/>
+            </a:pPr>
+            <a:r>
+              <a:rPr lang="en-US" sz="2000" dirty="0"/>
+              <a:t>Add “</a:t>
+            </a:r>
+            <a:r>
+              <a:rPr lang="en-US" sz="2000" dirty="0">
+                <a:latin typeface="Courier New" panose="02070309020205020404" pitchFamily="49" charset="0"/>
+                <a:cs typeface="Courier New" panose="02070309020205020404" pitchFamily="49" charset="0"/>
+              </a:rPr>
+              <a:t>--check-syntax</a:t>
+            </a:r>
+            <a:r>
+              <a:rPr lang="en-US" sz="2000" dirty="0"/>
+              <a:t>” to check playbook for syntax errors</a:t>
+            </a:r>
+          </a:p>
+          <a:p>
+            <a:pPr marL="457200" indent="-457200">
+              <a:buFont typeface="Arial" panose="020B0604020202020204" pitchFamily="34" charset="0"/>
+              <a:buChar char="•"/>
+            </a:pPr>
+            <a:r>
+              <a:rPr lang="en-US" sz="2000" dirty="0"/>
+              <a:t>Add “</a:t>
+            </a:r>
+            <a:r>
+              <a:rPr lang="en-US" sz="2000" dirty="0">
+                <a:latin typeface="Courier New" panose="02070309020205020404" pitchFamily="49" charset="0"/>
+                <a:cs typeface="Courier New" panose="02070309020205020404" pitchFamily="49" charset="0"/>
+              </a:rPr>
+              <a:t>--verbose</a:t>
+            </a:r>
+            <a:r>
+              <a:rPr lang="en-US" sz="2000" dirty="0"/>
+              <a:t>” to view live output when playbook runs (more for debugging)</a:t>
+            </a:r>
+          </a:p>
+          <a:p>
+            <a:pPr marL="457200" indent="-457200">
+              <a:buFont typeface="Arial" panose="020B0604020202020204" pitchFamily="34" charset="0"/>
+              <a:buChar char="•"/>
+            </a:pPr>
+            <a:r>
+              <a:rPr lang="en-US" sz="2000" dirty="0"/>
+              <a:t>Play recap shows quick overview of run playbook:</a:t>
+            </a:r>
+          </a:p>
+          <a:p>
+            <a:pPr marL="457200" indent="-457200">
+              <a:buFont typeface="Arial" panose="020B0604020202020204" pitchFamily="34" charset="0"/>
+              <a:buChar char="•"/>
+            </a:pPr>
+            <a:endParaRPr lang="en-US" sz="2000" dirty="0"/>
+          </a:p>
+          <a:p>
+            <a:pPr marL="457200" indent="-457200">
+              <a:buFont typeface="Arial" panose="020B0604020202020204" pitchFamily="34" charset="0"/>
+              <a:buChar char="•"/>
+            </a:pPr>
+            <a:endParaRPr lang="en-US" sz="2000" dirty="0"/>
+          </a:p>
+          <a:p>
+            <a:pPr marL="457200" indent="-457200">
+              <a:buFont typeface="Arial" panose="020B0604020202020204" pitchFamily="34" charset="0"/>
+              <a:buChar char="•"/>
+            </a:pPr>
+            <a:endParaRPr lang="en-US" sz="2000" dirty="0"/>
+          </a:p>
+          <a:p>
+            <a:pPr marL="457200" indent="-457200">
+              <a:buFont typeface="Arial" panose="020B0604020202020204" pitchFamily="34" charset="0"/>
+              <a:buChar char="•"/>
+            </a:pPr>
+            <a:r>
+              <a:rPr lang="en-US" sz="2000" dirty="0"/>
+              <a:t>Play recap of legend:</a:t>
+            </a:r>
+          </a:p>
+          <a:p>
+            <a:pPr marL="815363" lvl="1" indent="-457200">
+              <a:buFont typeface="Arial" panose="020B0604020202020204" pitchFamily="34" charset="0"/>
+              <a:buChar char="•"/>
+            </a:pPr>
+            <a:r>
+              <a:rPr lang="en-US" sz="2000" dirty="0"/>
+              <a:t>Yellow = something changed (saved file in this case)	</a:t>
+            </a:r>
+          </a:p>
+          <a:p>
+            <a:pPr marL="815363" lvl="1" indent="-457200">
+              <a:buFont typeface="Arial" panose="020B0604020202020204" pitchFamily="34" charset="0"/>
+              <a:buChar char="•"/>
+            </a:pPr>
+            <a:r>
+              <a:rPr lang="en-US" sz="2000" dirty="0"/>
+              <a:t>Green = everything is OK no errors occurred</a:t>
+            </a:r>
+          </a:p>
+          <a:p>
+            <a:pPr marL="815363" lvl="1" indent="-457200">
+              <a:buFont typeface="Arial" panose="020B0604020202020204" pitchFamily="34" charset="0"/>
+              <a:buChar char="•"/>
+            </a:pPr>
+            <a:r>
+              <a:rPr lang="en-US" sz="2000" dirty="0"/>
+              <a:t>Red = an error occurred (play stops once error occurs):</a:t>
+            </a:r>
+          </a:p>
+          <a:p>
+            <a:r>
+              <a:rPr lang="en-US" sz="2000" dirty="0"/>
+              <a:t> </a:t>
+            </a:r>
+            <a:endParaRPr lang="nl-BE" sz="2000" dirty="0"/>
+          </a:p>
+        </p:txBody>
+      </p:sp>
+      <p:sp>
+        <p:nvSpPr>
+          <p:cNvPr id="4" name="Footer Placeholder 3">
+            <a:extLst>
+              <a:ext uri="{FF2B5EF4-FFF2-40B4-BE49-F238E27FC236}">
+                <a16:creationId xmlns:a16="http://schemas.microsoft.com/office/drawing/2014/main" id="{88947A4A-A97F-4CD4-B794-6D4076A5261F}"/>
+              </a:ext>
+            </a:extLst>
+          </p:cNvPr>
+          <p:cNvSpPr>
+            <a:spLocks noGrp="1"/>
+          </p:cNvSpPr>
+          <p:nvPr>
+            <p:ph type="ftr" sz="quarter" idx="11"/>
+          </p:nvPr>
+        </p:nvSpPr>
+        <p:spPr/>
+        <p:txBody>
+          <a:bodyPr/>
+          <a:lstStyle/>
+          <a:p>
+            <a:r>
+              <a:rPr lang="nl-BE" dirty="0"/>
+              <a:t>Ansible – Introduction</a:t>
+            </a:r>
+          </a:p>
+        </p:txBody>
+      </p:sp>
+      <p:sp>
+        <p:nvSpPr>
+          <p:cNvPr id="5" name="Slide Number Placeholder 4">
+            <a:extLst>
+              <a:ext uri="{FF2B5EF4-FFF2-40B4-BE49-F238E27FC236}">
+                <a16:creationId xmlns:a16="http://schemas.microsoft.com/office/drawing/2014/main" id="{F1770228-2C71-4008-82FD-CF3B4801A8D8}"/>
+              </a:ext>
+            </a:extLst>
+          </p:cNvPr>
+          <p:cNvSpPr>
+            <a:spLocks noGrp="1"/>
+          </p:cNvSpPr>
+          <p:nvPr>
+            <p:ph type="sldNum" sz="quarter" idx="12"/>
+          </p:nvPr>
+        </p:nvSpPr>
+        <p:spPr/>
+        <p:txBody>
+          <a:bodyPr/>
+          <a:lstStyle/>
+          <a:p>
+            <a:fld id="{FF88DA20-ED00-471C-9170-60F590CB400A}" type="slidenum">
+              <a:rPr lang="nl-BE" smtClean="0"/>
+              <a:t>44</a:t>
+            </a:fld>
+            <a:endParaRPr lang="nl-BE"/>
+          </a:p>
+        </p:txBody>
+      </p:sp>
+      <p:sp>
+        <p:nvSpPr>
+          <p:cNvPr id="8" name="Title 1">
+            <a:extLst>
+              <a:ext uri="{FF2B5EF4-FFF2-40B4-BE49-F238E27FC236}">
+                <a16:creationId xmlns:a16="http://schemas.microsoft.com/office/drawing/2014/main" id="{F2361ACF-39B4-45D8-A1D6-8BDFCEB2B250}"/>
+              </a:ext>
+            </a:extLst>
+          </p:cNvPr>
+          <p:cNvSpPr>
+            <a:spLocks noGrp="1"/>
+          </p:cNvSpPr>
+          <p:nvPr>
+            <p:ph type="title"/>
+          </p:nvPr>
+        </p:nvSpPr>
+        <p:spPr>
+          <a:xfrm>
+            <a:off x="396000" y="612000"/>
+            <a:ext cx="10515600" cy="684000"/>
+          </a:xfrm>
+        </p:spPr>
+        <p:txBody>
+          <a:bodyPr/>
+          <a:lstStyle/>
+          <a:p>
+            <a:r>
+              <a:rPr lang="nl-BE" dirty="0">
+                <a:solidFill>
+                  <a:srgbClr val="0085FE"/>
+                </a:solidFill>
+              </a:rPr>
+              <a:t>Run playbook</a:t>
+            </a:r>
+            <a:endParaRPr lang="en-US" dirty="0">
+              <a:solidFill>
+                <a:srgbClr val="0085FE"/>
+              </a:solidFill>
+            </a:endParaRPr>
+          </a:p>
+        </p:txBody>
+      </p:sp>
+      <p:pic>
+        <p:nvPicPr>
+          <p:cNvPr id="6" name="Picture 5">
+            <a:extLst>
+              <a:ext uri="{FF2B5EF4-FFF2-40B4-BE49-F238E27FC236}">
+                <a16:creationId xmlns:a16="http://schemas.microsoft.com/office/drawing/2014/main" id="{00F8CAE9-6417-4891-AB6B-D6B855F16F90}"/>
+              </a:ext>
+            </a:extLst>
+          </p:cNvPr>
+          <p:cNvPicPr>
+            <a:picLocks noChangeAspect="1"/>
+          </p:cNvPicPr>
+          <p:nvPr/>
+        </p:nvPicPr>
+        <p:blipFill>
+          <a:blip r:embed="rId2"/>
+          <a:stretch>
+            <a:fillRect/>
+          </a:stretch>
+        </p:blipFill>
+        <p:spPr>
+          <a:xfrm>
+            <a:off x="1676123" y="3173679"/>
+            <a:ext cx="8839753" cy="966848"/>
+          </a:xfrm>
+          <a:prstGeom prst="rect">
+            <a:avLst/>
+          </a:prstGeom>
+        </p:spPr>
+      </p:pic>
+      <p:pic>
+        <p:nvPicPr>
+          <p:cNvPr id="11" name="Picture 10">
+            <a:extLst>
+              <a:ext uri="{FF2B5EF4-FFF2-40B4-BE49-F238E27FC236}">
+                <a16:creationId xmlns:a16="http://schemas.microsoft.com/office/drawing/2014/main" id="{9C1E9B76-0C76-4C9A-BE5E-EEECEBBD2ECE}"/>
+              </a:ext>
+            </a:extLst>
+          </p:cNvPr>
+          <p:cNvPicPr>
+            <a:picLocks noChangeAspect="1"/>
+          </p:cNvPicPr>
+          <p:nvPr/>
+        </p:nvPicPr>
+        <p:blipFill>
+          <a:blip r:embed="rId3"/>
+          <a:stretch>
+            <a:fillRect/>
+          </a:stretch>
+        </p:blipFill>
+        <p:spPr>
+          <a:xfrm>
+            <a:off x="7304993" y="5127494"/>
+            <a:ext cx="4887007" cy="1781424"/>
+          </a:xfrm>
+          <a:prstGeom prst="rect">
+            <a:avLst/>
+          </a:prstGeom>
+        </p:spPr>
+      </p:pic>
+    </p:spTree>
+    <p:extLst>
+      <p:ext uri="{BB962C8B-B14F-4D97-AF65-F5344CB8AC3E}">
+        <p14:creationId xmlns:p14="http://schemas.microsoft.com/office/powerpoint/2010/main" val="769256954"/>
+      </p:ext>
+    </p:extLst>
+  </p:cSld>
+  <p:clrMapOvr>
+    <a:masterClrMapping/>
+  </p:clrMapOvr>
+</p:sld>
+</file>
+
+<file path=ppt/slides/slide45.xml><?xml version="1.0" encoding="utf-8"?>
+<p:sld xmlns:a="http://schemas.openxmlformats.org/drawingml/2006/main" xmlns:r="http://schemas.openxmlformats.org/officeDocument/2006/relationships" xmlns:p="http://schemas.openxmlformats.org/presentationml/2006/main">
+  <p:cSld>
+    <p:spTree>
+      <p:nvGrpSpPr>
+        <p:cNvPr id="1" name=""/>
+        <p:cNvGrpSpPr/>
+        <p:nvPr/>
+      </p:nvGrpSpPr>
+      <p:grpSpPr>
+        <a:xfrm>
+          <a:off x="0" y="0"/>
+          <a:ext cx="0" cy="0"/>
+          <a:chOff x="0" y="0"/>
+          <a:chExt cx="0" cy="0"/>
+        </a:xfrm>
+      </p:grpSpPr>
+      <p:sp>
+        <p:nvSpPr>
           <p:cNvPr id="2" name="Title 1">
             <a:extLst>
               <a:ext uri="{FF2B5EF4-FFF2-40B4-BE49-F238E27FC236}">
@@ -18613,7 +19296,15 @@
             </a:pPr>
             <a:r>
               <a:rPr lang="nl-BE" dirty="0"/>
-              <a:t>See Ansible paper</a:t>
+              <a:t>See Ansible paper:</a:t>
+            </a:r>
+          </a:p>
+          <a:p>
+            <a:r>
+              <a:rPr lang="nl-BE" dirty="0">
+                <a:hlinkClick r:id="rId2"/>
+              </a:rPr>
+              <a:t>https://www.newupdate.be/wp-content/uploads/2021/11/PaperAnsible_gerritvanmol.pdf</a:t>
             </a:r>
             <a:endParaRPr lang="en-US" dirty="0"/>
           </a:p>
@@ -18670,7 +19361,7 @@
           <a:p>
             <a:fld id="{FF88DA20-ED00-471C-9170-60F590CB400A}" type="slidenum">
               <a:rPr lang="nl-BE" smtClean="0"/>
-              <a:t>43</a:t>
+              <a:t>45</a:t>
             </a:fld>
             <a:endParaRPr lang="nl-BE"/>
           </a:p>

--- a/Documents/Ansible_BasicsAndHowToGetStarted.pptx
+++ b/Documents/Ansible_BasicsAndHowToGetStarted.pptx
@@ -16164,7 +16164,11 @@
             </a:pPr>
             <a:r>
               <a:rPr lang="nl-BE" sz="2000" dirty="0"/>
-              <a:t>Script/configuration files with dynamic variables</a:t>
+              <a:t>Script/configuration files with </a:t>
+            </a:r>
+            <a:r>
+              <a:rPr lang="nl-BE" sz="2000"/>
+              <a:t>dynamic variables </a:t>
             </a:r>
             <a:endParaRPr lang="en-US" sz="2000" dirty="0"/>
           </a:p>

--- a/Documents/Ansible_BasicsAndHowToGetStarted.pptx
+++ b/Documents/Ansible_BasicsAndHowToGetStarted.pptx
@@ -11553,7 +11553,7 @@
           <a:p>
             <a:r>
               <a:rPr lang="nl-BE" dirty="0"/>
-              <a:t>dag/maand/2022</a:t>
+              <a:t>31/01/2022</a:t>
             </a:r>
           </a:p>
         </p:txBody>

--- a/Documents/Ansible_BasicsAndHowToGetStarted.pptx
+++ b/Documents/Ansible_BasicsAndHowToGetStarted.pptx
@@ -14667,7 +14667,7 @@
         </p:spPr>
         <p:txBody>
           <a:bodyPr>
-            <a:normAutofit fontScale="92500" lnSpcReduction="10000"/>
+            <a:normAutofit fontScale="85000" lnSpcReduction="20000"/>
           </a:bodyPr>
           <a:lstStyle/>
           <a:p>
@@ -14723,6 +14723,13 @@
               <a:rPr lang="nl-BE" dirty="0"/>
               <a:t>Authentication</a:t>
             </a:r>
+          </a:p>
+          <a:p>
+            <a:r>
+              <a:rPr lang="nl-BE"/>
+              <a:t>Template(s)</a:t>
+            </a:r>
+            <a:endParaRPr lang="nl-BE" dirty="0"/>
           </a:p>
           <a:p>
             <a:r>

--- a/Documents/Ansible_BasicsAndHowToGetStarted.pptx
+++ b/Documents/Ansible_BasicsAndHowToGetStarted.pptx
@@ -5,7 +5,7 @@
     <p:sldMasterId id="2147483648" r:id="rId1"/>
   </p:sldMasterIdLst>
   <p:notesMasterIdLst>
-    <p:notesMasterId r:id="rId47"/>
+    <p:notesMasterId r:id="rId46"/>
   </p:notesMasterIdLst>
   <p:sldIdLst>
     <p:sldId id="261" r:id="rId2"/>
@@ -45,14 +45,13 @@
     <p:sldId id="322" r:id="rId36"/>
     <p:sldId id="308" r:id="rId37"/>
     <p:sldId id="293" r:id="rId38"/>
-    <p:sldId id="318" r:id="rId39"/>
-    <p:sldId id="310" r:id="rId40"/>
-    <p:sldId id="312" r:id="rId41"/>
-    <p:sldId id="306" r:id="rId42"/>
-    <p:sldId id="320" r:id="rId43"/>
-    <p:sldId id="309" r:id="rId44"/>
-    <p:sldId id="321" r:id="rId45"/>
-    <p:sldId id="279" r:id="rId46"/>
+    <p:sldId id="310" r:id="rId39"/>
+    <p:sldId id="312" r:id="rId40"/>
+    <p:sldId id="306" r:id="rId41"/>
+    <p:sldId id="320" r:id="rId42"/>
+    <p:sldId id="309" r:id="rId43"/>
+    <p:sldId id="321" r:id="rId44"/>
+    <p:sldId id="279" r:id="rId45"/>
   </p:sldIdLst>
   <p:sldSz cx="12192000" cy="6858000"/>
   <p:notesSz cx="6858000" cy="9144000"/>
@@ -14278,8 +14277,8 @@
           <a:lstStyle/>
           <a:p>
             <a:r>
-              <a:rPr lang="nl-BE"/>
-              <a:t>Titel van de presentatie</a:t>
+              <a:rPr lang="nl-BE" dirty="0"/>
+              <a:t>Ansible - Introduction</a:t>
             </a:r>
           </a:p>
         </p:txBody>
@@ -17083,7 +17082,7 @@
           <p:cNvPr id="2" name="Title 1">
             <a:extLst>
               <a:ext uri="{FF2B5EF4-FFF2-40B4-BE49-F238E27FC236}">
-                <a16:creationId xmlns:a16="http://schemas.microsoft.com/office/drawing/2014/main" id="{71FD9B4A-22B3-4B27-8EC6-CB566E6C3ECB}"/>
+                <a16:creationId xmlns:a16="http://schemas.microsoft.com/office/drawing/2014/main" id="{5AACE6E1-6A5D-4254-BDA8-C75CD8A44ED8}"/>
               </a:ext>
             </a:extLst>
           </p:cNvPr>
@@ -17105,7 +17104,7 @@
                   <a:srgbClr val="0085FE"/>
                 </a:solidFill>
               </a:rPr>
-              <a:t>Purpose of playbook</a:t>
+              <a:t>How are devices called upon</a:t>
             </a:r>
             <a:endParaRPr lang="en-US" dirty="0">
               <a:solidFill>
@@ -17117,18 +17116,92 @@
       </p:sp>
       <p:sp>
         <p:nvSpPr>
-          <p:cNvPr id="8" name="Tijdelijke aanduiding voor datum 1">
-            <a:extLst>
-              <a:ext uri="{FF2B5EF4-FFF2-40B4-BE49-F238E27FC236}">
-                <a16:creationId xmlns:a16="http://schemas.microsoft.com/office/drawing/2014/main" id="{071B7CCA-0101-47DF-BDDD-97C3F5ABD31C}"/>
-              </a:ext>
-            </a:extLst>
-          </p:cNvPr>
-          <p:cNvSpPr>
-            <a:spLocks noGrp="1"/>
-          </p:cNvSpPr>
-          <p:nvPr>
-            <p:ph type="dt" sz="half" idx="10"/>
+          <p:cNvPr id="3" name="Content Placeholder 2">
+            <a:extLst>
+              <a:ext uri="{FF2B5EF4-FFF2-40B4-BE49-F238E27FC236}">
+                <a16:creationId xmlns:a16="http://schemas.microsoft.com/office/drawing/2014/main" id="{FE17825A-63CE-4FE3-9311-77AAE3A9A027}"/>
+              </a:ext>
+            </a:extLst>
+          </p:cNvPr>
+          <p:cNvSpPr>
+            <a:spLocks noGrp="1"/>
+          </p:cNvSpPr>
+          <p:nvPr>
+            <p:ph idx="1"/>
+          </p:nvPr>
+        </p:nvSpPr>
+        <p:spPr>
+          <a:xfrm>
+            <a:off x="534291" y="1451443"/>
+            <a:ext cx="9281274" cy="3090532"/>
+          </a:xfrm>
+        </p:spPr>
+        <p:txBody>
+          <a:bodyPr/>
+          <a:lstStyle/>
+          <a:p>
+            <a:pPr marL="457200" indent="-457200">
+              <a:buFont typeface="Arial" panose="020B0604020202020204" pitchFamily="34" charset="0"/>
+              <a:buChar char="•"/>
+            </a:pPr>
+            <a:r>
+              <a:rPr lang="nl-BE" sz="2000" dirty="0"/>
+              <a:t>With use of the file/inventory file</a:t>
+            </a:r>
+          </a:p>
+          <a:p>
+            <a:pPr marL="815363" lvl="1" indent="-457200">
+              <a:buFont typeface="Arial" panose="020B0604020202020204" pitchFamily="34" charset="0"/>
+              <a:buChar char="•"/>
+            </a:pPr>
+            <a:r>
+              <a:rPr lang="nl-BE" sz="2000" dirty="0"/>
+              <a:t>Host-ID’s are for individual plays/tasks</a:t>
+            </a:r>
+          </a:p>
+          <a:p>
+            <a:pPr marL="815363" lvl="1" indent="-457200">
+              <a:buFont typeface="Arial" panose="020B0604020202020204" pitchFamily="34" charset="0"/>
+              <a:buChar char="•"/>
+            </a:pPr>
+            <a:r>
+              <a:rPr lang="nl-BE" sz="2000" dirty="0"/>
+              <a:t>Group name’s are for common plays</a:t>
+            </a:r>
+          </a:p>
+          <a:p>
+            <a:pPr marL="815363" lvl="1" indent="-457200">
+              <a:buFont typeface="Arial" panose="020B0604020202020204" pitchFamily="34" charset="0"/>
+              <a:buChar char="•"/>
+            </a:pPr>
+            <a:r>
+              <a:rPr lang="en-US" sz="2000" dirty="0"/>
+              <a:t>Variables are for groups or </a:t>
+            </a:r>
+          </a:p>
+          <a:p>
+            <a:pPr lvl="1"/>
+            <a:r>
+              <a:rPr lang="en-US" sz="2000" dirty="0"/>
+              <a:t>individual hosts (caution for spacing!)</a:t>
+            </a:r>
+          </a:p>
+        </p:txBody>
+      </p:sp>
+      <p:sp>
+        <p:nvSpPr>
+          <p:cNvPr id="4" name="Footer Placeholder 3">
+            <a:extLst>
+              <a:ext uri="{FF2B5EF4-FFF2-40B4-BE49-F238E27FC236}">
+                <a16:creationId xmlns:a16="http://schemas.microsoft.com/office/drawing/2014/main" id="{21588CFD-6B99-4D26-9B8E-BC7163B80B98}"/>
+              </a:ext>
+            </a:extLst>
+          </p:cNvPr>
+          <p:cNvSpPr>
+            <a:spLocks noGrp="1"/>
+          </p:cNvSpPr>
+          <p:nvPr>
+            <p:ph type="ftr" sz="quarter" idx="11"/>
           </p:nvPr>
         </p:nvSpPr>
         <p:spPr/>
@@ -17138,34 +17211,6 @@
           <a:p>
             <a:r>
               <a:rPr lang="nl-BE" dirty="0"/>
-              <a:t>31/01/2022</a:t>
-            </a:r>
-          </a:p>
-        </p:txBody>
-      </p:sp>
-      <p:sp>
-        <p:nvSpPr>
-          <p:cNvPr id="7" name="Footer Placeholder 3">
-            <a:extLst>
-              <a:ext uri="{FF2B5EF4-FFF2-40B4-BE49-F238E27FC236}">
-                <a16:creationId xmlns:a16="http://schemas.microsoft.com/office/drawing/2014/main" id="{67CC5EEC-6AE9-490F-8F88-E9F460CE1001}"/>
-              </a:ext>
-            </a:extLst>
-          </p:cNvPr>
-          <p:cNvSpPr>
-            <a:spLocks noGrp="1"/>
-          </p:cNvSpPr>
-          <p:nvPr>
-            <p:ph type="ftr" sz="quarter" idx="11"/>
-          </p:nvPr>
-        </p:nvSpPr>
-        <p:spPr/>
-        <p:txBody>
-          <a:bodyPr/>
-          <a:lstStyle/>
-          <a:p>
-            <a:r>
-              <a:rPr lang="en-US" dirty="0"/>
               <a:t>Ansible - Introduction</a:t>
             </a:r>
           </a:p>
@@ -17176,7 +17221,7 @@
           <p:cNvPr id="5" name="Slide Number Placeholder 4">
             <a:extLst>
               <a:ext uri="{FF2B5EF4-FFF2-40B4-BE49-F238E27FC236}">
-                <a16:creationId xmlns:a16="http://schemas.microsoft.com/office/drawing/2014/main" id="{02D6F86B-6F5D-45E1-B852-6CA617042C82}"/>
+                <a16:creationId xmlns:a16="http://schemas.microsoft.com/office/drawing/2014/main" id="{94A5AC1C-092E-4EC9-BA7C-4F212D666B50}"/>
               </a:ext>
             </a:extLst>
           </p:cNvPr>
@@ -17194,7 +17239,6 @@
           <a:p>
             <a:fld id="{FF88DA20-ED00-471C-9170-60F590CB400A}" type="slidenum">
               <a:rPr lang="nl-BE" smtClean="0"/>
-              <a:pPr/>
               <a:t>38</a:t>
             </a:fld>
             <a:endParaRPr lang="nl-BE"/>
@@ -17203,10 +17247,10 @@
       </p:sp>
       <p:pic>
         <p:nvPicPr>
-          <p:cNvPr id="3" name="Picture 2">
-            <a:extLst>
-              <a:ext uri="{FF2B5EF4-FFF2-40B4-BE49-F238E27FC236}">
-                <a16:creationId xmlns:a16="http://schemas.microsoft.com/office/drawing/2014/main" id="{D3412B10-F8EC-4ECD-9FB4-92DBFB0BF662}"/>
+          <p:cNvPr id="10" name="Picture 9">
+            <a:extLst>
+              <a:ext uri="{FF2B5EF4-FFF2-40B4-BE49-F238E27FC236}">
+                <a16:creationId xmlns:a16="http://schemas.microsoft.com/office/drawing/2014/main" id="{A95D09E1-D029-4054-90EE-D10114570838}"/>
               </a:ext>
             </a:extLst>
           </p:cNvPr>
@@ -17215,15 +17259,16 @@
           </p:cNvPicPr>
           <p:nvPr/>
         </p:nvPicPr>
-        <p:blipFill rotWithShape="1">
+        <p:blipFill>
           <a:blip r:embed="rId2"/>
-          <a:srcRect l="3050" t="29751" r="3050" b="11977"/>
-          <a:stretch/>
+          <a:stretch>
+            <a:fillRect/>
+          </a:stretch>
         </p:blipFill>
         <p:spPr>
           <a:xfrm>
-            <a:off x="5145800" y="793845"/>
-            <a:ext cx="6214533" cy="5452155"/>
+            <a:off x="5387691" y="612000"/>
+            <a:ext cx="6408309" cy="5245157"/>
           </a:xfrm>
           <a:prstGeom prst="rect">
             <a:avLst/>
@@ -17233,7 +17278,7 @@
     </p:spTree>
     <p:extLst>
       <p:ext uri="{BB962C8B-B14F-4D97-AF65-F5344CB8AC3E}">
-        <p14:creationId xmlns:p14="http://schemas.microsoft.com/office/powerpoint/2010/main" val="3174141101"/>
+        <p14:creationId xmlns:p14="http://schemas.microsoft.com/office/powerpoint/2010/main" val="710880769"/>
       </p:ext>
     </p:extLst>
   </p:cSld>
@@ -17287,7 +17332,7 @@
                   <a:srgbClr val="0085FE"/>
                 </a:solidFill>
               </a:rPr>
-              <a:t>How are devices called upon</a:t>
+              <a:t>Connect hosts/groups to roles</a:t>
             </a:r>
             <a:endParaRPr lang="en-US" dirty="0">
               <a:solidFill>
@@ -17315,7 +17360,7 @@
         </p:nvSpPr>
         <p:spPr>
           <a:xfrm>
-            <a:off x="534291" y="1451443"/>
+            <a:off x="534291" y="1142279"/>
             <a:ext cx="9281274" cy="3090532"/>
           </a:xfrm>
         </p:spPr>
@@ -17329,45 +17374,40 @@
             </a:pPr>
             <a:r>
               <a:rPr lang="nl-BE" sz="2000" dirty="0"/>
-              <a:t>With use of the file/inventory file</a:t>
-            </a:r>
-          </a:p>
-          <a:p>
-            <a:pPr marL="815363" lvl="1" indent="-457200">
+              <a:t>Roles/groups are linked to each other in the playbook</a:t>
+            </a:r>
+          </a:p>
+          <a:p>
+            <a:pPr marL="457200" indent="-457200">
               <a:buFont typeface="Arial" panose="020B0604020202020204" pitchFamily="34" charset="0"/>
               <a:buChar char="•"/>
             </a:pPr>
             <a:r>
               <a:rPr lang="nl-BE" sz="2000" dirty="0"/>
-              <a:t>Host-ID’s are for individual plays/tasks</a:t>
-            </a:r>
-          </a:p>
-          <a:p>
-            <a:pPr marL="815363" lvl="1" indent="-457200">
+              <a:t>Roles are linked to a group or host</a:t>
+            </a:r>
+          </a:p>
+          <a:p>
+            <a:r>
+              <a:rPr lang="nl-BE" sz="1800" dirty="0"/>
+              <a:t>(Which roles are specified under specific group are own choice)</a:t>
+            </a:r>
+          </a:p>
+          <a:p>
+            <a:pPr marL="457200" indent="-457200">
               <a:buFont typeface="Arial" panose="020B0604020202020204" pitchFamily="34" charset="0"/>
               <a:buChar char="•"/>
             </a:pPr>
             <a:r>
               <a:rPr lang="nl-BE" sz="2000" dirty="0"/>
-              <a:t>Group name’s are for common plays</a:t>
-            </a:r>
-          </a:p>
-          <a:p>
-            <a:pPr marL="815363" lvl="1" indent="-457200">
-              <a:buFont typeface="Arial" panose="020B0604020202020204" pitchFamily="34" charset="0"/>
-              <a:buChar char="•"/>
-            </a:pPr>
-            <a:r>
-              <a:rPr lang="en-US" sz="2000" dirty="0"/>
-              <a:t>Variables are for groups or </a:t>
-            </a:r>
-          </a:p>
-          <a:p>
-            <a:pPr lvl="1"/>
-            <a:r>
-              <a:rPr lang="en-US" sz="2000" dirty="0"/>
-              <a:t>individual hosts (caution for spacing!)</a:t>
-            </a:r>
+              <a:t>Playbook can have different name than “playbook”</a:t>
+            </a:r>
+          </a:p>
+          <a:p>
+            <a:endParaRPr lang="nl-BE" sz="2000" b="1" dirty="0"/>
+          </a:p>
+          <a:p>
+            <a:endParaRPr lang="en-US" sz="2000" dirty="0"/>
           </a:p>
         </p:txBody>
       </p:sp>
@@ -17430,10 +17470,10 @@
       </p:sp>
       <p:pic>
         <p:nvPicPr>
-          <p:cNvPr id="10" name="Picture 9">
-            <a:extLst>
-              <a:ext uri="{FF2B5EF4-FFF2-40B4-BE49-F238E27FC236}">
-                <a16:creationId xmlns:a16="http://schemas.microsoft.com/office/drawing/2014/main" id="{A95D09E1-D029-4054-90EE-D10114570838}"/>
+          <p:cNvPr id="7" name="Picture 6">
+            <a:extLst>
+              <a:ext uri="{FF2B5EF4-FFF2-40B4-BE49-F238E27FC236}">
+                <a16:creationId xmlns:a16="http://schemas.microsoft.com/office/drawing/2014/main" id="{0610CE46-01DF-44CC-B2AA-569D3067677E}"/>
               </a:ext>
             </a:extLst>
           </p:cNvPr>
@@ -17450,8 +17490,8 @@
         </p:blipFill>
         <p:spPr>
           <a:xfrm>
-            <a:off x="5387691" y="612000"/>
-            <a:ext cx="6408309" cy="5245157"/>
+            <a:off x="3024834" y="2804193"/>
+            <a:ext cx="7802099" cy="3917793"/>
           </a:xfrm>
           <a:prstGeom prst="rect">
             <a:avLst/>
@@ -17461,7 +17501,7 @@
     </p:spTree>
     <p:extLst>
       <p:ext uri="{BB962C8B-B14F-4D97-AF65-F5344CB8AC3E}">
-        <p14:creationId xmlns:p14="http://schemas.microsoft.com/office/powerpoint/2010/main" val="710880769"/>
+        <p14:creationId xmlns:p14="http://schemas.microsoft.com/office/powerpoint/2010/main" val="1642633515"/>
       </p:ext>
     </p:extLst>
   </p:cSld>
@@ -17664,7 +17704,7 @@
           <p:cNvPr id="2" name="Title 1">
             <a:extLst>
               <a:ext uri="{FF2B5EF4-FFF2-40B4-BE49-F238E27FC236}">
-                <a16:creationId xmlns:a16="http://schemas.microsoft.com/office/drawing/2014/main" id="{5AACE6E1-6A5D-4254-BDA8-C75CD8A44ED8}"/>
+                <a16:creationId xmlns:a16="http://schemas.microsoft.com/office/drawing/2014/main" id="{516AF402-B805-463A-8761-2006D370D7AC}"/>
               </a:ext>
             </a:extLst>
           </p:cNvPr>
@@ -17686,7 +17726,7 @@
                   <a:srgbClr val="0085FE"/>
                 </a:solidFill>
               </a:rPr>
-              <a:t>Connect hosts/groups to roles</a:t>
+              <a:t>Tasks and used modules</a:t>
             </a:r>
             <a:endParaRPr lang="en-US" dirty="0">
               <a:solidFill>
@@ -17698,79 +17738,10 @@
       </p:sp>
       <p:sp>
         <p:nvSpPr>
-          <p:cNvPr id="3" name="Content Placeholder 2">
-            <a:extLst>
-              <a:ext uri="{FF2B5EF4-FFF2-40B4-BE49-F238E27FC236}">
-                <a16:creationId xmlns:a16="http://schemas.microsoft.com/office/drawing/2014/main" id="{FE17825A-63CE-4FE3-9311-77AAE3A9A027}"/>
-              </a:ext>
-            </a:extLst>
-          </p:cNvPr>
-          <p:cNvSpPr>
-            <a:spLocks noGrp="1"/>
-          </p:cNvSpPr>
-          <p:nvPr>
-            <p:ph idx="1"/>
-          </p:nvPr>
-        </p:nvSpPr>
-        <p:spPr>
-          <a:xfrm>
-            <a:off x="534291" y="1142279"/>
-            <a:ext cx="9281274" cy="3090532"/>
-          </a:xfrm>
-        </p:spPr>
-        <p:txBody>
-          <a:bodyPr/>
-          <a:lstStyle/>
-          <a:p>
-            <a:pPr marL="457200" indent="-457200">
-              <a:buFont typeface="Arial" panose="020B0604020202020204" pitchFamily="34" charset="0"/>
-              <a:buChar char="•"/>
-            </a:pPr>
-            <a:r>
-              <a:rPr lang="nl-BE" sz="2000" dirty="0"/>
-              <a:t>Roles/groups are linked to each other in the playbook</a:t>
-            </a:r>
-          </a:p>
-          <a:p>
-            <a:pPr marL="457200" indent="-457200">
-              <a:buFont typeface="Arial" panose="020B0604020202020204" pitchFamily="34" charset="0"/>
-              <a:buChar char="•"/>
-            </a:pPr>
-            <a:r>
-              <a:rPr lang="nl-BE" sz="2000" dirty="0"/>
-              <a:t>Roles are linked to a group or host</a:t>
-            </a:r>
-          </a:p>
-          <a:p>
-            <a:r>
-              <a:rPr lang="nl-BE" sz="1800" dirty="0"/>
-              <a:t>(Which roles are specified under specific group are own choice)</a:t>
-            </a:r>
-          </a:p>
-          <a:p>
-            <a:pPr marL="457200" indent="-457200">
-              <a:buFont typeface="Arial" panose="020B0604020202020204" pitchFamily="34" charset="0"/>
-              <a:buChar char="•"/>
-            </a:pPr>
-            <a:r>
-              <a:rPr lang="nl-BE" sz="2000" dirty="0"/>
-              <a:t>Playbook can have different name than “playbook”</a:t>
-            </a:r>
-          </a:p>
-          <a:p>
-            <a:endParaRPr lang="nl-BE" sz="2000" b="1" dirty="0"/>
-          </a:p>
-          <a:p>
-            <a:endParaRPr lang="en-US" sz="2000" dirty="0"/>
-          </a:p>
-        </p:txBody>
-      </p:sp>
-      <p:sp>
-        <p:nvSpPr>
           <p:cNvPr id="4" name="Footer Placeholder 3">
             <a:extLst>
               <a:ext uri="{FF2B5EF4-FFF2-40B4-BE49-F238E27FC236}">
-                <a16:creationId xmlns:a16="http://schemas.microsoft.com/office/drawing/2014/main" id="{21588CFD-6B99-4D26-9B8E-BC7163B80B98}"/>
+                <a16:creationId xmlns:a16="http://schemas.microsoft.com/office/drawing/2014/main" id="{D1A712F8-4B7E-4E93-B599-0230989E62FF}"/>
               </a:ext>
             </a:extLst>
           </p:cNvPr>
@@ -17787,7 +17758,7 @@
           <a:lstStyle/>
           <a:p>
             <a:r>
-              <a:rPr lang="nl-BE" dirty="0"/>
+              <a:rPr lang="en-US" dirty="0"/>
               <a:t>Ansible - Introduction</a:t>
             </a:r>
           </a:p>
@@ -17798,7 +17769,7 @@
           <p:cNvPr id="5" name="Slide Number Placeholder 4">
             <a:extLst>
               <a:ext uri="{FF2B5EF4-FFF2-40B4-BE49-F238E27FC236}">
-                <a16:creationId xmlns:a16="http://schemas.microsoft.com/office/drawing/2014/main" id="{94A5AC1C-092E-4EC9-BA7C-4F212D666B50}"/>
+                <a16:creationId xmlns:a16="http://schemas.microsoft.com/office/drawing/2014/main" id="{4D9DDEC3-4B59-4F49-A668-524CBFFAA4F2}"/>
               </a:ext>
             </a:extLst>
           </p:cNvPr>
@@ -17824,10 +17795,121 @@
       </p:sp>
       <p:pic>
         <p:nvPicPr>
-          <p:cNvPr id="7" name="Picture 6">
-            <a:extLst>
-              <a:ext uri="{FF2B5EF4-FFF2-40B4-BE49-F238E27FC236}">
-                <a16:creationId xmlns:a16="http://schemas.microsoft.com/office/drawing/2014/main" id="{0610CE46-01DF-44CC-B2AA-569D3067677E}"/>
+          <p:cNvPr id="12" name="Picture 11">
+            <a:extLst>
+              <a:ext uri="{FF2B5EF4-FFF2-40B4-BE49-F238E27FC236}">
+                <a16:creationId xmlns:a16="http://schemas.microsoft.com/office/drawing/2014/main" id="{61509144-B87C-4D8C-96F2-42648D3B6C38}"/>
+              </a:ext>
+            </a:extLst>
+          </p:cNvPr>
+          <p:cNvPicPr>
+            <a:picLocks noChangeAspect="1"/>
+          </p:cNvPicPr>
+          <p:nvPr/>
+        </p:nvPicPr>
+        <p:blipFill rotWithShape="1">
+          <a:blip r:embed="rId2"/>
+          <a:srcRect t="26427" r="23020" b="50000"/>
+          <a:stretch/>
+        </p:blipFill>
+        <p:spPr>
+          <a:xfrm>
+            <a:off x="678291" y="3521427"/>
+            <a:ext cx="2567775" cy="1616609"/>
+          </a:xfrm>
+          <a:prstGeom prst="rect">
+            <a:avLst/>
+          </a:prstGeom>
+        </p:spPr>
+      </p:pic>
+      <p:cxnSp>
+        <p:nvCxnSpPr>
+          <p:cNvPr id="19" name="Straight Arrow Connector 18">
+            <a:extLst>
+              <a:ext uri="{FF2B5EF4-FFF2-40B4-BE49-F238E27FC236}">
+                <a16:creationId xmlns:a16="http://schemas.microsoft.com/office/drawing/2014/main" id="{75004B0D-A897-4B60-8F47-78ED49EF3BEE}"/>
+              </a:ext>
+            </a:extLst>
+          </p:cNvPr>
+          <p:cNvCxnSpPr>
+            <a:cxnSpLocks/>
+          </p:cNvCxnSpPr>
+          <p:nvPr/>
+        </p:nvCxnSpPr>
+        <p:spPr>
+          <a:xfrm>
+            <a:off x="2128774" y="2140891"/>
+            <a:ext cx="0" cy="522115"/>
+          </a:xfrm>
+          <a:prstGeom prst="straightConnector1">
+            <a:avLst/>
+          </a:prstGeom>
+          <a:ln>
+            <a:tailEnd type="triangle"/>
+          </a:ln>
+        </p:spPr>
+        <p:style>
+          <a:lnRef idx="1">
+            <a:schemeClr val="accent1"/>
+          </a:lnRef>
+          <a:fillRef idx="0">
+            <a:schemeClr val="accent1"/>
+          </a:fillRef>
+          <a:effectRef idx="0">
+            <a:schemeClr val="accent1"/>
+          </a:effectRef>
+          <a:fontRef idx="minor">
+            <a:schemeClr val="tx1"/>
+          </a:fontRef>
+        </p:style>
+      </p:cxnSp>
+      <p:cxnSp>
+        <p:nvCxnSpPr>
+          <p:cNvPr id="21" name="Straight Arrow Connector 20">
+            <a:extLst>
+              <a:ext uri="{FF2B5EF4-FFF2-40B4-BE49-F238E27FC236}">
+                <a16:creationId xmlns:a16="http://schemas.microsoft.com/office/drawing/2014/main" id="{E90E9838-EE7E-4647-BF2D-FC83D623053A}"/>
+              </a:ext>
+            </a:extLst>
+          </p:cNvPr>
+          <p:cNvCxnSpPr>
+            <a:cxnSpLocks/>
+          </p:cNvCxnSpPr>
+          <p:nvPr/>
+        </p:nvCxnSpPr>
+        <p:spPr>
+          <a:xfrm>
+            <a:off x="2128774" y="3054787"/>
+            <a:ext cx="0" cy="467290"/>
+          </a:xfrm>
+          <a:prstGeom prst="straightConnector1">
+            <a:avLst/>
+          </a:prstGeom>
+          <a:ln>
+            <a:tailEnd type="triangle"/>
+          </a:ln>
+        </p:spPr>
+        <p:style>
+          <a:lnRef idx="1">
+            <a:schemeClr val="accent1"/>
+          </a:lnRef>
+          <a:fillRef idx="0">
+            <a:schemeClr val="accent1"/>
+          </a:fillRef>
+          <a:effectRef idx="0">
+            <a:schemeClr val="accent1"/>
+          </a:effectRef>
+          <a:fontRef idx="minor">
+            <a:schemeClr val="tx1"/>
+          </a:fontRef>
+        </p:style>
+      </p:cxnSp>
+      <p:pic>
+        <p:nvPicPr>
+          <p:cNvPr id="33" name="Picture 32">
+            <a:extLst>
+              <a:ext uri="{FF2B5EF4-FFF2-40B4-BE49-F238E27FC236}">
+                <a16:creationId xmlns:a16="http://schemas.microsoft.com/office/drawing/2014/main" id="{6927A087-B4BF-43A7-B89F-8A1A09D13207}"/>
               </a:ext>
             </a:extLst>
           </p:cNvPr>
@@ -17837,25 +17919,380 @@
           <p:nvPr/>
         </p:nvPicPr>
         <p:blipFill>
-          <a:blip r:embed="rId2"/>
+          <a:blip r:embed="rId3"/>
           <a:stretch>
             <a:fillRect/>
           </a:stretch>
         </p:blipFill>
         <p:spPr>
           <a:xfrm>
-            <a:off x="3024834" y="2804193"/>
-            <a:ext cx="7802099" cy="3917793"/>
+            <a:off x="9712144" y="448153"/>
+            <a:ext cx="2054870" cy="2656715"/>
           </a:xfrm>
           <a:prstGeom prst="rect">
             <a:avLst/>
           </a:prstGeom>
+        </p:spPr>
+      </p:pic>
+      <p:sp>
+        <p:nvSpPr>
+          <p:cNvPr id="36" name="TextBox 35">
+            <a:extLst>
+              <a:ext uri="{FF2B5EF4-FFF2-40B4-BE49-F238E27FC236}">
+                <a16:creationId xmlns:a16="http://schemas.microsoft.com/office/drawing/2014/main" id="{8F39B721-D73A-4FE1-8427-638C6BF2BF32}"/>
+              </a:ext>
+            </a:extLst>
+          </p:cNvPr>
+          <p:cNvSpPr txBox="1"/>
+          <p:nvPr/>
+        </p:nvSpPr>
+        <p:spPr>
+          <a:xfrm>
+            <a:off x="9321433" y="3169760"/>
+            <a:ext cx="2658712" cy="276999"/>
+          </a:xfrm>
+          <a:prstGeom prst="rect">
+            <a:avLst/>
+          </a:prstGeom>
+          <a:noFill/>
+        </p:spPr>
+        <p:txBody>
+          <a:bodyPr wrap="square" rtlCol="0">
+            <a:spAutoFit/>
+          </a:bodyPr>
+          <a:lstStyle/>
+          <a:p>
+            <a:r>
+              <a:rPr lang="nl-BE" sz="1200" b="1" dirty="0"/>
+              <a:t>Not in playbook.yml but in task/main.yml</a:t>
+            </a:r>
+          </a:p>
+        </p:txBody>
+      </p:sp>
+      <p:pic>
+        <p:nvPicPr>
+          <p:cNvPr id="42" name="Picture 41">
+            <a:extLst>
+              <a:ext uri="{FF2B5EF4-FFF2-40B4-BE49-F238E27FC236}">
+                <a16:creationId xmlns:a16="http://schemas.microsoft.com/office/drawing/2014/main" id="{48885652-985C-4A1E-A1AD-01BAF8CEB1C5}"/>
+              </a:ext>
+            </a:extLst>
+          </p:cNvPr>
+          <p:cNvPicPr>
+            <a:picLocks noChangeAspect="1"/>
+          </p:cNvPicPr>
+          <p:nvPr/>
+        </p:nvPicPr>
+        <p:blipFill>
+          <a:blip r:embed="rId4"/>
+          <a:stretch>
+            <a:fillRect/>
+          </a:stretch>
+        </p:blipFill>
+        <p:spPr>
+          <a:xfrm>
+            <a:off x="678291" y="1106375"/>
+            <a:ext cx="3272525" cy="1103784"/>
+          </a:xfrm>
+          <a:prstGeom prst="rect">
+            <a:avLst/>
+          </a:prstGeom>
+        </p:spPr>
+      </p:pic>
+      <p:pic>
+        <p:nvPicPr>
+          <p:cNvPr id="50" name="Picture 49">
+            <a:extLst>
+              <a:ext uri="{FF2B5EF4-FFF2-40B4-BE49-F238E27FC236}">
+                <a16:creationId xmlns:a16="http://schemas.microsoft.com/office/drawing/2014/main" id="{8D473DFE-B475-4AE5-AF64-06BDD37930A1}"/>
+              </a:ext>
+            </a:extLst>
+          </p:cNvPr>
+          <p:cNvPicPr>
+            <a:picLocks noChangeAspect="1"/>
+          </p:cNvPicPr>
+          <p:nvPr/>
+        </p:nvPicPr>
+        <p:blipFill>
+          <a:blip r:embed="rId5"/>
+          <a:stretch>
+            <a:fillRect/>
+          </a:stretch>
+        </p:blipFill>
+        <p:spPr>
+          <a:xfrm>
+            <a:off x="4610212" y="442272"/>
+            <a:ext cx="2971576" cy="2865987"/>
+          </a:xfrm>
+          <a:prstGeom prst="rect">
+            <a:avLst/>
+          </a:prstGeom>
+        </p:spPr>
+      </p:pic>
+      <p:pic>
+        <p:nvPicPr>
+          <p:cNvPr id="52" name="Picture 51">
+            <a:extLst>
+              <a:ext uri="{FF2B5EF4-FFF2-40B4-BE49-F238E27FC236}">
+                <a16:creationId xmlns:a16="http://schemas.microsoft.com/office/drawing/2014/main" id="{87AC6E72-E164-4E8D-B8E1-BA5B5F2573DC}"/>
+              </a:ext>
+            </a:extLst>
+          </p:cNvPr>
+          <p:cNvPicPr>
+            <a:picLocks noChangeAspect="1"/>
+          </p:cNvPicPr>
+          <p:nvPr/>
+        </p:nvPicPr>
+        <p:blipFill>
+          <a:blip r:embed="rId6"/>
+          <a:stretch>
+            <a:fillRect/>
+          </a:stretch>
+        </p:blipFill>
+        <p:spPr>
+          <a:xfrm>
+            <a:off x="4714263" y="3550672"/>
+            <a:ext cx="3713906" cy="1853333"/>
+          </a:xfrm>
+          <a:prstGeom prst="rect">
+            <a:avLst/>
+          </a:prstGeom>
+        </p:spPr>
+      </p:pic>
+      <p:cxnSp>
+        <p:nvCxnSpPr>
+          <p:cNvPr id="54" name="Connector: Elbow 53">
+            <a:extLst>
+              <a:ext uri="{FF2B5EF4-FFF2-40B4-BE49-F238E27FC236}">
+                <a16:creationId xmlns:a16="http://schemas.microsoft.com/office/drawing/2014/main" id="{B05FD79B-42FB-420F-BFAC-85FFBFC975B1}"/>
+              </a:ext>
+            </a:extLst>
+          </p:cNvPr>
+          <p:cNvCxnSpPr>
+            <a:cxnSpLocks/>
+            <a:stCxn id="12" idx="2"/>
+            <a:endCxn id="50" idx="0"/>
+          </p:cNvCxnSpPr>
+          <p:nvPr/>
+        </p:nvCxnSpPr>
+        <p:spPr>
+          <a:xfrm rot="5400000" flipH="1" flipV="1">
+            <a:off x="1681207" y="723243"/>
+            <a:ext cx="4695764" cy="4133821"/>
+          </a:xfrm>
+          <a:prstGeom prst="bentConnector5">
+            <a:avLst>
+              <a:gd name="adj1" fmla="val -4868"/>
+              <a:gd name="adj2" fmla="val 56570"/>
+              <a:gd name="adj3" fmla="val 104868"/>
+            </a:avLst>
+          </a:prstGeom>
+          <a:ln>
+            <a:tailEnd type="triangle"/>
+          </a:ln>
+        </p:spPr>
+        <p:style>
+          <a:lnRef idx="1">
+            <a:schemeClr val="accent1"/>
+          </a:lnRef>
+          <a:fillRef idx="0">
+            <a:schemeClr val="accent1"/>
+          </a:fillRef>
+          <a:effectRef idx="0">
+            <a:schemeClr val="accent1"/>
+          </a:effectRef>
+          <a:fontRef idx="minor">
+            <a:schemeClr val="tx1"/>
+          </a:fontRef>
+        </p:style>
+      </p:cxnSp>
+      <p:cxnSp>
+        <p:nvCxnSpPr>
+          <p:cNvPr id="58" name="Straight Arrow Connector 57">
+            <a:extLst>
+              <a:ext uri="{FF2B5EF4-FFF2-40B4-BE49-F238E27FC236}">
+                <a16:creationId xmlns:a16="http://schemas.microsoft.com/office/drawing/2014/main" id="{6089ABCF-207E-40F2-B287-9125286065CB}"/>
+              </a:ext>
+            </a:extLst>
+          </p:cNvPr>
+          <p:cNvCxnSpPr>
+            <a:cxnSpLocks/>
+            <a:stCxn id="50" idx="2"/>
+          </p:cNvCxnSpPr>
+          <p:nvPr/>
+        </p:nvCxnSpPr>
+        <p:spPr>
+          <a:xfrm>
+            <a:off x="6096000" y="3308259"/>
+            <a:ext cx="0" cy="241483"/>
+          </a:xfrm>
+          <a:prstGeom prst="straightConnector1">
+            <a:avLst/>
+          </a:prstGeom>
+          <a:ln>
+            <a:tailEnd type="triangle"/>
+          </a:ln>
+        </p:spPr>
+        <p:style>
+          <a:lnRef idx="1">
+            <a:schemeClr val="accent1"/>
+          </a:lnRef>
+          <a:fillRef idx="0">
+            <a:schemeClr val="accent1"/>
+          </a:fillRef>
+          <a:effectRef idx="0">
+            <a:schemeClr val="accent1"/>
+          </a:effectRef>
+          <a:fontRef idx="minor">
+            <a:schemeClr val="tx1"/>
+          </a:fontRef>
+        </p:style>
+      </p:cxnSp>
+      <p:cxnSp>
+        <p:nvCxnSpPr>
+          <p:cNvPr id="61" name="Connector: Elbow 60">
+            <a:extLst>
+              <a:ext uri="{FF2B5EF4-FFF2-40B4-BE49-F238E27FC236}">
+                <a16:creationId xmlns:a16="http://schemas.microsoft.com/office/drawing/2014/main" id="{8B78ECF8-9008-46B4-BF95-082860F05C5E}"/>
+              </a:ext>
+            </a:extLst>
+          </p:cNvPr>
+          <p:cNvCxnSpPr>
+            <a:cxnSpLocks/>
+            <a:stCxn id="52" idx="3"/>
+            <a:endCxn id="66" idx="0"/>
+          </p:cNvCxnSpPr>
+          <p:nvPr/>
+        </p:nvCxnSpPr>
+        <p:spPr>
+          <a:xfrm>
+            <a:off x="8428169" y="4477339"/>
+            <a:ext cx="1725923" cy="984874"/>
+          </a:xfrm>
+          <a:prstGeom prst="bentConnector2">
+            <a:avLst/>
+          </a:prstGeom>
+          <a:ln>
+            <a:tailEnd type="triangle"/>
+          </a:ln>
+        </p:spPr>
+        <p:style>
+          <a:lnRef idx="1">
+            <a:schemeClr val="accent1"/>
+          </a:lnRef>
+          <a:fillRef idx="0">
+            <a:schemeClr val="accent1"/>
+          </a:fillRef>
+          <a:effectRef idx="0">
+            <a:schemeClr val="accent1"/>
+          </a:effectRef>
+          <a:fontRef idx="minor">
+            <a:schemeClr val="tx1"/>
+          </a:fontRef>
+        </p:style>
+      </p:cxnSp>
+      <p:pic>
+        <p:nvPicPr>
+          <p:cNvPr id="66" name="Picture 65">
+            <a:extLst>
+              <a:ext uri="{FF2B5EF4-FFF2-40B4-BE49-F238E27FC236}">
+                <a16:creationId xmlns:a16="http://schemas.microsoft.com/office/drawing/2014/main" id="{7F822350-50A4-45C9-A909-252B278AAA39}"/>
+              </a:ext>
+            </a:extLst>
+          </p:cNvPr>
+          <p:cNvPicPr>
+            <a:picLocks noChangeAspect="1"/>
+          </p:cNvPicPr>
+          <p:nvPr/>
+        </p:nvPicPr>
+        <p:blipFill>
+          <a:blip r:embed="rId7"/>
+          <a:stretch>
+            <a:fillRect/>
+          </a:stretch>
+        </p:blipFill>
+        <p:spPr>
+          <a:xfrm>
+            <a:off x="8116184" y="5462213"/>
+            <a:ext cx="4075816" cy="1406697"/>
+          </a:xfrm>
+          <a:prstGeom prst="rect">
+            <a:avLst/>
+          </a:prstGeom>
+        </p:spPr>
+      </p:pic>
+      <p:pic>
+        <p:nvPicPr>
+          <p:cNvPr id="69" name="Picture 68">
+            <a:extLst>
+              <a:ext uri="{FF2B5EF4-FFF2-40B4-BE49-F238E27FC236}">
+                <a16:creationId xmlns:a16="http://schemas.microsoft.com/office/drawing/2014/main" id="{A5567FCD-8DFA-48BF-820D-696EC8981BBC}"/>
+              </a:ext>
+            </a:extLst>
+          </p:cNvPr>
+          <p:cNvPicPr>
+            <a:picLocks noChangeAspect="1"/>
+          </p:cNvPicPr>
+          <p:nvPr/>
+        </p:nvPicPr>
+        <p:blipFill rotWithShape="1">
+          <a:blip r:embed="rId8"/>
+          <a:srcRect r="-1879" b="62315"/>
+          <a:stretch/>
+        </p:blipFill>
+        <p:spPr>
+          <a:xfrm>
+            <a:off x="913832" y="2692685"/>
+            <a:ext cx="2801442" cy="362102"/>
+          </a:xfrm>
+          <a:prstGeom prst="rect">
+            <a:avLst/>
+          </a:prstGeom>
+        </p:spPr>
+      </p:pic>
+      <p:pic>
+        <p:nvPicPr>
+          <p:cNvPr id="72" name="Picture 71">
+            <a:extLst>
+              <a:ext uri="{FF2B5EF4-FFF2-40B4-BE49-F238E27FC236}">
+                <a16:creationId xmlns:a16="http://schemas.microsoft.com/office/drawing/2014/main" id="{053C982C-0E2A-4C10-BF54-4E921F3BF353}"/>
+              </a:ext>
+            </a:extLst>
+          </p:cNvPr>
+          <p:cNvPicPr>
+            <a:picLocks noChangeAspect="1"/>
+          </p:cNvPicPr>
+          <p:nvPr/>
+        </p:nvPicPr>
+        <p:blipFill rotWithShape="1">
+          <a:blip r:embed="rId9"/>
+          <a:srcRect r="14511" b="21246"/>
+          <a:stretch/>
+        </p:blipFill>
+        <p:spPr>
+          <a:xfrm>
+            <a:off x="3715274" y="5998242"/>
+            <a:ext cx="1853425" cy="604709"/>
+          </a:xfrm>
+          <a:prstGeom prst="rect">
+            <a:avLst/>
+          </a:prstGeom>
+          <a:ln>
+            <a:noFill/>
+          </a:ln>
+          <a:effectLst>
+            <a:outerShdw blurRad="190500" algn="tl" rotWithShape="0">
+              <a:srgbClr val="000000">
+                <a:alpha val="70000"/>
+              </a:srgbClr>
+            </a:outerShdw>
+          </a:effectLst>
         </p:spPr>
       </p:pic>
     </p:spTree>
     <p:extLst>
       <p:ext uri="{BB962C8B-B14F-4D97-AF65-F5344CB8AC3E}">
-        <p14:creationId xmlns:p14="http://schemas.microsoft.com/office/powerpoint/2010/main" val="1642633515"/>
+        <p14:creationId xmlns:p14="http://schemas.microsoft.com/office/powerpoint/2010/main" val="2369688689"/>
       </p:ext>
     </p:extLst>
   </p:cSld>
@@ -17978,121 +18415,10 @@
       </p:sp>
       <p:pic>
         <p:nvPicPr>
-          <p:cNvPr id="12" name="Picture 11">
-            <a:extLst>
-              <a:ext uri="{FF2B5EF4-FFF2-40B4-BE49-F238E27FC236}">
-                <a16:creationId xmlns:a16="http://schemas.microsoft.com/office/drawing/2014/main" id="{61509144-B87C-4D8C-96F2-42648D3B6C38}"/>
-              </a:ext>
-            </a:extLst>
-          </p:cNvPr>
-          <p:cNvPicPr>
-            <a:picLocks noChangeAspect="1"/>
-          </p:cNvPicPr>
-          <p:nvPr/>
-        </p:nvPicPr>
-        <p:blipFill rotWithShape="1">
-          <a:blip r:embed="rId2"/>
-          <a:srcRect t="26427" r="23020" b="50000"/>
-          <a:stretch/>
-        </p:blipFill>
-        <p:spPr>
-          <a:xfrm>
-            <a:off x="678291" y="3521427"/>
-            <a:ext cx="2567775" cy="1616609"/>
-          </a:xfrm>
-          <a:prstGeom prst="rect">
-            <a:avLst/>
-          </a:prstGeom>
-        </p:spPr>
-      </p:pic>
-      <p:cxnSp>
-        <p:nvCxnSpPr>
-          <p:cNvPr id="19" name="Straight Arrow Connector 18">
-            <a:extLst>
-              <a:ext uri="{FF2B5EF4-FFF2-40B4-BE49-F238E27FC236}">
-                <a16:creationId xmlns:a16="http://schemas.microsoft.com/office/drawing/2014/main" id="{75004B0D-A897-4B60-8F47-78ED49EF3BEE}"/>
-              </a:ext>
-            </a:extLst>
-          </p:cNvPr>
-          <p:cNvCxnSpPr>
-            <a:cxnSpLocks/>
-          </p:cNvCxnSpPr>
-          <p:nvPr/>
-        </p:nvCxnSpPr>
-        <p:spPr>
-          <a:xfrm>
-            <a:off x="2128774" y="2140891"/>
-            <a:ext cx="0" cy="522115"/>
-          </a:xfrm>
-          <a:prstGeom prst="straightConnector1">
-            <a:avLst/>
-          </a:prstGeom>
-          <a:ln>
-            <a:tailEnd type="triangle"/>
-          </a:ln>
-        </p:spPr>
-        <p:style>
-          <a:lnRef idx="1">
-            <a:schemeClr val="accent1"/>
-          </a:lnRef>
-          <a:fillRef idx="0">
-            <a:schemeClr val="accent1"/>
-          </a:fillRef>
-          <a:effectRef idx="0">
-            <a:schemeClr val="accent1"/>
-          </a:effectRef>
-          <a:fontRef idx="minor">
-            <a:schemeClr val="tx1"/>
-          </a:fontRef>
-        </p:style>
-      </p:cxnSp>
-      <p:cxnSp>
-        <p:nvCxnSpPr>
-          <p:cNvPr id="21" name="Straight Arrow Connector 20">
-            <a:extLst>
-              <a:ext uri="{FF2B5EF4-FFF2-40B4-BE49-F238E27FC236}">
-                <a16:creationId xmlns:a16="http://schemas.microsoft.com/office/drawing/2014/main" id="{E90E9838-EE7E-4647-BF2D-FC83D623053A}"/>
-              </a:ext>
-            </a:extLst>
-          </p:cNvPr>
-          <p:cNvCxnSpPr>
-            <a:cxnSpLocks/>
-          </p:cNvCxnSpPr>
-          <p:nvPr/>
-        </p:nvCxnSpPr>
-        <p:spPr>
-          <a:xfrm>
-            <a:off x="2128774" y="3054787"/>
-            <a:ext cx="0" cy="467290"/>
-          </a:xfrm>
-          <a:prstGeom prst="straightConnector1">
-            <a:avLst/>
-          </a:prstGeom>
-          <a:ln>
-            <a:tailEnd type="triangle"/>
-          </a:ln>
-        </p:spPr>
-        <p:style>
-          <a:lnRef idx="1">
-            <a:schemeClr val="accent1"/>
-          </a:lnRef>
-          <a:fillRef idx="0">
-            <a:schemeClr val="accent1"/>
-          </a:fillRef>
-          <a:effectRef idx="0">
-            <a:schemeClr val="accent1"/>
-          </a:effectRef>
-          <a:fontRef idx="minor">
-            <a:schemeClr val="tx1"/>
-          </a:fontRef>
-        </p:style>
-      </p:cxnSp>
-      <p:pic>
-        <p:nvPicPr>
-          <p:cNvPr id="33" name="Picture 32">
-            <a:extLst>
-              <a:ext uri="{FF2B5EF4-FFF2-40B4-BE49-F238E27FC236}">
-                <a16:creationId xmlns:a16="http://schemas.microsoft.com/office/drawing/2014/main" id="{6927A087-B4BF-43A7-B89F-8A1A09D13207}"/>
+          <p:cNvPr id="6" name="Picture 5">
+            <a:extLst>
+              <a:ext uri="{FF2B5EF4-FFF2-40B4-BE49-F238E27FC236}">
+                <a16:creationId xmlns:a16="http://schemas.microsoft.com/office/drawing/2014/main" id="{E9E1A2F1-ABBE-47BC-AE2E-C5ECA2EBBFC1}"/>
               </a:ext>
             </a:extLst>
           </p:cNvPr>
@@ -18102,380 +18428,25 @@
           <p:nvPr/>
         </p:nvPicPr>
         <p:blipFill>
-          <a:blip r:embed="rId3"/>
+          <a:blip r:embed="rId2"/>
           <a:stretch>
             <a:fillRect/>
           </a:stretch>
         </p:blipFill>
         <p:spPr>
           <a:xfrm>
-            <a:off x="9712144" y="448153"/>
-            <a:ext cx="2054870" cy="2656715"/>
+            <a:off x="2307854" y="1881932"/>
+            <a:ext cx="7576292" cy="3094135"/>
           </a:xfrm>
           <a:prstGeom prst="rect">
             <a:avLst/>
           </a:prstGeom>
-        </p:spPr>
-      </p:pic>
-      <p:sp>
-        <p:nvSpPr>
-          <p:cNvPr id="36" name="TextBox 35">
-            <a:extLst>
-              <a:ext uri="{FF2B5EF4-FFF2-40B4-BE49-F238E27FC236}">
-                <a16:creationId xmlns:a16="http://schemas.microsoft.com/office/drawing/2014/main" id="{8F39B721-D73A-4FE1-8427-638C6BF2BF32}"/>
-              </a:ext>
-            </a:extLst>
-          </p:cNvPr>
-          <p:cNvSpPr txBox="1"/>
-          <p:nvPr/>
-        </p:nvSpPr>
-        <p:spPr>
-          <a:xfrm>
-            <a:off x="9321433" y="3169760"/>
-            <a:ext cx="2658712" cy="276999"/>
-          </a:xfrm>
-          <a:prstGeom prst="rect">
-            <a:avLst/>
-          </a:prstGeom>
-          <a:noFill/>
-        </p:spPr>
-        <p:txBody>
-          <a:bodyPr wrap="square" rtlCol="0">
-            <a:spAutoFit/>
-          </a:bodyPr>
-          <a:lstStyle/>
-          <a:p>
-            <a:r>
-              <a:rPr lang="nl-BE" sz="1200" b="1" dirty="0"/>
-              <a:t>Not in playbook.yml but in task/main.yml</a:t>
-            </a:r>
-          </a:p>
-        </p:txBody>
-      </p:sp>
-      <p:pic>
-        <p:nvPicPr>
-          <p:cNvPr id="42" name="Picture 41">
-            <a:extLst>
-              <a:ext uri="{FF2B5EF4-FFF2-40B4-BE49-F238E27FC236}">
-                <a16:creationId xmlns:a16="http://schemas.microsoft.com/office/drawing/2014/main" id="{48885652-985C-4A1E-A1AD-01BAF8CEB1C5}"/>
-              </a:ext>
-            </a:extLst>
-          </p:cNvPr>
-          <p:cNvPicPr>
-            <a:picLocks noChangeAspect="1"/>
-          </p:cNvPicPr>
-          <p:nvPr/>
-        </p:nvPicPr>
-        <p:blipFill>
-          <a:blip r:embed="rId4"/>
-          <a:stretch>
-            <a:fillRect/>
-          </a:stretch>
-        </p:blipFill>
-        <p:spPr>
-          <a:xfrm>
-            <a:off x="678291" y="1106375"/>
-            <a:ext cx="3272525" cy="1103784"/>
-          </a:xfrm>
-          <a:prstGeom prst="rect">
-            <a:avLst/>
-          </a:prstGeom>
-        </p:spPr>
-      </p:pic>
-      <p:pic>
-        <p:nvPicPr>
-          <p:cNvPr id="50" name="Picture 49">
-            <a:extLst>
-              <a:ext uri="{FF2B5EF4-FFF2-40B4-BE49-F238E27FC236}">
-                <a16:creationId xmlns:a16="http://schemas.microsoft.com/office/drawing/2014/main" id="{8D473DFE-B475-4AE5-AF64-06BDD37930A1}"/>
-              </a:ext>
-            </a:extLst>
-          </p:cNvPr>
-          <p:cNvPicPr>
-            <a:picLocks noChangeAspect="1"/>
-          </p:cNvPicPr>
-          <p:nvPr/>
-        </p:nvPicPr>
-        <p:blipFill>
-          <a:blip r:embed="rId5"/>
-          <a:stretch>
-            <a:fillRect/>
-          </a:stretch>
-        </p:blipFill>
-        <p:spPr>
-          <a:xfrm>
-            <a:off x="4610212" y="442272"/>
-            <a:ext cx="2971576" cy="2865987"/>
-          </a:xfrm>
-          <a:prstGeom prst="rect">
-            <a:avLst/>
-          </a:prstGeom>
-        </p:spPr>
-      </p:pic>
-      <p:pic>
-        <p:nvPicPr>
-          <p:cNvPr id="52" name="Picture 51">
-            <a:extLst>
-              <a:ext uri="{FF2B5EF4-FFF2-40B4-BE49-F238E27FC236}">
-                <a16:creationId xmlns:a16="http://schemas.microsoft.com/office/drawing/2014/main" id="{87AC6E72-E164-4E8D-B8E1-BA5B5F2573DC}"/>
-              </a:ext>
-            </a:extLst>
-          </p:cNvPr>
-          <p:cNvPicPr>
-            <a:picLocks noChangeAspect="1"/>
-          </p:cNvPicPr>
-          <p:nvPr/>
-        </p:nvPicPr>
-        <p:blipFill>
-          <a:blip r:embed="rId6"/>
-          <a:stretch>
-            <a:fillRect/>
-          </a:stretch>
-        </p:blipFill>
-        <p:spPr>
-          <a:xfrm>
-            <a:off x="4714263" y="3550672"/>
-            <a:ext cx="3713906" cy="1853333"/>
-          </a:xfrm>
-          <a:prstGeom prst="rect">
-            <a:avLst/>
-          </a:prstGeom>
-        </p:spPr>
-      </p:pic>
-      <p:cxnSp>
-        <p:nvCxnSpPr>
-          <p:cNvPr id="54" name="Connector: Elbow 53">
-            <a:extLst>
-              <a:ext uri="{FF2B5EF4-FFF2-40B4-BE49-F238E27FC236}">
-                <a16:creationId xmlns:a16="http://schemas.microsoft.com/office/drawing/2014/main" id="{B05FD79B-42FB-420F-BFAC-85FFBFC975B1}"/>
-              </a:ext>
-            </a:extLst>
-          </p:cNvPr>
-          <p:cNvCxnSpPr>
-            <a:cxnSpLocks/>
-            <a:stCxn id="12" idx="2"/>
-            <a:endCxn id="50" idx="0"/>
-          </p:cNvCxnSpPr>
-          <p:nvPr/>
-        </p:nvCxnSpPr>
-        <p:spPr>
-          <a:xfrm rot="5400000" flipH="1" flipV="1">
-            <a:off x="1681207" y="723243"/>
-            <a:ext cx="4695764" cy="4133821"/>
-          </a:xfrm>
-          <a:prstGeom prst="bentConnector5">
-            <a:avLst>
-              <a:gd name="adj1" fmla="val -4868"/>
-              <a:gd name="adj2" fmla="val 56570"/>
-              <a:gd name="adj3" fmla="val 104868"/>
-            </a:avLst>
-          </a:prstGeom>
-          <a:ln>
-            <a:tailEnd type="triangle"/>
-          </a:ln>
-        </p:spPr>
-        <p:style>
-          <a:lnRef idx="1">
-            <a:schemeClr val="accent1"/>
-          </a:lnRef>
-          <a:fillRef idx="0">
-            <a:schemeClr val="accent1"/>
-          </a:fillRef>
-          <a:effectRef idx="0">
-            <a:schemeClr val="accent1"/>
-          </a:effectRef>
-          <a:fontRef idx="minor">
-            <a:schemeClr val="tx1"/>
-          </a:fontRef>
-        </p:style>
-      </p:cxnSp>
-      <p:cxnSp>
-        <p:nvCxnSpPr>
-          <p:cNvPr id="58" name="Straight Arrow Connector 57">
-            <a:extLst>
-              <a:ext uri="{FF2B5EF4-FFF2-40B4-BE49-F238E27FC236}">
-                <a16:creationId xmlns:a16="http://schemas.microsoft.com/office/drawing/2014/main" id="{6089ABCF-207E-40F2-B287-9125286065CB}"/>
-              </a:ext>
-            </a:extLst>
-          </p:cNvPr>
-          <p:cNvCxnSpPr>
-            <a:cxnSpLocks/>
-            <a:stCxn id="50" idx="2"/>
-          </p:cNvCxnSpPr>
-          <p:nvPr/>
-        </p:nvCxnSpPr>
-        <p:spPr>
-          <a:xfrm>
-            <a:off x="6096000" y="3308259"/>
-            <a:ext cx="0" cy="241483"/>
-          </a:xfrm>
-          <a:prstGeom prst="straightConnector1">
-            <a:avLst/>
-          </a:prstGeom>
-          <a:ln>
-            <a:tailEnd type="triangle"/>
-          </a:ln>
-        </p:spPr>
-        <p:style>
-          <a:lnRef idx="1">
-            <a:schemeClr val="accent1"/>
-          </a:lnRef>
-          <a:fillRef idx="0">
-            <a:schemeClr val="accent1"/>
-          </a:fillRef>
-          <a:effectRef idx="0">
-            <a:schemeClr val="accent1"/>
-          </a:effectRef>
-          <a:fontRef idx="minor">
-            <a:schemeClr val="tx1"/>
-          </a:fontRef>
-        </p:style>
-      </p:cxnSp>
-      <p:cxnSp>
-        <p:nvCxnSpPr>
-          <p:cNvPr id="61" name="Connector: Elbow 60">
-            <a:extLst>
-              <a:ext uri="{FF2B5EF4-FFF2-40B4-BE49-F238E27FC236}">
-                <a16:creationId xmlns:a16="http://schemas.microsoft.com/office/drawing/2014/main" id="{8B78ECF8-9008-46B4-BF95-082860F05C5E}"/>
-              </a:ext>
-            </a:extLst>
-          </p:cNvPr>
-          <p:cNvCxnSpPr>
-            <a:cxnSpLocks/>
-            <a:stCxn id="52" idx="3"/>
-            <a:endCxn id="66" idx="0"/>
-          </p:cNvCxnSpPr>
-          <p:nvPr/>
-        </p:nvCxnSpPr>
-        <p:spPr>
-          <a:xfrm>
-            <a:off x="8428169" y="4477339"/>
-            <a:ext cx="1725923" cy="984874"/>
-          </a:xfrm>
-          <a:prstGeom prst="bentConnector2">
-            <a:avLst/>
-          </a:prstGeom>
-          <a:ln>
-            <a:tailEnd type="triangle"/>
-          </a:ln>
-        </p:spPr>
-        <p:style>
-          <a:lnRef idx="1">
-            <a:schemeClr val="accent1"/>
-          </a:lnRef>
-          <a:fillRef idx="0">
-            <a:schemeClr val="accent1"/>
-          </a:fillRef>
-          <a:effectRef idx="0">
-            <a:schemeClr val="accent1"/>
-          </a:effectRef>
-          <a:fontRef idx="minor">
-            <a:schemeClr val="tx1"/>
-          </a:fontRef>
-        </p:style>
-      </p:cxnSp>
-      <p:pic>
-        <p:nvPicPr>
-          <p:cNvPr id="66" name="Picture 65">
-            <a:extLst>
-              <a:ext uri="{FF2B5EF4-FFF2-40B4-BE49-F238E27FC236}">
-                <a16:creationId xmlns:a16="http://schemas.microsoft.com/office/drawing/2014/main" id="{7F822350-50A4-45C9-A909-252B278AAA39}"/>
-              </a:ext>
-            </a:extLst>
-          </p:cNvPr>
-          <p:cNvPicPr>
-            <a:picLocks noChangeAspect="1"/>
-          </p:cNvPicPr>
-          <p:nvPr/>
-        </p:nvPicPr>
-        <p:blipFill>
-          <a:blip r:embed="rId7"/>
-          <a:stretch>
-            <a:fillRect/>
-          </a:stretch>
-        </p:blipFill>
-        <p:spPr>
-          <a:xfrm>
-            <a:off x="8116184" y="5462213"/>
-            <a:ext cx="4075816" cy="1406697"/>
-          </a:xfrm>
-          <a:prstGeom prst="rect">
-            <a:avLst/>
-          </a:prstGeom>
-        </p:spPr>
-      </p:pic>
-      <p:pic>
-        <p:nvPicPr>
-          <p:cNvPr id="69" name="Picture 68">
-            <a:extLst>
-              <a:ext uri="{FF2B5EF4-FFF2-40B4-BE49-F238E27FC236}">
-                <a16:creationId xmlns:a16="http://schemas.microsoft.com/office/drawing/2014/main" id="{A5567FCD-8DFA-48BF-820D-696EC8981BBC}"/>
-              </a:ext>
-            </a:extLst>
-          </p:cNvPr>
-          <p:cNvPicPr>
-            <a:picLocks noChangeAspect="1"/>
-          </p:cNvPicPr>
-          <p:nvPr/>
-        </p:nvPicPr>
-        <p:blipFill rotWithShape="1">
-          <a:blip r:embed="rId8"/>
-          <a:srcRect r="-1879" b="62315"/>
-          <a:stretch/>
-        </p:blipFill>
-        <p:spPr>
-          <a:xfrm>
-            <a:off x="913832" y="2692685"/>
-            <a:ext cx="2801442" cy="362102"/>
-          </a:xfrm>
-          <a:prstGeom prst="rect">
-            <a:avLst/>
-          </a:prstGeom>
-        </p:spPr>
-      </p:pic>
-      <p:pic>
-        <p:nvPicPr>
-          <p:cNvPr id="72" name="Picture 71">
-            <a:extLst>
-              <a:ext uri="{FF2B5EF4-FFF2-40B4-BE49-F238E27FC236}">
-                <a16:creationId xmlns:a16="http://schemas.microsoft.com/office/drawing/2014/main" id="{053C982C-0E2A-4C10-BF54-4E921F3BF353}"/>
-              </a:ext>
-            </a:extLst>
-          </p:cNvPr>
-          <p:cNvPicPr>
-            <a:picLocks noChangeAspect="1"/>
-          </p:cNvPicPr>
-          <p:nvPr/>
-        </p:nvPicPr>
-        <p:blipFill rotWithShape="1">
-          <a:blip r:embed="rId9"/>
-          <a:srcRect r="14511" b="21246"/>
-          <a:stretch/>
-        </p:blipFill>
-        <p:spPr>
-          <a:xfrm>
-            <a:off x="3715274" y="5998242"/>
-            <a:ext cx="1853425" cy="604709"/>
-          </a:xfrm>
-          <a:prstGeom prst="rect">
-            <a:avLst/>
-          </a:prstGeom>
-          <a:ln>
-            <a:noFill/>
-          </a:ln>
-          <a:effectLst>
-            <a:outerShdw blurRad="190500" algn="tl" rotWithShape="0">
-              <a:srgbClr val="000000">
-                <a:alpha val="70000"/>
-              </a:srgbClr>
-            </a:outerShdw>
-          </a:effectLst>
         </p:spPr>
       </p:pic>
     </p:spTree>
     <p:extLst>
       <p:ext uri="{BB962C8B-B14F-4D97-AF65-F5344CB8AC3E}">
-        <p14:creationId xmlns:p14="http://schemas.microsoft.com/office/powerpoint/2010/main" val="2369688689"/>
+        <p14:creationId xmlns:p14="http://schemas.microsoft.com/office/powerpoint/2010/main" val="2547040333"/>
       </p:ext>
     </p:extLst>
   </p:cSld>
@@ -18504,10 +18475,137 @@
       </p:grpSpPr>
       <p:sp>
         <p:nvSpPr>
-          <p:cNvPr id="2" name="Title 1">
-            <a:extLst>
-              <a:ext uri="{FF2B5EF4-FFF2-40B4-BE49-F238E27FC236}">
-                <a16:creationId xmlns:a16="http://schemas.microsoft.com/office/drawing/2014/main" id="{516AF402-B805-463A-8761-2006D370D7AC}"/>
+          <p:cNvPr id="3" name="Content Placeholder 2">
+            <a:extLst>
+              <a:ext uri="{FF2B5EF4-FFF2-40B4-BE49-F238E27FC236}">
+                <a16:creationId xmlns:a16="http://schemas.microsoft.com/office/drawing/2014/main" id="{51AE9555-3952-4843-8008-7DD11BF43BAC}"/>
+              </a:ext>
+            </a:extLst>
+          </p:cNvPr>
+          <p:cNvSpPr>
+            <a:spLocks noGrp="1"/>
+          </p:cNvSpPr>
+          <p:nvPr>
+            <p:ph idx="1"/>
+          </p:nvPr>
+        </p:nvSpPr>
+        <p:spPr>
+          <a:xfrm>
+            <a:off x="469285" y="1028051"/>
+            <a:ext cx="9281274" cy="3090532"/>
+          </a:xfrm>
+        </p:spPr>
+        <p:txBody>
+          <a:bodyPr/>
+          <a:lstStyle/>
+          <a:p>
+            <a:pPr marL="457200" indent="-457200">
+              <a:buFont typeface="Arial" panose="020B0604020202020204" pitchFamily="34" charset="0"/>
+              <a:buChar char="•"/>
+            </a:pPr>
+            <a:r>
+              <a:rPr lang="nl-BE" sz="2000" dirty="0"/>
+              <a:t>Can be defined: </a:t>
+            </a:r>
+          </a:p>
+          <a:p>
+            <a:pPr marL="815363" lvl="1" indent="-457200">
+              <a:buFont typeface="Arial" panose="020B0604020202020204" pitchFamily="34" charset="0"/>
+              <a:buChar char="•"/>
+            </a:pPr>
+            <a:r>
+              <a:rPr lang="nl-BE" sz="2000" dirty="0"/>
+              <a:t>Under same group-indent (in hosts file) with “vars” keyword</a:t>
+            </a:r>
+          </a:p>
+          <a:p>
+            <a:pPr marL="815363" lvl="1" indent="-457200">
+              <a:buFont typeface="Arial" panose="020B0604020202020204" pitchFamily="34" charset="0"/>
+              <a:buChar char="•"/>
+            </a:pPr>
+            <a:r>
+              <a:rPr lang="nl-BE" sz="2000" dirty="0"/>
+              <a:t>Under vars/main.yml of role in “roles” directory</a:t>
+            </a:r>
+          </a:p>
+          <a:p>
+            <a:pPr marL="815363" lvl="1" indent="-457200">
+              <a:buFont typeface="Arial" panose="020B0604020202020204" pitchFamily="34" charset="0"/>
+              <a:buChar char="•"/>
+            </a:pPr>
+            <a:r>
+              <a:rPr lang="nl-BE" sz="2000" dirty="0"/>
+              <a:t>Under group_vars directory</a:t>
+            </a:r>
+          </a:p>
+          <a:p>
+            <a:endParaRPr lang="en-US" sz="2000" dirty="0"/>
+          </a:p>
+        </p:txBody>
+      </p:sp>
+      <p:sp>
+        <p:nvSpPr>
+          <p:cNvPr id="4" name="Footer Placeholder 3">
+            <a:extLst>
+              <a:ext uri="{FF2B5EF4-FFF2-40B4-BE49-F238E27FC236}">
+                <a16:creationId xmlns:a16="http://schemas.microsoft.com/office/drawing/2014/main" id="{88947A4A-A97F-4CD4-B794-6D4076A5261F}"/>
+              </a:ext>
+            </a:extLst>
+          </p:cNvPr>
+          <p:cNvSpPr>
+            <a:spLocks noGrp="1"/>
+          </p:cNvSpPr>
+          <p:nvPr>
+            <p:ph type="ftr" sz="quarter" idx="11"/>
+          </p:nvPr>
+        </p:nvSpPr>
+        <p:spPr/>
+        <p:txBody>
+          <a:bodyPr/>
+          <a:lstStyle/>
+          <a:p>
+            <a:r>
+              <a:rPr lang="nl-BE" dirty="0"/>
+              <a:t>Ansible – Introduction</a:t>
+            </a:r>
+          </a:p>
+        </p:txBody>
+      </p:sp>
+      <p:sp>
+        <p:nvSpPr>
+          <p:cNvPr id="5" name="Slide Number Placeholder 4">
+            <a:extLst>
+              <a:ext uri="{FF2B5EF4-FFF2-40B4-BE49-F238E27FC236}">
+                <a16:creationId xmlns:a16="http://schemas.microsoft.com/office/drawing/2014/main" id="{F1770228-2C71-4008-82FD-CF3B4801A8D8}"/>
+              </a:ext>
+            </a:extLst>
+          </p:cNvPr>
+          <p:cNvSpPr>
+            <a:spLocks noGrp="1"/>
+          </p:cNvSpPr>
+          <p:nvPr>
+            <p:ph type="sldNum" sz="quarter" idx="12"/>
+          </p:nvPr>
+        </p:nvSpPr>
+        <p:spPr/>
+        <p:txBody>
+          <a:bodyPr/>
+          <a:lstStyle/>
+          <a:p>
+            <a:fld id="{FF88DA20-ED00-471C-9170-60F590CB400A}" type="slidenum">
+              <a:rPr lang="nl-BE" smtClean="0"/>
+              <a:t>42</a:t>
+            </a:fld>
+            <a:endParaRPr lang="nl-BE"/>
+          </a:p>
+        </p:txBody>
+      </p:sp>
+      <p:sp>
+        <p:nvSpPr>
+          <p:cNvPr id="8" name="Title 1">
+            <a:extLst>
+              <a:ext uri="{FF2B5EF4-FFF2-40B4-BE49-F238E27FC236}">
+                <a16:creationId xmlns:a16="http://schemas.microsoft.com/office/drawing/2014/main" id="{F2361ACF-39B4-45D8-A1D6-8BDFCEB2B250}"/>
               </a:ext>
             </a:extLst>
           </p:cNvPr>
@@ -18518,7 +18616,12 @@
             <p:ph type="title"/>
           </p:nvPr>
         </p:nvSpPr>
-        <p:spPr/>
+        <p:spPr>
+          <a:xfrm>
+            <a:off x="396000" y="612000"/>
+            <a:ext cx="10515600" cy="684000"/>
+          </a:xfrm>
+        </p:spPr>
         <p:txBody>
           <a:bodyPr/>
           <a:lstStyle/>
@@ -18529,7 +18632,7 @@
                   <a:srgbClr val="0085FE"/>
                 </a:solidFill>
               </a:rPr>
-              <a:t>Tasks and used modules</a:t>
+              <a:t>Group/role specific variables</a:t>
             </a:r>
             <a:endParaRPr lang="en-US" dirty="0">
               <a:solidFill>
@@ -18539,69 +18642,12 @@
           </a:p>
         </p:txBody>
       </p:sp>
-      <p:sp>
-        <p:nvSpPr>
-          <p:cNvPr id="4" name="Footer Placeholder 3">
-            <a:extLst>
-              <a:ext uri="{FF2B5EF4-FFF2-40B4-BE49-F238E27FC236}">
-                <a16:creationId xmlns:a16="http://schemas.microsoft.com/office/drawing/2014/main" id="{D1A712F8-4B7E-4E93-B599-0230989E62FF}"/>
-              </a:ext>
-            </a:extLst>
-          </p:cNvPr>
-          <p:cNvSpPr>
-            <a:spLocks noGrp="1"/>
-          </p:cNvSpPr>
-          <p:nvPr>
-            <p:ph type="ftr" sz="quarter" idx="11"/>
-          </p:nvPr>
-        </p:nvSpPr>
-        <p:spPr/>
-        <p:txBody>
-          <a:bodyPr/>
-          <a:lstStyle/>
-          <a:p>
-            <a:r>
-              <a:rPr lang="en-US" dirty="0"/>
-              <a:t>Ansible - Introduction</a:t>
-            </a:r>
-          </a:p>
-        </p:txBody>
-      </p:sp>
-      <p:sp>
-        <p:nvSpPr>
-          <p:cNvPr id="5" name="Slide Number Placeholder 4">
-            <a:extLst>
-              <a:ext uri="{FF2B5EF4-FFF2-40B4-BE49-F238E27FC236}">
-                <a16:creationId xmlns:a16="http://schemas.microsoft.com/office/drawing/2014/main" id="{4D9DDEC3-4B59-4F49-A668-524CBFFAA4F2}"/>
-              </a:ext>
-            </a:extLst>
-          </p:cNvPr>
-          <p:cNvSpPr>
-            <a:spLocks noGrp="1"/>
-          </p:cNvSpPr>
-          <p:nvPr>
-            <p:ph type="sldNum" sz="quarter" idx="12"/>
-          </p:nvPr>
-        </p:nvSpPr>
-        <p:spPr/>
-        <p:txBody>
-          <a:bodyPr/>
-          <a:lstStyle/>
-          <a:p>
-            <a:fld id="{FF88DA20-ED00-471C-9170-60F590CB400A}" type="slidenum">
-              <a:rPr lang="nl-BE" smtClean="0"/>
-              <a:t>42</a:t>
-            </a:fld>
-            <a:endParaRPr lang="nl-BE"/>
-          </a:p>
-        </p:txBody>
-      </p:sp>
       <p:pic>
         <p:nvPicPr>
-          <p:cNvPr id="6" name="Picture 5">
-            <a:extLst>
-              <a:ext uri="{FF2B5EF4-FFF2-40B4-BE49-F238E27FC236}">
-                <a16:creationId xmlns:a16="http://schemas.microsoft.com/office/drawing/2014/main" id="{E9E1A2F1-ABBE-47BC-AE2E-C5ECA2EBBFC1}"/>
+          <p:cNvPr id="18" name="Picture 17">
+            <a:extLst>
+              <a:ext uri="{FF2B5EF4-FFF2-40B4-BE49-F238E27FC236}">
+                <a16:creationId xmlns:a16="http://schemas.microsoft.com/office/drawing/2014/main" id="{3E2CFFE3-FB64-4809-BA2F-D53D082D3C61}"/>
               </a:ext>
             </a:extLst>
           </p:cNvPr>
@@ -18618,8 +18664,8 @@
         </p:blipFill>
         <p:spPr>
           <a:xfrm>
-            <a:off x="2307854" y="1881932"/>
-            <a:ext cx="7576292" cy="3094135"/>
+            <a:off x="4296136" y="2175056"/>
+            <a:ext cx="5839640" cy="4563112"/>
           </a:xfrm>
           <a:prstGeom prst="rect">
             <a:avLst/>
@@ -18629,7 +18675,7 @@
     </p:spTree>
     <p:extLst>
       <p:ext uri="{BB962C8B-B14F-4D97-AF65-F5344CB8AC3E}">
-        <p14:creationId xmlns:p14="http://schemas.microsoft.com/office/powerpoint/2010/main" val="2547040333"/>
+        <p14:creationId xmlns:p14="http://schemas.microsoft.com/office/powerpoint/2010/main" val="47307552"/>
       </p:ext>
     </p:extLst>
   </p:cSld>
@@ -18674,7 +18720,7 @@
         </p:nvSpPr>
         <p:spPr>
           <a:xfrm>
-            <a:off x="469285" y="1028051"/>
+            <a:off x="534291" y="1296000"/>
             <a:ext cx="9281274" cy="3090532"/>
           </a:xfrm>
         </p:spPr>
@@ -18688,7 +18734,102 @@
             </a:pPr>
             <a:r>
               <a:rPr lang="nl-BE" sz="2000" dirty="0"/>
-              <a:t>Can be defined: </a:t>
+              <a:t>Start playbook with “</a:t>
+            </a:r>
+            <a:r>
+              <a:rPr lang="nl-BE" sz="2000" dirty="0">
+                <a:latin typeface="Courier New" panose="02070309020205020404" pitchFamily="49" charset="0"/>
+                <a:cs typeface="Courier New" panose="02070309020205020404" pitchFamily="49" charset="0"/>
+              </a:rPr>
+              <a:t>ansible-playbook plabookName.yml</a:t>
+            </a:r>
+            <a:r>
+              <a:rPr lang="nl-BE" sz="2000" dirty="0"/>
+              <a:t>”</a:t>
+            </a:r>
+            <a:endParaRPr lang="en-US" sz="2000" dirty="0"/>
+          </a:p>
+          <a:p>
+            <a:pPr marL="457200" indent="-457200">
+              <a:buFont typeface="Arial" panose="020B0604020202020204" pitchFamily="34" charset="0"/>
+              <a:buChar char="•"/>
+            </a:pPr>
+            <a:r>
+              <a:rPr lang="en-US" sz="2000" dirty="0"/>
+              <a:t>Add “</a:t>
+            </a:r>
+            <a:r>
+              <a:rPr lang="en-US" sz="2000" dirty="0">
+                <a:latin typeface="Courier New" panose="02070309020205020404" pitchFamily="49" charset="0"/>
+                <a:cs typeface="Courier New" panose="02070309020205020404" pitchFamily="49" charset="0"/>
+              </a:rPr>
+              <a:t>--check-syntax</a:t>
+            </a:r>
+            <a:r>
+              <a:rPr lang="en-US" sz="2000" dirty="0"/>
+              <a:t>” to check playbook for syntax errors</a:t>
+            </a:r>
+          </a:p>
+          <a:p>
+            <a:pPr marL="457200" indent="-457200">
+              <a:buFont typeface="Arial" panose="020B0604020202020204" pitchFamily="34" charset="0"/>
+              <a:buChar char="•"/>
+            </a:pPr>
+            <a:r>
+              <a:rPr lang="en-US" sz="2000" dirty="0"/>
+              <a:t>Add “</a:t>
+            </a:r>
+            <a:r>
+              <a:rPr lang="en-US" sz="2000" dirty="0">
+                <a:latin typeface="Courier New" panose="02070309020205020404" pitchFamily="49" charset="0"/>
+                <a:cs typeface="Courier New" panose="02070309020205020404" pitchFamily="49" charset="0"/>
+              </a:rPr>
+              <a:t>--verbose</a:t>
+            </a:r>
+            <a:r>
+              <a:rPr lang="en-US" sz="2000" dirty="0"/>
+              <a:t>” to view live output when playbook runs (more for debugging)</a:t>
+            </a:r>
+          </a:p>
+          <a:p>
+            <a:pPr marL="457200" indent="-457200">
+              <a:buFont typeface="Arial" panose="020B0604020202020204" pitchFamily="34" charset="0"/>
+              <a:buChar char="•"/>
+            </a:pPr>
+            <a:r>
+              <a:rPr lang="en-US" sz="2000" dirty="0"/>
+              <a:t>Play recap shows quick overview of run playbook:</a:t>
+            </a:r>
+          </a:p>
+          <a:p>
+            <a:pPr marL="457200" indent="-457200">
+              <a:buFont typeface="Arial" panose="020B0604020202020204" pitchFamily="34" charset="0"/>
+              <a:buChar char="•"/>
+            </a:pPr>
+            <a:endParaRPr lang="en-US" sz="2000" dirty="0"/>
+          </a:p>
+          <a:p>
+            <a:pPr marL="457200" indent="-457200">
+              <a:buFont typeface="Arial" panose="020B0604020202020204" pitchFamily="34" charset="0"/>
+              <a:buChar char="•"/>
+            </a:pPr>
+            <a:endParaRPr lang="en-US" sz="2000" dirty="0"/>
+          </a:p>
+          <a:p>
+            <a:pPr marL="457200" indent="-457200">
+              <a:buFont typeface="Arial" panose="020B0604020202020204" pitchFamily="34" charset="0"/>
+              <a:buChar char="•"/>
+            </a:pPr>
+            <a:endParaRPr lang="en-US" sz="2000" dirty="0"/>
+          </a:p>
+          <a:p>
+            <a:pPr marL="457200" indent="-457200">
+              <a:buFont typeface="Arial" panose="020B0604020202020204" pitchFamily="34" charset="0"/>
+              <a:buChar char="•"/>
+            </a:pPr>
+            <a:r>
+              <a:rPr lang="en-US" sz="2000" dirty="0"/>
+              <a:t>Play recap of legend:</a:t>
             </a:r>
           </a:p>
           <a:p>
@@ -18697,8 +18838,8 @@
               <a:buChar char="•"/>
             </a:pPr>
             <a:r>
-              <a:rPr lang="nl-BE" sz="2000" dirty="0"/>
-              <a:t>Under same group-indent (in hosts file) with “vars” keyword</a:t>
+              <a:rPr lang="en-US" sz="2000" dirty="0"/>
+              <a:t>Yellow = something changed (saved file in this case)	</a:t>
             </a:r>
           </a:p>
           <a:p>
@@ -18707,8 +18848,8 @@
               <a:buChar char="•"/>
             </a:pPr>
             <a:r>
-              <a:rPr lang="nl-BE" sz="2000" dirty="0"/>
-              <a:t>Under vars/main.yml of role in “roles” directory</a:t>
+              <a:rPr lang="en-US" sz="2000" dirty="0"/>
+              <a:t>Green = everything is OK no errors occurred</a:t>
             </a:r>
           </a:p>
           <a:p>
@@ -18717,12 +18858,16 @@
               <a:buChar char="•"/>
             </a:pPr>
             <a:r>
-              <a:rPr lang="nl-BE" sz="2000" dirty="0"/>
-              <a:t>Under group_vars directory</a:t>
-            </a:r>
-          </a:p>
-          <a:p>
-            <a:endParaRPr lang="en-US" sz="2000" dirty="0"/>
+              <a:rPr lang="en-US" sz="2000" dirty="0"/>
+              <a:t>Red = an error occurred (play stops once error occurs):</a:t>
+            </a:r>
+          </a:p>
+          <a:p>
+            <a:r>
+              <a:rPr lang="en-US" sz="2000" dirty="0"/>
+              <a:t> </a:t>
+            </a:r>
+            <a:endParaRPr lang="nl-BE" sz="2000" dirty="0"/>
           </a:p>
         </p:txBody>
       </p:sp>
@@ -18815,7 +18960,7 @@
                   <a:srgbClr val="0085FE"/>
                 </a:solidFill>
               </a:rPr>
-              <a:t>Group/role specific variables</a:t>
+              <a:t>Run playbook</a:t>
             </a:r>
             <a:endParaRPr lang="en-US" dirty="0">
               <a:solidFill>
@@ -18827,10 +18972,10 @@
       </p:sp>
       <p:pic>
         <p:nvPicPr>
-          <p:cNvPr id="18" name="Picture 17">
-            <a:extLst>
-              <a:ext uri="{FF2B5EF4-FFF2-40B4-BE49-F238E27FC236}">
-                <a16:creationId xmlns:a16="http://schemas.microsoft.com/office/drawing/2014/main" id="{3E2CFFE3-FB64-4809-BA2F-D53D082D3C61}"/>
+          <p:cNvPr id="6" name="Picture 5">
+            <a:extLst>
+              <a:ext uri="{FF2B5EF4-FFF2-40B4-BE49-F238E27FC236}">
+                <a16:creationId xmlns:a16="http://schemas.microsoft.com/office/drawing/2014/main" id="{00F8CAE9-6417-4891-AB6B-D6B855F16F90}"/>
               </a:ext>
             </a:extLst>
           </p:cNvPr>
@@ -18847,8 +18992,38 @@
         </p:blipFill>
         <p:spPr>
           <a:xfrm>
-            <a:off x="4296136" y="2175056"/>
-            <a:ext cx="5839640" cy="4563112"/>
+            <a:off x="1676123" y="3173679"/>
+            <a:ext cx="8839753" cy="966848"/>
+          </a:xfrm>
+          <a:prstGeom prst="rect">
+            <a:avLst/>
+          </a:prstGeom>
+        </p:spPr>
+      </p:pic>
+      <p:pic>
+        <p:nvPicPr>
+          <p:cNvPr id="11" name="Picture 10">
+            <a:extLst>
+              <a:ext uri="{FF2B5EF4-FFF2-40B4-BE49-F238E27FC236}">
+                <a16:creationId xmlns:a16="http://schemas.microsoft.com/office/drawing/2014/main" id="{9C1E9B76-0C76-4C9A-BE5E-EEECEBBD2ECE}"/>
+              </a:ext>
+            </a:extLst>
+          </p:cNvPr>
+          <p:cNvPicPr>
+            <a:picLocks noChangeAspect="1"/>
+          </p:cNvPicPr>
+          <p:nvPr/>
+        </p:nvPicPr>
+        <p:blipFill>
+          <a:blip r:embed="rId3"/>
+          <a:stretch>
+            <a:fillRect/>
+          </a:stretch>
+        </p:blipFill>
+        <p:spPr>
+          <a:xfrm>
+            <a:off x="7304993" y="5127494"/>
+            <a:ext cx="4887007" cy="1781424"/>
           </a:xfrm>
           <a:prstGeom prst="rect">
             <a:avLst/>
@@ -18858,7 +19033,7 @@
     </p:spTree>
     <p:extLst>
       <p:ext uri="{BB962C8B-B14F-4D97-AF65-F5344CB8AC3E}">
-        <p14:creationId xmlns:p14="http://schemas.microsoft.com/office/powerpoint/2010/main" val="47307552"/>
+        <p14:creationId xmlns:p14="http://schemas.microsoft.com/office/powerpoint/2010/main" val="769256954"/>
       </p:ext>
     </p:extLst>
   </p:cSld>
@@ -18887,364 +19062,6 @@
       </p:grpSpPr>
       <p:sp>
         <p:nvSpPr>
-          <p:cNvPr id="3" name="Content Placeholder 2">
-            <a:extLst>
-              <a:ext uri="{FF2B5EF4-FFF2-40B4-BE49-F238E27FC236}">
-                <a16:creationId xmlns:a16="http://schemas.microsoft.com/office/drawing/2014/main" id="{51AE9555-3952-4843-8008-7DD11BF43BAC}"/>
-              </a:ext>
-            </a:extLst>
-          </p:cNvPr>
-          <p:cNvSpPr>
-            <a:spLocks noGrp="1"/>
-          </p:cNvSpPr>
-          <p:nvPr>
-            <p:ph idx="1"/>
-          </p:nvPr>
-        </p:nvSpPr>
-        <p:spPr>
-          <a:xfrm>
-            <a:off x="534291" y="1296000"/>
-            <a:ext cx="9281274" cy="3090532"/>
-          </a:xfrm>
-        </p:spPr>
-        <p:txBody>
-          <a:bodyPr/>
-          <a:lstStyle/>
-          <a:p>
-            <a:pPr marL="457200" indent="-457200">
-              <a:buFont typeface="Arial" panose="020B0604020202020204" pitchFamily="34" charset="0"/>
-              <a:buChar char="•"/>
-            </a:pPr>
-            <a:r>
-              <a:rPr lang="nl-BE" sz="2000" dirty="0"/>
-              <a:t>Start playbook with “</a:t>
-            </a:r>
-            <a:r>
-              <a:rPr lang="nl-BE" sz="2000" dirty="0">
-                <a:latin typeface="Courier New" panose="02070309020205020404" pitchFamily="49" charset="0"/>
-                <a:cs typeface="Courier New" panose="02070309020205020404" pitchFamily="49" charset="0"/>
-              </a:rPr>
-              <a:t>ansible-playbook plabookName.yml</a:t>
-            </a:r>
-            <a:r>
-              <a:rPr lang="nl-BE" sz="2000" dirty="0"/>
-              <a:t>”</a:t>
-            </a:r>
-            <a:endParaRPr lang="en-US" sz="2000" dirty="0"/>
-          </a:p>
-          <a:p>
-            <a:pPr marL="457200" indent="-457200">
-              <a:buFont typeface="Arial" panose="020B0604020202020204" pitchFamily="34" charset="0"/>
-              <a:buChar char="•"/>
-            </a:pPr>
-            <a:r>
-              <a:rPr lang="en-US" sz="2000" dirty="0"/>
-              <a:t>Add “</a:t>
-            </a:r>
-            <a:r>
-              <a:rPr lang="en-US" sz="2000" dirty="0">
-                <a:latin typeface="Courier New" panose="02070309020205020404" pitchFamily="49" charset="0"/>
-                <a:cs typeface="Courier New" panose="02070309020205020404" pitchFamily="49" charset="0"/>
-              </a:rPr>
-              <a:t>--check-syntax</a:t>
-            </a:r>
-            <a:r>
-              <a:rPr lang="en-US" sz="2000" dirty="0"/>
-              <a:t>” to check playbook for syntax errors</a:t>
-            </a:r>
-          </a:p>
-          <a:p>
-            <a:pPr marL="457200" indent="-457200">
-              <a:buFont typeface="Arial" panose="020B0604020202020204" pitchFamily="34" charset="0"/>
-              <a:buChar char="•"/>
-            </a:pPr>
-            <a:r>
-              <a:rPr lang="en-US" sz="2000" dirty="0"/>
-              <a:t>Add “</a:t>
-            </a:r>
-            <a:r>
-              <a:rPr lang="en-US" sz="2000" dirty="0">
-                <a:latin typeface="Courier New" panose="02070309020205020404" pitchFamily="49" charset="0"/>
-                <a:cs typeface="Courier New" panose="02070309020205020404" pitchFamily="49" charset="0"/>
-              </a:rPr>
-              <a:t>--verbose</a:t>
-            </a:r>
-            <a:r>
-              <a:rPr lang="en-US" sz="2000" dirty="0"/>
-              <a:t>” to view live output when playbook runs (more for debugging)</a:t>
-            </a:r>
-          </a:p>
-          <a:p>
-            <a:pPr marL="457200" indent="-457200">
-              <a:buFont typeface="Arial" panose="020B0604020202020204" pitchFamily="34" charset="0"/>
-              <a:buChar char="•"/>
-            </a:pPr>
-            <a:r>
-              <a:rPr lang="en-US" sz="2000" dirty="0"/>
-              <a:t>Play recap shows quick overview of run playbook:</a:t>
-            </a:r>
-          </a:p>
-          <a:p>
-            <a:pPr marL="457200" indent="-457200">
-              <a:buFont typeface="Arial" panose="020B0604020202020204" pitchFamily="34" charset="0"/>
-              <a:buChar char="•"/>
-            </a:pPr>
-            <a:endParaRPr lang="en-US" sz="2000" dirty="0"/>
-          </a:p>
-          <a:p>
-            <a:pPr marL="457200" indent="-457200">
-              <a:buFont typeface="Arial" panose="020B0604020202020204" pitchFamily="34" charset="0"/>
-              <a:buChar char="•"/>
-            </a:pPr>
-            <a:endParaRPr lang="en-US" sz="2000" dirty="0"/>
-          </a:p>
-          <a:p>
-            <a:pPr marL="457200" indent="-457200">
-              <a:buFont typeface="Arial" panose="020B0604020202020204" pitchFamily="34" charset="0"/>
-              <a:buChar char="•"/>
-            </a:pPr>
-            <a:endParaRPr lang="en-US" sz="2000" dirty="0"/>
-          </a:p>
-          <a:p>
-            <a:pPr marL="457200" indent="-457200">
-              <a:buFont typeface="Arial" panose="020B0604020202020204" pitchFamily="34" charset="0"/>
-              <a:buChar char="•"/>
-            </a:pPr>
-            <a:r>
-              <a:rPr lang="en-US" sz="2000" dirty="0"/>
-              <a:t>Play recap of legend:</a:t>
-            </a:r>
-          </a:p>
-          <a:p>
-            <a:pPr marL="815363" lvl="1" indent="-457200">
-              <a:buFont typeface="Arial" panose="020B0604020202020204" pitchFamily="34" charset="0"/>
-              <a:buChar char="•"/>
-            </a:pPr>
-            <a:r>
-              <a:rPr lang="en-US" sz="2000" dirty="0"/>
-              <a:t>Yellow = something changed (saved file in this case)	</a:t>
-            </a:r>
-          </a:p>
-          <a:p>
-            <a:pPr marL="815363" lvl="1" indent="-457200">
-              <a:buFont typeface="Arial" panose="020B0604020202020204" pitchFamily="34" charset="0"/>
-              <a:buChar char="•"/>
-            </a:pPr>
-            <a:r>
-              <a:rPr lang="en-US" sz="2000" dirty="0"/>
-              <a:t>Green = everything is OK no errors occurred</a:t>
-            </a:r>
-          </a:p>
-          <a:p>
-            <a:pPr marL="815363" lvl="1" indent="-457200">
-              <a:buFont typeface="Arial" panose="020B0604020202020204" pitchFamily="34" charset="0"/>
-              <a:buChar char="•"/>
-            </a:pPr>
-            <a:r>
-              <a:rPr lang="en-US" sz="2000" dirty="0"/>
-              <a:t>Red = an error occurred (play stops once error occurs):</a:t>
-            </a:r>
-          </a:p>
-          <a:p>
-            <a:r>
-              <a:rPr lang="en-US" sz="2000" dirty="0"/>
-              <a:t> </a:t>
-            </a:r>
-            <a:endParaRPr lang="nl-BE" sz="2000" dirty="0"/>
-          </a:p>
-        </p:txBody>
-      </p:sp>
-      <p:sp>
-        <p:nvSpPr>
-          <p:cNvPr id="4" name="Footer Placeholder 3">
-            <a:extLst>
-              <a:ext uri="{FF2B5EF4-FFF2-40B4-BE49-F238E27FC236}">
-                <a16:creationId xmlns:a16="http://schemas.microsoft.com/office/drawing/2014/main" id="{88947A4A-A97F-4CD4-B794-6D4076A5261F}"/>
-              </a:ext>
-            </a:extLst>
-          </p:cNvPr>
-          <p:cNvSpPr>
-            <a:spLocks noGrp="1"/>
-          </p:cNvSpPr>
-          <p:nvPr>
-            <p:ph type="ftr" sz="quarter" idx="11"/>
-          </p:nvPr>
-        </p:nvSpPr>
-        <p:spPr/>
-        <p:txBody>
-          <a:bodyPr/>
-          <a:lstStyle/>
-          <a:p>
-            <a:r>
-              <a:rPr lang="nl-BE" dirty="0"/>
-              <a:t>Ansible – Introduction</a:t>
-            </a:r>
-          </a:p>
-        </p:txBody>
-      </p:sp>
-      <p:sp>
-        <p:nvSpPr>
-          <p:cNvPr id="5" name="Slide Number Placeholder 4">
-            <a:extLst>
-              <a:ext uri="{FF2B5EF4-FFF2-40B4-BE49-F238E27FC236}">
-                <a16:creationId xmlns:a16="http://schemas.microsoft.com/office/drawing/2014/main" id="{F1770228-2C71-4008-82FD-CF3B4801A8D8}"/>
-              </a:ext>
-            </a:extLst>
-          </p:cNvPr>
-          <p:cNvSpPr>
-            <a:spLocks noGrp="1"/>
-          </p:cNvSpPr>
-          <p:nvPr>
-            <p:ph type="sldNum" sz="quarter" idx="12"/>
-          </p:nvPr>
-        </p:nvSpPr>
-        <p:spPr/>
-        <p:txBody>
-          <a:bodyPr/>
-          <a:lstStyle/>
-          <a:p>
-            <a:fld id="{FF88DA20-ED00-471C-9170-60F590CB400A}" type="slidenum">
-              <a:rPr lang="nl-BE" smtClean="0"/>
-              <a:t>44</a:t>
-            </a:fld>
-            <a:endParaRPr lang="nl-BE"/>
-          </a:p>
-        </p:txBody>
-      </p:sp>
-      <p:sp>
-        <p:nvSpPr>
-          <p:cNvPr id="8" name="Title 1">
-            <a:extLst>
-              <a:ext uri="{FF2B5EF4-FFF2-40B4-BE49-F238E27FC236}">
-                <a16:creationId xmlns:a16="http://schemas.microsoft.com/office/drawing/2014/main" id="{F2361ACF-39B4-45D8-A1D6-8BDFCEB2B250}"/>
-              </a:ext>
-            </a:extLst>
-          </p:cNvPr>
-          <p:cNvSpPr>
-            <a:spLocks noGrp="1"/>
-          </p:cNvSpPr>
-          <p:nvPr>
-            <p:ph type="title"/>
-          </p:nvPr>
-        </p:nvSpPr>
-        <p:spPr>
-          <a:xfrm>
-            <a:off x="396000" y="612000"/>
-            <a:ext cx="10515600" cy="684000"/>
-          </a:xfrm>
-        </p:spPr>
-        <p:txBody>
-          <a:bodyPr/>
-          <a:lstStyle/>
-          <a:p>
-            <a:r>
-              <a:rPr lang="nl-BE" dirty="0">
-                <a:solidFill>
-                  <a:srgbClr val="0085FE"/>
-                </a:solidFill>
-              </a:rPr>
-              <a:t>Run playbook</a:t>
-            </a:r>
-            <a:endParaRPr lang="en-US" dirty="0">
-              <a:solidFill>
-                <a:srgbClr val="0085FE"/>
-              </a:solidFill>
-            </a:endParaRPr>
-          </a:p>
-        </p:txBody>
-      </p:sp>
-      <p:pic>
-        <p:nvPicPr>
-          <p:cNvPr id="6" name="Picture 5">
-            <a:extLst>
-              <a:ext uri="{FF2B5EF4-FFF2-40B4-BE49-F238E27FC236}">
-                <a16:creationId xmlns:a16="http://schemas.microsoft.com/office/drawing/2014/main" id="{00F8CAE9-6417-4891-AB6B-D6B855F16F90}"/>
-              </a:ext>
-            </a:extLst>
-          </p:cNvPr>
-          <p:cNvPicPr>
-            <a:picLocks noChangeAspect="1"/>
-          </p:cNvPicPr>
-          <p:nvPr/>
-        </p:nvPicPr>
-        <p:blipFill>
-          <a:blip r:embed="rId2"/>
-          <a:stretch>
-            <a:fillRect/>
-          </a:stretch>
-        </p:blipFill>
-        <p:spPr>
-          <a:xfrm>
-            <a:off x="1676123" y="3173679"/>
-            <a:ext cx="8839753" cy="966848"/>
-          </a:xfrm>
-          <a:prstGeom prst="rect">
-            <a:avLst/>
-          </a:prstGeom>
-        </p:spPr>
-      </p:pic>
-      <p:pic>
-        <p:nvPicPr>
-          <p:cNvPr id="11" name="Picture 10">
-            <a:extLst>
-              <a:ext uri="{FF2B5EF4-FFF2-40B4-BE49-F238E27FC236}">
-                <a16:creationId xmlns:a16="http://schemas.microsoft.com/office/drawing/2014/main" id="{9C1E9B76-0C76-4C9A-BE5E-EEECEBBD2ECE}"/>
-              </a:ext>
-            </a:extLst>
-          </p:cNvPr>
-          <p:cNvPicPr>
-            <a:picLocks noChangeAspect="1"/>
-          </p:cNvPicPr>
-          <p:nvPr/>
-        </p:nvPicPr>
-        <p:blipFill>
-          <a:blip r:embed="rId3"/>
-          <a:stretch>
-            <a:fillRect/>
-          </a:stretch>
-        </p:blipFill>
-        <p:spPr>
-          <a:xfrm>
-            <a:off x="7304993" y="5127494"/>
-            <a:ext cx="4887007" cy="1781424"/>
-          </a:xfrm>
-          <a:prstGeom prst="rect">
-            <a:avLst/>
-          </a:prstGeom>
-        </p:spPr>
-      </p:pic>
-    </p:spTree>
-    <p:extLst>
-      <p:ext uri="{BB962C8B-B14F-4D97-AF65-F5344CB8AC3E}">
-        <p14:creationId xmlns:p14="http://schemas.microsoft.com/office/powerpoint/2010/main" val="769256954"/>
-      </p:ext>
-    </p:extLst>
-  </p:cSld>
-  <p:clrMapOvr>
-    <a:masterClrMapping/>
-  </p:clrMapOvr>
-</p:sld>
-</file>
-
-<file path=ppt/slides/slide45.xml><?xml version="1.0" encoding="utf-8"?>
-<p:sld xmlns:a="http://schemas.openxmlformats.org/drawingml/2006/main" xmlns:r="http://schemas.openxmlformats.org/officeDocument/2006/relationships" xmlns:p="http://schemas.openxmlformats.org/presentationml/2006/main">
-  <p:cSld>
-    <p:spTree>
-      <p:nvGrpSpPr>
-        <p:cNvPr id="1" name=""/>
-        <p:cNvGrpSpPr/>
-        <p:nvPr/>
-      </p:nvGrpSpPr>
-      <p:grpSpPr>
-        <a:xfrm>
-          <a:off x="0" y="0"/>
-          <a:ext cx="0" cy="0"/>
-          <a:chOff x="0" y="0"/>
-          <a:chExt cx="0" cy="0"/>
-        </a:xfrm>
-      </p:grpSpPr>
-      <p:sp>
-        <p:nvSpPr>
           <p:cNvPr id="2" name="Title 1">
             <a:extLst>
               <a:ext uri="{FF2B5EF4-FFF2-40B4-BE49-F238E27FC236}">
@@ -19372,7 +19189,7 @@
           <a:p>
             <a:fld id="{FF88DA20-ED00-471C-9170-60F590CB400A}" type="slidenum">
               <a:rPr lang="nl-BE" smtClean="0"/>
-              <a:t>45</a:t>
+              <a:t>44</a:t>
             </a:fld>
             <a:endParaRPr lang="nl-BE"/>
           </a:p>
